--- a/slide/graduate.pptx
+++ b/slide/graduate.pptx
@@ -5,7 +5,7 @@
     <p:sldMasterId id="2147483660" r:id="rId1"/>
   </p:sldMasterIdLst>
   <p:notesMasterIdLst>
-    <p:notesMasterId r:id="rId25"/>
+    <p:notesMasterId r:id="rId26"/>
   </p:notesMasterIdLst>
   <p:sldIdLst>
     <p:sldId id="266" r:id="rId2"/>
@@ -17,20 +17,21 @@
     <p:sldId id="260" r:id="rId8"/>
     <p:sldId id="280" r:id="rId9"/>
     <p:sldId id="262" r:id="rId10"/>
-    <p:sldId id="271" r:id="rId11"/>
-    <p:sldId id="272" r:id="rId12"/>
-    <p:sldId id="282" r:id="rId13"/>
-    <p:sldId id="273" r:id="rId14"/>
-    <p:sldId id="263" r:id="rId15"/>
-    <p:sldId id="274" r:id="rId16"/>
-    <p:sldId id="264" r:id="rId17"/>
-    <p:sldId id="277" r:id="rId18"/>
-    <p:sldId id="281" r:id="rId19"/>
-    <p:sldId id="278" r:id="rId20"/>
-    <p:sldId id="265" r:id="rId21"/>
-    <p:sldId id="258" r:id="rId22"/>
-    <p:sldId id="261" r:id="rId23"/>
-    <p:sldId id="275" r:id="rId24"/>
+    <p:sldId id="283" r:id="rId11"/>
+    <p:sldId id="271" r:id="rId12"/>
+    <p:sldId id="272" r:id="rId13"/>
+    <p:sldId id="282" r:id="rId14"/>
+    <p:sldId id="273" r:id="rId15"/>
+    <p:sldId id="263" r:id="rId16"/>
+    <p:sldId id="274" r:id="rId17"/>
+    <p:sldId id="264" r:id="rId18"/>
+    <p:sldId id="277" r:id="rId19"/>
+    <p:sldId id="281" r:id="rId20"/>
+    <p:sldId id="278" r:id="rId21"/>
+    <p:sldId id="265" r:id="rId22"/>
+    <p:sldId id="258" r:id="rId23"/>
+    <p:sldId id="261" r:id="rId24"/>
+    <p:sldId id="275" r:id="rId25"/>
   </p:sldIdLst>
   <p:sldSz cx="9144000" cy="6858000" type="screen4x3"/>
   <p:notesSz cx="6858000" cy="9144000"/>
@@ -231,7 +232,7 @@
           <a:p>
             <a:fld id="{2E551797-1660-7E44-91A9-4005D4906C9D}" type="datetimeFigureOut">
               <a:rPr lang="en-US" smtClean="0"/>
-              <a:t>1/26/18</a:t>
+              <a:t>1/27/18</a:t>
             </a:fld>
             <a:endParaRPr lang="en-US"/>
           </a:p>
@@ -818,7 +819,7 @@
           <a:p>
             <a:fld id="{AF8C3CD4-EC76-BD4C-9E4E-77FD717E9643}" type="slidenum">
               <a:rPr lang="en-US" smtClean="0"/>
-              <a:t>16</a:t>
+              <a:t>17</a:t>
             </a:fld>
             <a:endParaRPr lang="en-US"/>
           </a:p>
@@ -913,7 +914,7 @@
           <a:p>
             <a:fld id="{AF8C3CD4-EC76-BD4C-9E4E-77FD717E9643}" type="slidenum">
               <a:rPr lang="en-US" smtClean="0"/>
-              <a:t>22</a:t>
+              <a:t>23</a:t>
             </a:fld>
             <a:endParaRPr lang="en-US"/>
           </a:p>
@@ -1142,8 +1143,13 @@
               <a:avLst/>
             </a:prstGeom>
             <a:solidFill>
-              <a:srgbClr val="4285F4"/>
+              <a:srgbClr val="EA4335"/>
             </a:solidFill>
+            <a:ln>
+              <a:solidFill>
+                <a:srgbClr val="EA4335"/>
+              </a:solidFill>
+            </a:ln>
           </p:spPr>
           <p:style>
             <a:lnRef idx="2">
@@ -1166,7 +1172,7 @@
             <a:lstStyle/>
             <a:p>
               <a:pPr algn="ctr"/>
-              <a:endParaRPr lang="en-US"/>
+              <a:endParaRPr lang="en-US" dirty="0"/>
             </a:p>
           </p:txBody>
         </p:sp>
@@ -1245,11 +1251,11 @@
               <a:avLst/>
             </a:prstGeom>
             <a:solidFill>
-              <a:srgbClr val="FBBC05"/>
+              <a:srgbClr val="EA4335"/>
             </a:solidFill>
             <a:ln>
               <a:solidFill>
-                <a:srgbClr val="FBBC05"/>
+                <a:srgbClr val="EA4335"/>
               </a:solidFill>
             </a:ln>
           </p:spPr>
@@ -1299,11 +1305,11 @@
               <a:avLst/>
             </a:prstGeom>
             <a:solidFill>
-              <a:srgbClr val="34A853"/>
+              <a:srgbClr val="EA4335"/>
             </a:solidFill>
             <a:ln>
               <a:solidFill>
-                <a:srgbClr val="34A853"/>
+                <a:srgbClr val="EA4335"/>
               </a:solidFill>
             </a:ln>
           </p:spPr>
@@ -2149,10 +2155,10 @@
       </p:sp>
       <p:grpSp>
         <p:nvGrpSpPr>
-          <p:cNvPr id="4" name="Group 3">
+          <p:cNvPr id="12" name="Group 11">
             <a:extLst>
               <a:ext uri="{FF2B5EF4-FFF2-40B4-BE49-F238E27FC236}">
-                <a16:creationId xmlns:a16="http://schemas.microsoft.com/office/drawing/2014/main" id="{33BA6FCC-1C8A-864C-965C-AF94233C850A}"/>
+                <a16:creationId xmlns:a16="http://schemas.microsoft.com/office/drawing/2014/main" id="{C37B63CD-6DF9-994D-9F80-9E079C7036F4}"/>
               </a:ext>
             </a:extLst>
           </p:cNvPr>
@@ -2161,18 +2167,18 @@
         </p:nvGrpSpPr>
         <p:grpSpPr>
           <a:xfrm>
-            <a:off x="5313150" y="6242923"/>
+            <a:off x="5303524" y="6254637"/>
             <a:ext cx="3503592" cy="113262"/>
-            <a:chOff x="5011758" y="6243089"/>
+            <a:chOff x="5666073" y="6007838"/>
             <a:chExt cx="3503592" cy="113262"/>
           </a:xfrm>
         </p:grpSpPr>
         <p:sp>
           <p:nvSpPr>
-            <p:cNvPr id="8" name="Rectangle 7">
+            <p:cNvPr id="13" name="Rectangle 12">
               <a:extLst>
                 <a:ext uri="{FF2B5EF4-FFF2-40B4-BE49-F238E27FC236}">
-                  <a16:creationId xmlns:a16="http://schemas.microsoft.com/office/drawing/2014/main" id="{DDBA916E-696F-A041-A26F-7FECDC50A9A6}"/>
+                  <a16:creationId xmlns:a16="http://schemas.microsoft.com/office/drawing/2014/main" id="{AD775279-6FA8-2549-A9D2-8CE441963F84}"/>
                 </a:ext>
               </a:extLst>
             </p:cNvPr>
@@ -2181,18 +2187,18 @@
           </p:nvSpPr>
           <p:spPr>
             <a:xfrm>
-              <a:off x="5011758" y="6243255"/>
+              <a:off x="5666073" y="6008004"/>
               <a:ext cx="875898" cy="113096"/>
             </a:xfrm>
             <a:prstGeom prst="rect">
               <a:avLst/>
             </a:prstGeom>
             <a:solidFill>
-              <a:srgbClr val="4285F4"/>
+              <a:srgbClr val="EA4335"/>
             </a:solidFill>
             <a:ln>
               <a:solidFill>
-                <a:srgbClr val="4285F4"/>
+                <a:srgbClr val="EA4335"/>
               </a:solidFill>
             </a:ln>
           </p:spPr>
@@ -2217,16 +2223,16 @@
             <a:lstStyle/>
             <a:p>
               <a:pPr algn="ctr"/>
-              <a:endParaRPr lang="en-US"/>
+              <a:endParaRPr lang="en-US" dirty="0"/>
             </a:p>
           </p:txBody>
         </p:sp>
         <p:sp>
           <p:nvSpPr>
-            <p:cNvPr id="9" name="Rectangle 8">
+            <p:cNvPr id="14" name="Rectangle 13">
               <a:extLst>
                 <a:ext uri="{FF2B5EF4-FFF2-40B4-BE49-F238E27FC236}">
-                  <a16:creationId xmlns:a16="http://schemas.microsoft.com/office/drawing/2014/main" id="{68B724F3-7759-6B4D-8887-81623F4B607A}"/>
+                  <a16:creationId xmlns:a16="http://schemas.microsoft.com/office/drawing/2014/main" id="{3A351CFF-05FB-F449-9AEC-62EAD88B9D4D}"/>
                 </a:ext>
               </a:extLst>
             </p:cNvPr>
@@ -2235,7 +2241,7 @@
           </p:nvSpPr>
           <p:spPr>
             <a:xfrm>
-              <a:off x="5887656" y="6243255"/>
+              <a:off x="6541971" y="6008004"/>
               <a:ext cx="875898" cy="113096"/>
             </a:xfrm>
             <a:prstGeom prst="rect">
@@ -2277,10 +2283,10 @@
         </p:sp>
         <p:sp>
           <p:nvSpPr>
-            <p:cNvPr id="10" name="Rectangle 9">
+            <p:cNvPr id="15" name="Rectangle 14">
               <a:extLst>
                 <a:ext uri="{FF2B5EF4-FFF2-40B4-BE49-F238E27FC236}">
-                  <a16:creationId xmlns:a16="http://schemas.microsoft.com/office/drawing/2014/main" id="{FBDC2205-3DFF-F244-82C5-91526F2FBE31}"/>
+                  <a16:creationId xmlns:a16="http://schemas.microsoft.com/office/drawing/2014/main" id="{F893A3A4-0653-CF48-A492-8668396FCE2A}"/>
                 </a:ext>
               </a:extLst>
             </p:cNvPr>
@@ -2289,18 +2295,18 @@
           </p:nvSpPr>
           <p:spPr>
             <a:xfrm>
-              <a:off x="6763554" y="6243089"/>
+              <a:off x="7417869" y="6007838"/>
               <a:ext cx="875898" cy="113096"/>
             </a:xfrm>
             <a:prstGeom prst="rect">
               <a:avLst/>
             </a:prstGeom>
             <a:solidFill>
-              <a:srgbClr val="FBBC05"/>
+              <a:srgbClr val="EA4335"/>
             </a:solidFill>
             <a:ln>
               <a:solidFill>
-                <a:srgbClr val="FBBC05"/>
+                <a:srgbClr val="EA4335"/>
               </a:solidFill>
             </a:ln>
           </p:spPr>
@@ -2331,10 +2337,10 @@
         </p:sp>
         <p:sp>
           <p:nvSpPr>
-            <p:cNvPr id="11" name="Rectangle 10">
+            <p:cNvPr id="16" name="Rectangle 15">
               <a:extLst>
                 <a:ext uri="{FF2B5EF4-FFF2-40B4-BE49-F238E27FC236}">
-                  <a16:creationId xmlns:a16="http://schemas.microsoft.com/office/drawing/2014/main" id="{BCD60AEF-976F-C246-B5C4-93D7EDDD5966}"/>
+                  <a16:creationId xmlns:a16="http://schemas.microsoft.com/office/drawing/2014/main" id="{A9FD83E4-DC7D-544D-B73F-1A1BFD7E9325}"/>
                 </a:ext>
               </a:extLst>
             </p:cNvPr>
@@ -2343,18 +2349,18 @@
           </p:nvSpPr>
           <p:spPr>
             <a:xfrm>
-              <a:off x="7639452" y="6243089"/>
+              <a:off x="8293767" y="6007838"/>
               <a:ext cx="875898" cy="113096"/>
             </a:xfrm>
             <a:prstGeom prst="rect">
               <a:avLst/>
             </a:prstGeom>
             <a:solidFill>
-              <a:srgbClr val="34A853"/>
+              <a:srgbClr val="EA4335"/>
             </a:solidFill>
             <a:ln>
               <a:solidFill>
-                <a:srgbClr val="34A853"/>
+                <a:srgbClr val="EA4335"/>
               </a:solidFill>
             </a:ln>
           </p:spPr>
@@ -3110,10 +3116,10 @@
       </p:sp>
       <p:grpSp>
         <p:nvGrpSpPr>
-          <p:cNvPr id="9" name="Group 8">
+          <p:cNvPr id="14" name="Group 13">
             <a:extLst>
               <a:ext uri="{FF2B5EF4-FFF2-40B4-BE49-F238E27FC236}">
-                <a16:creationId xmlns:a16="http://schemas.microsoft.com/office/drawing/2014/main" id="{314057CE-9976-EC42-BFE3-00013CB82184}"/>
+                <a16:creationId xmlns:a16="http://schemas.microsoft.com/office/drawing/2014/main" id="{C1A16E70-0F1F-3B47-836E-B765569C8E70}"/>
               </a:ext>
             </a:extLst>
           </p:cNvPr>
@@ -3122,18 +3128,18 @@
         </p:nvGrpSpPr>
         <p:grpSpPr>
           <a:xfrm>
-            <a:off x="5313148" y="6252204"/>
+            <a:off x="5313148" y="6247647"/>
             <a:ext cx="3503592" cy="113262"/>
-            <a:chOff x="5011758" y="6243089"/>
+            <a:chOff x="5666073" y="6007838"/>
             <a:chExt cx="3503592" cy="113262"/>
           </a:xfrm>
         </p:grpSpPr>
         <p:sp>
           <p:nvSpPr>
-            <p:cNvPr id="10" name="Rectangle 9">
+            <p:cNvPr id="15" name="Rectangle 14">
               <a:extLst>
                 <a:ext uri="{FF2B5EF4-FFF2-40B4-BE49-F238E27FC236}">
-                  <a16:creationId xmlns:a16="http://schemas.microsoft.com/office/drawing/2014/main" id="{DF4A47B6-6B33-364F-AEA5-36458C450B76}"/>
+                  <a16:creationId xmlns:a16="http://schemas.microsoft.com/office/drawing/2014/main" id="{C065084C-BD71-5A4E-ACE8-F9A74E7FA2A0}"/>
                 </a:ext>
               </a:extLst>
             </p:cNvPr>
@@ -3142,18 +3148,18 @@
           </p:nvSpPr>
           <p:spPr>
             <a:xfrm>
-              <a:off x="5011758" y="6243255"/>
+              <a:off x="5666073" y="6008004"/>
               <a:ext cx="875898" cy="113096"/>
             </a:xfrm>
             <a:prstGeom prst="rect">
               <a:avLst/>
             </a:prstGeom>
             <a:solidFill>
-              <a:srgbClr val="4285F4"/>
+              <a:srgbClr val="EA4335"/>
             </a:solidFill>
             <a:ln>
               <a:solidFill>
-                <a:srgbClr val="4285F4"/>
+                <a:srgbClr val="EA4335"/>
               </a:solidFill>
             </a:ln>
           </p:spPr>
@@ -3178,16 +3184,16 @@
             <a:lstStyle/>
             <a:p>
               <a:pPr algn="ctr"/>
-              <a:endParaRPr lang="en-US"/>
+              <a:endParaRPr lang="en-US" dirty="0"/>
             </a:p>
           </p:txBody>
         </p:sp>
         <p:sp>
           <p:nvSpPr>
-            <p:cNvPr id="11" name="Rectangle 10">
+            <p:cNvPr id="16" name="Rectangle 15">
               <a:extLst>
                 <a:ext uri="{FF2B5EF4-FFF2-40B4-BE49-F238E27FC236}">
-                  <a16:creationId xmlns:a16="http://schemas.microsoft.com/office/drawing/2014/main" id="{F5950ACF-DC41-BB4C-9309-5A6CB7866A01}"/>
+                  <a16:creationId xmlns:a16="http://schemas.microsoft.com/office/drawing/2014/main" id="{6730513A-C3E8-FB49-985B-52DE44D052B2}"/>
                 </a:ext>
               </a:extLst>
             </p:cNvPr>
@@ -3196,7 +3202,7 @@
           </p:nvSpPr>
           <p:spPr>
             <a:xfrm>
-              <a:off x="5887656" y="6243255"/>
+              <a:off x="6541971" y="6008004"/>
               <a:ext cx="875898" cy="113096"/>
             </a:xfrm>
             <a:prstGeom prst="rect">
@@ -3238,10 +3244,10 @@
         </p:sp>
         <p:sp>
           <p:nvSpPr>
-            <p:cNvPr id="12" name="Rectangle 11">
+            <p:cNvPr id="17" name="Rectangle 16">
               <a:extLst>
                 <a:ext uri="{FF2B5EF4-FFF2-40B4-BE49-F238E27FC236}">
-                  <a16:creationId xmlns:a16="http://schemas.microsoft.com/office/drawing/2014/main" id="{948D1DBD-D765-C341-99FD-89087B24F9BB}"/>
+                  <a16:creationId xmlns:a16="http://schemas.microsoft.com/office/drawing/2014/main" id="{7BDAEC16-354B-3E45-A8BB-34066DEE38D5}"/>
                 </a:ext>
               </a:extLst>
             </p:cNvPr>
@@ -3250,18 +3256,18 @@
           </p:nvSpPr>
           <p:spPr>
             <a:xfrm>
-              <a:off x="6763554" y="6243089"/>
+              <a:off x="7417869" y="6007838"/>
               <a:ext cx="875898" cy="113096"/>
             </a:xfrm>
             <a:prstGeom prst="rect">
               <a:avLst/>
             </a:prstGeom>
             <a:solidFill>
-              <a:srgbClr val="FBBC05"/>
+              <a:srgbClr val="EA4335"/>
             </a:solidFill>
             <a:ln>
               <a:solidFill>
-                <a:srgbClr val="FBBC05"/>
+                <a:srgbClr val="EA4335"/>
               </a:solidFill>
             </a:ln>
           </p:spPr>
@@ -3292,10 +3298,10 @@
         </p:sp>
         <p:sp>
           <p:nvSpPr>
-            <p:cNvPr id="13" name="Rectangle 12">
+            <p:cNvPr id="18" name="Rectangle 17">
               <a:extLst>
                 <a:ext uri="{FF2B5EF4-FFF2-40B4-BE49-F238E27FC236}">
-                  <a16:creationId xmlns:a16="http://schemas.microsoft.com/office/drawing/2014/main" id="{577EE9B8-3335-E345-9067-B77D50BE066F}"/>
+                  <a16:creationId xmlns:a16="http://schemas.microsoft.com/office/drawing/2014/main" id="{E1FF3245-BD2C-F84B-8466-A89778845B6A}"/>
                 </a:ext>
               </a:extLst>
             </p:cNvPr>
@@ -3304,18 +3310,18 @@
           </p:nvSpPr>
           <p:spPr>
             <a:xfrm>
-              <a:off x="7639452" y="6243089"/>
+              <a:off x="8293767" y="6007838"/>
               <a:ext cx="875898" cy="113096"/>
             </a:xfrm>
             <a:prstGeom prst="rect">
               <a:avLst/>
             </a:prstGeom>
             <a:solidFill>
-              <a:srgbClr val="34A853"/>
+              <a:srgbClr val="EA4335"/>
             </a:solidFill>
             <a:ln>
               <a:solidFill>
-                <a:srgbClr val="34A853"/>
+                <a:srgbClr val="EA4335"/>
               </a:solidFill>
             </a:ln>
           </p:spPr>
@@ -4922,7 +4928,7 @@
           <p:cNvPr id="2" name="Title 1">
             <a:extLst>
               <a:ext uri="{FF2B5EF4-FFF2-40B4-BE49-F238E27FC236}">
-                <a16:creationId xmlns:a16="http://schemas.microsoft.com/office/drawing/2014/main" id="{55D35CD2-C1AE-6945-8B31-1E78F88BC53B}"/>
+                <a16:creationId xmlns:a16="http://schemas.microsoft.com/office/drawing/2014/main" id="{00659823-9A47-5A4F-BCE5-B32B117DA67E}"/>
               </a:ext>
             </a:extLst>
           </p:cNvPr>
@@ -4940,7 +4946,7 @@
           <a:p>
             <a:r>
               <a:rPr lang="ja-JP" altLang="en-US" dirty="0"/>
-              <a:t>並列化検討</a:t>
+              <a:t>本研究のコントリビューション</a:t>
             </a:r>
             <a:endParaRPr lang="en-US" dirty="0"/>
           </a:p>
@@ -4951,7 +4957,7 @@
           <p:cNvPr id="3" name="Content Placeholder 2">
             <a:extLst>
               <a:ext uri="{FF2B5EF4-FFF2-40B4-BE49-F238E27FC236}">
-                <a16:creationId xmlns:a16="http://schemas.microsoft.com/office/drawing/2014/main" id="{C1CDE55F-1F31-BD41-8A41-27952E4EED34}"/>
+                <a16:creationId xmlns:a16="http://schemas.microsoft.com/office/drawing/2014/main" id="{EAB14B89-0154-464B-A50C-51342609A3B7}"/>
               </a:ext>
             </a:extLst>
           </p:cNvPr>
@@ -4967,46 +4973,59 @@
           <a:bodyPr/>
           <a:lstStyle/>
           <a:p>
-            <a:pPr>
-              <a:lnSpc>
-                <a:spcPct val="100000"/>
-              </a:lnSpc>
-            </a:pPr>
+            <a:r>
+              <a:rPr lang="ja-JP" altLang="en-US" dirty="0"/>
+              <a:t>マルチ</a:t>
+            </a:r>
             <a:r>
               <a:rPr lang="en-US" altLang="ja-JP" dirty="0"/>
+              <a:t>FPGA</a:t>
+            </a:r>
+            <a:r>
+              <a:rPr lang="ja-JP" altLang="en-US" dirty="0"/>
+              <a:t>による</a:t>
+            </a:r>
+            <a:r>
+              <a:rPr lang="en-US" altLang="ja-JP" dirty="0"/>
+              <a:t>CNN</a:t>
+            </a:r>
+            <a:r>
+              <a:rPr lang="ja-JP" altLang="en-US" dirty="0"/>
+              <a:t>アクセラレータ</a:t>
+            </a:r>
+            <a:endParaRPr lang="en-US" altLang="ja-JP" dirty="0"/>
+          </a:p>
+          <a:p>
+            <a:endParaRPr lang="en-US" dirty="0"/>
+          </a:p>
+          <a:p>
+            <a:r>
+              <a:rPr lang="en-US" dirty="0"/>
               <a:t>GoogLeNet</a:t>
             </a:r>
             <a:r>
               <a:rPr lang="ja-JP" altLang="en-US" dirty="0"/>
-              <a:t>の並列化</a:t>
+              <a:t>の</a:t>
+            </a:r>
+            <a:r>
+              <a:rPr lang="en-US" altLang="ja-JP" dirty="0"/>
+              <a:t>FPGA</a:t>
+            </a:r>
+            <a:r>
+              <a:rPr lang="ja-JP" altLang="en-US" dirty="0"/>
+              <a:t>実装</a:t>
             </a:r>
             <a:endParaRPr lang="en-US" altLang="ja-JP" dirty="0"/>
           </a:p>
           <a:p>
-            <a:pPr lvl="1">
-              <a:lnSpc>
-                <a:spcPct val="100000"/>
-              </a:lnSpc>
-            </a:pPr>
-            <a:r>
-              <a:rPr lang="ja-JP" altLang="en-US" dirty="0"/>
-              <a:t>畳み込み演算の並列化</a:t>
-            </a:r>
-            <a:endParaRPr lang="en-US" altLang="ja-JP" dirty="0"/>
-          </a:p>
-          <a:p>
-            <a:pPr lvl="1">
-              <a:lnSpc>
-                <a:spcPct val="100000"/>
-              </a:lnSpc>
-            </a:pPr>
+            <a:pPr lvl="1"/>
             <a:r>
               <a:rPr lang="en-US" altLang="ja-JP" dirty="0"/>
-              <a:t>Inception</a:t>
-            </a:r>
-            <a:r>
-              <a:rPr lang="ja-JP" altLang="en-US" dirty="0"/>
-              <a:t>層の計算スレッド分割</a:t>
+              <a:t>AlexNet</a:t>
+            </a:r>
+            <a:r>
+              <a:rPr lang="ja-JP" altLang="en-US" dirty="0"/>
+              <a:t>が実装対象となりやすい</a:t>
             </a:r>
             <a:endParaRPr lang="en-US" dirty="0"/>
           </a:p>
@@ -5017,7 +5036,7 @@
           <p:cNvPr id="4" name="Slide Number Placeholder 3">
             <a:extLst>
               <a:ext uri="{FF2B5EF4-FFF2-40B4-BE49-F238E27FC236}">
-                <a16:creationId xmlns:a16="http://schemas.microsoft.com/office/drawing/2014/main" id="{A6E64AC7-C6CA-5F42-A510-F4A9D3C7612F}"/>
+                <a16:creationId xmlns:a16="http://schemas.microsoft.com/office/drawing/2014/main" id="{B4B3AE10-1FC2-DF49-B89E-D58156F98724}"/>
               </a:ext>
             </a:extLst>
           </p:cNvPr>
@@ -5037,14 +5056,14 @@
               <a:rPr lang="en-US" smtClean="0"/>
               <a:t>10</a:t>
             </a:fld>
-            <a:endParaRPr lang="en-US"/>
+            <a:endParaRPr lang="en-US" dirty="0"/>
           </a:p>
         </p:txBody>
       </p:sp>
     </p:spTree>
     <p:extLst>
       <p:ext uri="{BB962C8B-B14F-4D97-AF65-F5344CB8AC3E}">
-        <p14:creationId xmlns:p14="http://schemas.microsoft.com/office/powerpoint/2010/main" val="3447425624"/>
+        <p14:creationId xmlns:p14="http://schemas.microsoft.com/office/powerpoint/2010/main" val="1062787650"/>
       </p:ext>
     </p:extLst>
   </p:cSld>
@@ -5094,7 +5113,7 @@
           <a:p>
             <a:r>
               <a:rPr lang="ja-JP" altLang="en-US" dirty="0"/>
-              <a:t>畳み込み演算の並列化</a:t>
+              <a:t>並列化検討</a:t>
             </a:r>
             <a:endParaRPr lang="en-US" dirty="0"/>
           </a:p>
@@ -5121,19 +5140,48 @@
           <a:bodyPr/>
           <a:lstStyle/>
           <a:p>
-            <a:r>
-              <a:rPr lang="ja-JP" altLang="en-US" dirty="0"/>
-              <a:t>畳み込み演算のデータ並列性</a:t>
+            <a:pPr>
+              <a:lnSpc>
+                <a:spcPct val="100000"/>
+              </a:lnSpc>
+            </a:pPr>
+            <a:r>
+              <a:rPr lang="en-US" altLang="ja-JP" dirty="0"/>
+              <a:t>GoogLeNet</a:t>
+            </a:r>
+            <a:r>
+              <a:rPr lang="ja-JP" altLang="en-US" dirty="0"/>
+              <a:t>の並列化</a:t>
             </a:r>
             <a:endParaRPr lang="en-US" altLang="ja-JP" dirty="0"/>
           </a:p>
           <a:p>
-            <a:pPr lvl="1"/>
-            <a:r>
-              <a:rPr lang="ja-JP" altLang="en-US" dirty="0"/>
-              <a:t>出力値分割</a:t>
+            <a:pPr lvl="1">
+              <a:lnSpc>
+                <a:spcPct val="100000"/>
+              </a:lnSpc>
+            </a:pPr>
+            <a:r>
+              <a:rPr lang="ja-JP" altLang="en-US" dirty="0"/>
+              <a:t>畳み込み演算の並列化</a:t>
             </a:r>
             <a:endParaRPr lang="en-US" altLang="ja-JP" dirty="0"/>
+          </a:p>
+          <a:p>
+            <a:pPr lvl="1">
+              <a:lnSpc>
+                <a:spcPct val="100000"/>
+              </a:lnSpc>
+            </a:pPr>
+            <a:r>
+              <a:rPr lang="en-US" altLang="ja-JP" dirty="0"/>
+              <a:t>Inception</a:t>
+            </a:r>
+            <a:r>
+              <a:rPr lang="ja-JP" altLang="en-US" dirty="0"/>
+              <a:t>層の計算スレッド分割</a:t>
+            </a:r>
+            <a:endParaRPr lang="en-US" dirty="0"/>
           </a:p>
         </p:txBody>
       </p:sp>
@@ -5142,7 +5190,7 @@
           <p:cNvPr id="4" name="Slide Number Placeholder 3">
             <a:extLst>
               <a:ext uri="{FF2B5EF4-FFF2-40B4-BE49-F238E27FC236}">
-                <a16:creationId xmlns:a16="http://schemas.microsoft.com/office/drawing/2014/main" id="{815AFDB5-B1D3-8740-9A11-7CD378940FE1}"/>
+                <a16:creationId xmlns:a16="http://schemas.microsoft.com/office/drawing/2014/main" id="{A6E64AC7-C6CA-5F42-A510-F4A9D3C7612F}"/>
               </a:ext>
             </a:extLst>
           </p:cNvPr>
@@ -5169,7 +5217,7 @@
     </p:spTree>
     <p:extLst>
       <p:ext uri="{BB962C8B-B14F-4D97-AF65-F5344CB8AC3E}">
-        <p14:creationId xmlns:p14="http://schemas.microsoft.com/office/powerpoint/2010/main" val="3954525887"/>
+        <p14:creationId xmlns:p14="http://schemas.microsoft.com/office/powerpoint/2010/main" val="3447425624"/>
       </p:ext>
     </p:extLst>
   </p:cSld>
@@ -5286,6 +5334,131 @@
             <a:fld id="{AE60790C-7B88-2D40-A70D-E54200C05D47}" type="slidenum">
               <a:rPr lang="en-US" smtClean="0"/>
               <a:t>12</a:t>
+            </a:fld>
+            <a:endParaRPr lang="en-US"/>
+          </a:p>
+        </p:txBody>
+      </p:sp>
+    </p:spTree>
+    <p:extLst>
+      <p:ext uri="{BB962C8B-B14F-4D97-AF65-F5344CB8AC3E}">
+        <p14:creationId xmlns:p14="http://schemas.microsoft.com/office/powerpoint/2010/main" val="3954525887"/>
+      </p:ext>
+    </p:extLst>
+  </p:cSld>
+  <p:clrMapOvr>
+    <a:masterClrMapping/>
+  </p:clrMapOvr>
+</p:sld>
+</file>
+
+<file path=ppt/slides/slide13.xml><?xml version="1.0" encoding="utf-8"?>
+<p:sld xmlns:a="http://schemas.openxmlformats.org/drawingml/2006/main" xmlns:r="http://schemas.openxmlformats.org/officeDocument/2006/relationships" xmlns:p="http://schemas.openxmlformats.org/presentationml/2006/main">
+  <p:cSld>
+    <p:spTree>
+      <p:nvGrpSpPr>
+        <p:cNvPr id="1" name=""/>
+        <p:cNvGrpSpPr/>
+        <p:nvPr/>
+      </p:nvGrpSpPr>
+      <p:grpSpPr>
+        <a:xfrm>
+          <a:off x="0" y="0"/>
+          <a:ext cx="0" cy="0"/>
+          <a:chOff x="0" y="0"/>
+          <a:chExt cx="0" cy="0"/>
+        </a:xfrm>
+      </p:grpSpPr>
+      <p:sp>
+        <p:nvSpPr>
+          <p:cNvPr id="2" name="Title 1">
+            <a:extLst>
+              <a:ext uri="{FF2B5EF4-FFF2-40B4-BE49-F238E27FC236}">
+                <a16:creationId xmlns:a16="http://schemas.microsoft.com/office/drawing/2014/main" id="{55D35CD2-C1AE-6945-8B31-1E78F88BC53B}"/>
+              </a:ext>
+            </a:extLst>
+          </p:cNvPr>
+          <p:cNvSpPr>
+            <a:spLocks noGrp="1"/>
+          </p:cNvSpPr>
+          <p:nvPr>
+            <p:ph type="title"/>
+          </p:nvPr>
+        </p:nvSpPr>
+        <p:spPr/>
+        <p:txBody>
+          <a:bodyPr/>
+          <a:lstStyle/>
+          <a:p>
+            <a:r>
+              <a:rPr lang="ja-JP" altLang="en-US" dirty="0"/>
+              <a:t>畳み込み演算の並列化</a:t>
+            </a:r>
+            <a:endParaRPr lang="en-US" dirty="0"/>
+          </a:p>
+        </p:txBody>
+      </p:sp>
+      <p:sp>
+        <p:nvSpPr>
+          <p:cNvPr id="3" name="Content Placeholder 2">
+            <a:extLst>
+              <a:ext uri="{FF2B5EF4-FFF2-40B4-BE49-F238E27FC236}">
+                <a16:creationId xmlns:a16="http://schemas.microsoft.com/office/drawing/2014/main" id="{C1CDE55F-1F31-BD41-8A41-27952E4EED34}"/>
+              </a:ext>
+            </a:extLst>
+          </p:cNvPr>
+          <p:cNvSpPr>
+            <a:spLocks noGrp="1"/>
+          </p:cNvSpPr>
+          <p:nvPr>
+            <p:ph idx="1"/>
+          </p:nvPr>
+        </p:nvSpPr>
+        <p:spPr/>
+        <p:txBody>
+          <a:bodyPr/>
+          <a:lstStyle/>
+          <a:p>
+            <a:r>
+              <a:rPr lang="ja-JP" altLang="en-US" dirty="0"/>
+              <a:t>畳み込み演算のデータ並列性</a:t>
+            </a:r>
+            <a:endParaRPr lang="en-US" altLang="ja-JP" dirty="0"/>
+          </a:p>
+          <a:p>
+            <a:pPr lvl="1"/>
+            <a:r>
+              <a:rPr lang="ja-JP" altLang="en-US" dirty="0"/>
+              <a:t>出力値分割</a:t>
+            </a:r>
+            <a:endParaRPr lang="en-US" altLang="ja-JP" dirty="0"/>
+          </a:p>
+        </p:txBody>
+      </p:sp>
+      <p:sp>
+        <p:nvSpPr>
+          <p:cNvPr id="4" name="Slide Number Placeholder 3">
+            <a:extLst>
+              <a:ext uri="{FF2B5EF4-FFF2-40B4-BE49-F238E27FC236}">
+                <a16:creationId xmlns:a16="http://schemas.microsoft.com/office/drawing/2014/main" id="{815AFDB5-B1D3-8740-9A11-7CD378940FE1}"/>
+              </a:ext>
+            </a:extLst>
+          </p:cNvPr>
+          <p:cNvSpPr>
+            <a:spLocks noGrp="1"/>
+          </p:cNvSpPr>
+          <p:nvPr>
+            <p:ph type="sldNum" sz="quarter" idx="12"/>
+          </p:nvPr>
+        </p:nvSpPr>
+        <p:spPr/>
+        <p:txBody>
+          <a:bodyPr/>
+          <a:lstStyle/>
+          <a:p>
+            <a:fld id="{AE60790C-7B88-2D40-A70D-E54200C05D47}" type="slidenum">
+              <a:rPr lang="en-US" smtClean="0"/>
+              <a:t>13</a:t>
             </a:fld>
             <a:endParaRPr lang="en-US"/>
           </a:p>
@@ -5340,7 +5513,7 @@
 </p:sld>
 </file>
 
-<file path=ppt/slides/slide13.xml><?xml version="1.0" encoding="utf-8"?>
+<file path=ppt/slides/slide14.xml><?xml version="1.0" encoding="utf-8"?>
 <p:sld xmlns:a="http://schemas.openxmlformats.org/drawingml/2006/main" xmlns:r="http://schemas.openxmlformats.org/officeDocument/2006/relationships" xmlns:p="http://schemas.openxmlformats.org/presentationml/2006/main">
   <p:cSld>
     <p:spTree>
@@ -5520,7 +5693,7 @@
           <a:p>
             <a:fld id="{AE60790C-7B88-2D40-A70D-E54200C05D47}" type="slidenum">
               <a:rPr lang="en-US" smtClean="0"/>
-              <a:t>13</a:t>
+              <a:t>14</a:t>
             </a:fld>
             <a:endParaRPr lang="en-US"/>
           </a:p>
@@ -5530,222 +5703,6 @@
     <p:extLst>
       <p:ext uri="{BB962C8B-B14F-4D97-AF65-F5344CB8AC3E}">
         <p14:creationId xmlns:p14="http://schemas.microsoft.com/office/powerpoint/2010/main" val="2357790671"/>
-      </p:ext>
-    </p:extLst>
-  </p:cSld>
-  <p:clrMapOvr>
-    <a:masterClrMapping/>
-  </p:clrMapOvr>
-</p:sld>
-</file>
-
-<file path=ppt/slides/slide14.xml><?xml version="1.0" encoding="utf-8"?>
-<p:sld xmlns:a="http://schemas.openxmlformats.org/drawingml/2006/main" xmlns:r="http://schemas.openxmlformats.org/officeDocument/2006/relationships" xmlns:p="http://schemas.openxmlformats.org/presentationml/2006/main">
-  <p:cSld>
-    <p:spTree>
-      <p:nvGrpSpPr>
-        <p:cNvPr id="1" name=""/>
-        <p:cNvGrpSpPr/>
-        <p:nvPr/>
-      </p:nvGrpSpPr>
-      <p:grpSpPr>
-        <a:xfrm>
-          <a:off x="0" y="0"/>
-          <a:ext cx="0" cy="0"/>
-          <a:chOff x="0" y="0"/>
-          <a:chExt cx="0" cy="0"/>
-        </a:xfrm>
-      </p:grpSpPr>
-      <p:sp>
-        <p:nvSpPr>
-          <p:cNvPr id="2" name="Title 1">
-            <a:extLst>
-              <a:ext uri="{FF2B5EF4-FFF2-40B4-BE49-F238E27FC236}">
-                <a16:creationId xmlns:a16="http://schemas.microsoft.com/office/drawing/2014/main" id="{55D35CD2-C1AE-6945-8B31-1E78F88BC53B}"/>
-              </a:ext>
-            </a:extLst>
-          </p:cNvPr>
-          <p:cNvSpPr>
-            <a:spLocks noGrp="1"/>
-          </p:cNvSpPr>
-          <p:nvPr>
-            <p:ph type="title"/>
-          </p:nvPr>
-        </p:nvSpPr>
-        <p:spPr/>
-        <p:txBody>
-          <a:bodyPr/>
-          <a:lstStyle/>
-          <a:p>
-            <a:r>
-              <a:rPr lang="ja-JP" altLang="en-US" dirty="0"/>
-              <a:t>実装</a:t>
-            </a:r>
-            <a:endParaRPr lang="en-US" dirty="0"/>
-          </a:p>
-        </p:txBody>
-      </p:sp>
-      <p:sp>
-        <p:nvSpPr>
-          <p:cNvPr id="3" name="Content Placeholder 2">
-            <a:extLst>
-              <a:ext uri="{FF2B5EF4-FFF2-40B4-BE49-F238E27FC236}">
-                <a16:creationId xmlns:a16="http://schemas.microsoft.com/office/drawing/2014/main" id="{C1CDE55F-1F31-BD41-8A41-27952E4EED34}"/>
-              </a:ext>
-            </a:extLst>
-          </p:cNvPr>
-          <p:cNvSpPr>
-            <a:spLocks noGrp="1"/>
-          </p:cNvSpPr>
-          <p:nvPr>
-            <p:ph idx="1"/>
-          </p:nvPr>
-        </p:nvSpPr>
-        <p:spPr/>
-        <p:txBody>
-          <a:bodyPr>
-            <a:normAutofit/>
-          </a:bodyPr>
-          <a:lstStyle/>
-          <a:p>
-            <a:r>
-              <a:rPr lang="ja-JP" altLang="en-US" dirty="0"/>
-              <a:t>設計方針</a:t>
-            </a:r>
-            <a:endParaRPr lang="en-US" altLang="ja-JP" dirty="0"/>
-          </a:p>
-          <a:p>
-            <a:pPr lvl="1"/>
-            <a:r>
-              <a:rPr lang="en-US" altLang="ja-JP" dirty="0"/>
-              <a:t>Inception</a:t>
-            </a:r>
-            <a:r>
-              <a:rPr lang="ja-JP" altLang="en-US" dirty="0"/>
-              <a:t>層の実装に集中</a:t>
-            </a:r>
-            <a:endParaRPr lang="en-US" altLang="ja-JP" dirty="0"/>
-          </a:p>
-          <a:p>
-            <a:pPr lvl="2"/>
-            <a:r>
-              <a:rPr lang="en-US" dirty="0"/>
-              <a:t>GoogLeNet</a:t>
-            </a:r>
-            <a:r>
-              <a:rPr lang="ja-JP" altLang="en-US" dirty="0"/>
-              <a:t>の大部分を占める</a:t>
-            </a:r>
-            <a:endParaRPr lang="en-US" altLang="ja-JP" dirty="0"/>
-          </a:p>
-          <a:p>
-            <a:pPr lvl="1"/>
-            <a:r>
-              <a:rPr lang="ja-JP" altLang="en-US" dirty="0"/>
-              <a:t>各スレッド毎に</a:t>
-            </a:r>
-            <a:r>
-              <a:rPr lang="en-US" altLang="ja-JP" dirty="0"/>
-              <a:t>FPGA</a:t>
-            </a:r>
-            <a:r>
-              <a:rPr lang="ja-JP" altLang="en-US" dirty="0"/>
-              <a:t>ボードを割り当て</a:t>
-            </a:r>
-            <a:endParaRPr lang="en-US" altLang="ja-JP" dirty="0"/>
-          </a:p>
-          <a:p>
-            <a:pPr lvl="1"/>
-            <a:r>
-              <a:rPr lang="ja-JP" altLang="en-US" dirty="0"/>
-              <a:t>畳み込み演算の出力分割</a:t>
-            </a:r>
-            <a:endParaRPr lang="en-US" altLang="ja-JP" dirty="0"/>
-          </a:p>
-          <a:p>
-            <a:endParaRPr lang="en-US" dirty="0"/>
-          </a:p>
-          <a:p>
-            <a:r>
-              <a:rPr lang="ja-JP" altLang="en-US" dirty="0"/>
-              <a:t>実装環境</a:t>
-            </a:r>
-            <a:endParaRPr lang="en-US" altLang="ja-JP" dirty="0"/>
-          </a:p>
-          <a:p>
-            <a:pPr lvl="1"/>
-            <a:r>
-              <a:rPr lang="en-US" dirty="0" err="1"/>
-              <a:t>Vivado</a:t>
-            </a:r>
-            <a:r>
-              <a:rPr lang="en-US" dirty="0"/>
-              <a:t> HLS(2017.3)</a:t>
-            </a:r>
-            <a:r>
-              <a:rPr lang="ja-JP" altLang="en-US" dirty="0"/>
-              <a:t>による高位合成</a:t>
-            </a:r>
-            <a:endParaRPr lang="en-US" altLang="ja-JP" dirty="0"/>
-          </a:p>
-          <a:p>
-            <a:pPr lvl="1"/>
-            <a:r>
-              <a:rPr lang="en-US" dirty="0"/>
-              <a:t>Xilinx </a:t>
-            </a:r>
-            <a:r>
-              <a:rPr lang="en-US" dirty="0" err="1"/>
-              <a:t>Kintex</a:t>
-            </a:r>
-            <a:r>
-              <a:rPr lang="en-US" dirty="0"/>
-              <a:t> </a:t>
-            </a:r>
-            <a:r>
-              <a:rPr lang="en-US" dirty="0" err="1"/>
-              <a:t>UltraScale</a:t>
-            </a:r>
-            <a:r>
-              <a:rPr lang="en-US" dirty="0"/>
-              <a:t> XCKU095</a:t>
-            </a:r>
-          </a:p>
-        </p:txBody>
-      </p:sp>
-      <p:sp>
-        <p:nvSpPr>
-          <p:cNvPr id="4" name="Slide Number Placeholder 3">
-            <a:extLst>
-              <a:ext uri="{FF2B5EF4-FFF2-40B4-BE49-F238E27FC236}">
-                <a16:creationId xmlns:a16="http://schemas.microsoft.com/office/drawing/2014/main" id="{ACA3287C-A53E-EB46-A0B8-005C55D3A696}"/>
-              </a:ext>
-            </a:extLst>
-          </p:cNvPr>
-          <p:cNvSpPr>
-            <a:spLocks noGrp="1"/>
-          </p:cNvSpPr>
-          <p:nvPr>
-            <p:ph type="sldNum" sz="quarter" idx="12"/>
-          </p:nvPr>
-        </p:nvSpPr>
-        <p:spPr/>
-        <p:txBody>
-          <a:bodyPr/>
-          <a:lstStyle/>
-          <a:p>
-            <a:fld id="{AE60790C-7B88-2D40-A70D-E54200C05D47}" type="slidenum">
-              <a:rPr lang="en-US" smtClean="0"/>
-              <a:t>14</a:t>
-            </a:fld>
-            <a:endParaRPr lang="en-US"/>
-          </a:p>
-        </p:txBody>
-      </p:sp>
-    </p:spTree>
-    <p:extLst>
-      <p:ext uri="{BB962C8B-B14F-4D97-AF65-F5344CB8AC3E}">
-        <p14:creationId xmlns:p14="http://schemas.microsoft.com/office/powerpoint/2010/main" val="2600213477"/>
       </p:ext>
     </p:extLst>
   </p:cSld>
@@ -5777,6 +5734,222 @@
           <p:cNvPr id="2" name="Title 1">
             <a:extLst>
               <a:ext uri="{FF2B5EF4-FFF2-40B4-BE49-F238E27FC236}">
+                <a16:creationId xmlns:a16="http://schemas.microsoft.com/office/drawing/2014/main" id="{55D35CD2-C1AE-6945-8B31-1E78F88BC53B}"/>
+              </a:ext>
+            </a:extLst>
+          </p:cNvPr>
+          <p:cNvSpPr>
+            <a:spLocks noGrp="1"/>
+          </p:cNvSpPr>
+          <p:nvPr>
+            <p:ph type="title"/>
+          </p:nvPr>
+        </p:nvSpPr>
+        <p:spPr/>
+        <p:txBody>
+          <a:bodyPr/>
+          <a:lstStyle/>
+          <a:p>
+            <a:r>
+              <a:rPr lang="ja-JP" altLang="en-US" dirty="0"/>
+              <a:t>実装</a:t>
+            </a:r>
+            <a:endParaRPr lang="en-US" dirty="0"/>
+          </a:p>
+        </p:txBody>
+      </p:sp>
+      <p:sp>
+        <p:nvSpPr>
+          <p:cNvPr id="3" name="Content Placeholder 2">
+            <a:extLst>
+              <a:ext uri="{FF2B5EF4-FFF2-40B4-BE49-F238E27FC236}">
+                <a16:creationId xmlns:a16="http://schemas.microsoft.com/office/drawing/2014/main" id="{C1CDE55F-1F31-BD41-8A41-27952E4EED34}"/>
+              </a:ext>
+            </a:extLst>
+          </p:cNvPr>
+          <p:cNvSpPr>
+            <a:spLocks noGrp="1"/>
+          </p:cNvSpPr>
+          <p:nvPr>
+            <p:ph idx="1"/>
+          </p:nvPr>
+        </p:nvSpPr>
+        <p:spPr/>
+        <p:txBody>
+          <a:bodyPr>
+            <a:normAutofit/>
+          </a:bodyPr>
+          <a:lstStyle/>
+          <a:p>
+            <a:r>
+              <a:rPr lang="ja-JP" altLang="en-US" dirty="0"/>
+              <a:t>設計方針</a:t>
+            </a:r>
+            <a:endParaRPr lang="en-US" altLang="ja-JP" dirty="0"/>
+          </a:p>
+          <a:p>
+            <a:pPr lvl="1"/>
+            <a:r>
+              <a:rPr lang="en-US" altLang="ja-JP" dirty="0"/>
+              <a:t>Inception</a:t>
+            </a:r>
+            <a:r>
+              <a:rPr lang="ja-JP" altLang="en-US" dirty="0"/>
+              <a:t>層の実装に集中</a:t>
+            </a:r>
+            <a:endParaRPr lang="en-US" altLang="ja-JP" dirty="0"/>
+          </a:p>
+          <a:p>
+            <a:pPr lvl="2"/>
+            <a:r>
+              <a:rPr lang="en-US" dirty="0"/>
+              <a:t>GoogLeNet</a:t>
+            </a:r>
+            <a:r>
+              <a:rPr lang="ja-JP" altLang="en-US" dirty="0"/>
+              <a:t>の大部分を占める</a:t>
+            </a:r>
+            <a:endParaRPr lang="en-US" altLang="ja-JP" dirty="0"/>
+          </a:p>
+          <a:p>
+            <a:pPr lvl="1"/>
+            <a:r>
+              <a:rPr lang="ja-JP" altLang="en-US" dirty="0"/>
+              <a:t>各スレッド毎に</a:t>
+            </a:r>
+            <a:r>
+              <a:rPr lang="en-US" altLang="ja-JP" dirty="0"/>
+              <a:t>FPGA</a:t>
+            </a:r>
+            <a:r>
+              <a:rPr lang="ja-JP" altLang="en-US" dirty="0"/>
+              <a:t>ボードを割り当て</a:t>
+            </a:r>
+            <a:endParaRPr lang="en-US" altLang="ja-JP" dirty="0"/>
+          </a:p>
+          <a:p>
+            <a:pPr lvl="1"/>
+            <a:r>
+              <a:rPr lang="ja-JP" altLang="en-US" dirty="0"/>
+              <a:t>畳み込み演算の出力分割</a:t>
+            </a:r>
+            <a:endParaRPr lang="en-US" altLang="ja-JP" dirty="0"/>
+          </a:p>
+          <a:p>
+            <a:endParaRPr lang="en-US" dirty="0"/>
+          </a:p>
+          <a:p>
+            <a:r>
+              <a:rPr lang="ja-JP" altLang="en-US" dirty="0"/>
+              <a:t>実装環境</a:t>
+            </a:r>
+            <a:endParaRPr lang="en-US" altLang="ja-JP" dirty="0"/>
+          </a:p>
+          <a:p>
+            <a:pPr lvl="1"/>
+            <a:r>
+              <a:rPr lang="en-US" dirty="0" err="1"/>
+              <a:t>Vivado</a:t>
+            </a:r>
+            <a:r>
+              <a:rPr lang="en-US" dirty="0"/>
+              <a:t> HLS(2017.3)</a:t>
+            </a:r>
+            <a:r>
+              <a:rPr lang="ja-JP" altLang="en-US" dirty="0"/>
+              <a:t>による高位合成</a:t>
+            </a:r>
+            <a:endParaRPr lang="en-US" altLang="ja-JP" dirty="0"/>
+          </a:p>
+          <a:p>
+            <a:pPr lvl="1"/>
+            <a:r>
+              <a:rPr lang="en-US" dirty="0"/>
+              <a:t>Xilinx </a:t>
+            </a:r>
+            <a:r>
+              <a:rPr lang="en-US" dirty="0" err="1"/>
+              <a:t>Kintex</a:t>
+            </a:r>
+            <a:r>
+              <a:rPr lang="en-US" dirty="0"/>
+              <a:t> </a:t>
+            </a:r>
+            <a:r>
+              <a:rPr lang="en-US" dirty="0" err="1"/>
+              <a:t>UltraScale</a:t>
+            </a:r>
+            <a:r>
+              <a:rPr lang="en-US" dirty="0"/>
+              <a:t> XCKU095</a:t>
+            </a:r>
+          </a:p>
+        </p:txBody>
+      </p:sp>
+      <p:sp>
+        <p:nvSpPr>
+          <p:cNvPr id="4" name="Slide Number Placeholder 3">
+            <a:extLst>
+              <a:ext uri="{FF2B5EF4-FFF2-40B4-BE49-F238E27FC236}">
+                <a16:creationId xmlns:a16="http://schemas.microsoft.com/office/drawing/2014/main" id="{ACA3287C-A53E-EB46-A0B8-005C55D3A696}"/>
+              </a:ext>
+            </a:extLst>
+          </p:cNvPr>
+          <p:cNvSpPr>
+            <a:spLocks noGrp="1"/>
+          </p:cNvSpPr>
+          <p:nvPr>
+            <p:ph type="sldNum" sz="quarter" idx="12"/>
+          </p:nvPr>
+        </p:nvSpPr>
+        <p:spPr/>
+        <p:txBody>
+          <a:bodyPr/>
+          <a:lstStyle/>
+          <a:p>
+            <a:fld id="{AE60790C-7B88-2D40-A70D-E54200C05D47}" type="slidenum">
+              <a:rPr lang="en-US" smtClean="0"/>
+              <a:t>15</a:t>
+            </a:fld>
+            <a:endParaRPr lang="en-US"/>
+          </a:p>
+        </p:txBody>
+      </p:sp>
+    </p:spTree>
+    <p:extLst>
+      <p:ext uri="{BB962C8B-B14F-4D97-AF65-F5344CB8AC3E}">
+        <p14:creationId xmlns:p14="http://schemas.microsoft.com/office/powerpoint/2010/main" val="2600213477"/>
+      </p:ext>
+    </p:extLst>
+  </p:cSld>
+  <p:clrMapOvr>
+    <a:masterClrMapping/>
+  </p:clrMapOvr>
+</p:sld>
+</file>
+
+<file path=ppt/slides/slide16.xml><?xml version="1.0" encoding="utf-8"?>
+<p:sld xmlns:a="http://schemas.openxmlformats.org/drawingml/2006/main" xmlns:r="http://schemas.openxmlformats.org/officeDocument/2006/relationships" xmlns:p="http://schemas.openxmlformats.org/presentationml/2006/main">
+  <p:cSld>
+    <p:spTree>
+      <p:nvGrpSpPr>
+        <p:cNvPr id="1" name=""/>
+        <p:cNvGrpSpPr/>
+        <p:nvPr/>
+      </p:nvGrpSpPr>
+      <p:grpSpPr>
+        <a:xfrm>
+          <a:off x="0" y="0"/>
+          <a:ext cx="0" cy="0"/>
+          <a:chOff x="0" y="0"/>
+          <a:chExt cx="0" cy="0"/>
+        </a:xfrm>
+      </p:grpSpPr>
+      <p:sp>
+        <p:nvSpPr>
+          <p:cNvPr id="2" name="Title 1">
+            <a:extLst>
+              <a:ext uri="{FF2B5EF4-FFF2-40B4-BE49-F238E27FC236}">
                 <a16:creationId xmlns:a16="http://schemas.microsoft.com/office/drawing/2014/main" id="{3809CDF9-ED2C-1444-A8F9-91EE6FB4501E}"/>
               </a:ext>
             </a:extLst>
@@ -5873,7 +6046,7 @@
           <a:p>
             <a:fld id="{AE60790C-7B88-2D40-A70D-E54200C05D47}" type="slidenum">
               <a:rPr lang="en-US" smtClean="0"/>
-              <a:t>15</a:t>
+              <a:t>16</a:t>
             </a:fld>
             <a:endParaRPr lang="en-US"/>
           </a:p>
@@ -6035,168 +6208,6 @@
 </p:sld>
 </file>
 
-<file path=ppt/slides/slide16.xml><?xml version="1.0" encoding="utf-8"?>
-<p:sld xmlns:a="http://schemas.openxmlformats.org/drawingml/2006/main" xmlns:r="http://schemas.openxmlformats.org/officeDocument/2006/relationships" xmlns:p="http://schemas.openxmlformats.org/presentationml/2006/main">
-  <p:cSld>
-    <p:spTree>
-      <p:nvGrpSpPr>
-        <p:cNvPr id="1" name=""/>
-        <p:cNvGrpSpPr/>
-        <p:nvPr/>
-      </p:nvGrpSpPr>
-      <p:grpSpPr>
-        <a:xfrm>
-          <a:off x="0" y="0"/>
-          <a:ext cx="0" cy="0"/>
-          <a:chOff x="0" y="0"/>
-          <a:chExt cx="0" cy="0"/>
-        </a:xfrm>
-      </p:grpSpPr>
-      <p:sp>
-        <p:nvSpPr>
-          <p:cNvPr id="2" name="Title 1">
-            <a:extLst>
-              <a:ext uri="{FF2B5EF4-FFF2-40B4-BE49-F238E27FC236}">
-                <a16:creationId xmlns:a16="http://schemas.microsoft.com/office/drawing/2014/main" id="{55D35CD2-C1AE-6945-8B31-1E78F88BC53B}"/>
-              </a:ext>
-            </a:extLst>
-          </p:cNvPr>
-          <p:cNvSpPr>
-            <a:spLocks noGrp="1"/>
-          </p:cNvSpPr>
-          <p:nvPr>
-            <p:ph type="title"/>
-          </p:nvPr>
-        </p:nvSpPr>
-        <p:spPr/>
-        <p:txBody>
-          <a:bodyPr/>
-          <a:lstStyle/>
-          <a:p>
-            <a:r>
-              <a:rPr lang="ja-JP" altLang="en-US" dirty="0"/>
-              <a:t>評価</a:t>
-            </a:r>
-            <a:endParaRPr lang="en-US" dirty="0"/>
-          </a:p>
-        </p:txBody>
-      </p:sp>
-      <p:sp>
-        <p:nvSpPr>
-          <p:cNvPr id="3" name="Content Placeholder 2">
-            <a:extLst>
-              <a:ext uri="{FF2B5EF4-FFF2-40B4-BE49-F238E27FC236}">
-                <a16:creationId xmlns:a16="http://schemas.microsoft.com/office/drawing/2014/main" id="{C1CDE55F-1F31-BD41-8A41-27952E4EED34}"/>
-              </a:ext>
-            </a:extLst>
-          </p:cNvPr>
-          <p:cNvSpPr>
-            <a:spLocks noGrp="1"/>
-          </p:cNvSpPr>
-          <p:nvPr>
-            <p:ph idx="1"/>
-          </p:nvPr>
-        </p:nvSpPr>
-        <p:spPr/>
-        <p:txBody>
-          <a:bodyPr/>
-          <a:lstStyle/>
-          <a:p>
-            <a:r>
-              <a:rPr lang="ja-JP" altLang="en-US" dirty="0"/>
-              <a:t>比較対象</a:t>
-            </a:r>
-            <a:endParaRPr lang="en-US" altLang="ja-JP" dirty="0"/>
-          </a:p>
-          <a:p>
-            <a:pPr lvl="1"/>
-            <a:r>
-              <a:rPr lang="en-US" altLang="ja-JP" dirty="0"/>
-              <a:t>Intel(R) Xeon(R) E5-2667 0 @ 2.90GHz </a:t>
-            </a:r>
-          </a:p>
-          <a:p>
-            <a:pPr lvl="1"/>
-            <a:r>
-              <a:rPr lang="en-US" altLang="ja-JP" dirty="0"/>
-              <a:t>Raspberry Pie3</a:t>
-            </a:r>
-          </a:p>
-          <a:p>
-            <a:r>
-              <a:rPr lang="ja-JP" altLang="en-US" dirty="0"/>
-              <a:t>開発環境</a:t>
-            </a:r>
-            <a:endParaRPr lang="en-US" altLang="ja-JP" dirty="0"/>
-          </a:p>
-          <a:p>
-            <a:pPr lvl="1"/>
-            <a:r>
-              <a:rPr lang="en-US" altLang="ja-JP" dirty="0"/>
-              <a:t>g++4.6.3</a:t>
-            </a:r>
-            <a:r>
-              <a:rPr lang="ja-JP" altLang="en-US" dirty="0"/>
-              <a:t>において</a:t>
-            </a:r>
-            <a:r>
-              <a:rPr lang="en-US" altLang="ja-JP" dirty="0"/>
-              <a:t>O3</a:t>
-            </a:r>
-            <a:r>
-              <a:rPr lang="ja-JP" altLang="en-US" dirty="0"/>
-              <a:t>最適化</a:t>
-            </a:r>
-            <a:endParaRPr lang="en-US" altLang="ja-JP" dirty="0"/>
-          </a:p>
-          <a:p>
-            <a:pPr lvl="1"/>
-            <a:endParaRPr lang="en-US" dirty="0"/>
-          </a:p>
-        </p:txBody>
-      </p:sp>
-      <p:sp>
-        <p:nvSpPr>
-          <p:cNvPr id="4" name="Slide Number Placeholder 3">
-            <a:extLst>
-              <a:ext uri="{FF2B5EF4-FFF2-40B4-BE49-F238E27FC236}">
-                <a16:creationId xmlns:a16="http://schemas.microsoft.com/office/drawing/2014/main" id="{BF929231-4E80-F24F-8FF3-264EAD4CE92B}"/>
-              </a:ext>
-            </a:extLst>
-          </p:cNvPr>
-          <p:cNvSpPr>
-            <a:spLocks noGrp="1"/>
-          </p:cNvSpPr>
-          <p:nvPr>
-            <p:ph type="sldNum" sz="quarter" idx="12"/>
-          </p:nvPr>
-        </p:nvSpPr>
-        <p:spPr/>
-        <p:txBody>
-          <a:bodyPr/>
-          <a:lstStyle/>
-          <a:p>
-            <a:fld id="{AE60790C-7B88-2D40-A70D-E54200C05D47}" type="slidenum">
-              <a:rPr lang="en-US" smtClean="0"/>
-              <a:t>16</a:t>
-            </a:fld>
-            <a:endParaRPr lang="en-US"/>
-          </a:p>
-        </p:txBody>
-      </p:sp>
-    </p:spTree>
-    <p:extLst>
-      <p:ext uri="{BB962C8B-B14F-4D97-AF65-F5344CB8AC3E}">
-        <p14:creationId xmlns:p14="http://schemas.microsoft.com/office/powerpoint/2010/main" val="1240456588"/>
-      </p:ext>
-    </p:extLst>
-  </p:cSld>
-  <p:clrMapOvr>
-    <a:masterClrMapping/>
-  </p:clrMapOvr>
-</p:sld>
-</file>
-
 <file path=ppt/slides/slide17.xml><?xml version="1.0" encoding="utf-8"?>
 <p:sld xmlns:a="http://schemas.openxmlformats.org/drawingml/2006/main" xmlns:r="http://schemas.openxmlformats.org/officeDocument/2006/relationships" xmlns:p="http://schemas.openxmlformats.org/presentationml/2006/main">
   <p:cSld>
@@ -6237,7 +6248,7 @@
           <a:p>
             <a:r>
               <a:rPr lang="ja-JP" altLang="en-US" dirty="0"/>
-              <a:t>ベンチマーク</a:t>
+              <a:t>評価</a:t>
             </a:r>
             <a:endParaRPr lang="en-US" dirty="0"/>
           </a:p>
@@ -6265,6 +6276,168 @@
           <a:lstStyle/>
           <a:p>
             <a:r>
+              <a:rPr lang="ja-JP" altLang="en-US" dirty="0"/>
+              <a:t>比較対象</a:t>
+            </a:r>
+            <a:endParaRPr lang="en-US" altLang="ja-JP" dirty="0"/>
+          </a:p>
+          <a:p>
+            <a:pPr lvl="1"/>
+            <a:r>
+              <a:rPr lang="en-US" altLang="ja-JP" dirty="0"/>
+              <a:t>Intel(R) Xeon(R) E5-2667 0 @ 2.90GHz </a:t>
+            </a:r>
+          </a:p>
+          <a:p>
+            <a:pPr lvl="1"/>
+            <a:r>
+              <a:rPr lang="en-US" altLang="ja-JP" dirty="0"/>
+              <a:t>Raspberry Pie3</a:t>
+            </a:r>
+          </a:p>
+          <a:p>
+            <a:r>
+              <a:rPr lang="ja-JP" altLang="en-US" dirty="0"/>
+              <a:t>開発環境</a:t>
+            </a:r>
+            <a:endParaRPr lang="en-US" altLang="ja-JP" dirty="0"/>
+          </a:p>
+          <a:p>
+            <a:pPr lvl="1"/>
+            <a:r>
+              <a:rPr lang="en-US" altLang="ja-JP" dirty="0"/>
+              <a:t>g++4.6.3</a:t>
+            </a:r>
+            <a:r>
+              <a:rPr lang="ja-JP" altLang="en-US" dirty="0"/>
+              <a:t>において</a:t>
+            </a:r>
+            <a:r>
+              <a:rPr lang="en-US" altLang="ja-JP" dirty="0"/>
+              <a:t>O3</a:t>
+            </a:r>
+            <a:r>
+              <a:rPr lang="ja-JP" altLang="en-US" dirty="0"/>
+              <a:t>最適化</a:t>
+            </a:r>
+            <a:endParaRPr lang="en-US" altLang="ja-JP" dirty="0"/>
+          </a:p>
+          <a:p>
+            <a:pPr lvl="1"/>
+            <a:endParaRPr lang="en-US" dirty="0"/>
+          </a:p>
+        </p:txBody>
+      </p:sp>
+      <p:sp>
+        <p:nvSpPr>
+          <p:cNvPr id="4" name="Slide Number Placeholder 3">
+            <a:extLst>
+              <a:ext uri="{FF2B5EF4-FFF2-40B4-BE49-F238E27FC236}">
+                <a16:creationId xmlns:a16="http://schemas.microsoft.com/office/drawing/2014/main" id="{BF929231-4E80-F24F-8FF3-264EAD4CE92B}"/>
+              </a:ext>
+            </a:extLst>
+          </p:cNvPr>
+          <p:cNvSpPr>
+            <a:spLocks noGrp="1"/>
+          </p:cNvSpPr>
+          <p:nvPr>
+            <p:ph type="sldNum" sz="quarter" idx="12"/>
+          </p:nvPr>
+        </p:nvSpPr>
+        <p:spPr/>
+        <p:txBody>
+          <a:bodyPr/>
+          <a:lstStyle/>
+          <a:p>
+            <a:fld id="{AE60790C-7B88-2D40-A70D-E54200C05D47}" type="slidenum">
+              <a:rPr lang="en-US" smtClean="0"/>
+              <a:t>17</a:t>
+            </a:fld>
+            <a:endParaRPr lang="en-US"/>
+          </a:p>
+        </p:txBody>
+      </p:sp>
+    </p:spTree>
+    <p:extLst>
+      <p:ext uri="{BB962C8B-B14F-4D97-AF65-F5344CB8AC3E}">
+        <p14:creationId xmlns:p14="http://schemas.microsoft.com/office/powerpoint/2010/main" val="1240456588"/>
+      </p:ext>
+    </p:extLst>
+  </p:cSld>
+  <p:clrMapOvr>
+    <a:masterClrMapping/>
+  </p:clrMapOvr>
+</p:sld>
+</file>
+
+<file path=ppt/slides/slide18.xml><?xml version="1.0" encoding="utf-8"?>
+<p:sld xmlns:a="http://schemas.openxmlformats.org/drawingml/2006/main" xmlns:r="http://schemas.openxmlformats.org/officeDocument/2006/relationships" xmlns:p="http://schemas.openxmlformats.org/presentationml/2006/main">
+  <p:cSld>
+    <p:spTree>
+      <p:nvGrpSpPr>
+        <p:cNvPr id="1" name=""/>
+        <p:cNvGrpSpPr/>
+        <p:nvPr/>
+      </p:nvGrpSpPr>
+      <p:grpSpPr>
+        <a:xfrm>
+          <a:off x="0" y="0"/>
+          <a:ext cx="0" cy="0"/>
+          <a:chOff x="0" y="0"/>
+          <a:chExt cx="0" cy="0"/>
+        </a:xfrm>
+      </p:grpSpPr>
+      <p:sp>
+        <p:nvSpPr>
+          <p:cNvPr id="2" name="Title 1">
+            <a:extLst>
+              <a:ext uri="{FF2B5EF4-FFF2-40B4-BE49-F238E27FC236}">
+                <a16:creationId xmlns:a16="http://schemas.microsoft.com/office/drawing/2014/main" id="{55D35CD2-C1AE-6945-8B31-1E78F88BC53B}"/>
+              </a:ext>
+            </a:extLst>
+          </p:cNvPr>
+          <p:cNvSpPr>
+            <a:spLocks noGrp="1"/>
+          </p:cNvSpPr>
+          <p:nvPr>
+            <p:ph type="title"/>
+          </p:nvPr>
+        </p:nvSpPr>
+        <p:spPr/>
+        <p:txBody>
+          <a:bodyPr/>
+          <a:lstStyle/>
+          <a:p>
+            <a:r>
+              <a:rPr lang="ja-JP" altLang="en-US" dirty="0"/>
+              <a:t>ベンチマーク</a:t>
+            </a:r>
+            <a:endParaRPr lang="en-US" dirty="0"/>
+          </a:p>
+        </p:txBody>
+      </p:sp>
+      <p:sp>
+        <p:nvSpPr>
+          <p:cNvPr id="3" name="Content Placeholder 2">
+            <a:extLst>
+              <a:ext uri="{FF2B5EF4-FFF2-40B4-BE49-F238E27FC236}">
+                <a16:creationId xmlns:a16="http://schemas.microsoft.com/office/drawing/2014/main" id="{C1CDE55F-1F31-BD41-8A41-27952E4EED34}"/>
+              </a:ext>
+            </a:extLst>
+          </p:cNvPr>
+          <p:cNvSpPr>
+            <a:spLocks noGrp="1"/>
+          </p:cNvSpPr>
+          <p:nvPr>
+            <p:ph idx="1"/>
+          </p:nvPr>
+        </p:nvSpPr>
+        <p:spPr/>
+        <p:txBody>
+          <a:bodyPr/>
+          <a:lstStyle/>
+          <a:p>
+            <a:r>
               <a:rPr lang="en-US" altLang="ja-JP" dirty="0"/>
               <a:t>Inception(3a)</a:t>
             </a:r>
@@ -6325,7 +6498,7 @@
           <a:p>
             <a:fld id="{AE60790C-7B88-2D40-A70D-E54200C05D47}" type="slidenum">
               <a:rPr lang="en-US" smtClean="0"/>
-              <a:t>17</a:t>
+              <a:t>18</a:t>
             </a:fld>
             <a:endParaRPr lang="en-US"/>
           </a:p>
@@ -6847,7 +7020,7 @@
 </p:sld>
 </file>
 
-<file path=ppt/slides/slide18.xml><?xml version="1.0" encoding="utf-8"?>
+<file path=ppt/slides/slide19.xml><?xml version="1.0" encoding="utf-8"?>
 <p:sld xmlns:a="http://schemas.openxmlformats.org/drawingml/2006/main" xmlns:r="http://schemas.openxmlformats.org/officeDocument/2006/relationships" xmlns:p="http://schemas.openxmlformats.org/presentationml/2006/main">
   <p:cSld>
     <p:spTree>
@@ -6957,7 +7130,7 @@
           <a:p>
             <a:fld id="{AE60790C-7B88-2D40-A70D-E54200C05D47}" type="slidenum">
               <a:rPr lang="en-US" smtClean="0"/>
-              <a:t>18</a:t>
+              <a:t>19</a:t>
             </a:fld>
             <a:endParaRPr lang="en-US" dirty="0"/>
           </a:p>
@@ -7564,7 +7737,7 @@
 </p:sld>
 </file>
 
-<file path=ppt/slides/slide19.xml><?xml version="1.0" encoding="utf-8"?>
+<file path=ppt/slides/slide2.xml><?xml version="1.0" encoding="utf-8"?>
 <p:sld xmlns:a="http://schemas.openxmlformats.org/drawingml/2006/main" xmlns:r="http://schemas.openxmlformats.org/officeDocument/2006/relationships" xmlns:p="http://schemas.openxmlformats.org/presentationml/2006/main">
   <p:cSld>
     <p:spTree>
@@ -7586,6 +7759,180 @@
           <p:cNvPr id="2" name="Title 1">
             <a:extLst>
               <a:ext uri="{FF2B5EF4-FFF2-40B4-BE49-F238E27FC236}">
+                <a16:creationId xmlns:a16="http://schemas.microsoft.com/office/drawing/2014/main" id="{39CF3F23-2F48-2645-9777-637A1891861E}"/>
+              </a:ext>
+            </a:extLst>
+          </p:cNvPr>
+          <p:cNvSpPr>
+            <a:spLocks noGrp="1"/>
+          </p:cNvSpPr>
+          <p:nvPr>
+            <p:ph type="title"/>
+          </p:nvPr>
+        </p:nvSpPr>
+        <p:spPr/>
+        <p:txBody>
+          <a:bodyPr/>
+          <a:lstStyle/>
+          <a:p>
+            <a:r>
+              <a:rPr lang="ja-JP" altLang="en-US" dirty="0"/>
+              <a:t>アウトライン</a:t>
+            </a:r>
+            <a:endParaRPr lang="en-US" dirty="0"/>
+          </a:p>
+        </p:txBody>
+      </p:sp>
+      <p:sp>
+        <p:nvSpPr>
+          <p:cNvPr id="3" name="Content Placeholder 2">
+            <a:extLst>
+              <a:ext uri="{FF2B5EF4-FFF2-40B4-BE49-F238E27FC236}">
+                <a16:creationId xmlns:a16="http://schemas.microsoft.com/office/drawing/2014/main" id="{24779C7E-8343-C346-AF74-51042A369AD4}"/>
+              </a:ext>
+            </a:extLst>
+          </p:cNvPr>
+          <p:cNvSpPr>
+            <a:spLocks noGrp="1"/>
+          </p:cNvSpPr>
+          <p:nvPr>
+            <p:ph idx="1"/>
+          </p:nvPr>
+        </p:nvSpPr>
+        <p:spPr/>
+        <p:txBody>
+          <a:bodyPr>
+            <a:normAutofit/>
+          </a:bodyPr>
+          <a:lstStyle/>
+          <a:p>
+            <a:r>
+              <a:rPr lang="ja-JP" altLang="en-US" dirty="0"/>
+              <a:t>背景</a:t>
+            </a:r>
+            <a:endParaRPr lang="en-US" altLang="ja-JP" dirty="0"/>
+          </a:p>
+          <a:p>
+            <a:r>
+              <a:rPr lang="en-US" altLang="ja-JP" dirty="0"/>
+              <a:t>GoogLeNet</a:t>
+            </a:r>
+          </a:p>
+          <a:p>
+            <a:r>
+              <a:rPr lang="en-US" altLang="ja-JP" dirty="0" err="1"/>
+              <a:t>FiC</a:t>
+            </a:r>
+            <a:r>
+              <a:rPr lang="en-US" altLang="ja-JP" dirty="0"/>
+              <a:t>-SW</a:t>
+            </a:r>
+          </a:p>
+          <a:p>
+            <a:r>
+              <a:rPr lang="ja-JP" altLang="en-US" dirty="0"/>
+              <a:t>関連研究</a:t>
+            </a:r>
+            <a:endParaRPr lang="en-US" altLang="ja-JP" dirty="0"/>
+          </a:p>
+          <a:p>
+            <a:r>
+              <a:rPr lang="en-US" altLang="ja-JP" dirty="0"/>
+              <a:t>GoogLeNet</a:t>
+            </a:r>
+            <a:r>
+              <a:rPr lang="ja-JP" altLang="en-US" dirty="0"/>
+              <a:t>並列化検討</a:t>
+            </a:r>
+            <a:endParaRPr lang="en-US" altLang="ja-JP" dirty="0"/>
+          </a:p>
+          <a:p>
+            <a:r>
+              <a:rPr lang="ja-JP" altLang="en-US" dirty="0"/>
+              <a:t>実装</a:t>
+            </a:r>
+            <a:endParaRPr lang="en-US" altLang="ja-JP" dirty="0"/>
+          </a:p>
+          <a:p>
+            <a:r>
+              <a:rPr lang="ja-JP" altLang="en-US" dirty="0"/>
+              <a:t>評価</a:t>
+            </a:r>
+            <a:endParaRPr lang="en-US" altLang="ja-JP" dirty="0"/>
+          </a:p>
+          <a:p>
+            <a:r>
+              <a:rPr lang="ja-JP" altLang="en-US" dirty="0"/>
+              <a:t>結論</a:t>
+            </a:r>
+            <a:endParaRPr lang="en-US" dirty="0"/>
+          </a:p>
+        </p:txBody>
+      </p:sp>
+      <p:sp>
+        <p:nvSpPr>
+          <p:cNvPr id="4" name="Slide Number Placeholder 3">
+            <a:extLst>
+              <a:ext uri="{FF2B5EF4-FFF2-40B4-BE49-F238E27FC236}">
+                <a16:creationId xmlns:a16="http://schemas.microsoft.com/office/drawing/2014/main" id="{91F23C09-84CF-5D49-924E-1F5C9B17F198}"/>
+              </a:ext>
+            </a:extLst>
+          </p:cNvPr>
+          <p:cNvSpPr>
+            <a:spLocks noGrp="1"/>
+          </p:cNvSpPr>
+          <p:nvPr>
+            <p:ph type="sldNum" sz="quarter" idx="12"/>
+          </p:nvPr>
+        </p:nvSpPr>
+        <p:spPr/>
+        <p:txBody>
+          <a:bodyPr/>
+          <a:lstStyle/>
+          <a:p>
+            <a:fld id="{AE60790C-7B88-2D40-A70D-E54200C05D47}" type="slidenum">
+              <a:rPr lang="en-US" smtClean="0"/>
+              <a:t>2</a:t>
+            </a:fld>
+            <a:endParaRPr lang="en-US"/>
+          </a:p>
+        </p:txBody>
+      </p:sp>
+    </p:spTree>
+    <p:extLst>
+      <p:ext uri="{BB962C8B-B14F-4D97-AF65-F5344CB8AC3E}">
+        <p14:creationId xmlns:p14="http://schemas.microsoft.com/office/powerpoint/2010/main" val="317803870"/>
+      </p:ext>
+    </p:extLst>
+  </p:cSld>
+  <p:clrMapOvr>
+    <a:masterClrMapping/>
+  </p:clrMapOvr>
+</p:sld>
+</file>
+
+<file path=ppt/slides/slide20.xml><?xml version="1.0" encoding="utf-8"?>
+<p:sld xmlns:a="http://schemas.openxmlformats.org/drawingml/2006/main" xmlns:r="http://schemas.openxmlformats.org/officeDocument/2006/relationships" xmlns:p="http://schemas.openxmlformats.org/presentationml/2006/main">
+  <p:cSld>
+    <p:spTree>
+      <p:nvGrpSpPr>
+        <p:cNvPr id="1" name=""/>
+        <p:cNvGrpSpPr/>
+        <p:nvPr/>
+      </p:nvGrpSpPr>
+      <p:grpSpPr>
+        <a:xfrm>
+          <a:off x="0" y="0"/>
+          <a:ext cx="0" cy="0"/>
+          <a:chOff x="0" y="0"/>
+          <a:chExt cx="0" cy="0"/>
+        </a:xfrm>
+      </p:grpSpPr>
+      <p:sp>
+        <p:nvSpPr>
+          <p:cNvPr id="2" name="Title 1">
+            <a:extLst>
+              <a:ext uri="{FF2B5EF4-FFF2-40B4-BE49-F238E27FC236}">
                 <a16:creationId xmlns:a16="http://schemas.microsoft.com/office/drawing/2014/main" id="{FFBEF715-800A-BF47-9570-C939FC642B67}"/>
               </a:ext>
             </a:extLst>
@@ -7676,7 +8023,7 @@
           <a:p>
             <a:fld id="{AE60790C-7B88-2D40-A70D-E54200C05D47}" type="slidenum">
               <a:rPr lang="en-US" smtClean="0"/>
-              <a:t>19</a:t>
+              <a:t>20</a:t>
             </a:fld>
             <a:endParaRPr lang="en-US"/>
           </a:p>
@@ -8239,7 +8586,7 @@
 </p:sld>
 </file>
 
-<file path=ppt/slides/slide2.xml><?xml version="1.0" encoding="utf-8"?>
+<file path=ppt/slides/slide21.xml><?xml version="1.0" encoding="utf-8"?>
 <p:sld xmlns:a="http://schemas.openxmlformats.org/drawingml/2006/main" xmlns:r="http://schemas.openxmlformats.org/officeDocument/2006/relationships" xmlns:p="http://schemas.openxmlformats.org/presentationml/2006/main">
   <p:cSld>
     <p:spTree>
@@ -8261,180 +8608,6 @@
           <p:cNvPr id="2" name="Title 1">
             <a:extLst>
               <a:ext uri="{FF2B5EF4-FFF2-40B4-BE49-F238E27FC236}">
-                <a16:creationId xmlns:a16="http://schemas.microsoft.com/office/drawing/2014/main" id="{39CF3F23-2F48-2645-9777-637A1891861E}"/>
-              </a:ext>
-            </a:extLst>
-          </p:cNvPr>
-          <p:cNvSpPr>
-            <a:spLocks noGrp="1"/>
-          </p:cNvSpPr>
-          <p:nvPr>
-            <p:ph type="title"/>
-          </p:nvPr>
-        </p:nvSpPr>
-        <p:spPr/>
-        <p:txBody>
-          <a:bodyPr/>
-          <a:lstStyle/>
-          <a:p>
-            <a:r>
-              <a:rPr lang="ja-JP" altLang="en-US" dirty="0"/>
-              <a:t>アウトライン</a:t>
-            </a:r>
-            <a:endParaRPr lang="en-US" dirty="0"/>
-          </a:p>
-        </p:txBody>
-      </p:sp>
-      <p:sp>
-        <p:nvSpPr>
-          <p:cNvPr id="3" name="Content Placeholder 2">
-            <a:extLst>
-              <a:ext uri="{FF2B5EF4-FFF2-40B4-BE49-F238E27FC236}">
-                <a16:creationId xmlns:a16="http://schemas.microsoft.com/office/drawing/2014/main" id="{24779C7E-8343-C346-AF74-51042A369AD4}"/>
-              </a:ext>
-            </a:extLst>
-          </p:cNvPr>
-          <p:cNvSpPr>
-            <a:spLocks noGrp="1"/>
-          </p:cNvSpPr>
-          <p:nvPr>
-            <p:ph idx="1"/>
-          </p:nvPr>
-        </p:nvSpPr>
-        <p:spPr/>
-        <p:txBody>
-          <a:bodyPr>
-            <a:normAutofit/>
-          </a:bodyPr>
-          <a:lstStyle/>
-          <a:p>
-            <a:r>
-              <a:rPr lang="ja-JP" altLang="en-US" dirty="0"/>
-              <a:t>背景</a:t>
-            </a:r>
-            <a:endParaRPr lang="en-US" altLang="ja-JP" dirty="0"/>
-          </a:p>
-          <a:p>
-            <a:r>
-              <a:rPr lang="en-US" altLang="ja-JP" dirty="0"/>
-              <a:t>GoogLeNet</a:t>
-            </a:r>
-          </a:p>
-          <a:p>
-            <a:r>
-              <a:rPr lang="en-US" altLang="ja-JP" dirty="0" err="1"/>
-              <a:t>FiC</a:t>
-            </a:r>
-            <a:r>
-              <a:rPr lang="en-US" altLang="ja-JP" dirty="0"/>
-              <a:t>-SW</a:t>
-            </a:r>
-          </a:p>
-          <a:p>
-            <a:r>
-              <a:rPr lang="ja-JP" altLang="en-US" dirty="0"/>
-              <a:t>関連研究</a:t>
-            </a:r>
-            <a:endParaRPr lang="en-US" altLang="ja-JP" dirty="0"/>
-          </a:p>
-          <a:p>
-            <a:r>
-              <a:rPr lang="en-US" altLang="ja-JP" dirty="0"/>
-              <a:t>GoogLeNet</a:t>
-            </a:r>
-            <a:r>
-              <a:rPr lang="ja-JP" altLang="en-US" dirty="0"/>
-              <a:t>並列化検討</a:t>
-            </a:r>
-            <a:endParaRPr lang="en-US" altLang="ja-JP" dirty="0"/>
-          </a:p>
-          <a:p>
-            <a:r>
-              <a:rPr lang="ja-JP" altLang="en-US" dirty="0"/>
-              <a:t>実装</a:t>
-            </a:r>
-            <a:endParaRPr lang="en-US" altLang="ja-JP" dirty="0"/>
-          </a:p>
-          <a:p>
-            <a:r>
-              <a:rPr lang="ja-JP" altLang="en-US" dirty="0"/>
-              <a:t>評価</a:t>
-            </a:r>
-            <a:endParaRPr lang="en-US" altLang="ja-JP" dirty="0"/>
-          </a:p>
-          <a:p>
-            <a:r>
-              <a:rPr lang="ja-JP" altLang="en-US" dirty="0"/>
-              <a:t>結論</a:t>
-            </a:r>
-            <a:endParaRPr lang="en-US" dirty="0"/>
-          </a:p>
-        </p:txBody>
-      </p:sp>
-      <p:sp>
-        <p:nvSpPr>
-          <p:cNvPr id="4" name="Slide Number Placeholder 3">
-            <a:extLst>
-              <a:ext uri="{FF2B5EF4-FFF2-40B4-BE49-F238E27FC236}">
-                <a16:creationId xmlns:a16="http://schemas.microsoft.com/office/drawing/2014/main" id="{91F23C09-84CF-5D49-924E-1F5C9B17F198}"/>
-              </a:ext>
-            </a:extLst>
-          </p:cNvPr>
-          <p:cNvSpPr>
-            <a:spLocks noGrp="1"/>
-          </p:cNvSpPr>
-          <p:nvPr>
-            <p:ph type="sldNum" sz="quarter" idx="12"/>
-          </p:nvPr>
-        </p:nvSpPr>
-        <p:spPr/>
-        <p:txBody>
-          <a:bodyPr/>
-          <a:lstStyle/>
-          <a:p>
-            <a:fld id="{AE60790C-7B88-2D40-A70D-E54200C05D47}" type="slidenum">
-              <a:rPr lang="en-US" smtClean="0"/>
-              <a:t>2</a:t>
-            </a:fld>
-            <a:endParaRPr lang="en-US"/>
-          </a:p>
-        </p:txBody>
-      </p:sp>
-    </p:spTree>
-    <p:extLst>
-      <p:ext uri="{BB962C8B-B14F-4D97-AF65-F5344CB8AC3E}">
-        <p14:creationId xmlns:p14="http://schemas.microsoft.com/office/powerpoint/2010/main" val="317803870"/>
-      </p:ext>
-    </p:extLst>
-  </p:cSld>
-  <p:clrMapOvr>
-    <a:masterClrMapping/>
-  </p:clrMapOvr>
-</p:sld>
-</file>
-
-<file path=ppt/slides/slide20.xml><?xml version="1.0" encoding="utf-8"?>
-<p:sld xmlns:a="http://schemas.openxmlformats.org/drawingml/2006/main" xmlns:r="http://schemas.openxmlformats.org/officeDocument/2006/relationships" xmlns:p="http://schemas.openxmlformats.org/presentationml/2006/main">
-  <p:cSld>
-    <p:spTree>
-      <p:nvGrpSpPr>
-        <p:cNvPr id="1" name=""/>
-        <p:cNvGrpSpPr/>
-        <p:nvPr/>
-      </p:nvGrpSpPr>
-      <p:grpSpPr>
-        <a:xfrm>
-          <a:off x="0" y="0"/>
-          <a:ext cx="0" cy="0"/>
-          <a:chOff x="0" y="0"/>
-          <a:chExt cx="0" cy="0"/>
-        </a:xfrm>
-      </p:grpSpPr>
-      <p:sp>
-        <p:nvSpPr>
-          <p:cNvPr id="2" name="Title 1">
-            <a:extLst>
-              <a:ext uri="{FF2B5EF4-FFF2-40B4-BE49-F238E27FC236}">
                 <a16:creationId xmlns:a16="http://schemas.microsoft.com/office/drawing/2014/main" id="{55D35CD2-C1AE-6945-8B31-1E78F88BC53B}"/>
               </a:ext>
             </a:extLst>
@@ -8594,7 +8767,7 @@
           <a:p>
             <a:fld id="{AE60790C-7B88-2D40-A70D-E54200C05D47}" type="slidenum">
               <a:rPr lang="en-US" smtClean="0"/>
-              <a:t>20</a:t>
+              <a:t>21</a:t>
             </a:fld>
             <a:endParaRPr lang="en-US"/>
           </a:p>
@@ -8613,7 +8786,7 @@
 </p:sld>
 </file>
 
-<file path=ppt/slides/slide21.xml><?xml version="1.0" encoding="utf-8"?>
+<file path=ppt/slides/slide22.xml><?xml version="1.0" encoding="utf-8"?>
 <p:sld xmlns:a="http://schemas.openxmlformats.org/drawingml/2006/main" xmlns:r="http://schemas.openxmlformats.org/officeDocument/2006/relationships" xmlns:p="http://schemas.openxmlformats.org/presentationml/2006/main" show="0">
   <p:cSld>
     <p:spTree>
@@ -8822,7 +8995,7 @@
           <a:p>
             <a:fld id="{AE60790C-7B88-2D40-A70D-E54200C05D47}" type="slidenum">
               <a:rPr lang="en-US" smtClean="0"/>
-              <a:t>21</a:t>
+              <a:t>22</a:t>
             </a:fld>
             <a:endParaRPr lang="en-US"/>
           </a:p>
@@ -8841,7 +9014,7 @@
 </p:sld>
 </file>
 
-<file path=ppt/slides/slide22.xml><?xml version="1.0" encoding="utf-8"?>
+<file path=ppt/slides/slide23.xml><?xml version="1.0" encoding="utf-8"?>
 <p:sld xmlns:a="http://schemas.openxmlformats.org/drawingml/2006/main" xmlns:r="http://schemas.openxmlformats.org/officeDocument/2006/relationships" xmlns:p="http://schemas.openxmlformats.org/presentationml/2006/main" show="0">
   <p:cSld>
     <p:spTree>
@@ -8980,7 +9153,7 @@
 </p:sld>
 </file>
 
-<file path=ppt/slides/slide23.xml><?xml version="1.0" encoding="utf-8"?>
+<file path=ppt/slides/slide24.xml><?xml version="1.0" encoding="utf-8"?>
 <p:sld xmlns:a="http://schemas.openxmlformats.org/drawingml/2006/main" xmlns:r="http://schemas.openxmlformats.org/officeDocument/2006/relationships" xmlns:p="http://schemas.openxmlformats.org/presentationml/2006/main" show="0">
   <p:cSld>
     <p:spTree>
@@ -9078,7 +9251,7 @@
           <a:p>
             <a:fld id="{AE60790C-7B88-2D40-A70D-E54200C05D47}" type="slidenum">
               <a:rPr lang="en-US" smtClean="0"/>
-              <a:t>23</a:t>
+              <a:t>24</a:t>
             </a:fld>
             <a:endParaRPr lang="en-US"/>
           </a:p>
@@ -10023,8 +10196,8 @@
         </p:nvSpPr>
         <p:spPr>
           <a:xfrm>
-            <a:off x="1890445" y="3061699"/>
-            <a:ext cx="791110" cy="2137025"/>
+            <a:off x="2034283" y="3010083"/>
+            <a:ext cx="657546" cy="2137025"/>
           </a:xfrm>
           <a:prstGeom prst="donut">
             <a:avLst>
@@ -10112,8 +10285,8 @@
         </p:nvSpPr>
         <p:spPr>
           <a:xfrm>
-            <a:off x="380144" y="3310650"/>
-            <a:ext cx="800219" cy="461665"/>
+            <a:off x="1496602" y="5893346"/>
+            <a:ext cx="1479892" cy="369332"/>
           </a:xfrm>
           <a:prstGeom prst="rect">
             <a:avLst/>
@@ -10140,10 +10313,12 @@
           <a:lstStyle/>
           <a:p>
             <a:r>
-              <a:rPr lang="ja-JP" altLang="en-US" sz="2400" dirty="0"/>
-              <a:t>入力</a:t>
-            </a:r>
-            <a:endParaRPr lang="en-US" sz="2400" dirty="0"/>
+              <a:rPr lang="en-US" dirty="0">
+                <a:latin typeface="Hiragino Kaku Gothic Pro W3" panose="020B0300000000000000" pitchFamily="34" charset="-128"/>
+                <a:ea typeface="Hiragino Kaku Gothic Pro W3" panose="020B0300000000000000" pitchFamily="34" charset="-128"/>
+              </a:rPr>
+              <a:t>Max polling</a:t>
+            </a:r>
           </a:p>
         </p:txBody>
       </p:sp>
@@ -10301,6 +10476,318 @@
           <a:p>
             <a:pPr algn="ctr"/>
             <a:endParaRPr lang="en-US"/>
+          </a:p>
+        </p:txBody>
+      </p:sp>
+      <p:pic>
+        <p:nvPicPr>
+          <p:cNvPr id="12" name="Picture 11">
+            <a:extLst>
+              <a:ext uri="{FF2B5EF4-FFF2-40B4-BE49-F238E27FC236}">
+                <a16:creationId xmlns:a16="http://schemas.microsoft.com/office/drawing/2014/main" id="{8E641A43-E14C-A649-96A1-28AA45F4EFBC}"/>
+              </a:ext>
+            </a:extLst>
+          </p:cNvPr>
+          <p:cNvPicPr>
+            <a:picLocks noChangeAspect="1"/>
+          </p:cNvPicPr>
+          <p:nvPr/>
+        </p:nvPicPr>
+        <p:blipFill>
+          <a:blip r:embed="rId4">
+            <a:extLst>
+              <a:ext uri="{28A0092B-C50C-407E-A947-70E740481C1C}">
+                <a14:useLocalDpi xmlns:a14="http://schemas.microsoft.com/office/drawing/2010/main" val="0"/>
+              </a:ext>
+            </a:extLst>
+          </a:blip>
+          <a:stretch>
+            <a:fillRect/>
+          </a:stretch>
+        </p:blipFill>
+        <p:spPr>
+          <a:xfrm>
+            <a:off x="376799" y="5418035"/>
+            <a:ext cx="6794939" cy="334661"/>
+          </a:xfrm>
+          <a:prstGeom prst="rect">
+            <a:avLst/>
+          </a:prstGeom>
+        </p:spPr>
+      </p:pic>
+      <p:sp>
+        <p:nvSpPr>
+          <p:cNvPr id="13" name="TextBox 12">
+            <a:extLst>
+              <a:ext uri="{FF2B5EF4-FFF2-40B4-BE49-F238E27FC236}">
+                <a16:creationId xmlns:a16="http://schemas.microsoft.com/office/drawing/2014/main" id="{B817FDD9-727C-F94A-9A9A-D982EC6E7D85}"/>
+              </a:ext>
+            </a:extLst>
+          </p:cNvPr>
+          <p:cNvSpPr txBox="1"/>
+          <p:nvPr/>
+        </p:nvSpPr>
+        <p:spPr>
+          <a:xfrm>
+            <a:off x="293994" y="5893346"/>
+            <a:ext cx="1107996" cy="369332"/>
+          </a:xfrm>
+          <a:prstGeom prst="rect">
+            <a:avLst/>
+          </a:prstGeom>
+        </p:spPr>
+        <p:style>
+          <a:lnRef idx="2">
+            <a:schemeClr val="dk1"/>
+          </a:lnRef>
+          <a:fillRef idx="1">
+            <a:schemeClr val="lt1"/>
+          </a:fillRef>
+          <a:effectRef idx="0">
+            <a:schemeClr val="dk1"/>
+          </a:effectRef>
+          <a:fontRef idx="minor">
+            <a:schemeClr val="dk1"/>
+          </a:fontRef>
+        </p:style>
+        <p:txBody>
+          <a:bodyPr wrap="none" rtlCol="0">
+            <a:spAutoFit/>
+          </a:bodyPr>
+          <a:lstStyle/>
+          <a:p>
+            <a:r>
+              <a:rPr lang="ja-JP" altLang="en-US" dirty="0">
+                <a:latin typeface="Hiragino Kaku Gothic Pro W3" panose="020B0300000000000000" pitchFamily="34" charset="-128"/>
+                <a:ea typeface="Hiragino Kaku Gothic Pro W3" panose="020B0300000000000000" pitchFamily="34" charset="-128"/>
+              </a:rPr>
+              <a:t>畳込み層</a:t>
+            </a:r>
+            <a:endParaRPr lang="en-US" dirty="0">
+              <a:latin typeface="Hiragino Kaku Gothic Pro W3" panose="020B0300000000000000" pitchFamily="34" charset="-128"/>
+              <a:ea typeface="Hiragino Kaku Gothic Pro W3" panose="020B0300000000000000" pitchFamily="34" charset="-128"/>
+            </a:endParaRPr>
+          </a:p>
+        </p:txBody>
+      </p:sp>
+      <p:sp>
+        <p:nvSpPr>
+          <p:cNvPr id="14" name="TextBox 13">
+            <a:extLst>
+              <a:ext uri="{FF2B5EF4-FFF2-40B4-BE49-F238E27FC236}">
+                <a16:creationId xmlns:a16="http://schemas.microsoft.com/office/drawing/2014/main" id="{39B373AC-3A9A-9348-B99B-349557ADBB0A}"/>
+              </a:ext>
+            </a:extLst>
+          </p:cNvPr>
+          <p:cNvSpPr txBox="1"/>
+          <p:nvPr/>
+        </p:nvSpPr>
+        <p:spPr>
+          <a:xfrm>
+            <a:off x="3071106" y="5888932"/>
+            <a:ext cx="1205779" cy="369332"/>
+          </a:xfrm>
+          <a:prstGeom prst="rect">
+            <a:avLst/>
+          </a:prstGeom>
+        </p:spPr>
+        <p:style>
+          <a:lnRef idx="2">
+            <a:schemeClr val="dk1"/>
+          </a:lnRef>
+          <a:fillRef idx="1">
+            <a:schemeClr val="lt1"/>
+          </a:fillRef>
+          <a:effectRef idx="0">
+            <a:schemeClr val="dk1"/>
+          </a:effectRef>
+          <a:fontRef idx="minor">
+            <a:schemeClr val="dk1"/>
+          </a:fontRef>
+        </p:style>
+        <p:txBody>
+          <a:bodyPr wrap="none" rtlCol="0">
+            <a:spAutoFit/>
+          </a:bodyPr>
+          <a:lstStyle/>
+          <a:p>
+            <a:r>
+              <a:rPr lang="en-US" altLang="ja-JP" dirty="0">
+                <a:latin typeface="Hiragino Kaku Gothic Pro W3" panose="020B0300000000000000" pitchFamily="34" charset="-128"/>
+                <a:ea typeface="Hiragino Kaku Gothic Pro W3" panose="020B0300000000000000" pitchFamily="34" charset="-128"/>
+              </a:rPr>
+              <a:t>Drop out</a:t>
+            </a:r>
+            <a:endParaRPr lang="en-US" dirty="0">
+              <a:latin typeface="Hiragino Kaku Gothic Pro W3" panose="020B0300000000000000" pitchFamily="34" charset="-128"/>
+              <a:ea typeface="Hiragino Kaku Gothic Pro W3" panose="020B0300000000000000" pitchFamily="34" charset="-128"/>
+            </a:endParaRPr>
+          </a:p>
+        </p:txBody>
+      </p:sp>
+      <p:sp>
+        <p:nvSpPr>
+          <p:cNvPr id="15" name="TextBox 14">
+            <a:extLst>
+              <a:ext uri="{FF2B5EF4-FFF2-40B4-BE49-F238E27FC236}">
+                <a16:creationId xmlns:a16="http://schemas.microsoft.com/office/drawing/2014/main" id="{20BFD69B-1C08-1741-B539-2DAE2F438F6B}"/>
+              </a:ext>
+            </a:extLst>
+          </p:cNvPr>
+          <p:cNvSpPr txBox="1"/>
+          <p:nvPr/>
+        </p:nvSpPr>
+        <p:spPr>
+          <a:xfrm>
+            <a:off x="4371497" y="5896253"/>
+            <a:ext cx="1729961" cy="369332"/>
+          </a:xfrm>
+          <a:prstGeom prst="rect">
+            <a:avLst/>
+          </a:prstGeom>
+        </p:spPr>
+        <p:style>
+          <a:lnRef idx="2">
+            <a:schemeClr val="dk1"/>
+          </a:lnRef>
+          <a:fillRef idx="1">
+            <a:schemeClr val="lt1"/>
+          </a:fillRef>
+          <a:effectRef idx="0">
+            <a:schemeClr val="dk1"/>
+          </a:effectRef>
+          <a:fontRef idx="minor">
+            <a:schemeClr val="dk1"/>
+          </a:fontRef>
+        </p:style>
+        <p:txBody>
+          <a:bodyPr wrap="none" rtlCol="0">
+            <a:spAutoFit/>
+          </a:bodyPr>
+          <a:lstStyle/>
+          <a:p>
+            <a:r>
+              <a:rPr lang="en-US" dirty="0">
+                <a:latin typeface="Hiragino Kaku Gothic Pro W3" panose="020B0300000000000000" pitchFamily="34" charset="-128"/>
+                <a:ea typeface="Hiragino Kaku Gothic Pro W3" panose="020B0300000000000000" pitchFamily="34" charset="-128"/>
+              </a:rPr>
+              <a:t>Depth </a:t>
+            </a:r>
+            <a:r>
+              <a:rPr lang="en-US" dirty="0" err="1">
+                <a:latin typeface="Hiragino Kaku Gothic Pro W3" panose="020B0300000000000000" pitchFamily="34" charset="-128"/>
+                <a:ea typeface="Hiragino Kaku Gothic Pro W3" panose="020B0300000000000000" pitchFamily="34" charset="-128"/>
+              </a:rPr>
+              <a:t>concat</a:t>
+            </a:r>
+            <a:endParaRPr lang="en-US" dirty="0">
+              <a:latin typeface="Hiragino Kaku Gothic Pro W3" panose="020B0300000000000000" pitchFamily="34" charset="-128"/>
+              <a:ea typeface="Hiragino Kaku Gothic Pro W3" panose="020B0300000000000000" pitchFamily="34" charset="-128"/>
+            </a:endParaRPr>
+          </a:p>
+        </p:txBody>
+      </p:sp>
+      <p:sp>
+        <p:nvSpPr>
+          <p:cNvPr id="16" name="TextBox 15">
+            <a:extLst>
+              <a:ext uri="{FF2B5EF4-FFF2-40B4-BE49-F238E27FC236}">
+                <a16:creationId xmlns:a16="http://schemas.microsoft.com/office/drawing/2014/main" id="{65BAD50B-3C14-3D4B-A264-613987D6147F}"/>
+              </a:ext>
+            </a:extLst>
+          </p:cNvPr>
+          <p:cNvSpPr txBox="1"/>
+          <p:nvPr/>
+        </p:nvSpPr>
+        <p:spPr>
+          <a:xfrm>
+            <a:off x="6196070" y="5888932"/>
+            <a:ext cx="1140056" cy="369332"/>
+          </a:xfrm>
+          <a:prstGeom prst="rect">
+            <a:avLst/>
+          </a:prstGeom>
+        </p:spPr>
+        <p:style>
+          <a:lnRef idx="2">
+            <a:schemeClr val="dk1"/>
+          </a:lnRef>
+          <a:fillRef idx="1">
+            <a:schemeClr val="lt1"/>
+          </a:fillRef>
+          <a:effectRef idx="0">
+            <a:schemeClr val="dk1"/>
+          </a:effectRef>
+          <a:fontRef idx="minor">
+            <a:schemeClr val="dk1"/>
+          </a:fontRef>
+        </p:style>
+        <p:txBody>
+          <a:bodyPr wrap="none" rtlCol="0">
+            <a:spAutoFit/>
+          </a:bodyPr>
+          <a:lstStyle/>
+          <a:p>
+            <a:r>
+              <a:rPr lang="en-US" altLang="ja-JP" dirty="0" err="1">
+                <a:latin typeface="Hiragino Kaku Gothic Pro W3" panose="020B0300000000000000" pitchFamily="34" charset="-128"/>
+                <a:ea typeface="Hiragino Kaku Gothic Pro W3" panose="020B0300000000000000" pitchFamily="34" charset="-128"/>
+              </a:rPr>
+              <a:t>Softmax</a:t>
+            </a:r>
+            <a:endParaRPr lang="en-US" dirty="0">
+              <a:latin typeface="Hiragino Kaku Gothic Pro W3" panose="020B0300000000000000" pitchFamily="34" charset="-128"/>
+              <a:ea typeface="Hiragino Kaku Gothic Pro W3" panose="020B0300000000000000" pitchFamily="34" charset="-128"/>
+            </a:endParaRPr>
+          </a:p>
+        </p:txBody>
+      </p:sp>
+      <p:sp>
+        <p:nvSpPr>
+          <p:cNvPr id="17" name="TextBox 16">
+            <a:extLst>
+              <a:ext uri="{FF2B5EF4-FFF2-40B4-BE49-F238E27FC236}">
+                <a16:creationId xmlns:a16="http://schemas.microsoft.com/office/drawing/2014/main" id="{E6CD70AE-598B-9743-B76D-CC2BAC7B1B8D}"/>
+              </a:ext>
+            </a:extLst>
+          </p:cNvPr>
+          <p:cNvSpPr txBox="1"/>
+          <p:nvPr/>
+        </p:nvSpPr>
+        <p:spPr>
+          <a:xfrm>
+            <a:off x="590328" y="3310649"/>
+            <a:ext cx="800219" cy="461665"/>
+          </a:xfrm>
+          <a:prstGeom prst="rect">
+            <a:avLst/>
+          </a:prstGeom>
+        </p:spPr>
+        <p:style>
+          <a:lnRef idx="2">
+            <a:schemeClr val="dk1"/>
+          </a:lnRef>
+          <a:fillRef idx="1">
+            <a:schemeClr val="lt1"/>
+          </a:fillRef>
+          <a:effectRef idx="0">
+            <a:schemeClr val="dk1"/>
+          </a:effectRef>
+          <a:fontRef idx="minor">
+            <a:schemeClr val="dk1"/>
+          </a:fontRef>
+        </p:style>
+        <p:txBody>
+          <a:bodyPr wrap="none" rtlCol="0">
+            <a:spAutoFit/>
+          </a:bodyPr>
+          <a:lstStyle/>
+          <a:p>
+            <a:r>
+              <a:rPr lang="ja-JP" altLang="en-US" sz="2400" dirty="0"/>
+              <a:t>入力</a:t>
+            </a:r>
+            <a:endParaRPr lang="en-US" sz="2400" dirty="0"/>
           </a:p>
         </p:txBody>
       </p:sp>

--- a/slide/graduate.pptx
+++ b/slide/graduate.pptx
@@ -5,33 +5,41 @@
     <p:sldMasterId id="2147483660" r:id="rId1"/>
   </p:sldMasterIdLst>
   <p:notesMasterIdLst>
-    <p:notesMasterId r:id="rId26"/>
+    <p:notesMasterId r:id="rId34"/>
   </p:notesMasterIdLst>
   <p:sldIdLst>
     <p:sldId id="266" r:id="rId2"/>
     <p:sldId id="257" r:id="rId3"/>
-    <p:sldId id="279" r:id="rId4"/>
-    <p:sldId id="259" r:id="rId5"/>
-    <p:sldId id="268" r:id="rId6"/>
-    <p:sldId id="269" r:id="rId7"/>
-    <p:sldId id="260" r:id="rId8"/>
-    <p:sldId id="280" r:id="rId9"/>
-    <p:sldId id="262" r:id="rId10"/>
-    <p:sldId id="283" r:id="rId11"/>
-    <p:sldId id="271" r:id="rId12"/>
-    <p:sldId id="272" r:id="rId13"/>
-    <p:sldId id="282" r:id="rId14"/>
-    <p:sldId id="273" r:id="rId15"/>
-    <p:sldId id="263" r:id="rId16"/>
-    <p:sldId id="274" r:id="rId17"/>
-    <p:sldId id="264" r:id="rId18"/>
-    <p:sldId id="277" r:id="rId19"/>
-    <p:sldId id="281" r:id="rId20"/>
-    <p:sldId id="278" r:id="rId21"/>
-    <p:sldId id="265" r:id="rId22"/>
-    <p:sldId id="258" r:id="rId23"/>
-    <p:sldId id="261" r:id="rId24"/>
-    <p:sldId id="275" r:id="rId25"/>
+    <p:sldId id="284" r:id="rId4"/>
+    <p:sldId id="279" r:id="rId5"/>
+    <p:sldId id="285" r:id="rId6"/>
+    <p:sldId id="259" r:id="rId7"/>
+    <p:sldId id="268" r:id="rId8"/>
+    <p:sldId id="269" r:id="rId9"/>
+    <p:sldId id="286" r:id="rId10"/>
+    <p:sldId id="260" r:id="rId11"/>
+    <p:sldId id="280" r:id="rId12"/>
+    <p:sldId id="287" r:id="rId13"/>
+    <p:sldId id="262" r:id="rId14"/>
+    <p:sldId id="283" r:id="rId15"/>
+    <p:sldId id="288" r:id="rId16"/>
+    <p:sldId id="271" r:id="rId17"/>
+    <p:sldId id="272" r:id="rId18"/>
+    <p:sldId id="282" r:id="rId19"/>
+    <p:sldId id="273" r:id="rId20"/>
+    <p:sldId id="289" r:id="rId21"/>
+    <p:sldId id="263" r:id="rId22"/>
+    <p:sldId id="274" r:id="rId23"/>
+    <p:sldId id="290" r:id="rId24"/>
+    <p:sldId id="264" r:id="rId25"/>
+    <p:sldId id="277" r:id="rId26"/>
+    <p:sldId id="281" r:id="rId27"/>
+    <p:sldId id="278" r:id="rId28"/>
+    <p:sldId id="291" r:id="rId29"/>
+    <p:sldId id="265" r:id="rId30"/>
+    <p:sldId id="258" r:id="rId31"/>
+    <p:sldId id="261" r:id="rId32"/>
+    <p:sldId id="275" r:id="rId33"/>
   </p:sldIdLst>
   <p:sldSz cx="9144000" cy="6858000" type="screen4x3"/>
   <p:notesSz cx="6858000" cy="9144000"/>
@@ -644,7 +652,7 @@
           <a:p>
             <a:fld id="{AF8C3CD4-EC76-BD4C-9E4E-77FD717E9643}" type="slidenum">
               <a:rPr lang="en-US" smtClean="0"/>
-              <a:t>4</a:t>
+              <a:t>6</a:t>
             </a:fld>
             <a:endParaRPr lang="en-US"/>
           </a:p>
@@ -732,7 +740,7 @@
           <a:p>
             <a:fld id="{AF8C3CD4-EC76-BD4C-9E4E-77FD717E9643}" type="slidenum">
               <a:rPr lang="en-US" smtClean="0"/>
-              <a:t>5</a:t>
+              <a:t>7</a:t>
             </a:fld>
             <a:endParaRPr lang="en-US"/>
           </a:p>
@@ -819,7 +827,7 @@
           <a:p>
             <a:fld id="{AF8C3CD4-EC76-BD4C-9E4E-77FD717E9643}" type="slidenum">
               <a:rPr lang="en-US" smtClean="0"/>
-              <a:t>17</a:t>
+              <a:t>24</a:t>
             </a:fld>
             <a:endParaRPr lang="en-US"/>
           </a:p>
@@ -914,7 +922,7 @@
           <a:p>
             <a:fld id="{AF8C3CD4-EC76-BD4C-9E4E-77FD717E9643}" type="slidenum">
               <a:rPr lang="en-US" smtClean="0"/>
-              <a:t>23</a:t>
+              <a:t>31</a:t>
             </a:fld>
             <a:endParaRPr lang="en-US"/>
           </a:p>
@@ -4928,7 +4936,7 @@
           <p:cNvPr id="2" name="Title 1">
             <a:extLst>
               <a:ext uri="{FF2B5EF4-FFF2-40B4-BE49-F238E27FC236}">
-                <a16:creationId xmlns:a16="http://schemas.microsoft.com/office/drawing/2014/main" id="{00659823-9A47-5A4F-BCE5-B32B117DA67E}"/>
+                <a16:creationId xmlns:a16="http://schemas.microsoft.com/office/drawing/2014/main" id="{55D35CD2-C1AE-6945-8B31-1E78F88BC53B}"/>
               </a:ext>
             </a:extLst>
           </p:cNvPr>
@@ -4945,8 +4953,8 @@
           <a:lstStyle/>
           <a:p>
             <a:r>
-              <a:rPr lang="ja-JP" altLang="en-US" dirty="0"/>
-              <a:t>本研究のコントリビューション</a:t>
+              <a:rPr lang="en-US" altLang="ja-JP" dirty="0"/>
+              <a:t>Flow-in-Cloud</a:t>
             </a:r>
             <a:endParaRPr lang="en-US" dirty="0"/>
           </a:p>
@@ -4957,7 +4965,7 @@
           <p:cNvPr id="3" name="Content Placeholder 2">
             <a:extLst>
               <a:ext uri="{FF2B5EF4-FFF2-40B4-BE49-F238E27FC236}">
-                <a16:creationId xmlns:a16="http://schemas.microsoft.com/office/drawing/2014/main" id="{EAB14B89-0154-464B-A50C-51342609A3B7}"/>
+                <a16:creationId xmlns:a16="http://schemas.microsoft.com/office/drawing/2014/main" id="{C1CDE55F-1F31-BD41-8A41-27952E4EED34}"/>
               </a:ext>
             </a:extLst>
           </p:cNvPr>
@@ -4968,65 +4976,58 @@
             <p:ph idx="1"/>
           </p:nvPr>
         </p:nvSpPr>
-        <p:spPr/>
-        <p:txBody>
-          <a:bodyPr/>
-          <a:lstStyle/>
-          <a:p>
-            <a:r>
-              <a:rPr lang="ja-JP" altLang="en-US" dirty="0"/>
-              <a:t>マルチ</a:t>
-            </a:r>
+        <p:spPr>
+          <a:xfrm>
+            <a:off x="298383" y="1578738"/>
+            <a:ext cx="3650983" cy="4664185"/>
+          </a:xfrm>
+        </p:spPr>
+        <p:txBody>
+          <a:bodyPr>
+            <a:normAutofit/>
+          </a:bodyPr>
+          <a:lstStyle/>
+          <a:p>
+            <a:r>
+              <a:rPr lang="ja-JP" altLang="en-US" dirty="0"/>
+              <a:t>構成要素</a:t>
+            </a:r>
+            <a:endParaRPr lang="en-US" altLang="ja-JP" dirty="0"/>
+          </a:p>
+          <a:p>
+            <a:pPr lvl="1"/>
+            <a:r>
+              <a:rPr lang="en-US" dirty="0"/>
+              <a:t>GPU</a:t>
+            </a:r>
+          </a:p>
+          <a:p>
+            <a:pPr lvl="1"/>
             <a:r>
               <a:rPr lang="en-US" altLang="ja-JP" dirty="0"/>
               <a:t>FPGA</a:t>
             </a:r>
-            <a:r>
-              <a:rPr lang="ja-JP" altLang="en-US" dirty="0"/>
-              <a:t>による</a:t>
-            </a:r>
-            <a:r>
-              <a:rPr lang="en-US" altLang="ja-JP" dirty="0"/>
-              <a:t>CNN</a:t>
-            </a:r>
-            <a:r>
-              <a:rPr lang="ja-JP" altLang="en-US" dirty="0"/>
-              <a:t>アクセラレータ</a:t>
+          </a:p>
+          <a:p>
+            <a:pPr lvl="1"/>
+            <a:r>
+              <a:rPr lang="ja-JP" altLang="en-US" dirty="0"/>
+              <a:t>メモリ</a:t>
             </a:r>
             <a:endParaRPr lang="en-US" altLang="ja-JP" dirty="0"/>
           </a:p>
           <a:p>
-            <a:endParaRPr lang="en-US" dirty="0"/>
-          </a:p>
-          <a:p>
-            <a:r>
-              <a:rPr lang="en-US" dirty="0"/>
-              <a:t>GoogLeNet</a:t>
-            </a:r>
-            <a:r>
-              <a:rPr lang="ja-JP" altLang="en-US" dirty="0"/>
-              <a:t>の</a:t>
-            </a:r>
-            <a:r>
-              <a:rPr lang="en-US" altLang="ja-JP" dirty="0"/>
-              <a:t>FPGA</a:t>
-            </a:r>
-            <a:r>
-              <a:rPr lang="ja-JP" altLang="en-US" dirty="0"/>
-              <a:t>実装</a:t>
+            <a:pPr lvl="1"/>
+            <a:r>
+              <a:rPr lang="ja-JP" altLang="en-US" dirty="0"/>
+              <a:t>光通信による高速インターコネクト</a:t>
             </a:r>
             <a:endParaRPr lang="en-US" altLang="ja-JP" dirty="0"/>
           </a:p>
           <a:p>
-            <a:pPr lvl="1"/>
-            <a:r>
-              <a:rPr lang="en-US" altLang="ja-JP" dirty="0"/>
-              <a:t>AlexNet</a:t>
-            </a:r>
-            <a:r>
-              <a:rPr lang="ja-JP" altLang="en-US" dirty="0"/>
-              <a:t>が実装対象となりやすい</a:t>
-            </a:r>
+            <a:pPr marL="457200" lvl="1" indent="0">
+              <a:buNone/>
+            </a:pPr>
             <a:endParaRPr lang="en-US" dirty="0"/>
           </a:p>
         </p:txBody>
@@ -5036,7 +5037,7 @@
           <p:cNvPr id="4" name="Slide Number Placeholder 3">
             <a:extLst>
               <a:ext uri="{FF2B5EF4-FFF2-40B4-BE49-F238E27FC236}">
-                <a16:creationId xmlns:a16="http://schemas.microsoft.com/office/drawing/2014/main" id="{B4B3AE10-1FC2-DF49-B89E-D58156F98724}"/>
+                <a16:creationId xmlns:a16="http://schemas.microsoft.com/office/drawing/2014/main" id="{01978C6F-5CAF-AB46-A9CA-0A889032697F}"/>
               </a:ext>
             </a:extLst>
           </p:cNvPr>
@@ -5056,14 +5057,50 @@
               <a:rPr lang="en-US" smtClean="0"/>
               <a:t>10</a:t>
             </a:fld>
-            <a:endParaRPr lang="en-US" dirty="0"/>
-          </a:p>
-        </p:txBody>
-      </p:sp>
+            <a:endParaRPr lang="en-US"/>
+          </a:p>
+        </p:txBody>
+      </p:sp>
+      <p:pic>
+        <p:nvPicPr>
+          <p:cNvPr id="15" name="Picture 14">
+            <a:extLst>
+              <a:ext uri="{FF2B5EF4-FFF2-40B4-BE49-F238E27FC236}">
+                <a16:creationId xmlns:a16="http://schemas.microsoft.com/office/drawing/2014/main" id="{297071FD-607F-D846-BA58-F881C8FCE475}"/>
+              </a:ext>
+            </a:extLst>
+          </p:cNvPr>
+          <p:cNvPicPr>
+            <a:picLocks noChangeAspect="1"/>
+          </p:cNvPicPr>
+          <p:nvPr/>
+        </p:nvPicPr>
+        <p:blipFill>
+          <a:blip r:embed="rId2">
+            <a:extLst>
+              <a:ext uri="{28A0092B-C50C-407E-A947-70E740481C1C}">
+                <a14:useLocalDpi xmlns:a14="http://schemas.microsoft.com/office/drawing/2010/main" val="0"/>
+              </a:ext>
+            </a:extLst>
+          </a:blip>
+          <a:stretch>
+            <a:fillRect/>
+          </a:stretch>
+        </p:blipFill>
+        <p:spPr>
+          <a:xfrm>
+            <a:off x="3949366" y="1578738"/>
+            <a:ext cx="4857750" cy="4315908"/>
+          </a:xfrm>
+          <a:prstGeom prst="rect">
+            <a:avLst/>
+          </a:prstGeom>
+        </p:spPr>
+      </p:pic>
     </p:spTree>
     <p:extLst>
       <p:ext uri="{BB962C8B-B14F-4D97-AF65-F5344CB8AC3E}">
-        <p14:creationId xmlns:p14="http://schemas.microsoft.com/office/powerpoint/2010/main" val="1062787650"/>
+        <p14:creationId xmlns:p14="http://schemas.microsoft.com/office/powerpoint/2010/main" val="2380956215"/>
       </p:ext>
     </p:extLst>
   </p:cSld>
@@ -5095,7 +5132,7 @@
           <p:cNvPr id="2" name="Title 1">
             <a:extLst>
               <a:ext uri="{FF2B5EF4-FFF2-40B4-BE49-F238E27FC236}">
-                <a16:creationId xmlns:a16="http://schemas.microsoft.com/office/drawing/2014/main" id="{55D35CD2-C1AE-6945-8B31-1E78F88BC53B}"/>
+                <a16:creationId xmlns:a16="http://schemas.microsoft.com/office/drawing/2014/main" id="{59561430-3985-CC41-B54F-862C002FCC8D}"/>
               </a:ext>
             </a:extLst>
           </p:cNvPr>
@@ -5112,8 +5149,12 @@
           <a:lstStyle/>
           <a:p>
             <a:r>
-              <a:rPr lang="ja-JP" altLang="en-US" dirty="0"/>
-              <a:t>並列化検討</a:t>
+              <a:rPr lang="en-US" altLang="ja-JP" dirty="0" err="1"/>
+              <a:t>FiC</a:t>
+            </a:r>
+            <a:r>
+              <a:rPr lang="en-US" altLang="ja-JP" dirty="0"/>
+              <a:t>-SW</a:t>
             </a:r>
             <a:endParaRPr lang="en-US" dirty="0"/>
           </a:p>
@@ -5121,10 +5162,10 @@
       </p:sp>
       <p:sp>
         <p:nvSpPr>
-          <p:cNvPr id="3" name="Content Placeholder 2">
+          <p:cNvPr id="6" name="Content Placeholder 5">
             <a:extLst>
               <a:ext uri="{FF2B5EF4-FFF2-40B4-BE49-F238E27FC236}">
-                <a16:creationId xmlns:a16="http://schemas.microsoft.com/office/drawing/2014/main" id="{C1CDE55F-1F31-BD41-8A41-27952E4EED34}"/>
+                <a16:creationId xmlns:a16="http://schemas.microsoft.com/office/drawing/2014/main" id="{BDC6777D-8E88-184F-BF35-88604EAA1638}"/>
               </a:ext>
             </a:extLst>
           </p:cNvPr>
@@ -5140,57 +5181,93 @@
           <a:bodyPr/>
           <a:lstStyle/>
           <a:p>
-            <a:pPr>
-              <a:lnSpc>
-                <a:spcPct val="100000"/>
-              </a:lnSpc>
+            <a:r>
+              <a:rPr lang="en-US" altLang="ja-JP" dirty="0" err="1"/>
+              <a:t>FiC</a:t>
+            </a:r>
+            <a:r>
+              <a:rPr lang="ja-JP" altLang="en-US" dirty="0"/>
+              <a:t>のネットワークスイッチ</a:t>
+            </a:r>
+            <a:endParaRPr lang="en-US" altLang="ja-JP" dirty="0"/>
+          </a:p>
+          <a:p>
+            <a:r>
+              <a:rPr lang="ja-JP" altLang="en-US" dirty="0"/>
+              <a:t>構成要素</a:t>
+            </a:r>
+            <a:endParaRPr lang="en-US" altLang="ja-JP" dirty="0"/>
+          </a:p>
+          <a:p>
+            <a:pPr marL="971550" lvl="1" indent="-514350">
+              <a:buFont typeface="+mj-lt"/>
+              <a:buAutoNum type="arabicPeriod"/>
             </a:pPr>
             <a:r>
               <a:rPr lang="en-US" altLang="ja-JP" dirty="0"/>
-              <a:t>GoogLeNet</a:t>
-            </a:r>
-            <a:r>
-              <a:rPr lang="ja-JP" altLang="en-US" dirty="0"/>
-              <a:t>の並列化</a:t>
+              <a:t>Xilinx </a:t>
+            </a:r>
+            <a:r>
+              <a:rPr lang="en-US" altLang="ja-JP" dirty="0" err="1"/>
+              <a:t>Kintex</a:t>
+            </a:r>
+            <a:r>
+              <a:rPr lang="en-US" altLang="ja-JP" dirty="0"/>
+              <a:t> </a:t>
+            </a:r>
+            <a:r>
+              <a:rPr lang="en-US" altLang="ja-JP" dirty="0" err="1"/>
+              <a:t>UltraScale</a:t>
             </a:r>
             <a:endParaRPr lang="en-US" altLang="ja-JP" dirty="0"/>
           </a:p>
           <a:p>
-            <a:pPr lvl="1">
-              <a:lnSpc>
-                <a:spcPct val="100000"/>
-              </a:lnSpc>
+            <a:pPr marL="971550" lvl="1" indent="-514350">
+              <a:buFont typeface="+mj-lt"/>
+              <a:buAutoNum type="arabicPeriod"/>
             </a:pPr>
             <a:r>
               <a:rPr lang="ja-JP" altLang="en-US" dirty="0"/>
-              <a:t>畳み込み演算の並列化</a:t>
+              <a:t>高速シリアルリンク</a:t>
             </a:r>
             <a:endParaRPr lang="en-US" altLang="ja-JP" dirty="0"/>
           </a:p>
           <a:p>
-            <a:pPr lvl="1">
-              <a:lnSpc>
-                <a:spcPct val="100000"/>
-              </a:lnSpc>
+            <a:pPr marL="971550" lvl="1" indent="-514350">
+              <a:buFont typeface="+mj-lt"/>
+              <a:buAutoNum type="arabicPeriod"/>
             </a:pPr>
             <a:r>
               <a:rPr lang="en-US" altLang="ja-JP" dirty="0"/>
-              <a:t>Inception</a:t>
-            </a:r>
-            <a:r>
-              <a:rPr lang="ja-JP" altLang="en-US" dirty="0"/>
-              <a:t>層の計算スレッド分割</a:t>
-            </a:r>
+              <a:t>DRAM 2</a:t>
+            </a:r>
+            <a:r>
+              <a:rPr lang="ja-JP" altLang="en-US" dirty="0"/>
+              <a:t>バンク</a:t>
+            </a:r>
+            <a:endParaRPr lang="en-US" altLang="ja-JP" dirty="0"/>
+          </a:p>
+          <a:p>
+            <a:pPr marL="971550" lvl="1" indent="-514350">
+              <a:buFont typeface="+mj-lt"/>
+              <a:buAutoNum type="arabicPeriod"/>
+            </a:pPr>
+            <a:r>
+              <a:rPr lang="en-US" altLang="ja-JP" dirty="0"/>
+              <a:t>Raspberry Pi3</a:t>
+            </a:r>
+          </a:p>
+          <a:p>
             <a:endParaRPr lang="en-US" dirty="0"/>
           </a:p>
         </p:txBody>
       </p:sp>
       <p:sp>
         <p:nvSpPr>
-          <p:cNvPr id="4" name="Slide Number Placeholder 3">
+          <p:cNvPr id="5" name="Slide Number Placeholder 4">
             <a:extLst>
               <a:ext uri="{FF2B5EF4-FFF2-40B4-BE49-F238E27FC236}">
-                <a16:creationId xmlns:a16="http://schemas.microsoft.com/office/drawing/2014/main" id="{A6E64AC7-C6CA-5F42-A510-F4A9D3C7612F}"/>
+                <a16:creationId xmlns:a16="http://schemas.microsoft.com/office/drawing/2014/main" id="{6F97E570-4162-DC42-936D-86D367C9722B}"/>
               </a:ext>
             </a:extLst>
           </p:cNvPr>
@@ -5214,10 +5291,46 @@
           </a:p>
         </p:txBody>
       </p:sp>
+      <p:pic>
+        <p:nvPicPr>
+          <p:cNvPr id="11" name="Picture 10">
+            <a:extLst>
+              <a:ext uri="{FF2B5EF4-FFF2-40B4-BE49-F238E27FC236}">
+                <a16:creationId xmlns:a16="http://schemas.microsoft.com/office/drawing/2014/main" id="{7909104A-0FFC-6D4F-803C-5D8714FB1C8D}"/>
+              </a:ext>
+            </a:extLst>
+          </p:cNvPr>
+          <p:cNvPicPr>
+            <a:picLocks noChangeAspect="1"/>
+          </p:cNvPicPr>
+          <p:nvPr/>
+        </p:nvPicPr>
+        <p:blipFill>
+          <a:blip r:embed="rId2">
+            <a:extLst>
+              <a:ext uri="{28A0092B-C50C-407E-A947-70E740481C1C}">
+                <a14:useLocalDpi xmlns:a14="http://schemas.microsoft.com/office/drawing/2010/main" val="0"/>
+              </a:ext>
+            </a:extLst>
+          </a:blip>
+          <a:stretch>
+            <a:fillRect/>
+          </a:stretch>
+        </p:blipFill>
+        <p:spPr>
+          <a:xfrm rot="5400000">
+            <a:off x="5474774" y="3051804"/>
+            <a:ext cx="2517943" cy="3563208"/>
+          </a:xfrm>
+          <a:prstGeom prst="rect">
+            <a:avLst/>
+          </a:prstGeom>
+        </p:spPr>
+      </p:pic>
     </p:spTree>
     <p:extLst>
       <p:ext uri="{BB962C8B-B14F-4D97-AF65-F5344CB8AC3E}">
-        <p14:creationId xmlns:p14="http://schemas.microsoft.com/office/powerpoint/2010/main" val="3447425624"/>
+        <p14:creationId xmlns:p14="http://schemas.microsoft.com/office/powerpoint/2010/main" val="2621803037"/>
       </p:ext>
     </p:extLst>
   </p:cSld>
@@ -5249,7 +5362,7 @@
           <p:cNvPr id="2" name="Title 1">
             <a:extLst>
               <a:ext uri="{FF2B5EF4-FFF2-40B4-BE49-F238E27FC236}">
-                <a16:creationId xmlns:a16="http://schemas.microsoft.com/office/drawing/2014/main" id="{55D35CD2-C1AE-6945-8B31-1E78F88BC53B}"/>
+                <a16:creationId xmlns:a16="http://schemas.microsoft.com/office/drawing/2014/main" id="{39CF3F23-2F48-2645-9777-637A1891861E}"/>
               </a:ext>
             </a:extLst>
           </p:cNvPr>
@@ -5267,7 +5380,7 @@
           <a:p>
             <a:r>
               <a:rPr lang="ja-JP" altLang="en-US" dirty="0"/>
-              <a:t>畳み込み演算の並列化</a:t>
+              <a:t>アウトライン</a:t>
             </a:r>
             <a:endParaRPr lang="en-US" dirty="0"/>
           </a:p>
@@ -5278,7 +5391,7 @@
           <p:cNvPr id="3" name="Content Placeholder 2">
             <a:extLst>
               <a:ext uri="{FF2B5EF4-FFF2-40B4-BE49-F238E27FC236}">
-                <a16:creationId xmlns:a16="http://schemas.microsoft.com/office/drawing/2014/main" id="{C1CDE55F-1F31-BD41-8A41-27952E4EED34}"/>
+                <a16:creationId xmlns:a16="http://schemas.microsoft.com/office/drawing/2014/main" id="{24779C7E-8343-C346-AF74-51042A369AD4}"/>
               </a:ext>
             </a:extLst>
           </p:cNvPr>
@@ -5291,22 +5404,79 @@
         </p:nvSpPr>
         <p:spPr/>
         <p:txBody>
-          <a:bodyPr/>
-          <a:lstStyle/>
-          <a:p>
-            <a:r>
-              <a:rPr lang="ja-JP" altLang="en-US" dirty="0"/>
-              <a:t>畳み込み演算のデータ並列性</a:t>
+          <a:bodyPr>
+            <a:normAutofit/>
+          </a:bodyPr>
+          <a:lstStyle/>
+          <a:p>
+            <a:r>
+              <a:rPr lang="ja-JP" altLang="en-US" dirty="0"/>
+              <a:t>背景</a:t>
             </a:r>
             <a:endParaRPr lang="en-US" altLang="ja-JP" dirty="0"/>
           </a:p>
           <a:p>
-            <a:pPr lvl="1"/>
-            <a:r>
-              <a:rPr lang="ja-JP" altLang="en-US" dirty="0"/>
-              <a:t>出力値分割</a:t>
+            <a:r>
+              <a:rPr lang="en-US" altLang="ja-JP" dirty="0"/>
+              <a:t>GoogLeNet</a:t>
+            </a:r>
+          </a:p>
+          <a:p>
+            <a:r>
+              <a:rPr lang="en-US" altLang="ja-JP" dirty="0" err="1"/>
+              <a:t>FiC</a:t>
+            </a:r>
+            <a:r>
+              <a:rPr lang="en-US" altLang="ja-JP" dirty="0"/>
+              <a:t>-SW</a:t>
+            </a:r>
+          </a:p>
+          <a:p>
+            <a:r>
+              <a:rPr lang="ja-JP" altLang="en-US" dirty="0">
+                <a:solidFill>
+                  <a:srgbClr val="FF0000"/>
+                </a:solidFill>
+              </a:rPr>
+              <a:t>関連研究</a:t>
+            </a:r>
+            <a:endParaRPr lang="en-US" altLang="ja-JP" dirty="0">
+              <a:solidFill>
+                <a:srgbClr val="FF0000"/>
+              </a:solidFill>
+            </a:endParaRPr>
+          </a:p>
+          <a:p>
+            <a:r>
+              <a:rPr lang="en-US" altLang="ja-JP" dirty="0"/>
+              <a:t>GoogLeNet</a:t>
+            </a:r>
+            <a:r>
+              <a:rPr lang="ja-JP" altLang="en-US" dirty="0"/>
+              <a:t>並列化検討</a:t>
             </a:r>
             <a:endParaRPr lang="en-US" altLang="ja-JP" dirty="0"/>
+          </a:p>
+          <a:p>
+            <a:r>
+              <a:rPr lang="ja-JP" altLang="en-US" dirty="0"/>
+              <a:t>実装</a:t>
+            </a:r>
+            <a:endParaRPr lang="en-US" altLang="ja-JP" dirty="0"/>
+          </a:p>
+          <a:p>
+            <a:r>
+              <a:rPr lang="ja-JP" altLang="en-US" dirty="0"/>
+              <a:t>評価</a:t>
+            </a:r>
+            <a:endParaRPr lang="en-US" altLang="ja-JP" dirty="0"/>
+          </a:p>
+          <a:p>
+            <a:r>
+              <a:rPr lang="ja-JP" altLang="en-US" dirty="0"/>
+              <a:t>結論</a:t>
+            </a:r>
+            <a:endParaRPr lang="en-US" dirty="0"/>
           </a:p>
         </p:txBody>
       </p:sp>
@@ -5315,7 +5485,7 @@
           <p:cNvPr id="4" name="Slide Number Placeholder 3">
             <a:extLst>
               <a:ext uri="{FF2B5EF4-FFF2-40B4-BE49-F238E27FC236}">
-                <a16:creationId xmlns:a16="http://schemas.microsoft.com/office/drawing/2014/main" id="{815AFDB5-B1D3-8740-9A11-7CD378940FE1}"/>
+                <a16:creationId xmlns:a16="http://schemas.microsoft.com/office/drawing/2014/main" id="{91F23C09-84CF-5D49-924E-1F5C9B17F198}"/>
               </a:ext>
             </a:extLst>
           </p:cNvPr>
@@ -5342,7 +5512,7 @@
     </p:spTree>
     <p:extLst>
       <p:ext uri="{BB962C8B-B14F-4D97-AF65-F5344CB8AC3E}">
-        <p14:creationId xmlns:p14="http://schemas.microsoft.com/office/powerpoint/2010/main" val="3954525887"/>
+        <p14:creationId xmlns:p14="http://schemas.microsoft.com/office/powerpoint/2010/main" val="1287010597"/>
       </p:ext>
     </p:extLst>
   </p:cSld>
@@ -5392,7 +5562,7 @@
           <a:p>
             <a:r>
               <a:rPr lang="ja-JP" altLang="en-US" dirty="0"/>
-              <a:t>畳み込み演算の並列化</a:t>
+              <a:t>関連研究</a:t>
             </a:r>
             <a:endParaRPr lang="en-US" dirty="0"/>
           </a:p>
@@ -5414,6 +5584,936 @@
             <p:ph idx="1"/>
           </p:nvPr>
         </p:nvSpPr>
+        <p:spPr>
+          <a:xfrm>
+            <a:off x="628650" y="1578738"/>
+            <a:ext cx="7886700" cy="2931617"/>
+          </a:xfrm>
+        </p:spPr>
+        <p:txBody>
+          <a:bodyPr>
+            <a:normAutofit/>
+          </a:bodyPr>
+          <a:lstStyle/>
+          <a:p>
+            <a:r>
+              <a:rPr lang="ja-JP" altLang="en-US" dirty="0"/>
+              <a:t>マルチ</a:t>
+            </a:r>
+            <a:r>
+              <a:rPr lang="en-US" altLang="ja-JP" dirty="0"/>
+              <a:t>FPGA</a:t>
+            </a:r>
+            <a:r>
+              <a:rPr lang="ja-JP" altLang="en-US" dirty="0"/>
+              <a:t>システム</a:t>
+            </a:r>
+            <a:endParaRPr lang="en-US" altLang="ja-JP" dirty="0"/>
+          </a:p>
+          <a:p>
+            <a:pPr lvl="1"/>
+            <a:r>
+              <a:rPr lang="en-US" altLang="ja-JP" dirty="0"/>
+              <a:t>Project Catapult[3]</a:t>
+            </a:r>
+            <a:endParaRPr lang="en-US" dirty="0"/>
+          </a:p>
+          <a:p>
+            <a:r>
+              <a:rPr lang="en-US" altLang="ja-JP" dirty="0"/>
+              <a:t>FPGACNN</a:t>
+            </a:r>
+            <a:r>
+              <a:rPr lang="ja-JP" altLang="en-US" dirty="0"/>
+              <a:t>アクセラレータ</a:t>
+            </a:r>
+            <a:endParaRPr lang="en-US" altLang="ja-JP" dirty="0"/>
+          </a:p>
+          <a:p>
+            <a:pPr lvl="1"/>
+            <a:r>
+              <a:rPr lang="en-US" altLang="ja-JP" dirty="0" err="1"/>
+              <a:t>Caffe</a:t>
+            </a:r>
+            <a:r>
+              <a:rPr lang="ja-JP" altLang="en-US" dirty="0"/>
+              <a:t>フレームワークの利用</a:t>
+            </a:r>
+            <a:r>
+              <a:rPr lang="en-US" altLang="ja-JP" dirty="0"/>
+              <a:t>[4]</a:t>
+            </a:r>
+          </a:p>
+          <a:p>
+            <a:pPr lvl="1"/>
+            <a:r>
+              <a:rPr lang="ja-JP" altLang="en-US" dirty="0"/>
+              <a:t>マルチ</a:t>
+            </a:r>
+            <a:r>
+              <a:rPr lang="en-US" altLang="ja-JP" dirty="0"/>
+              <a:t>CLP</a:t>
+            </a:r>
+            <a:r>
+              <a:rPr lang="ja-JP" altLang="en-US" dirty="0"/>
+              <a:t>実装</a:t>
+            </a:r>
+            <a:r>
+              <a:rPr lang="en-US" altLang="ja-JP" dirty="0"/>
+              <a:t>[5]</a:t>
+            </a:r>
+          </a:p>
+        </p:txBody>
+      </p:sp>
+      <p:sp>
+        <p:nvSpPr>
+          <p:cNvPr id="4" name="Slide Number Placeholder 3">
+            <a:extLst>
+              <a:ext uri="{FF2B5EF4-FFF2-40B4-BE49-F238E27FC236}">
+                <a16:creationId xmlns:a16="http://schemas.microsoft.com/office/drawing/2014/main" id="{9EBF4C85-1B2E-EC4D-99B4-DAD0D326A85A}"/>
+              </a:ext>
+            </a:extLst>
+          </p:cNvPr>
+          <p:cNvSpPr>
+            <a:spLocks noGrp="1"/>
+          </p:cNvSpPr>
+          <p:nvPr>
+            <p:ph type="sldNum" sz="quarter" idx="12"/>
+          </p:nvPr>
+        </p:nvSpPr>
+        <p:spPr/>
+        <p:txBody>
+          <a:bodyPr/>
+          <a:lstStyle/>
+          <a:p>
+            <a:fld id="{AE60790C-7B88-2D40-A70D-E54200C05D47}" type="slidenum">
+              <a:rPr lang="en-US" smtClean="0"/>
+              <a:t>13</a:t>
+            </a:fld>
+            <a:endParaRPr lang="en-US"/>
+          </a:p>
+        </p:txBody>
+      </p:sp>
+      <p:sp>
+        <p:nvSpPr>
+          <p:cNvPr id="5" name="TextBox 4">
+            <a:extLst>
+              <a:ext uri="{FF2B5EF4-FFF2-40B4-BE49-F238E27FC236}">
+                <a16:creationId xmlns:a16="http://schemas.microsoft.com/office/drawing/2014/main" id="{32FBFC34-5442-D74D-815F-0046BD01B43C}"/>
+              </a:ext>
+            </a:extLst>
+          </p:cNvPr>
+          <p:cNvSpPr txBox="1"/>
+          <p:nvPr/>
+        </p:nvSpPr>
+        <p:spPr>
+          <a:xfrm>
+            <a:off x="298383" y="4179577"/>
+            <a:ext cx="8508733" cy="2031325"/>
+          </a:xfrm>
+          <a:prstGeom prst="rect">
+            <a:avLst/>
+          </a:prstGeom>
+          <a:noFill/>
+        </p:spPr>
+        <p:txBody>
+          <a:bodyPr wrap="square" rtlCol="0">
+            <a:spAutoFit/>
+          </a:bodyPr>
+          <a:lstStyle/>
+          <a:p>
+            <a:r>
+              <a:rPr lang="en-US" sz="1400" dirty="0">
+                <a:latin typeface="Hiragino Kaku Gothic Pro W3" panose="020B0300000000000000" pitchFamily="34" charset="-128"/>
+                <a:ea typeface="Hiragino Kaku Gothic Pro W3" panose="020B0300000000000000" pitchFamily="34" charset="-128"/>
+              </a:rPr>
+              <a:t>[3] Andrew Putnam. Large-scale reconfigurable computing in a </a:t>
+            </a:r>
+            <a:r>
+              <a:rPr lang="en-US" sz="1400" dirty="0" err="1">
+                <a:latin typeface="Hiragino Kaku Gothic Pro W3" panose="020B0300000000000000" pitchFamily="34" charset="-128"/>
+                <a:ea typeface="Hiragino Kaku Gothic Pro W3" panose="020B0300000000000000" pitchFamily="34" charset="-128"/>
+              </a:rPr>
+              <a:t>microsoft</a:t>
+            </a:r>
+            <a:r>
+              <a:rPr lang="en-US" sz="1400" dirty="0">
+                <a:latin typeface="Hiragino Kaku Gothic Pro W3" panose="020B0300000000000000" pitchFamily="34" charset="-128"/>
+                <a:ea typeface="Hiragino Kaku Gothic Pro W3" panose="020B0300000000000000" pitchFamily="34" charset="-128"/>
+              </a:rPr>
+              <a:t> datacenter. </a:t>
+            </a:r>
+            <a:r>
+              <a:rPr lang="en-US" sz="1400" dirty="0" err="1">
+                <a:latin typeface="Hiragino Kaku Gothic Pro W3" panose="020B0300000000000000" pitchFamily="34" charset="-128"/>
+                <a:ea typeface="Hiragino Kaku Gothic Pro W3" panose="020B0300000000000000" pitchFamily="34" charset="-128"/>
+              </a:rPr>
+              <a:t>In</a:t>
+            </a:r>
+            <a:r>
+              <a:rPr lang="en-US" sz="1400" i="1" dirty="0" err="1">
+                <a:latin typeface="Hiragino Kaku Gothic Pro W3" panose="020B0300000000000000" pitchFamily="34" charset="-128"/>
+                <a:ea typeface="Hiragino Kaku Gothic Pro W3" panose="020B0300000000000000" pitchFamily="34" charset="-128"/>
+              </a:rPr>
+              <a:t>Pro-ceedings</a:t>
+            </a:r>
+            <a:r>
+              <a:rPr lang="en-US" sz="1400" i="1" dirty="0">
+                <a:latin typeface="Hiragino Kaku Gothic Pro W3" panose="020B0300000000000000" pitchFamily="34" charset="-128"/>
+                <a:ea typeface="Hiragino Kaku Gothic Pro W3" panose="020B0300000000000000" pitchFamily="34" charset="-128"/>
+              </a:rPr>
+              <a:t> of the 26th IEEE </a:t>
+            </a:r>
+            <a:r>
+              <a:rPr lang="en-US" sz="1400" i="1" dirty="0" err="1">
+                <a:latin typeface="Hiragino Kaku Gothic Pro W3" panose="020B0300000000000000" pitchFamily="34" charset="-128"/>
+                <a:ea typeface="Hiragino Kaku Gothic Pro W3" panose="020B0300000000000000" pitchFamily="34" charset="-128"/>
+              </a:rPr>
+              <a:t>HotChips</a:t>
+            </a:r>
+            <a:r>
+              <a:rPr lang="en-US" sz="1400" i="1" dirty="0">
+                <a:latin typeface="Hiragino Kaku Gothic Pro W3" panose="020B0300000000000000" pitchFamily="34" charset="-128"/>
+                <a:ea typeface="Hiragino Kaku Gothic Pro W3" panose="020B0300000000000000" pitchFamily="34" charset="-128"/>
+              </a:rPr>
+              <a:t> Symposium on High-Performance Chips (HotChips2014)</a:t>
+            </a:r>
+            <a:r>
+              <a:rPr lang="en-US" sz="1400" dirty="0">
+                <a:latin typeface="Hiragino Kaku Gothic Pro W3" panose="020B0300000000000000" pitchFamily="34" charset="-128"/>
+                <a:ea typeface="Hiragino Kaku Gothic Pro W3" panose="020B0300000000000000" pitchFamily="34" charset="-128"/>
+              </a:rPr>
+              <a:t>. IEEE, August 2014.</a:t>
+            </a:r>
+          </a:p>
+          <a:p>
+            <a:r>
+              <a:rPr lang="en-US" sz="1400" dirty="0">
+                <a:latin typeface="Hiragino Kaku Gothic Pro W3" panose="020B0300000000000000" pitchFamily="34" charset="-128"/>
+                <a:ea typeface="Hiragino Kaku Gothic Pro W3" panose="020B0300000000000000" pitchFamily="34" charset="-128"/>
+              </a:rPr>
+              <a:t>[4] R. </a:t>
+            </a:r>
+            <a:r>
+              <a:rPr lang="en-US" sz="1400" dirty="0" err="1">
+                <a:latin typeface="Hiragino Kaku Gothic Pro W3" panose="020B0300000000000000" pitchFamily="34" charset="-128"/>
+                <a:ea typeface="Hiragino Kaku Gothic Pro W3" panose="020B0300000000000000" pitchFamily="34" charset="-128"/>
+              </a:rPr>
+              <a:t>DiCecco</a:t>
+            </a:r>
+            <a:r>
+              <a:rPr lang="en-US" sz="1400" dirty="0">
+                <a:latin typeface="Hiragino Kaku Gothic Pro W3" panose="020B0300000000000000" pitchFamily="34" charset="-128"/>
+                <a:ea typeface="Hiragino Kaku Gothic Pro W3" panose="020B0300000000000000" pitchFamily="34" charset="-128"/>
+              </a:rPr>
+              <a:t>, G. Lacey, J. </a:t>
+            </a:r>
+            <a:r>
+              <a:rPr lang="en-US" sz="1400" dirty="0" err="1">
+                <a:latin typeface="Hiragino Kaku Gothic Pro W3" panose="020B0300000000000000" pitchFamily="34" charset="-128"/>
+                <a:ea typeface="Hiragino Kaku Gothic Pro W3" panose="020B0300000000000000" pitchFamily="34" charset="-128"/>
+              </a:rPr>
+              <a:t>Vasiljevic</a:t>
+            </a:r>
+            <a:r>
+              <a:rPr lang="en-US" sz="1400" dirty="0">
+                <a:latin typeface="Hiragino Kaku Gothic Pro W3" panose="020B0300000000000000" pitchFamily="34" charset="-128"/>
+                <a:ea typeface="Hiragino Kaku Gothic Pro W3" panose="020B0300000000000000" pitchFamily="34" charset="-128"/>
+              </a:rPr>
+              <a:t>, P. Chow, G. Taylor, and S. </a:t>
+            </a:r>
+            <a:r>
+              <a:rPr lang="en-US" sz="1400" dirty="0" err="1">
+                <a:latin typeface="Hiragino Kaku Gothic Pro W3" panose="020B0300000000000000" pitchFamily="34" charset="-128"/>
+                <a:ea typeface="Hiragino Kaku Gothic Pro W3" panose="020B0300000000000000" pitchFamily="34" charset="-128"/>
+              </a:rPr>
+              <a:t>Areibi</a:t>
+            </a:r>
+            <a:r>
+              <a:rPr lang="en-US" sz="1400" dirty="0">
+                <a:latin typeface="Hiragino Kaku Gothic Pro W3" panose="020B0300000000000000" pitchFamily="34" charset="-128"/>
+                <a:ea typeface="Hiragino Kaku Gothic Pro W3" panose="020B0300000000000000" pitchFamily="34" charset="-128"/>
+              </a:rPr>
+              <a:t>. Caffeinated </a:t>
+            </a:r>
+            <a:r>
+              <a:rPr lang="en-US" sz="1400" dirty="0" err="1">
+                <a:latin typeface="Hiragino Kaku Gothic Pro W3" panose="020B0300000000000000" pitchFamily="34" charset="-128"/>
+                <a:ea typeface="Hiragino Kaku Gothic Pro W3" panose="020B0300000000000000" pitchFamily="34" charset="-128"/>
+              </a:rPr>
+              <a:t>fpgas:Fpga</a:t>
+            </a:r>
+            <a:r>
+              <a:rPr lang="en-US" sz="1400" dirty="0">
+                <a:latin typeface="Hiragino Kaku Gothic Pro W3" panose="020B0300000000000000" pitchFamily="34" charset="-128"/>
+                <a:ea typeface="Hiragino Kaku Gothic Pro W3" panose="020B0300000000000000" pitchFamily="34" charset="-128"/>
+              </a:rPr>
+              <a:t> framework for convolutional neural networks. In</a:t>
+            </a:r>
+            <a:r>
+              <a:rPr lang="en-US" sz="1400" i="1" dirty="0">
+                <a:latin typeface="Hiragino Kaku Gothic Pro W3" panose="020B0300000000000000" pitchFamily="34" charset="-128"/>
+                <a:ea typeface="Hiragino Kaku Gothic Pro W3" panose="020B0300000000000000" pitchFamily="34" charset="-128"/>
+              </a:rPr>
+              <a:t>2016 International Conference </a:t>
+            </a:r>
+            <a:r>
+              <a:rPr lang="en-US" sz="1400" i="1" dirty="0" err="1">
+                <a:latin typeface="Hiragino Kaku Gothic Pro W3" panose="020B0300000000000000" pitchFamily="34" charset="-128"/>
+                <a:ea typeface="Hiragino Kaku Gothic Pro W3" panose="020B0300000000000000" pitchFamily="34" charset="-128"/>
+              </a:rPr>
+              <a:t>onField</a:t>
+            </a:r>
+            <a:r>
+              <a:rPr lang="en-US" sz="1400" i="1" dirty="0">
+                <a:latin typeface="Hiragino Kaku Gothic Pro W3" panose="020B0300000000000000" pitchFamily="34" charset="-128"/>
+                <a:ea typeface="Hiragino Kaku Gothic Pro W3" panose="020B0300000000000000" pitchFamily="34" charset="-128"/>
+              </a:rPr>
+              <a:t>-Programmable Technology (FPT)</a:t>
+            </a:r>
+            <a:r>
+              <a:rPr lang="en-US" sz="1400" dirty="0">
+                <a:latin typeface="Hiragino Kaku Gothic Pro W3" panose="020B0300000000000000" pitchFamily="34" charset="-128"/>
+                <a:ea typeface="Hiragino Kaku Gothic Pro W3" panose="020B0300000000000000" pitchFamily="34" charset="-128"/>
+              </a:rPr>
+              <a:t>, pp. 265–268, Dec 2016.</a:t>
+            </a:r>
+          </a:p>
+          <a:p>
+            <a:r>
+              <a:rPr lang="en-US" sz="1400" dirty="0">
+                <a:latin typeface="Hiragino Kaku Gothic Pro W3" panose="020B0300000000000000" pitchFamily="34" charset="-128"/>
+                <a:ea typeface="Hiragino Kaku Gothic Pro W3" panose="020B0300000000000000" pitchFamily="34" charset="-128"/>
+              </a:rPr>
+              <a:t>[5]YongmingShen,MichaelFerdman,andPeterMilder.Maximizingcnnacceleratorefficiencythrough resource partitioning. </a:t>
+            </a:r>
+            <a:r>
+              <a:rPr lang="en-US" sz="1400" dirty="0" err="1">
+                <a:latin typeface="Hiragino Kaku Gothic Pro W3" panose="020B0300000000000000" pitchFamily="34" charset="-128"/>
+                <a:ea typeface="Hiragino Kaku Gothic Pro W3" panose="020B0300000000000000" pitchFamily="34" charset="-128"/>
+              </a:rPr>
+              <a:t>In</a:t>
+            </a:r>
+            <a:r>
+              <a:rPr lang="en-US" sz="1400" i="1" dirty="0" err="1">
+                <a:latin typeface="Hiragino Kaku Gothic Pro W3" panose="020B0300000000000000" pitchFamily="34" charset="-128"/>
+                <a:ea typeface="Hiragino Kaku Gothic Pro W3" panose="020B0300000000000000" pitchFamily="34" charset="-128"/>
+              </a:rPr>
+              <a:t>Proceedings</a:t>
+            </a:r>
+            <a:r>
+              <a:rPr lang="en-US" sz="1400" i="1" dirty="0">
+                <a:latin typeface="Hiragino Kaku Gothic Pro W3" panose="020B0300000000000000" pitchFamily="34" charset="-128"/>
+                <a:ea typeface="Hiragino Kaku Gothic Pro W3" panose="020B0300000000000000" pitchFamily="34" charset="-128"/>
+              </a:rPr>
+              <a:t> of the 44th Annual International </a:t>
+            </a:r>
+            <a:r>
+              <a:rPr lang="en-US" sz="1400" i="1" dirty="0" err="1">
+                <a:latin typeface="Hiragino Kaku Gothic Pro W3" panose="020B0300000000000000" pitchFamily="34" charset="-128"/>
+                <a:ea typeface="Hiragino Kaku Gothic Pro W3" panose="020B0300000000000000" pitchFamily="34" charset="-128"/>
+              </a:rPr>
+              <a:t>Symposiumon</a:t>
+            </a:r>
+            <a:r>
+              <a:rPr lang="en-US" sz="1400" i="1" dirty="0">
+                <a:latin typeface="Hiragino Kaku Gothic Pro W3" panose="020B0300000000000000" pitchFamily="34" charset="-128"/>
+                <a:ea typeface="Hiragino Kaku Gothic Pro W3" panose="020B0300000000000000" pitchFamily="34" charset="-128"/>
+              </a:rPr>
+              <a:t> Computer Architecture</a:t>
+            </a:r>
+            <a:r>
+              <a:rPr lang="en-US" sz="1400" dirty="0">
+                <a:latin typeface="Hiragino Kaku Gothic Pro W3" panose="020B0300000000000000" pitchFamily="34" charset="-128"/>
+                <a:ea typeface="Hiragino Kaku Gothic Pro W3" panose="020B0300000000000000" pitchFamily="34" charset="-128"/>
+              </a:rPr>
+              <a:t>, ISCA ’17, pp. 535–547, New York, NY, USA, 2017. ACM.</a:t>
+            </a:r>
+          </a:p>
+        </p:txBody>
+      </p:sp>
+    </p:spTree>
+    <p:extLst>
+      <p:ext uri="{BB962C8B-B14F-4D97-AF65-F5344CB8AC3E}">
+        <p14:creationId xmlns:p14="http://schemas.microsoft.com/office/powerpoint/2010/main" val="4284852948"/>
+      </p:ext>
+    </p:extLst>
+  </p:cSld>
+  <p:clrMapOvr>
+    <a:masterClrMapping/>
+  </p:clrMapOvr>
+</p:sld>
+</file>
+
+<file path=ppt/slides/slide14.xml><?xml version="1.0" encoding="utf-8"?>
+<p:sld xmlns:a="http://schemas.openxmlformats.org/drawingml/2006/main" xmlns:r="http://schemas.openxmlformats.org/officeDocument/2006/relationships" xmlns:p="http://schemas.openxmlformats.org/presentationml/2006/main">
+  <p:cSld>
+    <p:spTree>
+      <p:nvGrpSpPr>
+        <p:cNvPr id="1" name=""/>
+        <p:cNvGrpSpPr/>
+        <p:nvPr/>
+      </p:nvGrpSpPr>
+      <p:grpSpPr>
+        <a:xfrm>
+          <a:off x="0" y="0"/>
+          <a:ext cx="0" cy="0"/>
+          <a:chOff x="0" y="0"/>
+          <a:chExt cx="0" cy="0"/>
+        </a:xfrm>
+      </p:grpSpPr>
+      <p:sp>
+        <p:nvSpPr>
+          <p:cNvPr id="2" name="Title 1">
+            <a:extLst>
+              <a:ext uri="{FF2B5EF4-FFF2-40B4-BE49-F238E27FC236}">
+                <a16:creationId xmlns:a16="http://schemas.microsoft.com/office/drawing/2014/main" id="{00659823-9A47-5A4F-BCE5-B32B117DA67E}"/>
+              </a:ext>
+            </a:extLst>
+          </p:cNvPr>
+          <p:cNvSpPr>
+            <a:spLocks noGrp="1"/>
+          </p:cNvSpPr>
+          <p:nvPr>
+            <p:ph type="title"/>
+          </p:nvPr>
+        </p:nvSpPr>
+        <p:spPr/>
+        <p:txBody>
+          <a:bodyPr/>
+          <a:lstStyle/>
+          <a:p>
+            <a:r>
+              <a:rPr lang="ja-JP" altLang="en-US" dirty="0"/>
+              <a:t>本研究のコントリビューション</a:t>
+            </a:r>
+            <a:endParaRPr lang="en-US" dirty="0"/>
+          </a:p>
+        </p:txBody>
+      </p:sp>
+      <p:sp>
+        <p:nvSpPr>
+          <p:cNvPr id="3" name="Content Placeholder 2">
+            <a:extLst>
+              <a:ext uri="{FF2B5EF4-FFF2-40B4-BE49-F238E27FC236}">
+                <a16:creationId xmlns:a16="http://schemas.microsoft.com/office/drawing/2014/main" id="{EAB14B89-0154-464B-A50C-51342609A3B7}"/>
+              </a:ext>
+            </a:extLst>
+          </p:cNvPr>
+          <p:cNvSpPr>
+            <a:spLocks noGrp="1"/>
+          </p:cNvSpPr>
+          <p:nvPr>
+            <p:ph idx="1"/>
+          </p:nvPr>
+        </p:nvSpPr>
+        <p:spPr/>
+        <p:txBody>
+          <a:bodyPr/>
+          <a:lstStyle/>
+          <a:p>
+            <a:r>
+              <a:rPr lang="ja-JP" altLang="en-US" dirty="0"/>
+              <a:t>マルチ</a:t>
+            </a:r>
+            <a:r>
+              <a:rPr lang="en-US" altLang="ja-JP" dirty="0"/>
+              <a:t>FPGA</a:t>
+            </a:r>
+            <a:r>
+              <a:rPr lang="ja-JP" altLang="en-US" dirty="0"/>
+              <a:t>による</a:t>
+            </a:r>
+            <a:r>
+              <a:rPr lang="en-US" altLang="ja-JP" dirty="0"/>
+              <a:t>CNN</a:t>
+            </a:r>
+            <a:r>
+              <a:rPr lang="ja-JP" altLang="en-US" dirty="0"/>
+              <a:t>アクセラレータ</a:t>
+            </a:r>
+            <a:endParaRPr lang="en-US" altLang="ja-JP" dirty="0"/>
+          </a:p>
+          <a:p>
+            <a:endParaRPr lang="en-US" dirty="0"/>
+          </a:p>
+          <a:p>
+            <a:r>
+              <a:rPr lang="en-US" dirty="0"/>
+              <a:t>GoogLeNet</a:t>
+            </a:r>
+            <a:r>
+              <a:rPr lang="ja-JP" altLang="en-US" dirty="0"/>
+              <a:t>の</a:t>
+            </a:r>
+            <a:r>
+              <a:rPr lang="en-US" altLang="ja-JP" dirty="0"/>
+              <a:t>FPGA</a:t>
+            </a:r>
+            <a:r>
+              <a:rPr lang="ja-JP" altLang="en-US" dirty="0"/>
+              <a:t>実装</a:t>
+            </a:r>
+            <a:endParaRPr lang="en-US" altLang="ja-JP" dirty="0"/>
+          </a:p>
+          <a:p>
+            <a:pPr lvl="1"/>
+            <a:r>
+              <a:rPr lang="en-US" altLang="ja-JP" dirty="0"/>
+              <a:t>AlexNet</a:t>
+            </a:r>
+            <a:r>
+              <a:rPr lang="ja-JP" altLang="en-US" dirty="0"/>
+              <a:t>が実装対象となりやすい</a:t>
+            </a:r>
+            <a:endParaRPr lang="en-US" dirty="0"/>
+          </a:p>
+        </p:txBody>
+      </p:sp>
+      <p:sp>
+        <p:nvSpPr>
+          <p:cNvPr id="4" name="Slide Number Placeholder 3">
+            <a:extLst>
+              <a:ext uri="{FF2B5EF4-FFF2-40B4-BE49-F238E27FC236}">
+                <a16:creationId xmlns:a16="http://schemas.microsoft.com/office/drawing/2014/main" id="{B4B3AE10-1FC2-DF49-B89E-D58156F98724}"/>
+              </a:ext>
+            </a:extLst>
+          </p:cNvPr>
+          <p:cNvSpPr>
+            <a:spLocks noGrp="1"/>
+          </p:cNvSpPr>
+          <p:nvPr>
+            <p:ph type="sldNum" sz="quarter" idx="12"/>
+          </p:nvPr>
+        </p:nvSpPr>
+        <p:spPr/>
+        <p:txBody>
+          <a:bodyPr/>
+          <a:lstStyle/>
+          <a:p>
+            <a:fld id="{AE60790C-7B88-2D40-A70D-E54200C05D47}" type="slidenum">
+              <a:rPr lang="en-US" smtClean="0"/>
+              <a:t>14</a:t>
+            </a:fld>
+            <a:endParaRPr lang="en-US" dirty="0"/>
+          </a:p>
+        </p:txBody>
+      </p:sp>
+    </p:spTree>
+    <p:extLst>
+      <p:ext uri="{BB962C8B-B14F-4D97-AF65-F5344CB8AC3E}">
+        <p14:creationId xmlns:p14="http://schemas.microsoft.com/office/powerpoint/2010/main" val="1062787650"/>
+      </p:ext>
+    </p:extLst>
+  </p:cSld>
+  <p:clrMapOvr>
+    <a:masterClrMapping/>
+  </p:clrMapOvr>
+</p:sld>
+</file>
+
+<file path=ppt/slides/slide15.xml><?xml version="1.0" encoding="utf-8"?>
+<p:sld xmlns:a="http://schemas.openxmlformats.org/drawingml/2006/main" xmlns:r="http://schemas.openxmlformats.org/officeDocument/2006/relationships" xmlns:p="http://schemas.openxmlformats.org/presentationml/2006/main">
+  <p:cSld>
+    <p:spTree>
+      <p:nvGrpSpPr>
+        <p:cNvPr id="1" name=""/>
+        <p:cNvGrpSpPr/>
+        <p:nvPr/>
+      </p:nvGrpSpPr>
+      <p:grpSpPr>
+        <a:xfrm>
+          <a:off x="0" y="0"/>
+          <a:ext cx="0" cy="0"/>
+          <a:chOff x="0" y="0"/>
+          <a:chExt cx="0" cy="0"/>
+        </a:xfrm>
+      </p:grpSpPr>
+      <p:sp>
+        <p:nvSpPr>
+          <p:cNvPr id="2" name="Title 1">
+            <a:extLst>
+              <a:ext uri="{FF2B5EF4-FFF2-40B4-BE49-F238E27FC236}">
+                <a16:creationId xmlns:a16="http://schemas.microsoft.com/office/drawing/2014/main" id="{39CF3F23-2F48-2645-9777-637A1891861E}"/>
+              </a:ext>
+            </a:extLst>
+          </p:cNvPr>
+          <p:cNvSpPr>
+            <a:spLocks noGrp="1"/>
+          </p:cNvSpPr>
+          <p:nvPr>
+            <p:ph type="title"/>
+          </p:nvPr>
+        </p:nvSpPr>
+        <p:spPr/>
+        <p:txBody>
+          <a:bodyPr/>
+          <a:lstStyle/>
+          <a:p>
+            <a:r>
+              <a:rPr lang="ja-JP" altLang="en-US" dirty="0"/>
+              <a:t>アウトライン</a:t>
+            </a:r>
+            <a:endParaRPr lang="en-US" dirty="0"/>
+          </a:p>
+        </p:txBody>
+      </p:sp>
+      <p:sp>
+        <p:nvSpPr>
+          <p:cNvPr id="3" name="Content Placeholder 2">
+            <a:extLst>
+              <a:ext uri="{FF2B5EF4-FFF2-40B4-BE49-F238E27FC236}">
+                <a16:creationId xmlns:a16="http://schemas.microsoft.com/office/drawing/2014/main" id="{24779C7E-8343-C346-AF74-51042A369AD4}"/>
+              </a:ext>
+            </a:extLst>
+          </p:cNvPr>
+          <p:cNvSpPr>
+            <a:spLocks noGrp="1"/>
+          </p:cNvSpPr>
+          <p:nvPr>
+            <p:ph idx="1"/>
+          </p:nvPr>
+        </p:nvSpPr>
+        <p:spPr/>
+        <p:txBody>
+          <a:bodyPr>
+            <a:normAutofit/>
+          </a:bodyPr>
+          <a:lstStyle/>
+          <a:p>
+            <a:r>
+              <a:rPr lang="ja-JP" altLang="en-US" dirty="0"/>
+              <a:t>背景</a:t>
+            </a:r>
+            <a:endParaRPr lang="en-US" altLang="ja-JP" dirty="0"/>
+          </a:p>
+          <a:p>
+            <a:r>
+              <a:rPr lang="en-US" altLang="ja-JP" dirty="0"/>
+              <a:t>GoogLeNet</a:t>
+            </a:r>
+          </a:p>
+          <a:p>
+            <a:r>
+              <a:rPr lang="en-US" altLang="ja-JP" dirty="0" err="1"/>
+              <a:t>FiC</a:t>
+            </a:r>
+            <a:r>
+              <a:rPr lang="en-US" altLang="ja-JP" dirty="0"/>
+              <a:t>-SW</a:t>
+            </a:r>
+          </a:p>
+          <a:p>
+            <a:r>
+              <a:rPr lang="ja-JP" altLang="en-US" dirty="0"/>
+              <a:t>関連研究</a:t>
+            </a:r>
+            <a:endParaRPr lang="en-US" altLang="ja-JP" dirty="0"/>
+          </a:p>
+          <a:p>
+            <a:r>
+              <a:rPr lang="en-US" altLang="ja-JP" dirty="0">
+                <a:solidFill>
+                  <a:srgbClr val="FF0000"/>
+                </a:solidFill>
+              </a:rPr>
+              <a:t>GoogLeNet</a:t>
+            </a:r>
+            <a:r>
+              <a:rPr lang="ja-JP" altLang="en-US" dirty="0">
+                <a:solidFill>
+                  <a:srgbClr val="FF0000"/>
+                </a:solidFill>
+              </a:rPr>
+              <a:t>並列化検討</a:t>
+            </a:r>
+            <a:endParaRPr lang="en-US" altLang="ja-JP" dirty="0">
+              <a:solidFill>
+                <a:srgbClr val="FF0000"/>
+              </a:solidFill>
+            </a:endParaRPr>
+          </a:p>
+          <a:p>
+            <a:r>
+              <a:rPr lang="ja-JP" altLang="en-US" dirty="0"/>
+              <a:t>実装</a:t>
+            </a:r>
+            <a:endParaRPr lang="en-US" altLang="ja-JP" dirty="0"/>
+          </a:p>
+          <a:p>
+            <a:r>
+              <a:rPr lang="ja-JP" altLang="en-US" dirty="0"/>
+              <a:t>評価</a:t>
+            </a:r>
+            <a:endParaRPr lang="en-US" altLang="ja-JP" dirty="0"/>
+          </a:p>
+          <a:p>
+            <a:r>
+              <a:rPr lang="ja-JP" altLang="en-US" dirty="0"/>
+              <a:t>結論</a:t>
+            </a:r>
+            <a:endParaRPr lang="en-US" dirty="0"/>
+          </a:p>
+        </p:txBody>
+      </p:sp>
+      <p:sp>
+        <p:nvSpPr>
+          <p:cNvPr id="4" name="Slide Number Placeholder 3">
+            <a:extLst>
+              <a:ext uri="{FF2B5EF4-FFF2-40B4-BE49-F238E27FC236}">
+                <a16:creationId xmlns:a16="http://schemas.microsoft.com/office/drawing/2014/main" id="{91F23C09-84CF-5D49-924E-1F5C9B17F198}"/>
+              </a:ext>
+            </a:extLst>
+          </p:cNvPr>
+          <p:cNvSpPr>
+            <a:spLocks noGrp="1"/>
+          </p:cNvSpPr>
+          <p:nvPr>
+            <p:ph type="sldNum" sz="quarter" idx="12"/>
+          </p:nvPr>
+        </p:nvSpPr>
+        <p:spPr/>
+        <p:txBody>
+          <a:bodyPr/>
+          <a:lstStyle/>
+          <a:p>
+            <a:fld id="{AE60790C-7B88-2D40-A70D-E54200C05D47}" type="slidenum">
+              <a:rPr lang="en-US" smtClean="0"/>
+              <a:t>15</a:t>
+            </a:fld>
+            <a:endParaRPr lang="en-US"/>
+          </a:p>
+        </p:txBody>
+      </p:sp>
+    </p:spTree>
+    <p:extLst>
+      <p:ext uri="{BB962C8B-B14F-4D97-AF65-F5344CB8AC3E}">
+        <p14:creationId xmlns:p14="http://schemas.microsoft.com/office/powerpoint/2010/main" val="3053731077"/>
+      </p:ext>
+    </p:extLst>
+  </p:cSld>
+  <p:clrMapOvr>
+    <a:masterClrMapping/>
+  </p:clrMapOvr>
+</p:sld>
+</file>
+
+<file path=ppt/slides/slide16.xml><?xml version="1.0" encoding="utf-8"?>
+<p:sld xmlns:a="http://schemas.openxmlformats.org/drawingml/2006/main" xmlns:r="http://schemas.openxmlformats.org/officeDocument/2006/relationships" xmlns:p="http://schemas.openxmlformats.org/presentationml/2006/main">
+  <p:cSld>
+    <p:spTree>
+      <p:nvGrpSpPr>
+        <p:cNvPr id="1" name=""/>
+        <p:cNvGrpSpPr/>
+        <p:nvPr/>
+      </p:nvGrpSpPr>
+      <p:grpSpPr>
+        <a:xfrm>
+          <a:off x="0" y="0"/>
+          <a:ext cx="0" cy="0"/>
+          <a:chOff x="0" y="0"/>
+          <a:chExt cx="0" cy="0"/>
+        </a:xfrm>
+      </p:grpSpPr>
+      <p:sp>
+        <p:nvSpPr>
+          <p:cNvPr id="2" name="Title 1">
+            <a:extLst>
+              <a:ext uri="{FF2B5EF4-FFF2-40B4-BE49-F238E27FC236}">
+                <a16:creationId xmlns:a16="http://schemas.microsoft.com/office/drawing/2014/main" id="{55D35CD2-C1AE-6945-8B31-1E78F88BC53B}"/>
+              </a:ext>
+            </a:extLst>
+          </p:cNvPr>
+          <p:cNvSpPr>
+            <a:spLocks noGrp="1"/>
+          </p:cNvSpPr>
+          <p:nvPr>
+            <p:ph type="title"/>
+          </p:nvPr>
+        </p:nvSpPr>
+        <p:spPr/>
+        <p:txBody>
+          <a:bodyPr/>
+          <a:lstStyle/>
+          <a:p>
+            <a:r>
+              <a:rPr lang="ja-JP" altLang="en-US" dirty="0"/>
+              <a:t>並列化検討</a:t>
+            </a:r>
+            <a:endParaRPr lang="en-US" dirty="0"/>
+          </a:p>
+        </p:txBody>
+      </p:sp>
+      <p:sp>
+        <p:nvSpPr>
+          <p:cNvPr id="3" name="Content Placeholder 2">
+            <a:extLst>
+              <a:ext uri="{FF2B5EF4-FFF2-40B4-BE49-F238E27FC236}">
+                <a16:creationId xmlns:a16="http://schemas.microsoft.com/office/drawing/2014/main" id="{C1CDE55F-1F31-BD41-8A41-27952E4EED34}"/>
+              </a:ext>
+            </a:extLst>
+          </p:cNvPr>
+          <p:cNvSpPr>
+            <a:spLocks noGrp="1"/>
+          </p:cNvSpPr>
+          <p:nvPr>
+            <p:ph idx="1"/>
+          </p:nvPr>
+        </p:nvSpPr>
+        <p:spPr/>
+        <p:txBody>
+          <a:bodyPr/>
+          <a:lstStyle/>
+          <a:p>
+            <a:pPr>
+              <a:lnSpc>
+                <a:spcPct val="100000"/>
+              </a:lnSpc>
+            </a:pPr>
+            <a:r>
+              <a:rPr lang="en-US" altLang="ja-JP" dirty="0"/>
+              <a:t>GoogLeNet</a:t>
+            </a:r>
+            <a:r>
+              <a:rPr lang="ja-JP" altLang="en-US" dirty="0"/>
+              <a:t>の並列化</a:t>
+            </a:r>
+            <a:endParaRPr lang="en-US" altLang="ja-JP" dirty="0"/>
+          </a:p>
+          <a:p>
+            <a:pPr lvl="1">
+              <a:lnSpc>
+                <a:spcPct val="100000"/>
+              </a:lnSpc>
+            </a:pPr>
+            <a:r>
+              <a:rPr lang="ja-JP" altLang="en-US" dirty="0"/>
+              <a:t>畳み込み演算の並列化</a:t>
+            </a:r>
+            <a:endParaRPr lang="en-US" altLang="ja-JP" dirty="0"/>
+          </a:p>
+          <a:p>
+            <a:pPr lvl="1">
+              <a:lnSpc>
+                <a:spcPct val="100000"/>
+              </a:lnSpc>
+            </a:pPr>
+            <a:r>
+              <a:rPr lang="en-US" altLang="ja-JP" dirty="0"/>
+              <a:t>Inception</a:t>
+            </a:r>
+            <a:r>
+              <a:rPr lang="ja-JP" altLang="en-US" dirty="0"/>
+              <a:t>層の計算スレッド分割</a:t>
+            </a:r>
+            <a:endParaRPr lang="en-US" dirty="0"/>
+          </a:p>
+        </p:txBody>
+      </p:sp>
+      <p:sp>
+        <p:nvSpPr>
+          <p:cNvPr id="4" name="Slide Number Placeholder 3">
+            <a:extLst>
+              <a:ext uri="{FF2B5EF4-FFF2-40B4-BE49-F238E27FC236}">
+                <a16:creationId xmlns:a16="http://schemas.microsoft.com/office/drawing/2014/main" id="{A6E64AC7-C6CA-5F42-A510-F4A9D3C7612F}"/>
+              </a:ext>
+            </a:extLst>
+          </p:cNvPr>
+          <p:cNvSpPr>
+            <a:spLocks noGrp="1"/>
+          </p:cNvSpPr>
+          <p:nvPr>
+            <p:ph type="sldNum" sz="quarter" idx="12"/>
+          </p:nvPr>
+        </p:nvSpPr>
+        <p:spPr/>
+        <p:txBody>
+          <a:bodyPr/>
+          <a:lstStyle/>
+          <a:p>
+            <a:fld id="{AE60790C-7B88-2D40-A70D-E54200C05D47}" type="slidenum">
+              <a:rPr lang="en-US" smtClean="0"/>
+              <a:t>16</a:t>
+            </a:fld>
+            <a:endParaRPr lang="en-US"/>
+          </a:p>
+        </p:txBody>
+      </p:sp>
+    </p:spTree>
+    <p:extLst>
+      <p:ext uri="{BB962C8B-B14F-4D97-AF65-F5344CB8AC3E}">
+        <p14:creationId xmlns:p14="http://schemas.microsoft.com/office/powerpoint/2010/main" val="3447425624"/>
+      </p:ext>
+    </p:extLst>
+  </p:cSld>
+  <p:clrMapOvr>
+    <a:masterClrMapping/>
+  </p:clrMapOvr>
+</p:sld>
+</file>
+
+<file path=ppt/slides/slide17.xml><?xml version="1.0" encoding="utf-8"?>
+<p:sld xmlns:a="http://schemas.openxmlformats.org/drawingml/2006/main" xmlns:r="http://schemas.openxmlformats.org/officeDocument/2006/relationships" xmlns:p="http://schemas.openxmlformats.org/presentationml/2006/main">
+  <p:cSld>
+    <p:spTree>
+      <p:nvGrpSpPr>
+        <p:cNvPr id="1" name=""/>
+        <p:cNvGrpSpPr/>
+        <p:nvPr/>
+      </p:nvGrpSpPr>
+      <p:grpSpPr>
+        <a:xfrm>
+          <a:off x="0" y="0"/>
+          <a:ext cx="0" cy="0"/>
+          <a:chOff x="0" y="0"/>
+          <a:chExt cx="0" cy="0"/>
+        </a:xfrm>
+      </p:grpSpPr>
+      <p:sp>
+        <p:nvSpPr>
+          <p:cNvPr id="2" name="Title 1">
+            <a:extLst>
+              <a:ext uri="{FF2B5EF4-FFF2-40B4-BE49-F238E27FC236}">
+                <a16:creationId xmlns:a16="http://schemas.microsoft.com/office/drawing/2014/main" id="{55D35CD2-C1AE-6945-8B31-1E78F88BC53B}"/>
+              </a:ext>
+            </a:extLst>
+          </p:cNvPr>
+          <p:cNvSpPr>
+            <a:spLocks noGrp="1"/>
+          </p:cNvSpPr>
+          <p:nvPr>
+            <p:ph type="title"/>
+          </p:nvPr>
+        </p:nvSpPr>
+        <p:spPr/>
+        <p:txBody>
+          <a:bodyPr/>
+          <a:lstStyle/>
+          <a:p>
+            <a:r>
+              <a:rPr lang="ja-JP" altLang="en-US" dirty="0"/>
+              <a:t>畳み込み演算の並列化</a:t>
+            </a:r>
+            <a:endParaRPr lang="en-US" dirty="0"/>
+          </a:p>
+        </p:txBody>
+      </p:sp>
+      <p:sp>
+        <p:nvSpPr>
+          <p:cNvPr id="3" name="Content Placeholder 2">
+            <a:extLst>
+              <a:ext uri="{FF2B5EF4-FFF2-40B4-BE49-F238E27FC236}">
+                <a16:creationId xmlns:a16="http://schemas.microsoft.com/office/drawing/2014/main" id="{C1CDE55F-1F31-BD41-8A41-27952E4EED34}"/>
+              </a:ext>
+            </a:extLst>
+          </p:cNvPr>
+          <p:cNvSpPr>
+            <a:spLocks noGrp="1"/>
+          </p:cNvSpPr>
+          <p:nvPr>
+            <p:ph idx="1"/>
+          </p:nvPr>
+        </p:nvSpPr>
         <p:spPr/>
         <p:txBody>
           <a:bodyPr/>
@@ -5458,7 +6558,132 @@
           <a:p>
             <a:fld id="{AE60790C-7B88-2D40-A70D-E54200C05D47}" type="slidenum">
               <a:rPr lang="en-US" smtClean="0"/>
-              <a:t>13</a:t>
+              <a:t>17</a:t>
+            </a:fld>
+            <a:endParaRPr lang="en-US"/>
+          </a:p>
+        </p:txBody>
+      </p:sp>
+    </p:spTree>
+    <p:extLst>
+      <p:ext uri="{BB962C8B-B14F-4D97-AF65-F5344CB8AC3E}">
+        <p14:creationId xmlns:p14="http://schemas.microsoft.com/office/powerpoint/2010/main" val="3954525887"/>
+      </p:ext>
+    </p:extLst>
+  </p:cSld>
+  <p:clrMapOvr>
+    <a:masterClrMapping/>
+  </p:clrMapOvr>
+</p:sld>
+</file>
+
+<file path=ppt/slides/slide18.xml><?xml version="1.0" encoding="utf-8"?>
+<p:sld xmlns:a="http://schemas.openxmlformats.org/drawingml/2006/main" xmlns:r="http://schemas.openxmlformats.org/officeDocument/2006/relationships" xmlns:p="http://schemas.openxmlformats.org/presentationml/2006/main">
+  <p:cSld>
+    <p:spTree>
+      <p:nvGrpSpPr>
+        <p:cNvPr id="1" name=""/>
+        <p:cNvGrpSpPr/>
+        <p:nvPr/>
+      </p:nvGrpSpPr>
+      <p:grpSpPr>
+        <a:xfrm>
+          <a:off x="0" y="0"/>
+          <a:ext cx="0" cy="0"/>
+          <a:chOff x="0" y="0"/>
+          <a:chExt cx="0" cy="0"/>
+        </a:xfrm>
+      </p:grpSpPr>
+      <p:sp>
+        <p:nvSpPr>
+          <p:cNvPr id="2" name="Title 1">
+            <a:extLst>
+              <a:ext uri="{FF2B5EF4-FFF2-40B4-BE49-F238E27FC236}">
+                <a16:creationId xmlns:a16="http://schemas.microsoft.com/office/drawing/2014/main" id="{55D35CD2-C1AE-6945-8B31-1E78F88BC53B}"/>
+              </a:ext>
+            </a:extLst>
+          </p:cNvPr>
+          <p:cNvSpPr>
+            <a:spLocks noGrp="1"/>
+          </p:cNvSpPr>
+          <p:nvPr>
+            <p:ph type="title"/>
+          </p:nvPr>
+        </p:nvSpPr>
+        <p:spPr/>
+        <p:txBody>
+          <a:bodyPr/>
+          <a:lstStyle/>
+          <a:p>
+            <a:r>
+              <a:rPr lang="ja-JP" altLang="en-US" dirty="0"/>
+              <a:t>畳み込み演算の並列化</a:t>
+            </a:r>
+            <a:endParaRPr lang="en-US" dirty="0"/>
+          </a:p>
+        </p:txBody>
+      </p:sp>
+      <p:sp>
+        <p:nvSpPr>
+          <p:cNvPr id="3" name="Content Placeholder 2">
+            <a:extLst>
+              <a:ext uri="{FF2B5EF4-FFF2-40B4-BE49-F238E27FC236}">
+                <a16:creationId xmlns:a16="http://schemas.microsoft.com/office/drawing/2014/main" id="{C1CDE55F-1F31-BD41-8A41-27952E4EED34}"/>
+              </a:ext>
+            </a:extLst>
+          </p:cNvPr>
+          <p:cNvSpPr>
+            <a:spLocks noGrp="1"/>
+          </p:cNvSpPr>
+          <p:nvPr>
+            <p:ph idx="1"/>
+          </p:nvPr>
+        </p:nvSpPr>
+        <p:spPr/>
+        <p:txBody>
+          <a:bodyPr/>
+          <a:lstStyle/>
+          <a:p>
+            <a:r>
+              <a:rPr lang="ja-JP" altLang="en-US" dirty="0"/>
+              <a:t>畳み込み演算のデータ並列性</a:t>
+            </a:r>
+            <a:endParaRPr lang="en-US" altLang="ja-JP" dirty="0"/>
+          </a:p>
+          <a:p>
+            <a:pPr lvl="1"/>
+            <a:r>
+              <a:rPr lang="ja-JP" altLang="en-US" dirty="0"/>
+              <a:t>出力値分割</a:t>
+            </a:r>
+            <a:endParaRPr lang="en-US" altLang="ja-JP" dirty="0"/>
+          </a:p>
+        </p:txBody>
+      </p:sp>
+      <p:sp>
+        <p:nvSpPr>
+          <p:cNvPr id="4" name="Slide Number Placeholder 3">
+            <a:extLst>
+              <a:ext uri="{FF2B5EF4-FFF2-40B4-BE49-F238E27FC236}">
+                <a16:creationId xmlns:a16="http://schemas.microsoft.com/office/drawing/2014/main" id="{815AFDB5-B1D3-8740-9A11-7CD378940FE1}"/>
+              </a:ext>
+            </a:extLst>
+          </p:cNvPr>
+          <p:cNvSpPr>
+            <a:spLocks noGrp="1"/>
+          </p:cNvSpPr>
+          <p:nvPr>
+            <p:ph type="sldNum" sz="quarter" idx="12"/>
+          </p:nvPr>
+        </p:nvSpPr>
+        <p:spPr/>
+        <p:txBody>
+          <a:bodyPr/>
+          <a:lstStyle/>
+          <a:p>
+            <a:fld id="{AE60790C-7B88-2D40-A70D-E54200C05D47}" type="slidenum">
+              <a:rPr lang="en-US" smtClean="0"/>
+              <a:t>18</a:t>
             </a:fld>
             <a:endParaRPr lang="en-US"/>
           </a:p>
@@ -5513,7 +6738,7 @@
 </p:sld>
 </file>
 
-<file path=ppt/slides/slide14.xml><?xml version="1.0" encoding="utf-8"?>
+<file path=ppt/slides/slide19.xml><?xml version="1.0" encoding="utf-8"?>
 <p:sld xmlns:a="http://schemas.openxmlformats.org/drawingml/2006/main" xmlns:r="http://schemas.openxmlformats.org/officeDocument/2006/relationships" xmlns:p="http://schemas.openxmlformats.org/presentationml/2006/main">
   <p:cSld>
     <p:spTree>
@@ -5693,7 +6918,7 @@
           <a:p>
             <a:fld id="{AE60790C-7B88-2D40-A70D-E54200C05D47}" type="slidenum">
               <a:rPr lang="en-US" smtClean="0"/>
-              <a:t>14</a:t>
+              <a:t>19</a:t>
             </a:fld>
             <a:endParaRPr lang="en-US"/>
           </a:p>
@@ -5712,7 +6937,7 @@
 </p:sld>
 </file>
 
-<file path=ppt/slides/slide15.xml><?xml version="1.0" encoding="utf-8"?>
+<file path=ppt/slides/slide2.xml><?xml version="1.0" encoding="utf-8"?>
 <p:sld xmlns:a="http://schemas.openxmlformats.org/drawingml/2006/main" xmlns:r="http://schemas.openxmlformats.org/officeDocument/2006/relationships" xmlns:p="http://schemas.openxmlformats.org/presentationml/2006/main">
   <p:cSld>
     <p:spTree>
@@ -5734,7 +6959,7 @@
           <p:cNvPr id="2" name="Title 1">
             <a:extLst>
               <a:ext uri="{FF2B5EF4-FFF2-40B4-BE49-F238E27FC236}">
-                <a16:creationId xmlns:a16="http://schemas.microsoft.com/office/drawing/2014/main" id="{55D35CD2-C1AE-6945-8B31-1E78F88BC53B}"/>
+                <a16:creationId xmlns:a16="http://schemas.microsoft.com/office/drawing/2014/main" id="{39CF3F23-2F48-2645-9777-637A1891861E}"/>
               </a:ext>
             </a:extLst>
           </p:cNvPr>
@@ -5752,7 +6977,7 @@
           <a:p>
             <a:r>
               <a:rPr lang="ja-JP" altLang="en-US" dirty="0"/>
-              <a:t>実装</a:t>
+              <a:t>アウトライン</a:t>
             </a:r>
             <a:endParaRPr lang="en-US" dirty="0"/>
           </a:p>
@@ -5763,7 +6988,7 @@
           <p:cNvPr id="3" name="Content Placeholder 2">
             <a:extLst>
               <a:ext uri="{FF2B5EF4-FFF2-40B4-BE49-F238E27FC236}">
-                <a16:creationId xmlns:a16="http://schemas.microsoft.com/office/drawing/2014/main" id="{C1CDE55F-1F31-BD41-8A41-27952E4EED34}"/>
+                <a16:creationId xmlns:a16="http://schemas.microsoft.com/office/drawing/2014/main" id="{24779C7E-8343-C346-AF74-51042A369AD4}"/>
               </a:ext>
             </a:extLst>
           </p:cNvPr>
@@ -5783,106 +7008,64 @@
           <a:p>
             <a:r>
               <a:rPr lang="ja-JP" altLang="en-US" dirty="0"/>
-              <a:t>設計方針</a:t>
+              <a:t>背景</a:t>
             </a:r>
             <a:endParaRPr lang="en-US" altLang="ja-JP" dirty="0"/>
           </a:p>
           <a:p>
-            <a:pPr lvl="1"/>
             <a:r>
               <a:rPr lang="en-US" altLang="ja-JP" dirty="0"/>
-              <a:t>Inception</a:t>
-            </a:r>
-            <a:r>
-              <a:rPr lang="ja-JP" altLang="en-US" dirty="0"/>
-              <a:t>層の実装に集中</a:t>
+              <a:t>GoogLeNet</a:t>
+            </a:r>
+          </a:p>
+          <a:p>
+            <a:r>
+              <a:rPr lang="en-US" altLang="ja-JP" dirty="0" err="1"/>
+              <a:t>FiC</a:t>
+            </a:r>
+            <a:r>
+              <a:rPr lang="en-US" altLang="ja-JP" dirty="0"/>
+              <a:t>-SW</a:t>
+            </a:r>
+          </a:p>
+          <a:p>
+            <a:r>
+              <a:rPr lang="ja-JP" altLang="en-US" dirty="0"/>
+              <a:t>関連研究</a:t>
             </a:r>
             <a:endParaRPr lang="en-US" altLang="ja-JP" dirty="0"/>
           </a:p>
           <a:p>
-            <a:pPr lvl="2"/>
-            <a:r>
-              <a:rPr lang="en-US" dirty="0"/>
+            <a:r>
+              <a:rPr lang="en-US" altLang="ja-JP" dirty="0"/>
               <a:t>GoogLeNet</a:t>
             </a:r>
             <a:r>
               <a:rPr lang="ja-JP" altLang="en-US" dirty="0"/>
-              <a:t>の大部分を占める</a:t>
+              <a:t>並列化検討</a:t>
             </a:r>
             <a:endParaRPr lang="en-US" altLang="ja-JP" dirty="0"/>
           </a:p>
           <a:p>
-            <a:pPr lvl="1"/>
-            <a:r>
-              <a:rPr lang="ja-JP" altLang="en-US" dirty="0"/>
-              <a:t>各スレッド毎に</a:t>
-            </a:r>
-            <a:r>
-              <a:rPr lang="en-US" altLang="ja-JP" dirty="0"/>
-              <a:t>FPGA</a:t>
-            </a:r>
-            <a:r>
-              <a:rPr lang="ja-JP" altLang="en-US" dirty="0"/>
-              <a:t>ボードを割り当て</a:t>
+            <a:r>
+              <a:rPr lang="ja-JP" altLang="en-US" dirty="0"/>
+              <a:t>実装</a:t>
             </a:r>
             <a:endParaRPr lang="en-US" altLang="ja-JP" dirty="0"/>
           </a:p>
           <a:p>
-            <a:pPr lvl="1"/>
-            <a:r>
-              <a:rPr lang="ja-JP" altLang="en-US" dirty="0"/>
-              <a:t>畳み込み演算の出力分割</a:t>
+            <a:r>
+              <a:rPr lang="ja-JP" altLang="en-US" dirty="0"/>
+              <a:t>評価</a:t>
             </a:r>
             <a:endParaRPr lang="en-US" altLang="ja-JP" dirty="0"/>
           </a:p>
           <a:p>
+            <a:r>
+              <a:rPr lang="ja-JP" altLang="en-US" dirty="0"/>
+              <a:t>結論</a:t>
+            </a:r>
             <a:endParaRPr lang="en-US" dirty="0"/>
-          </a:p>
-          <a:p>
-            <a:r>
-              <a:rPr lang="ja-JP" altLang="en-US" dirty="0"/>
-              <a:t>実装環境</a:t>
-            </a:r>
-            <a:endParaRPr lang="en-US" altLang="ja-JP" dirty="0"/>
-          </a:p>
-          <a:p>
-            <a:pPr lvl="1"/>
-            <a:r>
-              <a:rPr lang="en-US" dirty="0" err="1"/>
-              <a:t>Vivado</a:t>
-            </a:r>
-            <a:r>
-              <a:rPr lang="en-US" dirty="0"/>
-              <a:t> HLS(2017.3)</a:t>
-            </a:r>
-            <a:r>
-              <a:rPr lang="ja-JP" altLang="en-US" dirty="0"/>
-              <a:t>による高位合成</a:t>
-            </a:r>
-            <a:endParaRPr lang="en-US" altLang="ja-JP" dirty="0"/>
-          </a:p>
-          <a:p>
-            <a:pPr lvl="1"/>
-            <a:r>
-              <a:rPr lang="en-US" dirty="0"/>
-              <a:t>Xilinx </a:t>
-            </a:r>
-            <a:r>
-              <a:rPr lang="en-US" dirty="0" err="1"/>
-              <a:t>Kintex</a:t>
-            </a:r>
-            <a:r>
-              <a:rPr lang="en-US" dirty="0"/>
-              <a:t> </a:t>
-            </a:r>
-            <a:r>
-              <a:rPr lang="en-US" dirty="0" err="1"/>
-              <a:t>UltraScale</a:t>
-            </a:r>
-            <a:r>
-              <a:rPr lang="en-US" dirty="0"/>
-              <a:t> XCKU095</a:t>
-            </a:r>
           </a:p>
         </p:txBody>
       </p:sp>
@@ -5891,7 +7074,7 @@
           <p:cNvPr id="4" name="Slide Number Placeholder 3">
             <a:extLst>
               <a:ext uri="{FF2B5EF4-FFF2-40B4-BE49-F238E27FC236}">
-                <a16:creationId xmlns:a16="http://schemas.microsoft.com/office/drawing/2014/main" id="{ACA3287C-A53E-EB46-A0B8-005C55D3A696}"/>
+                <a16:creationId xmlns:a16="http://schemas.microsoft.com/office/drawing/2014/main" id="{91F23C09-84CF-5D49-924E-1F5C9B17F198}"/>
               </a:ext>
             </a:extLst>
           </p:cNvPr>
@@ -5909,7 +7092,7 @@
           <a:p>
             <a:fld id="{AE60790C-7B88-2D40-A70D-E54200C05D47}" type="slidenum">
               <a:rPr lang="en-US" smtClean="0"/>
-              <a:t>15</a:t>
+              <a:t>2</a:t>
             </a:fld>
             <a:endParaRPr lang="en-US"/>
           </a:p>
@@ -5918,7 +7101,7 @@
     </p:spTree>
     <p:extLst>
       <p:ext uri="{BB962C8B-B14F-4D97-AF65-F5344CB8AC3E}">
-        <p14:creationId xmlns:p14="http://schemas.microsoft.com/office/powerpoint/2010/main" val="2600213477"/>
+        <p14:creationId xmlns:p14="http://schemas.microsoft.com/office/powerpoint/2010/main" val="317803870"/>
       </p:ext>
     </p:extLst>
   </p:cSld>
@@ -5928,7 +7111,7 @@
 </p:sld>
 </file>
 
-<file path=ppt/slides/slide16.xml><?xml version="1.0" encoding="utf-8"?>
+<file path=ppt/slides/slide20.xml><?xml version="1.0" encoding="utf-8"?>
 <p:sld xmlns:a="http://schemas.openxmlformats.org/drawingml/2006/main" xmlns:r="http://schemas.openxmlformats.org/officeDocument/2006/relationships" xmlns:p="http://schemas.openxmlformats.org/presentationml/2006/main">
   <p:cSld>
     <p:spTree>
@@ -5950,6 +7133,404 @@
           <p:cNvPr id="2" name="Title 1">
             <a:extLst>
               <a:ext uri="{FF2B5EF4-FFF2-40B4-BE49-F238E27FC236}">
+                <a16:creationId xmlns:a16="http://schemas.microsoft.com/office/drawing/2014/main" id="{39CF3F23-2F48-2645-9777-637A1891861E}"/>
+              </a:ext>
+            </a:extLst>
+          </p:cNvPr>
+          <p:cNvSpPr>
+            <a:spLocks noGrp="1"/>
+          </p:cNvSpPr>
+          <p:nvPr>
+            <p:ph type="title"/>
+          </p:nvPr>
+        </p:nvSpPr>
+        <p:spPr/>
+        <p:txBody>
+          <a:bodyPr/>
+          <a:lstStyle/>
+          <a:p>
+            <a:r>
+              <a:rPr lang="ja-JP" altLang="en-US" dirty="0"/>
+              <a:t>アウトライン</a:t>
+            </a:r>
+            <a:endParaRPr lang="en-US" dirty="0"/>
+          </a:p>
+        </p:txBody>
+      </p:sp>
+      <p:sp>
+        <p:nvSpPr>
+          <p:cNvPr id="3" name="Content Placeholder 2">
+            <a:extLst>
+              <a:ext uri="{FF2B5EF4-FFF2-40B4-BE49-F238E27FC236}">
+                <a16:creationId xmlns:a16="http://schemas.microsoft.com/office/drawing/2014/main" id="{24779C7E-8343-C346-AF74-51042A369AD4}"/>
+              </a:ext>
+            </a:extLst>
+          </p:cNvPr>
+          <p:cNvSpPr>
+            <a:spLocks noGrp="1"/>
+          </p:cNvSpPr>
+          <p:nvPr>
+            <p:ph idx="1"/>
+          </p:nvPr>
+        </p:nvSpPr>
+        <p:spPr/>
+        <p:txBody>
+          <a:bodyPr>
+            <a:normAutofit/>
+          </a:bodyPr>
+          <a:lstStyle/>
+          <a:p>
+            <a:r>
+              <a:rPr lang="ja-JP" altLang="en-US" dirty="0"/>
+              <a:t>背景</a:t>
+            </a:r>
+            <a:endParaRPr lang="en-US" altLang="ja-JP" dirty="0"/>
+          </a:p>
+          <a:p>
+            <a:r>
+              <a:rPr lang="en-US" altLang="ja-JP" dirty="0"/>
+              <a:t>GoogLeNet</a:t>
+            </a:r>
+          </a:p>
+          <a:p>
+            <a:r>
+              <a:rPr lang="en-US" altLang="ja-JP" dirty="0" err="1"/>
+              <a:t>FiC</a:t>
+            </a:r>
+            <a:r>
+              <a:rPr lang="en-US" altLang="ja-JP" dirty="0"/>
+              <a:t>-SW</a:t>
+            </a:r>
+          </a:p>
+          <a:p>
+            <a:r>
+              <a:rPr lang="ja-JP" altLang="en-US" dirty="0"/>
+              <a:t>関連研究</a:t>
+            </a:r>
+            <a:endParaRPr lang="en-US" altLang="ja-JP" dirty="0"/>
+          </a:p>
+          <a:p>
+            <a:r>
+              <a:rPr lang="en-US" altLang="ja-JP" dirty="0"/>
+              <a:t>GoogLeNet</a:t>
+            </a:r>
+            <a:r>
+              <a:rPr lang="ja-JP" altLang="en-US" dirty="0"/>
+              <a:t>並列化検討</a:t>
+            </a:r>
+            <a:endParaRPr lang="en-US" altLang="ja-JP" dirty="0"/>
+          </a:p>
+          <a:p>
+            <a:r>
+              <a:rPr lang="ja-JP" altLang="en-US" dirty="0">
+                <a:solidFill>
+                  <a:srgbClr val="FF0000"/>
+                </a:solidFill>
+              </a:rPr>
+              <a:t>実装</a:t>
+            </a:r>
+            <a:endParaRPr lang="en-US" altLang="ja-JP" dirty="0">
+              <a:solidFill>
+                <a:srgbClr val="FF0000"/>
+              </a:solidFill>
+            </a:endParaRPr>
+          </a:p>
+          <a:p>
+            <a:r>
+              <a:rPr lang="ja-JP" altLang="en-US" dirty="0"/>
+              <a:t>評価</a:t>
+            </a:r>
+            <a:endParaRPr lang="en-US" altLang="ja-JP" dirty="0"/>
+          </a:p>
+          <a:p>
+            <a:r>
+              <a:rPr lang="ja-JP" altLang="en-US" dirty="0"/>
+              <a:t>結論</a:t>
+            </a:r>
+            <a:endParaRPr lang="en-US" dirty="0"/>
+          </a:p>
+        </p:txBody>
+      </p:sp>
+      <p:sp>
+        <p:nvSpPr>
+          <p:cNvPr id="4" name="Slide Number Placeholder 3">
+            <a:extLst>
+              <a:ext uri="{FF2B5EF4-FFF2-40B4-BE49-F238E27FC236}">
+                <a16:creationId xmlns:a16="http://schemas.microsoft.com/office/drawing/2014/main" id="{91F23C09-84CF-5D49-924E-1F5C9B17F198}"/>
+              </a:ext>
+            </a:extLst>
+          </p:cNvPr>
+          <p:cNvSpPr>
+            <a:spLocks noGrp="1"/>
+          </p:cNvSpPr>
+          <p:nvPr>
+            <p:ph type="sldNum" sz="quarter" idx="12"/>
+          </p:nvPr>
+        </p:nvSpPr>
+        <p:spPr/>
+        <p:txBody>
+          <a:bodyPr/>
+          <a:lstStyle/>
+          <a:p>
+            <a:fld id="{AE60790C-7B88-2D40-A70D-E54200C05D47}" type="slidenum">
+              <a:rPr lang="en-US" smtClean="0"/>
+              <a:t>20</a:t>
+            </a:fld>
+            <a:endParaRPr lang="en-US"/>
+          </a:p>
+        </p:txBody>
+      </p:sp>
+    </p:spTree>
+    <p:extLst>
+      <p:ext uri="{BB962C8B-B14F-4D97-AF65-F5344CB8AC3E}">
+        <p14:creationId xmlns:p14="http://schemas.microsoft.com/office/powerpoint/2010/main" val="63316670"/>
+      </p:ext>
+    </p:extLst>
+  </p:cSld>
+  <p:clrMapOvr>
+    <a:masterClrMapping/>
+  </p:clrMapOvr>
+</p:sld>
+</file>
+
+<file path=ppt/slides/slide21.xml><?xml version="1.0" encoding="utf-8"?>
+<p:sld xmlns:a="http://schemas.openxmlformats.org/drawingml/2006/main" xmlns:r="http://schemas.openxmlformats.org/officeDocument/2006/relationships" xmlns:p="http://schemas.openxmlformats.org/presentationml/2006/main">
+  <p:cSld>
+    <p:spTree>
+      <p:nvGrpSpPr>
+        <p:cNvPr id="1" name=""/>
+        <p:cNvGrpSpPr/>
+        <p:nvPr/>
+      </p:nvGrpSpPr>
+      <p:grpSpPr>
+        <a:xfrm>
+          <a:off x="0" y="0"/>
+          <a:ext cx="0" cy="0"/>
+          <a:chOff x="0" y="0"/>
+          <a:chExt cx="0" cy="0"/>
+        </a:xfrm>
+      </p:grpSpPr>
+      <p:sp>
+        <p:nvSpPr>
+          <p:cNvPr id="2" name="Title 1">
+            <a:extLst>
+              <a:ext uri="{FF2B5EF4-FFF2-40B4-BE49-F238E27FC236}">
+                <a16:creationId xmlns:a16="http://schemas.microsoft.com/office/drawing/2014/main" id="{55D35CD2-C1AE-6945-8B31-1E78F88BC53B}"/>
+              </a:ext>
+            </a:extLst>
+          </p:cNvPr>
+          <p:cNvSpPr>
+            <a:spLocks noGrp="1"/>
+          </p:cNvSpPr>
+          <p:nvPr>
+            <p:ph type="title"/>
+          </p:nvPr>
+        </p:nvSpPr>
+        <p:spPr/>
+        <p:txBody>
+          <a:bodyPr/>
+          <a:lstStyle/>
+          <a:p>
+            <a:r>
+              <a:rPr lang="ja-JP" altLang="en-US" dirty="0"/>
+              <a:t>実装</a:t>
+            </a:r>
+            <a:endParaRPr lang="en-US" dirty="0"/>
+          </a:p>
+        </p:txBody>
+      </p:sp>
+      <p:sp>
+        <p:nvSpPr>
+          <p:cNvPr id="3" name="Content Placeholder 2">
+            <a:extLst>
+              <a:ext uri="{FF2B5EF4-FFF2-40B4-BE49-F238E27FC236}">
+                <a16:creationId xmlns:a16="http://schemas.microsoft.com/office/drawing/2014/main" id="{C1CDE55F-1F31-BD41-8A41-27952E4EED34}"/>
+              </a:ext>
+            </a:extLst>
+          </p:cNvPr>
+          <p:cNvSpPr>
+            <a:spLocks noGrp="1"/>
+          </p:cNvSpPr>
+          <p:nvPr>
+            <p:ph idx="1"/>
+          </p:nvPr>
+        </p:nvSpPr>
+        <p:spPr/>
+        <p:txBody>
+          <a:bodyPr>
+            <a:normAutofit/>
+          </a:bodyPr>
+          <a:lstStyle/>
+          <a:p>
+            <a:r>
+              <a:rPr lang="ja-JP" altLang="en-US" dirty="0"/>
+              <a:t>設計方針</a:t>
+            </a:r>
+            <a:endParaRPr lang="en-US" altLang="ja-JP" dirty="0"/>
+          </a:p>
+          <a:p>
+            <a:pPr lvl="1"/>
+            <a:r>
+              <a:rPr lang="en-US" altLang="ja-JP" dirty="0"/>
+              <a:t>Inception</a:t>
+            </a:r>
+            <a:r>
+              <a:rPr lang="ja-JP" altLang="en-US" dirty="0"/>
+              <a:t>層の実装に集中</a:t>
+            </a:r>
+            <a:endParaRPr lang="en-US" altLang="ja-JP" dirty="0"/>
+          </a:p>
+          <a:p>
+            <a:pPr lvl="2"/>
+            <a:r>
+              <a:rPr lang="en-US" dirty="0"/>
+              <a:t>GoogLeNet</a:t>
+            </a:r>
+            <a:r>
+              <a:rPr lang="ja-JP" altLang="en-US" dirty="0"/>
+              <a:t>の大部分を占める</a:t>
+            </a:r>
+            <a:endParaRPr lang="en-US" altLang="ja-JP" dirty="0"/>
+          </a:p>
+          <a:p>
+            <a:pPr lvl="1"/>
+            <a:r>
+              <a:rPr lang="ja-JP" altLang="en-US" dirty="0"/>
+              <a:t>各スレッド毎に</a:t>
+            </a:r>
+            <a:r>
+              <a:rPr lang="en-US" altLang="ja-JP" dirty="0"/>
+              <a:t>FPGA</a:t>
+            </a:r>
+            <a:r>
+              <a:rPr lang="ja-JP" altLang="en-US" dirty="0"/>
+              <a:t>ボードを割り当て</a:t>
+            </a:r>
+            <a:endParaRPr lang="en-US" altLang="ja-JP" dirty="0"/>
+          </a:p>
+          <a:p>
+            <a:pPr lvl="1"/>
+            <a:r>
+              <a:rPr lang="ja-JP" altLang="en-US" dirty="0"/>
+              <a:t>畳み込み演算の出力分割</a:t>
+            </a:r>
+            <a:endParaRPr lang="en-US" altLang="ja-JP" dirty="0"/>
+          </a:p>
+          <a:p>
+            <a:endParaRPr lang="en-US" dirty="0"/>
+          </a:p>
+          <a:p>
+            <a:r>
+              <a:rPr lang="ja-JP" altLang="en-US" dirty="0"/>
+              <a:t>実装環境</a:t>
+            </a:r>
+            <a:endParaRPr lang="en-US" altLang="ja-JP" dirty="0"/>
+          </a:p>
+          <a:p>
+            <a:pPr lvl="1"/>
+            <a:r>
+              <a:rPr lang="en-US" dirty="0" err="1"/>
+              <a:t>Vivado</a:t>
+            </a:r>
+            <a:r>
+              <a:rPr lang="en-US" dirty="0"/>
+              <a:t> HLS(2017.3)</a:t>
+            </a:r>
+            <a:r>
+              <a:rPr lang="ja-JP" altLang="en-US" dirty="0"/>
+              <a:t>による高位合成</a:t>
+            </a:r>
+            <a:endParaRPr lang="en-US" altLang="ja-JP" dirty="0"/>
+          </a:p>
+          <a:p>
+            <a:pPr lvl="1"/>
+            <a:r>
+              <a:rPr lang="en-US" dirty="0"/>
+              <a:t>Xilinx </a:t>
+            </a:r>
+            <a:r>
+              <a:rPr lang="en-US" dirty="0" err="1"/>
+              <a:t>Kintex</a:t>
+            </a:r>
+            <a:r>
+              <a:rPr lang="en-US" dirty="0"/>
+              <a:t> </a:t>
+            </a:r>
+            <a:r>
+              <a:rPr lang="en-US" dirty="0" err="1"/>
+              <a:t>UltraScale</a:t>
+            </a:r>
+            <a:r>
+              <a:rPr lang="en-US" dirty="0"/>
+              <a:t> XCKU095</a:t>
+            </a:r>
+          </a:p>
+        </p:txBody>
+      </p:sp>
+      <p:sp>
+        <p:nvSpPr>
+          <p:cNvPr id="4" name="Slide Number Placeholder 3">
+            <a:extLst>
+              <a:ext uri="{FF2B5EF4-FFF2-40B4-BE49-F238E27FC236}">
+                <a16:creationId xmlns:a16="http://schemas.microsoft.com/office/drawing/2014/main" id="{ACA3287C-A53E-EB46-A0B8-005C55D3A696}"/>
+              </a:ext>
+            </a:extLst>
+          </p:cNvPr>
+          <p:cNvSpPr>
+            <a:spLocks noGrp="1"/>
+          </p:cNvSpPr>
+          <p:nvPr>
+            <p:ph type="sldNum" sz="quarter" idx="12"/>
+          </p:nvPr>
+        </p:nvSpPr>
+        <p:spPr/>
+        <p:txBody>
+          <a:bodyPr/>
+          <a:lstStyle/>
+          <a:p>
+            <a:fld id="{AE60790C-7B88-2D40-A70D-E54200C05D47}" type="slidenum">
+              <a:rPr lang="en-US" smtClean="0"/>
+              <a:t>21</a:t>
+            </a:fld>
+            <a:endParaRPr lang="en-US"/>
+          </a:p>
+        </p:txBody>
+      </p:sp>
+    </p:spTree>
+    <p:extLst>
+      <p:ext uri="{BB962C8B-B14F-4D97-AF65-F5344CB8AC3E}">
+        <p14:creationId xmlns:p14="http://schemas.microsoft.com/office/powerpoint/2010/main" val="2600213477"/>
+      </p:ext>
+    </p:extLst>
+  </p:cSld>
+  <p:clrMapOvr>
+    <a:masterClrMapping/>
+  </p:clrMapOvr>
+</p:sld>
+</file>
+
+<file path=ppt/slides/slide22.xml><?xml version="1.0" encoding="utf-8"?>
+<p:sld xmlns:a="http://schemas.openxmlformats.org/drawingml/2006/main" xmlns:r="http://schemas.openxmlformats.org/officeDocument/2006/relationships" xmlns:p="http://schemas.openxmlformats.org/presentationml/2006/main">
+  <p:cSld>
+    <p:spTree>
+      <p:nvGrpSpPr>
+        <p:cNvPr id="1" name=""/>
+        <p:cNvGrpSpPr/>
+        <p:nvPr/>
+      </p:nvGrpSpPr>
+      <p:grpSpPr>
+        <a:xfrm>
+          <a:off x="0" y="0"/>
+          <a:ext cx="0" cy="0"/>
+          <a:chOff x="0" y="0"/>
+          <a:chExt cx="0" cy="0"/>
+        </a:xfrm>
+      </p:grpSpPr>
+      <p:sp>
+        <p:nvSpPr>
+          <p:cNvPr id="2" name="Title 1">
+            <a:extLst>
+              <a:ext uri="{FF2B5EF4-FFF2-40B4-BE49-F238E27FC236}">
                 <a16:creationId xmlns:a16="http://schemas.microsoft.com/office/drawing/2014/main" id="{3809CDF9-ED2C-1444-A8F9-91EE6FB4501E}"/>
               </a:ext>
             </a:extLst>
@@ -6046,7 +7627,7 @@
           <a:p>
             <a:fld id="{AE60790C-7B88-2D40-A70D-E54200C05D47}" type="slidenum">
               <a:rPr lang="en-US" smtClean="0"/>
-              <a:t>16</a:t>
+              <a:t>22</a:t>
             </a:fld>
             <a:endParaRPr lang="en-US"/>
           </a:p>
@@ -6208,7 +7789,7 @@
 </p:sld>
 </file>
 
-<file path=ppt/slides/slide17.xml><?xml version="1.0" encoding="utf-8"?>
+<file path=ppt/slides/slide23.xml><?xml version="1.0" encoding="utf-8"?>
 <p:sld xmlns:a="http://schemas.openxmlformats.org/drawingml/2006/main" xmlns:r="http://schemas.openxmlformats.org/officeDocument/2006/relationships" xmlns:p="http://schemas.openxmlformats.org/presentationml/2006/main">
   <p:cSld>
     <p:spTree>
@@ -6230,7 +7811,7 @@
           <p:cNvPr id="2" name="Title 1">
             <a:extLst>
               <a:ext uri="{FF2B5EF4-FFF2-40B4-BE49-F238E27FC236}">
-                <a16:creationId xmlns:a16="http://schemas.microsoft.com/office/drawing/2014/main" id="{55D35CD2-C1AE-6945-8B31-1E78F88BC53B}"/>
+                <a16:creationId xmlns:a16="http://schemas.microsoft.com/office/drawing/2014/main" id="{39CF3F23-2F48-2645-9777-637A1891861E}"/>
               </a:ext>
             </a:extLst>
           </p:cNvPr>
@@ -6248,7 +7829,7 @@
           <a:p>
             <a:r>
               <a:rPr lang="ja-JP" altLang="en-US" dirty="0"/>
-              <a:t>評価</a:t>
+              <a:t>アウトライン</a:t>
             </a:r>
             <a:endParaRPr lang="en-US" dirty="0"/>
           </a:p>
@@ -6259,7 +7840,7 @@
           <p:cNvPr id="3" name="Content Placeholder 2">
             <a:extLst>
               <a:ext uri="{FF2B5EF4-FFF2-40B4-BE49-F238E27FC236}">
-                <a16:creationId xmlns:a16="http://schemas.microsoft.com/office/drawing/2014/main" id="{C1CDE55F-1F31-BD41-8A41-27952E4EED34}"/>
+                <a16:creationId xmlns:a16="http://schemas.microsoft.com/office/drawing/2014/main" id="{24779C7E-8343-C346-AF74-51042A369AD4}"/>
               </a:ext>
             </a:extLst>
           </p:cNvPr>
@@ -6272,58 +7853,78 @@
         </p:nvSpPr>
         <p:spPr/>
         <p:txBody>
-          <a:bodyPr/>
-          <a:lstStyle/>
-          <a:p>
-            <a:r>
-              <a:rPr lang="ja-JP" altLang="en-US" dirty="0"/>
-              <a:t>比較対象</a:t>
+          <a:bodyPr>
+            <a:normAutofit/>
+          </a:bodyPr>
+          <a:lstStyle/>
+          <a:p>
+            <a:r>
+              <a:rPr lang="ja-JP" altLang="en-US" dirty="0"/>
+              <a:t>背景</a:t>
             </a:r>
             <a:endParaRPr lang="en-US" altLang="ja-JP" dirty="0"/>
           </a:p>
           <a:p>
-            <a:pPr lvl="1"/>
             <a:r>
               <a:rPr lang="en-US" altLang="ja-JP" dirty="0"/>
-              <a:t>Intel(R) Xeon(R) E5-2667 0 @ 2.90GHz </a:t>
-            </a:r>
-          </a:p>
-          <a:p>
-            <a:pPr lvl="1"/>
+              <a:t>GoogLeNet</a:t>
+            </a:r>
+          </a:p>
+          <a:p>
+            <a:r>
+              <a:rPr lang="en-US" altLang="ja-JP" dirty="0" err="1"/>
+              <a:t>FiC</a:t>
+            </a:r>
             <a:r>
               <a:rPr lang="en-US" altLang="ja-JP" dirty="0"/>
-              <a:t>Raspberry Pie3</a:t>
-            </a:r>
-          </a:p>
-          <a:p>
-            <a:r>
-              <a:rPr lang="ja-JP" altLang="en-US" dirty="0"/>
-              <a:t>開発環境</a:t>
+              <a:t>-SW</a:t>
+            </a:r>
+          </a:p>
+          <a:p>
+            <a:r>
+              <a:rPr lang="ja-JP" altLang="en-US" dirty="0"/>
+              <a:t>関連研究</a:t>
             </a:r>
             <a:endParaRPr lang="en-US" altLang="ja-JP" dirty="0"/>
           </a:p>
           <a:p>
-            <a:pPr lvl="1"/>
             <a:r>
               <a:rPr lang="en-US" altLang="ja-JP" dirty="0"/>
-              <a:t>g++4.6.3</a:t>
-            </a:r>
-            <a:r>
-              <a:rPr lang="ja-JP" altLang="en-US" dirty="0"/>
-              <a:t>において</a:t>
-            </a:r>
-            <a:r>
-              <a:rPr lang="en-US" altLang="ja-JP" dirty="0"/>
-              <a:t>O3</a:t>
-            </a:r>
-            <a:r>
-              <a:rPr lang="ja-JP" altLang="en-US" dirty="0"/>
-              <a:t>最適化</a:t>
+              <a:t>GoogLeNet</a:t>
+            </a:r>
+            <a:r>
+              <a:rPr lang="ja-JP" altLang="en-US" dirty="0"/>
+              <a:t>並列化検討</a:t>
             </a:r>
             <a:endParaRPr lang="en-US" altLang="ja-JP" dirty="0"/>
           </a:p>
           <a:p>
-            <a:pPr lvl="1"/>
+            <a:r>
+              <a:rPr lang="ja-JP" altLang="en-US" dirty="0"/>
+              <a:t>実装</a:t>
+            </a:r>
+            <a:endParaRPr lang="en-US" altLang="ja-JP" dirty="0"/>
+          </a:p>
+          <a:p>
+            <a:r>
+              <a:rPr lang="ja-JP" altLang="en-US" dirty="0">
+                <a:solidFill>
+                  <a:srgbClr val="FF0000"/>
+                </a:solidFill>
+              </a:rPr>
+              <a:t>評価</a:t>
+            </a:r>
+            <a:endParaRPr lang="en-US" altLang="ja-JP" dirty="0">
+              <a:solidFill>
+                <a:srgbClr val="FF0000"/>
+              </a:solidFill>
+            </a:endParaRPr>
+          </a:p>
+          <a:p>
+            <a:r>
+              <a:rPr lang="ja-JP" altLang="en-US" dirty="0"/>
+              <a:t>結論</a:t>
+            </a:r>
             <a:endParaRPr lang="en-US" dirty="0"/>
           </a:p>
         </p:txBody>
@@ -6333,7 +7934,7 @@
           <p:cNvPr id="4" name="Slide Number Placeholder 3">
             <a:extLst>
               <a:ext uri="{FF2B5EF4-FFF2-40B4-BE49-F238E27FC236}">
-                <a16:creationId xmlns:a16="http://schemas.microsoft.com/office/drawing/2014/main" id="{BF929231-4E80-F24F-8FF3-264EAD4CE92B}"/>
+                <a16:creationId xmlns:a16="http://schemas.microsoft.com/office/drawing/2014/main" id="{91F23C09-84CF-5D49-924E-1F5C9B17F198}"/>
               </a:ext>
             </a:extLst>
           </p:cNvPr>
@@ -6351,7 +7952,7 @@
           <a:p>
             <a:fld id="{AE60790C-7B88-2D40-A70D-E54200C05D47}" type="slidenum">
               <a:rPr lang="en-US" smtClean="0"/>
-              <a:t>17</a:t>
+              <a:t>23</a:t>
             </a:fld>
             <a:endParaRPr lang="en-US"/>
           </a:p>
@@ -6360,7 +7961,7 @@
     </p:spTree>
     <p:extLst>
       <p:ext uri="{BB962C8B-B14F-4D97-AF65-F5344CB8AC3E}">
-        <p14:creationId xmlns:p14="http://schemas.microsoft.com/office/powerpoint/2010/main" val="1240456588"/>
+        <p14:creationId xmlns:p14="http://schemas.microsoft.com/office/powerpoint/2010/main" val="2466273955"/>
       </p:ext>
     </p:extLst>
   </p:cSld>
@@ -6370,7 +7971,7 @@
 </p:sld>
 </file>
 
-<file path=ppt/slides/slide18.xml><?xml version="1.0" encoding="utf-8"?>
+<file path=ppt/slides/slide24.xml><?xml version="1.0" encoding="utf-8"?>
 <p:sld xmlns:a="http://schemas.openxmlformats.org/drawingml/2006/main" xmlns:r="http://schemas.openxmlformats.org/officeDocument/2006/relationships" xmlns:p="http://schemas.openxmlformats.org/presentationml/2006/main">
   <p:cSld>
     <p:spTree>
@@ -6410,7 +8011,7 @@
           <a:p>
             <a:r>
               <a:rPr lang="ja-JP" altLang="en-US" dirty="0"/>
-              <a:t>ベンチマーク</a:t>
+              <a:t>評価</a:t>
             </a:r>
             <a:endParaRPr lang="en-US" dirty="0"/>
           </a:p>
@@ -6438,6 +8039,168 @@
           <a:lstStyle/>
           <a:p>
             <a:r>
+              <a:rPr lang="ja-JP" altLang="en-US" dirty="0"/>
+              <a:t>比較対象</a:t>
+            </a:r>
+            <a:endParaRPr lang="en-US" altLang="ja-JP" dirty="0"/>
+          </a:p>
+          <a:p>
+            <a:pPr lvl="1"/>
+            <a:r>
+              <a:rPr lang="en-US" altLang="ja-JP" dirty="0"/>
+              <a:t>Intel(R) Xeon(R) E5-2667 0 @ 2.90GHz </a:t>
+            </a:r>
+          </a:p>
+          <a:p>
+            <a:pPr lvl="1"/>
+            <a:r>
+              <a:rPr lang="en-US" altLang="ja-JP" dirty="0"/>
+              <a:t>Raspberry Pie3</a:t>
+            </a:r>
+          </a:p>
+          <a:p>
+            <a:r>
+              <a:rPr lang="ja-JP" altLang="en-US" dirty="0"/>
+              <a:t>開発環境</a:t>
+            </a:r>
+            <a:endParaRPr lang="en-US" altLang="ja-JP" dirty="0"/>
+          </a:p>
+          <a:p>
+            <a:pPr lvl="1"/>
+            <a:r>
+              <a:rPr lang="en-US" altLang="ja-JP" dirty="0"/>
+              <a:t>g++4.6.3</a:t>
+            </a:r>
+            <a:r>
+              <a:rPr lang="ja-JP" altLang="en-US" dirty="0"/>
+              <a:t>において</a:t>
+            </a:r>
+            <a:r>
+              <a:rPr lang="en-US" altLang="ja-JP" dirty="0"/>
+              <a:t>O3</a:t>
+            </a:r>
+            <a:r>
+              <a:rPr lang="ja-JP" altLang="en-US" dirty="0"/>
+              <a:t>最適化</a:t>
+            </a:r>
+            <a:endParaRPr lang="en-US" altLang="ja-JP" dirty="0"/>
+          </a:p>
+          <a:p>
+            <a:pPr lvl="1"/>
+            <a:endParaRPr lang="en-US" dirty="0"/>
+          </a:p>
+        </p:txBody>
+      </p:sp>
+      <p:sp>
+        <p:nvSpPr>
+          <p:cNvPr id="4" name="Slide Number Placeholder 3">
+            <a:extLst>
+              <a:ext uri="{FF2B5EF4-FFF2-40B4-BE49-F238E27FC236}">
+                <a16:creationId xmlns:a16="http://schemas.microsoft.com/office/drawing/2014/main" id="{BF929231-4E80-F24F-8FF3-264EAD4CE92B}"/>
+              </a:ext>
+            </a:extLst>
+          </p:cNvPr>
+          <p:cNvSpPr>
+            <a:spLocks noGrp="1"/>
+          </p:cNvSpPr>
+          <p:nvPr>
+            <p:ph type="sldNum" sz="quarter" idx="12"/>
+          </p:nvPr>
+        </p:nvSpPr>
+        <p:spPr/>
+        <p:txBody>
+          <a:bodyPr/>
+          <a:lstStyle/>
+          <a:p>
+            <a:fld id="{AE60790C-7B88-2D40-A70D-E54200C05D47}" type="slidenum">
+              <a:rPr lang="en-US" smtClean="0"/>
+              <a:t>24</a:t>
+            </a:fld>
+            <a:endParaRPr lang="en-US"/>
+          </a:p>
+        </p:txBody>
+      </p:sp>
+    </p:spTree>
+    <p:extLst>
+      <p:ext uri="{BB962C8B-B14F-4D97-AF65-F5344CB8AC3E}">
+        <p14:creationId xmlns:p14="http://schemas.microsoft.com/office/powerpoint/2010/main" val="1240456588"/>
+      </p:ext>
+    </p:extLst>
+  </p:cSld>
+  <p:clrMapOvr>
+    <a:masterClrMapping/>
+  </p:clrMapOvr>
+</p:sld>
+</file>
+
+<file path=ppt/slides/slide25.xml><?xml version="1.0" encoding="utf-8"?>
+<p:sld xmlns:a="http://schemas.openxmlformats.org/drawingml/2006/main" xmlns:r="http://schemas.openxmlformats.org/officeDocument/2006/relationships" xmlns:p="http://schemas.openxmlformats.org/presentationml/2006/main">
+  <p:cSld>
+    <p:spTree>
+      <p:nvGrpSpPr>
+        <p:cNvPr id="1" name=""/>
+        <p:cNvGrpSpPr/>
+        <p:nvPr/>
+      </p:nvGrpSpPr>
+      <p:grpSpPr>
+        <a:xfrm>
+          <a:off x="0" y="0"/>
+          <a:ext cx="0" cy="0"/>
+          <a:chOff x="0" y="0"/>
+          <a:chExt cx="0" cy="0"/>
+        </a:xfrm>
+      </p:grpSpPr>
+      <p:sp>
+        <p:nvSpPr>
+          <p:cNvPr id="2" name="Title 1">
+            <a:extLst>
+              <a:ext uri="{FF2B5EF4-FFF2-40B4-BE49-F238E27FC236}">
+                <a16:creationId xmlns:a16="http://schemas.microsoft.com/office/drawing/2014/main" id="{55D35CD2-C1AE-6945-8B31-1E78F88BC53B}"/>
+              </a:ext>
+            </a:extLst>
+          </p:cNvPr>
+          <p:cNvSpPr>
+            <a:spLocks noGrp="1"/>
+          </p:cNvSpPr>
+          <p:nvPr>
+            <p:ph type="title"/>
+          </p:nvPr>
+        </p:nvSpPr>
+        <p:spPr/>
+        <p:txBody>
+          <a:bodyPr/>
+          <a:lstStyle/>
+          <a:p>
+            <a:r>
+              <a:rPr lang="ja-JP" altLang="en-US" dirty="0"/>
+              <a:t>ベンチマーク</a:t>
+            </a:r>
+            <a:endParaRPr lang="en-US" dirty="0"/>
+          </a:p>
+        </p:txBody>
+      </p:sp>
+      <p:sp>
+        <p:nvSpPr>
+          <p:cNvPr id="3" name="Content Placeholder 2">
+            <a:extLst>
+              <a:ext uri="{FF2B5EF4-FFF2-40B4-BE49-F238E27FC236}">
+                <a16:creationId xmlns:a16="http://schemas.microsoft.com/office/drawing/2014/main" id="{C1CDE55F-1F31-BD41-8A41-27952E4EED34}"/>
+              </a:ext>
+            </a:extLst>
+          </p:cNvPr>
+          <p:cNvSpPr>
+            <a:spLocks noGrp="1"/>
+          </p:cNvSpPr>
+          <p:nvPr>
+            <p:ph idx="1"/>
+          </p:nvPr>
+        </p:nvSpPr>
+        <p:spPr/>
+        <p:txBody>
+          <a:bodyPr/>
+          <a:lstStyle/>
+          <a:p>
+            <a:r>
               <a:rPr lang="en-US" altLang="ja-JP" dirty="0"/>
               <a:t>Inception(3a)</a:t>
             </a:r>
@@ -6498,7 +8261,7 @@
           <a:p>
             <a:fld id="{AE60790C-7B88-2D40-A70D-E54200C05D47}" type="slidenum">
               <a:rPr lang="en-US" smtClean="0"/>
-              <a:t>18</a:t>
+              <a:t>25</a:t>
             </a:fld>
             <a:endParaRPr lang="en-US"/>
           </a:p>
@@ -7020,7 +8783,7 @@
 </p:sld>
 </file>
 
-<file path=ppt/slides/slide19.xml><?xml version="1.0" encoding="utf-8"?>
+<file path=ppt/slides/slide26.xml><?xml version="1.0" encoding="utf-8"?>
 <p:sld xmlns:a="http://schemas.openxmlformats.org/drawingml/2006/main" xmlns:r="http://schemas.openxmlformats.org/officeDocument/2006/relationships" xmlns:p="http://schemas.openxmlformats.org/presentationml/2006/main">
   <p:cSld>
     <p:spTree>
@@ -7130,7 +8893,7 @@
           <a:p>
             <a:fld id="{AE60790C-7B88-2D40-A70D-E54200C05D47}" type="slidenum">
               <a:rPr lang="en-US" smtClean="0"/>
-              <a:t>19</a:t>
+              <a:t>26</a:t>
             </a:fld>
             <a:endParaRPr lang="en-US" dirty="0"/>
           </a:p>
@@ -7737,7 +9500,7 @@
 </p:sld>
 </file>
 
-<file path=ppt/slides/slide2.xml><?xml version="1.0" encoding="utf-8"?>
+<file path=ppt/slides/slide27.xml><?xml version="1.0" encoding="utf-8"?>
 <p:sld xmlns:a="http://schemas.openxmlformats.org/drawingml/2006/main" xmlns:r="http://schemas.openxmlformats.org/officeDocument/2006/relationships" xmlns:p="http://schemas.openxmlformats.org/presentationml/2006/main">
   <p:cSld>
     <p:spTree>
@@ -7759,180 +9522,6 @@
           <p:cNvPr id="2" name="Title 1">
             <a:extLst>
               <a:ext uri="{FF2B5EF4-FFF2-40B4-BE49-F238E27FC236}">
-                <a16:creationId xmlns:a16="http://schemas.microsoft.com/office/drawing/2014/main" id="{39CF3F23-2F48-2645-9777-637A1891861E}"/>
-              </a:ext>
-            </a:extLst>
-          </p:cNvPr>
-          <p:cNvSpPr>
-            <a:spLocks noGrp="1"/>
-          </p:cNvSpPr>
-          <p:nvPr>
-            <p:ph type="title"/>
-          </p:nvPr>
-        </p:nvSpPr>
-        <p:spPr/>
-        <p:txBody>
-          <a:bodyPr/>
-          <a:lstStyle/>
-          <a:p>
-            <a:r>
-              <a:rPr lang="ja-JP" altLang="en-US" dirty="0"/>
-              <a:t>アウトライン</a:t>
-            </a:r>
-            <a:endParaRPr lang="en-US" dirty="0"/>
-          </a:p>
-        </p:txBody>
-      </p:sp>
-      <p:sp>
-        <p:nvSpPr>
-          <p:cNvPr id="3" name="Content Placeholder 2">
-            <a:extLst>
-              <a:ext uri="{FF2B5EF4-FFF2-40B4-BE49-F238E27FC236}">
-                <a16:creationId xmlns:a16="http://schemas.microsoft.com/office/drawing/2014/main" id="{24779C7E-8343-C346-AF74-51042A369AD4}"/>
-              </a:ext>
-            </a:extLst>
-          </p:cNvPr>
-          <p:cNvSpPr>
-            <a:spLocks noGrp="1"/>
-          </p:cNvSpPr>
-          <p:nvPr>
-            <p:ph idx="1"/>
-          </p:nvPr>
-        </p:nvSpPr>
-        <p:spPr/>
-        <p:txBody>
-          <a:bodyPr>
-            <a:normAutofit/>
-          </a:bodyPr>
-          <a:lstStyle/>
-          <a:p>
-            <a:r>
-              <a:rPr lang="ja-JP" altLang="en-US" dirty="0"/>
-              <a:t>背景</a:t>
-            </a:r>
-            <a:endParaRPr lang="en-US" altLang="ja-JP" dirty="0"/>
-          </a:p>
-          <a:p>
-            <a:r>
-              <a:rPr lang="en-US" altLang="ja-JP" dirty="0"/>
-              <a:t>GoogLeNet</a:t>
-            </a:r>
-          </a:p>
-          <a:p>
-            <a:r>
-              <a:rPr lang="en-US" altLang="ja-JP" dirty="0" err="1"/>
-              <a:t>FiC</a:t>
-            </a:r>
-            <a:r>
-              <a:rPr lang="en-US" altLang="ja-JP" dirty="0"/>
-              <a:t>-SW</a:t>
-            </a:r>
-          </a:p>
-          <a:p>
-            <a:r>
-              <a:rPr lang="ja-JP" altLang="en-US" dirty="0"/>
-              <a:t>関連研究</a:t>
-            </a:r>
-            <a:endParaRPr lang="en-US" altLang="ja-JP" dirty="0"/>
-          </a:p>
-          <a:p>
-            <a:r>
-              <a:rPr lang="en-US" altLang="ja-JP" dirty="0"/>
-              <a:t>GoogLeNet</a:t>
-            </a:r>
-            <a:r>
-              <a:rPr lang="ja-JP" altLang="en-US" dirty="0"/>
-              <a:t>並列化検討</a:t>
-            </a:r>
-            <a:endParaRPr lang="en-US" altLang="ja-JP" dirty="0"/>
-          </a:p>
-          <a:p>
-            <a:r>
-              <a:rPr lang="ja-JP" altLang="en-US" dirty="0"/>
-              <a:t>実装</a:t>
-            </a:r>
-            <a:endParaRPr lang="en-US" altLang="ja-JP" dirty="0"/>
-          </a:p>
-          <a:p>
-            <a:r>
-              <a:rPr lang="ja-JP" altLang="en-US" dirty="0"/>
-              <a:t>評価</a:t>
-            </a:r>
-            <a:endParaRPr lang="en-US" altLang="ja-JP" dirty="0"/>
-          </a:p>
-          <a:p>
-            <a:r>
-              <a:rPr lang="ja-JP" altLang="en-US" dirty="0"/>
-              <a:t>結論</a:t>
-            </a:r>
-            <a:endParaRPr lang="en-US" dirty="0"/>
-          </a:p>
-        </p:txBody>
-      </p:sp>
-      <p:sp>
-        <p:nvSpPr>
-          <p:cNvPr id="4" name="Slide Number Placeholder 3">
-            <a:extLst>
-              <a:ext uri="{FF2B5EF4-FFF2-40B4-BE49-F238E27FC236}">
-                <a16:creationId xmlns:a16="http://schemas.microsoft.com/office/drawing/2014/main" id="{91F23C09-84CF-5D49-924E-1F5C9B17F198}"/>
-              </a:ext>
-            </a:extLst>
-          </p:cNvPr>
-          <p:cNvSpPr>
-            <a:spLocks noGrp="1"/>
-          </p:cNvSpPr>
-          <p:nvPr>
-            <p:ph type="sldNum" sz="quarter" idx="12"/>
-          </p:nvPr>
-        </p:nvSpPr>
-        <p:spPr/>
-        <p:txBody>
-          <a:bodyPr/>
-          <a:lstStyle/>
-          <a:p>
-            <a:fld id="{AE60790C-7B88-2D40-A70D-E54200C05D47}" type="slidenum">
-              <a:rPr lang="en-US" smtClean="0"/>
-              <a:t>2</a:t>
-            </a:fld>
-            <a:endParaRPr lang="en-US"/>
-          </a:p>
-        </p:txBody>
-      </p:sp>
-    </p:spTree>
-    <p:extLst>
-      <p:ext uri="{BB962C8B-B14F-4D97-AF65-F5344CB8AC3E}">
-        <p14:creationId xmlns:p14="http://schemas.microsoft.com/office/powerpoint/2010/main" val="317803870"/>
-      </p:ext>
-    </p:extLst>
-  </p:cSld>
-  <p:clrMapOvr>
-    <a:masterClrMapping/>
-  </p:clrMapOvr>
-</p:sld>
-</file>
-
-<file path=ppt/slides/slide20.xml><?xml version="1.0" encoding="utf-8"?>
-<p:sld xmlns:a="http://schemas.openxmlformats.org/drawingml/2006/main" xmlns:r="http://schemas.openxmlformats.org/officeDocument/2006/relationships" xmlns:p="http://schemas.openxmlformats.org/presentationml/2006/main">
-  <p:cSld>
-    <p:spTree>
-      <p:nvGrpSpPr>
-        <p:cNvPr id="1" name=""/>
-        <p:cNvGrpSpPr/>
-        <p:nvPr/>
-      </p:nvGrpSpPr>
-      <p:grpSpPr>
-        <a:xfrm>
-          <a:off x="0" y="0"/>
-          <a:ext cx="0" cy="0"/>
-          <a:chOff x="0" y="0"/>
-          <a:chExt cx="0" cy="0"/>
-        </a:xfrm>
-      </p:grpSpPr>
-      <p:sp>
-        <p:nvSpPr>
-          <p:cNvPr id="2" name="Title 1">
-            <a:extLst>
-              <a:ext uri="{FF2B5EF4-FFF2-40B4-BE49-F238E27FC236}">
                 <a16:creationId xmlns:a16="http://schemas.microsoft.com/office/drawing/2014/main" id="{FFBEF715-800A-BF47-9570-C939FC642B67}"/>
               </a:ext>
             </a:extLst>
@@ -8023,7 +9612,7 @@
           <a:p>
             <a:fld id="{AE60790C-7B88-2D40-A70D-E54200C05D47}" type="slidenum">
               <a:rPr lang="en-US" smtClean="0"/>
-              <a:t>20</a:t>
+              <a:t>27</a:t>
             </a:fld>
             <a:endParaRPr lang="en-US"/>
           </a:p>
@@ -8586,7 +10175,7 @@
 </p:sld>
 </file>
 
-<file path=ppt/slides/slide21.xml><?xml version="1.0" encoding="utf-8"?>
+<file path=ppt/slides/slide28.xml><?xml version="1.0" encoding="utf-8"?>
 <p:sld xmlns:a="http://schemas.openxmlformats.org/drawingml/2006/main" xmlns:r="http://schemas.openxmlformats.org/officeDocument/2006/relationships" xmlns:p="http://schemas.openxmlformats.org/presentationml/2006/main">
   <p:cSld>
     <p:spTree>
@@ -8608,6 +10197,188 @@
           <p:cNvPr id="2" name="Title 1">
             <a:extLst>
               <a:ext uri="{FF2B5EF4-FFF2-40B4-BE49-F238E27FC236}">
+                <a16:creationId xmlns:a16="http://schemas.microsoft.com/office/drawing/2014/main" id="{39CF3F23-2F48-2645-9777-637A1891861E}"/>
+              </a:ext>
+            </a:extLst>
+          </p:cNvPr>
+          <p:cNvSpPr>
+            <a:spLocks noGrp="1"/>
+          </p:cNvSpPr>
+          <p:nvPr>
+            <p:ph type="title"/>
+          </p:nvPr>
+        </p:nvSpPr>
+        <p:spPr/>
+        <p:txBody>
+          <a:bodyPr/>
+          <a:lstStyle/>
+          <a:p>
+            <a:r>
+              <a:rPr lang="ja-JP" altLang="en-US" dirty="0"/>
+              <a:t>アウトライン</a:t>
+            </a:r>
+            <a:endParaRPr lang="en-US" dirty="0"/>
+          </a:p>
+        </p:txBody>
+      </p:sp>
+      <p:sp>
+        <p:nvSpPr>
+          <p:cNvPr id="3" name="Content Placeholder 2">
+            <a:extLst>
+              <a:ext uri="{FF2B5EF4-FFF2-40B4-BE49-F238E27FC236}">
+                <a16:creationId xmlns:a16="http://schemas.microsoft.com/office/drawing/2014/main" id="{24779C7E-8343-C346-AF74-51042A369AD4}"/>
+              </a:ext>
+            </a:extLst>
+          </p:cNvPr>
+          <p:cNvSpPr>
+            <a:spLocks noGrp="1"/>
+          </p:cNvSpPr>
+          <p:nvPr>
+            <p:ph idx="1"/>
+          </p:nvPr>
+        </p:nvSpPr>
+        <p:spPr/>
+        <p:txBody>
+          <a:bodyPr>
+            <a:normAutofit/>
+          </a:bodyPr>
+          <a:lstStyle/>
+          <a:p>
+            <a:r>
+              <a:rPr lang="ja-JP" altLang="en-US" dirty="0"/>
+              <a:t>背景</a:t>
+            </a:r>
+            <a:endParaRPr lang="en-US" altLang="ja-JP" dirty="0"/>
+          </a:p>
+          <a:p>
+            <a:r>
+              <a:rPr lang="en-US" altLang="ja-JP" dirty="0"/>
+              <a:t>GoogLeNet</a:t>
+            </a:r>
+          </a:p>
+          <a:p>
+            <a:r>
+              <a:rPr lang="en-US" altLang="ja-JP" dirty="0" err="1"/>
+              <a:t>FiC</a:t>
+            </a:r>
+            <a:r>
+              <a:rPr lang="en-US" altLang="ja-JP" dirty="0"/>
+              <a:t>-SW</a:t>
+            </a:r>
+          </a:p>
+          <a:p>
+            <a:r>
+              <a:rPr lang="ja-JP" altLang="en-US" dirty="0"/>
+              <a:t>関連研究</a:t>
+            </a:r>
+            <a:endParaRPr lang="en-US" altLang="ja-JP" dirty="0"/>
+          </a:p>
+          <a:p>
+            <a:r>
+              <a:rPr lang="en-US" altLang="ja-JP" dirty="0"/>
+              <a:t>GoogLeNet</a:t>
+            </a:r>
+            <a:r>
+              <a:rPr lang="ja-JP" altLang="en-US" dirty="0"/>
+              <a:t>並列化検討</a:t>
+            </a:r>
+            <a:endParaRPr lang="en-US" altLang="ja-JP" dirty="0"/>
+          </a:p>
+          <a:p>
+            <a:r>
+              <a:rPr lang="ja-JP" altLang="en-US" dirty="0"/>
+              <a:t>実装</a:t>
+            </a:r>
+            <a:endParaRPr lang="en-US" altLang="ja-JP" dirty="0"/>
+          </a:p>
+          <a:p>
+            <a:r>
+              <a:rPr lang="ja-JP" altLang="en-US" dirty="0"/>
+              <a:t>評価</a:t>
+            </a:r>
+            <a:endParaRPr lang="en-US" altLang="ja-JP" dirty="0"/>
+          </a:p>
+          <a:p>
+            <a:r>
+              <a:rPr lang="ja-JP" altLang="en-US" dirty="0">
+                <a:solidFill>
+                  <a:srgbClr val="FF0000"/>
+                </a:solidFill>
+              </a:rPr>
+              <a:t>結論</a:t>
+            </a:r>
+            <a:endParaRPr lang="en-US" dirty="0">
+              <a:solidFill>
+                <a:srgbClr val="FF0000"/>
+              </a:solidFill>
+            </a:endParaRPr>
+          </a:p>
+        </p:txBody>
+      </p:sp>
+      <p:sp>
+        <p:nvSpPr>
+          <p:cNvPr id="4" name="Slide Number Placeholder 3">
+            <a:extLst>
+              <a:ext uri="{FF2B5EF4-FFF2-40B4-BE49-F238E27FC236}">
+                <a16:creationId xmlns:a16="http://schemas.microsoft.com/office/drawing/2014/main" id="{91F23C09-84CF-5D49-924E-1F5C9B17F198}"/>
+              </a:ext>
+            </a:extLst>
+          </p:cNvPr>
+          <p:cNvSpPr>
+            <a:spLocks noGrp="1"/>
+          </p:cNvSpPr>
+          <p:nvPr>
+            <p:ph type="sldNum" sz="quarter" idx="12"/>
+          </p:nvPr>
+        </p:nvSpPr>
+        <p:spPr/>
+        <p:txBody>
+          <a:bodyPr/>
+          <a:lstStyle/>
+          <a:p>
+            <a:fld id="{AE60790C-7B88-2D40-A70D-E54200C05D47}" type="slidenum">
+              <a:rPr lang="en-US" smtClean="0"/>
+              <a:t>28</a:t>
+            </a:fld>
+            <a:endParaRPr lang="en-US"/>
+          </a:p>
+        </p:txBody>
+      </p:sp>
+    </p:spTree>
+    <p:extLst>
+      <p:ext uri="{BB962C8B-B14F-4D97-AF65-F5344CB8AC3E}">
+        <p14:creationId xmlns:p14="http://schemas.microsoft.com/office/powerpoint/2010/main" val="3547191232"/>
+      </p:ext>
+    </p:extLst>
+  </p:cSld>
+  <p:clrMapOvr>
+    <a:masterClrMapping/>
+  </p:clrMapOvr>
+</p:sld>
+</file>
+
+<file path=ppt/slides/slide29.xml><?xml version="1.0" encoding="utf-8"?>
+<p:sld xmlns:a="http://schemas.openxmlformats.org/drawingml/2006/main" xmlns:r="http://schemas.openxmlformats.org/officeDocument/2006/relationships" xmlns:p="http://schemas.openxmlformats.org/presentationml/2006/main">
+  <p:cSld>
+    <p:spTree>
+      <p:nvGrpSpPr>
+        <p:cNvPr id="1" name=""/>
+        <p:cNvGrpSpPr/>
+        <p:nvPr/>
+      </p:nvGrpSpPr>
+      <p:grpSpPr>
+        <a:xfrm>
+          <a:off x="0" y="0"/>
+          <a:ext cx="0" cy="0"/>
+          <a:chOff x="0" y="0"/>
+          <a:chExt cx="0" cy="0"/>
+        </a:xfrm>
+      </p:grpSpPr>
+      <p:sp>
+        <p:nvSpPr>
+          <p:cNvPr id="2" name="Title 1">
+            <a:extLst>
+              <a:ext uri="{FF2B5EF4-FFF2-40B4-BE49-F238E27FC236}">
                 <a16:creationId xmlns:a16="http://schemas.microsoft.com/office/drawing/2014/main" id="{55D35CD2-C1AE-6945-8B31-1E78F88BC53B}"/>
               </a:ext>
             </a:extLst>
@@ -8767,7 +10538,7 @@
           <a:p>
             <a:fld id="{AE60790C-7B88-2D40-A70D-E54200C05D47}" type="slidenum">
               <a:rPr lang="en-US" smtClean="0"/>
-              <a:t>21</a:t>
+              <a:t>29</a:t>
             </a:fld>
             <a:endParaRPr lang="en-US"/>
           </a:p>
@@ -8786,7 +10557,189 @@
 </p:sld>
 </file>
 
-<file path=ppt/slides/slide22.xml><?xml version="1.0" encoding="utf-8"?>
+<file path=ppt/slides/slide3.xml><?xml version="1.0" encoding="utf-8"?>
+<p:sld xmlns:a="http://schemas.openxmlformats.org/drawingml/2006/main" xmlns:r="http://schemas.openxmlformats.org/officeDocument/2006/relationships" xmlns:p="http://schemas.openxmlformats.org/presentationml/2006/main">
+  <p:cSld>
+    <p:spTree>
+      <p:nvGrpSpPr>
+        <p:cNvPr id="1" name=""/>
+        <p:cNvGrpSpPr/>
+        <p:nvPr/>
+      </p:nvGrpSpPr>
+      <p:grpSpPr>
+        <a:xfrm>
+          <a:off x="0" y="0"/>
+          <a:ext cx="0" cy="0"/>
+          <a:chOff x="0" y="0"/>
+          <a:chExt cx="0" cy="0"/>
+        </a:xfrm>
+      </p:grpSpPr>
+      <p:sp>
+        <p:nvSpPr>
+          <p:cNvPr id="2" name="Title 1">
+            <a:extLst>
+              <a:ext uri="{FF2B5EF4-FFF2-40B4-BE49-F238E27FC236}">
+                <a16:creationId xmlns:a16="http://schemas.microsoft.com/office/drawing/2014/main" id="{39CF3F23-2F48-2645-9777-637A1891861E}"/>
+              </a:ext>
+            </a:extLst>
+          </p:cNvPr>
+          <p:cNvSpPr>
+            <a:spLocks noGrp="1"/>
+          </p:cNvSpPr>
+          <p:nvPr>
+            <p:ph type="title"/>
+          </p:nvPr>
+        </p:nvSpPr>
+        <p:spPr/>
+        <p:txBody>
+          <a:bodyPr/>
+          <a:lstStyle/>
+          <a:p>
+            <a:r>
+              <a:rPr lang="ja-JP" altLang="en-US" dirty="0"/>
+              <a:t>アウトライン</a:t>
+            </a:r>
+            <a:endParaRPr lang="en-US" dirty="0"/>
+          </a:p>
+        </p:txBody>
+      </p:sp>
+      <p:sp>
+        <p:nvSpPr>
+          <p:cNvPr id="3" name="Content Placeholder 2">
+            <a:extLst>
+              <a:ext uri="{FF2B5EF4-FFF2-40B4-BE49-F238E27FC236}">
+                <a16:creationId xmlns:a16="http://schemas.microsoft.com/office/drawing/2014/main" id="{24779C7E-8343-C346-AF74-51042A369AD4}"/>
+              </a:ext>
+            </a:extLst>
+          </p:cNvPr>
+          <p:cNvSpPr>
+            <a:spLocks noGrp="1"/>
+          </p:cNvSpPr>
+          <p:nvPr>
+            <p:ph idx="1"/>
+          </p:nvPr>
+        </p:nvSpPr>
+        <p:spPr/>
+        <p:txBody>
+          <a:bodyPr>
+            <a:normAutofit/>
+          </a:bodyPr>
+          <a:lstStyle/>
+          <a:p>
+            <a:r>
+              <a:rPr lang="ja-JP" altLang="en-US" dirty="0">
+                <a:solidFill>
+                  <a:srgbClr val="FF0000"/>
+                </a:solidFill>
+              </a:rPr>
+              <a:t>背景</a:t>
+            </a:r>
+            <a:endParaRPr lang="en-US" altLang="ja-JP" dirty="0">
+              <a:solidFill>
+                <a:srgbClr val="FF0000"/>
+              </a:solidFill>
+            </a:endParaRPr>
+          </a:p>
+          <a:p>
+            <a:r>
+              <a:rPr lang="en-US" altLang="ja-JP" dirty="0"/>
+              <a:t>GoogLeNet</a:t>
+            </a:r>
+          </a:p>
+          <a:p>
+            <a:r>
+              <a:rPr lang="en-US" altLang="ja-JP" dirty="0" err="1"/>
+              <a:t>FiC</a:t>
+            </a:r>
+            <a:r>
+              <a:rPr lang="en-US" altLang="ja-JP" dirty="0"/>
+              <a:t>-SW</a:t>
+            </a:r>
+          </a:p>
+          <a:p>
+            <a:r>
+              <a:rPr lang="ja-JP" altLang="en-US" dirty="0"/>
+              <a:t>関連研究</a:t>
+            </a:r>
+            <a:endParaRPr lang="en-US" altLang="ja-JP" dirty="0"/>
+          </a:p>
+          <a:p>
+            <a:r>
+              <a:rPr lang="en-US" altLang="ja-JP" dirty="0"/>
+              <a:t>GoogLeNet</a:t>
+            </a:r>
+            <a:r>
+              <a:rPr lang="ja-JP" altLang="en-US" dirty="0"/>
+              <a:t>並列化検討</a:t>
+            </a:r>
+            <a:endParaRPr lang="en-US" altLang="ja-JP" dirty="0"/>
+          </a:p>
+          <a:p>
+            <a:r>
+              <a:rPr lang="ja-JP" altLang="en-US" dirty="0"/>
+              <a:t>実装</a:t>
+            </a:r>
+            <a:endParaRPr lang="en-US" altLang="ja-JP" dirty="0"/>
+          </a:p>
+          <a:p>
+            <a:r>
+              <a:rPr lang="ja-JP" altLang="en-US" dirty="0"/>
+              <a:t>評価</a:t>
+            </a:r>
+            <a:endParaRPr lang="en-US" altLang="ja-JP" dirty="0"/>
+          </a:p>
+          <a:p>
+            <a:r>
+              <a:rPr lang="ja-JP" altLang="en-US" dirty="0"/>
+              <a:t>結論</a:t>
+            </a:r>
+            <a:endParaRPr lang="en-US" dirty="0"/>
+          </a:p>
+        </p:txBody>
+      </p:sp>
+      <p:sp>
+        <p:nvSpPr>
+          <p:cNvPr id="4" name="Slide Number Placeholder 3">
+            <a:extLst>
+              <a:ext uri="{FF2B5EF4-FFF2-40B4-BE49-F238E27FC236}">
+                <a16:creationId xmlns:a16="http://schemas.microsoft.com/office/drawing/2014/main" id="{91F23C09-84CF-5D49-924E-1F5C9B17F198}"/>
+              </a:ext>
+            </a:extLst>
+          </p:cNvPr>
+          <p:cNvSpPr>
+            <a:spLocks noGrp="1"/>
+          </p:cNvSpPr>
+          <p:nvPr>
+            <p:ph type="sldNum" sz="quarter" idx="12"/>
+          </p:nvPr>
+        </p:nvSpPr>
+        <p:spPr/>
+        <p:txBody>
+          <a:bodyPr/>
+          <a:lstStyle/>
+          <a:p>
+            <a:fld id="{AE60790C-7B88-2D40-A70D-E54200C05D47}" type="slidenum">
+              <a:rPr lang="en-US" smtClean="0"/>
+              <a:t>3</a:t>
+            </a:fld>
+            <a:endParaRPr lang="en-US"/>
+          </a:p>
+        </p:txBody>
+      </p:sp>
+    </p:spTree>
+    <p:extLst>
+      <p:ext uri="{BB962C8B-B14F-4D97-AF65-F5344CB8AC3E}">
+        <p14:creationId xmlns:p14="http://schemas.microsoft.com/office/powerpoint/2010/main" val="2370045160"/>
+      </p:ext>
+    </p:extLst>
+  </p:cSld>
+  <p:clrMapOvr>
+    <a:masterClrMapping/>
+  </p:clrMapOvr>
+</p:sld>
+</file>
+
+<file path=ppt/slides/slide30.xml><?xml version="1.0" encoding="utf-8"?>
 <p:sld xmlns:a="http://schemas.openxmlformats.org/drawingml/2006/main" xmlns:r="http://schemas.openxmlformats.org/officeDocument/2006/relationships" xmlns:p="http://schemas.openxmlformats.org/presentationml/2006/main" show="0">
   <p:cSld>
     <p:spTree>
@@ -8995,7 +10948,7 @@
           <a:p>
             <a:fld id="{AE60790C-7B88-2D40-A70D-E54200C05D47}" type="slidenum">
               <a:rPr lang="en-US" smtClean="0"/>
-              <a:t>22</a:t>
+              <a:t>30</a:t>
             </a:fld>
             <a:endParaRPr lang="en-US"/>
           </a:p>
@@ -9014,7 +10967,7 @@
 </p:sld>
 </file>
 
-<file path=ppt/slides/slide23.xml><?xml version="1.0" encoding="utf-8"?>
+<file path=ppt/slides/slide31.xml><?xml version="1.0" encoding="utf-8"?>
 <p:sld xmlns:a="http://schemas.openxmlformats.org/drawingml/2006/main" xmlns:r="http://schemas.openxmlformats.org/officeDocument/2006/relationships" xmlns:p="http://schemas.openxmlformats.org/presentationml/2006/main" show="0">
   <p:cSld>
     <p:spTree>
@@ -9153,7 +11106,7 @@
 </p:sld>
 </file>
 
-<file path=ppt/slides/slide24.xml><?xml version="1.0" encoding="utf-8"?>
+<file path=ppt/slides/slide32.xml><?xml version="1.0" encoding="utf-8"?>
 <p:sld xmlns:a="http://schemas.openxmlformats.org/drawingml/2006/main" xmlns:r="http://schemas.openxmlformats.org/officeDocument/2006/relationships" xmlns:p="http://schemas.openxmlformats.org/presentationml/2006/main" show="0">
   <p:cSld>
     <p:spTree>
@@ -9251,7 +11204,7 @@
           <a:p>
             <a:fld id="{AE60790C-7B88-2D40-A70D-E54200C05D47}" type="slidenum">
               <a:rPr lang="en-US" smtClean="0"/>
-              <a:t>24</a:t>
+              <a:t>32</a:t>
             </a:fld>
             <a:endParaRPr lang="en-US"/>
           </a:p>
@@ -9261,450 +11214,6 @@
     <p:extLst>
       <p:ext uri="{BB962C8B-B14F-4D97-AF65-F5344CB8AC3E}">
         <p14:creationId xmlns:p14="http://schemas.microsoft.com/office/powerpoint/2010/main" val="23903932"/>
-      </p:ext>
-    </p:extLst>
-  </p:cSld>
-  <p:clrMapOvr>
-    <a:masterClrMapping/>
-  </p:clrMapOvr>
-</p:sld>
-</file>
-
-<file path=ppt/slides/slide3.xml><?xml version="1.0" encoding="utf-8"?>
-<p:sld xmlns:a="http://schemas.openxmlformats.org/drawingml/2006/main" xmlns:r="http://schemas.openxmlformats.org/officeDocument/2006/relationships" xmlns:p="http://schemas.openxmlformats.org/presentationml/2006/main">
-  <p:cSld>
-    <p:spTree>
-      <p:nvGrpSpPr>
-        <p:cNvPr id="1" name=""/>
-        <p:cNvGrpSpPr/>
-        <p:nvPr/>
-      </p:nvGrpSpPr>
-      <p:grpSpPr>
-        <a:xfrm>
-          <a:off x="0" y="0"/>
-          <a:ext cx="0" cy="0"/>
-          <a:chOff x="0" y="0"/>
-          <a:chExt cx="0" cy="0"/>
-        </a:xfrm>
-      </p:grpSpPr>
-      <p:sp>
-        <p:nvSpPr>
-          <p:cNvPr id="2" name="Title 1">
-            <a:extLst>
-              <a:ext uri="{FF2B5EF4-FFF2-40B4-BE49-F238E27FC236}">
-                <a16:creationId xmlns:a16="http://schemas.microsoft.com/office/drawing/2014/main" id="{55D35CD2-C1AE-6945-8B31-1E78F88BC53B}"/>
-              </a:ext>
-            </a:extLst>
-          </p:cNvPr>
-          <p:cNvSpPr>
-            <a:spLocks noGrp="1"/>
-          </p:cNvSpPr>
-          <p:nvPr>
-            <p:ph type="title"/>
-          </p:nvPr>
-        </p:nvSpPr>
-        <p:spPr/>
-        <p:txBody>
-          <a:bodyPr/>
-          <a:lstStyle/>
-          <a:p>
-            <a:r>
-              <a:rPr lang="ja-JP" altLang="en-US" dirty="0"/>
-              <a:t>背景</a:t>
-            </a:r>
-            <a:endParaRPr lang="en-US" dirty="0"/>
-          </a:p>
-        </p:txBody>
-      </p:sp>
-      <p:sp>
-        <p:nvSpPr>
-          <p:cNvPr id="3" name="Content Placeholder 2">
-            <a:extLst>
-              <a:ext uri="{FF2B5EF4-FFF2-40B4-BE49-F238E27FC236}">
-                <a16:creationId xmlns:a16="http://schemas.microsoft.com/office/drawing/2014/main" id="{C1CDE55F-1F31-BD41-8A41-27952E4EED34}"/>
-              </a:ext>
-            </a:extLst>
-          </p:cNvPr>
-          <p:cNvSpPr>
-            <a:spLocks noGrp="1"/>
-          </p:cNvSpPr>
-          <p:nvPr>
-            <p:ph idx="1"/>
-          </p:nvPr>
-        </p:nvSpPr>
-        <p:spPr>
-          <a:xfrm>
-            <a:off x="628650" y="1578738"/>
-            <a:ext cx="7886700" cy="4572000"/>
-          </a:xfrm>
-        </p:spPr>
-        <p:txBody>
-          <a:bodyPr>
-            <a:normAutofit/>
-          </a:bodyPr>
-          <a:lstStyle/>
-          <a:p>
-            <a:r>
-              <a:rPr lang="ja-JP" altLang="en-US" dirty="0"/>
-              <a:t>深層学習専用アクセラレータ</a:t>
-            </a:r>
-            <a:endParaRPr lang="en-US" altLang="ja-JP" dirty="0"/>
-          </a:p>
-          <a:p>
-            <a:pPr lvl="1"/>
-            <a:r>
-              <a:rPr lang="ja-JP" altLang="en-US" dirty="0"/>
-              <a:t>計算コストの増大</a:t>
-            </a:r>
-            <a:r>
-              <a:rPr lang="ja-JP" altLang="en-US"/>
-              <a:t>による需要</a:t>
-            </a:r>
-            <a:endParaRPr lang="en-US" altLang="ja-JP" dirty="0"/>
-          </a:p>
-          <a:p>
-            <a:pPr lvl="1"/>
-            <a:r>
-              <a:rPr lang="en-US" altLang="ja-JP" dirty="0"/>
-              <a:t>GPU</a:t>
-            </a:r>
-            <a:r>
-              <a:rPr lang="ja-JP" altLang="en-US" dirty="0"/>
-              <a:t>や</a:t>
-            </a:r>
-            <a:r>
-              <a:rPr lang="en-US" altLang="ja-JP" dirty="0"/>
-              <a:t>FPGA</a:t>
-            </a:r>
-            <a:r>
-              <a:rPr lang="ja-JP" altLang="en-US" dirty="0"/>
-              <a:t>が注目</a:t>
-            </a:r>
-            <a:endParaRPr lang="en-US" altLang="ja-JP" dirty="0"/>
-          </a:p>
-          <a:p>
-            <a:pPr marL="457200" lvl="1" indent="0">
-              <a:buNone/>
-            </a:pPr>
-            <a:r>
-              <a:rPr lang="ja-JP" altLang="en-US" dirty="0"/>
-              <a:t>→</a:t>
-            </a:r>
-            <a:r>
-              <a:rPr lang="en-US" altLang="ja-JP" dirty="0"/>
-              <a:t>NEDO</a:t>
-            </a:r>
-            <a:r>
-              <a:rPr lang="ja-JP" altLang="en-US" dirty="0"/>
-              <a:t>が主導する人工知能計算基盤</a:t>
-            </a:r>
-            <a:endParaRPr lang="en-US" altLang="ja-JP" dirty="0"/>
-          </a:p>
-          <a:p>
-            <a:pPr marL="457200" lvl="1" indent="0">
-              <a:buNone/>
-            </a:pPr>
-            <a:r>
-              <a:rPr lang="en-US" altLang="ja-JP" dirty="0"/>
-              <a:t>   ”Flow in Cloud(</a:t>
-            </a:r>
-            <a:r>
-              <a:rPr lang="en-US" altLang="ja-JP" dirty="0" err="1"/>
-              <a:t>FiC</a:t>
-            </a:r>
-            <a:r>
-              <a:rPr lang="en-US" altLang="ja-JP" dirty="0"/>
-              <a:t>)”</a:t>
-            </a:r>
-          </a:p>
-          <a:p>
-            <a:r>
-              <a:rPr lang="en-US" dirty="0"/>
-              <a:t>GoogLeNet[1]</a:t>
-            </a:r>
-          </a:p>
-          <a:p>
-            <a:pPr lvl="1"/>
-            <a:r>
-              <a:rPr lang="en-US" altLang="ja-JP" dirty="0"/>
-              <a:t>ILSVRC2014</a:t>
-            </a:r>
-            <a:r>
-              <a:rPr lang="ja-JP" altLang="en-US" dirty="0"/>
-              <a:t>優勝</a:t>
-            </a:r>
-            <a:endParaRPr lang="en-US" dirty="0"/>
-          </a:p>
-          <a:p>
-            <a:pPr lvl="1"/>
-            <a:r>
-              <a:rPr lang="en-US" altLang="ja-JP" dirty="0"/>
-              <a:t>Google</a:t>
-            </a:r>
-            <a:r>
-              <a:rPr lang="ja-JP" altLang="en-US" dirty="0"/>
-              <a:t>が研究開発</a:t>
-            </a:r>
-            <a:endParaRPr lang="en-US" dirty="0"/>
-          </a:p>
-          <a:p>
-            <a:pPr lvl="1"/>
-            <a:r>
-              <a:rPr lang="ja-JP" altLang="en-US" dirty="0"/>
-              <a:t>高精度かつ演算並列性</a:t>
-            </a:r>
-            <a:endParaRPr lang="en-US" dirty="0"/>
-          </a:p>
-        </p:txBody>
-      </p:sp>
-      <p:sp>
-        <p:nvSpPr>
-          <p:cNvPr id="4" name="Slide Number Placeholder 3">
-            <a:extLst>
-              <a:ext uri="{FF2B5EF4-FFF2-40B4-BE49-F238E27FC236}">
-                <a16:creationId xmlns:a16="http://schemas.microsoft.com/office/drawing/2014/main" id="{F40370AE-BC3E-6444-A09B-071E2ECC54F2}"/>
-              </a:ext>
-            </a:extLst>
-          </p:cNvPr>
-          <p:cNvSpPr>
-            <a:spLocks noGrp="1"/>
-          </p:cNvSpPr>
-          <p:nvPr>
-            <p:ph type="sldNum" sz="quarter" idx="12"/>
-          </p:nvPr>
-        </p:nvSpPr>
-        <p:spPr/>
-        <p:txBody>
-          <a:bodyPr/>
-          <a:lstStyle/>
-          <a:p>
-            <a:fld id="{AE60790C-7B88-2D40-A70D-E54200C05D47}" type="slidenum">
-              <a:rPr lang="en-US" smtClean="0"/>
-              <a:t>3</a:t>
-            </a:fld>
-            <a:endParaRPr lang="en-US"/>
-          </a:p>
-        </p:txBody>
-      </p:sp>
-      <p:sp>
-        <p:nvSpPr>
-          <p:cNvPr id="5" name="TextBox 4">
-            <a:extLst>
-              <a:ext uri="{FF2B5EF4-FFF2-40B4-BE49-F238E27FC236}">
-                <a16:creationId xmlns:a16="http://schemas.microsoft.com/office/drawing/2014/main" id="{2EC9D8E9-9F85-B045-AE21-BFEE55AE8027}"/>
-              </a:ext>
-            </a:extLst>
-          </p:cNvPr>
-          <p:cNvSpPr txBox="1"/>
-          <p:nvPr/>
-        </p:nvSpPr>
-        <p:spPr>
-          <a:xfrm>
-            <a:off x="298383" y="5848518"/>
-            <a:ext cx="5116530" cy="1015663"/>
-          </a:xfrm>
-          <a:prstGeom prst="rect">
-            <a:avLst/>
-          </a:prstGeom>
-          <a:noFill/>
-        </p:spPr>
-        <p:txBody>
-          <a:bodyPr wrap="square" rtlCol="0">
-            <a:spAutoFit/>
-          </a:bodyPr>
-          <a:lstStyle/>
-          <a:p>
-            <a:r>
-              <a:rPr lang="en-US" sz="1200" dirty="0">
-                <a:latin typeface="Hiragino Kaku Gothic Pro W3" panose="020B0300000000000000" pitchFamily="34" charset="-128"/>
-                <a:ea typeface="Hiragino Kaku Gothic Pro W3" panose="020B0300000000000000" pitchFamily="34" charset="-128"/>
-              </a:rPr>
-              <a:t>[1]Christian </a:t>
-            </a:r>
-            <a:r>
-              <a:rPr lang="en-US" sz="1200" dirty="0" err="1">
-                <a:latin typeface="Hiragino Kaku Gothic Pro W3" panose="020B0300000000000000" pitchFamily="34" charset="-128"/>
-                <a:ea typeface="Hiragino Kaku Gothic Pro W3" panose="020B0300000000000000" pitchFamily="34" charset="-128"/>
-              </a:rPr>
-              <a:t>Szegedy</a:t>
-            </a:r>
-            <a:r>
-              <a:rPr lang="en-US" sz="1200" dirty="0">
-                <a:latin typeface="Hiragino Kaku Gothic Pro W3" panose="020B0300000000000000" pitchFamily="34" charset="-128"/>
-                <a:ea typeface="Hiragino Kaku Gothic Pro W3" panose="020B0300000000000000" pitchFamily="34" charset="-128"/>
-              </a:rPr>
-              <a:t>, Wei Liu, </a:t>
-            </a:r>
-            <a:r>
-              <a:rPr lang="en-US" sz="1200" dirty="0" err="1">
-                <a:latin typeface="Hiragino Kaku Gothic Pro W3" panose="020B0300000000000000" pitchFamily="34" charset="-128"/>
-                <a:ea typeface="Hiragino Kaku Gothic Pro W3" panose="020B0300000000000000" pitchFamily="34" charset="-128"/>
-              </a:rPr>
-              <a:t>Yangqing</a:t>
-            </a:r>
-            <a:r>
-              <a:rPr lang="en-US" sz="1200" dirty="0">
-                <a:latin typeface="Hiragino Kaku Gothic Pro W3" panose="020B0300000000000000" pitchFamily="34" charset="-128"/>
-                <a:ea typeface="Hiragino Kaku Gothic Pro W3" panose="020B0300000000000000" pitchFamily="34" charset="-128"/>
-              </a:rPr>
-              <a:t> </a:t>
-            </a:r>
-            <a:r>
-              <a:rPr lang="en-US" sz="1200" dirty="0" err="1">
-                <a:latin typeface="Hiragino Kaku Gothic Pro W3" panose="020B0300000000000000" pitchFamily="34" charset="-128"/>
-                <a:ea typeface="Hiragino Kaku Gothic Pro W3" panose="020B0300000000000000" pitchFamily="34" charset="-128"/>
-              </a:rPr>
-              <a:t>Jia</a:t>
-            </a:r>
-            <a:r>
-              <a:rPr lang="en-US" sz="1200" dirty="0">
-                <a:latin typeface="Hiragino Kaku Gothic Pro W3" panose="020B0300000000000000" pitchFamily="34" charset="-128"/>
-                <a:ea typeface="Hiragino Kaku Gothic Pro W3" panose="020B0300000000000000" pitchFamily="34" charset="-128"/>
-              </a:rPr>
-              <a:t>, Pierre </a:t>
-            </a:r>
-            <a:r>
-              <a:rPr lang="en-US" sz="1200" dirty="0" err="1">
-                <a:latin typeface="Hiragino Kaku Gothic Pro W3" panose="020B0300000000000000" pitchFamily="34" charset="-128"/>
-                <a:ea typeface="Hiragino Kaku Gothic Pro W3" panose="020B0300000000000000" pitchFamily="34" charset="-128"/>
-              </a:rPr>
-              <a:t>Sermanet</a:t>
-            </a:r>
-            <a:r>
-              <a:rPr lang="en-US" sz="1200" dirty="0">
-                <a:latin typeface="Hiragino Kaku Gothic Pro W3" panose="020B0300000000000000" pitchFamily="34" charset="-128"/>
-                <a:ea typeface="Hiragino Kaku Gothic Pro W3" panose="020B0300000000000000" pitchFamily="34" charset="-128"/>
-              </a:rPr>
-              <a:t>, Scott Reed, </a:t>
-            </a:r>
-            <a:r>
-              <a:rPr lang="en-US" sz="1200" dirty="0" err="1">
-                <a:latin typeface="Hiragino Kaku Gothic Pro W3" panose="020B0300000000000000" pitchFamily="34" charset="-128"/>
-                <a:ea typeface="Hiragino Kaku Gothic Pro W3" panose="020B0300000000000000" pitchFamily="34" charset="-128"/>
-              </a:rPr>
-              <a:t>DragomirAnguelov</a:t>
-            </a:r>
-            <a:r>
-              <a:rPr lang="en-US" sz="1200" dirty="0">
-                <a:latin typeface="Hiragino Kaku Gothic Pro W3" panose="020B0300000000000000" pitchFamily="34" charset="-128"/>
-                <a:ea typeface="Hiragino Kaku Gothic Pro W3" panose="020B0300000000000000" pitchFamily="34" charset="-128"/>
-              </a:rPr>
-              <a:t>, </a:t>
-            </a:r>
-            <a:r>
-              <a:rPr lang="en-US" sz="1200" dirty="0" err="1">
-                <a:latin typeface="Hiragino Kaku Gothic Pro W3" panose="020B0300000000000000" pitchFamily="34" charset="-128"/>
-                <a:ea typeface="Hiragino Kaku Gothic Pro W3" panose="020B0300000000000000" pitchFamily="34" charset="-128"/>
-              </a:rPr>
-              <a:t>Dumitru</a:t>
-            </a:r>
-            <a:r>
-              <a:rPr lang="en-US" sz="1200" dirty="0">
-                <a:latin typeface="Hiragino Kaku Gothic Pro W3" panose="020B0300000000000000" pitchFamily="34" charset="-128"/>
-                <a:ea typeface="Hiragino Kaku Gothic Pro W3" panose="020B0300000000000000" pitchFamily="34" charset="-128"/>
-              </a:rPr>
-              <a:t> </a:t>
-            </a:r>
-            <a:r>
-              <a:rPr lang="en-US" sz="1200" dirty="0" err="1">
-                <a:latin typeface="Hiragino Kaku Gothic Pro W3" panose="020B0300000000000000" pitchFamily="34" charset="-128"/>
-                <a:ea typeface="Hiragino Kaku Gothic Pro W3" panose="020B0300000000000000" pitchFamily="34" charset="-128"/>
-              </a:rPr>
-              <a:t>Erhan</a:t>
-            </a:r>
-            <a:r>
-              <a:rPr lang="en-US" sz="1200" dirty="0">
-                <a:latin typeface="Hiragino Kaku Gothic Pro W3" panose="020B0300000000000000" pitchFamily="34" charset="-128"/>
-                <a:ea typeface="Hiragino Kaku Gothic Pro W3" panose="020B0300000000000000" pitchFamily="34" charset="-128"/>
-              </a:rPr>
-              <a:t>, Vincent </a:t>
-            </a:r>
-            <a:r>
-              <a:rPr lang="en-US" sz="1200" dirty="0" err="1">
-                <a:latin typeface="Hiragino Kaku Gothic Pro W3" panose="020B0300000000000000" pitchFamily="34" charset="-128"/>
-                <a:ea typeface="Hiragino Kaku Gothic Pro W3" panose="020B0300000000000000" pitchFamily="34" charset="-128"/>
-              </a:rPr>
-              <a:t>Vanhoucke</a:t>
-            </a:r>
-            <a:r>
-              <a:rPr lang="en-US" sz="1200" dirty="0">
-                <a:latin typeface="Hiragino Kaku Gothic Pro W3" panose="020B0300000000000000" pitchFamily="34" charset="-128"/>
-                <a:ea typeface="Hiragino Kaku Gothic Pro W3" panose="020B0300000000000000" pitchFamily="34" charset="-128"/>
-              </a:rPr>
-              <a:t>, and Andrew </a:t>
-            </a:r>
-            <a:r>
-              <a:rPr lang="en-US" sz="1200" dirty="0" err="1">
-                <a:latin typeface="Hiragino Kaku Gothic Pro W3" panose="020B0300000000000000" pitchFamily="34" charset="-128"/>
-                <a:ea typeface="Hiragino Kaku Gothic Pro W3" panose="020B0300000000000000" pitchFamily="34" charset="-128"/>
-              </a:rPr>
-              <a:t>Rabinovich</a:t>
-            </a:r>
-            <a:r>
-              <a:rPr lang="en-US" sz="1200" dirty="0">
-                <a:latin typeface="Hiragino Kaku Gothic Pro W3" panose="020B0300000000000000" pitchFamily="34" charset="-128"/>
-                <a:ea typeface="Hiragino Kaku Gothic Pro W3" panose="020B0300000000000000" pitchFamily="34" charset="-128"/>
-              </a:rPr>
-              <a:t>. </a:t>
-            </a:r>
-          </a:p>
-          <a:p>
-            <a:r>
-              <a:rPr lang="en-US" sz="1200" dirty="0">
-                <a:latin typeface="Hiragino Kaku Gothic Pro W3" panose="020B0300000000000000" pitchFamily="34" charset="-128"/>
-                <a:ea typeface="Hiragino Kaku Gothic Pro W3" panose="020B0300000000000000" pitchFamily="34" charset="-128"/>
-              </a:rPr>
-              <a:t>Going </a:t>
-            </a:r>
-            <a:r>
-              <a:rPr lang="en-US" sz="1200" dirty="0" err="1">
-                <a:latin typeface="Hiragino Kaku Gothic Pro W3" panose="020B0300000000000000" pitchFamily="34" charset="-128"/>
-                <a:ea typeface="Hiragino Kaku Gothic Pro W3" panose="020B0300000000000000" pitchFamily="34" charset="-128"/>
-              </a:rPr>
-              <a:t>deeperwith</a:t>
-            </a:r>
-            <a:r>
-              <a:rPr lang="en-US" sz="1200" dirty="0">
-                <a:latin typeface="Hiragino Kaku Gothic Pro W3" panose="020B0300000000000000" pitchFamily="34" charset="-128"/>
-                <a:ea typeface="Hiragino Kaku Gothic Pro W3" panose="020B0300000000000000" pitchFamily="34" charset="-128"/>
-              </a:rPr>
-              <a:t> convolutions. </a:t>
-            </a:r>
-            <a:r>
-              <a:rPr lang="en-US" sz="1200" dirty="0" err="1">
-                <a:latin typeface="Hiragino Kaku Gothic Pro W3" panose="020B0300000000000000" pitchFamily="34" charset="-128"/>
-                <a:ea typeface="Hiragino Kaku Gothic Pro W3" panose="020B0300000000000000" pitchFamily="34" charset="-128"/>
-              </a:rPr>
-              <a:t>In</a:t>
-            </a:r>
-            <a:r>
-              <a:rPr lang="en-US" sz="1200" i="1" dirty="0" err="1">
-                <a:latin typeface="Hiragino Kaku Gothic Pro W3" panose="020B0300000000000000" pitchFamily="34" charset="-128"/>
-                <a:ea typeface="Hiragino Kaku Gothic Pro W3" panose="020B0300000000000000" pitchFamily="34" charset="-128"/>
-              </a:rPr>
-              <a:t>The</a:t>
-            </a:r>
-            <a:r>
-              <a:rPr lang="en-US" sz="1200" i="1" dirty="0">
-                <a:latin typeface="Hiragino Kaku Gothic Pro W3" panose="020B0300000000000000" pitchFamily="34" charset="-128"/>
-                <a:ea typeface="Hiragino Kaku Gothic Pro W3" panose="020B0300000000000000" pitchFamily="34" charset="-128"/>
-              </a:rPr>
-              <a:t> IEEE Conference on Computer Vision and Pattern Recognition(CVPR)</a:t>
-            </a:r>
-            <a:r>
-              <a:rPr lang="en-US" sz="1200" dirty="0">
-                <a:latin typeface="Hiragino Kaku Gothic Pro W3" panose="020B0300000000000000" pitchFamily="34" charset="-128"/>
-                <a:ea typeface="Hiragino Kaku Gothic Pro W3" panose="020B0300000000000000" pitchFamily="34" charset="-128"/>
-              </a:rPr>
-              <a:t>, June 2015.</a:t>
-            </a:r>
-          </a:p>
-        </p:txBody>
-      </p:sp>
-    </p:spTree>
-    <p:extLst>
-      <p:ext uri="{BB962C8B-B14F-4D97-AF65-F5344CB8AC3E}">
-        <p14:creationId xmlns:p14="http://schemas.microsoft.com/office/powerpoint/2010/main" val="3262748100"/>
       </p:ext>
     </p:extLst>
   </p:cSld>
@@ -9753,8 +11262,8 @@
           <a:lstStyle/>
           <a:p>
             <a:r>
-              <a:rPr lang="en-US" altLang="ja-JP" dirty="0"/>
-              <a:t>GoogLeNet</a:t>
+              <a:rPr lang="ja-JP" altLang="en-US" dirty="0"/>
+              <a:t>背景</a:t>
             </a:r>
             <a:endParaRPr lang="en-US" dirty="0"/>
           </a:p>
@@ -9776,6 +11285,628 @@
             <p:ph idx="1"/>
           </p:nvPr>
         </p:nvSpPr>
+        <p:spPr>
+          <a:xfrm>
+            <a:off x="628650" y="1578738"/>
+            <a:ext cx="7886700" cy="4572000"/>
+          </a:xfrm>
+        </p:spPr>
+        <p:txBody>
+          <a:bodyPr>
+            <a:normAutofit/>
+          </a:bodyPr>
+          <a:lstStyle/>
+          <a:p>
+            <a:r>
+              <a:rPr lang="ja-JP" altLang="en-US" dirty="0"/>
+              <a:t>深層学習専用アクセラレータ</a:t>
+            </a:r>
+            <a:endParaRPr lang="en-US" altLang="ja-JP" dirty="0"/>
+          </a:p>
+          <a:p>
+            <a:pPr lvl="1"/>
+            <a:r>
+              <a:rPr lang="ja-JP" altLang="en-US" dirty="0"/>
+              <a:t>計算コストの増大</a:t>
+            </a:r>
+            <a:r>
+              <a:rPr lang="ja-JP" altLang="en-US"/>
+              <a:t>による需要</a:t>
+            </a:r>
+            <a:endParaRPr lang="en-US" altLang="ja-JP" dirty="0"/>
+          </a:p>
+          <a:p>
+            <a:pPr lvl="1"/>
+            <a:r>
+              <a:rPr lang="en-US" altLang="ja-JP" dirty="0"/>
+              <a:t>GPU</a:t>
+            </a:r>
+            <a:r>
+              <a:rPr lang="ja-JP" altLang="en-US" dirty="0"/>
+              <a:t>や</a:t>
+            </a:r>
+            <a:r>
+              <a:rPr lang="en-US" altLang="ja-JP" dirty="0"/>
+              <a:t>FPGA</a:t>
+            </a:r>
+            <a:r>
+              <a:rPr lang="ja-JP" altLang="en-US" dirty="0"/>
+              <a:t>が注目</a:t>
+            </a:r>
+            <a:endParaRPr lang="en-US" altLang="ja-JP" dirty="0"/>
+          </a:p>
+          <a:p>
+            <a:pPr marL="457200" lvl="1" indent="0">
+              <a:buNone/>
+            </a:pPr>
+            <a:r>
+              <a:rPr lang="ja-JP" altLang="en-US" dirty="0"/>
+              <a:t>→</a:t>
+            </a:r>
+            <a:r>
+              <a:rPr lang="en-US" altLang="ja-JP" dirty="0"/>
+              <a:t>NEDO</a:t>
+            </a:r>
+            <a:r>
+              <a:rPr lang="ja-JP" altLang="en-US" dirty="0"/>
+              <a:t>が主導する人工知能計算基盤</a:t>
+            </a:r>
+            <a:endParaRPr lang="en-US" altLang="ja-JP" dirty="0"/>
+          </a:p>
+          <a:p>
+            <a:pPr marL="457200" lvl="1" indent="0">
+              <a:buNone/>
+            </a:pPr>
+            <a:r>
+              <a:rPr lang="en-US" altLang="ja-JP" dirty="0"/>
+              <a:t>   ”Flow in Cloud(</a:t>
+            </a:r>
+            <a:r>
+              <a:rPr lang="en-US" altLang="ja-JP" dirty="0" err="1"/>
+              <a:t>FiC</a:t>
+            </a:r>
+            <a:r>
+              <a:rPr lang="en-US" altLang="ja-JP" dirty="0"/>
+              <a:t>)”</a:t>
+            </a:r>
+          </a:p>
+          <a:p>
+            <a:r>
+              <a:rPr lang="en-US" dirty="0"/>
+              <a:t>GoogLeNet[1]</a:t>
+            </a:r>
+          </a:p>
+          <a:p>
+            <a:pPr lvl="1"/>
+            <a:r>
+              <a:rPr lang="en-US" altLang="ja-JP" dirty="0"/>
+              <a:t>ILSVRC2014</a:t>
+            </a:r>
+            <a:r>
+              <a:rPr lang="ja-JP" altLang="en-US" dirty="0"/>
+              <a:t>優勝</a:t>
+            </a:r>
+            <a:endParaRPr lang="en-US" dirty="0"/>
+          </a:p>
+          <a:p>
+            <a:pPr lvl="1"/>
+            <a:r>
+              <a:rPr lang="en-US" altLang="ja-JP" dirty="0"/>
+              <a:t>Google</a:t>
+            </a:r>
+            <a:r>
+              <a:rPr lang="ja-JP" altLang="en-US" dirty="0"/>
+              <a:t>が研究開発</a:t>
+            </a:r>
+            <a:endParaRPr lang="en-US" dirty="0"/>
+          </a:p>
+          <a:p>
+            <a:pPr lvl="1"/>
+            <a:r>
+              <a:rPr lang="ja-JP" altLang="en-US" dirty="0"/>
+              <a:t>高精度かつ演算並列性</a:t>
+            </a:r>
+            <a:endParaRPr lang="en-US" dirty="0"/>
+          </a:p>
+        </p:txBody>
+      </p:sp>
+      <p:sp>
+        <p:nvSpPr>
+          <p:cNvPr id="4" name="Slide Number Placeholder 3">
+            <a:extLst>
+              <a:ext uri="{FF2B5EF4-FFF2-40B4-BE49-F238E27FC236}">
+                <a16:creationId xmlns:a16="http://schemas.microsoft.com/office/drawing/2014/main" id="{F40370AE-BC3E-6444-A09B-071E2ECC54F2}"/>
+              </a:ext>
+            </a:extLst>
+          </p:cNvPr>
+          <p:cNvSpPr>
+            <a:spLocks noGrp="1"/>
+          </p:cNvSpPr>
+          <p:nvPr>
+            <p:ph type="sldNum" sz="quarter" idx="12"/>
+          </p:nvPr>
+        </p:nvSpPr>
+        <p:spPr/>
+        <p:txBody>
+          <a:bodyPr/>
+          <a:lstStyle/>
+          <a:p>
+            <a:fld id="{AE60790C-7B88-2D40-A70D-E54200C05D47}" type="slidenum">
+              <a:rPr lang="en-US" smtClean="0"/>
+              <a:t>4</a:t>
+            </a:fld>
+            <a:endParaRPr lang="en-US"/>
+          </a:p>
+        </p:txBody>
+      </p:sp>
+      <p:sp>
+        <p:nvSpPr>
+          <p:cNvPr id="5" name="TextBox 4">
+            <a:extLst>
+              <a:ext uri="{FF2B5EF4-FFF2-40B4-BE49-F238E27FC236}">
+                <a16:creationId xmlns:a16="http://schemas.microsoft.com/office/drawing/2014/main" id="{2EC9D8E9-9F85-B045-AE21-BFEE55AE8027}"/>
+              </a:ext>
+            </a:extLst>
+          </p:cNvPr>
+          <p:cNvSpPr txBox="1"/>
+          <p:nvPr/>
+        </p:nvSpPr>
+        <p:spPr>
+          <a:xfrm>
+            <a:off x="298383" y="5848518"/>
+            <a:ext cx="5116530" cy="1015663"/>
+          </a:xfrm>
+          <a:prstGeom prst="rect">
+            <a:avLst/>
+          </a:prstGeom>
+          <a:noFill/>
+        </p:spPr>
+        <p:txBody>
+          <a:bodyPr wrap="square" rtlCol="0">
+            <a:spAutoFit/>
+          </a:bodyPr>
+          <a:lstStyle/>
+          <a:p>
+            <a:r>
+              <a:rPr lang="en-US" sz="1200" dirty="0">
+                <a:latin typeface="Hiragino Kaku Gothic Pro W3" panose="020B0300000000000000" pitchFamily="34" charset="-128"/>
+                <a:ea typeface="Hiragino Kaku Gothic Pro W3" panose="020B0300000000000000" pitchFamily="34" charset="-128"/>
+              </a:rPr>
+              <a:t>[1]Christian </a:t>
+            </a:r>
+            <a:r>
+              <a:rPr lang="en-US" sz="1200" dirty="0" err="1">
+                <a:latin typeface="Hiragino Kaku Gothic Pro W3" panose="020B0300000000000000" pitchFamily="34" charset="-128"/>
+                <a:ea typeface="Hiragino Kaku Gothic Pro W3" panose="020B0300000000000000" pitchFamily="34" charset="-128"/>
+              </a:rPr>
+              <a:t>Szegedy</a:t>
+            </a:r>
+            <a:r>
+              <a:rPr lang="en-US" sz="1200" dirty="0">
+                <a:latin typeface="Hiragino Kaku Gothic Pro W3" panose="020B0300000000000000" pitchFamily="34" charset="-128"/>
+                <a:ea typeface="Hiragino Kaku Gothic Pro W3" panose="020B0300000000000000" pitchFamily="34" charset="-128"/>
+              </a:rPr>
+              <a:t>, Wei Liu, </a:t>
+            </a:r>
+            <a:r>
+              <a:rPr lang="en-US" sz="1200" dirty="0" err="1">
+                <a:latin typeface="Hiragino Kaku Gothic Pro W3" panose="020B0300000000000000" pitchFamily="34" charset="-128"/>
+                <a:ea typeface="Hiragino Kaku Gothic Pro W3" panose="020B0300000000000000" pitchFamily="34" charset="-128"/>
+              </a:rPr>
+              <a:t>Yangqing</a:t>
+            </a:r>
+            <a:r>
+              <a:rPr lang="en-US" sz="1200" dirty="0">
+                <a:latin typeface="Hiragino Kaku Gothic Pro W3" panose="020B0300000000000000" pitchFamily="34" charset="-128"/>
+                <a:ea typeface="Hiragino Kaku Gothic Pro W3" panose="020B0300000000000000" pitchFamily="34" charset="-128"/>
+              </a:rPr>
+              <a:t> </a:t>
+            </a:r>
+            <a:r>
+              <a:rPr lang="en-US" sz="1200" dirty="0" err="1">
+                <a:latin typeface="Hiragino Kaku Gothic Pro W3" panose="020B0300000000000000" pitchFamily="34" charset="-128"/>
+                <a:ea typeface="Hiragino Kaku Gothic Pro W3" panose="020B0300000000000000" pitchFamily="34" charset="-128"/>
+              </a:rPr>
+              <a:t>Jia</a:t>
+            </a:r>
+            <a:r>
+              <a:rPr lang="en-US" sz="1200" dirty="0">
+                <a:latin typeface="Hiragino Kaku Gothic Pro W3" panose="020B0300000000000000" pitchFamily="34" charset="-128"/>
+                <a:ea typeface="Hiragino Kaku Gothic Pro W3" panose="020B0300000000000000" pitchFamily="34" charset="-128"/>
+              </a:rPr>
+              <a:t>, Pierre </a:t>
+            </a:r>
+            <a:r>
+              <a:rPr lang="en-US" sz="1200" dirty="0" err="1">
+                <a:latin typeface="Hiragino Kaku Gothic Pro W3" panose="020B0300000000000000" pitchFamily="34" charset="-128"/>
+                <a:ea typeface="Hiragino Kaku Gothic Pro W3" panose="020B0300000000000000" pitchFamily="34" charset="-128"/>
+              </a:rPr>
+              <a:t>Sermanet</a:t>
+            </a:r>
+            <a:r>
+              <a:rPr lang="en-US" sz="1200" dirty="0">
+                <a:latin typeface="Hiragino Kaku Gothic Pro W3" panose="020B0300000000000000" pitchFamily="34" charset="-128"/>
+                <a:ea typeface="Hiragino Kaku Gothic Pro W3" panose="020B0300000000000000" pitchFamily="34" charset="-128"/>
+              </a:rPr>
+              <a:t>, Scott Reed, </a:t>
+            </a:r>
+            <a:r>
+              <a:rPr lang="en-US" sz="1200" dirty="0" err="1">
+                <a:latin typeface="Hiragino Kaku Gothic Pro W3" panose="020B0300000000000000" pitchFamily="34" charset="-128"/>
+                <a:ea typeface="Hiragino Kaku Gothic Pro W3" panose="020B0300000000000000" pitchFamily="34" charset="-128"/>
+              </a:rPr>
+              <a:t>DragomirAnguelov</a:t>
+            </a:r>
+            <a:r>
+              <a:rPr lang="en-US" sz="1200" dirty="0">
+                <a:latin typeface="Hiragino Kaku Gothic Pro W3" panose="020B0300000000000000" pitchFamily="34" charset="-128"/>
+                <a:ea typeface="Hiragino Kaku Gothic Pro W3" panose="020B0300000000000000" pitchFamily="34" charset="-128"/>
+              </a:rPr>
+              <a:t>, </a:t>
+            </a:r>
+            <a:r>
+              <a:rPr lang="en-US" sz="1200" dirty="0" err="1">
+                <a:latin typeface="Hiragino Kaku Gothic Pro W3" panose="020B0300000000000000" pitchFamily="34" charset="-128"/>
+                <a:ea typeface="Hiragino Kaku Gothic Pro W3" panose="020B0300000000000000" pitchFamily="34" charset="-128"/>
+              </a:rPr>
+              <a:t>Dumitru</a:t>
+            </a:r>
+            <a:r>
+              <a:rPr lang="en-US" sz="1200" dirty="0">
+                <a:latin typeface="Hiragino Kaku Gothic Pro W3" panose="020B0300000000000000" pitchFamily="34" charset="-128"/>
+                <a:ea typeface="Hiragino Kaku Gothic Pro W3" panose="020B0300000000000000" pitchFamily="34" charset="-128"/>
+              </a:rPr>
+              <a:t> </a:t>
+            </a:r>
+            <a:r>
+              <a:rPr lang="en-US" sz="1200" dirty="0" err="1">
+                <a:latin typeface="Hiragino Kaku Gothic Pro W3" panose="020B0300000000000000" pitchFamily="34" charset="-128"/>
+                <a:ea typeface="Hiragino Kaku Gothic Pro W3" panose="020B0300000000000000" pitchFamily="34" charset="-128"/>
+              </a:rPr>
+              <a:t>Erhan</a:t>
+            </a:r>
+            <a:r>
+              <a:rPr lang="en-US" sz="1200" dirty="0">
+                <a:latin typeface="Hiragino Kaku Gothic Pro W3" panose="020B0300000000000000" pitchFamily="34" charset="-128"/>
+                <a:ea typeface="Hiragino Kaku Gothic Pro W3" panose="020B0300000000000000" pitchFamily="34" charset="-128"/>
+              </a:rPr>
+              <a:t>, Vincent </a:t>
+            </a:r>
+            <a:r>
+              <a:rPr lang="en-US" sz="1200" dirty="0" err="1">
+                <a:latin typeface="Hiragino Kaku Gothic Pro W3" panose="020B0300000000000000" pitchFamily="34" charset="-128"/>
+                <a:ea typeface="Hiragino Kaku Gothic Pro W3" panose="020B0300000000000000" pitchFamily="34" charset="-128"/>
+              </a:rPr>
+              <a:t>Vanhoucke</a:t>
+            </a:r>
+            <a:r>
+              <a:rPr lang="en-US" sz="1200" dirty="0">
+                <a:latin typeface="Hiragino Kaku Gothic Pro W3" panose="020B0300000000000000" pitchFamily="34" charset="-128"/>
+                <a:ea typeface="Hiragino Kaku Gothic Pro W3" panose="020B0300000000000000" pitchFamily="34" charset="-128"/>
+              </a:rPr>
+              <a:t>, and Andrew </a:t>
+            </a:r>
+            <a:r>
+              <a:rPr lang="en-US" sz="1200" dirty="0" err="1">
+                <a:latin typeface="Hiragino Kaku Gothic Pro W3" panose="020B0300000000000000" pitchFamily="34" charset="-128"/>
+                <a:ea typeface="Hiragino Kaku Gothic Pro W3" panose="020B0300000000000000" pitchFamily="34" charset="-128"/>
+              </a:rPr>
+              <a:t>Rabinovich</a:t>
+            </a:r>
+            <a:r>
+              <a:rPr lang="en-US" sz="1200" dirty="0">
+                <a:latin typeface="Hiragino Kaku Gothic Pro W3" panose="020B0300000000000000" pitchFamily="34" charset="-128"/>
+                <a:ea typeface="Hiragino Kaku Gothic Pro W3" panose="020B0300000000000000" pitchFamily="34" charset="-128"/>
+              </a:rPr>
+              <a:t>. </a:t>
+            </a:r>
+          </a:p>
+          <a:p>
+            <a:r>
+              <a:rPr lang="en-US" sz="1200" dirty="0">
+                <a:latin typeface="Hiragino Kaku Gothic Pro W3" panose="020B0300000000000000" pitchFamily="34" charset="-128"/>
+                <a:ea typeface="Hiragino Kaku Gothic Pro W3" panose="020B0300000000000000" pitchFamily="34" charset="-128"/>
+              </a:rPr>
+              <a:t>Going </a:t>
+            </a:r>
+            <a:r>
+              <a:rPr lang="en-US" sz="1200" dirty="0" err="1">
+                <a:latin typeface="Hiragino Kaku Gothic Pro W3" panose="020B0300000000000000" pitchFamily="34" charset="-128"/>
+                <a:ea typeface="Hiragino Kaku Gothic Pro W3" panose="020B0300000000000000" pitchFamily="34" charset="-128"/>
+              </a:rPr>
+              <a:t>deeperwith</a:t>
+            </a:r>
+            <a:r>
+              <a:rPr lang="en-US" sz="1200" dirty="0">
+                <a:latin typeface="Hiragino Kaku Gothic Pro W3" panose="020B0300000000000000" pitchFamily="34" charset="-128"/>
+                <a:ea typeface="Hiragino Kaku Gothic Pro W3" panose="020B0300000000000000" pitchFamily="34" charset="-128"/>
+              </a:rPr>
+              <a:t> convolutions. </a:t>
+            </a:r>
+            <a:r>
+              <a:rPr lang="en-US" sz="1200" dirty="0" err="1">
+                <a:latin typeface="Hiragino Kaku Gothic Pro W3" panose="020B0300000000000000" pitchFamily="34" charset="-128"/>
+                <a:ea typeface="Hiragino Kaku Gothic Pro W3" panose="020B0300000000000000" pitchFamily="34" charset="-128"/>
+              </a:rPr>
+              <a:t>In</a:t>
+            </a:r>
+            <a:r>
+              <a:rPr lang="en-US" sz="1200" i="1" dirty="0" err="1">
+                <a:latin typeface="Hiragino Kaku Gothic Pro W3" panose="020B0300000000000000" pitchFamily="34" charset="-128"/>
+                <a:ea typeface="Hiragino Kaku Gothic Pro W3" panose="020B0300000000000000" pitchFamily="34" charset="-128"/>
+              </a:rPr>
+              <a:t>The</a:t>
+            </a:r>
+            <a:r>
+              <a:rPr lang="en-US" sz="1200" i="1" dirty="0">
+                <a:latin typeface="Hiragino Kaku Gothic Pro W3" panose="020B0300000000000000" pitchFamily="34" charset="-128"/>
+                <a:ea typeface="Hiragino Kaku Gothic Pro W3" panose="020B0300000000000000" pitchFamily="34" charset="-128"/>
+              </a:rPr>
+              <a:t> IEEE Conference on Computer Vision and Pattern Recognition(CVPR)</a:t>
+            </a:r>
+            <a:r>
+              <a:rPr lang="en-US" sz="1200" dirty="0">
+                <a:latin typeface="Hiragino Kaku Gothic Pro W3" panose="020B0300000000000000" pitchFamily="34" charset="-128"/>
+                <a:ea typeface="Hiragino Kaku Gothic Pro W3" panose="020B0300000000000000" pitchFamily="34" charset="-128"/>
+              </a:rPr>
+              <a:t>, June 2015.</a:t>
+            </a:r>
+          </a:p>
+        </p:txBody>
+      </p:sp>
+    </p:spTree>
+    <p:extLst>
+      <p:ext uri="{BB962C8B-B14F-4D97-AF65-F5344CB8AC3E}">
+        <p14:creationId xmlns:p14="http://schemas.microsoft.com/office/powerpoint/2010/main" val="3262748100"/>
+      </p:ext>
+    </p:extLst>
+  </p:cSld>
+  <p:clrMapOvr>
+    <a:masterClrMapping/>
+  </p:clrMapOvr>
+</p:sld>
+</file>
+
+<file path=ppt/slides/slide5.xml><?xml version="1.0" encoding="utf-8"?>
+<p:sld xmlns:a="http://schemas.openxmlformats.org/drawingml/2006/main" xmlns:r="http://schemas.openxmlformats.org/officeDocument/2006/relationships" xmlns:p="http://schemas.openxmlformats.org/presentationml/2006/main">
+  <p:cSld>
+    <p:spTree>
+      <p:nvGrpSpPr>
+        <p:cNvPr id="1" name=""/>
+        <p:cNvGrpSpPr/>
+        <p:nvPr/>
+      </p:nvGrpSpPr>
+      <p:grpSpPr>
+        <a:xfrm>
+          <a:off x="0" y="0"/>
+          <a:ext cx="0" cy="0"/>
+          <a:chOff x="0" y="0"/>
+          <a:chExt cx="0" cy="0"/>
+        </a:xfrm>
+      </p:grpSpPr>
+      <p:sp>
+        <p:nvSpPr>
+          <p:cNvPr id="2" name="Title 1">
+            <a:extLst>
+              <a:ext uri="{FF2B5EF4-FFF2-40B4-BE49-F238E27FC236}">
+                <a16:creationId xmlns:a16="http://schemas.microsoft.com/office/drawing/2014/main" id="{39CF3F23-2F48-2645-9777-637A1891861E}"/>
+              </a:ext>
+            </a:extLst>
+          </p:cNvPr>
+          <p:cNvSpPr>
+            <a:spLocks noGrp="1"/>
+          </p:cNvSpPr>
+          <p:nvPr>
+            <p:ph type="title"/>
+          </p:nvPr>
+        </p:nvSpPr>
+        <p:spPr/>
+        <p:txBody>
+          <a:bodyPr/>
+          <a:lstStyle/>
+          <a:p>
+            <a:r>
+              <a:rPr lang="ja-JP" altLang="en-US" dirty="0"/>
+              <a:t>アウトライン</a:t>
+            </a:r>
+            <a:endParaRPr lang="en-US" dirty="0"/>
+          </a:p>
+        </p:txBody>
+      </p:sp>
+      <p:sp>
+        <p:nvSpPr>
+          <p:cNvPr id="3" name="Content Placeholder 2">
+            <a:extLst>
+              <a:ext uri="{FF2B5EF4-FFF2-40B4-BE49-F238E27FC236}">
+                <a16:creationId xmlns:a16="http://schemas.microsoft.com/office/drawing/2014/main" id="{24779C7E-8343-C346-AF74-51042A369AD4}"/>
+              </a:ext>
+            </a:extLst>
+          </p:cNvPr>
+          <p:cNvSpPr>
+            <a:spLocks noGrp="1"/>
+          </p:cNvSpPr>
+          <p:nvPr>
+            <p:ph idx="1"/>
+          </p:nvPr>
+        </p:nvSpPr>
+        <p:spPr/>
+        <p:txBody>
+          <a:bodyPr>
+            <a:normAutofit/>
+          </a:bodyPr>
+          <a:lstStyle/>
+          <a:p>
+            <a:r>
+              <a:rPr lang="ja-JP" altLang="en-US" dirty="0"/>
+              <a:t>背景</a:t>
+            </a:r>
+            <a:endParaRPr lang="en-US" altLang="ja-JP" dirty="0"/>
+          </a:p>
+          <a:p>
+            <a:r>
+              <a:rPr lang="en-US" altLang="ja-JP" dirty="0">
+                <a:solidFill>
+                  <a:srgbClr val="FF0000"/>
+                </a:solidFill>
+              </a:rPr>
+              <a:t>GoogLeNet</a:t>
+            </a:r>
+          </a:p>
+          <a:p>
+            <a:r>
+              <a:rPr lang="en-US" altLang="ja-JP" dirty="0" err="1"/>
+              <a:t>FiC</a:t>
+            </a:r>
+            <a:r>
+              <a:rPr lang="en-US" altLang="ja-JP" dirty="0"/>
+              <a:t>-SW</a:t>
+            </a:r>
+          </a:p>
+          <a:p>
+            <a:r>
+              <a:rPr lang="ja-JP" altLang="en-US" dirty="0"/>
+              <a:t>関連研究</a:t>
+            </a:r>
+            <a:endParaRPr lang="en-US" altLang="ja-JP" dirty="0"/>
+          </a:p>
+          <a:p>
+            <a:r>
+              <a:rPr lang="en-US" altLang="ja-JP" dirty="0"/>
+              <a:t>GoogLeNet</a:t>
+            </a:r>
+            <a:r>
+              <a:rPr lang="ja-JP" altLang="en-US" dirty="0"/>
+              <a:t>並列化検討</a:t>
+            </a:r>
+            <a:endParaRPr lang="en-US" altLang="ja-JP" dirty="0"/>
+          </a:p>
+          <a:p>
+            <a:r>
+              <a:rPr lang="ja-JP" altLang="en-US" dirty="0"/>
+              <a:t>実装</a:t>
+            </a:r>
+            <a:endParaRPr lang="en-US" altLang="ja-JP" dirty="0"/>
+          </a:p>
+          <a:p>
+            <a:r>
+              <a:rPr lang="ja-JP" altLang="en-US" dirty="0"/>
+              <a:t>評価</a:t>
+            </a:r>
+            <a:endParaRPr lang="en-US" altLang="ja-JP" dirty="0"/>
+          </a:p>
+          <a:p>
+            <a:r>
+              <a:rPr lang="ja-JP" altLang="en-US" dirty="0"/>
+              <a:t>結論</a:t>
+            </a:r>
+            <a:endParaRPr lang="en-US" dirty="0"/>
+          </a:p>
+        </p:txBody>
+      </p:sp>
+      <p:sp>
+        <p:nvSpPr>
+          <p:cNvPr id="4" name="Slide Number Placeholder 3">
+            <a:extLst>
+              <a:ext uri="{FF2B5EF4-FFF2-40B4-BE49-F238E27FC236}">
+                <a16:creationId xmlns:a16="http://schemas.microsoft.com/office/drawing/2014/main" id="{91F23C09-84CF-5D49-924E-1F5C9B17F198}"/>
+              </a:ext>
+            </a:extLst>
+          </p:cNvPr>
+          <p:cNvSpPr>
+            <a:spLocks noGrp="1"/>
+          </p:cNvSpPr>
+          <p:nvPr>
+            <p:ph type="sldNum" sz="quarter" idx="12"/>
+          </p:nvPr>
+        </p:nvSpPr>
+        <p:spPr/>
+        <p:txBody>
+          <a:bodyPr/>
+          <a:lstStyle/>
+          <a:p>
+            <a:fld id="{AE60790C-7B88-2D40-A70D-E54200C05D47}" type="slidenum">
+              <a:rPr lang="en-US" smtClean="0"/>
+              <a:t>5</a:t>
+            </a:fld>
+            <a:endParaRPr lang="en-US"/>
+          </a:p>
+        </p:txBody>
+      </p:sp>
+    </p:spTree>
+    <p:extLst>
+      <p:ext uri="{BB962C8B-B14F-4D97-AF65-F5344CB8AC3E}">
+        <p14:creationId xmlns:p14="http://schemas.microsoft.com/office/powerpoint/2010/main" val="4127418533"/>
+      </p:ext>
+    </p:extLst>
+  </p:cSld>
+  <p:clrMapOvr>
+    <a:masterClrMapping/>
+  </p:clrMapOvr>
+</p:sld>
+</file>
+
+<file path=ppt/slides/slide6.xml><?xml version="1.0" encoding="utf-8"?>
+<p:sld xmlns:a="http://schemas.openxmlformats.org/drawingml/2006/main" xmlns:r="http://schemas.openxmlformats.org/officeDocument/2006/relationships" xmlns:p="http://schemas.openxmlformats.org/presentationml/2006/main">
+  <p:cSld>
+    <p:spTree>
+      <p:nvGrpSpPr>
+        <p:cNvPr id="1" name=""/>
+        <p:cNvGrpSpPr/>
+        <p:nvPr/>
+      </p:nvGrpSpPr>
+      <p:grpSpPr>
+        <a:xfrm>
+          <a:off x="0" y="0"/>
+          <a:ext cx="0" cy="0"/>
+          <a:chOff x="0" y="0"/>
+          <a:chExt cx="0" cy="0"/>
+        </a:xfrm>
+      </p:grpSpPr>
+      <p:sp>
+        <p:nvSpPr>
+          <p:cNvPr id="2" name="Title 1">
+            <a:extLst>
+              <a:ext uri="{FF2B5EF4-FFF2-40B4-BE49-F238E27FC236}">
+                <a16:creationId xmlns:a16="http://schemas.microsoft.com/office/drawing/2014/main" id="{55D35CD2-C1AE-6945-8B31-1E78F88BC53B}"/>
+              </a:ext>
+            </a:extLst>
+          </p:cNvPr>
+          <p:cNvSpPr>
+            <a:spLocks noGrp="1"/>
+          </p:cNvSpPr>
+          <p:nvPr>
+            <p:ph type="title"/>
+          </p:nvPr>
+        </p:nvSpPr>
+        <p:spPr/>
+        <p:txBody>
+          <a:bodyPr/>
+          <a:lstStyle/>
+          <a:p>
+            <a:r>
+              <a:rPr lang="en-US" altLang="ja-JP" dirty="0"/>
+              <a:t>GoogLeNet</a:t>
+            </a:r>
+            <a:endParaRPr lang="en-US" dirty="0"/>
+          </a:p>
+        </p:txBody>
+      </p:sp>
+      <p:sp>
+        <p:nvSpPr>
+          <p:cNvPr id="3" name="Content Placeholder 2">
+            <a:extLst>
+              <a:ext uri="{FF2B5EF4-FFF2-40B4-BE49-F238E27FC236}">
+                <a16:creationId xmlns:a16="http://schemas.microsoft.com/office/drawing/2014/main" id="{C1CDE55F-1F31-BD41-8A41-27952E4EED34}"/>
+              </a:ext>
+            </a:extLst>
+          </p:cNvPr>
+          <p:cNvSpPr>
+            <a:spLocks noGrp="1"/>
+          </p:cNvSpPr>
+          <p:nvPr>
+            <p:ph idx="1"/>
+          </p:nvPr>
+        </p:nvSpPr>
         <p:spPr/>
         <p:txBody>
           <a:bodyPr/>
@@ -9879,7 +12010,7 @@
           <a:p>
             <a:fld id="{AE60790C-7B88-2D40-A70D-E54200C05D47}" type="slidenum">
               <a:rPr lang="en-US" smtClean="0"/>
-              <a:t>4</a:t>
+              <a:t>6</a:t>
             </a:fld>
             <a:endParaRPr lang="en-US"/>
           </a:p>
@@ -10053,7 +12184,7 @@
 </p:sld>
 </file>
 
-<file path=ppt/slides/slide5.xml><?xml version="1.0" encoding="utf-8"?>
+<file path=ppt/slides/slide7.xml><?xml version="1.0" encoding="utf-8"?>
 <p:sld xmlns:a="http://schemas.openxmlformats.org/drawingml/2006/main" xmlns:r="http://schemas.openxmlformats.org/officeDocument/2006/relationships" xmlns:p="http://schemas.openxmlformats.org/presentationml/2006/main">
   <p:cSld>
     <p:spTree>
@@ -10265,7 +12396,7 @@
           <a:p>
             <a:fld id="{AE60790C-7B88-2D40-A70D-E54200C05D47}" type="slidenum">
               <a:rPr lang="en-US" smtClean="0"/>
-              <a:t>5</a:t>
+              <a:t>7</a:t>
             </a:fld>
             <a:endParaRPr lang="en-US"/>
           </a:p>
@@ -10882,7 +13013,7 @@
 </p:sld>
 </file>
 
-<file path=ppt/slides/slide6.xml><?xml version="1.0" encoding="utf-8"?>
+<file path=ppt/slides/slide8.xml><?xml version="1.0" encoding="utf-8"?>
 <p:sld xmlns:a="http://schemas.openxmlformats.org/drawingml/2006/main" xmlns:r="http://schemas.openxmlformats.org/officeDocument/2006/relationships" xmlns:p="http://schemas.openxmlformats.org/presentationml/2006/main">
   <p:cSld>
     <p:spTree>
@@ -11039,7 +13170,7 @@
           <a:p>
             <a:fld id="{AE60790C-7B88-2D40-A70D-E54200C05D47}" type="slidenum">
               <a:rPr lang="en-US" smtClean="0"/>
-              <a:t>6</a:t>
+              <a:t>8</a:t>
             </a:fld>
             <a:endParaRPr lang="en-US"/>
           </a:p>
@@ -11049,432 +13180,6 @@
     <p:extLst>
       <p:ext uri="{BB962C8B-B14F-4D97-AF65-F5344CB8AC3E}">
         <p14:creationId xmlns:p14="http://schemas.microsoft.com/office/powerpoint/2010/main" val="1787055677"/>
-      </p:ext>
-    </p:extLst>
-  </p:cSld>
-  <p:clrMapOvr>
-    <a:masterClrMapping/>
-  </p:clrMapOvr>
-</p:sld>
-</file>
-
-<file path=ppt/slides/slide7.xml><?xml version="1.0" encoding="utf-8"?>
-<p:sld xmlns:a="http://schemas.openxmlformats.org/drawingml/2006/main" xmlns:r="http://schemas.openxmlformats.org/officeDocument/2006/relationships" xmlns:p="http://schemas.openxmlformats.org/presentationml/2006/main">
-  <p:cSld>
-    <p:spTree>
-      <p:nvGrpSpPr>
-        <p:cNvPr id="1" name=""/>
-        <p:cNvGrpSpPr/>
-        <p:nvPr/>
-      </p:nvGrpSpPr>
-      <p:grpSpPr>
-        <a:xfrm>
-          <a:off x="0" y="0"/>
-          <a:ext cx="0" cy="0"/>
-          <a:chOff x="0" y="0"/>
-          <a:chExt cx="0" cy="0"/>
-        </a:xfrm>
-      </p:grpSpPr>
-      <p:sp>
-        <p:nvSpPr>
-          <p:cNvPr id="2" name="Title 1">
-            <a:extLst>
-              <a:ext uri="{FF2B5EF4-FFF2-40B4-BE49-F238E27FC236}">
-                <a16:creationId xmlns:a16="http://schemas.microsoft.com/office/drawing/2014/main" id="{55D35CD2-C1AE-6945-8B31-1E78F88BC53B}"/>
-              </a:ext>
-            </a:extLst>
-          </p:cNvPr>
-          <p:cNvSpPr>
-            <a:spLocks noGrp="1"/>
-          </p:cNvSpPr>
-          <p:nvPr>
-            <p:ph type="title"/>
-          </p:nvPr>
-        </p:nvSpPr>
-        <p:spPr/>
-        <p:txBody>
-          <a:bodyPr/>
-          <a:lstStyle/>
-          <a:p>
-            <a:r>
-              <a:rPr lang="en-US" altLang="ja-JP" dirty="0"/>
-              <a:t>Flow-in-Cloud</a:t>
-            </a:r>
-            <a:endParaRPr lang="en-US" dirty="0"/>
-          </a:p>
-        </p:txBody>
-      </p:sp>
-      <p:sp>
-        <p:nvSpPr>
-          <p:cNvPr id="3" name="Content Placeholder 2">
-            <a:extLst>
-              <a:ext uri="{FF2B5EF4-FFF2-40B4-BE49-F238E27FC236}">
-                <a16:creationId xmlns:a16="http://schemas.microsoft.com/office/drawing/2014/main" id="{C1CDE55F-1F31-BD41-8A41-27952E4EED34}"/>
-              </a:ext>
-            </a:extLst>
-          </p:cNvPr>
-          <p:cNvSpPr>
-            <a:spLocks noGrp="1"/>
-          </p:cNvSpPr>
-          <p:nvPr>
-            <p:ph idx="1"/>
-          </p:nvPr>
-        </p:nvSpPr>
-        <p:spPr>
-          <a:xfrm>
-            <a:off x="298383" y="1578738"/>
-            <a:ext cx="3650983" cy="4664185"/>
-          </a:xfrm>
-        </p:spPr>
-        <p:txBody>
-          <a:bodyPr>
-            <a:normAutofit/>
-          </a:bodyPr>
-          <a:lstStyle/>
-          <a:p>
-            <a:r>
-              <a:rPr lang="ja-JP" altLang="en-US" dirty="0"/>
-              <a:t>構成要素</a:t>
-            </a:r>
-            <a:endParaRPr lang="en-US" altLang="ja-JP" dirty="0"/>
-          </a:p>
-          <a:p>
-            <a:pPr lvl="1"/>
-            <a:r>
-              <a:rPr lang="en-US" dirty="0"/>
-              <a:t>GPU</a:t>
-            </a:r>
-          </a:p>
-          <a:p>
-            <a:pPr lvl="1"/>
-            <a:r>
-              <a:rPr lang="en-US" altLang="ja-JP" dirty="0"/>
-              <a:t>FPGA</a:t>
-            </a:r>
-          </a:p>
-          <a:p>
-            <a:pPr lvl="1"/>
-            <a:r>
-              <a:rPr lang="ja-JP" altLang="en-US" dirty="0"/>
-              <a:t>メモリ</a:t>
-            </a:r>
-            <a:endParaRPr lang="en-US" altLang="ja-JP" dirty="0"/>
-          </a:p>
-          <a:p>
-            <a:pPr lvl="1"/>
-            <a:r>
-              <a:rPr lang="ja-JP" altLang="en-US" dirty="0"/>
-              <a:t>光通信による高速インターコネクト</a:t>
-            </a:r>
-            <a:endParaRPr lang="en-US" altLang="ja-JP" dirty="0"/>
-          </a:p>
-          <a:p>
-            <a:pPr marL="457200" lvl="1" indent="0">
-              <a:buNone/>
-            </a:pPr>
-            <a:endParaRPr lang="en-US" dirty="0"/>
-          </a:p>
-        </p:txBody>
-      </p:sp>
-      <p:sp>
-        <p:nvSpPr>
-          <p:cNvPr id="4" name="Slide Number Placeholder 3">
-            <a:extLst>
-              <a:ext uri="{FF2B5EF4-FFF2-40B4-BE49-F238E27FC236}">
-                <a16:creationId xmlns:a16="http://schemas.microsoft.com/office/drawing/2014/main" id="{01978C6F-5CAF-AB46-A9CA-0A889032697F}"/>
-              </a:ext>
-            </a:extLst>
-          </p:cNvPr>
-          <p:cNvSpPr>
-            <a:spLocks noGrp="1"/>
-          </p:cNvSpPr>
-          <p:nvPr>
-            <p:ph type="sldNum" sz="quarter" idx="12"/>
-          </p:nvPr>
-        </p:nvSpPr>
-        <p:spPr/>
-        <p:txBody>
-          <a:bodyPr/>
-          <a:lstStyle/>
-          <a:p>
-            <a:fld id="{AE60790C-7B88-2D40-A70D-E54200C05D47}" type="slidenum">
-              <a:rPr lang="en-US" smtClean="0"/>
-              <a:t>7</a:t>
-            </a:fld>
-            <a:endParaRPr lang="en-US"/>
-          </a:p>
-        </p:txBody>
-      </p:sp>
-      <p:pic>
-        <p:nvPicPr>
-          <p:cNvPr id="15" name="Picture 14">
-            <a:extLst>
-              <a:ext uri="{FF2B5EF4-FFF2-40B4-BE49-F238E27FC236}">
-                <a16:creationId xmlns:a16="http://schemas.microsoft.com/office/drawing/2014/main" id="{297071FD-607F-D846-BA58-F881C8FCE475}"/>
-              </a:ext>
-            </a:extLst>
-          </p:cNvPr>
-          <p:cNvPicPr>
-            <a:picLocks noChangeAspect="1"/>
-          </p:cNvPicPr>
-          <p:nvPr/>
-        </p:nvPicPr>
-        <p:blipFill>
-          <a:blip r:embed="rId2">
-            <a:extLst>
-              <a:ext uri="{28A0092B-C50C-407E-A947-70E740481C1C}">
-                <a14:useLocalDpi xmlns:a14="http://schemas.microsoft.com/office/drawing/2010/main" val="0"/>
-              </a:ext>
-            </a:extLst>
-          </a:blip>
-          <a:stretch>
-            <a:fillRect/>
-          </a:stretch>
-        </p:blipFill>
-        <p:spPr>
-          <a:xfrm>
-            <a:off x="3949366" y="1578738"/>
-            <a:ext cx="4857750" cy="4315908"/>
-          </a:xfrm>
-          <a:prstGeom prst="rect">
-            <a:avLst/>
-          </a:prstGeom>
-        </p:spPr>
-      </p:pic>
-    </p:spTree>
-    <p:extLst>
-      <p:ext uri="{BB962C8B-B14F-4D97-AF65-F5344CB8AC3E}">
-        <p14:creationId xmlns:p14="http://schemas.microsoft.com/office/powerpoint/2010/main" val="2380956215"/>
-      </p:ext>
-    </p:extLst>
-  </p:cSld>
-  <p:clrMapOvr>
-    <a:masterClrMapping/>
-  </p:clrMapOvr>
-</p:sld>
-</file>
-
-<file path=ppt/slides/slide8.xml><?xml version="1.0" encoding="utf-8"?>
-<p:sld xmlns:a="http://schemas.openxmlformats.org/drawingml/2006/main" xmlns:r="http://schemas.openxmlformats.org/officeDocument/2006/relationships" xmlns:p="http://schemas.openxmlformats.org/presentationml/2006/main">
-  <p:cSld>
-    <p:spTree>
-      <p:nvGrpSpPr>
-        <p:cNvPr id="1" name=""/>
-        <p:cNvGrpSpPr/>
-        <p:nvPr/>
-      </p:nvGrpSpPr>
-      <p:grpSpPr>
-        <a:xfrm>
-          <a:off x="0" y="0"/>
-          <a:ext cx="0" cy="0"/>
-          <a:chOff x="0" y="0"/>
-          <a:chExt cx="0" cy="0"/>
-        </a:xfrm>
-      </p:grpSpPr>
-      <p:sp>
-        <p:nvSpPr>
-          <p:cNvPr id="2" name="Title 1">
-            <a:extLst>
-              <a:ext uri="{FF2B5EF4-FFF2-40B4-BE49-F238E27FC236}">
-                <a16:creationId xmlns:a16="http://schemas.microsoft.com/office/drawing/2014/main" id="{59561430-3985-CC41-B54F-862C002FCC8D}"/>
-              </a:ext>
-            </a:extLst>
-          </p:cNvPr>
-          <p:cNvSpPr>
-            <a:spLocks noGrp="1"/>
-          </p:cNvSpPr>
-          <p:nvPr>
-            <p:ph type="title"/>
-          </p:nvPr>
-        </p:nvSpPr>
-        <p:spPr/>
-        <p:txBody>
-          <a:bodyPr/>
-          <a:lstStyle/>
-          <a:p>
-            <a:r>
-              <a:rPr lang="en-US" altLang="ja-JP" dirty="0" err="1"/>
-              <a:t>FiC</a:t>
-            </a:r>
-            <a:r>
-              <a:rPr lang="en-US" altLang="ja-JP" dirty="0"/>
-              <a:t>-SW</a:t>
-            </a:r>
-            <a:endParaRPr lang="en-US" dirty="0"/>
-          </a:p>
-        </p:txBody>
-      </p:sp>
-      <p:sp>
-        <p:nvSpPr>
-          <p:cNvPr id="6" name="Content Placeholder 5">
-            <a:extLst>
-              <a:ext uri="{FF2B5EF4-FFF2-40B4-BE49-F238E27FC236}">
-                <a16:creationId xmlns:a16="http://schemas.microsoft.com/office/drawing/2014/main" id="{BDC6777D-8E88-184F-BF35-88604EAA1638}"/>
-              </a:ext>
-            </a:extLst>
-          </p:cNvPr>
-          <p:cNvSpPr>
-            <a:spLocks noGrp="1"/>
-          </p:cNvSpPr>
-          <p:nvPr>
-            <p:ph idx="1"/>
-          </p:nvPr>
-        </p:nvSpPr>
-        <p:spPr/>
-        <p:txBody>
-          <a:bodyPr/>
-          <a:lstStyle/>
-          <a:p>
-            <a:r>
-              <a:rPr lang="en-US" altLang="ja-JP" dirty="0" err="1"/>
-              <a:t>FiC</a:t>
-            </a:r>
-            <a:r>
-              <a:rPr lang="ja-JP" altLang="en-US" dirty="0"/>
-              <a:t>のネットワークスイッチ</a:t>
-            </a:r>
-            <a:endParaRPr lang="en-US" altLang="ja-JP" dirty="0"/>
-          </a:p>
-          <a:p>
-            <a:r>
-              <a:rPr lang="ja-JP" altLang="en-US" dirty="0"/>
-              <a:t>構成要素</a:t>
-            </a:r>
-            <a:endParaRPr lang="en-US" altLang="ja-JP" dirty="0"/>
-          </a:p>
-          <a:p>
-            <a:pPr marL="971550" lvl="1" indent="-514350">
-              <a:buFont typeface="+mj-lt"/>
-              <a:buAutoNum type="arabicPeriod"/>
-            </a:pPr>
-            <a:r>
-              <a:rPr lang="en-US" altLang="ja-JP" dirty="0"/>
-              <a:t>Xilinx </a:t>
-            </a:r>
-            <a:r>
-              <a:rPr lang="en-US" altLang="ja-JP" dirty="0" err="1"/>
-              <a:t>Kintex</a:t>
-            </a:r>
-            <a:r>
-              <a:rPr lang="en-US" altLang="ja-JP" dirty="0"/>
-              <a:t> </a:t>
-            </a:r>
-            <a:r>
-              <a:rPr lang="en-US" altLang="ja-JP" dirty="0" err="1"/>
-              <a:t>UltraScale</a:t>
-            </a:r>
-            <a:endParaRPr lang="en-US" altLang="ja-JP" dirty="0"/>
-          </a:p>
-          <a:p>
-            <a:pPr marL="971550" lvl="1" indent="-514350">
-              <a:buFont typeface="+mj-lt"/>
-              <a:buAutoNum type="arabicPeriod"/>
-            </a:pPr>
-            <a:r>
-              <a:rPr lang="ja-JP" altLang="en-US" dirty="0"/>
-              <a:t>高速シリアルリンク</a:t>
-            </a:r>
-            <a:endParaRPr lang="en-US" altLang="ja-JP" dirty="0"/>
-          </a:p>
-          <a:p>
-            <a:pPr marL="971550" lvl="1" indent="-514350">
-              <a:buFont typeface="+mj-lt"/>
-              <a:buAutoNum type="arabicPeriod"/>
-            </a:pPr>
-            <a:r>
-              <a:rPr lang="en-US" altLang="ja-JP" dirty="0"/>
-              <a:t>DRAM 2</a:t>
-            </a:r>
-            <a:r>
-              <a:rPr lang="ja-JP" altLang="en-US" dirty="0"/>
-              <a:t>バンク</a:t>
-            </a:r>
-            <a:endParaRPr lang="en-US" altLang="ja-JP" dirty="0"/>
-          </a:p>
-          <a:p>
-            <a:pPr marL="971550" lvl="1" indent="-514350">
-              <a:buFont typeface="+mj-lt"/>
-              <a:buAutoNum type="arabicPeriod"/>
-            </a:pPr>
-            <a:r>
-              <a:rPr lang="en-US" altLang="ja-JP" dirty="0"/>
-              <a:t>Raspberry Pie3</a:t>
-            </a:r>
-          </a:p>
-          <a:p>
-            <a:endParaRPr lang="en-US" dirty="0"/>
-          </a:p>
-        </p:txBody>
-      </p:sp>
-      <p:sp>
-        <p:nvSpPr>
-          <p:cNvPr id="5" name="Slide Number Placeholder 4">
-            <a:extLst>
-              <a:ext uri="{FF2B5EF4-FFF2-40B4-BE49-F238E27FC236}">
-                <a16:creationId xmlns:a16="http://schemas.microsoft.com/office/drawing/2014/main" id="{6F97E570-4162-DC42-936D-86D367C9722B}"/>
-              </a:ext>
-            </a:extLst>
-          </p:cNvPr>
-          <p:cNvSpPr>
-            <a:spLocks noGrp="1"/>
-          </p:cNvSpPr>
-          <p:nvPr>
-            <p:ph type="sldNum" sz="quarter" idx="12"/>
-          </p:nvPr>
-        </p:nvSpPr>
-        <p:spPr/>
-        <p:txBody>
-          <a:bodyPr/>
-          <a:lstStyle/>
-          <a:p>
-            <a:fld id="{AE60790C-7B88-2D40-A70D-E54200C05D47}" type="slidenum">
-              <a:rPr lang="en-US" smtClean="0"/>
-              <a:t>8</a:t>
-            </a:fld>
-            <a:endParaRPr lang="en-US"/>
-          </a:p>
-        </p:txBody>
-      </p:sp>
-      <p:pic>
-        <p:nvPicPr>
-          <p:cNvPr id="11" name="Picture 10">
-            <a:extLst>
-              <a:ext uri="{FF2B5EF4-FFF2-40B4-BE49-F238E27FC236}">
-                <a16:creationId xmlns:a16="http://schemas.microsoft.com/office/drawing/2014/main" id="{7909104A-0FFC-6D4F-803C-5D8714FB1C8D}"/>
-              </a:ext>
-            </a:extLst>
-          </p:cNvPr>
-          <p:cNvPicPr>
-            <a:picLocks noChangeAspect="1"/>
-          </p:cNvPicPr>
-          <p:nvPr/>
-        </p:nvPicPr>
-        <p:blipFill>
-          <a:blip r:embed="rId2">
-            <a:extLst>
-              <a:ext uri="{28A0092B-C50C-407E-A947-70E740481C1C}">
-                <a14:useLocalDpi xmlns:a14="http://schemas.microsoft.com/office/drawing/2010/main" val="0"/>
-              </a:ext>
-            </a:extLst>
-          </a:blip>
-          <a:stretch>
-            <a:fillRect/>
-          </a:stretch>
-        </p:blipFill>
-        <p:spPr>
-          <a:xfrm rot="5400000">
-            <a:off x="5474774" y="3051804"/>
-            <a:ext cx="2517943" cy="3563208"/>
-          </a:xfrm>
-          <a:prstGeom prst="rect">
-            <a:avLst/>
-          </a:prstGeom>
-        </p:spPr>
-      </p:pic>
-    </p:spTree>
-    <p:extLst>
-      <p:ext uri="{BB962C8B-B14F-4D97-AF65-F5344CB8AC3E}">
-        <p14:creationId xmlns:p14="http://schemas.microsoft.com/office/powerpoint/2010/main" val="2621803037"/>
       </p:ext>
     </p:extLst>
   </p:cSld>
@@ -11506,7 +13211,7 @@
           <p:cNvPr id="2" name="Title 1">
             <a:extLst>
               <a:ext uri="{FF2B5EF4-FFF2-40B4-BE49-F238E27FC236}">
-                <a16:creationId xmlns:a16="http://schemas.microsoft.com/office/drawing/2014/main" id="{55D35CD2-C1AE-6945-8B31-1E78F88BC53B}"/>
+                <a16:creationId xmlns:a16="http://schemas.microsoft.com/office/drawing/2014/main" id="{39CF3F23-2F48-2645-9777-637A1891861E}"/>
               </a:ext>
             </a:extLst>
           </p:cNvPr>
@@ -11524,7 +13229,7 @@
           <a:p>
             <a:r>
               <a:rPr lang="ja-JP" altLang="en-US" dirty="0"/>
-              <a:t>関連研究</a:t>
+              <a:t>アウトライン</a:t>
             </a:r>
             <a:endParaRPr lang="en-US" dirty="0"/>
           </a:p>
@@ -11535,7 +13240,7 @@
           <p:cNvPr id="3" name="Content Placeholder 2">
             <a:extLst>
               <a:ext uri="{FF2B5EF4-FFF2-40B4-BE49-F238E27FC236}">
-                <a16:creationId xmlns:a16="http://schemas.microsoft.com/office/drawing/2014/main" id="{C1CDE55F-1F31-BD41-8A41-27952E4EED34}"/>
+                <a16:creationId xmlns:a16="http://schemas.microsoft.com/office/drawing/2014/main" id="{24779C7E-8343-C346-AF74-51042A369AD4}"/>
               </a:ext>
             </a:extLst>
           </p:cNvPr>
@@ -11546,12 +13251,7 @@
             <p:ph idx="1"/>
           </p:nvPr>
         </p:nvSpPr>
-        <p:spPr>
-          <a:xfrm>
-            <a:off x="628650" y="1578738"/>
-            <a:ext cx="7886700" cy="2931617"/>
-          </a:xfrm>
-        </p:spPr>
+        <p:spPr/>
         <p:txBody>
           <a:bodyPr>
             <a:normAutofit/>
@@ -11560,70 +13260,72 @@
           <a:p>
             <a:r>
               <a:rPr lang="ja-JP" altLang="en-US" dirty="0"/>
-              <a:t>マルチ</a:t>
-            </a:r>
+              <a:t>背景</a:t>
+            </a:r>
+            <a:endParaRPr lang="en-US" altLang="ja-JP" dirty="0"/>
+          </a:p>
+          <a:p>
             <a:r>
               <a:rPr lang="en-US" altLang="ja-JP" dirty="0"/>
-              <a:t>FPGA</a:t>
-            </a:r>
-            <a:r>
-              <a:rPr lang="ja-JP" altLang="en-US" dirty="0"/>
-              <a:t>システム</a:t>
+              <a:t>GoogLeNet</a:t>
+            </a:r>
+          </a:p>
+          <a:p>
+            <a:r>
+              <a:rPr lang="en-US" altLang="ja-JP" dirty="0" err="1">
+                <a:solidFill>
+                  <a:srgbClr val="FF0000"/>
+                </a:solidFill>
+              </a:rPr>
+              <a:t>FiC</a:t>
+            </a:r>
+            <a:r>
+              <a:rPr lang="en-US" altLang="ja-JP" dirty="0">
+                <a:solidFill>
+                  <a:srgbClr val="FF0000"/>
+                </a:solidFill>
+              </a:rPr>
+              <a:t>-SW</a:t>
+            </a:r>
+          </a:p>
+          <a:p>
+            <a:r>
+              <a:rPr lang="ja-JP" altLang="en-US" dirty="0"/>
+              <a:t>関連研究</a:t>
             </a:r>
             <a:endParaRPr lang="en-US" altLang="ja-JP" dirty="0"/>
           </a:p>
           <a:p>
-            <a:pPr lvl="1"/>
             <a:r>
               <a:rPr lang="en-US" altLang="ja-JP" dirty="0"/>
-              <a:t>Project Catapult[3]</a:t>
+              <a:t>GoogLeNet</a:t>
+            </a:r>
+            <a:r>
+              <a:rPr lang="ja-JP" altLang="en-US" dirty="0"/>
+              <a:t>並列化検討</a:t>
+            </a:r>
+            <a:endParaRPr lang="en-US" altLang="ja-JP" dirty="0"/>
+          </a:p>
+          <a:p>
+            <a:r>
+              <a:rPr lang="ja-JP" altLang="en-US" dirty="0"/>
+              <a:t>実装</a:t>
+            </a:r>
+            <a:endParaRPr lang="en-US" altLang="ja-JP" dirty="0"/>
+          </a:p>
+          <a:p>
+            <a:r>
+              <a:rPr lang="ja-JP" altLang="en-US" dirty="0"/>
+              <a:t>評価</a:t>
+            </a:r>
+            <a:endParaRPr lang="en-US" altLang="ja-JP" dirty="0"/>
+          </a:p>
+          <a:p>
+            <a:r>
+              <a:rPr lang="ja-JP" altLang="en-US" dirty="0"/>
+              <a:t>結論</a:t>
             </a:r>
             <a:endParaRPr lang="en-US" dirty="0"/>
-          </a:p>
-          <a:p>
-            <a:r>
-              <a:rPr lang="en-US" altLang="ja-JP" dirty="0"/>
-              <a:t>FPGACNN</a:t>
-            </a:r>
-            <a:r>
-              <a:rPr lang="ja-JP" altLang="en-US" dirty="0"/>
-              <a:t>アクセラレータ</a:t>
-            </a:r>
-            <a:endParaRPr lang="en-US" altLang="ja-JP" dirty="0"/>
-          </a:p>
-          <a:p>
-            <a:pPr lvl="1"/>
-            <a:r>
-              <a:rPr lang="en-US" altLang="ja-JP" dirty="0" err="1"/>
-              <a:t>Caffe</a:t>
-            </a:r>
-            <a:r>
-              <a:rPr lang="ja-JP" altLang="en-US" dirty="0"/>
-              <a:t>フレームワークの利用</a:t>
-            </a:r>
-            <a:r>
-              <a:rPr lang="en-US" altLang="ja-JP" dirty="0"/>
-              <a:t>[4]</a:t>
-            </a:r>
-          </a:p>
-          <a:p>
-            <a:pPr lvl="1"/>
-            <a:r>
-              <a:rPr lang="ja-JP" altLang="en-US" dirty="0"/>
-              <a:t>マルチ</a:t>
-            </a:r>
-            <a:r>
-              <a:rPr lang="en-US" altLang="ja-JP" dirty="0"/>
-              <a:t>CLP</a:t>
-            </a:r>
-            <a:r>
-              <a:rPr lang="ja-JP" altLang="en-US" dirty="0"/>
-              <a:t>実装</a:t>
-            </a:r>
-            <a:r>
-              <a:rPr lang="en-US" altLang="ja-JP" dirty="0"/>
-              <a:t>[5]</a:t>
-            </a:r>
           </a:p>
         </p:txBody>
       </p:sp>
@@ -11632,7 +13334,7 @@
           <p:cNvPr id="4" name="Slide Number Placeholder 3">
             <a:extLst>
               <a:ext uri="{FF2B5EF4-FFF2-40B4-BE49-F238E27FC236}">
-                <a16:creationId xmlns:a16="http://schemas.microsoft.com/office/drawing/2014/main" id="{9EBF4C85-1B2E-EC4D-99B4-DAD0D326A85A}"/>
+                <a16:creationId xmlns:a16="http://schemas.microsoft.com/office/drawing/2014/main" id="{91F23C09-84CF-5D49-924E-1F5C9B17F198}"/>
               </a:ext>
             </a:extLst>
           </p:cNvPr>
@@ -11656,248 +13358,10 @@
           </a:p>
         </p:txBody>
       </p:sp>
-      <p:sp>
-        <p:nvSpPr>
-          <p:cNvPr id="5" name="TextBox 4">
-            <a:extLst>
-              <a:ext uri="{FF2B5EF4-FFF2-40B4-BE49-F238E27FC236}">
-                <a16:creationId xmlns:a16="http://schemas.microsoft.com/office/drawing/2014/main" id="{32FBFC34-5442-D74D-815F-0046BD01B43C}"/>
-              </a:ext>
-            </a:extLst>
-          </p:cNvPr>
-          <p:cNvSpPr txBox="1"/>
-          <p:nvPr/>
-        </p:nvSpPr>
-        <p:spPr>
-          <a:xfrm>
-            <a:off x="298383" y="4179577"/>
-            <a:ext cx="8508733" cy="2031325"/>
-          </a:xfrm>
-          <a:prstGeom prst="rect">
-            <a:avLst/>
-          </a:prstGeom>
-          <a:noFill/>
-        </p:spPr>
-        <p:txBody>
-          <a:bodyPr wrap="square" rtlCol="0">
-            <a:spAutoFit/>
-          </a:bodyPr>
-          <a:lstStyle/>
-          <a:p>
-            <a:r>
-              <a:rPr lang="en-US" sz="1400" dirty="0">
-                <a:latin typeface="Hiragino Kaku Gothic Pro W3" panose="020B0300000000000000" pitchFamily="34" charset="-128"/>
-                <a:ea typeface="Hiragino Kaku Gothic Pro W3" panose="020B0300000000000000" pitchFamily="34" charset="-128"/>
-              </a:rPr>
-              <a:t>[3] Andrew Putnam. Large-scale reconfigurable computing in a </a:t>
-            </a:r>
-            <a:r>
-              <a:rPr lang="en-US" sz="1400" dirty="0" err="1">
-                <a:latin typeface="Hiragino Kaku Gothic Pro W3" panose="020B0300000000000000" pitchFamily="34" charset="-128"/>
-                <a:ea typeface="Hiragino Kaku Gothic Pro W3" panose="020B0300000000000000" pitchFamily="34" charset="-128"/>
-              </a:rPr>
-              <a:t>microsoft</a:t>
-            </a:r>
-            <a:r>
-              <a:rPr lang="en-US" sz="1400" dirty="0">
-                <a:latin typeface="Hiragino Kaku Gothic Pro W3" panose="020B0300000000000000" pitchFamily="34" charset="-128"/>
-                <a:ea typeface="Hiragino Kaku Gothic Pro W3" panose="020B0300000000000000" pitchFamily="34" charset="-128"/>
-              </a:rPr>
-              <a:t> datacenter. </a:t>
-            </a:r>
-            <a:r>
-              <a:rPr lang="en-US" sz="1400" dirty="0" err="1">
-                <a:latin typeface="Hiragino Kaku Gothic Pro W3" panose="020B0300000000000000" pitchFamily="34" charset="-128"/>
-                <a:ea typeface="Hiragino Kaku Gothic Pro W3" panose="020B0300000000000000" pitchFamily="34" charset="-128"/>
-              </a:rPr>
-              <a:t>In</a:t>
-            </a:r>
-            <a:r>
-              <a:rPr lang="en-US" sz="1400" i="1" dirty="0" err="1">
-                <a:latin typeface="Hiragino Kaku Gothic Pro W3" panose="020B0300000000000000" pitchFamily="34" charset="-128"/>
-                <a:ea typeface="Hiragino Kaku Gothic Pro W3" panose="020B0300000000000000" pitchFamily="34" charset="-128"/>
-              </a:rPr>
-              <a:t>Pro-ceedings</a:t>
-            </a:r>
-            <a:r>
-              <a:rPr lang="en-US" sz="1400" i="1" dirty="0">
-                <a:latin typeface="Hiragino Kaku Gothic Pro W3" panose="020B0300000000000000" pitchFamily="34" charset="-128"/>
-                <a:ea typeface="Hiragino Kaku Gothic Pro W3" panose="020B0300000000000000" pitchFamily="34" charset="-128"/>
-              </a:rPr>
-              <a:t> of the 26th IEEE </a:t>
-            </a:r>
-            <a:r>
-              <a:rPr lang="en-US" sz="1400" i="1" dirty="0" err="1">
-                <a:latin typeface="Hiragino Kaku Gothic Pro W3" panose="020B0300000000000000" pitchFamily="34" charset="-128"/>
-                <a:ea typeface="Hiragino Kaku Gothic Pro W3" panose="020B0300000000000000" pitchFamily="34" charset="-128"/>
-              </a:rPr>
-              <a:t>HotChips</a:t>
-            </a:r>
-            <a:r>
-              <a:rPr lang="en-US" sz="1400" i="1" dirty="0">
-                <a:latin typeface="Hiragino Kaku Gothic Pro W3" panose="020B0300000000000000" pitchFamily="34" charset="-128"/>
-                <a:ea typeface="Hiragino Kaku Gothic Pro W3" panose="020B0300000000000000" pitchFamily="34" charset="-128"/>
-              </a:rPr>
-              <a:t> Symposium on High-Performance Chips (HotChips2014)</a:t>
-            </a:r>
-            <a:r>
-              <a:rPr lang="en-US" sz="1400" dirty="0">
-                <a:latin typeface="Hiragino Kaku Gothic Pro W3" panose="020B0300000000000000" pitchFamily="34" charset="-128"/>
-                <a:ea typeface="Hiragino Kaku Gothic Pro W3" panose="020B0300000000000000" pitchFamily="34" charset="-128"/>
-              </a:rPr>
-              <a:t>. IEEE, August 2014.</a:t>
-            </a:r>
-          </a:p>
-          <a:p>
-            <a:r>
-              <a:rPr lang="en-US" sz="1400" dirty="0">
-                <a:latin typeface="Hiragino Kaku Gothic Pro W3" panose="020B0300000000000000" pitchFamily="34" charset="-128"/>
-                <a:ea typeface="Hiragino Kaku Gothic Pro W3" panose="020B0300000000000000" pitchFamily="34" charset="-128"/>
-              </a:rPr>
-              <a:t>[4] R. </a:t>
-            </a:r>
-            <a:r>
-              <a:rPr lang="en-US" sz="1400" dirty="0" err="1">
-                <a:latin typeface="Hiragino Kaku Gothic Pro W3" panose="020B0300000000000000" pitchFamily="34" charset="-128"/>
-                <a:ea typeface="Hiragino Kaku Gothic Pro W3" panose="020B0300000000000000" pitchFamily="34" charset="-128"/>
-              </a:rPr>
-              <a:t>DiCecco</a:t>
-            </a:r>
-            <a:r>
-              <a:rPr lang="en-US" sz="1400" dirty="0">
-                <a:latin typeface="Hiragino Kaku Gothic Pro W3" panose="020B0300000000000000" pitchFamily="34" charset="-128"/>
-                <a:ea typeface="Hiragino Kaku Gothic Pro W3" panose="020B0300000000000000" pitchFamily="34" charset="-128"/>
-              </a:rPr>
-              <a:t>, G. Lacey, J. </a:t>
-            </a:r>
-            <a:r>
-              <a:rPr lang="en-US" sz="1400" dirty="0" err="1">
-                <a:latin typeface="Hiragino Kaku Gothic Pro W3" panose="020B0300000000000000" pitchFamily="34" charset="-128"/>
-                <a:ea typeface="Hiragino Kaku Gothic Pro W3" panose="020B0300000000000000" pitchFamily="34" charset="-128"/>
-              </a:rPr>
-              <a:t>Vasiljevic</a:t>
-            </a:r>
-            <a:r>
-              <a:rPr lang="en-US" sz="1400" dirty="0">
-                <a:latin typeface="Hiragino Kaku Gothic Pro W3" panose="020B0300000000000000" pitchFamily="34" charset="-128"/>
-                <a:ea typeface="Hiragino Kaku Gothic Pro W3" panose="020B0300000000000000" pitchFamily="34" charset="-128"/>
-              </a:rPr>
-              <a:t>, P. Chow, G. Taylor, and S. </a:t>
-            </a:r>
-            <a:r>
-              <a:rPr lang="en-US" sz="1400" dirty="0" err="1">
-                <a:latin typeface="Hiragino Kaku Gothic Pro W3" panose="020B0300000000000000" pitchFamily="34" charset="-128"/>
-                <a:ea typeface="Hiragino Kaku Gothic Pro W3" panose="020B0300000000000000" pitchFamily="34" charset="-128"/>
-              </a:rPr>
-              <a:t>Areibi</a:t>
-            </a:r>
-            <a:r>
-              <a:rPr lang="en-US" sz="1400" dirty="0">
-                <a:latin typeface="Hiragino Kaku Gothic Pro W3" panose="020B0300000000000000" pitchFamily="34" charset="-128"/>
-                <a:ea typeface="Hiragino Kaku Gothic Pro W3" panose="020B0300000000000000" pitchFamily="34" charset="-128"/>
-              </a:rPr>
-              <a:t>. Caffeinated </a:t>
-            </a:r>
-            <a:r>
-              <a:rPr lang="en-US" sz="1400" dirty="0" err="1">
-                <a:latin typeface="Hiragino Kaku Gothic Pro W3" panose="020B0300000000000000" pitchFamily="34" charset="-128"/>
-                <a:ea typeface="Hiragino Kaku Gothic Pro W3" panose="020B0300000000000000" pitchFamily="34" charset="-128"/>
-              </a:rPr>
-              <a:t>fpgas:Fpga</a:t>
-            </a:r>
-            <a:r>
-              <a:rPr lang="en-US" sz="1400" dirty="0">
-                <a:latin typeface="Hiragino Kaku Gothic Pro W3" panose="020B0300000000000000" pitchFamily="34" charset="-128"/>
-                <a:ea typeface="Hiragino Kaku Gothic Pro W3" panose="020B0300000000000000" pitchFamily="34" charset="-128"/>
-              </a:rPr>
-              <a:t> framework for convolutional neural networks. In</a:t>
-            </a:r>
-            <a:r>
-              <a:rPr lang="en-US" sz="1400" i="1" dirty="0">
-                <a:latin typeface="Hiragino Kaku Gothic Pro W3" panose="020B0300000000000000" pitchFamily="34" charset="-128"/>
-                <a:ea typeface="Hiragino Kaku Gothic Pro W3" panose="020B0300000000000000" pitchFamily="34" charset="-128"/>
-              </a:rPr>
-              <a:t>2016 International Conference </a:t>
-            </a:r>
-            <a:r>
-              <a:rPr lang="en-US" sz="1400" i="1" dirty="0" err="1">
-                <a:latin typeface="Hiragino Kaku Gothic Pro W3" panose="020B0300000000000000" pitchFamily="34" charset="-128"/>
-                <a:ea typeface="Hiragino Kaku Gothic Pro W3" panose="020B0300000000000000" pitchFamily="34" charset="-128"/>
-              </a:rPr>
-              <a:t>onField</a:t>
-            </a:r>
-            <a:r>
-              <a:rPr lang="en-US" sz="1400" i="1" dirty="0">
-                <a:latin typeface="Hiragino Kaku Gothic Pro W3" panose="020B0300000000000000" pitchFamily="34" charset="-128"/>
-                <a:ea typeface="Hiragino Kaku Gothic Pro W3" panose="020B0300000000000000" pitchFamily="34" charset="-128"/>
-              </a:rPr>
-              <a:t>-Programmable Technology (FPT)</a:t>
-            </a:r>
-            <a:r>
-              <a:rPr lang="en-US" sz="1400" dirty="0">
-                <a:latin typeface="Hiragino Kaku Gothic Pro W3" panose="020B0300000000000000" pitchFamily="34" charset="-128"/>
-                <a:ea typeface="Hiragino Kaku Gothic Pro W3" panose="020B0300000000000000" pitchFamily="34" charset="-128"/>
-              </a:rPr>
-              <a:t>, pp. 265–268, Dec 2016.</a:t>
-            </a:r>
-          </a:p>
-          <a:p>
-            <a:r>
-              <a:rPr lang="en-US" sz="1400" dirty="0">
-                <a:latin typeface="Hiragino Kaku Gothic Pro W3" panose="020B0300000000000000" pitchFamily="34" charset="-128"/>
-                <a:ea typeface="Hiragino Kaku Gothic Pro W3" panose="020B0300000000000000" pitchFamily="34" charset="-128"/>
-              </a:rPr>
-              <a:t>[5]YongmingShen,MichaelFerdman,andPeterMilder.Maximizingcnnacceleratorefficiencythrough resource partitioning. </a:t>
-            </a:r>
-            <a:r>
-              <a:rPr lang="en-US" sz="1400" dirty="0" err="1">
-                <a:latin typeface="Hiragino Kaku Gothic Pro W3" panose="020B0300000000000000" pitchFamily="34" charset="-128"/>
-                <a:ea typeface="Hiragino Kaku Gothic Pro W3" panose="020B0300000000000000" pitchFamily="34" charset="-128"/>
-              </a:rPr>
-              <a:t>In</a:t>
-            </a:r>
-            <a:r>
-              <a:rPr lang="en-US" sz="1400" i="1" dirty="0" err="1">
-                <a:latin typeface="Hiragino Kaku Gothic Pro W3" panose="020B0300000000000000" pitchFamily="34" charset="-128"/>
-                <a:ea typeface="Hiragino Kaku Gothic Pro W3" panose="020B0300000000000000" pitchFamily="34" charset="-128"/>
-              </a:rPr>
-              <a:t>Proceedings</a:t>
-            </a:r>
-            <a:r>
-              <a:rPr lang="en-US" sz="1400" i="1" dirty="0">
-                <a:latin typeface="Hiragino Kaku Gothic Pro W3" panose="020B0300000000000000" pitchFamily="34" charset="-128"/>
-                <a:ea typeface="Hiragino Kaku Gothic Pro W3" panose="020B0300000000000000" pitchFamily="34" charset="-128"/>
-              </a:rPr>
-              <a:t> of the 44th Annual International </a:t>
-            </a:r>
-            <a:r>
-              <a:rPr lang="en-US" sz="1400" i="1" dirty="0" err="1">
-                <a:latin typeface="Hiragino Kaku Gothic Pro W3" panose="020B0300000000000000" pitchFamily="34" charset="-128"/>
-                <a:ea typeface="Hiragino Kaku Gothic Pro W3" panose="020B0300000000000000" pitchFamily="34" charset="-128"/>
-              </a:rPr>
-              <a:t>Symposiumon</a:t>
-            </a:r>
-            <a:r>
-              <a:rPr lang="en-US" sz="1400" i="1" dirty="0">
-                <a:latin typeface="Hiragino Kaku Gothic Pro W3" panose="020B0300000000000000" pitchFamily="34" charset="-128"/>
-                <a:ea typeface="Hiragino Kaku Gothic Pro W3" panose="020B0300000000000000" pitchFamily="34" charset="-128"/>
-              </a:rPr>
-              <a:t> Computer Architecture</a:t>
-            </a:r>
-            <a:r>
-              <a:rPr lang="en-US" sz="1400" dirty="0">
-                <a:latin typeface="Hiragino Kaku Gothic Pro W3" panose="020B0300000000000000" pitchFamily="34" charset="-128"/>
-                <a:ea typeface="Hiragino Kaku Gothic Pro W3" panose="020B0300000000000000" pitchFamily="34" charset="-128"/>
-              </a:rPr>
-              <a:t>, ISCA ’17, pp. 535–547, New York, NY, USA, 2017. ACM.</a:t>
-            </a:r>
-          </a:p>
-        </p:txBody>
-      </p:sp>
     </p:spTree>
     <p:extLst>
       <p:ext uri="{BB962C8B-B14F-4D97-AF65-F5344CB8AC3E}">
-        <p14:creationId xmlns:p14="http://schemas.microsoft.com/office/powerpoint/2010/main" val="4284852948"/>
+        <p14:creationId xmlns:p14="http://schemas.microsoft.com/office/powerpoint/2010/main" val="1223441264"/>
       </p:ext>
     </p:extLst>
   </p:cSld>

--- a/slide/graduate.pptx
+++ b/slide/graduate.pptx
@@ -5,41 +5,45 @@
     <p:sldMasterId id="2147483660" r:id="rId1"/>
   </p:sldMasterIdLst>
   <p:notesMasterIdLst>
-    <p:notesMasterId r:id="rId34"/>
+    <p:notesMasterId r:id="rId38"/>
   </p:notesMasterIdLst>
   <p:sldIdLst>
     <p:sldId id="266" r:id="rId2"/>
     <p:sldId id="257" r:id="rId3"/>
     <p:sldId id="284" r:id="rId4"/>
     <p:sldId id="279" r:id="rId5"/>
-    <p:sldId id="285" r:id="rId6"/>
-    <p:sldId id="259" r:id="rId7"/>
-    <p:sldId id="268" r:id="rId8"/>
-    <p:sldId id="269" r:id="rId9"/>
-    <p:sldId id="286" r:id="rId10"/>
-    <p:sldId id="260" r:id="rId11"/>
-    <p:sldId id="280" r:id="rId12"/>
-    <p:sldId id="287" r:id="rId13"/>
-    <p:sldId id="262" r:id="rId14"/>
-    <p:sldId id="283" r:id="rId15"/>
+    <p:sldId id="294" r:id="rId6"/>
+    <p:sldId id="285" r:id="rId7"/>
+    <p:sldId id="259" r:id="rId8"/>
+    <p:sldId id="268" r:id="rId9"/>
+    <p:sldId id="269" r:id="rId10"/>
+    <p:sldId id="286" r:id="rId11"/>
+    <p:sldId id="260" r:id="rId12"/>
+    <p:sldId id="280" r:id="rId13"/>
+    <p:sldId id="287" r:id="rId14"/>
+    <p:sldId id="262" r:id="rId15"/>
     <p:sldId id="288" r:id="rId16"/>
     <p:sldId id="271" r:id="rId17"/>
-    <p:sldId id="272" r:id="rId18"/>
+    <p:sldId id="273" r:id="rId18"/>
     <p:sldId id="282" r:id="rId19"/>
-    <p:sldId id="273" r:id="rId20"/>
-    <p:sldId id="289" r:id="rId21"/>
-    <p:sldId id="263" r:id="rId22"/>
+    <p:sldId id="289" r:id="rId20"/>
+    <p:sldId id="263" r:id="rId21"/>
+    <p:sldId id="292" r:id="rId22"/>
     <p:sldId id="274" r:id="rId23"/>
-    <p:sldId id="290" r:id="rId24"/>
-    <p:sldId id="264" r:id="rId25"/>
-    <p:sldId id="277" r:id="rId26"/>
-    <p:sldId id="281" r:id="rId27"/>
-    <p:sldId id="278" r:id="rId28"/>
-    <p:sldId id="291" r:id="rId29"/>
-    <p:sldId id="265" r:id="rId30"/>
-    <p:sldId id="258" r:id="rId31"/>
-    <p:sldId id="261" r:id="rId32"/>
-    <p:sldId id="275" r:id="rId33"/>
+    <p:sldId id="296" r:id="rId24"/>
+    <p:sldId id="298" r:id="rId25"/>
+    <p:sldId id="290" r:id="rId26"/>
+    <p:sldId id="264" r:id="rId27"/>
+    <p:sldId id="277" r:id="rId28"/>
+    <p:sldId id="281" r:id="rId29"/>
+    <p:sldId id="278" r:id="rId30"/>
+    <p:sldId id="291" r:id="rId31"/>
+    <p:sldId id="265" r:id="rId32"/>
+    <p:sldId id="258" r:id="rId33"/>
+    <p:sldId id="261" r:id="rId34"/>
+    <p:sldId id="272" r:id="rId35"/>
+    <p:sldId id="295" r:id="rId36"/>
+    <p:sldId id="283" r:id="rId37"/>
   </p:sldIdLst>
   <p:sldSz cx="9144000" cy="6858000" type="screen4x3"/>
   <p:notesSz cx="6858000" cy="9144000"/>
@@ -240,7 +244,7 @@
           <a:p>
             <a:fld id="{2E551797-1660-7E44-91A9-4005D4906C9D}" type="datetimeFigureOut">
               <a:rPr lang="en-US" smtClean="0"/>
-              <a:t>1/27/18</a:t>
+              <a:t>1/30/18</a:t>
             </a:fld>
             <a:endParaRPr lang="en-US"/>
           </a:p>
@@ -652,7 +656,7 @@
           <a:p>
             <a:fld id="{AF8C3CD4-EC76-BD4C-9E4E-77FD717E9643}" type="slidenum">
               <a:rPr lang="en-US" smtClean="0"/>
-              <a:t>6</a:t>
+              <a:t>7</a:t>
             </a:fld>
             <a:endParaRPr lang="en-US"/>
           </a:p>
@@ -740,7 +744,7 @@
           <a:p>
             <a:fld id="{AF8C3CD4-EC76-BD4C-9E4E-77FD717E9643}" type="slidenum">
               <a:rPr lang="en-US" smtClean="0"/>
-              <a:t>7</a:t>
+              <a:t>8</a:t>
             </a:fld>
             <a:endParaRPr lang="en-US"/>
           </a:p>
@@ -827,7 +831,7 @@
           <a:p>
             <a:fld id="{AF8C3CD4-EC76-BD4C-9E4E-77FD717E9643}" type="slidenum">
               <a:rPr lang="en-US" smtClean="0"/>
-              <a:t>24</a:t>
+              <a:t>26</a:t>
             </a:fld>
             <a:endParaRPr lang="en-US"/>
           </a:p>
@@ -891,6 +895,94 @@
           <a:lstStyle/>
           <a:p>
             <a:r>
+              <a:rPr lang="ja-JP" altLang="en-US" dirty="0"/>
+              <a:t>ここはグラフ</a:t>
+            </a:r>
+            <a:endParaRPr lang="en-US" dirty="0"/>
+          </a:p>
+        </p:txBody>
+      </p:sp>
+      <p:sp>
+        <p:nvSpPr>
+          <p:cNvPr id="4" name="Slide Number Placeholder 3"/>
+          <p:cNvSpPr>
+            <a:spLocks noGrp="1"/>
+          </p:cNvSpPr>
+          <p:nvPr>
+            <p:ph type="sldNum" sz="quarter" idx="10"/>
+          </p:nvPr>
+        </p:nvSpPr>
+        <p:spPr/>
+        <p:txBody>
+          <a:bodyPr/>
+          <a:lstStyle/>
+          <a:p>
+            <a:fld id="{AF8C3CD4-EC76-BD4C-9E4E-77FD717E9643}" type="slidenum">
+              <a:rPr lang="en-US" smtClean="0"/>
+              <a:t>29</a:t>
+            </a:fld>
+            <a:endParaRPr lang="en-US"/>
+          </a:p>
+        </p:txBody>
+      </p:sp>
+    </p:spTree>
+    <p:extLst>
+      <p:ext uri="{BB962C8B-B14F-4D97-AF65-F5344CB8AC3E}">
+        <p14:creationId xmlns:p14="http://schemas.microsoft.com/office/powerpoint/2010/main" val="827443259"/>
+      </p:ext>
+    </p:extLst>
+  </p:cSld>
+  <p:clrMapOvr>
+    <a:masterClrMapping/>
+  </p:clrMapOvr>
+</p:notes>
+</file>
+
+<file path=ppt/notesSlides/notesSlide5.xml><?xml version="1.0" encoding="utf-8"?>
+<p:notes xmlns:a="http://schemas.openxmlformats.org/drawingml/2006/main" xmlns:r="http://schemas.openxmlformats.org/officeDocument/2006/relationships" xmlns:p="http://schemas.openxmlformats.org/presentationml/2006/main">
+  <p:cSld>
+    <p:spTree>
+      <p:nvGrpSpPr>
+        <p:cNvPr id="1" name=""/>
+        <p:cNvGrpSpPr/>
+        <p:nvPr/>
+      </p:nvGrpSpPr>
+      <p:grpSpPr>
+        <a:xfrm>
+          <a:off x="0" y="0"/>
+          <a:ext cx="0" cy="0"/>
+          <a:chOff x="0" y="0"/>
+          <a:chExt cx="0" cy="0"/>
+        </a:xfrm>
+      </p:grpSpPr>
+      <p:sp>
+        <p:nvSpPr>
+          <p:cNvPr id="2" name="Slide Image Placeholder 1"/>
+          <p:cNvSpPr>
+            <a:spLocks noGrp="1" noRot="1" noChangeAspect="1"/>
+          </p:cNvSpPr>
+          <p:nvPr>
+            <p:ph type="sldImg"/>
+          </p:nvPr>
+        </p:nvSpPr>
+        <p:spPr/>
+      </p:sp>
+      <p:sp>
+        <p:nvSpPr>
+          <p:cNvPr id="3" name="Notes Placeholder 2"/>
+          <p:cNvSpPr>
+            <a:spLocks noGrp="1"/>
+          </p:cNvSpPr>
+          <p:nvPr>
+            <p:ph type="body" idx="1"/>
+          </p:nvPr>
+        </p:nvSpPr>
+        <p:spPr/>
+        <p:txBody>
+          <a:bodyPr/>
+          <a:lstStyle/>
+          <a:p>
+            <a:r>
               <a:rPr lang="en-US" dirty="0"/>
               <a:t>STDM</a:t>
             </a:r>
@@ -922,7 +1014,7 @@
           <a:p>
             <a:fld id="{AF8C3CD4-EC76-BD4C-9E4E-77FD717E9643}" type="slidenum">
               <a:rPr lang="en-US" smtClean="0"/>
-              <a:t>31</a:t>
+              <a:t>33</a:t>
             </a:fld>
             <a:endParaRPr lang="en-US"/>
           </a:p>
@@ -4936,7 +5028,7 @@
           <p:cNvPr id="2" name="Title 1">
             <a:extLst>
               <a:ext uri="{FF2B5EF4-FFF2-40B4-BE49-F238E27FC236}">
-                <a16:creationId xmlns:a16="http://schemas.microsoft.com/office/drawing/2014/main" id="{55D35CD2-C1AE-6945-8B31-1E78F88BC53B}"/>
+                <a16:creationId xmlns:a16="http://schemas.microsoft.com/office/drawing/2014/main" id="{39CF3F23-2F48-2645-9777-637A1891861E}"/>
               </a:ext>
             </a:extLst>
           </p:cNvPr>
@@ -4953,8 +5045,8 @@
           <a:lstStyle/>
           <a:p>
             <a:r>
-              <a:rPr lang="en-US" altLang="ja-JP" dirty="0"/>
-              <a:t>Flow-in-Cloud</a:t>
+              <a:rPr lang="ja-JP" altLang="en-US" dirty="0"/>
+              <a:t>アウトライン</a:t>
             </a:r>
             <a:endParaRPr lang="en-US" dirty="0"/>
           </a:p>
@@ -4965,7 +5057,7 @@
           <p:cNvPr id="3" name="Content Placeholder 2">
             <a:extLst>
               <a:ext uri="{FF2B5EF4-FFF2-40B4-BE49-F238E27FC236}">
-                <a16:creationId xmlns:a16="http://schemas.microsoft.com/office/drawing/2014/main" id="{C1CDE55F-1F31-BD41-8A41-27952E4EED34}"/>
+                <a16:creationId xmlns:a16="http://schemas.microsoft.com/office/drawing/2014/main" id="{24779C7E-8343-C346-AF74-51042A369AD4}"/>
               </a:ext>
             </a:extLst>
           </p:cNvPr>
@@ -4976,12 +5068,7 @@
             <p:ph idx="1"/>
           </p:nvPr>
         </p:nvSpPr>
-        <p:spPr>
-          <a:xfrm>
-            <a:off x="298383" y="1578738"/>
-            <a:ext cx="3650983" cy="4664185"/>
-          </a:xfrm>
-        </p:spPr>
+        <p:spPr/>
         <p:txBody>
           <a:bodyPr>
             <a:normAutofit/>
@@ -4990,44 +5077,71 @@
           <a:p>
             <a:r>
               <a:rPr lang="ja-JP" altLang="en-US" dirty="0"/>
-              <a:t>構成要素</a:t>
+              <a:t>背景</a:t>
             </a:r>
             <a:endParaRPr lang="en-US" altLang="ja-JP" dirty="0"/>
           </a:p>
           <a:p>
-            <a:pPr lvl="1"/>
-            <a:r>
-              <a:rPr lang="en-US" dirty="0"/>
-              <a:t>GPU</a:t>
-            </a:r>
-          </a:p>
-          <a:p>
-            <a:pPr lvl="1"/>
             <a:r>
               <a:rPr lang="en-US" altLang="ja-JP" dirty="0"/>
-              <a:t>FPGA</a:t>
-            </a:r>
-          </a:p>
-          <a:p>
-            <a:pPr lvl="1"/>
-            <a:r>
-              <a:rPr lang="ja-JP" altLang="en-US" dirty="0"/>
-              <a:t>メモリ</a:t>
+              <a:t>GoogLeNet</a:t>
+            </a:r>
+          </a:p>
+          <a:p>
+            <a:r>
+              <a:rPr lang="en-US" altLang="ja-JP" dirty="0" err="1">
+                <a:solidFill>
+                  <a:srgbClr val="FF0000"/>
+                </a:solidFill>
+              </a:rPr>
+              <a:t>FiC</a:t>
+            </a:r>
+            <a:r>
+              <a:rPr lang="en-US" altLang="ja-JP" dirty="0">
+                <a:solidFill>
+                  <a:srgbClr val="FF0000"/>
+                </a:solidFill>
+              </a:rPr>
+              <a:t>-SW</a:t>
+            </a:r>
+          </a:p>
+          <a:p>
+            <a:r>
+              <a:rPr lang="ja-JP" altLang="en-US" dirty="0"/>
+              <a:t>関連研究</a:t>
             </a:r>
             <a:endParaRPr lang="en-US" altLang="ja-JP" dirty="0"/>
           </a:p>
           <a:p>
-            <a:pPr lvl="1"/>
-            <a:r>
-              <a:rPr lang="ja-JP" altLang="en-US" dirty="0"/>
-              <a:t>光通信による高速インターコネクト</a:t>
+            <a:r>
+              <a:rPr lang="en-US" altLang="ja-JP" dirty="0"/>
+              <a:t>GoogLeNet</a:t>
+            </a:r>
+            <a:r>
+              <a:rPr lang="ja-JP" altLang="en-US" dirty="0"/>
+              <a:t>並列化検討</a:t>
             </a:r>
             <a:endParaRPr lang="en-US" altLang="ja-JP" dirty="0"/>
           </a:p>
           <a:p>
-            <a:pPr marL="457200" lvl="1" indent="0">
-              <a:buNone/>
-            </a:pPr>
+            <a:r>
+              <a:rPr lang="ja-JP" altLang="en-US" dirty="0"/>
+              <a:t>実装</a:t>
+            </a:r>
+            <a:endParaRPr lang="en-US" altLang="ja-JP" dirty="0"/>
+          </a:p>
+          <a:p>
+            <a:r>
+              <a:rPr lang="ja-JP" altLang="en-US" dirty="0"/>
+              <a:t>評価</a:t>
+            </a:r>
+            <a:endParaRPr lang="en-US" altLang="ja-JP" dirty="0"/>
+          </a:p>
+          <a:p>
+            <a:r>
+              <a:rPr lang="ja-JP" altLang="en-US" dirty="0"/>
+              <a:t>結論</a:t>
+            </a:r>
             <a:endParaRPr lang="en-US" dirty="0"/>
           </a:p>
         </p:txBody>
@@ -5037,7 +5151,7 @@
           <p:cNvPr id="4" name="Slide Number Placeholder 3">
             <a:extLst>
               <a:ext uri="{FF2B5EF4-FFF2-40B4-BE49-F238E27FC236}">
-                <a16:creationId xmlns:a16="http://schemas.microsoft.com/office/drawing/2014/main" id="{01978C6F-5CAF-AB46-A9CA-0A889032697F}"/>
+                <a16:creationId xmlns:a16="http://schemas.microsoft.com/office/drawing/2014/main" id="{91F23C09-84CF-5D49-924E-1F5C9B17F198}"/>
               </a:ext>
             </a:extLst>
           </p:cNvPr>
@@ -5061,46 +5175,10 @@
           </a:p>
         </p:txBody>
       </p:sp>
-      <p:pic>
-        <p:nvPicPr>
-          <p:cNvPr id="15" name="Picture 14">
-            <a:extLst>
-              <a:ext uri="{FF2B5EF4-FFF2-40B4-BE49-F238E27FC236}">
-                <a16:creationId xmlns:a16="http://schemas.microsoft.com/office/drawing/2014/main" id="{297071FD-607F-D846-BA58-F881C8FCE475}"/>
-              </a:ext>
-            </a:extLst>
-          </p:cNvPr>
-          <p:cNvPicPr>
-            <a:picLocks noChangeAspect="1"/>
-          </p:cNvPicPr>
-          <p:nvPr/>
-        </p:nvPicPr>
-        <p:blipFill>
-          <a:blip r:embed="rId2">
-            <a:extLst>
-              <a:ext uri="{28A0092B-C50C-407E-A947-70E740481C1C}">
-                <a14:useLocalDpi xmlns:a14="http://schemas.microsoft.com/office/drawing/2010/main" val="0"/>
-              </a:ext>
-            </a:extLst>
-          </a:blip>
-          <a:stretch>
-            <a:fillRect/>
-          </a:stretch>
-        </p:blipFill>
-        <p:spPr>
-          <a:xfrm>
-            <a:off x="3949366" y="1578738"/>
-            <a:ext cx="4857750" cy="4315908"/>
-          </a:xfrm>
-          <a:prstGeom prst="rect">
-            <a:avLst/>
-          </a:prstGeom>
-        </p:spPr>
-      </p:pic>
     </p:spTree>
     <p:extLst>
       <p:ext uri="{BB962C8B-B14F-4D97-AF65-F5344CB8AC3E}">
-        <p14:creationId xmlns:p14="http://schemas.microsoft.com/office/powerpoint/2010/main" val="2380956215"/>
+        <p14:creationId xmlns:p14="http://schemas.microsoft.com/office/powerpoint/2010/main" val="1223441264"/>
       </p:ext>
     </p:extLst>
   </p:cSld>
@@ -5132,7 +5210,7 @@
           <p:cNvPr id="2" name="Title 1">
             <a:extLst>
               <a:ext uri="{FF2B5EF4-FFF2-40B4-BE49-F238E27FC236}">
-                <a16:creationId xmlns:a16="http://schemas.microsoft.com/office/drawing/2014/main" id="{59561430-3985-CC41-B54F-862C002FCC8D}"/>
+                <a16:creationId xmlns:a16="http://schemas.microsoft.com/office/drawing/2014/main" id="{55D35CD2-C1AE-6945-8B31-1E78F88BC53B}"/>
               </a:ext>
             </a:extLst>
           </p:cNvPr>
@@ -5149,12 +5227,8 @@
           <a:lstStyle/>
           <a:p>
             <a:r>
-              <a:rPr lang="en-US" altLang="ja-JP" dirty="0" err="1"/>
-              <a:t>FiC</a:t>
-            </a:r>
-            <a:r>
               <a:rPr lang="en-US" altLang="ja-JP" dirty="0"/>
-              <a:t>-SW</a:t>
+              <a:t>Flow-in-Cloud</a:t>
             </a:r>
             <a:endParaRPr lang="en-US" dirty="0"/>
           </a:p>
@@ -5162,10 +5236,10 @@
       </p:sp>
       <p:sp>
         <p:nvSpPr>
-          <p:cNvPr id="6" name="Content Placeholder 5">
+          <p:cNvPr id="3" name="Content Placeholder 2">
             <a:extLst>
               <a:ext uri="{FF2B5EF4-FFF2-40B4-BE49-F238E27FC236}">
-                <a16:creationId xmlns:a16="http://schemas.microsoft.com/office/drawing/2014/main" id="{BDC6777D-8E88-184F-BF35-88604EAA1638}"/>
+                <a16:creationId xmlns:a16="http://schemas.microsoft.com/office/drawing/2014/main" id="{C1CDE55F-1F31-BD41-8A41-27952E4EED34}"/>
               </a:ext>
             </a:extLst>
           </p:cNvPr>
@@ -5176,98 +5250,85 @@
             <p:ph idx="1"/>
           </p:nvPr>
         </p:nvSpPr>
-        <p:spPr/>
-        <p:txBody>
-          <a:bodyPr/>
-          <a:lstStyle/>
-          <a:p>
-            <a:r>
-              <a:rPr lang="en-US" altLang="ja-JP" dirty="0" err="1"/>
-              <a:t>FiC</a:t>
-            </a:r>
-            <a:r>
-              <a:rPr lang="ja-JP" altLang="en-US" dirty="0"/>
-              <a:t>のネットワークスイッチ</a:t>
+        <p:spPr>
+          <a:xfrm>
+            <a:off x="298383" y="1578738"/>
+            <a:ext cx="3650983" cy="4664185"/>
+          </a:xfrm>
+        </p:spPr>
+        <p:txBody>
+          <a:bodyPr>
+            <a:normAutofit/>
+          </a:bodyPr>
+          <a:lstStyle/>
+          <a:p>
+            <a:r>
+              <a:rPr lang="ja-JP" altLang="en-US" dirty="0"/>
+              <a:t>構成要素</a:t>
             </a:r>
             <a:endParaRPr lang="en-US" altLang="ja-JP" dirty="0"/>
           </a:p>
           <a:p>
-            <a:r>
-              <a:rPr lang="ja-JP" altLang="en-US" dirty="0"/>
-              <a:t>構成要素</a:t>
+            <a:pPr lvl="1"/>
+            <a:r>
+              <a:rPr lang="en-US" dirty="0"/>
+              <a:t>GPU</a:t>
+            </a:r>
+          </a:p>
+          <a:p>
+            <a:pPr lvl="1"/>
+            <a:r>
+              <a:rPr lang="en-US" altLang="ja-JP" dirty="0"/>
+              <a:t>FPGA</a:t>
+            </a:r>
+          </a:p>
+          <a:p>
+            <a:pPr lvl="1"/>
+            <a:r>
+              <a:rPr lang="ja-JP" altLang="en-US" dirty="0"/>
+              <a:t>メモリ</a:t>
             </a:r>
             <a:endParaRPr lang="en-US" altLang="ja-JP" dirty="0"/>
           </a:p>
           <a:p>
-            <a:pPr marL="971550" lvl="1" indent="-514350">
-              <a:buFont typeface="+mj-lt"/>
-              <a:buAutoNum type="arabicPeriod"/>
+            <a:pPr lvl="1"/>
+            <a:r>
+              <a:rPr lang="ja-JP" altLang="en-US" dirty="0"/>
+              <a:t>光通信による</a:t>
+            </a:r>
+            <a:endParaRPr lang="en-US" altLang="ja-JP" dirty="0"/>
+          </a:p>
+          <a:p>
+            <a:pPr marL="457200" lvl="1" indent="0">
+              <a:buNone/>
             </a:pPr>
             <a:r>
+              <a:rPr lang="ja-JP" altLang="en-US" dirty="0"/>
+              <a:t>インターコネクト</a:t>
+            </a:r>
+            <a:endParaRPr lang="en-US" altLang="ja-JP" dirty="0"/>
+          </a:p>
+          <a:p>
+            <a:pPr lvl="1"/>
+            <a:r>
               <a:rPr lang="en-US" altLang="ja-JP" dirty="0"/>
-              <a:t>Xilinx </a:t>
-            </a:r>
-            <a:r>
-              <a:rPr lang="en-US" altLang="ja-JP" dirty="0" err="1"/>
-              <a:t>Kintex</a:t>
-            </a:r>
-            <a:r>
-              <a:rPr lang="en-US" altLang="ja-JP" dirty="0"/>
-              <a:t> </a:t>
-            </a:r>
-            <a:r>
-              <a:rPr lang="en-US" altLang="ja-JP" dirty="0" err="1"/>
-              <a:t>UltraScale</a:t>
-            </a:r>
-            <a:endParaRPr lang="en-US" altLang="ja-JP" dirty="0"/>
-          </a:p>
-          <a:p>
-            <a:pPr marL="971550" lvl="1" indent="-514350">
-              <a:buFont typeface="+mj-lt"/>
-              <a:buAutoNum type="arabicPeriod"/>
+              <a:t>9.9Gbps</a:t>
+            </a:r>
+          </a:p>
+          <a:p>
+            <a:pPr marL="457200" lvl="1" indent="0">
+              <a:buNone/>
             </a:pPr>
-            <a:r>
-              <a:rPr lang="ja-JP" altLang="en-US" dirty="0"/>
-              <a:t>高速シリアルリンク</a:t>
-            </a:r>
-            <a:endParaRPr lang="en-US" altLang="ja-JP" dirty="0"/>
-          </a:p>
-          <a:p>
-            <a:pPr marL="971550" lvl="1" indent="-514350">
-              <a:buFont typeface="+mj-lt"/>
-              <a:buAutoNum type="arabicPeriod"/>
-            </a:pPr>
-            <a:r>
-              <a:rPr lang="en-US" altLang="ja-JP" dirty="0"/>
-              <a:t>DRAM 2</a:t>
-            </a:r>
-            <a:r>
-              <a:rPr lang="ja-JP" altLang="en-US" dirty="0"/>
-              <a:t>バンク</a:t>
-            </a:r>
-            <a:endParaRPr lang="en-US" altLang="ja-JP" dirty="0"/>
-          </a:p>
-          <a:p>
-            <a:pPr marL="971550" lvl="1" indent="-514350">
-              <a:buFont typeface="+mj-lt"/>
-              <a:buAutoNum type="arabicPeriod"/>
-            </a:pPr>
-            <a:r>
-              <a:rPr lang="en-US" altLang="ja-JP" dirty="0"/>
-              <a:t>Raspberry Pi3</a:t>
-            </a:r>
-          </a:p>
-          <a:p>
             <a:endParaRPr lang="en-US" dirty="0"/>
           </a:p>
         </p:txBody>
       </p:sp>
       <p:sp>
         <p:nvSpPr>
-          <p:cNvPr id="5" name="Slide Number Placeholder 4">
+          <p:cNvPr id="4" name="Slide Number Placeholder 3">
             <a:extLst>
               <a:ext uri="{FF2B5EF4-FFF2-40B4-BE49-F238E27FC236}">
-                <a16:creationId xmlns:a16="http://schemas.microsoft.com/office/drawing/2014/main" id="{6F97E570-4162-DC42-936D-86D367C9722B}"/>
+                <a16:creationId xmlns:a16="http://schemas.microsoft.com/office/drawing/2014/main" id="{01978C6F-5CAF-AB46-A9CA-0A889032697F}"/>
               </a:ext>
             </a:extLst>
           </p:cNvPr>
@@ -5293,10 +5354,10 @@
       </p:sp>
       <p:pic>
         <p:nvPicPr>
-          <p:cNvPr id="11" name="Picture 10">
+          <p:cNvPr id="15" name="Picture 14">
             <a:extLst>
               <a:ext uri="{FF2B5EF4-FFF2-40B4-BE49-F238E27FC236}">
-                <a16:creationId xmlns:a16="http://schemas.microsoft.com/office/drawing/2014/main" id="{7909104A-0FFC-6D4F-803C-5D8714FB1C8D}"/>
+                <a16:creationId xmlns:a16="http://schemas.microsoft.com/office/drawing/2014/main" id="{297071FD-607F-D846-BA58-F881C8FCE475}"/>
               </a:ext>
             </a:extLst>
           </p:cNvPr>
@@ -5318,9 +5379,9 @@
           </a:stretch>
         </p:blipFill>
         <p:spPr>
-          <a:xfrm rot="5400000">
-            <a:off x="5474774" y="3051804"/>
-            <a:ext cx="2517943" cy="3563208"/>
+          <a:xfrm>
+            <a:off x="3657600" y="1578738"/>
+            <a:ext cx="5149516" cy="4664185"/>
           </a:xfrm>
           <a:prstGeom prst="rect">
             <a:avLst/>
@@ -5330,7 +5391,7 @@
     </p:spTree>
     <p:extLst>
       <p:ext uri="{BB962C8B-B14F-4D97-AF65-F5344CB8AC3E}">
-        <p14:creationId xmlns:p14="http://schemas.microsoft.com/office/powerpoint/2010/main" val="2621803037"/>
+        <p14:creationId xmlns:p14="http://schemas.microsoft.com/office/powerpoint/2010/main" val="2380956215"/>
       </p:ext>
     </p:extLst>
   </p:cSld>
@@ -5362,7 +5423,7 @@
           <p:cNvPr id="2" name="Title 1">
             <a:extLst>
               <a:ext uri="{FF2B5EF4-FFF2-40B4-BE49-F238E27FC236}">
-                <a16:creationId xmlns:a16="http://schemas.microsoft.com/office/drawing/2014/main" id="{39CF3F23-2F48-2645-9777-637A1891861E}"/>
+                <a16:creationId xmlns:a16="http://schemas.microsoft.com/office/drawing/2014/main" id="{59561430-3985-CC41-B54F-862C002FCC8D}"/>
               </a:ext>
             </a:extLst>
           </p:cNvPr>
@@ -5377,50 +5438,6 @@
         <p:txBody>
           <a:bodyPr/>
           <a:lstStyle/>
-          <a:p>
-            <a:r>
-              <a:rPr lang="ja-JP" altLang="en-US" dirty="0"/>
-              <a:t>アウトライン</a:t>
-            </a:r>
-            <a:endParaRPr lang="en-US" dirty="0"/>
-          </a:p>
-        </p:txBody>
-      </p:sp>
-      <p:sp>
-        <p:nvSpPr>
-          <p:cNvPr id="3" name="Content Placeholder 2">
-            <a:extLst>
-              <a:ext uri="{FF2B5EF4-FFF2-40B4-BE49-F238E27FC236}">
-                <a16:creationId xmlns:a16="http://schemas.microsoft.com/office/drawing/2014/main" id="{24779C7E-8343-C346-AF74-51042A369AD4}"/>
-              </a:ext>
-            </a:extLst>
-          </p:cNvPr>
-          <p:cNvSpPr>
-            <a:spLocks noGrp="1"/>
-          </p:cNvSpPr>
-          <p:nvPr>
-            <p:ph idx="1"/>
-          </p:nvPr>
-        </p:nvSpPr>
-        <p:spPr/>
-        <p:txBody>
-          <a:bodyPr>
-            <a:normAutofit/>
-          </a:bodyPr>
-          <a:lstStyle/>
-          <a:p>
-            <a:r>
-              <a:rPr lang="ja-JP" altLang="en-US" dirty="0"/>
-              <a:t>背景</a:t>
-            </a:r>
-            <a:endParaRPr lang="en-US" altLang="ja-JP" dirty="0"/>
-          </a:p>
-          <a:p>
-            <a:r>
-              <a:rPr lang="en-US" altLang="ja-JP" dirty="0"/>
-              <a:t>GoogLeNet</a:t>
-            </a:r>
-          </a:p>
           <a:p>
             <a:r>
               <a:rPr lang="en-US" altLang="ja-JP" dirty="0" err="1"/>
@@ -5430,62 +5447,124 @@
               <a:rPr lang="en-US" altLang="ja-JP" dirty="0"/>
               <a:t>-SW</a:t>
             </a:r>
-          </a:p>
-          <a:p>
-            <a:r>
-              <a:rPr lang="ja-JP" altLang="en-US" dirty="0">
-                <a:solidFill>
-                  <a:srgbClr val="FF0000"/>
-                </a:solidFill>
-              </a:rPr>
-              <a:t>関連研究</a:t>
-            </a:r>
-            <a:endParaRPr lang="en-US" altLang="ja-JP" dirty="0">
-              <a:solidFill>
-                <a:srgbClr val="FF0000"/>
-              </a:solidFill>
-            </a:endParaRPr>
-          </a:p>
-          <a:p>
+            <a:endParaRPr lang="en-US" dirty="0"/>
+          </a:p>
+        </p:txBody>
+      </p:sp>
+      <p:sp>
+        <p:nvSpPr>
+          <p:cNvPr id="6" name="Content Placeholder 5">
+            <a:extLst>
+              <a:ext uri="{FF2B5EF4-FFF2-40B4-BE49-F238E27FC236}">
+                <a16:creationId xmlns:a16="http://schemas.microsoft.com/office/drawing/2014/main" id="{BDC6777D-8E88-184F-BF35-88604EAA1638}"/>
+              </a:ext>
+            </a:extLst>
+          </p:cNvPr>
+          <p:cNvSpPr>
+            <a:spLocks noGrp="1"/>
+          </p:cNvSpPr>
+          <p:nvPr>
+            <p:ph idx="1"/>
+          </p:nvPr>
+        </p:nvSpPr>
+        <p:spPr/>
+        <p:txBody>
+          <a:bodyPr/>
+          <a:lstStyle/>
+          <a:p>
+            <a:r>
+              <a:rPr lang="en-US" altLang="ja-JP" dirty="0" err="1"/>
+              <a:t>FiC</a:t>
+            </a:r>
+            <a:r>
+              <a:rPr lang="ja-JP" altLang="en-US" dirty="0"/>
+              <a:t>のネットワークスイッチ</a:t>
+            </a:r>
+            <a:endParaRPr lang="en-US" altLang="ja-JP" dirty="0"/>
+          </a:p>
+          <a:p>
+            <a:r>
+              <a:rPr lang="ja-JP" altLang="en-US" dirty="0"/>
+              <a:t>構成要素</a:t>
+            </a:r>
+            <a:endParaRPr lang="en-US" altLang="ja-JP" dirty="0"/>
+          </a:p>
+          <a:p>
+            <a:pPr marL="971550" lvl="1" indent="-514350">
+              <a:buFont typeface="+mj-lt"/>
+              <a:buAutoNum type="arabicPeriod"/>
+            </a:pPr>
             <a:r>
               <a:rPr lang="en-US" altLang="ja-JP" dirty="0"/>
-              <a:t>GoogLeNet</a:t>
-            </a:r>
-            <a:r>
-              <a:rPr lang="ja-JP" altLang="en-US" dirty="0"/>
-              <a:t>並列化検討</a:t>
+              <a:t>Xilinx </a:t>
+            </a:r>
+            <a:r>
+              <a:rPr lang="en-US" altLang="ja-JP" dirty="0" err="1"/>
+              <a:t>Kintex</a:t>
+            </a:r>
+            <a:r>
+              <a:rPr lang="en-US" altLang="ja-JP" dirty="0"/>
+              <a:t> </a:t>
+            </a:r>
+            <a:r>
+              <a:rPr lang="en-US" altLang="ja-JP" dirty="0" err="1"/>
+              <a:t>UltraScale</a:t>
             </a:r>
             <a:endParaRPr lang="en-US" altLang="ja-JP" dirty="0"/>
           </a:p>
           <a:p>
-            <a:r>
-              <a:rPr lang="ja-JP" altLang="en-US" dirty="0"/>
-              <a:t>実装</a:t>
+            <a:pPr marL="971550" lvl="1" indent="-514350">
+              <a:buFont typeface="+mj-lt"/>
+              <a:buAutoNum type="arabicPeriod"/>
+            </a:pPr>
+            <a:r>
+              <a:rPr lang="en-US" altLang="ja-JP" dirty="0"/>
+              <a:t>DRAM 2</a:t>
+            </a:r>
+            <a:r>
+              <a:rPr lang="ja-JP" altLang="en-US" dirty="0"/>
+              <a:t>バンク</a:t>
             </a:r>
             <a:endParaRPr lang="en-US" altLang="ja-JP" dirty="0"/>
           </a:p>
           <a:p>
-            <a:r>
-              <a:rPr lang="ja-JP" altLang="en-US" dirty="0"/>
-              <a:t>評価</a:t>
+            <a:pPr marL="971550" lvl="1" indent="-514350">
+              <a:buFont typeface="+mj-lt"/>
+              <a:buAutoNum type="arabicPeriod"/>
+            </a:pPr>
+            <a:r>
+              <a:rPr lang="ja-JP" altLang="en-US" dirty="0"/>
+              <a:t>高速シリアルリンク</a:t>
             </a:r>
             <a:endParaRPr lang="en-US" altLang="ja-JP" dirty="0"/>
           </a:p>
           <a:p>
-            <a:r>
-              <a:rPr lang="ja-JP" altLang="en-US" dirty="0"/>
-              <a:t>結論</a:t>
-            </a:r>
+            <a:pPr marL="971550" lvl="1" indent="-514350">
+              <a:buFont typeface="+mj-lt"/>
+              <a:buAutoNum type="arabicPeriod"/>
+            </a:pPr>
+            <a:r>
+              <a:rPr lang="en-US" altLang="ja-JP" dirty="0"/>
+              <a:t>Raspberry Pi3</a:t>
+            </a:r>
+          </a:p>
+          <a:p>
+            <a:pPr marL="457200" lvl="1" indent="0">
+              <a:buNone/>
+            </a:pPr>
+            <a:endParaRPr lang="en-US" altLang="ja-JP" dirty="0"/>
+          </a:p>
+          <a:p>
             <a:endParaRPr lang="en-US" dirty="0"/>
           </a:p>
         </p:txBody>
       </p:sp>
       <p:sp>
         <p:nvSpPr>
-          <p:cNvPr id="4" name="Slide Number Placeholder 3">
+          <p:cNvPr id="5" name="Slide Number Placeholder 4">
             <a:extLst>
               <a:ext uri="{FF2B5EF4-FFF2-40B4-BE49-F238E27FC236}">
-                <a16:creationId xmlns:a16="http://schemas.microsoft.com/office/drawing/2014/main" id="{91F23C09-84CF-5D49-924E-1F5C9B17F198}"/>
+                <a16:creationId xmlns:a16="http://schemas.microsoft.com/office/drawing/2014/main" id="{6F97E570-4162-DC42-936D-86D367C9722B}"/>
               </a:ext>
             </a:extLst>
           </p:cNvPr>
@@ -5509,10 +5588,46 @@
           </a:p>
         </p:txBody>
       </p:sp>
+      <p:pic>
+        <p:nvPicPr>
+          <p:cNvPr id="11" name="Picture 10">
+            <a:extLst>
+              <a:ext uri="{FF2B5EF4-FFF2-40B4-BE49-F238E27FC236}">
+                <a16:creationId xmlns:a16="http://schemas.microsoft.com/office/drawing/2014/main" id="{7909104A-0FFC-6D4F-803C-5D8714FB1C8D}"/>
+              </a:ext>
+            </a:extLst>
+          </p:cNvPr>
+          <p:cNvPicPr>
+            <a:picLocks noChangeAspect="1"/>
+          </p:cNvPicPr>
+          <p:nvPr/>
+        </p:nvPicPr>
+        <p:blipFill>
+          <a:blip r:embed="rId2">
+            <a:extLst>
+              <a:ext uri="{28A0092B-C50C-407E-A947-70E740481C1C}">
+                <a14:useLocalDpi xmlns:a14="http://schemas.microsoft.com/office/drawing/2010/main" val="0"/>
+              </a:ext>
+            </a:extLst>
+          </a:blip>
+          <a:stretch>
+            <a:fillRect/>
+          </a:stretch>
+        </p:blipFill>
+        <p:spPr>
+          <a:xfrm rot="5400000">
+            <a:off x="5228253" y="2565583"/>
+            <a:ext cx="2963706" cy="4194019"/>
+          </a:xfrm>
+          <a:prstGeom prst="rect">
+            <a:avLst/>
+          </a:prstGeom>
+        </p:spPr>
+      </p:pic>
     </p:spTree>
     <p:extLst>
       <p:ext uri="{BB962C8B-B14F-4D97-AF65-F5344CB8AC3E}">
-        <p14:creationId xmlns:p14="http://schemas.microsoft.com/office/powerpoint/2010/main" val="1287010597"/>
+        <p14:creationId xmlns:p14="http://schemas.microsoft.com/office/powerpoint/2010/main" val="2621803037"/>
       </p:ext>
     </p:extLst>
   </p:cSld>
@@ -5544,7 +5659,7 @@
           <p:cNvPr id="2" name="Title 1">
             <a:extLst>
               <a:ext uri="{FF2B5EF4-FFF2-40B4-BE49-F238E27FC236}">
-                <a16:creationId xmlns:a16="http://schemas.microsoft.com/office/drawing/2014/main" id="{55D35CD2-C1AE-6945-8B31-1E78F88BC53B}"/>
+                <a16:creationId xmlns:a16="http://schemas.microsoft.com/office/drawing/2014/main" id="{39CF3F23-2F48-2645-9777-637A1891861E}"/>
               </a:ext>
             </a:extLst>
           </p:cNvPr>
@@ -5562,7 +5677,7 @@
           <a:p>
             <a:r>
               <a:rPr lang="ja-JP" altLang="en-US" dirty="0"/>
-              <a:t>関連研究</a:t>
+              <a:t>アウトライン</a:t>
             </a:r>
             <a:endParaRPr lang="en-US" dirty="0"/>
           </a:p>
@@ -5573,7 +5688,7 @@
           <p:cNvPr id="3" name="Content Placeholder 2">
             <a:extLst>
               <a:ext uri="{FF2B5EF4-FFF2-40B4-BE49-F238E27FC236}">
-                <a16:creationId xmlns:a16="http://schemas.microsoft.com/office/drawing/2014/main" id="{C1CDE55F-1F31-BD41-8A41-27952E4EED34}"/>
+                <a16:creationId xmlns:a16="http://schemas.microsoft.com/office/drawing/2014/main" id="{24779C7E-8343-C346-AF74-51042A369AD4}"/>
               </a:ext>
             </a:extLst>
           </p:cNvPr>
@@ -5584,12 +5699,7 @@
             <p:ph idx="1"/>
           </p:nvPr>
         </p:nvSpPr>
-        <p:spPr>
-          <a:xfrm>
-            <a:off x="628650" y="1578738"/>
-            <a:ext cx="7886700" cy="2931617"/>
-          </a:xfrm>
-        </p:spPr>
+        <p:spPr/>
         <p:txBody>
           <a:bodyPr>
             <a:normAutofit/>
@@ -5598,71 +5708,73 @@
           <a:p>
             <a:r>
               <a:rPr lang="ja-JP" altLang="en-US" dirty="0"/>
-              <a:t>マルチ</a:t>
-            </a:r>
+              <a:t>背景</a:t>
+            </a:r>
+            <a:endParaRPr lang="en-US" altLang="ja-JP" dirty="0"/>
+          </a:p>
+          <a:p>
             <a:r>
               <a:rPr lang="en-US" altLang="ja-JP" dirty="0"/>
-              <a:t>FPGA</a:t>
-            </a:r>
-            <a:r>
-              <a:rPr lang="ja-JP" altLang="en-US" dirty="0"/>
-              <a:t>システム</a:t>
+              <a:t>GoogLeNet</a:t>
+            </a:r>
+          </a:p>
+          <a:p>
+            <a:r>
+              <a:rPr lang="en-US" altLang="ja-JP" dirty="0" err="1"/>
+              <a:t>FiC</a:t>
+            </a:r>
+            <a:r>
+              <a:rPr lang="en-US" altLang="ja-JP" dirty="0"/>
+              <a:t>-SW</a:t>
+            </a:r>
+          </a:p>
+          <a:p>
+            <a:r>
+              <a:rPr lang="ja-JP" altLang="en-US" dirty="0">
+                <a:solidFill>
+                  <a:srgbClr val="FF0000"/>
+                </a:solidFill>
+              </a:rPr>
+              <a:t>関連研究</a:t>
+            </a:r>
+            <a:endParaRPr lang="en-US" altLang="ja-JP" dirty="0">
+              <a:solidFill>
+                <a:srgbClr val="FF0000"/>
+              </a:solidFill>
+            </a:endParaRPr>
+          </a:p>
+          <a:p>
+            <a:r>
+              <a:rPr lang="en-US" altLang="ja-JP" dirty="0"/>
+              <a:t>GoogLeNet</a:t>
+            </a:r>
+            <a:r>
+              <a:rPr lang="ja-JP" altLang="en-US" dirty="0"/>
+              <a:t>並列化検討</a:t>
             </a:r>
             <a:endParaRPr lang="en-US" altLang="ja-JP" dirty="0"/>
           </a:p>
           <a:p>
-            <a:pPr lvl="1"/>
-            <a:r>
-              <a:rPr lang="en-US" altLang="ja-JP" dirty="0"/>
-              <a:t>Project Catapult[3]</a:t>
+            <a:r>
+              <a:rPr lang="ja-JP" altLang="en-US" dirty="0"/>
+              <a:t>実装</a:t>
+            </a:r>
+            <a:endParaRPr lang="en-US" altLang="ja-JP" dirty="0"/>
+          </a:p>
+          <a:p>
+            <a:r>
+              <a:rPr lang="ja-JP" altLang="en-US" dirty="0"/>
+              <a:t>評価</a:t>
+            </a:r>
+            <a:endParaRPr lang="en-US" altLang="ja-JP" dirty="0"/>
+          </a:p>
+          <a:p>
+            <a:r>
+              <a:rPr lang="ja-JP" altLang="en-US" dirty="0"/>
+              <a:t>結論</a:t>
             </a:r>
             <a:endParaRPr lang="en-US" dirty="0"/>
           </a:p>
-          <a:p>
-            <a:r>
-              <a:rPr lang="en-US" altLang="ja-JP" dirty="0"/>
-              <a:t>FPGACNN</a:t>
-            </a:r>
-            <a:r>
-              <a:rPr lang="ja-JP" altLang="en-US" dirty="0"/>
-              <a:t>アクセラレータ</a:t>
-            </a:r>
-            <a:endParaRPr lang="en-US" altLang="ja-JP" dirty="0"/>
-          </a:p>
-          <a:p>
-            <a:pPr lvl="1"/>
-            <a:r>
-              <a:rPr lang="en-US" altLang="ja-JP" dirty="0" err="1"/>
-              <a:t>Caffe</a:t>
-            </a:r>
-            <a:r>
-              <a:rPr lang="ja-JP" altLang="en-US" dirty="0"/>
-              <a:t>フレームワークの利用</a:t>
-            </a:r>
-            <a:r>
-              <a:rPr lang="en-US" altLang="ja-JP" dirty="0"/>
-              <a:t>[4]</a:t>
-            </a:r>
-          </a:p>
-          <a:p>
-            <a:pPr lvl="1"/>
-            <a:r>
-              <a:rPr lang="ja-JP" altLang="en-US" dirty="0"/>
-              <a:t>マルチ</a:t>
-            </a:r>
-            <a:r>
-              <a:rPr lang="en-US" altLang="ja-JP" dirty="0"/>
-              <a:t>CLP</a:t>
-            </a:r>
-            <a:r>
-              <a:rPr lang="ja-JP" altLang="en-US" dirty="0"/>
-              <a:t>実装</a:t>
-            </a:r>
-            <a:r>
-              <a:rPr lang="en-US" altLang="ja-JP" dirty="0"/>
-              <a:t>[5]</a:t>
-            </a:r>
-          </a:p>
         </p:txBody>
       </p:sp>
       <p:sp>
@@ -5670,7 +5782,7 @@
           <p:cNvPr id="4" name="Slide Number Placeholder 3">
             <a:extLst>
               <a:ext uri="{FF2B5EF4-FFF2-40B4-BE49-F238E27FC236}">
-                <a16:creationId xmlns:a16="http://schemas.microsoft.com/office/drawing/2014/main" id="{9EBF4C85-1B2E-EC4D-99B4-DAD0D326A85A}"/>
+                <a16:creationId xmlns:a16="http://schemas.microsoft.com/office/drawing/2014/main" id="{91F23C09-84CF-5D49-924E-1F5C9B17F198}"/>
               </a:ext>
             </a:extLst>
           </p:cNvPr>
@@ -5694,248 +5806,10 @@
           </a:p>
         </p:txBody>
       </p:sp>
-      <p:sp>
-        <p:nvSpPr>
-          <p:cNvPr id="5" name="TextBox 4">
-            <a:extLst>
-              <a:ext uri="{FF2B5EF4-FFF2-40B4-BE49-F238E27FC236}">
-                <a16:creationId xmlns:a16="http://schemas.microsoft.com/office/drawing/2014/main" id="{32FBFC34-5442-D74D-815F-0046BD01B43C}"/>
-              </a:ext>
-            </a:extLst>
-          </p:cNvPr>
-          <p:cNvSpPr txBox="1"/>
-          <p:nvPr/>
-        </p:nvSpPr>
-        <p:spPr>
-          <a:xfrm>
-            <a:off x="298383" y="4179577"/>
-            <a:ext cx="8508733" cy="2031325"/>
-          </a:xfrm>
-          <a:prstGeom prst="rect">
-            <a:avLst/>
-          </a:prstGeom>
-          <a:noFill/>
-        </p:spPr>
-        <p:txBody>
-          <a:bodyPr wrap="square" rtlCol="0">
-            <a:spAutoFit/>
-          </a:bodyPr>
-          <a:lstStyle/>
-          <a:p>
-            <a:r>
-              <a:rPr lang="en-US" sz="1400" dirty="0">
-                <a:latin typeface="Hiragino Kaku Gothic Pro W3" panose="020B0300000000000000" pitchFamily="34" charset="-128"/>
-                <a:ea typeface="Hiragino Kaku Gothic Pro W3" panose="020B0300000000000000" pitchFamily="34" charset="-128"/>
-              </a:rPr>
-              <a:t>[3] Andrew Putnam. Large-scale reconfigurable computing in a </a:t>
-            </a:r>
-            <a:r>
-              <a:rPr lang="en-US" sz="1400" dirty="0" err="1">
-                <a:latin typeface="Hiragino Kaku Gothic Pro W3" panose="020B0300000000000000" pitchFamily="34" charset="-128"/>
-                <a:ea typeface="Hiragino Kaku Gothic Pro W3" panose="020B0300000000000000" pitchFamily="34" charset="-128"/>
-              </a:rPr>
-              <a:t>microsoft</a:t>
-            </a:r>
-            <a:r>
-              <a:rPr lang="en-US" sz="1400" dirty="0">
-                <a:latin typeface="Hiragino Kaku Gothic Pro W3" panose="020B0300000000000000" pitchFamily="34" charset="-128"/>
-                <a:ea typeface="Hiragino Kaku Gothic Pro W3" panose="020B0300000000000000" pitchFamily="34" charset="-128"/>
-              </a:rPr>
-              <a:t> datacenter. </a:t>
-            </a:r>
-            <a:r>
-              <a:rPr lang="en-US" sz="1400" dirty="0" err="1">
-                <a:latin typeface="Hiragino Kaku Gothic Pro W3" panose="020B0300000000000000" pitchFamily="34" charset="-128"/>
-                <a:ea typeface="Hiragino Kaku Gothic Pro W3" panose="020B0300000000000000" pitchFamily="34" charset="-128"/>
-              </a:rPr>
-              <a:t>In</a:t>
-            </a:r>
-            <a:r>
-              <a:rPr lang="en-US" sz="1400" i="1" dirty="0" err="1">
-                <a:latin typeface="Hiragino Kaku Gothic Pro W3" panose="020B0300000000000000" pitchFamily="34" charset="-128"/>
-                <a:ea typeface="Hiragino Kaku Gothic Pro W3" panose="020B0300000000000000" pitchFamily="34" charset="-128"/>
-              </a:rPr>
-              <a:t>Pro-ceedings</a:t>
-            </a:r>
-            <a:r>
-              <a:rPr lang="en-US" sz="1400" i="1" dirty="0">
-                <a:latin typeface="Hiragino Kaku Gothic Pro W3" panose="020B0300000000000000" pitchFamily="34" charset="-128"/>
-                <a:ea typeface="Hiragino Kaku Gothic Pro W3" panose="020B0300000000000000" pitchFamily="34" charset="-128"/>
-              </a:rPr>
-              <a:t> of the 26th IEEE </a:t>
-            </a:r>
-            <a:r>
-              <a:rPr lang="en-US" sz="1400" i="1" dirty="0" err="1">
-                <a:latin typeface="Hiragino Kaku Gothic Pro W3" panose="020B0300000000000000" pitchFamily="34" charset="-128"/>
-                <a:ea typeface="Hiragino Kaku Gothic Pro W3" panose="020B0300000000000000" pitchFamily="34" charset="-128"/>
-              </a:rPr>
-              <a:t>HotChips</a:t>
-            </a:r>
-            <a:r>
-              <a:rPr lang="en-US" sz="1400" i="1" dirty="0">
-                <a:latin typeface="Hiragino Kaku Gothic Pro W3" panose="020B0300000000000000" pitchFamily="34" charset="-128"/>
-                <a:ea typeface="Hiragino Kaku Gothic Pro W3" panose="020B0300000000000000" pitchFamily="34" charset="-128"/>
-              </a:rPr>
-              <a:t> Symposium on High-Performance Chips (HotChips2014)</a:t>
-            </a:r>
-            <a:r>
-              <a:rPr lang="en-US" sz="1400" dirty="0">
-                <a:latin typeface="Hiragino Kaku Gothic Pro W3" panose="020B0300000000000000" pitchFamily="34" charset="-128"/>
-                <a:ea typeface="Hiragino Kaku Gothic Pro W3" panose="020B0300000000000000" pitchFamily="34" charset="-128"/>
-              </a:rPr>
-              <a:t>. IEEE, August 2014.</a:t>
-            </a:r>
-          </a:p>
-          <a:p>
-            <a:r>
-              <a:rPr lang="en-US" sz="1400" dirty="0">
-                <a:latin typeface="Hiragino Kaku Gothic Pro W3" panose="020B0300000000000000" pitchFamily="34" charset="-128"/>
-                <a:ea typeface="Hiragino Kaku Gothic Pro W3" panose="020B0300000000000000" pitchFamily="34" charset="-128"/>
-              </a:rPr>
-              <a:t>[4] R. </a:t>
-            </a:r>
-            <a:r>
-              <a:rPr lang="en-US" sz="1400" dirty="0" err="1">
-                <a:latin typeface="Hiragino Kaku Gothic Pro W3" panose="020B0300000000000000" pitchFamily="34" charset="-128"/>
-                <a:ea typeface="Hiragino Kaku Gothic Pro W3" panose="020B0300000000000000" pitchFamily="34" charset="-128"/>
-              </a:rPr>
-              <a:t>DiCecco</a:t>
-            </a:r>
-            <a:r>
-              <a:rPr lang="en-US" sz="1400" dirty="0">
-                <a:latin typeface="Hiragino Kaku Gothic Pro W3" panose="020B0300000000000000" pitchFamily="34" charset="-128"/>
-                <a:ea typeface="Hiragino Kaku Gothic Pro W3" panose="020B0300000000000000" pitchFamily="34" charset="-128"/>
-              </a:rPr>
-              <a:t>, G. Lacey, J. </a:t>
-            </a:r>
-            <a:r>
-              <a:rPr lang="en-US" sz="1400" dirty="0" err="1">
-                <a:latin typeface="Hiragino Kaku Gothic Pro W3" panose="020B0300000000000000" pitchFamily="34" charset="-128"/>
-                <a:ea typeface="Hiragino Kaku Gothic Pro W3" panose="020B0300000000000000" pitchFamily="34" charset="-128"/>
-              </a:rPr>
-              <a:t>Vasiljevic</a:t>
-            </a:r>
-            <a:r>
-              <a:rPr lang="en-US" sz="1400" dirty="0">
-                <a:latin typeface="Hiragino Kaku Gothic Pro W3" panose="020B0300000000000000" pitchFamily="34" charset="-128"/>
-                <a:ea typeface="Hiragino Kaku Gothic Pro W3" panose="020B0300000000000000" pitchFamily="34" charset="-128"/>
-              </a:rPr>
-              <a:t>, P. Chow, G. Taylor, and S. </a:t>
-            </a:r>
-            <a:r>
-              <a:rPr lang="en-US" sz="1400" dirty="0" err="1">
-                <a:latin typeface="Hiragino Kaku Gothic Pro W3" panose="020B0300000000000000" pitchFamily="34" charset="-128"/>
-                <a:ea typeface="Hiragino Kaku Gothic Pro W3" panose="020B0300000000000000" pitchFamily="34" charset="-128"/>
-              </a:rPr>
-              <a:t>Areibi</a:t>
-            </a:r>
-            <a:r>
-              <a:rPr lang="en-US" sz="1400" dirty="0">
-                <a:latin typeface="Hiragino Kaku Gothic Pro W3" panose="020B0300000000000000" pitchFamily="34" charset="-128"/>
-                <a:ea typeface="Hiragino Kaku Gothic Pro W3" panose="020B0300000000000000" pitchFamily="34" charset="-128"/>
-              </a:rPr>
-              <a:t>. Caffeinated </a:t>
-            </a:r>
-            <a:r>
-              <a:rPr lang="en-US" sz="1400" dirty="0" err="1">
-                <a:latin typeface="Hiragino Kaku Gothic Pro W3" panose="020B0300000000000000" pitchFamily="34" charset="-128"/>
-                <a:ea typeface="Hiragino Kaku Gothic Pro W3" panose="020B0300000000000000" pitchFamily="34" charset="-128"/>
-              </a:rPr>
-              <a:t>fpgas:Fpga</a:t>
-            </a:r>
-            <a:r>
-              <a:rPr lang="en-US" sz="1400" dirty="0">
-                <a:latin typeface="Hiragino Kaku Gothic Pro W3" panose="020B0300000000000000" pitchFamily="34" charset="-128"/>
-                <a:ea typeface="Hiragino Kaku Gothic Pro W3" panose="020B0300000000000000" pitchFamily="34" charset="-128"/>
-              </a:rPr>
-              <a:t> framework for convolutional neural networks. In</a:t>
-            </a:r>
-            <a:r>
-              <a:rPr lang="en-US" sz="1400" i="1" dirty="0">
-                <a:latin typeface="Hiragino Kaku Gothic Pro W3" panose="020B0300000000000000" pitchFamily="34" charset="-128"/>
-                <a:ea typeface="Hiragino Kaku Gothic Pro W3" panose="020B0300000000000000" pitchFamily="34" charset="-128"/>
-              </a:rPr>
-              <a:t>2016 International Conference </a:t>
-            </a:r>
-            <a:r>
-              <a:rPr lang="en-US" sz="1400" i="1" dirty="0" err="1">
-                <a:latin typeface="Hiragino Kaku Gothic Pro W3" panose="020B0300000000000000" pitchFamily="34" charset="-128"/>
-                <a:ea typeface="Hiragino Kaku Gothic Pro W3" panose="020B0300000000000000" pitchFamily="34" charset="-128"/>
-              </a:rPr>
-              <a:t>onField</a:t>
-            </a:r>
-            <a:r>
-              <a:rPr lang="en-US" sz="1400" i="1" dirty="0">
-                <a:latin typeface="Hiragino Kaku Gothic Pro W3" panose="020B0300000000000000" pitchFamily="34" charset="-128"/>
-                <a:ea typeface="Hiragino Kaku Gothic Pro W3" panose="020B0300000000000000" pitchFamily="34" charset="-128"/>
-              </a:rPr>
-              <a:t>-Programmable Technology (FPT)</a:t>
-            </a:r>
-            <a:r>
-              <a:rPr lang="en-US" sz="1400" dirty="0">
-                <a:latin typeface="Hiragino Kaku Gothic Pro W3" panose="020B0300000000000000" pitchFamily="34" charset="-128"/>
-                <a:ea typeface="Hiragino Kaku Gothic Pro W3" panose="020B0300000000000000" pitchFamily="34" charset="-128"/>
-              </a:rPr>
-              <a:t>, pp. 265–268, Dec 2016.</a:t>
-            </a:r>
-          </a:p>
-          <a:p>
-            <a:r>
-              <a:rPr lang="en-US" sz="1400" dirty="0">
-                <a:latin typeface="Hiragino Kaku Gothic Pro W3" panose="020B0300000000000000" pitchFamily="34" charset="-128"/>
-                <a:ea typeface="Hiragino Kaku Gothic Pro W3" panose="020B0300000000000000" pitchFamily="34" charset="-128"/>
-              </a:rPr>
-              <a:t>[5]YongmingShen,MichaelFerdman,andPeterMilder.Maximizingcnnacceleratorefficiencythrough resource partitioning. </a:t>
-            </a:r>
-            <a:r>
-              <a:rPr lang="en-US" sz="1400" dirty="0" err="1">
-                <a:latin typeface="Hiragino Kaku Gothic Pro W3" panose="020B0300000000000000" pitchFamily="34" charset="-128"/>
-                <a:ea typeface="Hiragino Kaku Gothic Pro W3" panose="020B0300000000000000" pitchFamily="34" charset="-128"/>
-              </a:rPr>
-              <a:t>In</a:t>
-            </a:r>
-            <a:r>
-              <a:rPr lang="en-US" sz="1400" i="1" dirty="0" err="1">
-                <a:latin typeface="Hiragino Kaku Gothic Pro W3" panose="020B0300000000000000" pitchFamily="34" charset="-128"/>
-                <a:ea typeface="Hiragino Kaku Gothic Pro W3" panose="020B0300000000000000" pitchFamily="34" charset="-128"/>
-              </a:rPr>
-              <a:t>Proceedings</a:t>
-            </a:r>
-            <a:r>
-              <a:rPr lang="en-US" sz="1400" i="1" dirty="0">
-                <a:latin typeface="Hiragino Kaku Gothic Pro W3" panose="020B0300000000000000" pitchFamily="34" charset="-128"/>
-                <a:ea typeface="Hiragino Kaku Gothic Pro W3" panose="020B0300000000000000" pitchFamily="34" charset="-128"/>
-              </a:rPr>
-              <a:t> of the 44th Annual International </a:t>
-            </a:r>
-            <a:r>
-              <a:rPr lang="en-US" sz="1400" i="1" dirty="0" err="1">
-                <a:latin typeface="Hiragino Kaku Gothic Pro W3" panose="020B0300000000000000" pitchFamily="34" charset="-128"/>
-                <a:ea typeface="Hiragino Kaku Gothic Pro W3" panose="020B0300000000000000" pitchFamily="34" charset="-128"/>
-              </a:rPr>
-              <a:t>Symposiumon</a:t>
-            </a:r>
-            <a:r>
-              <a:rPr lang="en-US" sz="1400" i="1" dirty="0">
-                <a:latin typeface="Hiragino Kaku Gothic Pro W3" panose="020B0300000000000000" pitchFamily="34" charset="-128"/>
-                <a:ea typeface="Hiragino Kaku Gothic Pro W3" panose="020B0300000000000000" pitchFamily="34" charset="-128"/>
-              </a:rPr>
-              <a:t> Computer Architecture</a:t>
-            </a:r>
-            <a:r>
-              <a:rPr lang="en-US" sz="1400" dirty="0">
-                <a:latin typeface="Hiragino Kaku Gothic Pro W3" panose="020B0300000000000000" pitchFamily="34" charset="-128"/>
-                <a:ea typeface="Hiragino Kaku Gothic Pro W3" panose="020B0300000000000000" pitchFamily="34" charset="-128"/>
-              </a:rPr>
-              <a:t>, ISCA ’17, pp. 535–547, New York, NY, USA, 2017. ACM.</a:t>
-            </a:r>
-          </a:p>
-        </p:txBody>
-      </p:sp>
     </p:spTree>
     <p:extLst>
       <p:ext uri="{BB962C8B-B14F-4D97-AF65-F5344CB8AC3E}">
-        <p14:creationId xmlns:p14="http://schemas.microsoft.com/office/powerpoint/2010/main" val="4284852948"/>
+        <p14:creationId xmlns:p14="http://schemas.microsoft.com/office/powerpoint/2010/main" val="1287010597"/>
       </p:ext>
     </p:extLst>
   </p:cSld>
@@ -5967,7 +5841,7 @@
           <p:cNvPr id="2" name="Title 1">
             <a:extLst>
               <a:ext uri="{FF2B5EF4-FFF2-40B4-BE49-F238E27FC236}">
-                <a16:creationId xmlns:a16="http://schemas.microsoft.com/office/drawing/2014/main" id="{00659823-9A47-5A4F-BCE5-B32B117DA67E}"/>
+                <a16:creationId xmlns:a16="http://schemas.microsoft.com/office/drawing/2014/main" id="{55D35CD2-C1AE-6945-8B31-1E78F88BC53B}"/>
               </a:ext>
             </a:extLst>
           </p:cNvPr>
@@ -5985,7 +5859,7 @@
           <a:p>
             <a:r>
               <a:rPr lang="ja-JP" altLang="en-US" dirty="0"/>
-              <a:t>本研究のコントリビューション</a:t>
+              <a:t>関連研究</a:t>
             </a:r>
             <a:endParaRPr lang="en-US" dirty="0"/>
           </a:p>
@@ -5996,7 +5870,7 @@
           <p:cNvPr id="3" name="Content Placeholder 2">
             <a:extLst>
               <a:ext uri="{FF2B5EF4-FFF2-40B4-BE49-F238E27FC236}">
-                <a16:creationId xmlns:a16="http://schemas.microsoft.com/office/drawing/2014/main" id="{EAB14B89-0154-464B-A50C-51342609A3B7}"/>
+                <a16:creationId xmlns:a16="http://schemas.microsoft.com/office/drawing/2014/main" id="{C1CDE55F-1F31-BD41-8A41-27952E4EED34}"/>
               </a:ext>
             </a:extLst>
           </p:cNvPr>
@@ -6007,9 +5881,16 @@
             <p:ph idx="1"/>
           </p:nvPr>
         </p:nvSpPr>
-        <p:spPr/>
-        <p:txBody>
-          <a:bodyPr/>
+        <p:spPr>
+          <a:xfrm>
+            <a:off x="628650" y="1578738"/>
+            <a:ext cx="7886700" cy="2931617"/>
+          </a:xfrm>
+        </p:spPr>
+        <p:txBody>
+          <a:bodyPr>
+            <a:normAutofit/>
+          </a:bodyPr>
           <a:lstStyle/>
           <a:p>
             <a:r>
@@ -6022,51 +5903,62 @@
             </a:r>
             <a:r>
               <a:rPr lang="ja-JP" altLang="en-US" dirty="0"/>
-              <a:t>による</a:t>
-            </a:r>
+              <a:t>システム</a:t>
+            </a:r>
+            <a:endParaRPr lang="en-US" altLang="ja-JP" dirty="0"/>
+          </a:p>
+          <a:p>
+            <a:pPr lvl="1"/>
             <a:r>
               <a:rPr lang="en-US" altLang="ja-JP" dirty="0"/>
-              <a:t>CNN</a:t>
-            </a:r>
-            <a:r>
-              <a:rPr lang="ja-JP" altLang="en-US" dirty="0"/>
-              <a:t>アクセラレータ</a:t>
-            </a:r>
-            <a:endParaRPr lang="en-US" altLang="ja-JP" dirty="0"/>
-          </a:p>
-          <a:p>
+              <a:t>Project Catapult[3]</a:t>
+            </a:r>
             <a:endParaRPr lang="en-US" dirty="0"/>
           </a:p>
           <a:p>
-            <a:r>
-              <a:rPr lang="en-US" dirty="0"/>
-              <a:t>GoogLeNet</a:t>
-            </a:r>
-            <a:r>
-              <a:rPr lang="ja-JP" altLang="en-US" dirty="0"/>
-              <a:t>の</a:t>
-            </a:r>
             <a:r>
               <a:rPr lang="en-US" altLang="ja-JP" dirty="0"/>
               <a:t>FPGA</a:t>
             </a:r>
             <a:r>
               <a:rPr lang="ja-JP" altLang="en-US" dirty="0"/>
+              <a:t>アクセラレータ</a:t>
+            </a:r>
+            <a:endParaRPr lang="en-US" altLang="ja-JP" dirty="0"/>
+          </a:p>
+          <a:p>
+            <a:pPr lvl="1"/>
+            <a:r>
+              <a:rPr lang="en-US" altLang="ja-JP" dirty="0" err="1"/>
+              <a:t>Caffe</a:t>
+            </a:r>
+            <a:r>
+              <a:rPr lang="ja-JP" altLang="en-US" dirty="0"/>
+              <a:t>フレームワークの利用</a:t>
+            </a:r>
+            <a:r>
+              <a:rPr lang="en-US" altLang="ja-JP" dirty="0"/>
+              <a:t>[4]</a:t>
+            </a:r>
+          </a:p>
+          <a:p>
+            <a:pPr lvl="1"/>
+            <a:r>
+              <a:rPr lang="ja-JP" altLang="en-US" dirty="0"/>
+              <a:t>マルチ</a:t>
+            </a:r>
+            <a:r>
+              <a:rPr lang="en-US" altLang="ja-JP" dirty="0"/>
+              <a:t>CLP</a:t>
+            </a:r>
+            <a:r>
+              <a:rPr lang="ja-JP" altLang="en-US" dirty="0"/>
               <a:t>実装</a:t>
             </a:r>
-            <a:endParaRPr lang="en-US" altLang="ja-JP" dirty="0"/>
-          </a:p>
-          <a:p>
-            <a:pPr lvl="1"/>
             <a:r>
               <a:rPr lang="en-US" altLang="ja-JP" dirty="0"/>
-              <a:t>AlexNet</a:t>
-            </a:r>
-            <a:r>
-              <a:rPr lang="ja-JP" altLang="en-US" dirty="0"/>
-              <a:t>が実装対象となりやすい</a:t>
-            </a:r>
-            <a:endParaRPr lang="en-US" dirty="0"/>
+              <a:t>[5]</a:t>
+            </a:r>
           </a:p>
         </p:txBody>
       </p:sp>
@@ -6075,7 +5967,7 @@
           <p:cNvPr id="4" name="Slide Number Placeholder 3">
             <a:extLst>
               <a:ext uri="{FF2B5EF4-FFF2-40B4-BE49-F238E27FC236}">
-                <a16:creationId xmlns:a16="http://schemas.microsoft.com/office/drawing/2014/main" id="{B4B3AE10-1FC2-DF49-B89E-D58156F98724}"/>
+                <a16:creationId xmlns:a16="http://schemas.microsoft.com/office/drawing/2014/main" id="{9EBF4C85-1B2E-EC4D-99B4-DAD0D326A85A}"/>
               </a:ext>
             </a:extLst>
           </p:cNvPr>
@@ -6095,14 +5987,252 @@
               <a:rPr lang="en-US" smtClean="0"/>
               <a:t>14</a:t>
             </a:fld>
-            <a:endParaRPr lang="en-US" dirty="0"/>
+            <a:endParaRPr lang="en-US"/>
+          </a:p>
+        </p:txBody>
+      </p:sp>
+      <p:sp>
+        <p:nvSpPr>
+          <p:cNvPr id="5" name="TextBox 4">
+            <a:extLst>
+              <a:ext uri="{FF2B5EF4-FFF2-40B4-BE49-F238E27FC236}">
+                <a16:creationId xmlns:a16="http://schemas.microsoft.com/office/drawing/2014/main" id="{32FBFC34-5442-D74D-815F-0046BD01B43C}"/>
+              </a:ext>
+            </a:extLst>
+          </p:cNvPr>
+          <p:cNvSpPr txBox="1"/>
+          <p:nvPr/>
+        </p:nvSpPr>
+        <p:spPr>
+          <a:xfrm>
+            <a:off x="298383" y="4179577"/>
+            <a:ext cx="8508733" cy="2031325"/>
+          </a:xfrm>
+          <a:prstGeom prst="rect">
+            <a:avLst/>
+          </a:prstGeom>
+          <a:noFill/>
+        </p:spPr>
+        <p:txBody>
+          <a:bodyPr wrap="square" rtlCol="0">
+            <a:spAutoFit/>
+          </a:bodyPr>
+          <a:lstStyle/>
+          <a:p>
+            <a:r>
+              <a:rPr lang="en-US" sz="1400" dirty="0">
+                <a:latin typeface="Hiragino Kaku Gothic Pro W3" panose="020B0300000000000000" pitchFamily="34" charset="-128"/>
+                <a:ea typeface="Hiragino Kaku Gothic Pro W3" panose="020B0300000000000000" pitchFamily="34" charset="-128"/>
+              </a:rPr>
+              <a:t>[3] Andrew Putnam. Large-scale reconfigurable computing in a </a:t>
+            </a:r>
+            <a:r>
+              <a:rPr lang="en-US" sz="1400" dirty="0" err="1">
+                <a:latin typeface="Hiragino Kaku Gothic Pro W3" panose="020B0300000000000000" pitchFamily="34" charset="-128"/>
+                <a:ea typeface="Hiragino Kaku Gothic Pro W3" panose="020B0300000000000000" pitchFamily="34" charset="-128"/>
+              </a:rPr>
+              <a:t>microsoft</a:t>
+            </a:r>
+            <a:r>
+              <a:rPr lang="en-US" sz="1400" dirty="0">
+                <a:latin typeface="Hiragino Kaku Gothic Pro W3" panose="020B0300000000000000" pitchFamily="34" charset="-128"/>
+                <a:ea typeface="Hiragino Kaku Gothic Pro W3" panose="020B0300000000000000" pitchFamily="34" charset="-128"/>
+              </a:rPr>
+              <a:t> datacenter. </a:t>
+            </a:r>
+            <a:r>
+              <a:rPr lang="en-US" sz="1400" dirty="0" err="1">
+                <a:latin typeface="Hiragino Kaku Gothic Pro W3" panose="020B0300000000000000" pitchFamily="34" charset="-128"/>
+                <a:ea typeface="Hiragino Kaku Gothic Pro W3" panose="020B0300000000000000" pitchFamily="34" charset="-128"/>
+              </a:rPr>
+              <a:t>In</a:t>
+            </a:r>
+            <a:r>
+              <a:rPr lang="en-US" sz="1400" i="1" dirty="0" err="1">
+                <a:latin typeface="Hiragino Kaku Gothic Pro W3" panose="020B0300000000000000" pitchFamily="34" charset="-128"/>
+                <a:ea typeface="Hiragino Kaku Gothic Pro W3" panose="020B0300000000000000" pitchFamily="34" charset="-128"/>
+              </a:rPr>
+              <a:t>Pro-ceedings</a:t>
+            </a:r>
+            <a:r>
+              <a:rPr lang="en-US" sz="1400" i="1" dirty="0">
+                <a:latin typeface="Hiragino Kaku Gothic Pro W3" panose="020B0300000000000000" pitchFamily="34" charset="-128"/>
+                <a:ea typeface="Hiragino Kaku Gothic Pro W3" panose="020B0300000000000000" pitchFamily="34" charset="-128"/>
+              </a:rPr>
+              <a:t> of the 26th IEEE </a:t>
+            </a:r>
+            <a:r>
+              <a:rPr lang="en-US" sz="1400" i="1" dirty="0" err="1">
+                <a:latin typeface="Hiragino Kaku Gothic Pro W3" panose="020B0300000000000000" pitchFamily="34" charset="-128"/>
+                <a:ea typeface="Hiragino Kaku Gothic Pro W3" panose="020B0300000000000000" pitchFamily="34" charset="-128"/>
+              </a:rPr>
+              <a:t>HotChips</a:t>
+            </a:r>
+            <a:r>
+              <a:rPr lang="en-US" sz="1400" i="1" dirty="0">
+                <a:latin typeface="Hiragino Kaku Gothic Pro W3" panose="020B0300000000000000" pitchFamily="34" charset="-128"/>
+                <a:ea typeface="Hiragino Kaku Gothic Pro W3" panose="020B0300000000000000" pitchFamily="34" charset="-128"/>
+              </a:rPr>
+              <a:t> Symposium on High-Performance Chips (HotChips2014)</a:t>
+            </a:r>
+            <a:r>
+              <a:rPr lang="en-US" sz="1400" dirty="0">
+                <a:latin typeface="Hiragino Kaku Gothic Pro W3" panose="020B0300000000000000" pitchFamily="34" charset="-128"/>
+                <a:ea typeface="Hiragino Kaku Gothic Pro W3" panose="020B0300000000000000" pitchFamily="34" charset="-128"/>
+              </a:rPr>
+              <a:t>. IEEE, August 2014.</a:t>
+            </a:r>
+          </a:p>
+          <a:p>
+            <a:r>
+              <a:rPr lang="en-US" sz="1400" dirty="0">
+                <a:latin typeface="Hiragino Kaku Gothic Pro W3" panose="020B0300000000000000" pitchFamily="34" charset="-128"/>
+                <a:ea typeface="Hiragino Kaku Gothic Pro W3" panose="020B0300000000000000" pitchFamily="34" charset="-128"/>
+              </a:rPr>
+              <a:t>[4] R. </a:t>
+            </a:r>
+            <a:r>
+              <a:rPr lang="en-US" sz="1400" dirty="0" err="1">
+                <a:latin typeface="Hiragino Kaku Gothic Pro W3" panose="020B0300000000000000" pitchFamily="34" charset="-128"/>
+                <a:ea typeface="Hiragino Kaku Gothic Pro W3" panose="020B0300000000000000" pitchFamily="34" charset="-128"/>
+              </a:rPr>
+              <a:t>DiCecco</a:t>
+            </a:r>
+            <a:r>
+              <a:rPr lang="en-US" sz="1400" dirty="0">
+                <a:latin typeface="Hiragino Kaku Gothic Pro W3" panose="020B0300000000000000" pitchFamily="34" charset="-128"/>
+                <a:ea typeface="Hiragino Kaku Gothic Pro W3" panose="020B0300000000000000" pitchFamily="34" charset="-128"/>
+              </a:rPr>
+              <a:t>, G. Lacey, J. </a:t>
+            </a:r>
+            <a:r>
+              <a:rPr lang="en-US" sz="1400" dirty="0" err="1">
+                <a:latin typeface="Hiragino Kaku Gothic Pro W3" panose="020B0300000000000000" pitchFamily="34" charset="-128"/>
+                <a:ea typeface="Hiragino Kaku Gothic Pro W3" panose="020B0300000000000000" pitchFamily="34" charset="-128"/>
+              </a:rPr>
+              <a:t>Vasiljevic</a:t>
+            </a:r>
+            <a:r>
+              <a:rPr lang="en-US" sz="1400" dirty="0">
+                <a:latin typeface="Hiragino Kaku Gothic Pro W3" panose="020B0300000000000000" pitchFamily="34" charset="-128"/>
+                <a:ea typeface="Hiragino Kaku Gothic Pro W3" panose="020B0300000000000000" pitchFamily="34" charset="-128"/>
+              </a:rPr>
+              <a:t>, P. Chow, G. Taylor, and S. </a:t>
+            </a:r>
+            <a:r>
+              <a:rPr lang="en-US" sz="1400" dirty="0" err="1">
+                <a:latin typeface="Hiragino Kaku Gothic Pro W3" panose="020B0300000000000000" pitchFamily="34" charset="-128"/>
+                <a:ea typeface="Hiragino Kaku Gothic Pro W3" panose="020B0300000000000000" pitchFamily="34" charset="-128"/>
+              </a:rPr>
+              <a:t>Areibi</a:t>
+            </a:r>
+            <a:r>
+              <a:rPr lang="en-US" sz="1400" dirty="0">
+                <a:latin typeface="Hiragino Kaku Gothic Pro W3" panose="020B0300000000000000" pitchFamily="34" charset="-128"/>
+                <a:ea typeface="Hiragino Kaku Gothic Pro W3" panose="020B0300000000000000" pitchFamily="34" charset="-128"/>
+              </a:rPr>
+              <a:t>. Caffeinated </a:t>
+            </a:r>
+            <a:r>
+              <a:rPr lang="en-US" sz="1400" dirty="0" err="1">
+                <a:latin typeface="Hiragino Kaku Gothic Pro W3" panose="020B0300000000000000" pitchFamily="34" charset="-128"/>
+                <a:ea typeface="Hiragino Kaku Gothic Pro W3" panose="020B0300000000000000" pitchFamily="34" charset="-128"/>
+              </a:rPr>
+              <a:t>FPGAs:FPGA</a:t>
+            </a:r>
+            <a:r>
+              <a:rPr lang="en-US" sz="1400" dirty="0">
+                <a:latin typeface="Hiragino Kaku Gothic Pro W3" panose="020B0300000000000000" pitchFamily="34" charset="-128"/>
+                <a:ea typeface="Hiragino Kaku Gothic Pro W3" panose="020B0300000000000000" pitchFamily="34" charset="-128"/>
+              </a:rPr>
+              <a:t> framework for convolutional neural networks. In</a:t>
+            </a:r>
+            <a:r>
+              <a:rPr lang="en-US" sz="1400" i="1" dirty="0">
+                <a:latin typeface="Hiragino Kaku Gothic Pro W3" panose="020B0300000000000000" pitchFamily="34" charset="-128"/>
+                <a:ea typeface="Hiragino Kaku Gothic Pro W3" panose="020B0300000000000000" pitchFamily="34" charset="-128"/>
+              </a:rPr>
+              <a:t>2016 International Conference </a:t>
+            </a:r>
+            <a:r>
+              <a:rPr lang="en-US" sz="1400" i="1" dirty="0" err="1">
+                <a:latin typeface="Hiragino Kaku Gothic Pro W3" panose="020B0300000000000000" pitchFamily="34" charset="-128"/>
+                <a:ea typeface="Hiragino Kaku Gothic Pro W3" panose="020B0300000000000000" pitchFamily="34" charset="-128"/>
+              </a:rPr>
+              <a:t>onField</a:t>
+            </a:r>
+            <a:r>
+              <a:rPr lang="en-US" sz="1400" i="1" dirty="0">
+                <a:latin typeface="Hiragino Kaku Gothic Pro W3" panose="020B0300000000000000" pitchFamily="34" charset="-128"/>
+                <a:ea typeface="Hiragino Kaku Gothic Pro W3" panose="020B0300000000000000" pitchFamily="34" charset="-128"/>
+              </a:rPr>
+              <a:t>-Programmable Technology (FPT)</a:t>
+            </a:r>
+            <a:r>
+              <a:rPr lang="en-US" sz="1400" dirty="0">
+                <a:latin typeface="Hiragino Kaku Gothic Pro W3" panose="020B0300000000000000" pitchFamily="34" charset="-128"/>
+                <a:ea typeface="Hiragino Kaku Gothic Pro W3" panose="020B0300000000000000" pitchFamily="34" charset="-128"/>
+              </a:rPr>
+              <a:t>, pp. 265–268, Dec 2016.</a:t>
+            </a:r>
+          </a:p>
+          <a:p>
+            <a:r>
+              <a:rPr lang="en-US" sz="1400" dirty="0">
+                <a:latin typeface="Hiragino Kaku Gothic Pro W3" panose="020B0300000000000000" pitchFamily="34" charset="-128"/>
+                <a:ea typeface="Hiragino Kaku Gothic Pro W3" panose="020B0300000000000000" pitchFamily="34" charset="-128"/>
+              </a:rPr>
+              <a:t>[5]YongmingShen,MichaelFerdman,andPeterMilder.Maximizingcnnacceleratorefficiencythrough resource partitioning. </a:t>
+            </a:r>
+            <a:r>
+              <a:rPr lang="en-US" sz="1400" dirty="0" err="1">
+                <a:latin typeface="Hiragino Kaku Gothic Pro W3" panose="020B0300000000000000" pitchFamily="34" charset="-128"/>
+                <a:ea typeface="Hiragino Kaku Gothic Pro W3" panose="020B0300000000000000" pitchFamily="34" charset="-128"/>
+              </a:rPr>
+              <a:t>In</a:t>
+            </a:r>
+            <a:r>
+              <a:rPr lang="en-US" sz="1400" i="1" dirty="0" err="1">
+                <a:latin typeface="Hiragino Kaku Gothic Pro W3" panose="020B0300000000000000" pitchFamily="34" charset="-128"/>
+                <a:ea typeface="Hiragino Kaku Gothic Pro W3" panose="020B0300000000000000" pitchFamily="34" charset="-128"/>
+              </a:rPr>
+              <a:t>Proceedings</a:t>
+            </a:r>
+            <a:r>
+              <a:rPr lang="en-US" sz="1400" i="1" dirty="0">
+                <a:latin typeface="Hiragino Kaku Gothic Pro W3" panose="020B0300000000000000" pitchFamily="34" charset="-128"/>
+                <a:ea typeface="Hiragino Kaku Gothic Pro W3" panose="020B0300000000000000" pitchFamily="34" charset="-128"/>
+              </a:rPr>
+              <a:t> of the 44th Annual International </a:t>
+            </a:r>
+            <a:r>
+              <a:rPr lang="en-US" sz="1400" i="1" dirty="0" err="1">
+                <a:latin typeface="Hiragino Kaku Gothic Pro W3" panose="020B0300000000000000" pitchFamily="34" charset="-128"/>
+                <a:ea typeface="Hiragino Kaku Gothic Pro W3" panose="020B0300000000000000" pitchFamily="34" charset="-128"/>
+              </a:rPr>
+              <a:t>Symposiumon</a:t>
+            </a:r>
+            <a:r>
+              <a:rPr lang="en-US" sz="1400" i="1" dirty="0">
+                <a:latin typeface="Hiragino Kaku Gothic Pro W3" panose="020B0300000000000000" pitchFamily="34" charset="-128"/>
+                <a:ea typeface="Hiragino Kaku Gothic Pro W3" panose="020B0300000000000000" pitchFamily="34" charset="-128"/>
+              </a:rPr>
+              <a:t> Computer Architecture</a:t>
+            </a:r>
+            <a:r>
+              <a:rPr lang="en-US" sz="1400" dirty="0">
+                <a:latin typeface="Hiragino Kaku Gothic Pro W3" panose="020B0300000000000000" pitchFamily="34" charset="-128"/>
+                <a:ea typeface="Hiragino Kaku Gothic Pro W3" panose="020B0300000000000000" pitchFamily="34" charset="-128"/>
+              </a:rPr>
+              <a:t>, ISCA ’17, pp. 535–547, New York, NY, USA, 2017. ACM.</a:t>
+            </a:r>
           </a:p>
         </p:txBody>
       </p:sp>
     </p:spTree>
     <p:extLst>
       <p:ext uri="{BB962C8B-B14F-4D97-AF65-F5344CB8AC3E}">
-        <p14:creationId xmlns:p14="http://schemas.microsoft.com/office/powerpoint/2010/main" val="1062787650"/>
+        <p14:creationId xmlns:p14="http://schemas.microsoft.com/office/powerpoint/2010/main" val="4284852948"/>
       </p:ext>
     </p:extLst>
   </p:cSld>
@@ -6381,32 +6511,58 @@
             <a:endParaRPr lang="en-US" altLang="ja-JP" dirty="0"/>
           </a:p>
           <a:p>
-            <a:pPr lvl="1">
+            <a:pPr marL="971550" lvl="1" indent="-514350">
+              <a:lnSpc>
+                <a:spcPct val="100000"/>
+              </a:lnSpc>
+              <a:buFont typeface="+mj-lt"/>
+              <a:buAutoNum type="arabicPeriod"/>
+            </a:pPr>
+            <a:r>
+              <a:rPr lang="en-US" altLang="ja-JP" dirty="0"/>
+              <a:t>Inception</a:t>
+            </a:r>
+            <a:r>
+              <a:rPr lang="ja-JP" altLang="en-US" dirty="0"/>
+              <a:t>層の計算スレッド分割</a:t>
+            </a:r>
+            <a:endParaRPr lang="en-US" dirty="0"/>
+          </a:p>
+          <a:p>
+            <a:pPr marL="971550" lvl="1" indent="-514350">
+              <a:lnSpc>
+                <a:spcPct val="100000"/>
+              </a:lnSpc>
+              <a:buFont typeface="+mj-lt"/>
+              <a:buAutoNum type="arabicPeriod"/>
+            </a:pPr>
+            <a:endParaRPr lang="en-US" altLang="ja-JP" dirty="0"/>
+          </a:p>
+          <a:p>
+            <a:pPr marL="971550" lvl="1" indent="-514350">
+              <a:lnSpc>
+                <a:spcPct val="100000"/>
+              </a:lnSpc>
+              <a:buFont typeface="+mj-lt"/>
+              <a:buAutoNum type="arabicPeriod"/>
+            </a:pPr>
+            <a:r>
+              <a:rPr lang="ja-JP" altLang="en-US" dirty="0"/>
+              <a:t>畳み込み演算の並列化</a:t>
+            </a:r>
+            <a:endParaRPr lang="en-US" altLang="ja-JP" dirty="0"/>
+          </a:p>
+          <a:p>
+            <a:pPr lvl="2">
               <a:lnSpc>
                 <a:spcPct val="100000"/>
               </a:lnSpc>
             </a:pPr>
             <a:r>
               <a:rPr lang="ja-JP" altLang="en-US" dirty="0"/>
-              <a:t>畳み込み演算の並列化</a:t>
+              <a:t>出力値による分割</a:t>
             </a:r>
             <a:endParaRPr lang="en-US" altLang="ja-JP" dirty="0"/>
-          </a:p>
-          <a:p>
-            <a:pPr lvl="1">
-              <a:lnSpc>
-                <a:spcPct val="100000"/>
-              </a:lnSpc>
-            </a:pPr>
-            <a:r>
-              <a:rPr lang="en-US" altLang="ja-JP" dirty="0"/>
-              <a:t>Inception</a:t>
-            </a:r>
-            <a:r>
-              <a:rPr lang="ja-JP" altLang="en-US" dirty="0"/>
-              <a:t>層の計算スレッド分割</a:t>
-            </a:r>
-            <a:endParaRPr lang="en-US" dirty="0"/>
           </a:p>
         </p:txBody>
       </p:sp>
@@ -6487,12 +6643,18 @@
         </p:nvSpPr>
         <p:spPr/>
         <p:txBody>
-          <a:bodyPr/>
-          <a:lstStyle/>
-          <a:p>
-            <a:r>
-              <a:rPr lang="ja-JP" altLang="en-US" dirty="0"/>
-              <a:t>畳み込み演算の並列化</a:t>
+          <a:bodyPr>
+            <a:normAutofit/>
+          </a:bodyPr>
+          <a:lstStyle/>
+          <a:p>
+            <a:r>
+              <a:rPr lang="en-US" altLang="ja-JP" dirty="0"/>
+              <a:t>Inception</a:t>
+            </a:r>
+            <a:r>
+              <a:rPr lang="ja-JP" altLang="en-US" dirty="0"/>
+              <a:t>層の計算スレッド分割</a:t>
             </a:r>
             <a:endParaRPr lang="en-US" dirty="0"/>
           </a:p>
@@ -6520,8 +6682,12 @@
           <a:lstStyle/>
           <a:p>
             <a:r>
-              <a:rPr lang="ja-JP" altLang="en-US" dirty="0"/>
-              <a:t>畳み込み演算のデータ並列性</a:t>
+              <a:rPr lang="en-US" altLang="ja-JP" dirty="0"/>
+              <a:t>Inception</a:t>
+            </a:r>
+            <a:r>
+              <a:rPr lang="ja-JP" altLang="en-US" dirty="0"/>
+              <a:t>層の計算スレッドを分割</a:t>
             </a:r>
             <a:endParaRPr lang="en-US" altLang="ja-JP" dirty="0"/>
           </a:p>
@@ -6529,18 +6695,82 @@
             <a:pPr lvl="1"/>
             <a:r>
               <a:rPr lang="ja-JP" altLang="en-US" dirty="0"/>
-              <a:t>出力値分割</a:t>
+              <a:t>メリット</a:t>
+            </a:r>
+            <a:r>
+              <a:rPr lang="en-US" altLang="ja-JP" dirty="0"/>
+              <a:t>:</a:t>
+            </a:r>
+            <a:r>
+              <a:rPr lang="ja-JP" altLang="en-US" dirty="0"/>
+              <a:t>入力値のブロードキャスト</a:t>
             </a:r>
             <a:endParaRPr lang="en-US" altLang="ja-JP" dirty="0"/>
           </a:p>
-        </p:txBody>
-      </p:sp>
+          <a:p>
+            <a:pPr lvl="1"/>
+            <a:r>
+              <a:rPr lang="ja-JP" altLang="en-US" dirty="0"/>
+              <a:t>デメリット</a:t>
+            </a:r>
+            <a:r>
+              <a:rPr lang="en-US" altLang="ja-JP" dirty="0"/>
+              <a:t>:</a:t>
+            </a:r>
+            <a:r>
+              <a:rPr lang="ja-JP" altLang="en-US" dirty="0"/>
+              <a:t>ロードバランスの悪さ</a:t>
+            </a:r>
+            <a:endParaRPr lang="en-US" altLang="ja-JP" dirty="0"/>
+          </a:p>
+          <a:p>
+            <a:pPr lvl="1"/>
+            <a:endParaRPr lang="en-US" altLang="ja-JP" dirty="0"/>
+          </a:p>
+        </p:txBody>
+      </p:sp>
+      <p:pic>
+        <p:nvPicPr>
+          <p:cNvPr id="9" name="Picture 8">
+            <a:extLst>
+              <a:ext uri="{FF2B5EF4-FFF2-40B4-BE49-F238E27FC236}">
+                <a16:creationId xmlns:a16="http://schemas.microsoft.com/office/drawing/2014/main" id="{3A9E3445-07E1-1643-B146-6F4DF996EDE7}"/>
+              </a:ext>
+            </a:extLst>
+          </p:cNvPr>
+          <p:cNvPicPr>
+            <a:picLocks noChangeAspect="1"/>
+          </p:cNvPicPr>
+          <p:nvPr/>
+        </p:nvPicPr>
+        <p:blipFill>
+          <a:blip r:embed="rId2">
+            <a:extLst>
+              <a:ext uri="{28A0092B-C50C-407E-A947-70E740481C1C}">
+                <a14:useLocalDpi xmlns:a14="http://schemas.microsoft.com/office/drawing/2010/main" val="0"/>
+              </a:ext>
+            </a:extLst>
+          </a:blip>
+          <a:stretch>
+            <a:fillRect/>
+          </a:stretch>
+        </p:blipFill>
+        <p:spPr>
+          <a:xfrm>
+            <a:off x="298383" y="2948052"/>
+            <a:ext cx="5889108" cy="3294871"/>
+          </a:xfrm>
+          <a:prstGeom prst="rect">
+            <a:avLst/>
+          </a:prstGeom>
+        </p:spPr>
+      </p:pic>
       <p:sp>
         <p:nvSpPr>
           <p:cNvPr id="4" name="Slide Number Placeholder 3">
             <a:extLst>
               <a:ext uri="{FF2B5EF4-FFF2-40B4-BE49-F238E27FC236}">
-                <a16:creationId xmlns:a16="http://schemas.microsoft.com/office/drawing/2014/main" id="{815AFDB5-B1D3-8740-9A11-7CD378940FE1}"/>
+                <a16:creationId xmlns:a16="http://schemas.microsoft.com/office/drawing/2014/main" id="{82AA30CF-BA27-C045-81D1-D036EEEABC7F}"/>
               </a:ext>
             </a:extLst>
           </p:cNvPr>
@@ -6567,7 +6797,7 @@
     </p:spTree>
     <p:extLst>
       <p:ext uri="{BB962C8B-B14F-4D97-AF65-F5344CB8AC3E}">
-        <p14:creationId xmlns:p14="http://schemas.microsoft.com/office/powerpoint/2010/main" val="3954525887"/>
+        <p14:creationId xmlns:p14="http://schemas.microsoft.com/office/powerpoint/2010/main" val="2357790671"/>
       </p:ext>
     </p:extLst>
   </p:cSld>
@@ -6594,107 +6824,12 @@
           <a:chExt cx="0" cy="0"/>
         </a:xfrm>
       </p:grpSpPr>
-      <p:sp>
-        <p:nvSpPr>
-          <p:cNvPr id="2" name="Title 1">
-            <a:extLst>
-              <a:ext uri="{FF2B5EF4-FFF2-40B4-BE49-F238E27FC236}">
-                <a16:creationId xmlns:a16="http://schemas.microsoft.com/office/drawing/2014/main" id="{55D35CD2-C1AE-6945-8B31-1E78F88BC53B}"/>
-              </a:ext>
-            </a:extLst>
-          </p:cNvPr>
-          <p:cNvSpPr>
-            <a:spLocks noGrp="1"/>
-          </p:cNvSpPr>
-          <p:nvPr>
-            <p:ph type="title"/>
-          </p:nvPr>
-        </p:nvSpPr>
-        <p:spPr/>
-        <p:txBody>
-          <a:bodyPr/>
-          <a:lstStyle/>
-          <a:p>
-            <a:r>
-              <a:rPr lang="ja-JP" altLang="en-US" dirty="0"/>
-              <a:t>畳み込み演算の並列化</a:t>
-            </a:r>
-            <a:endParaRPr lang="en-US" dirty="0"/>
-          </a:p>
-        </p:txBody>
-      </p:sp>
-      <p:sp>
-        <p:nvSpPr>
-          <p:cNvPr id="3" name="Content Placeholder 2">
-            <a:extLst>
-              <a:ext uri="{FF2B5EF4-FFF2-40B4-BE49-F238E27FC236}">
-                <a16:creationId xmlns:a16="http://schemas.microsoft.com/office/drawing/2014/main" id="{C1CDE55F-1F31-BD41-8A41-27952E4EED34}"/>
-              </a:ext>
-            </a:extLst>
-          </p:cNvPr>
-          <p:cNvSpPr>
-            <a:spLocks noGrp="1"/>
-          </p:cNvSpPr>
-          <p:nvPr>
-            <p:ph idx="1"/>
-          </p:nvPr>
-        </p:nvSpPr>
-        <p:spPr/>
-        <p:txBody>
-          <a:bodyPr/>
-          <a:lstStyle/>
-          <a:p>
-            <a:r>
-              <a:rPr lang="ja-JP" altLang="en-US" dirty="0"/>
-              <a:t>畳み込み演算のデータ並列性</a:t>
-            </a:r>
-            <a:endParaRPr lang="en-US" altLang="ja-JP" dirty="0"/>
-          </a:p>
-          <a:p>
-            <a:pPr lvl="1"/>
-            <a:r>
-              <a:rPr lang="ja-JP" altLang="en-US" dirty="0"/>
-              <a:t>出力値分割</a:t>
-            </a:r>
-            <a:endParaRPr lang="en-US" altLang="ja-JP" dirty="0"/>
-          </a:p>
-        </p:txBody>
-      </p:sp>
-      <p:sp>
-        <p:nvSpPr>
-          <p:cNvPr id="4" name="Slide Number Placeholder 3">
-            <a:extLst>
-              <a:ext uri="{FF2B5EF4-FFF2-40B4-BE49-F238E27FC236}">
-                <a16:creationId xmlns:a16="http://schemas.microsoft.com/office/drawing/2014/main" id="{815AFDB5-B1D3-8740-9A11-7CD378940FE1}"/>
-              </a:ext>
-            </a:extLst>
-          </p:cNvPr>
-          <p:cNvSpPr>
-            <a:spLocks noGrp="1"/>
-          </p:cNvSpPr>
-          <p:nvPr>
-            <p:ph type="sldNum" sz="quarter" idx="12"/>
-          </p:nvPr>
-        </p:nvSpPr>
-        <p:spPr/>
-        <p:txBody>
-          <a:bodyPr/>
-          <a:lstStyle/>
-          <a:p>
-            <a:fld id="{AE60790C-7B88-2D40-A70D-E54200C05D47}" type="slidenum">
-              <a:rPr lang="en-US" smtClean="0"/>
-              <a:t>18</a:t>
-            </a:fld>
-            <a:endParaRPr lang="en-US"/>
-          </a:p>
-        </p:txBody>
-      </p:sp>
       <p:pic>
         <p:nvPicPr>
-          <p:cNvPr id="8" name="Picture 7">
+          <p:cNvPr id="6" name="Picture 5">
             <a:extLst>
               <a:ext uri="{FF2B5EF4-FFF2-40B4-BE49-F238E27FC236}">
-                <a16:creationId xmlns:a16="http://schemas.microsoft.com/office/drawing/2014/main" id="{CC64EC43-87A6-5C43-8CB9-5010A39C4C5F}"/>
+                <a16:creationId xmlns:a16="http://schemas.microsoft.com/office/drawing/2014/main" id="{FEED2871-B2F2-F743-91E4-ED140B548A97}"/>
               </a:ext>
             </a:extLst>
           </p:cNvPr>
@@ -6717,14 +6852,101 @@
         </p:blipFill>
         <p:spPr>
           <a:xfrm>
-            <a:off x="3079498" y="2181892"/>
-            <a:ext cx="5727618" cy="4061031"/>
+            <a:off x="985888" y="1582872"/>
+            <a:ext cx="6945330" cy="4660051"/>
           </a:xfrm>
           <a:prstGeom prst="rect">
             <a:avLst/>
           </a:prstGeom>
         </p:spPr>
       </p:pic>
+      <p:sp>
+        <p:nvSpPr>
+          <p:cNvPr id="2" name="Title 1">
+            <a:extLst>
+              <a:ext uri="{FF2B5EF4-FFF2-40B4-BE49-F238E27FC236}">
+                <a16:creationId xmlns:a16="http://schemas.microsoft.com/office/drawing/2014/main" id="{55D35CD2-C1AE-6945-8B31-1E78F88BC53B}"/>
+              </a:ext>
+            </a:extLst>
+          </p:cNvPr>
+          <p:cNvSpPr>
+            <a:spLocks noGrp="1"/>
+          </p:cNvSpPr>
+          <p:nvPr>
+            <p:ph type="title"/>
+          </p:nvPr>
+        </p:nvSpPr>
+        <p:spPr/>
+        <p:txBody>
+          <a:bodyPr/>
+          <a:lstStyle/>
+          <a:p>
+            <a:r>
+              <a:rPr lang="ja-JP" altLang="en-US" dirty="0"/>
+              <a:t>畳み込み演算の並列化</a:t>
+            </a:r>
+            <a:endParaRPr lang="en-US" dirty="0"/>
+          </a:p>
+        </p:txBody>
+      </p:sp>
+      <p:sp>
+        <p:nvSpPr>
+          <p:cNvPr id="3" name="Content Placeholder 2">
+            <a:extLst>
+              <a:ext uri="{FF2B5EF4-FFF2-40B4-BE49-F238E27FC236}">
+                <a16:creationId xmlns:a16="http://schemas.microsoft.com/office/drawing/2014/main" id="{C1CDE55F-1F31-BD41-8A41-27952E4EED34}"/>
+              </a:ext>
+            </a:extLst>
+          </p:cNvPr>
+          <p:cNvSpPr>
+            <a:spLocks noGrp="1"/>
+          </p:cNvSpPr>
+          <p:nvPr>
+            <p:ph idx="1"/>
+          </p:nvPr>
+        </p:nvSpPr>
+        <p:spPr/>
+        <p:txBody>
+          <a:bodyPr/>
+          <a:lstStyle/>
+          <a:p>
+            <a:r>
+              <a:rPr lang="ja-JP" altLang="en-US" dirty="0"/>
+              <a:t>出力値分割</a:t>
+            </a:r>
+            <a:endParaRPr lang="en-US" altLang="ja-JP" dirty="0"/>
+          </a:p>
+        </p:txBody>
+      </p:sp>
+      <p:sp>
+        <p:nvSpPr>
+          <p:cNvPr id="4" name="Slide Number Placeholder 3">
+            <a:extLst>
+              <a:ext uri="{FF2B5EF4-FFF2-40B4-BE49-F238E27FC236}">
+                <a16:creationId xmlns:a16="http://schemas.microsoft.com/office/drawing/2014/main" id="{815AFDB5-B1D3-8740-9A11-7CD378940FE1}"/>
+              </a:ext>
+            </a:extLst>
+          </p:cNvPr>
+          <p:cNvSpPr>
+            <a:spLocks noGrp="1"/>
+          </p:cNvSpPr>
+          <p:nvPr>
+            <p:ph type="sldNum" sz="quarter" idx="12"/>
+          </p:nvPr>
+        </p:nvSpPr>
+        <p:spPr/>
+        <p:txBody>
+          <a:bodyPr/>
+          <a:lstStyle/>
+          <a:p>
+            <a:fld id="{AE60790C-7B88-2D40-A70D-E54200C05D47}" type="slidenum">
+              <a:rPr lang="en-US" smtClean="0"/>
+              <a:t>18</a:t>
+            </a:fld>
+            <a:endParaRPr lang="en-US"/>
+          </a:p>
+        </p:txBody>
+      </p:sp>
     </p:spTree>
     <p:extLst>
       <p:ext uri="{BB962C8B-B14F-4D97-AF65-F5344CB8AC3E}">
@@ -6760,7 +6982,7 @@
           <p:cNvPr id="2" name="Title 1">
             <a:extLst>
               <a:ext uri="{FF2B5EF4-FFF2-40B4-BE49-F238E27FC236}">
-                <a16:creationId xmlns:a16="http://schemas.microsoft.com/office/drawing/2014/main" id="{55D35CD2-C1AE-6945-8B31-1E78F88BC53B}"/>
+                <a16:creationId xmlns:a16="http://schemas.microsoft.com/office/drawing/2014/main" id="{39CF3F23-2F48-2645-9777-637A1891861E}"/>
               </a:ext>
             </a:extLst>
           </p:cNvPr>
@@ -6769,6 +6991,35 @@
           </p:cNvSpPr>
           <p:nvPr>
             <p:ph type="title"/>
+          </p:nvPr>
+        </p:nvSpPr>
+        <p:spPr/>
+        <p:txBody>
+          <a:bodyPr/>
+          <a:lstStyle/>
+          <a:p>
+            <a:r>
+              <a:rPr lang="ja-JP" altLang="en-US" dirty="0"/>
+              <a:t>アウトライン</a:t>
+            </a:r>
+            <a:endParaRPr lang="en-US" dirty="0"/>
+          </a:p>
+        </p:txBody>
+      </p:sp>
+      <p:sp>
+        <p:nvSpPr>
+          <p:cNvPr id="3" name="Content Placeholder 2">
+            <a:extLst>
+              <a:ext uri="{FF2B5EF4-FFF2-40B4-BE49-F238E27FC236}">
+                <a16:creationId xmlns:a16="http://schemas.microsoft.com/office/drawing/2014/main" id="{24779C7E-8343-C346-AF74-51042A369AD4}"/>
+              </a:ext>
+            </a:extLst>
+          </p:cNvPr>
+          <p:cNvSpPr>
+            <a:spLocks noGrp="1"/>
+          </p:cNvSpPr>
+          <p:nvPr>
+            <p:ph idx="1"/>
           </p:nvPr>
         </p:nvSpPr>
         <p:spPr/>
@@ -6779,12 +7030,71 @@
           <a:lstStyle/>
           <a:p>
             <a:r>
+              <a:rPr lang="ja-JP" altLang="en-US" dirty="0"/>
+              <a:t>背景</a:t>
+            </a:r>
+            <a:endParaRPr lang="en-US" altLang="ja-JP" dirty="0"/>
+          </a:p>
+          <a:p>
+            <a:r>
               <a:rPr lang="en-US" altLang="ja-JP" dirty="0"/>
-              <a:t>Inception</a:t>
-            </a:r>
-            <a:r>
-              <a:rPr lang="ja-JP" altLang="en-US" dirty="0"/>
-              <a:t>層の計算スレッド分割</a:t>
+              <a:t>GoogLeNet</a:t>
+            </a:r>
+          </a:p>
+          <a:p>
+            <a:r>
+              <a:rPr lang="en-US" altLang="ja-JP" dirty="0" err="1"/>
+              <a:t>FiC</a:t>
+            </a:r>
+            <a:r>
+              <a:rPr lang="en-US" altLang="ja-JP" dirty="0"/>
+              <a:t>-SW</a:t>
+            </a:r>
+          </a:p>
+          <a:p>
+            <a:r>
+              <a:rPr lang="ja-JP" altLang="en-US" dirty="0"/>
+              <a:t>関連研究</a:t>
+            </a:r>
+            <a:endParaRPr lang="en-US" altLang="ja-JP" dirty="0"/>
+          </a:p>
+          <a:p>
+            <a:r>
+              <a:rPr lang="en-US" altLang="ja-JP" dirty="0"/>
+              <a:t>GoogLeNet</a:t>
+            </a:r>
+            <a:r>
+              <a:rPr lang="ja-JP" altLang="en-US" dirty="0"/>
+              <a:t>並列化検討</a:t>
+            </a:r>
+            <a:endParaRPr lang="en-US" altLang="ja-JP" dirty="0"/>
+          </a:p>
+          <a:p>
+            <a:r>
+              <a:rPr lang="ja-JP" altLang="en-US" dirty="0">
+                <a:solidFill>
+                  <a:srgbClr val="FF0000"/>
+                </a:solidFill>
+              </a:rPr>
+              <a:t>実装</a:t>
+            </a:r>
+            <a:endParaRPr lang="en-US" altLang="ja-JP" dirty="0">
+              <a:solidFill>
+                <a:srgbClr val="FF0000"/>
+              </a:solidFill>
+            </a:endParaRPr>
+          </a:p>
+          <a:p>
+            <a:r>
+              <a:rPr lang="ja-JP" altLang="en-US" dirty="0"/>
+              <a:t>評価</a:t>
+            </a:r>
+            <a:endParaRPr lang="en-US" altLang="ja-JP" dirty="0"/>
+          </a:p>
+          <a:p>
+            <a:r>
+              <a:rPr lang="ja-JP" altLang="en-US" dirty="0"/>
+              <a:t>結論</a:t>
             </a:r>
             <a:endParaRPr lang="en-US" dirty="0"/>
           </a:p>
@@ -6792,115 +7102,10 @@
       </p:sp>
       <p:sp>
         <p:nvSpPr>
-          <p:cNvPr id="3" name="Content Placeholder 2">
+          <p:cNvPr id="4" name="Slide Number Placeholder 3">
             <a:extLst>
               <a:ext uri="{FF2B5EF4-FFF2-40B4-BE49-F238E27FC236}">
-                <a16:creationId xmlns:a16="http://schemas.microsoft.com/office/drawing/2014/main" id="{C1CDE55F-1F31-BD41-8A41-27952E4EED34}"/>
-              </a:ext>
-            </a:extLst>
-          </p:cNvPr>
-          <p:cNvSpPr>
-            <a:spLocks noGrp="1"/>
-          </p:cNvSpPr>
-          <p:nvPr>
-            <p:ph idx="1"/>
-          </p:nvPr>
-        </p:nvSpPr>
-        <p:spPr/>
-        <p:txBody>
-          <a:bodyPr/>
-          <a:lstStyle/>
-          <a:p>
-            <a:r>
-              <a:rPr lang="en-US" altLang="ja-JP" dirty="0"/>
-              <a:t>Inception</a:t>
-            </a:r>
-            <a:r>
-              <a:rPr lang="ja-JP" altLang="en-US" dirty="0"/>
-              <a:t>層の計算スレッドを分割</a:t>
-            </a:r>
-            <a:endParaRPr lang="en-US" altLang="ja-JP" dirty="0"/>
-          </a:p>
-          <a:p>
-            <a:pPr lvl="1"/>
-            <a:r>
-              <a:rPr lang="ja-JP" altLang="en-US" dirty="0"/>
-              <a:t>メリット</a:t>
-            </a:r>
-            <a:r>
-              <a:rPr lang="en-US" altLang="ja-JP" dirty="0"/>
-              <a:t>:</a:t>
-            </a:r>
-            <a:r>
-              <a:rPr lang="ja-JP" altLang="en-US" dirty="0"/>
-              <a:t>入力値のブロードキャスト</a:t>
-            </a:r>
-            <a:endParaRPr lang="en-US" altLang="ja-JP" dirty="0"/>
-          </a:p>
-          <a:p>
-            <a:pPr lvl="1"/>
-            <a:r>
-              <a:rPr lang="ja-JP" altLang="en-US" dirty="0"/>
-              <a:t>デメリット</a:t>
-            </a:r>
-            <a:r>
-              <a:rPr lang="en-US" altLang="ja-JP" dirty="0"/>
-              <a:t>:</a:t>
-            </a:r>
-            <a:r>
-              <a:rPr lang="ja-JP" altLang="en-US" dirty="0"/>
-              <a:t>ロードバランスの悪さ</a:t>
-            </a:r>
-            <a:endParaRPr lang="en-US" altLang="ja-JP" dirty="0"/>
-          </a:p>
-          <a:p>
-            <a:pPr lvl="1"/>
-            <a:endParaRPr lang="en-US" altLang="ja-JP" dirty="0"/>
-          </a:p>
-        </p:txBody>
-      </p:sp>
-      <p:pic>
-        <p:nvPicPr>
-          <p:cNvPr id="9" name="Picture 8">
-            <a:extLst>
-              <a:ext uri="{FF2B5EF4-FFF2-40B4-BE49-F238E27FC236}">
-                <a16:creationId xmlns:a16="http://schemas.microsoft.com/office/drawing/2014/main" id="{3A9E3445-07E1-1643-B146-6F4DF996EDE7}"/>
-              </a:ext>
-            </a:extLst>
-          </p:cNvPr>
-          <p:cNvPicPr>
-            <a:picLocks noChangeAspect="1"/>
-          </p:cNvPicPr>
-          <p:nvPr/>
-        </p:nvPicPr>
-        <p:blipFill>
-          <a:blip r:embed="rId2">
-            <a:extLst>
-              <a:ext uri="{28A0092B-C50C-407E-A947-70E740481C1C}">
-                <a14:useLocalDpi xmlns:a14="http://schemas.microsoft.com/office/drawing/2010/main" val="0"/>
-              </a:ext>
-            </a:extLst>
-          </a:blip>
-          <a:stretch>
-            <a:fillRect/>
-          </a:stretch>
-        </p:blipFill>
-        <p:spPr>
-          <a:xfrm>
-            <a:off x="298383" y="2948052"/>
-            <a:ext cx="5889108" cy="3294871"/>
-          </a:xfrm>
-          <a:prstGeom prst="rect">
-            <a:avLst/>
-          </a:prstGeom>
-        </p:spPr>
-      </p:pic>
-      <p:sp>
-        <p:nvSpPr>
-          <p:cNvPr id="4" name="Slide Number Placeholder 3">
-            <a:extLst>
-              <a:ext uri="{FF2B5EF4-FFF2-40B4-BE49-F238E27FC236}">
-                <a16:creationId xmlns:a16="http://schemas.microsoft.com/office/drawing/2014/main" id="{82AA30CF-BA27-C045-81D1-D036EEEABC7F}"/>
+                <a16:creationId xmlns:a16="http://schemas.microsoft.com/office/drawing/2014/main" id="{91F23C09-84CF-5D49-924E-1F5C9B17F198}"/>
               </a:ext>
             </a:extLst>
           </p:cNvPr>
@@ -6927,7 +7132,7 @@
     </p:spTree>
     <p:extLst>
       <p:ext uri="{BB962C8B-B14F-4D97-AF65-F5344CB8AC3E}">
-        <p14:creationId xmlns:p14="http://schemas.microsoft.com/office/powerpoint/2010/main" val="2357790671"/>
+        <p14:creationId xmlns:p14="http://schemas.microsoft.com/office/powerpoint/2010/main" val="63316670"/>
       </p:ext>
     </p:extLst>
   </p:cSld>
@@ -7133,7 +7338,7 @@
           <p:cNvPr id="2" name="Title 1">
             <a:extLst>
               <a:ext uri="{FF2B5EF4-FFF2-40B4-BE49-F238E27FC236}">
-                <a16:creationId xmlns:a16="http://schemas.microsoft.com/office/drawing/2014/main" id="{39CF3F23-2F48-2645-9777-637A1891861E}"/>
+                <a16:creationId xmlns:a16="http://schemas.microsoft.com/office/drawing/2014/main" id="{55D35CD2-C1AE-6945-8B31-1E78F88BC53B}"/>
               </a:ext>
             </a:extLst>
           </p:cNvPr>
@@ -7151,7 +7356,7 @@
           <a:p>
             <a:r>
               <a:rPr lang="ja-JP" altLang="en-US" dirty="0"/>
-              <a:t>アウトライン</a:t>
+              <a:t>実装</a:t>
             </a:r>
             <a:endParaRPr lang="en-US" dirty="0"/>
           </a:p>
@@ -7162,7 +7367,7 @@
           <p:cNvPr id="3" name="Content Placeholder 2">
             <a:extLst>
               <a:ext uri="{FF2B5EF4-FFF2-40B4-BE49-F238E27FC236}">
-                <a16:creationId xmlns:a16="http://schemas.microsoft.com/office/drawing/2014/main" id="{24779C7E-8343-C346-AF74-51042A369AD4}"/>
+                <a16:creationId xmlns:a16="http://schemas.microsoft.com/office/drawing/2014/main" id="{C1CDE55F-1F31-BD41-8A41-27952E4EED34}"/>
               </a:ext>
             </a:extLst>
           </p:cNvPr>
@@ -7182,72 +7387,106 @@
           <a:p>
             <a:r>
               <a:rPr lang="ja-JP" altLang="en-US" dirty="0"/>
-              <a:t>背景</a:t>
+              <a:t>設計方針</a:t>
             </a:r>
             <a:endParaRPr lang="en-US" altLang="ja-JP" dirty="0"/>
           </a:p>
           <a:p>
+            <a:pPr lvl="1"/>
             <a:r>
               <a:rPr lang="en-US" altLang="ja-JP" dirty="0"/>
+              <a:t>Inception</a:t>
+            </a:r>
+            <a:r>
+              <a:rPr lang="ja-JP" altLang="en-US" dirty="0"/>
+              <a:t>層の実装に集中</a:t>
+            </a:r>
+            <a:endParaRPr lang="en-US" altLang="ja-JP" dirty="0"/>
+          </a:p>
+          <a:p>
+            <a:pPr lvl="2"/>
+            <a:r>
+              <a:rPr lang="en-US" dirty="0"/>
               <a:t>GoogLeNet</a:t>
             </a:r>
-          </a:p>
-          <a:p>
-            <a:r>
-              <a:rPr lang="en-US" altLang="ja-JP" dirty="0" err="1"/>
-              <a:t>FiC</a:t>
+            <a:r>
+              <a:rPr lang="ja-JP" altLang="en-US" dirty="0"/>
+              <a:t>の大部分を占める</a:t>
+            </a:r>
+            <a:endParaRPr lang="en-US" altLang="ja-JP" dirty="0"/>
+          </a:p>
+          <a:p>
+            <a:pPr lvl="1"/>
+            <a:r>
+              <a:rPr lang="ja-JP" altLang="en-US" dirty="0"/>
+              <a:t>各スレッド毎に</a:t>
             </a:r>
             <a:r>
               <a:rPr lang="en-US" altLang="ja-JP" dirty="0"/>
-              <a:t>-SW</a:t>
-            </a:r>
-          </a:p>
-          <a:p>
-            <a:r>
-              <a:rPr lang="ja-JP" altLang="en-US" dirty="0"/>
-              <a:t>関連研究</a:t>
+              <a:t>FPGA</a:t>
+            </a:r>
+            <a:r>
+              <a:rPr lang="ja-JP" altLang="en-US" dirty="0"/>
+              <a:t>ボードを割り当て</a:t>
             </a:r>
             <a:endParaRPr lang="en-US" altLang="ja-JP" dirty="0"/>
           </a:p>
           <a:p>
-            <a:r>
-              <a:rPr lang="en-US" altLang="ja-JP" dirty="0"/>
-              <a:t>GoogLeNet</a:t>
-            </a:r>
-            <a:r>
-              <a:rPr lang="ja-JP" altLang="en-US" dirty="0"/>
-              <a:t>並列化検討</a:t>
+            <a:pPr lvl="1"/>
+            <a:r>
+              <a:rPr lang="ja-JP" altLang="en-US" dirty="0"/>
+              <a:t>畳み込み演算の出力分割</a:t>
             </a:r>
             <a:endParaRPr lang="en-US" altLang="ja-JP" dirty="0"/>
           </a:p>
           <a:p>
-            <a:r>
-              <a:rPr lang="ja-JP" altLang="en-US" dirty="0">
-                <a:solidFill>
-                  <a:srgbClr val="FF0000"/>
-                </a:solidFill>
-              </a:rPr>
-              <a:t>実装</a:t>
-            </a:r>
-            <a:endParaRPr lang="en-US" altLang="ja-JP" dirty="0">
-              <a:solidFill>
-                <a:srgbClr val="FF0000"/>
-              </a:solidFill>
-            </a:endParaRPr>
-          </a:p>
-          <a:p>
-            <a:r>
-              <a:rPr lang="ja-JP" altLang="en-US" dirty="0"/>
-              <a:t>評価</a:t>
+            <a:endParaRPr lang="en-US" dirty="0"/>
+          </a:p>
+          <a:p>
+            <a:r>
+              <a:rPr lang="ja-JP" altLang="en-US" dirty="0"/>
+              <a:t>実装環境</a:t>
             </a:r>
             <a:endParaRPr lang="en-US" altLang="ja-JP" dirty="0"/>
           </a:p>
           <a:p>
-            <a:r>
-              <a:rPr lang="ja-JP" altLang="en-US" dirty="0"/>
-              <a:t>結論</a:t>
-            </a:r>
-            <a:endParaRPr lang="en-US" dirty="0"/>
+            <a:pPr lvl="1"/>
+            <a:r>
+              <a:rPr lang="en-US" dirty="0" err="1"/>
+              <a:t>Vivado</a:t>
+            </a:r>
+            <a:r>
+              <a:rPr lang="en-US" dirty="0"/>
+              <a:t> HLS(2017.3)</a:t>
+            </a:r>
+            <a:r>
+              <a:rPr lang="ja-JP" altLang="en-US" dirty="0"/>
+              <a:t>による高位合成</a:t>
+            </a:r>
+            <a:endParaRPr lang="en-US" altLang="ja-JP" dirty="0"/>
+          </a:p>
+          <a:p>
+            <a:pPr lvl="1"/>
+            <a:r>
+              <a:rPr lang="en-US" dirty="0"/>
+              <a:t>Xilinx </a:t>
+            </a:r>
+            <a:r>
+              <a:rPr lang="en-US" dirty="0" err="1"/>
+              <a:t>Kintex</a:t>
+            </a:r>
+            <a:r>
+              <a:rPr lang="en-US" dirty="0"/>
+              <a:t> </a:t>
+            </a:r>
+            <a:r>
+              <a:rPr lang="en-US" dirty="0" err="1"/>
+              <a:t>UltraScale</a:t>
+            </a:r>
+            <a:r>
+              <a:rPr lang="en-US" dirty="0"/>
+              <a:t> XCKU095</a:t>
+            </a:r>
           </a:p>
         </p:txBody>
       </p:sp>
@@ -7256,7 +7495,7 @@
           <p:cNvPr id="4" name="Slide Number Placeholder 3">
             <a:extLst>
               <a:ext uri="{FF2B5EF4-FFF2-40B4-BE49-F238E27FC236}">
-                <a16:creationId xmlns:a16="http://schemas.microsoft.com/office/drawing/2014/main" id="{91F23C09-84CF-5D49-924E-1F5C9B17F198}"/>
+                <a16:creationId xmlns:a16="http://schemas.microsoft.com/office/drawing/2014/main" id="{ACA3287C-A53E-EB46-A0B8-005C55D3A696}"/>
               </a:ext>
             </a:extLst>
           </p:cNvPr>
@@ -7283,7 +7522,7 @@
     </p:spTree>
     <p:extLst>
       <p:ext uri="{BB962C8B-B14F-4D97-AF65-F5344CB8AC3E}">
-        <p14:creationId xmlns:p14="http://schemas.microsoft.com/office/powerpoint/2010/main" val="63316670"/>
+        <p14:creationId xmlns:p14="http://schemas.microsoft.com/office/powerpoint/2010/main" val="2600213477"/>
       </p:ext>
     </p:extLst>
   </p:cSld>
@@ -7315,7 +7554,7 @@
           <p:cNvPr id="2" name="Title 1">
             <a:extLst>
               <a:ext uri="{FF2B5EF4-FFF2-40B4-BE49-F238E27FC236}">
-                <a16:creationId xmlns:a16="http://schemas.microsoft.com/office/drawing/2014/main" id="{55D35CD2-C1AE-6945-8B31-1E78F88BC53B}"/>
+                <a16:creationId xmlns:a16="http://schemas.microsoft.com/office/drawing/2014/main" id="{A142D3F5-C5D9-514B-9C1E-7711345FCB25}"/>
               </a:ext>
             </a:extLst>
           </p:cNvPr>
@@ -7333,7 +7572,7 @@
           <a:p>
             <a:r>
               <a:rPr lang="ja-JP" altLang="en-US" dirty="0"/>
-              <a:t>実装</a:t>
+              <a:t>モジュール設計</a:t>
             </a:r>
             <a:endParaRPr lang="en-US" dirty="0"/>
           </a:p>
@@ -7341,138 +7580,10 @@
       </p:sp>
       <p:sp>
         <p:nvSpPr>
-          <p:cNvPr id="3" name="Content Placeholder 2">
+          <p:cNvPr id="4" name="Slide Number Placeholder 3">
             <a:extLst>
               <a:ext uri="{FF2B5EF4-FFF2-40B4-BE49-F238E27FC236}">
-                <a16:creationId xmlns:a16="http://schemas.microsoft.com/office/drawing/2014/main" id="{C1CDE55F-1F31-BD41-8A41-27952E4EED34}"/>
-              </a:ext>
-            </a:extLst>
-          </p:cNvPr>
-          <p:cNvSpPr>
-            <a:spLocks noGrp="1"/>
-          </p:cNvSpPr>
-          <p:nvPr>
-            <p:ph idx="1"/>
-          </p:nvPr>
-        </p:nvSpPr>
-        <p:spPr/>
-        <p:txBody>
-          <a:bodyPr>
-            <a:normAutofit/>
-          </a:bodyPr>
-          <a:lstStyle/>
-          <a:p>
-            <a:r>
-              <a:rPr lang="ja-JP" altLang="en-US" dirty="0"/>
-              <a:t>設計方針</a:t>
-            </a:r>
-            <a:endParaRPr lang="en-US" altLang="ja-JP" dirty="0"/>
-          </a:p>
-          <a:p>
-            <a:pPr lvl="1"/>
-            <a:r>
-              <a:rPr lang="en-US" altLang="ja-JP" dirty="0"/>
-              <a:t>Inception</a:t>
-            </a:r>
-            <a:r>
-              <a:rPr lang="ja-JP" altLang="en-US" dirty="0"/>
-              <a:t>層の実装に集中</a:t>
-            </a:r>
-            <a:endParaRPr lang="en-US" altLang="ja-JP" dirty="0"/>
-          </a:p>
-          <a:p>
-            <a:pPr lvl="2"/>
-            <a:r>
-              <a:rPr lang="en-US" dirty="0"/>
-              <a:t>GoogLeNet</a:t>
-            </a:r>
-            <a:r>
-              <a:rPr lang="ja-JP" altLang="en-US" dirty="0"/>
-              <a:t>の大部分を占める</a:t>
-            </a:r>
-            <a:endParaRPr lang="en-US" altLang="ja-JP" dirty="0"/>
-          </a:p>
-          <a:p>
-            <a:pPr lvl="1"/>
-            <a:r>
-              <a:rPr lang="ja-JP" altLang="en-US" dirty="0"/>
-              <a:t>各スレッド毎に</a:t>
-            </a:r>
-            <a:r>
-              <a:rPr lang="en-US" altLang="ja-JP" dirty="0"/>
-              <a:t>FPGA</a:t>
-            </a:r>
-            <a:r>
-              <a:rPr lang="ja-JP" altLang="en-US" dirty="0"/>
-              <a:t>ボードを割り当て</a:t>
-            </a:r>
-            <a:endParaRPr lang="en-US" altLang="ja-JP" dirty="0"/>
-          </a:p>
-          <a:p>
-            <a:pPr lvl="1"/>
-            <a:r>
-              <a:rPr lang="ja-JP" altLang="en-US" dirty="0"/>
-              <a:t>畳み込み演算の出力分割</a:t>
-            </a:r>
-            <a:endParaRPr lang="en-US" altLang="ja-JP" dirty="0"/>
-          </a:p>
-          <a:p>
-            <a:endParaRPr lang="en-US" dirty="0"/>
-          </a:p>
-          <a:p>
-            <a:r>
-              <a:rPr lang="ja-JP" altLang="en-US" dirty="0"/>
-              <a:t>実装環境</a:t>
-            </a:r>
-            <a:endParaRPr lang="en-US" altLang="ja-JP" dirty="0"/>
-          </a:p>
-          <a:p>
-            <a:pPr lvl="1"/>
-            <a:r>
-              <a:rPr lang="en-US" dirty="0" err="1"/>
-              <a:t>Vivado</a:t>
-            </a:r>
-            <a:r>
-              <a:rPr lang="en-US" dirty="0"/>
-              <a:t> HLS(2017.3)</a:t>
-            </a:r>
-            <a:r>
-              <a:rPr lang="ja-JP" altLang="en-US" dirty="0"/>
-              <a:t>による高位合成</a:t>
-            </a:r>
-            <a:endParaRPr lang="en-US" altLang="ja-JP" dirty="0"/>
-          </a:p>
-          <a:p>
-            <a:pPr lvl="1"/>
-            <a:r>
-              <a:rPr lang="en-US" dirty="0"/>
-              <a:t>Xilinx </a:t>
-            </a:r>
-            <a:r>
-              <a:rPr lang="en-US" dirty="0" err="1"/>
-              <a:t>Kintex</a:t>
-            </a:r>
-            <a:r>
-              <a:rPr lang="en-US" dirty="0"/>
-              <a:t> </a:t>
-            </a:r>
-            <a:r>
-              <a:rPr lang="en-US" dirty="0" err="1"/>
-              <a:t>UltraScale</a:t>
-            </a:r>
-            <a:r>
-              <a:rPr lang="en-US" dirty="0"/>
-              <a:t> XCKU095</a:t>
-            </a:r>
-          </a:p>
-        </p:txBody>
-      </p:sp>
-      <p:sp>
-        <p:nvSpPr>
-          <p:cNvPr id="4" name="Slide Number Placeholder 3">
-            <a:extLst>
-              <a:ext uri="{FF2B5EF4-FFF2-40B4-BE49-F238E27FC236}">
-                <a16:creationId xmlns:a16="http://schemas.microsoft.com/office/drawing/2014/main" id="{ACA3287C-A53E-EB46-A0B8-005C55D3A696}"/>
+                <a16:creationId xmlns:a16="http://schemas.microsoft.com/office/drawing/2014/main" id="{38E05A5F-1F6E-BF4D-B032-AE2DED20D197}"/>
               </a:ext>
             </a:extLst>
           </p:cNvPr>
@@ -7492,14 +7603,49 @@
               <a:rPr lang="en-US" smtClean="0"/>
               <a:t>21</a:t>
             </a:fld>
-            <a:endParaRPr lang="en-US"/>
-          </a:p>
-        </p:txBody>
-      </p:sp>
+            <a:endParaRPr lang="en-US" dirty="0"/>
+          </a:p>
+        </p:txBody>
+      </p:sp>
+      <p:pic>
+        <p:nvPicPr>
+          <p:cNvPr id="14" name="Content Placeholder 13">
+            <a:extLst>
+              <a:ext uri="{FF2B5EF4-FFF2-40B4-BE49-F238E27FC236}">
+                <a16:creationId xmlns:a16="http://schemas.microsoft.com/office/drawing/2014/main" id="{C0280AA4-32F9-DA4D-B6CC-800AECD55B0A}"/>
+              </a:ext>
+            </a:extLst>
+          </p:cNvPr>
+          <p:cNvPicPr>
+            <a:picLocks noGrp="1" noChangeAspect="1"/>
+          </p:cNvPicPr>
+          <p:nvPr>
+            <p:ph idx="1"/>
+          </p:nvPr>
+        </p:nvPicPr>
+        <p:blipFill>
+          <a:blip r:embed="rId2">
+            <a:extLst>
+              <a:ext uri="{28A0092B-C50C-407E-A947-70E740481C1C}">
+                <a14:useLocalDpi xmlns:a14="http://schemas.microsoft.com/office/drawing/2010/main" val="0"/>
+              </a:ext>
+            </a:extLst>
+          </a:blip>
+          <a:stretch>
+            <a:fillRect/>
+          </a:stretch>
+        </p:blipFill>
+        <p:spPr>
+          <a:xfrm>
+            <a:off x="771438" y="1577975"/>
+            <a:ext cx="7563023" cy="4665663"/>
+          </a:xfrm>
+        </p:spPr>
+      </p:pic>
     </p:spTree>
     <p:extLst>
       <p:ext uri="{BB962C8B-B14F-4D97-AF65-F5344CB8AC3E}">
-        <p14:creationId xmlns:p14="http://schemas.microsoft.com/office/powerpoint/2010/main" val="2600213477"/>
+        <p14:creationId xmlns:p14="http://schemas.microsoft.com/office/powerpoint/2010/main" val="4030992361"/>
       </p:ext>
     </p:extLst>
   </p:cSld>
@@ -7811,7 +7957,7 @@
           <p:cNvPr id="2" name="Title 1">
             <a:extLst>
               <a:ext uri="{FF2B5EF4-FFF2-40B4-BE49-F238E27FC236}">
-                <a16:creationId xmlns:a16="http://schemas.microsoft.com/office/drawing/2014/main" id="{39CF3F23-2F48-2645-9777-637A1891861E}"/>
+                <a16:creationId xmlns:a16="http://schemas.microsoft.com/office/drawing/2014/main" id="{3809CDF9-ED2C-1444-A8F9-91EE6FB4501E}"/>
               </a:ext>
             </a:extLst>
           </p:cNvPr>
@@ -7828,8 +7974,12 @@
           <a:lstStyle/>
           <a:p>
             <a:r>
-              <a:rPr lang="ja-JP" altLang="en-US" dirty="0"/>
-              <a:t>アウトライン</a:t>
+              <a:rPr lang="en-US" altLang="ja-JP" dirty="0"/>
+              <a:t>Maxpooling</a:t>
+            </a:r>
+            <a:r>
+              <a:rPr lang="ja-JP" altLang="en-US" dirty="0"/>
+              <a:t>演算モジュール</a:t>
             </a:r>
             <a:endParaRPr lang="en-US" dirty="0"/>
           </a:p>
@@ -7840,7 +7990,7 @@
           <p:cNvPr id="3" name="Content Placeholder 2">
             <a:extLst>
               <a:ext uri="{FF2B5EF4-FFF2-40B4-BE49-F238E27FC236}">
-                <a16:creationId xmlns:a16="http://schemas.microsoft.com/office/drawing/2014/main" id="{24779C7E-8343-C346-AF74-51042A369AD4}"/>
+                <a16:creationId xmlns:a16="http://schemas.microsoft.com/office/drawing/2014/main" id="{40CE876B-F37C-FD45-953B-F7E0835884CE}"/>
               </a:ext>
             </a:extLst>
           </p:cNvPr>
@@ -7851,80 +8001,41 @@
             <p:ph idx="1"/>
           </p:nvPr>
         </p:nvSpPr>
-        <p:spPr/>
-        <p:txBody>
-          <a:bodyPr>
-            <a:normAutofit/>
-          </a:bodyPr>
-          <a:lstStyle/>
-          <a:p>
-            <a:r>
-              <a:rPr lang="ja-JP" altLang="en-US" dirty="0"/>
-              <a:t>背景</a:t>
+        <p:spPr>
+          <a:xfrm>
+            <a:off x="628650" y="1578739"/>
+            <a:ext cx="7886700" cy="3823506"/>
+          </a:xfrm>
+        </p:spPr>
+        <p:txBody>
+          <a:bodyPr/>
+          <a:lstStyle/>
+          <a:p>
+            <a:r>
+              <a:rPr lang="en-US" altLang="ja-JP" dirty="0"/>
+              <a:t>Thread4</a:t>
+            </a:r>
+            <a:r>
+              <a:rPr lang="ja-JP" altLang="en-US" dirty="0"/>
+              <a:t>での演算</a:t>
             </a:r>
             <a:endParaRPr lang="en-US" altLang="ja-JP" dirty="0"/>
           </a:p>
           <a:p>
             <a:r>
-              <a:rPr lang="en-US" altLang="ja-JP" dirty="0"/>
-              <a:t>GoogLeNet</a:t>
-            </a:r>
-          </a:p>
-          <a:p>
-            <a:r>
-              <a:rPr lang="en-US" altLang="ja-JP" dirty="0" err="1"/>
-              <a:t>FiC</a:t>
-            </a:r>
-            <a:r>
-              <a:rPr lang="en-US" altLang="ja-JP" dirty="0"/>
-              <a:t>-SW</a:t>
-            </a:r>
-          </a:p>
-          <a:p>
-            <a:r>
-              <a:rPr lang="ja-JP" altLang="en-US" dirty="0"/>
-              <a:t>関連研究</a:t>
+              <a:rPr lang="ja-JP" altLang="en-US" dirty="0"/>
+              <a:t>カーネルサイズ内の最大値を求める</a:t>
             </a:r>
             <a:endParaRPr lang="en-US" altLang="ja-JP" dirty="0"/>
           </a:p>
           <a:p>
             <a:r>
-              <a:rPr lang="en-US" altLang="ja-JP" dirty="0"/>
-              <a:t>GoogLeNet</a:t>
-            </a:r>
-            <a:r>
-              <a:rPr lang="ja-JP" altLang="en-US" dirty="0"/>
-              <a:t>並列化検討</a:t>
+              <a:rPr lang="ja-JP" altLang="en-US" dirty="0"/>
+              <a:t>トーナメント方式の比較演算器を実装</a:t>
             </a:r>
             <a:endParaRPr lang="en-US" altLang="ja-JP" dirty="0"/>
           </a:p>
           <a:p>
-            <a:r>
-              <a:rPr lang="ja-JP" altLang="en-US" dirty="0"/>
-              <a:t>実装</a:t>
-            </a:r>
-            <a:endParaRPr lang="en-US" altLang="ja-JP" dirty="0"/>
-          </a:p>
-          <a:p>
-            <a:r>
-              <a:rPr lang="ja-JP" altLang="en-US" dirty="0">
-                <a:solidFill>
-                  <a:srgbClr val="FF0000"/>
-                </a:solidFill>
-              </a:rPr>
-              <a:t>評価</a:t>
-            </a:r>
-            <a:endParaRPr lang="en-US" altLang="ja-JP" dirty="0">
-              <a:solidFill>
-                <a:srgbClr val="FF0000"/>
-              </a:solidFill>
-            </a:endParaRPr>
-          </a:p>
-          <a:p>
-            <a:r>
-              <a:rPr lang="ja-JP" altLang="en-US" dirty="0"/>
-              <a:t>結論</a:t>
-            </a:r>
             <a:endParaRPr lang="en-US" dirty="0"/>
           </a:p>
         </p:txBody>
@@ -7934,7 +8045,7 @@
           <p:cNvPr id="4" name="Slide Number Placeholder 3">
             <a:extLst>
               <a:ext uri="{FF2B5EF4-FFF2-40B4-BE49-F238E27FC236}">
-                <a16:creationId xmlns:a16="http://schemas.microsoft.com/office/drawing/2014/main" id="{91F23C09-84CF-5D49-924E-1F5C9B17F198}"/>
+                <a16:creationId xmlns:a16="http://schemas.microsoft.com/office/drawing/2014/main" id="{121FD471-DCB7-EF44-B685-EF328EE9AB53}"/>
               </a:ext>
             </a:extLst>
           </p:cNvPr>
@@ -7961,7 +8072,7 @@
     </p:spTree>
     <p:extLst>
       <p:ext uri="{BB962C8B-B14F-4D97-AF65-F5344CB8AC3E}">
-        <p14:creationId xmlns:p14="http://schemas.microsoft.com/office/powerpoint/2010/main" val="2466273955"/>
+        <p14:creationId xmlns:p14="http://schemas.microsoft.com/office/powerpoint/2010/main" val="1193342922"/>
       </p:ext>
     </p:extLst>
   </p:cSld>
@@ -7993,7 +8104,7 @@
           <p:cNvPr id="2" name="Title 1">
             <a:extLst>
               <a:ext uri="{FF2B5EF4-FFF2-40B4-BE49-F238E27FC236}">
-                <a16:creationId xmlns:a16="http://schemas.microsoft.com/office/drawing/2014/main" id="{55D35CD2-C1AE-6945-8B31-1E78F88BC53B}"/>
+                <a16:creationId xmlns:a16="http://schemas.microsoft.com/office/drawing/2014/main" id="{3809CDF9-ED2C-1444-A8F9-91EE6FB4501E}"/>
               </a:ext>
             </a:extLst>
           </p:cNvPr>
@@ -8010,8 +8121,12 @@
           <a:lstStyle/>
           <a:p>
             <a:r>
-              <a:rPr lang="ja-JP" altLang="en-US" dirty="0"/>
-              <a:t>評価</a:t>
+              <a:rPr lang="en-US" altLang="ja-JP" dirty="0"/>
+              <a:t>Maxpooling</a:t>
+            </a:r>
+            <a:r>
+              <a:rPr lang="ja-JP" altLang="en-US" dirty="0"/>
+              <a:t>演算モジュール</a:t>
             </a:r>
             <a:endParaRPr lang="en-US" dirty="0"/>
           </a:p>
@@ -8019,84 +8134,10 @@
       </p:sp>
       <p:sp>
         <p:nvSpPr>
-          <p:cNvPr id="3" name="Content Placeholder 2">
+          <p:cNvPr id="4" name="Slide Number Placeholder 3">
             <a:extLst>
               <a:ext uri="{FF2B5EF4-FFF2-40B4-BE49-F238E27FC236}">
-                <a16:creationId xmlns:a16="http://schemas.microsoft.com/office/drawing/2014/main" id="{C1CDE55F-1F31-BD41-8A41-27952E4EED34}"/>
-              </a:ext>
-            </a:extLst>
-          </p:cNvPr>
-          <p:cNvSpPr>
-            <a:spLocks noGrp="1"/>
-          </p:cNvSpPr>
-          <p:nvPr>
-            <p:ph idx="1"/>
-          </p:nvPr>
-        </p:nvSpPr>
-        <p:spPr/>
-        <p:txBody>
-          <a:bodyPr/>
-          <a:lstStyle/>
-          <a:p>
-            <a:r>
-              <a:rPr lang="ja-JP" altLang="en-US" dirty="0"/>
-              <a:t>比較対象</a:t>
-            </a:r>
-            <a:endParaRPr lang="en-US" altLang="ja-JP" dirty="0"/>
-          </a:p>
-          <a:p>
-            <a:pPr lvl="1"/>
-            <a:r>
-              <a:rPr lang="en-US" altLang="ja-JP" dirty="0"/>
-              <a:t>Intel(R) Xeon(R) E5-2667 0 @ 2.90GHz </a:t>
-            </a:r>
-          </a:p>
-          <a:p>
-            <a:pPr lvl="1"/>
-            <a:r>
-              <a:rPr lang="en-US" altLang="ja-JP" dirty="0"/>
-              <a:t>Raspberry Pie3</a:t>
-            </a:r>
-          </a:p>
-          <a:p>
-            <a:r>
-              <a:rPr lang="ja-JP" altLang="en-US" dirty="0"/>
-              <a:t>開発環境</a:t>
-            </a:r>
-            <a:endParaRPr lang="en-US" altLang="ja-JP" dirty="0"/>
-          </a:p>
-          <a:p>
-            <a:pPr lvl="1"/>
-            <a:r>
-              <a:rPr lang="en-US" altLang="ja-JP" dirty="0"/>
-              <a:t>g++4.6.3</a:t>
-            </a:r>
-            <a:r>
-              <a:rPr lang="ja-JP" altLang="en-US" dirty="0"/>
-              <a:t>において</a:t>
-            </a:r>
-            <a:r>
-              <a:rPr lang="en-US" altLang="ja-JP" dirty="0"/>
-              <a:t>O3</a:t>
-            </a:r>
-            <a:r>
-              <a:rPr lang="ja-JP" altLang="en-US" dirty="0"/>
-              <a:t>最適化</a:t>
-            </a:r>
-            <a:endParaRPr lang="en-US" altLang="ja-JP" dirty="0"/>
-          </a:p>
-          <a:p>
-            <a:pPr lvl="1"/>
-            <a:endParaRPr lang="en-US" dirty="0"/>
-          </a:p>
-        </p:txBody>
-      </p:sp>
-      <p:sp>
-        <p:nvSpPr>
-          <p:cNvPr id="4" name="Slide Number Placeholder 3">
-            <a:extLst>
-              <a:ext uri="{FF2B5EF4-FFF2-40B4-BE49-F238E27FC236}">
-                <a16:creationId xmlns:a16="http://schemas.microsoft.com/office/drawing/2014/main" id="{BF929231-4E80-F24F-8FF3-264EAD4CE92B}"/>
+                <a16:creationId xmlns:a16="http://schemas.microsoft.com/office/drawing/2014/main" id="{121FD471-DCB7-EF44-B685-EF328EE9AB53}"/>
               </a:ext>
             </a:extLst>
           </p:cNvPr>
@@ -8120,10 +8161,159 @@
           </a:p>
         </p:txBody>
       </p:sp>
+      <p:pic>
+        <p:nvPicPr>
+          <p:cNvPr id="6" name="Content Placeholder 5">
+            <a:extLst>
+              <a:ext uri="{FF2B5EF4-FFF2-40B4-BE49-F238E27FC236}">
+                <a16:creationId xmlns:a16="http://schemas.microsoft.com/office/drawing/2014/main" id="{703BA34C-7BBB-9947-845E-AB5B7B317E04}"/>
+              </a:ext>
+            </a:extLst>
+          </p:cNvPr>
+          <p:cNvPicPr>
+            <a:picLocks noGrp="1" noChangeAspect="1"/>
+          </p:cNvPicPr>
+          <p:nvPr>
+            <p:ph idx="1"/>
+          </p:nvPr>
+        </p:nvPicPr>
+        <p:blipFill>
+          <a:blip r:embed="rId2">
+            <a:extLst>
+              <a:ext uri="{28A0092B-C50C-407E-A947-70E740481C1C}">
+                <a14:useLocalDpi xmlns:a14="http://schemas.microsoft.com/office/drawing/2010/main" val="0"/>
+              </a:ext>
+            </a:extLst>
+          </a:blip>
+          <a:stretch>
+            <a:fillRect/>
+          </a:stretch>
+        </p:blipFill>
+        <p:spPr>
+          <a:xfrm>
+            <a:off x="298383" y="1465241"/>
+            <a:ext cx="7079447" cy="4691431"/>
+          </a:xfrm>
+        </p:spPr>
+      </p:pic>
+      <p:sp>
+        <p:nvSpPr>
+          <p:cNvPr id="7" name="TextBox 6">
+            <a:extLst>
+              <a:ext uri="{FF2B5EF4-FFF2-40B4-BE49-F238E27FC236}">
+                <a16:creationId xmlns:a16="http://schemas.microsoft.com/office/drawing/2014/main" id="{4A329E33-1732-6544-945E-19062C1A4677}"/>
+              </a:ext>
+            </a:extLst>
+          </p:cNvPr>
+          <p:cNvSpPr txBox="1"/>
+          <p:nvPr/>
+        </p:nvSpPr>
+        <p:spPr>
+          <a:xfrm>
+            <a:off x="7304916" y="3240501"/>
+            <a:ext cx="1250663" cy="461665"/>
+          </a:xfrm>
+          <a:prstGeom prst="rect">
+            <a:avLst/>
+          </a:prstGeom>
+          <a:noFill/>
+        </p:spPr>
+        <p:txBody>
+          <a:bodyPr wrap="none" rtlCol="0">
+            <a:spAutoFit/>
+          </a:bodyPr>
+          <a:lstStyle/>
+          <a:p>
+            <a:r>
+              <a:rPr lang="en-US" sz="2400" dirty="0">
+                <a:latin typeface="Hiragino Kaku Gothic Pro W3" panose="020B0300000000000000" pitchFamily="34" charset="-128"/>
+                <a:ea typeface="Hiragino Kaku Gothic Pro W3" panose="020B0300000000000000" pitchFamily="34" charset="-128"/>
+              </a:rPr>
+              <a:t>Output</a:t>
+            </a:r>
+          </a:p>
+        </p:txBody>
+      </p:sp>
+      <p:sp>
+        <p:nvSpPr>
+          <p:cNvPr id="14" name="TextBox 13">
+            <a:extLst>
+              <a:ext uri="{FF2B5EF4-FFF2-40B4-BE49-F238E27FC236}">
+                <a16:creationId xmlns:a16="http://schemas.microsoft.com/office/drawing/2014/main" id="{EE35D34B-ECA9-654C-AF71-4FDE9A675395}"/>
+              </a:ext>
+            </a:extLst>
+          </p:cNvPr>
+          <p:cNvSpPr txBox="1"/>
+          <p:nvPr/>
+        </p:nvSpPr>
+        <p:spPr>
+          <a:xfrm>
+            <a:off x="206225" y="3240502"/>
+            <a:ext cx="2117887" cy="461665"/>
+          </a:xfrm>
+          <a:prstGeom prst="rect">
+            <a:avLst/>
+          </a:prstGeom>
+          <a:noFill/>
+        </p:spPr>
+        <p:txBody>
+          <a:bodyPr wrap="none" rtlCol="0">
+            <a:spAutoFit/>
+          </a:bodyPr>
+          <a:lstStyle/>
+          <a:p>
+            <a:r>
+              <a:rPr lang="en-US" sz="2400" dirty="0">
+                <a:latin typeface="Hiragino Kaku Gothic Pro W3" panose="020B0300000000000000" pitchFamily="34" charset="-128"/>
+                <a:ea typeface="Hiragino Kaku Gothic Pro W3" panose="020B0300000000000000" pitchFamily="34" charset="-128"/>
+              </a:rPr>
+              <a:t>Feature map</a:t>
+            </a:r>
+          </a:p>
+        </p:txBody>
+      </p:sp>
+      <p:sp>
+        <p:nvSpPr>
+          <p:cNvPr id="17" name="TextBox 16">
+            <a:extLst>
+              <a:ext uri="{FF2B5EF4-FFF2-40B4-BE49-F238E27FC236}">
+                <a16:creationId xmlns:a16="http://schemas.microsoft.com/office/drawing/2014/main" id="{709E74E0-0306-1043-9F2B-7FE86E141F9A}"/>
+              </a:ext>
+            </a:extLst>
+          </p:cNvPr>
+          <p:cNvSpPr txBox="1"/>
+          <p:nvPr/>
+        </p:nvSpPr>
+        <p:spPr>
+          <a:xfrm>
+            <a:off x="2324112" y="1660374"/>
+            <a:ext cx="1250663" cy="461665"/>
+          </a:xfrm>
+          <a:prstGeom prst="rect">
+            <a:avLst/>
+          </a:prstGeom>
+          <a:noFill/>
+        </p:spPr>
+        <p:txBody>
+          <a:bodyPr wrap="none" rtlCol="0">
+            <a:spAutoFit/>
+          </a:bodyPr>
+          <a:lstStyle/>
+          <a:p>
+            <a:r>
+              <a:rPr lang="en-US" sz="2400" dirty="0">
+                <a:latin typeface="Hiragino Kaku Gothic Pro W3" panose="020B0300000000000000" pitchFamily="34" charset="-128"/>
+                <a:ea typeface="Hiragino Kaku Gothic Pro W3" panose="020B0300000000000000" pitchFamily="34" charset="-128"/>
+              </a:rPr>
+              <a:t>Output</a:t>
+            </a:r>
+          </a:p>
+        </p:txBody>
+      </p:sp>
     </p:spTree>
     <p:extLst>
       <p:ext uri="{BB962C8B-B14F-4D97-AF65-F5344CB8AC3E}">
-        <p14:creationId xmlns:p14="http://schemas.microsoft.com/office/powerpoint/2010/main" val="1240456588"/>
+        <p14:creationId xmlns:p14="http://schemas.microsoft.com/office/powerpoint/2010/main" val="3079698122"/>
       </p:ext>
     </p:extLst>
   </p:cSld>
@@ -8155,7 +8345,7 @@
           <p:cNvPr id="2" name="Title 1">
             <a:extLst>
               <a:ext uri="{FF2B5EF4-FFF2-40B4-BE49-F238E27FC236}">
-                <a16:creationId xmlns:a16="http://schemas.microsoft.com/office/drawing/2014/main" id="{55D35CD2-C1AE-6945-8B31-1E78F88BC53B}"/>
+                <a16:creationId xmlns:a16="http://schemas.microsoft.com/office/drawing/2014/main" id="{39CF3F23-2F48-2645-9777-637A1891861E}"/>
               </a:ext>
             </a:extLst>
           </p:cNvPr>
@@ -8173,7 +8363,7 @@
           <a:p>
             <a:r>
               <a:rPr lang="ja-JP" altLang="en-US" dirty="0"/>
-              <a:t>ベンチマーク</a:t>
+              <a:t>アウトライン</a:t>
             </a:r>
             <a:endParaRPr lang="en-US" dirty="0"/>
           </a:p>
@@ -8184,7 +8374,7 @@
           <p:cNvPr id="3" name="Content Placeholder 2">
             <a:extLst>
               <a:ext uri="{FF2B5EF4-FFF2-40B4-BE49-F238E27FC236}">
-                <a16:creationId xmlns:a16="http://schemas.microsoft.com/office/drawing/2014/main" id="{C1CDE55F-1F31-BD41-8A41-27952E4EED34}"/>
+                <a16:creationId xmlns:a16="http://schemas.microsoft.com/office/drawing/2014/main" id="{24779C7E-8343-C346-AF74-51042A369AD4}"/>
               </a:ext>
             </a:extLst>
           </p:cNvPr>
@@ -8197,43 +8387,78 @@
         </p:nvSpPr>
         <p:spPr/>
         <p:txBody>
-          <a:bodyPr/>
-          <a:lstStyle/>
+          <a:bodyPr>
+            <a:normAutofit/>
+          </a:bodyPr>
+          <a:lstStyle/>
+          <a:p>
+            <a:r>
+              <a:rPr lang="ja-JP" altLang="en-US" dirty="0"/>
+              <a:t>背景</a:t>
+            </a:r>
+            <a:endParaRPr lang="en-US" altLang="ja-JP" dirty="0"/>
+          </a:p>
           <a:p>
             <a:r>
               <a:rPr lang="en-US" altLang="ja-JP" dirty="0"/>
-              <a:t>Inception(3a)</a:t>
-            </a:r>
-            <a:r>
-              <a:rPr lang="ja-JP" altLang="en-US" dirty="0"/>
-              <a:t>層</a:t>
+              <a:t>GoogLeNet</a:t>
+            </a:r>
+          </a:p>
+          <a:p>
+            <a:r>
+              <a:rPr lang="en-US" altLang="ja-JP" dirty="0" err="1"/>
+              <a:t>FiC</a:t>
+            </a:r>
+            <a:r>
+              <a:rPr lang="en-US" altLang="ja-JP" dirty="0"/>
+              <a:t>-SW</a:t>
+            </a:r>
+          </a:p>
+          <a:p>
+            <a:r>
+              <a:rPr lang="ja-JP" altLang="en-US" dirty="0"/>
+              <a:t>関連研究</a:t>
             </a:r>
             <a:endParaRPr lang="en-US" altLang="ja-JP" dirty="0"/>
           </a:p>
           <a:p>
-            <a:pPr lvl="1"/>
-            <a:r>
-              <a:rPr lang="ja-JP" altLang="en-US" sz="2400" dirty="0"/>
-              <a:t>入力サイズ</a:t>
-            </a:r>
-            <a:r>
-              <a:rPr lang="en-US" altLang="ja-JP" sz="2400" dirty="0"/>
-              <a:t>: 192*28*28</a:t>
-            </a:r>
-          </a:p>
-          <a:p>
-            <a:pPr lvl="1"/>
-            <a:r>
-              <a:rPr lang="ja-JP" altLang="en-US" sz="2400" dirty="0"/>
-              <a:t>出力サイズ</a:t>
-            </a:r>
-            <a:r>
-              <a:rPr lang="en-US" altLang="ja-JP" sz="2400" dirty="0"/>
-              <a:t>: 256*28*28</a:t>
-            </a:r>
-          </a:p>
-          <a:p>
-            <a:pPr lvl="1"/>
+            <a:r>
+              <a:rPr lang="en-US" altLang="ja-JP" dirty="0"/>
+              <a:t>GoogLeNet</a:t>
+            </a:r>
+            <a:r>
+              <a:rPr lang="ja-JP" altLang="en-US" dirty="0"/>
+              <a:t>並列化検討</a:t>
+            </a:r>
+            <a:endParaRPr lang="en-US" altLang="ja-JP" dirty="0"/>
+          </a:p>
+          <a:p>
+            <a:r>
+              <a:rPr lang="ja-JP" altLang="en-US" dirty="0"/>
+              <a:t>実装</a:t>
+            </a:r>
+            <a:endParaRPr lang="en-US" altLang="ja-JP" dirty="0"/>
+          </a:p>
+          <a:p>
+            <a:r>
+              <a:rPr lang="ja-JP" altLang="en-US" dirty="0">
+                <a:solidFill>
+                  <a:srgbClr val="FF0000"/>
+                </a:solidFill>
+              </a:rPr>
+              <a:t>評価</a:t>
+            </a:r>
+            <a:endParaRPr lang="en-US" altLang="ja-JP" dirty="0">
+              <a:solidFill>
+                <a:srgbClr val="FF0000"/>
+              </a:solidFill>
+            </a:endParaRPr>
+          </a:p>
+          <a:p>
+            <a:r>
+              <a:rPr lang="ja-JP" altLang="en-US" dirty="0"/>
+              <a:t>結論</a:t>
+            </a:r>
             <a:endParaRPr lang="en-US" dirty="0"/>
           </a:p>
         </p:txBody>
@@ -8243,7 +8468,7 @@
           <p:cNvPr id="4" name="Slide Number Placeholder 3">
             <a:extLst>
               <a:ext uri="{FF2B5EF4-FFF2-40B4-BE49-F238E27FC236}">
-                <a16:creationId xmlns:a16="http://schemas.microsoft.com/office/drawing/2014/main" id="{D615A9F5-BEC8-C049-9C42-91A11D3BDD81}"/>
+                <a16:creationId xmlns:a16="http://schemas.microsoft.com/office/drawing/2014/main" id="{91F23C09-84CF-5D49-924E-1F5C9B17F198}"/>
               </a:ext>
             </a:extLst>
           </p:cNvPr>
@@ -8262,6 +8487,333 @@
             <a:fld id="{AE60790C-7B88-2D40-A70D-E54200C05D47}" type="slidenum">
               <a:rPr lang="en-US" smtClean="0"/>
               <a:t>25</a:t>
+            </a:fld>
+            <a:endParaRPr lang="en-US"/>
+          </a:p>
+        </p:txBody>
+      </p:sp>
+    </p:spTree>
+    <p:extLst>
+      <p:ext uri="{BB962C8B-B14F-4D97-AF65-F5344CB8AC3E}">
+        <p14:creationId xmlns:p14="http://schemas.microsoft.com/office/powerpoint/2010/main" val="2466273955"/>
+      </p:ext>
+    </p:extLst>
+  </p:cSld>
+  <p:clrMapOvr>
+    <a:masterClrMapping/>
+  </p:clrMapOvr>
+</p:sld>
+</file>
+
+<file path=ppt/slides/slide26.xml><?xml version="1.0" encoding="utf-8"?>
+<p:sld xmlns:a="http://schemas.openxmlformats.org/drawingml/2006/main" xmlns:r="http://schemas.openxmlformats.org/officeDocument/2006/relationships" xmlns:p="http://schemas.openxmlformats.org/presentationml/2006/main">
+  <p:cSld>
+    <p:spTree>
+      <p:nvGrpSpPr>
+        <p:cNvPr id="1" name=""/>
+        <p:cNvGrpSpPr/>
+        <p:nvPr/>
+      </p:nvGrpSpPr>
+      <p:grpSpPr>
+        <a:xfrm>
+          <a:off x="0" y="0"/>
+          <a:ext cx="0" cy="0"/>
+          <a:chOff x="0" y="0"/>
+          <a:chExt cx="0" cy="0"/>
+        </a:xfrm>
+      </p:grpSpPr>
+      <p:sp>
+        <p:nvSpPr>
+          <p:cNvPr id="2" name="Title 1">
+            <a:extLst>
+              <a:ext uri="{FF2B5EF4-FFF2-40B4-BE49-F238E27FC236}">
+                <a16:creationId xmlns:a16="http://schemas.microsoft.com/office/drawing/2014/main" id="{55D35CD2-C1AE-6945-8B31-1E78F88BC53B}"/>
+              </a:ext>
+            </a:extLst>
+          </p:cNvPr>
+          <p:cNvSpPr>
+            <a:spLocks noGrp="1"/>
+          </p:cNvSpPr>
+          <p:nvPr>
+            <p:ph type="title"/>
+          </p:nvPr>
+        </p:nvSpPr>
+        <p:spPr/>
+        <p:txBody>
+          <a:bodyPr/>
+          <a:lstStyle/>
+          <a:p>
+            <a:r>
+              <a:rPr lang="ja-JP" altLang="en-US" dirty="0"/>
+              <a:t>評価</a:t>
+            </a:r>
+            <a:endParaRPr lang="en-US" dirty="0"/>
+          </a:p>
+        </p:txBody>
+      </p:sp>
+      <p:sp>
+        <p:nvSpPr>
+          <p:cNvPr id="3" name="Content Placeholder 2">
+            <a:extLst>
+              <a:ext uri="{FF2B5EF4-FFF2-40B4-BE49-F238E27FC236}">
+                <a16:creationId xmlns:a16="http://schemas.microsoft.com/office/drawing/2014/main" id="{C1CDE55F-1F31-BD41-8A41-27952E4EED34}"/>
+              </a:ext>
+            </a:extLst>
+          </p:cNvPr>
+          <p:cNvSpPr>
+            <a:spLocks noGrp="1"/>
+          </p:cNvSpPr>
+          <p:nvPr>
+            <p:ph idx="1"/>
+          </p:nvPr>
+        </p:nvSpPr>
+        <p:spPr/>
+        <p:txBody>
+          <a:bodyPr/>
+          <a:lstStyle/>
+          <a:p>
+            <a:pPr>
+              <a:lnSpc>
+                <a:spcPct val="100000"/>
+              </a:lnSpc>
+            </a:pPr>
+            <a:r>
+              <a:rPr lang="ja-JP" altLang="en-US" dirty="0"/>
+              <a:t>比較対象</a:t>
+            </a:r>
+            <a:endParaRPr lang="en-US" altLang="ja-JP" dirty="0"/>
+          </a:p>
+          <a:p>
+            <a:pPr lvl="1">
+              <a:lnSpc>
+                <a:spcPct val="100000"/>
+              </a:lnSpc>
+            </a:pPr>
+            <a:r>
+              <a:rPr lang="en-US" altLang="ja-JP" dirty="0"/>
+              <a:t>Intel(R) Xeon(R) E5-2667 0 @ 2.90GHz </a:t>
+            </a:r>
+          </a:p>
+          <a:p>
+            <a:pPr lvl="1">
+              <a:lnSpc>
+                <a:spcPct val="100000"/>
+              </a:lnSpc>
+            </a:pPr>
+            <a:r>
+              <a:rPr lang="en-US" altLang="ja-JP" dirty="0"/>
+              <a:t>g++4.4.7</a:t>
+            </a:r>
+          </a:p>
+          <a:p>
+            <a:pPr lvl="1">
+              <a:lnSpc>
+                <a:spcPct val="100000"/>
+              </a:lnSpc>
+            </a:pPr>
+            <a:r>
+              <a:rPr lang="en-US" altLang="ja-JP" dirty="0"/>
+              <a:t>O3</a:t>
+            </a:r>
+            <a:r>
+              <a:rPr lang="ja-JP" altLang="en-US" dirty="0"/>
+              <a:t>最適化</a:t>
+            </a:r>
+            <a:endParaRPr lang="en-US" altLang="ja-JP" dirty="0"/>
+          </a:p>
+          <a:p>
+            <a:pPr lvl="1">
+              <a:lnSpc>
+                <a:spcPct val="100000"/>
+              </a:lnSpc>
+            </a:pPr>
+            <a:r>
+              <a:rPr lang="en-US" altLang="ja-JP" dirty="0" err="1"/>
+              <a:t>OpenMP</a:t>
+            </a:r>
+            <a:r>
+              <a:rPr lang="ja-JP" altLang="en-US" dirty="0"/>
+              <a:t>による高速化</a:t>
+            </a:r>
+            <a:endParaRPr lang="en-US" altLang="ja-JP" dirty="0"/>
+          </a:p>
+          <a:p>
+            <a:pPr lvl="1"/>
+            <a:endParaRPr lang="en-US" dirty="0"/>
+          </a:p>
+        </p:txBody>
+      </p:sp>
+      <p:sp>
+        <p:nvSpPr>
+          <p:cNvPr id="4" name="Slide Number Placeholder 3">
+            <a:extLst>
+              <a:ext uri="{FF2B5EF4-FFF2-40B4-BE49-F238E27FC236}">
+                <a16:creationId xmlns:a16="http://schemas.microsoft.com/office/drawing/2014/main" id="{BF929231-4E80-F24F-8FF3-264EAD4CE92B}"/>
+              </a:ext>
+            </a:extLst>
+          </p:cNvPr>
+          <p:cNvSpPr>
+            <a:spLocks noGrp="1"/>
+          </p:cNvSpPr>
+          <p:nvPr>
+            <p:ph type="sldNum" sz="quarter" idx="12"/>
+          </p:nvPr>
+        </p:nvSpPr>
+        <p:spPr/>
+        <p:txBody>
+          <a:bodyPr/>
+          <a:lstStyle/>
+          <a:p>
+            <a:fld id="{AE60790C-7B88-2D40-A70D-E54200C05D47}" type="slidenum">
+              <a:rPr lang="en-US" smtClean="0"/>
+              <a:t>26</a:t>
+            </a:fld>
+            <a:endParaRPr lang="en-US"/>
+          </a:p>
+        </p:txBody>
+      </p:sp>
+    </p:spTree>
+    <p:extLst>
+      <p:ext uri="{BB962C8B-B14F-4D97-AF65-F5344CB8AC3E}">
+        <p14:creationId xmlns:p14="http://schemas.microsoft.com/office/powerpoint/2010/main" val="1240456588"/>
+      </p:ext>
+    </p:extLst>
+  </p:cSld>
+  <p:clrMapOvr>
+    <a:masterClrMapping/>
+  </p:clrMapOvr>
+</p:sld>
+</file>
+
+<file path=ppt/slides/slide27.xml><?xml version="1.0" encoding="utf-8"?>
+<p:sld xmlns:a="http://schemas.openxmlformats.org/drawingml/2006/main" xmlns:r="http://schemas.openxmlformats.org/officeDocument/2006/relationships" xmlns:p="http://schemas.openxmlformats.org/presentationml/2006/main">
+  <p:cSld>
+    <p:spTree>
+      <p:nvGrpSpPr>
+        <p:cNvPr id="1" name=""/>
+        <p:cNvGrpSpPr/>
+        <p:nvPr/>
+      </p:nvGrpSpPr>
+      <p:grpSpPr>
+        <a:xfrm>
+          <a:off x="0" y="0"/>
+          <a:ext cx="0" cy="0"/>
+          <a:chOff x="0" y="0"/>
+          <a:chExt cx="0" cy="0"/>
+        </a:xfrm>
+      </p:grpSpPr>
+      <p:sp>
+        <p:nvSpPr>
+          <p:cNvPr id="2" name="Title 1">
+            <a:extLst>
+              <a:ext uri="{FF2B5EF4-FFF2-40B4-BE49-F238E27FC236}">
+                <a16:creationId xmlns:a16="http://schemas.microsoft.com/office/drawing/2014/main" id="{55D35CD2-C1AE-6945-8B31-1E78F88BC53B}"/>
+              </a:ext>
+            </a:extLst>
+          </p:cNvPr>
+          <p:cNvSpPr>
+            <a:spLocks noGrp="1"/>
+          </p:cNvSpPr>
+          <p:nvPr>
+            <p:ph type="title"/>
+          </p:nvPr>
+        </p:nvSpPr>
+        <p:spPr/>
+        <p:txBody>
+          <a:bodyPr/>
+          <a:lstStyle/>
+          <a:p>
+            <a:r>
+              <a:rPr lang="ja-JP" altLang="en-US" dirty="0"/>
+              <a:t>ベンチマーク</a:t>
+            </a:r>
+            <a:endParaRPr lang="en-US" dirty="0"/>
+          </a:p>
+        </p:txBody>
+      </p:sp>
+      <p:sp>
+        <p:nvSpPr>
+          <p:cNvPr id="3" name="Content Placeholder 2">
+            <a:extLst>
+              <a:ext uri="{FF2B5EF4-FFF2-40B4-BE49-F238E27FC236}">
+                <a16:creationId xmlns:a16="http://schemas.microsoft.com/office/drawing/2014/main" id="{C1CDE55F-1F31-BD41-8A41-27952E4EED34}"/>
+              </a:ext>
+            </a:extLst>
+          </p:cNvPr>
+          <p:cNvSpPr>
+            <a:spLocks noGrp="1"/>
+          </p:cNvSpPr>
+          <p:nvPr>
+            <p:ph idx="1"/>
+          </p:nvPr>
+        </p:nvSpPr>
+        <p:spPr/>
+        <p:txBody>
+          <a:bodyPr/>
+          <a:lstStyle/>
+          <a:p>
+            <a:r>
+              <a:rPr lang="en-US" altLang="ja-JP" dirty="0"/>
+              <a:t>Inception(3a)</a:t>
+            </a:r>
+            <a:r>
+              <a:rPr lang="ja-JP" altLang="en-US" dirty="0"/>
+              <a:t>層</a:t>
+            </a:r>
+            <a:endParaRPr lang="en-US" altLang="ja-JP" dirty="0"/>
+          </a:p>
+          <a:p>
+            <a:pPr lvl="1"/>
+            <a:r>
+              <a:rPr lang="ja-JP" altLang="en-US" sz="2400" dirty="0"/>
+              <a:t>入力サイズ</a:t>
+            </a:r>
+            <a:r>
+              <a:rPr lang="en-US" altLang="ja-JP" sz="2400" dirty="0"/>
+              <a:t>: 192*28*28</a:t>
+            </a:r>
+          </a:p>
+          <a:p>
+            <a:pPr lvl="1"/>
+            <a:r>
+              <a:rPr lang="ja-JP" altLang="en-US" sz="2400" dirty="0"/>
+              <a:t>出力サイズ</a:t>
+            </a:r>
+            <a:r>
+              <a:rPr lang="en-US" altLang="ja-JP" sz="2400" dirty="0"/>
+              <a:t>: 256*28*28</a:t>
+            </a:r>
+          </a:p>
+          <a:p>
+            <a:pPr lvl="1"/>
+            <a:endParaRPr lang="en-US" dirty="0"/>
+          </a:p>
+        </p:txBody>
+      </p:sp>
+      <p:sp>
+        <p:nvSpPr>
+          <p:cNvPr id="4" name="Slide Number Placeholder 3">
+            <a:extLst>
+              <a:ext uri="{FF2B5EF4-FFF2-40B4-BE49-F238E27FC236}">
+                <a16:creationId xmlns:a16="http://schemas.microsoft.com/office/drawing/2014/main" id="{D615A9F5-BEC8-C049-9C42-91A11D3BDD81}"/>
+              </a:ext>
+            </a:extLst>
+          </p:cNvPr>
+          <p:cNvSpPr>
+            <a:spLocks noGrp="1"/>
+          </p:cNvSpPr>
+          <p:nvPr>
+            <p:ph type="sldNum" sz="quarter" idx="12"/>
+          </p:nvPr>
+        </p:nvSpPr>
+        <p:spPr/>
+        <p:txBody>
+          <a:bodyPr/>
+          <a:lstStyle/>
+          <a:p>
+            <a:fld id="{AE60790C-7B88-2D40-A70D-E54200C05D47}" type="slidenum">
+              <a:rPr lang="en-US" smtClean="0"/>
+              <a:t>27</a:t>
             </a:fld>
             <a:endParaRPr lang="en-US"/>
           </a:p>
@@ -8318,14 +8870,14 @@
           <p:nvPr>
             <p:extLst>
               <p:ext uri="{D42A27DB-BD31-4B8C-83A1-F6EECF244321}">
-                <p14:modId xmlns:p14="http://schemas.microsoft.com/office/powerpoint/2010/main" val="3740603380"/>
+                <p14:modId xmlns:p14="http://schemas.microsoft.com/office/powerpoint/2010/main" val="2714371294"/>
               </p:ext>
             </p:extLst>
           </p:nvPr>
         </p:nvGraphicFramePr>
         <p:xfrm>
-          <a:off x="298383" y="3626428"/>
-          <a:ext cx="5177743" cy="2404500"/>
+          <a:off x="298383" y="4012863"/>
+          <a:ext cx="7632835" cy="2062094"/>
         </p:xfrm>
         <a:graphic>
           <a:graphicData uri="http://schemas.openxmlformats.org/drawingml/2006/table">
@@ -8334,36 +8886,43 @@
                 <a:tableStyleId>{21E4AEA4-8DFA-4A89-87EB-49C32662AFE0}</a:tableStyleId>
               </a:tblPr>
               <a:tblGrid>
-                <a:gridCol w="1278049">
+                <a:gridCol w="1509386">
                   <a:extLst>
                     <a:ext uri="{9D8B030D-6E8A-4147-A177-3AD203B41FA5}">
                       <a16:colId xmlns:a16="http://schemas.microsoft.com/office/drawing/2014/main" val="3854036887"/>
                     </a:ext>
                   </a:extLst>
                 </a:gridCol>
-                <a:gridCol w="1320567">
+                <a:gridCol w="1559601">
                   <a:extLst>
                     <a:ext uri="{9D8B030D-6E8A-4147-A177-3AD203B41FA5}">
                       <a16:colId xmlns:a16="http://schemas.microsoft.com/office/drawing/2014/main" val="3824709341"/>
                     </a:ext>
                   </a:extLst>
                 </a:gridCol>
-                <a:gridCol w="1293890">
+                <a:gridCol w="1528096">
                   <a:extLst>
                     <a:ext uri="{9D8B030D-6E8A-4147-A177-3AD203B41FA5}">
                       <a16:colId xmlns:a16="http://schemas.microsoft.com/office/drawing/2014/main" val="321783498"/>
                     </a:ext>
                   </a:extLst>
                 </a:gridCol>
-                <a:gridCol w="1285237">
+                <a:gridCol w="1517876">
                   <a:extLst>
                     <a:ext uri="{9D8B030D-6E8A-4147-A177-3AD203B41FA5}">
                       <a16:colId xmlns:a16="http://schemas.microsoft.com/office/drawing/2014/main" val="333888695"/>
                     </a:ext>
                   </a:extLst>
                 </a:gridCol>
+                <a:gridCol w="1517876">
+                  <a:extLst>
+                    <a:ext uri="{9D8B030D-6E8A-4147-A177-3AD203B41FA5}">
+                      <a16:colId xmlns:a16="http://schemas.microsoft.com/office/drawing/2014/main" val="3717764046"/>
+                    </a:ext>
+                  </a:extLst>
+                </a:gridCol>
               </a:tblGrid>
-              <a:tr h="480900">
+              <a:tr h="0">
                 <a:tc>
                   <a:txBody>
                     <a:bodyPr/>
@@ -8383,12 +8942,306 @@
                     <a:lstStyle/>
                     <a:p>
                       <a:pPr algn="ctr"/>
+                      <a:endParaRPr lang="en-US" sz="1800" dirty="0">
+                        <a:latin typeface="Hiragino Kaku Gothic Pro W3" panose="020B0300000000000000" pitchFamily="34" charset="-128"/>
+                        <a:ea typeface="Hiragino Kaku Gothic Pro W3" panose="020B0300000000000000" pitchFamily="34" charset="-128"/>
+                      </a:endParaRPr>
+                    </a:p>
+                  </a:txBody>
+                  <a:tcPr/>
+                </a:tc>
+                <a:tc>
+                  <a:txBody>
+                    <a:bodyPr/>
+                    <a:lstStyle/>
+                    <a:p>
+                      <a:pPr marL="0" marR="0" lvl="0" indent="0" algn="ctr" defTabSz="914400" rtl="0" eaLnBrk="1" fontAlgn="auto" latinLnBrk="0" hangingPunct="1">
+                        <a:lnSpc>
+                          <a:spcPct val="100000"/>
+                        </a:lnSpc>
+                        <a:spcBef>
+                          <a:spcPts val="0"/>
+                        </a:spcBef>
+                        <a:spcAft>
+                          <a:spcPts val="0"/>
+                        </a:spcAft>
+                        <a:buClrTx/>
+                        <a:buSzTx/>
+                        <a:buFontTx/>
+                        <a:buNone/>
+                        <a:tabLst/>
+                        <a:defRPr/>
+                      </a:pPr>
+                      <a:endParaRPr lang="en-US" sz="1800" dirty="0">
+                        <a:latin typeface="Hiragino Kaku Gothic Pro W3" panose="020B0300000000000000" pitchFamily="34" charset="-128"/>
+                        <a:ea typeface="Hiragino Kaku Gothic Pro W3" panose="020B0300000000000000" pitchFamily="34" charset="-128"/>
+                      </a:endParaRPr>
+                    </a:p>
+                  </a:txBody>
+                  <a:tcPr/>
+                </a:tc>
+                <a:tc>
+                  <a:txBody>
+                    <a:bodyPr/>
+                    <a:lstStyle/>
+                    <a:p>
+                      <a:pPr marL="0" marR="0" lvl="0" indent="0" algn="ctr" defTabSz="914400" rtl="0" eaLnBrk="1" fontAlgn="auto" latinLnBrk="0" hangingPunct="1">
+                        <a:lnSpc>
+                          <a:spcPct val="100000"/>
+                        </a:lnSpc>
+                        <a:spcBef>
+                          <a:spcPts val="0"/>
+                        </a:spcBef>
+                        <a:spcAft>
+                          <a:spcPts val="0"/>
+                        </a:spcAft>
+                        <a:buClrTx/>
+                        <a:buSzTx/>
+                        <a:buFontTx/>
+                        <a:buNone/>
+                        <a:tabLst/>
+                        <a:defRPr/>
+                      </a:pPr>
+                      <a:endParaRPr lang="en-US" sz="1800" dirty="0">
+                        <a:latin typeface="Hiragino Kaku Gothic Pro W3" panose="020B0300000000000000" pitchFamily="34" charset="-128"/>
+                        <a:ea typeface="Hiragino Kaku Gothic Pro W3" panose="020B0300000000000000" pitchFamily="34" charset="-128"/>
+                      </a:endParaRPr>
+                    </a:p>
+                  </a:txBody>
+                  <a:tcPr/>
+                </a:tc>
+                <a:tc>
+                  <a:txBody>
+                    <a:bodyPr/>
+                    <a:lstStyle/>
+                    <a:p>
+                      <a:pPr marL="0" marR="0" lvl="0" indent="0" algn="ctr" defTabSz="914400" rtl="0" eaLnBrk="1" fontAlgn="auto" latinLnBrk="0" hangingPunct="1">
+                        <a:lnSpc>
+                          <a:spcPct val="100000"/>
+                        </a:lnSpc>
+                        <a:spcBef>
+                          <a:spcPts val="0"/>
+                        </a:spcBef>
+                        <a:spcAft>
+                          <a:spcPts val="0"/>
+                        </a:spcAft>
+                        <a:buClrTx/>
+                        <a:buSzTx/>
+                        <a:buFontTx/>
+                        <a:buNone/>
+                        <a:tabLst/>
+                        <a:defRPr/>
+                      </a:pPr>
+                      <a:endParaRPr lang="en-US" sz="1800" dirty="0">
+                        <a:latin typeface="Hiragino Kaku Gothic Pro W3" panose="020B0300000000000000" pitchFamily="34" charset="-128"/>
+                        <a:ea typeface="Hiragino Kaku Gothic Pro W3" panose="020B0300000000000000" pitchFamily="34" charset="-128"/>
+                      </a:endParaRPr>
+                    </a:p>
+                  </a:txBody>
+                  <a:tcPr/>
+                </a:tc>
+                <a:extLst>
+                  <a:ext uri="{0D108BD9-81ED-4DB2-BD59-A6C34878D82A}">
+                    <a16:rowId xmlns:a16="http://schemas.microsoft.com/office/drawing/2014/main" val="1686206476"/>
+                  </a:ext>
+                </a:extLst>
+              </a:tr>
+              <a:tr h="427771">
+                <a:tc>
+                  <a:txBody>
+                    <a:bodyPr/>
+                    <a:lstStyle/>
+                    <a:p>
                       <a:r>
                         <a:rPr lang="en-US" altLang="ja-JP" sz="1800" dirty="0">
                           <a:latin typeface="Hiragino Kaku Gothic Pro W3" panose="020B0300000000000000" pitchFamily="34" charset="-128"/>
                           <a:ea typeface="Hiragino Kaku Gothic Pro W3" panose="020B0300000000000000" pitchFamily="34" charset="-128"/>
                         </a:rPr>
+                        <a:t>Thread1</a:t>
+                      </a:r>
+                      <a:endParaRPr lang="en-US" sz="1800" dirty="0">
+                        <a:latin typeface="Hiragino Kaku Gothic Pro W3" panose="020B0300000000000000" pitchFamily="34" charset="-128"/>
+                        <a:ea typeface="Hiragino Kaku Gothic Pro W3" panose="020B0300000000000000" pitchFamily="34" charset="-128"/>
+                      </a:endParaRPr>
+                    </a:p>
+                  </a:txBody>
+                  <a:tcPr/>
+                </a:tc>
+                <a:tc>
+                  <a:txBody>
+                    <a:bodyPr/>
+                    <a:lstStyle/>
+                    <a:p>
+                      <a:pPr algn="ctr"/>
+                      <a:r>
+                        <a:rPr lang="en-US" sz="1800" dirty="0">
+                          <a:latin typeface="Hiragino Kaku Gothic Pro W3" panose="020B0300000000000000" pitchFamily="34" charset="-128"/>
+                          <a:ea typeface="Hiragino Kaku Gothic Pro W3" panose="020B0300000000000000" pitchFamily="34" charset="-128"/>
+                        </a:rPr>
                         <a:t>Conv1x1</a:t>
+                      </a:r>
+                    </a:p>
+                  </a:txBody>
+                  <a:tcPr/>
+                </a:tc>
+                <a:tc>
+                  <a:txBody>
+                    <a:bodyPr/>
+                    <a:lstStyle/>
+                    <a:p>
+                      <a:pPr algn="ctr"/>
+                      <a:endParaRPr lang="en-US" sz="1800" dirty="0">
+                        <a:latin typeface="Hiragino Kaku Gothic Pro W3" panose="020B0300000000000000" pitchFamily="34" charset="-128"/>
+                        <a:ea typeface="Hiragino Kaku Gothic Pro W3" panose="020B0300000000000000" pitchFamily="34" charset="-128"/>
+                      </a:endParaRPr>
+                    </a:p>
+                  </a:txBody>
+                  <a:tcPr/>
+                </a:tc>
+                <a:tc>
+                  <a:txBody>
+                    <a:bodyPr/>
+                    <a:lstStyle/>
+                    <a:p>
+                      <a:pPr algn="ctr"/>
+                      <a:endParaRPr lang="en-US" sz="1800" dirty="0">
+                        <a:latin typeface="Hiragino Kaku Gothic Pro W3" panose="020B0300000000000000" pitchFamily="34" charset="-128"/>
+                        <a:ea typeface="Hiragino Kaku Gothic Pro W3" panose="020B0300000000000000" pitchFamily="34" charset="-128"/>
+                      </a:endParaRPr>
+                    </a:p>
+                  </a:txBody>
+                  <a:tcPr/>
+                </a:tc>
+                <a:tc>
+                  <a:txBody>
+                    <a:bodyPr/>
+                    <a:lstStyle/>
+                    <a:p>
+                      <a:pPr algn="ctr"/>
+                      <a:r>
+                        <a:rPr lang="en-US" sz="1800" dirty="0">
+                          <a:latin typeface="Hiragino Kaku Gothic Pro W3" panose="020B0300000000000000" pitchFamily="34" charset="-128"/>
+                          <a:ea typeface="Hiragino Kaku Gothic Pro W3" panose="020B0300000000000000" pitchFamily="34" charset="-128"/>
+                        </a:rPr>
+                        <a:t>64*28*28</a:t>
+                      </a:r>
+                    </a:p>
+                  </a:txBody>
+                  <a:tcPr/>
+                </a:tc>
+                <a:extLst>
+                  <a:ext uri="{0D108BD9-81ED-4DB2-BD59-A6C34878D82A}">
+                    <a16:rowId xmlns:a16="http://schemas.microsoft.com/office/drawing/2014/main" val="2997246466"/>
+                  </a:ext>
+                </a:extLst>
+              </a:tr>
+              <a:tr h="427771">
+                <a:tc>
+                  <a:txBody>
+                    <a:bodyPr/>
+                    <a:lstStyle/>
+                    <a:p>
+                      <a:r>
+                        <a:rPr lang="en-US" altLang="ja-JP" sz="1800" dirty="0">
+                          <a:latin typeface="Hiragino Kaku Gothic Pro W3" panose="020B0300000000000000" pitchFamily="34" charset="-128"/>
+                          <a:ea typeface="Hiragino Kaku Gothic Pro W3" panose="020B0300000000000000" pitchFamily="34" charset="-128"/>
+                        </a:rPr>
+                        <a:t>Thread2</a:t>
+                      </a:r>
+                      <a:endParaRPr lang="en-US" sz="1800" dirty="0">
+                        <a:latin typeface="Hiragino Kaku Gothic Pro W3" panose="020B0300000000000000" pitchFamily="34" charset="-128"/>
+                        <a:ea typeface="Hiragino Kaku Gothic Pro W3" panose="020B0300000000000000" pitchFamily="34" charset="-128"/>
+                      </a:endParaRPr>
+                    </a:p>
+                  </a:txBody>
+                  <a:tcPr/>
+                </a:tc>
+                <a:tc>
+                  <a:txBody>
+                    <a:bodyPr/>
+                    <a:lstStyle/>
+                    <a:p>
+                      <a:pPr algn="ctr"/>
+                      <a:r>
+                        <a:rPr lang="en-US" sz="1800" dirty="0">
+                          <a:latin typeface="Hiragino Kaku Gothic Pro W3" panose="020B0300000000000000" pitchFamily="34" charset="-128"/>
+                          <a:ea typeface="Hiragino Kaku Gothic Pro W3" panose="020B0300000000000000" pitchFamily="34" charset="-128"/>
+                        </a:rPr>
+                        <a:t>Conv1x1</a:t>
+                      </a:r>
+                    </a:p>
+                  </a:txBody>
+                  <a:tcPr/>
+                </a:tc>
+                <a:tc>
+                  <a:txBody>
+                    <a:bodyPr/>
+                    <a:lstStyle/>
+                    <a:p>
+                      <a:pPr algn="ctr"/>
+                      <a:r>
+                        <a:rPr lang="en-US" sz="1800" dirty="0">
+                          <a:latin typeface="Hiragino Kaku Gothic Pro W3" panose="020B0300000000000000" pitchFamily="34" charset="-128"/>
+                          <a:ea typeface="Hiragino Kaku Gothic Pro W3" panose="020B0300000000000000" pitchFamily="34" charset="-128"/>
+                        </a:rPr>
+                        <a:t>96*28*28</a:t>
+                      </a:r>
+                    </a:p>
+                  </a:txBody>
+                  <a:tcPr/>
+                </a:tc>
+                <a:tc>
+                  <a:txBody>
+                    <a:bodyPr/>
+                    <a:lstStyle/>
+                    <a:p>
+                      <a:pPr algn="ctr"/>
+                      <a:r>
+                        <a:rPr lang="en-US" sz="1800" dirty="0">
+                          <a:latin typeface="Hiragino Kaku Gothic Pro W3" panose="020B0300000000000000" pitchFamily="34" charset="-128"/>
+                          <a:ea typeface="Hiragino Kaku Gothic Pro W3" panose="020B0300000000000000" pitchFamily="34" charset="-128"/>
+                        </a:rPr>
+                        <a:t>Conv3x3</a:t>
+                      </a:r>
+                    </a:p>
+                  </a:txBody>
+                  <a:tcPr/>
+                </a:tc>
+                <a:tc>
+                  <a:txBody>
+                    <a:bodyPr/>
+                    <a:lstStyle/>
+                    <a:p>
+                      <a:pPr algn="ctr"/>
+                      <a:r>
+                        <a:rPr lang="en-US" sz="1800" dirty="0">
+                          <a:latin typeface="Hiragino Kaku Gothic Pro W3" panose="020B0300000000000000" pitchFamily="34" charset="-128"/>
+                          <a:ea typeface="Hiragino Kaku Gothic Pro W3" panose="020B0300000000000000" pitchFamily="34" charset="-128"/>
+                        </a:rPr>
+                        <a:t>128*28*28</a:t>
+                      </a:r>
+                    </a:p>
+                  </a:txBody>
+                  <a:tcPr/>
+                </a:tc>
+                <a:extLst>
+                  <a:ext uri="{0D108BD9-81ED-4DB2-BD59-A6C34878D82A}">
+                    <a16:rowId xmlns:a16="http://schemas.microsoft.com/office/drawing/2014/main" val="2748640994"/>
+                  </a:ext>
+                </a:extLst>
+              </a:tr>
+              <a:tr h="427771">
+                <a:tc>
+                  <a:txBody>
+                    <a:bodyPr/>
+                    <a:lstStyle/>
+                    <a:p>
+                      <a:r>
+                        <a:rPr lang="en-US" altLang="ja-JP" sz="1800" dirty="0">
+                          <a:latin typeface="Hiragino Kaku Gothic Pro W3" panose="020B0300000000000000" pitchFamily="34" charset="-128"/>
+                          <a:ea typeface="Hiragino Kaku Gothic Pro W3" panose="020B0300000000000000" pitchFamily="34" charset="-128"/>
+                        </a:rPr>
+                        <a:t>Thread3</a:t>
                       </a:r>
                       <a:endParaRPr lang="en-US" sz="1800" dirty="0">
                         <a:latin typeface="Hiragino Kaku Gothic Pro W3" panose="020B0300000000000000" pitchFamily="34" charset="-128"/>
@@ -8421,11 +9274,85 @@
                         <a:defRPr/>
                       </a:pPr>
                       <a:r>
+                        <a:rPr lang="en-US" sz="1800" dirty="0">
+                          <a:latin typeface="Hiragino Kaku Gothic Pro W3" panose="020B0300000000000000" pitchFamily="34" charset="-128"/>
+                          <a:ea typeface="Hiragino Kaku Gothic Pro W3" panose="020B0300000000000000" pitchFamily="34" charset="-128"/>
+                        </a:rPr>
+                        <a:t>Conv1x1</a:t>
+                      </a:r>
+                    </a:p>
+                  </a:txBody>
+                  <a:tcPr/>
+                </a:tc>
+                <a:tc>
+                  <a:txBody>
+                    <a:bodyPr/>
+                    <a:lstStyle/>
+                    <a:p>
+                      <a:pPr algn="ctr"/>
+                      <a:r>
+                        <a:rPr lang="en-US" sz="1800" dirty="0">
+                          <a:latin typeface="Hiragino Kaku Gothic Pro W3" panose="020B0300000000000000" pitchFamily="34" charset="-128"/>
+                          <a:ea typeface="Hiragino Kaku Gothic Pro W3" panose="020B0300000000000000" pitchFamily="34" charset="-128"/>
+                        </a:rPr>
+                        <a:t>16*28*28</a:t>
+                      </a:r>
+                    </a:p>
+                  </a:txBody>
+                  <a:tcPr/>
+                </a:tc>
+                <a:tc>
+                  <a:txBody>
+                    <a:bodyPr/>
+                    <a:lstStyle/>
+                    <a:p>
+                      <a:pPr algn="ctr"/>
+                      <a:r>
+                        <a:rPr lang="en-US" sz="1800" dirty="0">
+                          <a:latin typeface="Hiragino Kaku Gothic Pro W3" panose="020B0300000000000000" pitchFamily="34" charset="-128"/>
+                          <a:ea typeface="Hiragino Kaku Gothic Pro W3" panose="020B0300000000000000" pitchFamily="34" charset="-128"/>
+                        </a:rPr>
+                        <a:t>Conv5x5</a:t>
+                      </a:r>
+                    </a:p>
+                  </a:txBody>
+                  <a:tcPr/>
+                </a:tc>
+                <a:tc>
+                  <a:txBody>
+                    <a:bodyPr/>
+                    <a:lstStyle/>
+                    <a:p>
+                      <a:pPr algn="ctr"/>
+                      <a:r>
+                        <a:rPr lang="en-US" sz="1800" dirty="0">
+                          <a:latin typeface="Hiragino Kaku Gothic Pro W3" panose="020B0300000000000000" pitchFamily="34" charset="-128"/>
+                          <a:ea typeface="Hiragino Kaku Gothic Pro W3" panose="020B0300000000000000" pitchFamily="34" charset="-128"/>
+                        </a:rPr>
+                        <a:t>32*28*28</a:t>
+                      </a:r>
+                    </a:p>
+                  </a:txBody>
+                  <a:tcPr/>
+                </a:tc>
+                <a:extLst>
+                  <a:ext uri="{0D108BD9-81ED-4DB2-BD59-A6C34878D82A}">
+                    <a16:rowId xmlns:a16="http://schemas.microsoft.com/office/drawing/2014/main" val="1513323015"/>
+                  </a:ext>
+                </a:extLst>
+              </a:tr>
+              <a:tr h="413021">
+                <a:tc>
+                  <a:txBody>
+                    <a:bodyPr/>
+                    <a:lstStyle/>
+                    <a:p>
+                      <a:r>
                         <a:rPr lang="en-US" altLang="ja-JP" sz="1800" dirty="0">
                           <a:latin typeface="Hiragino Kaku Gothic Pro W3" panose="020B0300000000000000" pitchFamily="34" charset="-128"/>
                           <a:ea typeface="Hiragino Kaku Gothic Pro W3" panose="020B0300000000000000" pitchFamily="34" charset="-128"/>
                         </a:rPr>
-                        <a:t>Conv3x3</a:t>
+                        <a:t>Thread4</a:t>
                       </a:r>
                       <a:endParaRPr lang="en-US" sz="1800" dirty="0">
                         <a:latin typeface="Hiragino Kaku Gothic Pro W3" panose="020B0300000000000000" pitchFamily="34" charset="-128"/>
@@ -8458,129 +9385,11 @@
                         <a:defRPr/>
                       </a:pPr>
                       <a:r>
-                        <a:rPr lang="en-US" altLang="ja-JP" sz="1800" dirty="0">
-                          <a:latin typeface="Hiragino Kaku Gothic Pro W3" panose="020B0300000000000000" pitchFamily="34" charset="-128"/>
-                          <a:ea typeface="Hiragino Kaku Gothic Pro W3" panose="020B0300000000000000" pitchFamily="34" charset="-128"/>
-                        </a:rPr>
-                        <a:t>Conv5x5</a:t>
-                      </a:r>
-                      <a:endParaRPr lang="en-US" sz="1800" dirty="0">
-                        <a:latin typeface="Hiragino Kaku Gothic Pro W3" panose="020B0300000000000000" pitchFamily="34" charset="-128"/>
-                        <a:ea typeface="Hiragino Kaku Gothic Pro W3" panose="020B0300000000000000" pitchFamily="34" charset="-128"/>
-                      </a:endParaRPr>
-                    </a:p>
-                  </a:txBody>
-                  <a:tcPr/>
-                </a:tc>
-                <a:extLst>
-                  <a:ext uri="{0D108BD9-81ED-4DB2-BD59-A6C34878D82A}">
-                    <a16:rowId xmlns:a16="http://schemas.microsoft.com/office/drawing/2014/main" val="1686206476"/>
-                  </a:ext>
-                </a:extLst>
-              </a:tr>
-              <a:tr h="480900">
-                <a:tc>
-                  <a:txBody>
-                    <a:bodyPr/>
-                    <a:lstStyle/>
-                    <a:p>
-                      <a:r>
-                        <a:rPr lang="en-US" altLang="ja-JP" sz="1800" dirty="0">
-                          <a:latin typeface="Hiragino Kaku Gothic Pro W3" panose="020B0300000000000000" pitchFamily="34" charset="-128"/>
-                          <a:ea typeface="Hiragino Kaku Gothic Pro W3" panose="020B0300000000000000" pitchFamily="34" charset="-128"/>
-                        </a:rPr>
-                        <a:t>Thread1</a:t>
-                      </a:r>
-                      <a:endParaRPr lang="en-US" sz="1800" dirty="0">
-                        <a:latin typeface="Hiragino Kaku Gothic Pro W3" panose="020B0300000000000000" pitchFamily="34" charset="-128"/>
-                        <a:ea typeface="Hiragino Kaku Gothic Pro W3" panose="020B0300000000000000" pitchFamily="34" charset="-128"/>
-                      </a:endParaRPr>
-                    </a:p>
-                  </a:txBody>
-                  <a:tcPr/>
-                </a:tc>
-                <a:tc>
-                  <a:txBody>
-                    <a:bodyPr/>
-                    <a:lstStyle/>
-                    <a:p>
-                      <a:pPr algn="ctr"/>
-                      <a:r>
                         <a:rPr lang="en-US" sz="1800" dirty="0">
                           <a:latin typeface="Hiragino Kaku Gothic Pro W3" panose="020B0300000000000000" pitchFamily="34" charset="-128"/>
                           <a:ea typeface="Hiragino Kaku Gothic Pro W3" panose="020B0300000000000000" pitchFamily="34" charset="-128"/>
                         </a:rPr>
-                        <a:t>64ch</a:t>
-                      </a:r>
-                    </a:p>
-                  </a:txBody>
-                  <a:tcPr/>
-                </a:tc>
-                <a:tc>
-                  <a:txBody>
-                    <a:bodyPr/>
-                    <a:lstStyle/>
-                    <a:p>
-                      <a:endParaRPr lang="en-US" sz="1800" dirty="0">
-                        <a:latin typeface="Hiragino Kaku Gothic Pro W3" panose="020B0300000000000000" pitchFamily="34" charset="-128"/>
-                        <a:ea typeface="Hiragino Kaku Gothic Pro W3" panose="020B0300000000000000" pitchFamily="34" charset="-128"/>
-                      </a:endParaRPr>
-                    </a:p>
-                  </a:txBody>
-                  <a:tcPr/>
-                </a:tc>
-                <a:tc>
-                  <a:txBody>
-                    <a:bodyPr/>
-                    <a:lstStyle/>
-                    <a:p>
-                      <a:endParaRPr lang="en-US" sz="1800" dirty="0">
-                        <a:latin typeface="Hiragino Kaku Gothic Pro W3" panose="020B0300000000000000" pitchFamily="34" charset="-128"/>
-                        <a:ea typeface="Hiragino Kaku Gothic Pro W3" panose="020B0300000000000000" pitchFamily="34" charset="-128"/>
-                      </a:endParaRPr>
-                    </a:p>
-                  </a:txBody>
-                  <a:tcPr/>
-                </a:tc>
-                <a:extLst>
-                  <a:ext uri="{0D108BD9-81ED-4DB2-BD59-A6C34878D82A}">
-                    <a16:rowId xmlns:a16="http://schemas.microsoft.com/office/drawing/2014/main" val="2997246466"/>
-                  </a:ext>
-                </a:extLst>
-              </a:tr>
-              <a:tr h="480900">
-                <a:tc>
-                  <a:txBody>
-                    <a:bodyPr/>
-                    <a:lstStyle/>
-                    <a:p>
-                      <a:r>
-                        <a:rPr lang="en-US" altLang="ja-JP" sz="1800" dirty="0">
-                          <a:latin typeface="Hiragino Kaku Gothic Pro W3" panose="020B0300000000000000" pitchFamily="34" charset="-128"/>
-                          <a:ea typeface="Hiragino Kaku Gothic Pro W3" panose="020B0300000000000000" pitchFamily="34" charset="-128"/>
-                        </a:rPr>
-                        <a:t>Thread2</a:t>
-                      </a:r>
-                      <a:endParaRPr lang="en-US" sz="1800" dirty="0">
-                        <a:latin typeface="Hiragino Kaku Gothic Pro W3" panose="020B0300000000000000" pitchFamily="34" charset="-128"/>
-                        <a:ea typeface="Hiragino Kaku Gothic Pro W3" panose="020B0300000000000000" pitchFamily="34" charset="-128"/>
-                      </a:endParaRPr>
-                    </a:p>
-                  </a:txBody>
-                  <a:tcPr/>
-                </a:tc>
-                <a:tc>
-                  <a:txBody>
-                    <a:bodyPr/>
-                    <a:lstStyle/>
-                    <a:p>
-                      <a:pPr algn="ctr"/>
-                      <a:r>
-                        <a:rPr lang="en-US" sz="1800" dirty="0">
-                          <a:latin typeface="Hiragino Kaku Gothic Pro W3" panose="020B0300000000000000" pitchFamily="34" charset="-128"/>
-                          <a:ea typeface="Hiragino Kaku Gothic Pro W3" panose="020B0300000000000000" pitchFamily="34" charset="-128"/>
-                        </a:rPr>
-                        <a:t>96ch</a:t>
+                        <a:t>Maxpooling</a:t>
                       </a:r>
                     </a:p>
                   </a:txBody>
@@ -8597,48 +9406,8 @@
                           <a:latin typeface="Hiragino Kaku Gothic Pro W3" panose="020B0300000000000000" pitchFamily="34" charset="-128"/>
                           <a:ea typeface="Hiragino Kaku Gothic Pro W3" panose="020B0300000000000000" pitchFamily="34" charset="-128"/>
                         </a:rPr>
-                        <a:t>128ch</a:t>
+                        <a:t>192*28*28</a:t>
                       </a:r>
-                    </a:p>
-                  </a:txBody>
-                  <a:tcPr/>
-                </a:tc>
-                <a:tc>
-                  <a:txBody>
-                    <a:bodyPr/>
-                    <a:lstStyle/>
-                    <a:p>
-                      <a:endParaRPr lang="en-US" sz="1800" dirty="0">
-                        <a:latin typeface="Hiragino Kaku Gothic Pro W3" panose="020B0300000000000000" pitchFamily="34" charset="-128"/>
-                        <a:ea typeface="Hiragino Kaku Gothic Pro W3" panose="020B0300000000000000" pitchFamily="34" charset="-128"/>
-                      </a:endParaRPr>
-                    </a:p>
-                  </a:txBody>
-                  <a:tcPr/>
-                </a:tc>
-                <a:extLst>
-                  <a:ext uri="{0D108BD9-81ED-4DB2-BD59-A6C34878D82A}">
-                    <a16:rowId xmlns:a16="http://schemas.microsoft.com/office/drawing/2014/main" val="2748640994"/>
-                  </a:ext>
-                </a:extLst>
-              </a:tr>
-              <a:tr h="480900">
-                <a:tc>
-                  <a:txBody>
-                    <a:bodyPr/>
-                    <a:lstStyle/>
-                    <a:p>
-                      <a:r>
-                        <a:rPr lang="en-US" altLang="ja-JP" sz="1800" dirty="0">
-                          <a:latin typeface="Hiragino Kaku Gothic Pro W3" panose="020B0300000000000000" pitchFamily="34" charset="-128"/>
-                          <a:ea typeface="Hiragino Kaku Gothic Pro W3" panose="020B0300000000000000" pitchFamily="34" charset="-128"/>
-                        </a:rPr>
-                        <a:t>Thread3</a:t>
-                      </a:r>
-                      <a:endParaRPr lang="en-US" sz="1800" dirty="0">
-                        <a:latin typeface="Hiragino Kaku Gothic Pro W3" panose="020B0300000000000000" pitchFamily="34" charset="-128"/>
-                        <a:ea typeface="Hiragino Kaku Gothic Pro W3" panose="020B0300000000000000" pitchFamily="34" charset="-128"/>
-                      </a:endParaRPr>
                     </a:p>
                   </a:txBody>
                   <a:tcPr/>
@@ -8654,21 +9423,8 @@
                           <a:latin typeface="Hiragino Kaku Gothic Pro W3" panose="020B0300000000000000" pitchFamily="34" charset="-128"/>
                           <a:ea typeface="Hiragino Kaku Gothic Pro W3" panose="020B0300000000000000" pitchFamily="34" charset="-128"/>
                         </a:rPr>
-                        <a:t>16ch</a:t>
+                        <a:t>Conv1x1</a:t>
                       </a:r>
-                    </a:p>
-                  </a:txBody>
-                  <a:tcPr/>
-                </a:tc>
-                <a:tc>
-                  <a:txBody>
-                    <a:bodyPr/>
-                    <a:lstStyle/>
-                    <a:p>
-                      <a:endParaRPr lang="en-US" sz="1800" dirty="0">
-                        <a:latin typeface="Hiragino Kaku Gothic Pro W3" panose="020B0300000000000000" pitchFamily="34" charset="-128"/>
-                        <a:ea typeface="Hiragino Kaku Gothic Pro W3" panose="020B0300000000000000" pitchFamily="34" charset="-128"/>
-                      </a:endParaRPr>
                     </a:p>
                   </a:txBody>
                   <a:tcPr/>
@@ -8684,78 +9440,8 @@
                           <a:latin typeface="Hiragino Kaku Gothic Pro W3" panose="020B0300000000000000" pitchFamily="34" charset="-128"/>
                           <a:ea typeface="Hiragino Kaku Gothic Pro W3" panose="020B0300000000000000" pitchFamily="34" charset="-128"/>
                         </a:rPr>
-                        <a:t>32ch</a:t>
+                        <a:t>32*28*28</a:t>
                       </a:r>
-                    </a:p>
-                  </a:txBody>
-                  <a:tcPr/>
-                </a:tc>
-                <a:extLst>
-                  <a:ext uri="{0D108BD9-81ED-4DB2-BD59-A6C34878D82A}">
-                    <a16:rowId xmlns:a16="http://schemas.microsoft.com/office/drawing/2014/main" val="1513323015"/>
-                  </a:ext>
-                </a:extLst>
-              </a:tr>
-              <a:tr h="480900">
-                <a:tc>
-                  <a:txBody>
-                    <a:bodyPr/>
-                    <a:lstStyle/>
-                    <a:p>
-                      <a:r>
-                        <a:rPr lang="en-US" altLang="ja-JP" sz="1800" dirty="0">
-                          <a:latin typeface="Hiragino Kaku Gothic Pro W3" panose="020B0300000000000000" pitchFamily="34" charset="-128"/>
-                          <a:ea typeface="Hiragino Kaku Gothic Pro W3" panose="020B0300000000000000" pitchFamily="34" charset="-128"/>
-                        </a:rPr>
-                        <a:t>Thread4</a:t>
-                      </a:r>
-                      <a:endParaRPr lang="en-US" sz="1800" dirty="0">
-                        <a:latin typeface="Hiragino Kaku Gothic Pro W3" panose="020B0300000000000000" pitchFamily="34" charset="-128"/>
-                        <a:ea typeface="Hiragino Kaku Gothic Pro W3" panose="020B0300000000000000" pitchFamily="34" charset="-128"/>
-                      </a:endParaRPr>
-                    </a:p>
-                  </a:txBody>
-                  <a:tcPr/>
-                </a:tc>
-                <a:tc>
-                  <a:txBody>
-                    <a:bodyPr/>
-                    <a:lstStyle/>
-                    <a:p>
-                      <a:pPr algn="ctr"/>
-                      <a:r>
-                        <a:rPr lang="en-US" sz="1800" dirty="0">
-                          <a:latin typeface="Hiragino Kaku Gothic Pro W3" panose="020B0300000000000000" pitchFamily="34" charset="-128"/>
-                          <a:ea typeface="Hiragino Kaku Gothic Pro W3" panose="020B0300000000000000" pitchFamily="34" charset="-128"/>
-                        </a:rPr>
-                        <a:t>32ch</a:t>
-                      </a:r>
-                    </a:p>
-                  </a:txBody>
-                  <a:tcPr/>
-                </a:tc>
-                <a:tc>
-                  <a:txBody>
-                    <a:bodyPr/>
-                    <a:lstStyle/>
-                    <a:p>
-                      <a:endParaRPr lang="en-US" sz="1800" dirty="0">
-                        <a:latin typeface="Hiragino Kaku Gothic Pro W3" panose="020B0300000000000000" pitchFamily="34" charset="-128"/>
-                        <a:ea typeface="Hiragino Kaku Gothic Pro W3" panose="020B0300000000000000" pitchFamily="34" charset="-128"/>
-                      </a:endParaRPr>
-                    </a:p>
-                  </a:txBody>
-                  <a:tcPr/>
-                </a:tc>
-                <a:tc>
-                  <a:txBody>
-                    <a:bodyPr/>
-                    <a:lstStyle/>
-                    <a:p>
-                      <a:endParaRPr lang="en-US" sz="1800" dirty="0">
-                        <a:latin typeface="Hiragino Kaku Gothic Pro W3" panose="020B0300000000000000" pitchFamily="34" charset="-128"/>
-                        <a:ea typeface="Hiragino Kaku Gothic Pro W3" panose="020B0300000000000000" pitchFamily="34" charset="-128"/>
-                      </a:endParaRPr>
                     </a:p>
                   </a:txBody>
                   <a:tcPr/>
@@ -8783,7 +9469,7 @@
 </p:sld>
 </file>
 
-<file path=ppt/slides/slide26.xml><?xml version="1.0" encoding="utf-8"?>
+<file path=ppt/slides/slide28.xml><?xml version="1.0" encoding="utf-8"?>
 <p:sld xmlns:a="http://schemas.openxmlformats.org/drawingml/2006/main" xmlns:r="http://schemas.openxmlformats.org/officeDocument/2006/relationships" xmlns:p="http://schemas.openxmlformats.org/presentationml/2006/main">
   <p:cSld>
     <p:spTree>
@@ -8893,7 +9579,7 @@
           <a:p>
             <a:fld id="{AE60790C-7B88-2D40-A70D-E54200C05D47}" type="slidenum">
               <a:rPr lang="en-US" smtClean="0"/>
-              <a:t>26</a:t>
+              <a:t>28</a:t>
             </a:fld>
             <a:endParaRPr lang="en-US" dirty="0"/>
           </a:p>
@@ -8914,14 +9600,14 @@
           <p:nvPr>
             <p:extLst>
               <p:ext uri="{D42A27DB-BD31-4B8C-83A1-F6EECF244321}">
-                <p14:modId xmlns:p14="http://schemas.microsoft.com/office/powerpoint/2010/main" val="1012212142"/>
+                <p14:modId xmlns:p14="http://schemas.microsoft.com/office/powerpoint/2010/main" val="1703929922"/>
               </p:ext>
             </p:extLst>
           </p:nvPr>
         </p:nvGraphicFramePr>
         <p:xfrm>
-          <a:off x="298383" y="2433895"/>
-          <a:ext cx="8508733" cy="3152848"/>
+          <a:off x="298382" y="2433894"/>
+          <a:ext cx="8508733" cy="3598767"/>
         </p:xfrm>
         <a:graphic>
           <a:graphicData uri="http://schemas.openxmlformats.org/drawingml/2006/table">
@@ -8930,50 +9616,43 @@
                 <a:tableStyleId>{93296810-A885-4BE3-A3E7-6D5BEEA58F35}</a:tableStyleId>
               </a:tblPr>
               <a:tblGrid>
-                <a:gridCol w="1390812">
+                <a:gridCol w="1664400">
                   <a:extLst>
                     <a:ext uri="{9D8B030D-6E8A-4147-A177-3AD203B41FA5}">
                       <a16:colId xmlns:a16="http://schemas.microsoft.com/office/drawing/2014/main" val="3854036887"/>
                     </a:ext>
                   </a:extLst>
                 </a:gridCol>
-                <a:gridCol w="1437079">
+                <a:gridCol w="1719768">
                   <a:extLst>
                     <a:ext uri="{9D8B030D-6E8A-4147-A177-3AD203B41FA5}">
                       <a16:colId xmlns:a16="http://schemas.microsoft.com/office/drawing/2014/main" val="3824709341"/>
                     </a:ext>
                   </a:extLst>
                 </a:gridCol>
-                <a:gridCol w="1437079">
+                <a:gridCol w="1719768">
                   <a:extLst>
                     <a:ext uri="{9D8B030D-6E8A-4147-A177-3AD203B41FA5}">
                       <a16:colId xmlns:a16="http://schemas.microsoft.com/office/drawing/2014/main" val="3371374645"/>
                     </a:ext>
                   </a:extLst>
                 </a:gridCol>
-                <a:gridCol w="1437079">
+                <a:gridCol w="1719768">
                   <a:extLst>
                     <a:ext uri="{9D8B030D-6E8A-4147-A177-3AD203B41FA5}">
                       <a16:colId xmlns:a16="http://schemas.microsoft.com/office/drawing/2014/main" val="798062011"/>
                     </a:ext>
                   </a:extLst>
                 </a:gridCol>
-                <a:gridCol w="1408050">
+                <a:gridCol w="1685029">
                   <a:extLst>
                     <a:ext uri="{9D8B030D-6E8A-4147-A177-3AD203B41FA5}">
                       <a16:colId xmlns:a16="http://schemas.microsoft.com/office/drawing/2014/main" val="321783498"/>
                     </a:ext>
                   </a:extLst>
                 </a:gridCol>
-                <a:gridCol w="1398634">
-                  <a:extLst>
-                    <a:ext uri="{9D8B030D-6E8A-4147-A177-3AD203B41FA5}">
-                      <a16:colId xmlns:a16="http://schemas.microsoft.com/office/drawing/2014/main" val="333888695"/>
-                    </a:ext>
-                  </a:extLst>
-                </a:gridCol>
               </a:tblGrid>
-              <a:tr h="502061">
+              <a:tr h="799806">
                 <a:tc>
                   <a:txBody>
                     <a:bodyPr/>
@@ -8998,7 +9677,7 @@
                           <a:latin typeface="Hiragino Kaku Gothic Pro W3" panose="020B0300000000000000" pitchFamily="34" charset="-128"/>
                           <a:ea typeface="Hiragino Kaku Gothic Pro W3" panose="020B0300000000000000" pitchFamily="34" charset="-128"/>
                         </a:rPr>
-                        <a:t>BRAM18k</a:t>
+                        <a:t>BRAM18K</a:t>
                       </a:r>
                       <a:endParaRPr lang="en-US" sz="2000" dirty="0">
                         <a:latin typeface="Hiragino Kaku Gothic Pro W3" panose="020B0300000000000000" pitchFamily="34" charset="-128"/>
@@ -9079,43 +9758,13 @@
                   </a:txBody>
                   <a:tcPr/>
                 </a:tc>
-                <a:tc>
-                  <a:txBody>
-                    <a:bodyPr/>
-                    <a:lstStyle/>
-                    <a:p>
-                      <a:pPr marL="0" marR="0" lvl="0" indent="0" algn="ctr" defTabSz="914400" rtl="0" eaLnBrk="1" fontAlgn="auto" latinLnBrk="0" hangingPunct="1">
-                        <a:lnSpc>
-                          <a:spcPct val="100000"/>
-                        </a:lnSpc>
-                        <a:spcBef>
-                          <a:spcPts val="0"/>
-                        </a:spcBef>
-                        <a:spcAft>
-                          <a:spcPts val="0"/>
-                        </a:spcAft>
-                        <a:buClrTx/>
-                        <a:buSzTx/>
-                        <a:buFontTx/>
-                        <a:buNone/>
-                        <a:tabLst/>
-                        <a:defRPr/>
-                      </a:pPr>
-                      <a:endParaRPr lang="en-US" sz="2000" dirty="0">
-                        <a:latin typeface="Hiragino Kaku Gothic Pro W3" panose="020B0300000000000000" pitchFamily="34" charset="-128"/>
-                        <a:ea typeface="Hiragino Kaku Gothic Pro W3" panose="020B0300000000000000" pitchFamily="34" charset="-128"/>
-                      </a:endParaRPr>
-                    </a:p>
-                  </a:txBody>
-                  <a:tcPr/>
-                </a:tc>
                 <a:extLst>
                   <a:ext uri="{0D108BD9-81ED-4DB2-BD59-A6C34878D82A}">
                     <a16:rowId xmlns:a16="http://schemas.microsoft.com/office/drawing/2014/main" val="1686206476"/>
                   </a:ext>
                 </a:extLst>
               </a:tr>
-              <a:tr h="612952">
+              <a:tr h="699307">
                 <a:tc>
                   <a:txBody>
                     <a:bodyPr/>
@@ -9188,26 +9837,13 @@
                   </a:txBody>
                   <a:tcPr/>
                 </a:tc>
-                <a:tc>
-                  <a:txBody>
-                    <a:bodyPr/>
-                    <a:lstStyle/>
-                    <a:p>
-                      <a:endParaRPr lang="en-US" sz="2000" dirty="0">
-                        <a:latin typeface="Hiragino Kaku Gothic Pro W3" panose="020B0300000000000000" pitchFamily="34" charset="-128"/>
-                        <a:ea typeface="Hiragino Kaku Gothic Pro W3" panose="020B0300000000000000" pitchFamily="34" charset="-128"/>
-                      </a:endParaRPr>
-                    </a:p>
-                  </a:txBody>
-                  <a:tcPr/>
-                </a:tc>
                 <a:extLst>
                   <a:ext uri="{0D108BD9-81ED-4DB2-BD59-A6C34878D82A}">
                     <a16:rowId xmlns:a16="http://schemas.microsoft.com/office/drawing/2014/main" val="2997246466"/>
                   </a:ext>
                 </a:extLst>
               </a:tr>
-              <a:tr h="612952">
+              <a:tr h="699307">
                 <a:tc>
                   <a:txBody>
                     <a:bodyPr/>
@@ -9233,10 +9869,13 @@
                     <a:bodyPr/>
                     <a:lstStyle/>
                     <a:p>
-                      <a:endParaRPr lang="en-US" sz="2000" dirty="0">
-                        <a:latin typeface="Hiragino Kaku Gothic Pro W3" panose="020B0300000000000000" pitchFamily="34" charset="-128"/>
-                        <a:ea typeface="Hiragino Kaku Gothic Pro W3" panose="020B0300000000000000" pitchFamily="34" charset="-128"/>
-                      </a:endParaRPr>
+                      <a:r>
+                        <a:rPr lang="en-US" sz="2000" dirty="0">
+                          <a:latin typeface="Hiragino Kaku Gothic Pro W3" panose="020B0300000000000000" pitchFamily="34" charset="-128"/>
+                          <a:ea typeface="Hiragino Kaku Gothic Pro W3" panose="020B0300000000000000" pitchFamily="34" charset="-128"/>
+                        </a:rPr>
+                        <a:t>866[25%]</a:t>
+                      </a:r>
                     </a:p>
                   </a:txBody>
                   <a:tcPr/>
@@ -9246,10 +9885,13 @@
                     <a:bodyPr/>
                     <a:lstStyle/>
                     <a:p>
-                      <a:endParaRPr lang="en-US" sz="2000" dirty="0">
-                        <a:latin typeface="Hiragino Kaku Gothic Pro W3" panose="020B0300000000000000" pitchFamily="34" charset="-128"/>
-                        <a:ea typeface="Hiragino Kaku Gothic Pro W3" panose="020B0300000000000000" pitchFamily="34" charset="-128"/>
-                      </a:endParaRPr>
+                      <a:r>
+                        <a:rPr lang="en-US" sz="2000" dirty="0">
+                          <a:latin typeface="Hiragino Kaku Gothic Pro W3" panose="020B0300000000000000" pitchFamily="34" charset="-128"/>
+                          <a:ea typeface="Hiragino Kaku Gothic Pro W3" panose="020B0300000000000000" pitchFamily="34" charset="-128"/>
+                        </a:rPr>
+                        <a:t>532[69%]</a:t>
+                      </a:r>
                     </a:p>
                   </a:txBody>
                   <a:tcPr/>
@@ -9259,10 +9901,13 @@
                     <a:bodyPr/>
                     <a:lstStyle/>
                     <a:p>
-                      <a:endParaRPr lang="en-US" sz="2000" dirty="0">
-                        <a:latin typeface="Hiragino Kaku Gothic Pro W3" panose="020B0300000000000000" pitchFamily="34" charset="-128"/>
-                        <a:ea typeface="Hiragino Kaku Gothic Pro W3" panose="020B0300000000000000" pitchFamily="34" charset="-128"/>
-                      </a:endParaRPr>
+                      <a:r>
+                        <a:rPr lang="en-US" sz="2000" dirty="0">
+                          <a:latin typeface="Hiragino Kaku Gothic Pro W3" panose="020B0300000000000000" pitchFamily="34" charset="-128"/>
+                          <a:ea typeface="Hiragino Kaku Gothic Pro W3" panose="020B0300000000000000" pitchFamily="34" charset="-128"/>
+                        </a:rPr>
+                        <a:t>123683[23%]</a:t>
+                      </a:r>
                     </a:p>
                   </a:txBody>
                   <a:tcPr/>
@@ -9272,23 +9917,13 @@
                     <a:bodyPr/>
                     <a:lstStyle/>
                     <a:p>
-                      <a:endParaRPr lang="en-US" sz="2000" dirty="0">
-                        <a:latin typeface="Hiragino Kaku Gothic Pro W3" panose="020B0300000000000000" pitchFamily="34" charset="-128"/>
-                        <a:ea typeface="Hiragino Kaku Gothic Pro W3" panose="020B0300000000000000" pitchFamily="34" charset="-128"/>
-                      </a:endParaRPr>
-                    </a:p>
-                  </a:txBody>
-                  <a:tcPr/>
-                </a:tc>
-                <a:tc>
-                  <a:txBody>
-                    <a:bodyPr/>
-                    <a:lstStyle/>
-                    <a:p>
-                      <a:endParaRPr lang="en-US" sz="2000">
-                        <a:latin typeface="Hiragino Kaku Gothic Pro W3" panose="020B0300000000000000" pitchFamily="34" charset="-128"/>
-                        <a:ea typeface="Hiragino Kaku Gothic Pro W3" panose="020B0300000000000000" pitchFamily="34" charset="-128"/>
-                      </a:endParaRPr>
+                      <a:r>
+                        <a:rPr lang="en-US" sz="2000" dirty="0">
+                          <a:latin typeface="Hiragino Kaku Gothic Pro W3" panose="020B0300000000000000" pitchFamily="34" charset="-128"/>
+                          <a:ea typeface="Hiragino Kaku Gothic Pro W3" panose="020B0300000000000000" pitchFamily="34" charset="-128"/>
+                        </a:rPr>
+                        <a:t>322334[59%]</a:t>
+                      </a:r>
                     </a:p>
                   </a:txBody>
                   <a:tcPr/>
@@ -9299,7 +9934,7 @@
                   </a:ext>
                 </a:extLst>
               </a:tr>
-              <a:tr h="612952">
+              <a:tr h="699307">
                 <a:tc>
                   <a:txBody>
                     <a:bodyPr/>
@@ -9372,26 +10007,13 @@
                   </a:txBody>
                   <a:tcPr/>
                 </a:tc>
-                <a:tc>
-                  <a:txBody>
-                    <a:bodyPr/>
-                    <a:lstStyle/>
-                    <a:p>
-                      <a:endParaRPr lang="en-US" sz="2000" dirty="0">
-                        <a:latin typeface="Hiragino Kaku Gothic Pro W3" panose="020B0300000000000000" pitchFamily="34" charset="-128"/>
-                        <a:ea typeface="Hiragino Kaku Gothic Pro W3" panose="020B0300000000000000" pitchFamily="34" charset="-128"/>
-                      </a:endParaRPr>
-                    </a:p>
-                  </a:txBody>
-                  <a:tcPr/>
-                </a:tc>
                 <a:extLst>
                   <a:ext uri="{0D108BD9-81ED-4DB2-BD59-A6C34878D82A}">
                     <a16:rowId xmlns:a16="http://schemas.microsoft.com/office/drawing/2014/main" val="1513323015"/>
                   </a:ext>
                 </a:extLst>
               </a:tr>
-              <a:tr h="612952">
+              <a:tr h="699307">
                 <a:tc>
                   <a:txBody>
                     <a:bodyPr/>
@@ -9404,19 +10026,6 @@
                         </a:rPr>
                         <a:t>Thread4</a:t>
                       </a:r>
-                      <a:endParaRPr lang="en-US" sz="2000" dirty="0">
-                        <a:latin typeface="Hiragino Kaku Gothic Pro W3" panose="020B0300000000000000" pitchFamily="34" charset="-128"/>
-                        <a:ea typeface="Hiragino Kaku Gothic Pro W3" panose="020B0300000000000000" pitchFamily="34" charset="-128"/>
-                      </a:endParaRPr>
-                    </a:p>
-                  </a:txBody>
-                  <a:tcPr/>
-                </a:tc>
-                <a:tc>
-                  <a:txBody>
-                    <a:bodyPr/>
-                    <a:lstStyle/>
-                    <a:p>
                       <a:endParaRPr lang="en-US" sz="2000" dirty="0">
                         <a:latin typeface="Hiragino Kaku Gothic Pro W3" panose="020B0300000000000000" pitchFamily="34" charset="-128"/>
                         <a:ea typeface="Hiragino Kaku Gothic Pro W3" panose="020B0300000000000000" pitchFamily="34" charset="-128"/>
@@ -9500,7 +10109,7 @@
 </p:sld>
 </file>
 
-<file path=ppt/slides/slide27.xml><?xml version="1.0" encoding="utf-8"?>
+<file path=ppt/slides/slide29.xml><?xml version="1.0" encoding="utf-8"?>
 <p:sld xmlns:a="http://schemas.openxmlformats.org/drawingml/2006/main" xmlns:r="http://schemas.openxmlformats.org/officeDocument/2006/relationships" xmlns:p="http://schemas.openxmlformats.org/presentationml/2006/main">
   <p:cSld>
     <p:spTree>
@@ -9612,7 +10221,7 @@
           <a:p>
             <a:fld id="{AE60790C-7B88-2D40-A70D-E54200C05D47}" type="slidenum">
               <a:rPr lang="en-US" smtClean="0"/>
-              <a:t>27</a:t>
+              <a:t>29</a:t>
             </a:fld>
             <a:endParaRPr lang="en-US"/>
           </a:p>
@@ -9633,14 +10242,14 @@
           <p:nvPr>
             <p:extLst>
               <p:ext uri="{D42A27DB-BD31-4B8C-83A1-F6EECF244321}">
-                <p14:modId xmlns:p14="http://schemas.microsoft.com/office/powerpoint/2010/main" val="2367407827"/>
+                <p14:modId xmlns:p14="http://schemas.microsoft.com/office/powerpoint/2010/main" val="318825820"/>
               </p:ext>
             </p:extLst>
           </p:nvPr>
         </p:nvGraphicFramePr>
         <p:xfrm>
           <a:off x="298383" y="2393530"/>
-          <a:ext cx="5958579" cy="3147325"/>
+          <a:ext cx="6821608" cy="3544933"/>
         </p:xfrm>
         <a:graphic>
           <a:graphicData uri="http://schemas.openxmlformats.org/drawingml/2006/table">
@@ -9649,28 +10258,28 @@
                 <a:tableStyleId>{5C22544A-7EE6-4342-B048-85BDC9FD1C3A}</a:tableStyleId>
               </a:tblPr>
               <a:tblGrid>
-                <a:gridCol w="1470787">
+                <a:gridCol w="1683813">
                   <a:extLst>
                     <a:ext uri="{9D8B030D-6E8A-4147-A177-3AD203B41FA5}">
                       <a16:colId xmlns:a16="http://schemas.microsoft.com/office/drawing/2014/main" val="3854036887"/>
                     </a:ext>
                   </a:extLst>
                 </a:gridCol>
-                <a:gridCol w="1519716">
+                <a:gridCol w="1739829">
                   <a:extLst>
                     <a:ext uri="{9D8B030D-6E8A-4147-A177-3AD203B41FA5}">
                       <a16:colId xmlns:a16="http://schemas.microsoft.com/office/drawing/2014/main" val="3824709341"/>
                     </a:ext>
                   </a:extLst>
                 </a:gridCol>
-                <a:gridCol w="1489017">
+                <a:gridCol w="1704683">
                   <a:extLst>
                     <a:ext uri="{9D8B030D-6E8A-4147-A177-3AD203B41FA5}">
                       <a16:colId xmlns:a16="http://schemas.microsoft.com/office/drawing/2014/main" val="321783498"/>
                     </a:ext>
                   </a:extLst>
                 </a:gridCol>
-                <a:gridCol w="1479059">
+                <a:gridCol w="1693283">
                   <a:extLst>
                     <a:ext uri="{9D8B030D-6E8A-4147-A177-3AD203B41FA5}">
                       <a16:colId xmlns:a16="http://schemas.microsoft.com/office/drawing/2014/main" val="333888695"/>
@@ -9678,7 +10287,7 @@
                   </a:extLst>
                 </a:gridCol>
               </a:tblGrid>
-              <a:tr h="501449">
+              <a:tr h="720943">
                 <a:tc>
                   <a:txBody>
                     <a:bodyPr/>
@@ -9699,13 +10308,20 @@
                     <a:p>
                       <a:pPr algn="ctr"/>
                       <a:r>
-                        <a:rPr lang="en-US" altLang="ja-JP" dirty="0">
+                        <a:rPr lang="en-US" altLang="ja-JP" sz="1800" dirty="0" err="1">
                           <a:latin typeface="Hiragino Kaku Gothic Pro W3" panose="020B0300000000000000" pitchFamily="34" charset="-128"/>
                           <a:ea typeface="Hiragino Kaku Gothic Pro W3" panose="020B0300000000000000" pitchFamily="34" charset="-128"/>
                         </a:rPr>
-                        <a:t>FPGA</a:t>
+                        <a:t>FiC</a:t>
                       </a:r>
-                      <a:endParaRPr lang="en-US" dirty="0">
+                      <a:r>
+                        <a:rPr lang="en-US" altLang="ja-JP" sz="1800" dirty="0">
+                          <a:latin typeface="Hiragino Kaku Gothic Pro W3" panose="020B0300000000000000" pitchFamily="34" charset="-128"/>
+                          <a:ea typeface="Hiragino Kaku Gothic Pro W3" panose="020B0300000000000000" pitchFamily="34" charset="-128"/>
+                        </a:rPr>
+                        <a:t>-SW</a:t>
+                      </a:r>
+                      <a:endParaRPr lang="en-US" sz="1800" dirty="0">
                         <a:latin typeface="Hiragino Kaku Gothic Pro W3" panose="020B0300000000000000" pitchFamily="34" charset="-128"/>
                         <a:ea typeface="Hiragino Kaku Gothic Pro W3" panose="020B0300000000000000" pitchFamily="34" charset="-128"/>
                       </a:endParaRPr>
@@ -9736,16 +10352,38 @@
                         <a:defRPr/>
                       </a:pPr>
                       <a:r>
-                        <a:rPr lang="en-US" altLang="ja-JP" dirty="0">
+                        <a:rPr lang="en-US" altLang="ja-JP" sz="1800" dirty="0">
                           <a:latin typeface="Hiragino Kaku Gothic Pro W3" panose="020B0300000000000000" pitchFamily="34" charset="-128"/>
                           <a:ea typeface="Hiragino Kaku Gothic Pro W3" panose="020B0300000000000000" pitchFamily="34" charset="-128"/>
                         </a:rPr>
                         <a:t>Intel Xeon</a:t>
                       </a:r>
-                      <a:endParaRPr lang="en-US" dirty="0">
-                        <a:latin typeface="Hiragino Kaku Gothic Pro W3" panose="020B0300000000000000" pitchFamily="34" charset="-128"/>
-                        <a:ea typeface="Hiragino Kaku Gothic Pro W3" panose="020B0300000000000000" pitchFamily="34" charset="-128"/>
-                      </a:endParaRPr>
+                    </a:p>
+                    <a:p>
+                      <a:pPr marL="0" marR="0" lvl="0" indent="0" algn="ctr" defTabSz="914400" rtl="0" eaLnBrk="1" fontAlgn="auto" latinLnBrk="0" hangingPunct="1">
+                        <a:lnSpc>
+                          <a:spcPct val="100000"/>
+                        </a:lnSpc>
+                        <a:spcBef>
+                          <a:spcPts val="0"/>
+                        </a:spcBef>
+                        <a:spcAft>
+                          <a:spcPts val="0"/>
+                        </a:spcAft>
+                        <a:buClrTx/>
+                        <a:buSzTx/>
+                        <a:buFontTx/>
+                        <a:buNone/>
+                        <a:tabLst/>
+                        <a:defRPr/>
+                      </a:pPr>
+                      <a:r>
+                        <a:rPr lang="en-US" sz="1800" dirty="0">
+                          <a:latin typeface="Hiragino Kaku Gothic Pro W3" panose="020B0300000000000000" pitchFamily="34" charset="-128"/>
+                          <a:ea typeface="Hiragino Kaku Gothic Pro W3" panose="020B0300000000000000" pitchFamily="34" charset="-128"/>
+                        </a:rPr>
+                        <a:t>-O3</a:t>
+                      </a:r>
                     </a:p>
                   </a:txBody>
                   <a:tcPr/>
@@ -9773,13 +10411,46 @@
                         <a:defRPr/>
                       </a:pPr>
                       <a:r>
-                        <a:rPr lang="en-US" altLang="ja-JP" dirty="0">
+                        <a:rPr lang="en-US" altLang="ja-JP" sz="1800" dirty="0" err="1">
                           <a:latin typeface="Hiragino Kaku Gothic Pro W3" panose="020B0300000000000000" pitchFamily="34" charset="-128"/>
                           <a:ea typeface="Hiragino Kaku Gothic Pro W3" panose="020B0300000000000000" pitchFamily="34" charset="-128"/>
                         </a:rPr>
-                        <a:t>Raspberry Pie</a:t>
+                        <a:t>Imtel</a:t>
                       </a:r>
-                      <a:endParaRPr lang="en-US" dirty="0">
+                      <a:r>
+                        <a:rPr lang="en-US" altLang="ja-JP" sz="1800" dirty="0">
+                          <a:latin typeface="Hiragino Kaku Gothic Pro W3" panose="020B0300000000000000" pitchFamily="34" charset="-128"/>
+                          <a:ea typeface="Hiragino Kaku Gothic Pro W3" panose="020B0300000000000000" pitchFamily="34" charset="-128"/>
+                        </a:rPr>
+                        <a:t> Xeon</a:t>
+                      </a:r>
+                    </a:p>
+                    <a:p>
+                      <a:pPr marL="0" marR="0" lvl="0" indent="0" algn="ctr" defTabSz="914400" rtl="0" eaLnBrk="1" fontAlgn="auto" latinLnBrk="0" hangingPunct="1">
+                        <a:lnSpc>
+                          <a:spcPct val="100000"/>
+                        </a:lnSpc>
+                        <a:spcBef>
+                          <a:spcPts val="0"/>
+                        </a:spcBef>
+                        <a:spcAft>
+                          <a:spcPts val="0"/>
+                        </a:spcAft>
+                        <a:buClrTx/>
+                        <a:buSzTx/>
+                        <a:buFontTx/>
+                        <a:buNone/>
+                        <a:tabLst/>
+                        <a:defRPr/>
+                      </a:pPr>
+                      <a:r>
+                        <a:rPr lang="en-US" sz="1800" dirty="0" err="1">
+                          <a:latin typeface="Hiragino Kaku Gothic Pro W3" panose="020B0300000000000000" pitchFamily="34" charset="-128"/>
+                          <a:ea typeface="Hiragino Kaku Gothic Pro W3" panose="020B0300000000000000" pitchFamily="34" charset="-128"/>
+                        </a:rPr>
+                        <a:t>OpenMP</a:t>
+                      </a:r>
+                      <a:endParaRPr lang="en-US" sz="1800" dirty="0">
                         <a:latin typeface="Hiragino Kaku Gothic Pro W3" panose="020B0300000000000000" pitchFamily="34" charset="-128"/>
                         <a:ea typeface="Hiragino Kaku Gothic Pro W3" panose="020B0300000000000000" pitchFamily="34" charset="-128"/>
                       </a:endParaRPr>
@@ -9793,20 +10464,21 @@
                   </a:ext>
                 </a:extLst>
               </a:tr>
-              <a:tr h="501449">
+              <a:tr h="564798">
                 <a:tc>
                   <a:txBody>
                     <a:bodyPr/>
                     <a:lstStyle/>
                     <a:p>
+                      <a:pPr algn="ctr"/>
                       <a:r>
-                        <a:rPr lang="en-US" altLang="ja-JP" dirty="0">
+                        <a:rPr lang="en-US" altLang="ja-JP" sz="2400" dirty="0">
                           <a:latin typeface="Hiragino Kaku Gothic Pro W3" panose="020B0300000000000000" pitchFamily="34" charset="-128"/>
                           <a:ea typeface="Hiragino Kaku Gothic Pro W3" panose="020B0300000000000000" pitchFamily="34" charset="-128"/>
                         </a:rPr>
                         <a:t>Thread1</a:t>
                       </a:r>
-                      <a:endParaRPr lang="en-US" dirty="0">
+                      <a:endParaRPr lang="en-US" sz="2400" dirty="0">
                         <a:latin typeface="Hiragino Kaku Gothic Pro W3" panose="020B0300000000000000" pitchFamily="34" charset="-128"/>
                         <a:ea typeface="Hiragino Kaku Gothic Pro W3" panose="020B0300000000000000" pitchFamily="34" charset="-128"/>
                       </a:endParaRPr>
@@ -9819,10 +10491,14 @@
                     <a:bodyPr/>
                     <a:lstStyle/>
                     <a:p>
-                      <a:endParaRPr lang="en-US" dirty="0">
-                        <a:latin typeface="Hiragino Kaku Gothic Pro W3" panose="020B0300000000000000" pitchFamily="34" charset="-128"/>
-                        <a:ea typeface="Hiragino Kaku Gothic Pro W3" panose="020B0300000000000000" pitchFamily="34" charset="-128"/>
-                      </a:endParaRPr>
+                      <a:pPr algn="ctr"/>
+                      <a:r>
+                        <a:rPr lang="en-US" sz="2800" dirty="0">
+                          <a:latin typeface="Hiragino Kaku Gothic Pro W3" panose="020B0300000000000000" pitchFamily="34" charset="-128"/>
+                          <a:ea typeface="Hiragino Kaku Gothic Pro W3" panose="020B0300000000000000" pitchFamily="34" charset="-128"/>
+                        </a:rPr>
+                        <a:t>9.1</a:t>
+                      </a:r>
                     </a:p>
                   </a:txBody>
                   <a:tcPr/>
@@ -9832,10 +10508,14 @@
                     <a:bodyPr/>
                     <a:lstStyle/>
                     <a:p>
-                      <a:endParaRPr lang="en-US" dirty="0">
-                        <a:latin typeface="Hiragino Kaku Gothic Pro W3" panose="020B0300000000000000" pitchFamily="34" charset="-128"/>
-                        <a:ea typeface="Hiragino Kaku Gothic Pro W3" panose="020B0300000000000000" pitchFamily="34" charset="-128"/>
-                      </a:endParaRPr>
+                      <a:pPr algn="ctr"/>
+                      <a:r>
+                        <a:rPr lang="en-US" sz="2800" dirty="0">
+                          <a:latin typeface="Hiragino Kaku Gothic Pro W3" panose="020B0300000000000000" pitchFamily="34" charset="-128"/>
+                          <a:ea typeface="Hiragino Kaku Gothic Pro W3" panose="020B0300000000000000" pitchFamily="34" charset="-128"/>
+                        </a:rPr>
+                        <a:t>123</a:t>
+                      </a:r>
                     </a:p>
                   </a:txBody>
                   <a:tcPr/>
@@ -9845,7 +10525,15 @@
                     <a:bodyPr/>
                     <a:lstStyle/>
                     <a:p>
-                      <a:endParaRPr lang="en-US" dirty="0">
+                      <a:pPr algn="ctr"/>
+                      <a:r>
+                        <a:rPr lang="en-US" altLang="ja-JP" sz="2800" dirty="0">
+                          <a:latin typeface="Hiragino Kaku Gothic Pro W3" panose="020B0300000000000000" pitchFamily="34" charset="-128"/>
+                          <a:ea typeface="Hiragino Kaku Gothic Pro W3" panose="020B0300000000000000" pitchFamily="34" charset="-128"/>
+                        </a:rPr>
+                        <a:t>127</a:t>
+                      </a:r>
+                      <a:endParaRPr lang="en-US" sz="2800" dirty="0">
                         <a:latin typeface="Hiragino Kaku Gothic Pro W3" panose="020B0300000000000000" pitchFamily="34" charset="-128"/>
                         <a:ea typeface="Hiragino Kaku Gothic Pro W3" panose="020B0300000000000000" pitchFamily="34" charset="-128"/>
                       </a:endParaRPr>
@@ -9859,20 +10547,21 @@
                   </a:ext>
                 </a:extLst>
               </a:tr>
-              <a:tr h="501449">
+              <a:tr h="564798">
                 <a:tc>
                   <a:txBody>
                     <a:bodyPr/>
                     <a:lstStyle/>
                     <a:p>
+                      <a:pPr algn="ctr"/>
                       <a:r>
-                        <a:rPr lang="en-US" altLang="ja-JP" dirty="0">
+                        <a:rPr lang="en-US" altLang="ja-JP" sz="2400" dirty="0">
                           <a:latin typeface="Hiragino Kaku Gothic Pro W3" panose="020B0300000000000000" pitchFamily="34" charset="-128"/>
                           <a:ea typeface="Hiragino Kaku Gothic Pro W3" panose="020B0300000000000000" pitchFamily="34" charset="-128"/>
                         </a:rPr>
                         <a:t>Thread2</a:t>
                       </a:r>
-                      <a:endParaRPr lang="en-US" dirty="0">
+                      <a:endParaRPr lang="en-US" sz="2400" dirty="0">
                         <a:latin typeface="Hiragino Kaku Gothic Pro W3" panose="020B0300000000000000" pitchFamily="34" charset="-128"/>
                         <a:ea typeface="Hiragino Kaku Gothic Pro W3" panose="020B0300000000000000" pitchFamily="34" charset="-128"/>
                       </a:endParaRPr>
@@ -9885,7 +10574,73 @@
                     <a:bodyPr/>
                     <a:lstStyle/>
                     <a:p>
-                      <a:endParaRPr lang="en-US" dirty="0">
+                      <a:pPr algn="ctr"/>
+                      <a:r>
+                        <a:rPr lang="en-US" sz="2800" dirty="0">
+                          <a:latin typeface="Hiragino Kaku Gothic Pro W3" panose="020B0300000000000000" pitchFamily="34" charset="-128"/>
+                          <a:ea typeface="Hiragino Kaku Gothic Pro W3" panose="020B0300000000000000" pitchFamily="34" charset="-128"/>
+                        </a:rPr>
+                        <a:t>20.2</a:t>
+                      </a:r>
+                    </a:p>
+                  </a:txBody>
+                  <a:tcPr/>
+                </a:tc>
+                <a:tc>
+                  <a:txBody>
+                    <a:bodyPr/>
+                    <a:lstStyle/>
+                    <a:p>
+                      <a:pPr algn="ctr"/>
+                      <a:r>
+                        <a:rPr lang="en-US" sz="2800" dirty="0">
+                          <a:latin typeface="Hiragino Kaku Gothic Pro W3" panose="020B0300000000000000" pitchFamily="34" charset="-128"/>
+                          <a:ea typeface="Hiragino Kaku Gothic Pro W3" panose="020B0300000000000000" pitchFamily="34" charset="-128"/>
+                        </a:rPr>
+                        <a:t>1035</a:t>
+                      </a:r>
+                    </a:p>
+                  </a:txBody>
+                  <a:tcPr/>
+                </a:tc>
+                <a:tc>
+                  <a:txBody>
+                    <a:bodyPr/>
+                    <a:lstStyle/>
+                    <a:p>
+                      <a:pPr algn="ctr"/>
+                      <a:r>
+                        <a:rPr lang="en-US" sz="2800" dirty="0">
+                          <a:latin typeface="Hiragino Kaku Gothic Pro W3" panose="020B0300000000000000" pitchFamily="34" charset="-128"/>
+                          <a:ea typeface="Hiragino Kaku Gothic Pro W3" panose="020B0300000000000000" pitchFamily="34" charset="-128"/>
+                        </a:rPr>
+                        <a:t>1049</a:t>
+                      </a:r>
+                    </a:p>
+                  </a:txBody>
+                  <a:tcPr/>
+                </a:tc>
+                <a:extLst>
+                  <a:ext uri="{0D108BD9-81ED-4DB2-BD59-A6C34878D82A}">
+                    <a16:rowId xmlns:a16="http://schemas.microsoft.com/office/drawing/2014/main" val="2748640994"/>
+                  </a:ext>
+                </a:extLst>
+              </a:tr>
+              <a:tr h="564798">
+                <a:tc>
+                  <a:txBody>
+                    <a:bodyPr/>
+                    <a:lstStyle/>
+                    <a:p>
+                      <a:pPr algn="ctr"/>
+                      <a:r>
+                        <a:rPr lang="en-US" altLang="ja-JP" sz="2400" dirty="0">
+                          <a:latin typeface="Hiragino Kaku Gothic Pro W3" panose="020B0300000000000000" pitchFamily="34" charset="-128"/>
+                          <a:ea typeface="Hiragino Kaku Gothic Pro W3" panose="020B0300000000000000" pitchFamily="34" charset="-128"/>
+                        </a:rPr>
+                        <a:t>Thread3</a:t>
+                      </a:r>
+                      <a:endParaRPr lang="en-US" sz="2400" dirty="0">
                         <a:latin typeface="Hiragino Kaku Gothic Pro W3" panose="020B0300000000000000" pitchFamily="34" charset="-128"/>
                         <a:ea typeface="Hiragino Kaku Gothic Pro W3" panose="020B0300000000000000" pitchFamily="34" charset="-128"/>
                       </a:endParaRPr>
@@ -9898,7 +10653,8 @@
                     <a:bodyPr/>
                     <a:lstStyle/>
                     <a:p>
-                      <a:endParaRPr lang="en-US" dirty="0">
+                      <a:pPr algn="ctr"/>
+                      <a:endParaRPr lang="en-US" sz="2800" dirty="0">
                         <a:latin typeface="Hiragino Kaku Gothic Pro W3" panose="020B0300000000000000" pitchFamily="34" charset="-128"/>
                         <a:ea typeface="Hiragino Kaku Gothic Pro W3" panose="020B0300000000000000" pitchFamily="34" charset="-128"/>
                       </a:endParaRPr>
@@ -9911,34 +10667,56 @@
                     <a:bodyPr/>
                     <a:lstStyle/>
                     <a:p>
-                      <a:endParaRPr lang="en-US">
-                        <a:latin typeface="Hiragino Kaku Gothic Pro W3" panose="020B0300000000000000" pitchFamily="34" charset="-128"/>
-                        <a:ea typeface="Hiragino Kaku Gothic Pro W3" panose="020B0300000000000000" pitchFamily="34" charset="-128"/>
-                      </a:endParaRPr>
+                      <a:pPr algn="ctr"/>
+                      <a:r>
+                        <a:rPr lang="en-US" sz="2800" dirty="0">
+                          <a:latin typeface="Hiragino Kaku Gothic Pro W3" panose="020B0300000000000000" pitchFamily="34" charset="-128"/>
+                          <a:ea typeface="Hiragino Kaku Gothic Pro W3" panose="020B0300000000000000" pitchFamily="34" charset="-128"/>
+                        </a:rPr>
+                        <a:t>125</a:t>
+                      </a:r>
+                    </a:p>
+                  </a:txBody>
+                  <a:tcPr/>
+                </a:tc>
+                <a:tc>
+                  <a:txBody>
+                    <a:bodyPr/>
+                    <a:lstStyle/>
+                    <a:p>
+                      <a:pPr algn="ctr"/>
+                      <a:r>
+                        <a:rPr lang="en-US" sz="2800" dirty="0">
+                          <a:latin typeface="Hiragino Kaku Gothic Pro W3" panose="020B0300000000000000" pitchFamily="34" charset="-128"/>
+                          <a:ea typeface="Hiragino Kaku Gothic Pro W3" panose="020B0300000000000000" pitchFamily="34" charset="-128"/>
+                        </a:rPr>
+                        <a:t>136</a:t>
+                      </a:r>
                     </a:p>
                   </a:txBody>
                   <a:tcPr/>
                 </a:tc>
                 <a:extLst>
                   <a:ext uri="{0D108BD9-81ED-4DB2-BD59-A6C34878D82A}">
-                    <a16:rowId xmlns:a16="http://schemas.microsoft.com/office/drawing/2014/main" val="2748640994"/>
+                    <a16:rowId xmlns:a16="http://schemas.microsoft.com/office/drawing/2014/main" val="1513323015"/>
                   </a:ext>
                 </a:extLst>
               </a:tr>
-              <a:tr h="501449">
+              <a:tr h="564798">
                 <a:tc>
                   <a:txBody>
                     <a:bodyPr/>
                     <a:lstStyle/>
                     <a:p>
+                      <a:pPr algn="ctr"/>
                       <a:r>
-                        <a:rPr lang="en-US" altLang="ja-JP" dirty="0">
+                        <a:rPr lang="en-US" altLang="ja-JP" sz="2400" dirty="0">
                           <a:latin typeface="Hiragino Kaku Gothic Pro W3" panose="020B0300000000000000" pitchFamily="34" charset="-128"/>
                           <a:ea typeface="Hiragino Kaku Gothic Pro W3" panose="020B0300000000000000" pitchFamily="34" charset="-128"/>
                         </a:rPr>
-                        <a:t>Thread3</a:t>
+                        <a:t>Thread4</a:t>
                       </a:r>
-                      <a:endParaRPr lang="en-US" dirty="0">
+                      <a:endParaRPr lang="en-US" sz="2400" dirty="0">
                         <a:latin typeface="Hiragino Kaku Gothic Pro W3" panose="020B0300000000000000" pitchFamily="34" charset="-128"/>
                         <a:ea typeface="Hiragino Kaku Gothic Pro W3" panose="020B0300000000000000" pitchFamily="34" charset="-128"/>
                       </a:endParaRPr>
@@ -9951,7 +10729,8 @@
                     <a:bodyPr/>
                     <a:lstStyle/>
                     <a:p>
-                      <a:endParaRPr lang="en-US" dirty="0">
+                      <a:pPr algn="ctr"/>
+                      <a:endParaRPr lang="en-US" sz="2800" dirty="0">
                         <a:latin typeface="Hiragino Kaku Gothic Pro W3" panose="020B0300000000000000" pitchFamily="34" charset="-128"/>
                         <a:ea typeface="Hiragino Kaku Gothic Pro W3" panose="020B0300000000000000" pitchFamily="34" charset="-128"/>
                       </a:endParaRPr>
@@ -9964,10 +10743,14 @@
                     <a:bodyPr/>
                     <a:lstStyle/>
                     <a:p>
-                      <a:endParaRPr lang="en-US" dirty="0">
-                        <a:latin typeface="Hiragino Kaku Gothic Pro W3" panose="020B0300000000000000" pitchFamily="34" charset="-128"/>
-                        <a:ea typeface="Hiragino Kaku Gothic Pro W3" panose="020B0300000000000000" pitchFamily="34" charset="-128"/>
-                      </a:endParaRPr>
+                      <a:pPr algn="ctr"/>
+                      <a:r>
+                        <a:rPr lang="en-US" sz="2800" dirty="0">
+                          <a:latin typeface="Hiragino Kaku Gothic Pro W3" panose="020B0300000000000000" pitchFamily="34" charset="-128"/>
+                          <a:ea typeface="Hiragino Kaku Gothic Pro W3" panose="020B0300000000000000" pitchFamily="34" charset="-128"/>
+                        </a:rPr>
+                        <a:t>74</a:t>
+                      </a:r>
                     </a:p>
                   </a:txBody>
                   <a:tcPr/>
@@ -9977,76 +10760,14 @@
                     <a:bodyPr/>
                     <a:lstStyle/>
                     <a:p>
-                      <a:endParaRPr lang="en-US" dirty="0">
-                        <a:latin typeface="Hiragino Kaku Gothic Pro W3" panose="020B0300000000000000" pitchFamily="34" charset="-128"/>
-                        <a:ea typeface="Hiragino Kaku Gothic Pro W3" panose="020B0300000000000000" pitchFamily="34" charset="-128"/>
-                      </a:endParaRPr>
-                    </a:p>
-                  </a:txBody>
-                  <a:tcPr/>
-                </a:tc>
-                <a:extLst>
-                  <a:ext uri="{0D108BD9-81ED-4DB2-BD59-A6C34878D82A}">
-                    <a16:rowId xmlns:a16="http://schemas.microsoft.com/office/drawing/2014/main" val="1513323015"/>
-                  </a:ext>
-                </a:extLst>
-              </a:tr>
-              <a:tr h="501449">
-                <a:tc>
-                  <a:txBody>
-                    <a:bodyPr/>
-                    <a:lstStyle/>
-                    <a:p>
+                      <a:pPr algn="ctr"/>
                       <a:r>
-                        <a:rPr lang="en-US" altLang="ja-JP" dirty="0">
+                        <a:rPr lang="en-US" sz="2800" dirty="0">
                           <a:latin typeface="Hiragino Kaku Gothic Pro W3" panose="020B0300000000000000" pitchFamily="34" charset="-128"/>
                           <a:ea typeface="Hiragino Kaku Gothic Pro W3" panose="020B0300000000000000" pitchFamily="34" charset="-128"/>
                         </a:rPr>
-                        <a:t>Thread4</a:t>
+                        <a:t>76</a:t>
                       </a:r>
-                      <a:endParaRPr lang="en-US" dirty="0">
-                        <a:latin typeface="Hiragino Kaku Gothic Pro W3" panose="020B0300000000000000" pitchFamily="34" charset="-128"/>
-                        <a:ea typeface="Hiragino Kaku Gothic Pro W3" panose="020B0300000000000000" pitchFamily="34" charset="-128"/>
-                      </a:endParaRPr>
-                    </a:p>
-                  </a:txBody>
-                  <a:tcPr/>
-                </a:tc>
-                <a:tc>
-                  <a:txBody>
-                    <a:bodyPr/>
-                    <a:lstStyle/>
-                    <a:p>
-                      <a:endParaRPr lang="en-US" dirty="0">
-                        <a:latin typeface="Hiragino Kaku Gothic Pro W3" panose="020B0300000000000000" pitchFamily="34" charset="-128"/>
-                        <a:ea typeface="Hiragino Kaku Gothic Pro W3" panose="020B0300000000000000" pitchFamily="34" charset="-128"/>
-                      </a:endParaRPr>
-                    </a:p>
-                  </a:txBody>
-                  <a:tcPr/>
-                </a:tc>
-                <a:tc>
-                  <a:txBody>
-                    <a:bodyPr/>
-                    <a:lstStyle/>
-                    <a:p>
-                      <a:endParaRPr lang="en-US" dirty="0">
-                        <a:latin typeface="Hiragino Kaku Gothic Pro W3" panose="020B0300000000000000" pitchFamily="34" charset="-128"/>
-                        <a:ea typeface="Hiragino Kaku Gothic Pro W3" panose="020B0300000000000000" pitchFamily="34" charset="-128"/>
-                      </a:endParaRPr>
-                    </a:p>
-                  </a:txBody>
-                  <a:tcPr/>
-                </a:tc>
-                <a:tc>
-                  <a:txBody>
-                    <a:bodyPr/>
-                    <a:lstStyle/>
-                    <a:p>
-                      <a:endParaRPr lang="en-US" dirty="0">
-                        <a:latin typeface="Hiragino Kaku Gothic Pro W3" panose="020B0300000000000000" pitchFamily="34" charset="-128"/>
-                        <a:ea typeface="Hiragino Kaku Gothic Pro W3" panose="020B0300000000000000" pitchFamily="34" charset="-128"/>
-                      </a:endParaRPr>
                     </a:p>
                   </a:txBody>
                   <a:tcPr/>
@@ -10057,18 +10778,19 @@
                   </a:ext>
                 </a:extLst>
               </a:tr>
-              <a:tr h="501449">
+              <a:tr h="564798">
                 <a:tc>
                   <a:txBody>
                     <a:bodyPr/>
                     <a:lstStyle/>
                     <a:p>
+                      <a:pPr algn="ctr"/>
                       <a:r>
-                        <a:rPr lang="en-US" dirty="0">
+                        <a:rPr lang="en-US" sz="2400" dirty="0">
                           <a:latin typeface="Hiragino Kaku Gothic Pro W3" panose="020B0300000000000000" pitchFamily="34" charset="-128"/>
                           <a:ea typeface="Hiragino Kaku Gothic Pro W3" panose="020B0300000000000000" pitchFamily="34" charset="-128"/>
                         </a:rPr>
-                        <a:t>Total layer</a:t>
+                        <a:t>Total</a:t>
                       </a:r>
                     </a:p>
                   </a:txBody>
@@ -10079,10 +10801,17 @@
                     <a:bodyPr/>
                     <a:lstStyle/>
                     <a:p>
-                      <a:endParaRPr lang="en-US" dirty="0">
-                        <a:latin typeface="Hiragino Kaku Gothic Pro W3" panose="020B0300000000000000" pitchFamily="34" charset="-128"/>
-                        <a:ea typeface="Hiragino Kaku Gothic Pro W3" panose="020B0300000000000000" pitchFamily="34" charset="-128"/>
-                      </a:endParaRPr>
+                      <a:pPr algn="ctr"/>
+                      <a:r>
+                        <a:rPr lang="en-US" sz="2800" dirty="0">
+                          <a:solidFill>
+                            <a:srgbClr val="FF0000"/>
+                          </a:solidFill>
+                          <a:latin typeface="Hiragino Kaku Gothic Pro W3" panose="020B0300000000000000" pitchFamily="34" charset="-128"/>
+                          <a:ea typeface="Hiragino Kaku Gothic Pro W3" panose="020B0300000000000000" pitchFamily="34" charset="-128"/>
+                        </a:rPr>
+                        <a:t>20.2</a:t>
+                      </a:r>
                     </a:p>
                   </a:txBody>
                   <a:tcPr/>
@@ -10092,10 +10821,14 @@
                     <a:bodyPr/>
                     <a:lstStyle/>
                     <a:p>
-                      <a:endParaRPr lang="en-US" dirty="0">
-                        <a:latin typeface="Hiragino Kaku Gothic Pro W3" panose="020B0300000000000000" pitchFamily="34" charset="-128"/>
-                        <a:ea typeface="Hiragino Kaku Gothic Pro W3" panose="020B0300000000000000" pitchFamily="34" charset="-128"/>
-                      </a:endParaRPr>
+                      <a:pPr algn="ctr"/>
+                      <a:r>
+                        <a:rPr lang="en-US" sz="2800" dirty="0">
+                          <a:latin typeface="Hiragino Kaku Gothic Pro W3" panose="020B0300000000000000" pitchFamily="34" charset="-128"/>
+                          <a:ea typeface="Hiragino Kaku Gothic Pro W3" panose="020B0300000000000000" pitchFamily="34" charset="-128"/>
+                        </a:rPr>
+                        <a:t>1326</a:t>
+                      </a:r>
                     </a:p>
                   </a:txBody>
                   <a:tcPr/>
@@ -10105,10 +10838,14 @@
                     <a:bodyPr/>
                     <a:lstStyle/>
                     <a:p>
-                      <a:endParaRPr lang="en-US" dirty="0">
-                        <a:latin typeface="Hiragino Kaku Gothic Pro W3" panose="020B0300000000000000" pitchFamily="34" charset="-128"/>
-                        <a:ea typeface="Hiragino Kaku Gothic Pro W3" panose="020B0300000000000000" pitchFamily="34" charset="-128"/>
-                      </a:endParaRPr>
+                      <a:pPr algn="ctr"/>
+                      <a:r>
+                        <a:rPr lang="en-US" sz="2800" dirty="0">
+                          <a:latin typeface="Hiragino Kaku Gothic Pro W3" panose="020B0300000000000000" pitchFamily="34" charset="-128"/>
+                          <a:ea typeface="Hiragino Kaku Gothic Pro W3" panose="020B0300000000000000" pitchFamily="34" charset="-128"/>
+                        </a:rPr>
+                        <a:t>1285</a:t>
+                      </a:r>
                     </a:p>
                   </a:txBody>
                   <a:tcPr/>
@@ -10123,431 +10860,10 @@
           </a:graphicData>
         </a:graphic>
       </p:graphicFrame>
-      <p:sp>
-        <p:nvSpPr>
-          <p:cNvPr id="6" name="TextBox 5">
-            <a:extLst>
-              <a:ext uri="{FF2B5EF4-FFF2-40B4-BE49-F238E27FC236}">
-                <a16:creationId xmlns:a16="http://schemas.microsoft.com/office/drawing/2014/main" id="{2B8B2DA6-7784-D64E-B13D-102FFE30B0E9}"/>
-              </a:ext>
-            </a:extLst>
-          </p:cNvPr>
-          <p:cNvSpPr txBox="1"/>
-          <p:nvPr/>
-        </p:nvSpPr>
-        <p:spPr>
-          <a:xfrm>
-            <a:off x="7119991" y="3914454"/>
-            <a:ext cx="1645002" cy="369332"/>
-          </a:xfrm>
-          <a:prstGeom prst="rect">
-            <a:avLst/>
-          </a:prstGeom>
-          <a:noFill/>
-        </p:spPr>
-        <p:txBody>
-          <a:bodyPr wrap="none" rtlCol="0">
-            <a:spAutoFit/>
-          </a:bodyPr>
-          <a:lstStyle/>
-          <a:p>
-            <a:r>
-              <a:rPr lang="ja-JP" altLang="en-US" dirty="0"/>
-              <a:t>ここはグラフ</a:t>
-            </a:r>
-            <a:r>
-              <a:rPr lang="en-US" altLang="ja-JP" dirty="0"/>
-              <a:t>!</a:t>
-            </a:r>
-          </a:p>
-        </p:txBody>
-      </p:sp>
     </p:spTree>
     <p:extLst>
       <p:ext uri="{BB962C8B-B14F-4D97-AF65-F5344CB8AC3E}">
         <p14:creationId xmlns:p14="http://schemas.microsoft.com/office/powerpoint/2010/main" val="2462749253"/>
-      </p:ext>
-    </p:extLst>
-  </p:cSld>
-  <p:clrMapOvr>
-    <a:masterClrMapping/>
-  </p:clrMapOvr>
-</p:sld>
-</file>
-
-<file path=ppt/slides/slide28.xml><?xml version="1.0" encoding="utf-8"?>
-<p:sld xmlns:a="http://schemas.openxmlformats.org/drawingml/2006/main" xmlns:r="http://schemas.openxmlformats.org/officeDocument/2006/relationships" xmlns:p="http://schemas.openxmlformats.org/presentationml/2006/main">
-  <p:cSld>
-    <p:spTree>
-      <p:nvGrpSpPr>
-        <p:cNvPr id="1" name=""/>
-        <p:cNvGrpSpPr/>
-        <p:nvPr/>
-      </p:nvGrpSpPr>
-      <p:grpSpPr>
-        <a:xfrm>
-          <a:off x="0" y="0"/>
-          <a:ext cx="0" cy="0"/>
-          <a:chOff x="0" y="0"/>
-          <a:chExt cx="0" cy="0"/>
-        </a:xfrm>
-      </p:grpSpPr>
-      <p:sp>
-        <p:nvSpPr>
-          <p:cNvPr id="2" name="Title 1">
-            <a:extLst>
-              <a:ext uri="{FF2B5EF4-FFF2-40B4-BE49-F238E27FC236}">
-                <a16:creationId xmlns:a16="http://schemas.microsoft.com/office/drawing/2014/main" id="{39CF3F23-2F48-2645-9777-637A1891861E}"/>
-              </a:ext>
-            </a:extLst>
-          </p:cNvPr>
-          <p:cNvSpPr>
-            <a:spLocks noGrp="1"/>
-          </p:cNvSpPr>
-          <p:nvPr>
-            <p:ph type="title"/>
-          </p:nvPr>
-        </p:nvSpPr>
-        <p:spPr/>
-        <p:txBody>
-          <a:bodyPr/>
-          <a:lstStyle/>
-          <a:p>
-            <a:r>
-              <a:rPr lang="ja-JP" altLang="en-US" dirty="0"/>
-              <a:t>アウトライン</a:t>
-            </a:r>
-            <a:endParaRPr lang="en-US" dirty="0"/>
-          </a:p>
-        </p:txBody>
-      </p:sp>
-      <p:sp>
-        <p:nvSpPr>
-          <p:cNvPr id="3" name="Content Placeholder 2">
-            <a:extLst>
-              <a:ext uri="{FF2B5EF4-FFF2-40B4-BE49-F238E27FC236}">
-                <a16:creationId xmlns:a16="http://schemas.microsoft.com/office/drawing/2014/main" id="{24779C7E-8343-C346-AF74-51042A369AD4}"/>
-              </a:ext>
-            </a:extLst>
-          </p:cNvPr>
-          <p:cNvSpPr>
-            <a:spLocks noGrp="1"/>
-          </p:cNvSpPr>
-          <p:nvPr>
-            <p:ph idx="1"/>
-          </p:nvPr>
-        </p:nvSpPr>
-        <p:spPr/>
-        <p:txBody>
-          <a:bodyPr>
-            <a:normAutofit/>
-          </a:bodyPr>
-          <a:lstStyle/>
-          <a:p>
-            <a:r>
-              <a:rPr lang="ja-JP" altLang="en-US" dirty="0"/>
-              <a:t>背景</a:t>
-            </a:r>
-            <a:endParaRPr lang="en-US" altLang="ja-JP" dirty="0"/>
-          </a:p>
-          <a:p>
-            <a:r>
-              <a:rPr lang="en-US" altLang="ja-JP" dirty="0"/>
-              <a:t>GoogLeNet</a:t>
-            </a:r>
-          </a:p>
-          <a:p>
-            <a:r>
-              <a:rPr lang="en-US" altLang="ja-JP" dirty="0" err="1"/>
-              <a:t>FiC</a:t>
-            </a:r>
-            <a:r>
-              <a:rPr lang="en-US" altLang="ja-JP" dirty="0"/>
-              <a:t>-SW</a:t>
-            </a:r>
-          </a:p>
-          <a:p>
-            <a:r>
-              <a:rPr lang="ja-JP" altLang="en-US" dirty="0"/>
-              <a:t>関連研究</a:t>
-            </a:r>
-            <a:endParaRPr lang="en-US" altLang="ja-JP" dirty="0"/>
-          </a:p>
-          <a:p>
-            <a:r>
-              <a:rPr lang="en-US" altLang="ja-JP" dirty="0"/>
-              <a:t>GoogLeNet</a:t>
-            </a:r>
-            <a:r>
-              <a:rPr lang="ja-JP" altLang="en-US" dirty="0"/>
-              <a:t>並列化検討</a:t>
-            </a:r>
-            <a:endParaRPr lang="en-US" altLang="ja-JP" dirty="0"/>
-          </a:p>
-          <a:p>
-            <a:r>
-              <a:rPr lang="ja-JP" altLang="en-US" dirty="0"/>
-              <a:t>実装</a:t>
-            </a:r>
-            <a:endParaRPr lang="en-US" altLang="ja-JP" dirty="0"/>
-          </a:p>
-          <a:p>
-            <a:r>
-              <a:rPr lang="ja-JP" altLang="en-US" dirty="0"/>
-              <a:t>評価</a:t>
-            </a:r>
-            <a:endParaRPr lang="en-US" altLang="ja-JP" dirty="0"/>
-          </a:p>
-          <a:p>
-            <a:r>
-              <a:rPr lang="ja-JP" altLang="en-US" dirty="0">
-                <a:solidFill>
-                  <a:srgbClr val="FF0000"/>
-                </a:solidFill>
-              </a:rPr>
-              <a:t>結論</a:t>
-            </a:r>
-            <a:endParaRPr lang="en-US" dirty="0">
-              <a:solidFill>
-                <a:srgbClr val="FF0000"/>
-              </a:solidFill>
-            </a:endParaRPr>
-          </a:p>
-        </p:txBody>
-      </p:sp>
-      <p:sp>
-        <p:nvSpPr>
-          <p:cNvPr id="4" name="Slide Number Placeholder 3">
-            <a:extLst>
-              <a:ext uri="{FF2B5EF4-FFF2-40B4-BE49-F238E27FC236}">
-                <a16:creationId xmlns:a16="http://schemas.microsoft.com/office/drawing/2014/main" id="{91F23C09-84CF-5D49-924E-1F5C9B17F198}"/>
-              </a:ext>
-            </a:extLst>
-          </p:cNvPr>
-          <p:cNvSpPr>
-            <a:spLocks noGrp="1"/>
-          </p:cNvSpPr>
-          <p:nvPr>
-            <p:ph type="sldNum" sz="quarter" idx="12"/>
-          </p:nvPr>
-        </p:nvSpPr>
-        <p:spPr/>
-        <p:txBody>
-          <a:bodyPr/>
-          <a:lstStyle/>
-          <a:p>
-            <a:fld id="{AE60790C-7B88-2D40-A70D-E54200C05D47}" type="slidenum">
-              <a:rPr lang="en-US" smtClean="0"/>
-              <a:t>28</a:t>
-            </a:fld>
-            <a:endParaRPr lang="en-US"/>
-          </a:p>
-        </p:txBody>
-      </p:sp>
-    </p:spTree>
-    <p:extLst>
-      <p:ext uri="{BB962C8B-B14F-4D97-AF65-F5344CB8AC3E}">
-        <p14:creationId xmlns:p14="http://schemas.microsoft.com/office/powerpoint/2010/main" val="3547191232"/>
-      </p:ext>
-    </p:extLst>
-  </p:cSld>
-  <p:clrMapOvr>
-    <a:masterClrMapping/>
-  </p:clrMapOvr>
-</p:sld>
-</file>
-
-<file path=ppt/slides/slide29.xml><?xml version="1.0" encoding="utf-8"?>
-<p:sld xmlns:a="http://schemas.openxmlformats.org/drawingml/2006/main" xmlns:r="http://schemas.openxmlformats.org/officeDocument/2006/relationships" xmlns:p="http://schemas.openxmlformats.org/presentationml/2006/main">
-  <p:cSld>
-    <p:spTree>
-      <p:nvGrpSpPr>
-        <p:cNvPr id="1" name=""/>
-        <p:cNvGrpSpPr/>
-        <p:nvPr/>
-      </p:nvGrpSpPr>
-      <p:grpSpPr>
-        <a:xfrm>
-          <a:off x="0" y="0"/>
-          <a:ext cx="0" cy="0"/>
-          <a:chOff x="0" y="0"/>
-          <a:chExt cx="0" cy="0"/>
-        </a:xfrm>
-      </p:grpSpPr>
-      <p:sp>
-        <p:nvSpPr>
-          <p:cNvPr id="2" name="Title 1">
-            <a:extLst>
-              <a:ext uri="{FF2B5EF4-FFF2-40B4-BE49-F238E27FC236}">
-                <a16:creationId xmlns:a16="http://schemas.microsoft.com/office/drawing/2014/main" id="{55D35CD2-C1AE-6945-8B31-1E78F88BC53B}"/>
-              </a:ext>
-            </a:extLst>
-          </p:cNvPr>
-          <p:cNvSpPr>
-            <a:spLocks noGrp="1"/>
-          </p:cNvSpPr>
-          <p:nvPr>
-            <p:ph type="title"/>
-          </p:nvPr>
-        </p:nvSpPr>
-        <p:spPr/>
-        <p:txBody>
-          <a:bodyPr/>
-          <a:lstStyle/>
-          <a:p>
-            <a:r>
-              <a:rPr lang="ja-JP" altLang="en-US" dirty="0"/>
-              <a:t>結論</a:t>
-            </a:r>
-            <a:endParaRPr lang="en-US" dirty="0"/>
-          </a:p>
-        </p:txBody>
-      </p:sp>
-      <p:sp>
-        <p:nvSpPr>
-          <p:cNvPr id="3" name="Content Placeholder 2">
-            <a:extLst>
-              <a:ext uri="{FF2B5EF4-FFF2-40B4-BE49-F238E27FC236}">
-                <a16:creationId xmlns:a16="http://schemas.microsoft.com/office/drawing/2014/main" id="{C1CDE55F-1F31-BD41-8A41-27952E4EED34}"/>
-              </a:ext>
-            </a:extLst>
-          </p:cNvPr>
-          <p:cNvSpPr>
-            <a:spLocks noGrp="1"/>
-          </p:cNvSpPr>
-          <p:nvPr>
-            <p:ph idx="1"/>
-          </p:nvPr>
-        </p:nvSpPr>
-        <p:spPr/>
-        <p:txBody>
-          <a:bodyPr/>
-          <a:lstStyle/>
-          <a:p>
-            <a:pPr>
-              <a:lnSpc>
-                <a:spcPct val="100000"/>
-              </a:lnSpc>
-            </a:pPr>
-            <a:r>
-              <a:rPr lang="ja-JP" altLang="en-US" dirty="0"/>
-              <a:t>マルチ</a:t>
-            </a:r>
-            <a:r>
-              <a:rPr lang="en-US" altLang="ja-JP" dirty="0"/>
-              <a:t>FPGA</a:t>
-            </a:r>
-            <a:r>
-              <a:rPr lang="ja-JP" altLang="en-US" dirty="0"/>
-              <a:t>上に</a:t>
-            </a:r>
-            <a:r>
-              <a:rPr lang="en-US" altLang="ja-JP" dirty="0"/>
-              <a:t>GoogLeNet</a:t>
-            </a:r>
-            <a:r>
-              <a:rPr lang="ja-JP" altLang="en-US" dirty="0"/>
-              <a:t>実装</a:t>
-            </a:r>
-            <a:endParaRPr lang="en-US" altLang="ja-JP" dirty="0"/>
-          </a:p>
-          <a:p>
-            <a:pPr>
-              <a:lnSpc>
-                <a:spcPct val="100000"/>
-              </a:lnSpc>
-            </a:pPr>
-            <a:r>
-              <a:rPr lang="ja-JP" altLang="en-US" dirty="0"/>
-              <a:t>並列処理の検討と実装</a:t>
-            </a:r>
-            <a:endParaRPr lang="en-US" altLang="ja-JP" dirty="0"/>
-          </a:p>
-          <a:p>
-            <a:pPr>
-              <a:lnSpc>
-                <a:spcPct val="100000"/>
-              </a:lnSpc>
-            </a:pPr>
-            <a:r>
-              <a:rPr lang="en-US" altLang="ja-JP" dirty="0"/>
-              <a:t>vs CPU</a:t>
-            </a:r>
-            <a:r>
-              <a:rPr lang="ja-JP" altLang="en-US" dirty="0"/>
-              <a:t>で○倍の性能向上</a:t>
-            </a:r>
-            <a:endParaRPr lang="en-US" altLang="ja-JP" dirty="0"/>
-          </a:p>
-          <a:p>
-            <a:pPr>
-              <a:lnSpc>
-                <a:spcPct val="100000"/>
-              </a:lnSpc>
-            </a:pPr>
-            <a:r>
-              <a:rPr lang="ja-JP" altLang="en-US" dirty="0"/>
-              <a:t>展望</a:t>
-            </a:r>
-            <a:endParaRPr lang="en-US" altLang="ja-JP" dirty="0"/>
-          </a:p>
-          <a:p>
-            <a:pPr lvl="1"/>
-            <a:r>
-              <a:rPr lang="ja-JP" altLang="en-US" dirty="0"/>
-              <a:t>ロードバランスを考えたスレッド分割</a:t>
-            </a:r>
-            <a:endParaRPr lang="en-US" altLang="ja-JP" dirty="0"/>
-          </a:p>
-          <a:p>
-            <a:pPr lvl="1"/>
-            <a:r>
-              <a:rPr lang="ja-JP" altLang="en-US" dirty="0"/>
-              <a:t>入出力データサイズの最適化</a:t>
-            </a:r>
-            <a:endParaRPr lang="en-US" altLang="ja-JP" dirty="0"/>
-          </a:p>
-          <a:p>
-            <a:endParaRPr lang="en-US" dirty="0"/>
-          </a:p>
-          <a:p>
-            <a:endParaRPr lang="en-US" dirty="0"/>
-          </a:p>
-        </p:txBody>
-      </p:sp>
-      <p:sp>
-        <p:nvSpPr>
-          <p:cNvPr id="4" name="Slide Number Placeholder 3">
-            <a:extLst>
-              <a:ext uri="{FF2B5EF4-FFF2-40B4-BE49-F238E27FC236}">
-                <a16:creationId xmlns:a16="http://schemas.microsoft.com/office/drawing/2014/main" id="{26EBE647-F8AD-1A44-B817-A3D8B5B4AAB6}"/>
-              </a:ext>
-            </a:extLst>
-          </p:cNvPr>
-          <p:cNvSpPr>
-            <a:spLocks noGrp="1"/>
-          </p:cNvSpPr>
-          <p:nvPr>
-            <p:ph type="sldNum" sz="quarter" idx="12"/>
-          </p:nvPr>
-        </p:nvSpPr>
-        <p:spPr/>
-        <p:txBody>
-          <a:bodyPr/>
-          <a:lstStyle/>
-          <a:p>
-            <a:fld id="{AE60790C-7B88-2D40-A70D-E54200C05D47}" type="slidenum">
-              <a:rPr lang="en-US" smtClean="0"/>
-              <a:t>29</a:t>
-            </a:fld>
-            <a:endParaRPr lang="en-US"/>
-          </a:p>
-        </p:txBody>
-      </p:sp>
-    </p:spTree>
-    <p:extLst>
-      <p:ext uri="{BB962C8B-B14F-4D97-AF65-F5344CB8AC3E}">
-        <p14:creationId xmlns:p14="http://schemas.microsoft.com/office/powerpoint/2010/main" val="643069549"/>
       </p:ext>
     </p:extLst>
   </p:cSld>
@@ -10740,7 +11056,7 @@
 </file>
 
 <file path=ppt/slides/slide30.xml><?xml version="1.0" encoding="utf-8"?>
-<p:sld xmlns:a="http://schemas.openxmlformats.org/drawingml/2006/main" xmlns:r="http://schemas.openxmlformats.org/officeDocument/2006/relationships" xmlns:p="http://schemas.openxmlformats.org/presentationml/2006/main" show="0">
+<p:sld xmlns:a="http://schemas.openxmlformats.org/drawingml/2006/main" xmlns:r="http://schemas.openxmlformats.org/officeDocument/2006/relationships" xmlns:p="http://schemas.openxmlformats.org/presentationml/2006/main">
   <p:cSld>
     <p:spTree>
       <p:nvGrpSpPr>
@@ -10761,7 +11077,7 @@
           <p:cNvPr id="2" name="Title 1">
             <a:extLst>
               <a:ext uri="{FF2B5EF4-FFF2-40B4-BE49-F238E27FC236}">
-                <a16:creationId xmlns:a16="http://schemas.microsoft.com/office/drawing/2014/main" id="{55D35CD2-C1AE-6945-8B31-1E78F88BC53B}"/>
+                <a16:creationId xmlns:a16="http://schemas.microsoft.com/office/drawing/2014/main" id="{39CF3F23-2F48-2645-9777-637A1891861E}"/>
               </a:ext>
             </a:extLst>
           </p:cNvPr>
@@ -10779,7 +11095,7 @@
           <a:p>
             <a:r>
               <a:rPr lang="ja-JP" altLang="en-US" dirty="0"/>
-              <a:t>前背景</a:t>
+              <a:t>アウトライン</a:t>
             </a:r>
             <a:endParaRPr lang="en-US" dirty="0"/>
           </a:p>
@@ -10790,7 +11106,7 @@
           <p:cNvPr id="3" name="Content Placeholder 2">
             <a:extLst>
               <a:ext uri="{FF2B5EF4-FFF2-40B4-BE49-F238E27FC236}">
-                <a16:creationId xmlns:a16="http://schemas.microsoft.com/office/drawing/2014/main" id="{C1CDE55F-1F31-BD41-8A41-27952E4EED34}"/>
+                <a16:creationId xmlns:a16="http://schemas.microsoft.com/office/drawing/2014/main" id="{24779C7E-8343-C346-AF74-51042A369AD4}"/>
               </a:ext>
             </a:extLst>
           </p:cNvPr>
@@ -10801,136 +11117,90 @@
             <p:ph idx="1"/>
           </p:nvPr>
         </p:nvSpPr>
-        <p:spPr>
-          <a:xfrm>
-            <a:off x="628650" y="1578738"/>
-            <a:ext cx="7886700" cy="4572000"/>
-          </a:xfrm>
-        </p:spPr>
+        <p:spPr/>
         <p:txBody>
           <a:bodyPr>
-            <a:normAutofit lnSpcReduction="10000"/>
+            <a:normAutofit/>
           </a:bodyPr>
           <a:lstStyle/>
           <a:p>
             <a:r>
               <a:rPr lang="ja-JP" altLang="en-US" dirty="0"/>
-              <a:t>深層学習の需要と発展</a:t>
+              <a:t>背景</a:t>
             </a:r>
             <a:endParaRPr lang="en-US" altLang="ja-JP" dirty="0"/>
           </a:p>
           <a:p>
-            <a:pPr lvl="1"/>
-            <a:r>
-              <a:rPr lang="ja-JP" altLang="en-US" dirty="0"/>
-              <a:t>自動運転、自動翻訳、スマートスピーカー</a:t>
-            </a:r>
-            <a:endParaRPr lang="en-US" altLang="ja-JP" dirty="0"/>
-          </a:p>
-          <a:p>
-            <a:pPr lvl="1"/>
-            <a:r>
-              <a:rPr lang="ja-JP" altLang="en-US" dirty="0"/>
-              <a:t>認識精度向上の研究、開発</a:t>
-            </a:r>
-            <a:endParaRPr lang="en-US" altLang="ja-JP" dirty="0"/>
-          </a:p>
-          <a:p>
-            <a:pPr marL="457200" lvl="1" indent="0">
-              <a:buNone/>
-            </a:pPr>
-            <a:r>
-              <a:rPr lang="ja-JP" altLang="en-US" dirty="0"/>
-              <a:t>→計算量の増大に伴う計算基盤の需要</a:t>
-            </a:r>
-            <a:endParaRPr lang="en-US" altLang="ja-JP" dirty="0"/>
-          </a:p>
-          <a:p>
-            <a:r>
-              <a:rPr lang="ja-JP" altLang="en-US" dirty="0"/>
-              <a:t>深層学習専用アクセラレータ</a:t>
-            </a:r>
-            <a:endParaRPr lang="en-US" altLang="ja-JP" dirty="0"/>
-          </a:p>
-          <a:p>
-            <a:pPr lvl="1"/>
-            <a:r>
-              <a:rPr lang="ja-JP" altLang="en-US" dirty="0"/>
-              <a:t>汎用</a:t>
-            </a:r>
             <a:r>
               <a:rPr lang="en-US" altLang="ja-JP" dirty="0"/>
-              <a:t>CPU</a:t>
-            </a:r>
-            <a:r>
-              <a:rPr lang="ja-JP" altLang="en-US" dirty="0"/>
-              <a:t>ではだめ</a:t>
-            </a:r>
-            <a:endParaRPr lang="en-US" altLang="ja-JP" dirty="0"/>
-          </a:p>
-          <a:p>
-            <a:pPr lvl="1"/>
-            <a:r>
-              <a:rPr lang="en-US" altLang="ja-JP" dirty="0"/>
-              <a:t>GPU</a:t>
-            </a:r>
-            <a:r>
-              <a:rPr lang="ja-JP" altLang="en-US" dirty="0"/>
-              <a:t>や</a:t>
-            </a:r>
-            <a:r>
-              <a:rPr lang="en-US" altLang="ja-JP" dirty="0"/>
-              <a:t>FPGA</a:t>
-            </a:r>
-            <a:r>
-              <a:rPr lang="ja-JP" altLang="en-US" dirty="0"/>
-              <a:t>が注目</a:t>
-            </a:r>
-            <a:endParaRPr lang="en-US" altLang="ja-JP" dirty="0"/>
-          </a:p>
-          <a:p>
-            <a:pPr marL="457200" lvl="1" indent="0">
-              <a:buNone/>
-            </a:pPr>
-            <a:r>
-              <a:rPr lang="ja-JP" altLang="en-US" dirty="0"/>
-              <a:t>→</a:t>
-            </a:r>
-            <a:r>
-              <a:rPr lang="en-US" altLang="ja-JP" dirty="0"/>
-              <a:t>NEDO</a:t>
-            </a:r>
-            <a:r>
-              <a:rPr lang="ja-JP" altLang="en-US" dirty="0"/>
-              <a:t>が主導するクラウド人工知能計算基盤</a:t>
-            </a:r>
-            <a:r>
-              <a:rPr lang="en-US" altLang="ja-JP" dirty="0"/>
-              <a:t>”Flow in Cloud(</a:t>
-            </a:r>
+              <a:t>GoogLeNet</a:t>
+            </a:r>
+          </a:p>
+          <a:p>
             <a:r>
               <a:rPr lang="en-US" altLang="ja-JP" dirty="0" err="1"/>
               <a:t>FiC</a:t>
             </a:r>
             <a:r>
               <a:rPr lang="en-US" altLang="ja-JP" dirty="0"/>
-              <a:t>)”</a:t>
-            </a:r>
-          </a:p>
-          <a:p>
-            <a:r>
-              <a:rPr lang="en-US" dirty="0"/>
+              <a:t>-SW</a:t>
+            </a:r>
+          </a:p>
+          <a:p>
+            <a:r>
+              <a:rPr lang="ja-JP" altLang="en-US" dirty="0"/>
+              <a:t>関連研究</a:t>
+            </a:r>
+            <a:endParaRPr lang="en-US" altLang="ja-JP" dirty="0"/>
+          </a:p>
+          <a:p>
+            <a:r>
+              <a:rPr lang="en-US" altLang="ja-JP" dirty="0"/>
               <a:t>GoogLeNet</a:t>
             </a:r>
-          </a:p>
-        </p:txBody>
-      </p:sp>
-      <p:sp>
-        <p:nvSpPr>
-          <p:cNvPr id="6" name="Slide Number Placeholder 5">
+            <a:r>
+              <a:rPr lang="ja-JP" altLang="en-US" dirty="0"/>
+              <a:t>並列化検討</a:t>
+            </a:r>
+            <a:endParaRPr lang="en-US" altLang="ja-JP" dirty="0"/>
+          </a:p>
+          <a:p>
+            <a:r>
+              <a:rPr lang="ja-JP" altLang="en-US" dirty="0"/>
+              <a:t>実装</a:t>
+            </a:r>
+            <a:endParaRPr lang="en-US" altLang="ja-JP" dirty="0"/>
+          </a:p>
+          <a:p>
+            <a:r>
+              <a:rPr lang="ja-JP" altLang="en-US" dirty="0"/>
+              <a:t>評価</a:t>
+            </a:r>
+            <a:endParaRPr lang="en-US" altLang="ja-JP" dirty="0"/>
+          </a:p>
+          <a:p>
+            <a:r>
+              <a:rPr lang="ja-JP" altLang="en-US" dirty="0">
+                <a:solidFill>
+                  <a:srgbClr val="FF0000"/>
+                </a:solidFill>
+              </a:rPr>
+              <a:t>結論</a:t>
+            </a:r>
+            <a:endParaRPr lang="en-US" dirty="0">
+              <a:solidFill>
+                <a:srgbClr val="FF0000"/>
+              </a:solidFill>
+            </a:endParaRPr>
+          </a:p>
+        </p:txBody>
+      </p:sp>
+      <p:sp>
+        <p:nvSpPr>
+          <p:cNvPr id="4" name="Slide Number Placeholder 3">
             <a:extLst>
               <a:ext uri="{FF2B5EF4-FFF2-40B4-BE49-F238E27FC236}">
-                <a16:creationId xmlns:a16="http://schemas.microsoft.com/office/drawing/2014/main" id="{DFE97E8E-2E50-174A-9F75-60D73E625454}"/>
+                <a16:creationId xmlns:a16="http://schemas.microsoft.com/office/drawing/2014/main" id="{91F23C09-84CF-5D49-924E-1F5C9B17F198}"/>
               </a:ext>
             </a:extLst>
           </p:cNvPr>
@@ -10957,7 +11227,7 @@
     </p:spTree>
     <p:extLst>
       <p:ext uri="{BB962C8B-B14F-4D97-AF65-F5344CB8AC3E}">
-        <p14:creationId xmlns:p14="http://schemas.microsoft.com/office/powerpoint/2010/main" val="2144583353"/>
+        <p14:creationId xmlns:p14="http://schemas.microsoft.com/office/powerpoint/2010/main" val="3547191232"/>
       </p:ext>
     </p:extLst>
   </p:cSld>
@@ -10968,7 +11238,7 @@
 </file>
 
 <file path=ppt/slides/slide31.xml><?xml version="1.0" encoding="utf-8"?>
-<p:sld xmlns:a="http://schemas.openxmlformats.org/drawingml/2006/main" xmlns:r="http://schemas.openxmlformats.org/officeDocument/2006/relationships" xmlns:p="http://schemas.openxmlformats.org/presentationml/2006/main" show="0">
+<p:sld xmlns:a="http://schemas.openxmlformats.org/drawingml/2006/main" xmlns:r="http://schemas.openxmlformats.org/officeDocument/2006/relationships" xmlns:p="http://schemas.openxmlformats.org/presentationml/2006/main">
   <p:cSld>
     <p:spTree>
       <p:nvGrpSpPr>
@@ -11007,7 +11277,7 @@
           <a:p>
             <a:r>
               <a:rPr lang="ja-JP" altLang="en-US" dirty="0"/>
-              <a:t>スイッチの通信</a:t>
+              <a:t>結論</a:t>
             </a:r>
             <a:endParaRPr lang="en-US" dirty="0"/>
           </a:p>
@@ -11015,10 +11285,10 @@
       </p:sp>
       <p:sp>
         <p:nvSpPr>
-          <p:cNvPr id="4" name="Content Placeholder 3">
+          <p:cNvPr id="3" name="Content Placeholder 2">
             <a:extLst>
               <a:ext uri="{FF2B5EF4-FFF2-40B4-BE49-F238E27FC236}">
-                <a16:creationId xmlns:a16="http://schemas.microsoft.com/office/drawing/2014/main" id="{51CA4007-B133-0840-9DFB-9935F5D7FEDD}"/>
+                <a16:creationId xmlns:a16="http://schemas.microsoft.com/office/drawing/2014/main" id="{C1CDE55F-1F31-BD41-8A41-27952E4EED34}"/>
               </a:ext>
             </a:extLst>
           </p:cNvPr>
@@ -11026,7 +11296,7 @@
             <a:spLocks noGrp="1"/>
           </p:cNvSpPr>
           <p:nvPr>
-            <p:ph sz="half" idx="1"/>
+            <p:ph idx="1"/>
           </p:nvPr>
         </p:nvSpPr>
         <p:spPr/>
@@ -11034,69 +11304,150 @@
           <a:bodyPr/>
           <a:lstStyle/>
           <a:p>
-            <a:r>
-              <a:rPr lang="ja-JP" altLang="en-US" dirty="0"/>
-              <a:t>サーキットスイッチ</a:t>
+            <a:pPr>
+              <a:lnSpc>
+                <a:spcPct val="100000"/>
+              </a:lnSpc>
+            </a:pPr>
+            <a:r>
+              <a:rPr lang="ja-JP" altLang="en-US" dirty="0"/>
+              <a:t>マルチ</a:t>
+            </a:r>
+            <a:r>
+              <a:rPr lang="en-US" altLang="ja-JP" dirty="0"/>
+              <a:t>FPGA</a:t>
+            </a:r>
+            <a:r>
+              <a:rPr lang="ja-JP" altLang="en-US" dirty="0"/>
+              <a:t>上に</a:t>
+            </a:r>
+            <a:r>
+              <a:rPr lang="en-US" altLang="ja-JP" dirty="0"/>
+              <a:t>GoogLeNet</a:t>
+            </a:r>
+            <a:r>
+              <a:rPr lang="ja-JP" altLang="en-US" dirty="0"/>
+              <a:t>実装</a:t>
             </a:r>
             <a:endParaRPr lang="en-US" altLang="ja-JP" dirty="0"/>
           </a:p>
           <a:p>
+            <a:pPr>
+              <a:lnSpc>
+                <a:spcPct val="100000"/>
+              </a:lnSpc>
+            </a:pPr>
             <a:r>
               <a:rPr lang="en-US" altLang="ja-JP" dirty="0"/>
-              <a:t>STDM</a:t>
-            </a:r>
-          </a:p>
-          <a:p>
-            <a:r>
-              <a:rPr lang="ja-JP" altLang="en-US" dirty="0"/>
-              <a:t>将来の光通信のための設計</a:t>
+              <a:t>Inception</a:t>
+            </a:r>
+            <a:r>
+              <a:rPr lang="ja-JP" altLang="en-US" dirty="0"/>
+              <a:t>層の並列処理の検討と実装</a:t>
             </a:r>
             <a:endParaRPr lang="en-US" altLang="ja-JP" dirty="0"/>
           </a:p>
           <a:p>
+            <a:pPr>
+              <a:lnSpc>
+                <a:spcPct val="100000"/>
+              </a:lnSpc>
+            </a:pPr>
+            <a:r>
+              <a:rPr lang="en-US" altLang="ja-JP" dirty="0"/>
+              <a:t>CPU</a:t>
+            </a:r>
+            <a:r>
+              <a:rPr lang="ja-JP" altLang="en-US" dirty="0"/>
+              <a:t>に対して約</a:t>
+            </a:r>
+            <a:r>
+              <a:rPr lang="en-US" altLang="ja-JP" dirty="0"/>
+              <a:t>60</a:t>
+            </a:r>
+            <a:r>
+              <a:rPr lang="ja-JP" altLang="en-US" dirty="0"/>
+              <a:t>倍の高速化</a:t>
+            </a:r>
+            <a:endParaRPr lang="en-US" altLang="ja-JP" dirty="0"/>
+          </a:p>
+          <a:p>
+            <a:pPr>
+              <a:lnSpc>
+                <a:spcPct val="100000"/>
+              </a:lnSpc>
+            </a:pPr>
+            <a:endParaRPr lang="en-US" altLang="ja-JP" dirty="0"/>
+          </a:p>
+          <a:p>
+            <a:pPr>
+              <a:lnSpc>
+                <a:spcPct val="100000"/>
+              </a:lnSpc>
+            </a:pPr>
+            <a:r>
+              <a:rPr lang="ja-JP" altLang="en-US" dirty="0"/>
+              <a:t>展望</a:t>
+            </a:r>
+            <a:endParaRPr lang="en-US" altLang="ja-JP" dirty="0"/>
+          </a:p>
+          <a:p>
+            <a:pPr lvl="1"/>
+            <a:r>
+              <a:rPr lang="ja-JP" altLang="en-US" dirty="0"/>
+              <a:t>ロードバランスを考えたスレッド分割</a:t>
+            </a:r>
+            <a:endParaRPr lang="en-US" altLang="ja-JP" dirty="0"/>
+          </a:p>
+          <a:p>
+            <a:pPr lvl="1"/>
+            <a:r>
+              <a:rPr lang="ja-JP" altLang="en-US" dirty="0"/>
+              <a:t>入出力データサイズの最適化</a:t>
+            </a:r>
+            <a:endParaRPr lang="en-US" altLang="ja-JP" dirty="0"/>
+          </a:p>
+          <a:p>
             <a:endParaRPr lang="en-US" dirty="0"/>
           </a:p>
-        </p:txBody>
-      </p:sp>
-      <p:pic>
-        <p:nvPicPr>
-          <p:cNvPr id="7" name="Content Placeholder 6">
+          <a:p>
+            <a:endParaRPr lang="en-US" dirty="0"/>
+          </a:p>
+        </p:txBody>
+      </p:sp>
+      <p:sp>
+        <p:nvSpPr>
+          <p:cNvPr id="4" name="Slide Number Placeholder 3">
             <a:extLst>
               <a:ext uri="{FF2B5EF4-FFF2-40B4-BE49-F238E27FC236}">
-                <a16:creationId xmlns:a16="http://schemas.microsoft.com/office/drawing/2014/main" id="{31FC9275-4651-8E46-921E-85E6FE73B623}"/>
+                <a16:creationId xmlns:a16="http://schemas.microsoft.com/office/drawing/2014/main" id="{26EBE647-F8AD-1A44-B817-A3D8B5B4AAB6}"/>
               </a:ext>
             </a:extLst>
           </p:cNvPr>
-          <p:cNvPicPr>
-            <a:picLocks noGrp="1" noChangeAspect="1"/>
-          </p:cNvPicPr>
-          <p:nvPr>
-            <p:ph sz="half" idx="2"/>
-          </p:nvPr>
-        </p:nvPicPr>
-        <p:blipFill>
-          <a:blip r:embed="rId3">
-            <a:extLst>
-              <a:ext uri="{28A0092B-C50C-407E-A947-70E740481C1C}">
-                <a14:useLocalDpi xmlns:a14="http://schemas.microsoft.com/office/drawing/2010/main" val="0"/>
-              </a:ext>
-            </a:extLst>
-          </a:blip>
-          <a:stretch>
-            <a:fillRect/>
-          </a:stretch>
-        </p:blipFill>
-        <p:spPr>
-          <a:xfrm>
-            <a:off x="4514849" y="1825625"/>
-            <a:ext cx="4004217" cy="4351338"/>
-          </a:xfrm>
-        </p:spPr>
-      </p:pic>
+          <p:cNvSpPr>
+            <a:spLocks noGrp="1"/>
+          </p:cNvSpPr>
+          <p:nvPr>
+            <p:ph type="sldNum" sz="quarter" idx="12"/>
+          </p:nvPr>
+        </p:nvSpPr>
+        <p:spPr/>
+        <p:txBody>
+          <a:bodyPr/>
+          <a:lstStyle/>
+          <a:p>
+            <a:fld id="{AE60790C-7B88-2D40-A70D-E54200C05D47}" type="slidenum">
+              <a:rPr lang="en-US" smtClean="0"/>
+              <a:t>31</a:t>
+            </a:fld>
+            <a:endParaRPr lang="en-US"/>
+          </a:p>
+        </p:txBody>
+      </p:sp>
     </p:spTree>
     <p:extLst>
       <p:ext uri="{BB962C8B-B14F-4D97-AF65-F5344CB8AC3E}">
-        <p14:creationId xmlns:p14="http://schemas.microsoft.com/office/powerpoint/2010/main" val="1860272424"/>
+        <p14:creationId xmlns:p14="http://schemas.microsoft.com/office/powerpoint/2010/main" val="643069549"/>
       </p:ext>
     </p:extLst>
   </p:cSld>
@@ -11128,7 +11479,7 @@
           <p:cNvPr id="2" name="Title 1">
             <a:extLst>
               <a:ext uri="{FF2B5EF4-FFF2-40B4-BE49-F238E27FC236}">
-                <a16:creationId xmlns:a16="http://schemas.microsoft.com/office/drawing/2014/main" id="{5D798E61-F6AD-CD4D-9471-53D4F10CFEB3}"/>
+                <a16:creationId xmlns:a16="http://schemas.microsoft.com/office/drawing/2014/main" id="{55D35CD2-C1AE-6945-8B31-1E78F88BC53B}"/>
               </a:ext>
             </a:extLst>
           </p:cNvPr>
@@ -11146,7 +11497,7 @@
           <a:p>
             <a:r>
               <a:rPr lang="ja-JP" altLang="en-US" dirty="0"/>
-              <a:t>行列結合モジュール</a:t>
+              <a:t>前背景</a:t>
             </a:r>
             <a:endParaRPr lang="en-US" dirty="0"/>
           </a:p>
@@ -11157,7 +11508,7 @@
           <p:cNvPr id="3" name="Content Placeholder 2">
             <a:extLst>
               <a:ext uri="{FF2B5EF4-FFF2-40B4-BE49-F238E27FC236}">
-                <a16:creationId xmlns:a16="http://schemas.microsoft.com/office/drawing/2014/main" id="{20144BFE-3F9D-D74E-A4C8-BBE4DBAE2A33}"/>
+                <a16:creationId xmlns:a16="http://schemas.microsoft.com/office/drawing/2014/main" id="{C1CDE55F-1F31-BD41-8A41-27952E4EED34}"/>
               </a:ext>
             </a:extLst>
           </p:cNvPr>
@@ -11168,25 +11519,136 @@
             <p:ph idx="1"/>
           </p:nvPr>
         </p:nvSpPr>
-        <p:spPr/>
-        <p:txBody>
-          <a:bodyPr/>
-          <a:lstStyle/>
-          <a:p>
-            <a:r>
-              <a:rPr lang="ja-JP" altLang="en-US" dirty="0"/>
-              <a:t>出力行列の各要素ごとの和から二次元行列を生成</a:t>
-            </a:r>
-            <a:endParaRPr lang="en-US" dirty="0"/>
-          </a:p>
-        </p:txBody>
-      </p:sp>
-      <p:sp>
-        <p:nvSpPr>
-          <p:cNvPr id="4" name="Slide Number Placeholder 3">
+        <p:spPr>
+          <a:xfrm>
+            <a:off x="628650" y="1578738"/>
+            <a:ext cx="7886700" cy="4572000"/>
+          </a:xfrm>
+        </p:spPr>
+        <p:txBody>
+          <a:bodyPr>
+            <a:normAutofit lnSpcReduction="10000"/>
+          </a:bodyPr>
+          <a:lstStyle/>
+          <a:p>
+            <a:r>
+              <a:rPr lang="ja-JP" altLang="en-US" dirty="0"/>
+              <a:t>深層学習の需要と発展</a:t>
+            </a:r>
+            <a:endParaRPr lang="en-US" altLang="ja-JP" dirty="0"/>
+          </a:p>
+          <a:p>
+            <a:pPr lvl="1"/>
+            <a:r>
+              <a:rPr lang="ja-JP" altLang="en-US" dirty="0"/>
+              <a:t>自動運転、自動翻訳、スマートスピーカー</a:t>
+            </a:r>
+            <a:endParaRPr lang="en-US" altLang="ja-JP" dirty="0"/>
+          </a:p>
+          <a:p>
+            <a:pPr lvl="1"/>
+            <a:r>
+              <a:rPr lang="ja-JP" altLang="en-US" dirty="0"/>
+              <a:t>認識精度向上の研究、開発</a:t>
+            </a:r>
+            <a:endParaRPr lang="en-US" altLang="ja-JP" dirty="0"/>
+          </a:p>
+          <a:p>
+            <a:pPr marL="457200" lvl="1" indent="0">
+              <a:buNone/>
+            </a:pPr>
+            <a:r>
+              <a:rPr lang="ja-JP" altLang="en-US" dirty="0"/>
+              <a:t>→計算量の増大に伴う計算基盤の需要</a:t>
+            </a:r>
+            <a:endParaRPr lang="en-US" altLang="ja-JP" dirty="0"/>
+          </a:p>
+          <a:p>
+            <a:r>
+              <a:rPr lang="ja-JP" altLang="en-US" dirty="0"/>
+              <a:t>深層学習専用アクセラレータ</a:t>
+            </a:r>
+            <a:endParaRPr lang="en-US" altLang="ja-JP" dirty="0"/>
+          </a:p>
+          <a:p>
+            <a:pPr lvl="1"/>
+            <a:r>
+              <a:rPr lang="ja-JP" altLang="en-US" dirty="0"/>
+              <a:t>汎用</a:t>
+            </a:r>
+            <a:r>
+              <a:rPr lang="en-US" altLang="ja-JP" dirty="0"/>
+              <a:t>CPU</a:t>
+            </a:r>
+            <a:r>
+              <a:rPr lang="ja-JP" altLang="en-US" dirty="0"/>
+              <a:t>では効率的な処理が難しい</a:t>
+            </a:r>
+            <a:endParaRPr lang="en-US" altLang="ja-JP" dirty="0"/>
+          </a:p>
+          <a:p>
+            <a:pPr lvl="1"/>
+            <a:r>
+              <a:rPr lang="en-US" altLang="ja-JP" dirty="0"/>
+              <a:t>GPU</a:t>
+            </a:r>
+            <a:r>
+              <a:rPr lang="ja-JP" altLang="en-US" dirty="0"/>
+              <a:t>や</a:t>
+            </a:r>
+            <a:r>
+              <a:rPr lang="en-US" altLang="ja-JP" dirty="0"/>
+              <a:t>FPGA</a:t>
+            </a:r>
+            <a:r>
+              <a:rPr lang="ja-JP" altLang="en-US" dirty="0"/>
+              <a:t>が注目</a:t>
+            </a:r>
+            <a:endParaRPr lang="en-US" altLang="ja-JP" dirty="0"/>
+          </a:p>
+          <a:p>
+            <a:pPr marL="457200" lvl="1" indent="0">
+              <a:buNone/>
+            </a:pPr>
+            <a:r>
+              <a:rPr lang="ja-JP" altLang="en-US" dirty="0"/>
+              <a:t>→</a:t>
+            </a:r>
+            <a:r>
+              <a:rPr lang="en-US" altLang="ja-JP" dirty="0"/>
+              <a:t>NEDO</a:t>
+            </a:r>
+            <a:r>
+              <a:rPr lang="ja-JP" altLang="en-US" dirty="0"/>
+              <a:t>が主導するクラウド人工知能計算基盤</a:t>
+            </a:r>
+            <a:r>
+              <a:rPr lang="en-US" altLang="ja-JP" dirty="0"/>
+              <a:t>”Flow in Cloud(</a:t>
+            </a:r>
+            <a:r>
+              <a:rPr lang="en-US" altLang="ja-JP" dirty="0" err="1"/>
+              <a:t>FiC</a:t>
+            </a:r>
+            <a:r>
+              <a:rPr lang="en-US" altLang="ja-JP" dirty="0"/>
+              <a:t>)”</a:t>
+            </a:r>
+          </a:p>
+          <a:p>
+            <a:r>
+              <a:rPr lang="en-US" dirty="0"/>
+              <a:t>GoogLeNet</a:t>
+            </a:r>
+          </a:p>
+        </p:txBody>
+      </p:sp>
+      <p:sp>
+        <p:nvSpPr>
+          <p:cNvPr id="6" name="Slide Number Placeholder 5">
             <a:extLst>
               <a:ext uri="{FF2B5EF4-FFF2-40B4-BE49-F238E27FC236}">
-                <a16:creationId xmlns:a16="http://schemas.microsoft.com/office/drawing/2014/main" id="{42A0865C-AB61-D045-BFC4-4E91C86726B4}"/>
+                <a16:creationId xmlns:a16="http://schemas.microsoft.com/office/drawing/2014/main" id="{DFE97E8E-2E50-174A-9F75-60D73E625454}"/>
               </a:ext>
             </a:extLst>
           </p:cNvPr>
@@ -11213,7 +11675,583 @@
     </p:spTree>
     <p:extLst>
       <p:ext uri="{BB962C8B-B14F-4D97-AF65-F5344CB8AC3E}">
-        <p14:creationId xmlns:p14="http://schemas.microsoft.com/office/powerpoint/2010/main" val="23903932"/>
+        <p14:creationId xmlns:p14="http://schemas.microsoft.com/office/powerpoint/2010/main" val="2144583353"/>
+      </p:ext>
+    </p:extLst>
+  </p:cSld>
+  <p:clrMapOvr>
+    <a:masterClrMapping/>
+  </p:clrMapOvr>
+</p:sld>
+</file>
+
+<file path=ppt/slides/slide33.xml><?xml version="1.0" encoding="utf-8"?>
+<p:sld xmlns:a="http://schemas.openxmlformats.org/drawingml/2006/main" xmlns:r="http://schemas.openxmlformats.org/officeDocument/2006/relationships" xmlns:p="http://schemas.openxmlformats.org/presentationml/2006/main" show="0">
+  <p:cSld>
+    <p:spTree>
+      <p:nvGrpSpPr>
+        <p:cNvPr id="1" name=""/>
+        <p:cNvGrpSpPr/>
+        <p:nvPr/>
+      </p:nvGrpSpPr>
+      <p:grpSpPr>
+        <a:xfrm>
+          <a:off x="0" y="0"/>
+          <a:ext cx="0" cy="0"/>
+          <a:chOff x="0" y="0"/>
+          <a:chExt cx="0" cy="0"/>
+        </a:xfrm>
+      </p:grpSpPr>
+      <p:sp>
+        <p:nvSpPr>
+          <p:cNvPr id="2" name="Title 1">
+            <a:extLst>
+              <a:ext uri="{FF2B5EF4-FFF2-40B4-BE49-F238E27FC236}">
+                <a16:creationId xmlns:a16="http://schemas.microsoft.com/office/drawing/2014/main" id="{55D35CD2-C1AE-6945-8B31-1E78F88BC53B}"/>
+              </a:ext>
+            </a:extLst>
+          </p:cNvPr>
+          <p:cNvSpPr>
+            <a:spLocks noGrp="1"/>
+          </p:cNvSpPr>
+          <p:nvPr>
+            <p:ph type="title"/>
+          </p:nvPr>
+        </p:nvSpPr>
+        <p:spPr/>
+        <p:txBody>
+          <a:bodyPr/>
+          <a:lstStyle/>
+          <a:p>
+            <a:r>
+              <a:rPr lang="ja-JP" altLang="en-US" dirty="0"/>
+              <a:t>スイッチの通信</a:t>
+            </a:r>
+            <a:endParaRPr lang="en-US" dirty="0"/>
+          </a:p>
+        </p:txBody>
+      </p:sp>
+      <p:sp>
+        <p:nvSpPr>
+          <p:cNvPr id="4" name="Content Placeholder 3">
+            <a:extLst>
+              <a:ext uri="{FF2B5EF4-FFF2-40B4-BE49-F238E27FC236}">
+                <a16:creationId xmlns:a16="http://schemas.microsoft.com/office/drawing/2014/main" id="{51CA4007-B133-0840-9DFB-9935F5D7FEDD}"/>
+              </a:ext>
+            </a:extLst>
+          </p:cNvPr>
+          <p:cNvSpPr>
+            <a:spLocks noGrp="1"/>
+          </p:cNvSpPr>
+          <p:nvPr>
+            <p:ph sz="half" idx="1"/>
+          </p:nvPr>
+        </p:nvSpPr>
+        <p:spPr/>
+        <p:txBody>
+          <a:bodyPr/>
+          <a:lstStyle/>
+          <a:p>
+            <a:r>
+              <a:rPr lang="ja-JP" altLang="en-US" dirty="0"/>
+              <a:t>サーキットスイッチ</a:t>
+            </a:r>
+            <a:endParaRPr lang="en-US" altLang="ja-JP" dirty="0"/>
+          </a:p>
+          <a:p>
+            <a:r>
+              <a:rPr lang="en-US" altLang="ja-JP" dirty="0"/>
+              <a:t>STDM</a:t>
+            </a:r>
+          </a:p>
+          <a:p>
+            <a:r>
+              <a:rPr lang="ja-JP" altLang="en-US" dirty="0"/>
+              <a:t>将来の光通信のための設計</a:t>
+            </a:r>
+            <a:endParaRPr lang="en-US" altLang="ja-JP" dirty="0"/>
+          </a:p>
+          <a:p>
+            <a:endParaRPr lang="en-US" dirty="0"/>
+          </a:p>
+        </p:txBody>
+      </p:sp>
+      <p:pic>
+        <p:nvPicPr>
+          <p:cNvPr id="7" name="Content Placeholder 6">
+            <a:extLst>
+              <a:ext uri="{FF2B5EF4-FFF2-40B4-BE49-F238E27FC236}">
+                <a16:creationId xmlns:a16="http://schemas.microsoft.com/office/drawing/2014/main" id="{31FC9275-4651-8E46-921E-85E6FE73B623}"/>
+              </a:ext>
+            </a:extLst>
+          </p:cNvPr>
+          <p:cNvPicPr>
+            <a:picLocks noGrp="1" noChangeAspect="1"/>
+          </p:cNvPicPr>
+          <p:nvPr>
+            <p:ph sz="half" idx="2"/>
+          </p:nvPr>
+        </p:nvPicPr>
+        <p:blipFill>
+          <a:blip r:embed="rId3">
+            <a:extLst>
+              <a:ext uri="{28A0092B-C50C-407E-A947-70E740481C1C}">
+                <a14:useLocalDpi xmlns:a14="http://schemas.microsoft.com/office/drawing/2010/main" val="0"/>
+              </a:ext>
+            </a:extLst>
+          </a:blip>
+          <a:stretch>
+            <a:fillRect/>
+          </a:stretch>
+        </p:blipFill>
+        <p:spPr>
+          <a:xfrm>
+            <a:off x="4514849" y="1825625"/>
+            <a:ext cx="4004217" cy="4351338"/>
+          </a:xfrm>
+        </p:spPr>
+      </p:pic>
+    </p:spTree>
+    <p:extLst>
+      <p:ext uri="{BB962C8B-B14F-4D97-AF65-F5344CB8AC3E}">
+        <p14:creationId xmlns:p14="http://schemas.microsoft.com/office/powerpoint/2010/main" val="1860272424"/>
+      </p:ext>
+    </p:extLst>
+  </p:cSld>
+  <p:clrMapOvr>
+    <a:masterClrMapping/>
+  </p:clrMapOvr>
+</p:sld>
+</file>
+
+<file path=ppt/slides/slide34.xml><?xml version="1.0" encoding="utf-8"?>
+<p:sld xmlns:a="http://schemas.openxmlformats.org/drawingml/2006/main" xmlns:r="http://schemas.openxmlformats.org/officeDocument/2006/relationships" xmlns:p="http://schemas.openxmlformats.org/presentationml/2006/main">
+  <p:cSld>
+    <p:spTree>
+      <p:nvGrpSpPr>
+        <p:cNvPr id="1" name=""/>
+        <p:cNvGrpSpPr/>
+        <p:nvPr/>
+      </p:nvGrpSpPr>
+      <p:grpSpPr>
+        <a:xfrm>
+          <a:off x="0" y="0"/>
+          <a:ext cx="0" cy="0"/>
+          <a:chOff x="0" y="0"/>
+          <a:chExt cx="0" cy="0"/>
+        </a:xfrm>
+      </p:grpSpPr>
+      <p:sp>
+        <p:nvSpPr>
+          <p:cNvPr id="2" name="Title 1">
+            <a:extLst>
+              <a:ext uri="{FF2B5EF4-FFF2-40B4-BE49-F238E27FC236}">
+                <a16:creationId xmlns:a16="http://schemas.microsoft.com/office/drawing/2014/main" id="{55D35CD2-C1AE-6945-8B31-1E78F88BC53B}"/>
+              </a:ext>
+            </a:extLst>
+          </p:cNvPr>
+          <p:cNvSpPr>
+            <a:spLocks noGrp="1"/>
+          </p:cNvSpPr>
+          <p:nvPr>
+            <p:ph type="title"/>
+          </p:nvPr>
+        </p:nvSpPr>
+        <p:spPr/>
+        <p:txBody>
+          <a:bodyPr/>
+          <a:lstStyle/>
+          <a:p>
+            <a:r>
+              <a:rPr lang="ja-JP" altLang="en-US" dirty="0"/>
+              <a:t>畳み込み演算の並列化</a:t>
+            </a:r>
+            <a:endParaRPr lang="en-US" dirty="0"/>
+          </a:p>
+        </p:txBody>
+      </p:sp>
+      <p:sp>
+        <p:nvSpPr>
+          <p:cNvPr id="3" name="Content Placeholder 2">
+            <a:extLst>
+              <a:ext uri="{FF2B5EF4-FFF2-40B4-BE49-F238E27FC236}">
+                <a16:creationId xmlns:a16="http://schemas.microsoft.com/office/drawing/2014/main" id="{C1CDE55F-1F31-BD41-8A41-27952E4EED34}"/>
+              </a:ext>
+            </a:extLst>
+          </p:cNvPr>
+          <p:cNvSpPr>
+            <a:spLocks noGrp="1"/>
+          </p:cNvSpPr>
+          <p:nvPr>
+            <p:ph idx="1"/>
+          </p:nvPr>
+        </p:nvSpPr>
+        <p:spPr/>
+        <p:txBody>
+          <a:bodyPr/>
+          <a:lstStyle/>
+          <a:p>
+            <a:r>
+              <a:rPr lang="ja-JP" altLang="en-US" dirty="0"/>
+              <a:t>入力値分割</a:t>
+            </a:r>
+            <a:endParaRPr lang="en-US" altLang="ja-JP" dirty="0"/>
+          </a:p>
+        </p:txBody>
+      </p:sp>
+      <p:sp>
+        <p:nvSpPr>
+          <p:cNvPr id="4" name="Slide Number Placeholder 3">
+            <a:extLst>
+              <a:ext uri="{FF2B5EF4-FFF2-40B4-BE49-F238E27FC236}">
+                <a16:creationId xmlns:a16="http://schemas.microsoft.com/office/drawing/2014/main" id="{815AFDB5-B1D3-8740-9A11-7CD378940FE1}"/>
+              </a:ext>
+            </a:extLst>
+          </p:cNvPr>
+          <p:cNvSpPr>
+            <a:spLocks noGrp="1"/>
+          </p:cNvSpPr>
+          <p:nvPr>
+            <p:ph type="sldNum" sz="quarter" idx="12"/>
+          </p:nvPr>
+        </p:nvSpPr>
+        <p:spPr/>
+        <p:txBody>
+          <a:bodyPr/>
+          <a:lstStyle/>
+          <a:p>
+            <a:fld id="{AE60790C-7B88-2D40-A70D-E54200C05D47}" type="slidenum">
+              <a:rPr lang="en-US" smtClean="0"/>
+              <a:t>34</a:t>
+            </a:fld>
+            <a:endParaRPr lang="en-US"/>
+          </a:p>
+        </p:txBody>
+      </p:sp>
+      <p:pic>
+        <p:nvPicPr>
+          <p:cNvPr id="6" name="Picture 5">
+            <a:extLst>
+              <a:ext uri="{FF2B5EF4-FFF2-40B4-BE49-F238E27FC236}">
+                <a16:creationId xmlns:a16="http://schemas.microsoft.com/office/drawing/2014/main" id="{CD4729CC-B401-C943-8A8B-074323627ED9}"/>
+              </a:ext>
+            </a:extLst>
+          </p:cNvPr>
+          <p:cNvPicPr>
+            <a:picLocks noChangeAspect="1"/>
+          </p:cNvPicPr>
+          <p:nvPr/>
+        </p:nvPicPr>
+        <p:blipFill>
+          <a:blip r:embed="rId2">
+            <a:extLst>
+              <a:ext uri="{28A0092B-C50C-407E-A947-70E740481C1C}">
+                <a14:useLocalDpi xmlns:a14="http://schemas.microsoft.com/office/drawing/2010/main" val="0"/>
+              </a:ext>
+            </a:extLst>
+          </a:blip>
+          <a:stretch>
+            <a:fillRect/>
+          </a:stretch>
+        </p:blipFill>
+        <p:spPr>
+          <a:xfrm>
+            <a:off x="1609419" y="2069127"/>
+            <a:ext cx="5886660" cy="4173796"/>
+          </a:xfrm>
+          <a:prstGeom prst="rect">
+            <a:avLst/>
+          </a:prstGeom>
+        </p:spPr>
+      </p:pic>
+    </p:spTree>
+    <p:extLst>
+      <p:ext uri="{BB962C8B-B14F-4D97-AF65-F5344CB8AC3E}">
+        <p14:creationId xmlns:p14="http://schemas.microsoft.com/office/powerpoint/2010/main" val="3954525887"/>
+      </p:ext>
+    </p:extLst>
+  </p:cSld>
+  <p:clrMapOvr>
+    <a:masterClrMapping/>
+  </p:clrMapOvr>
+</p:sld>
+</file>
+
+<file path=ppt/slides/slide35.xml><?xml version="1.0" encoding="utf-8"?>
+<p:sld xmlns:a="http://schemas.openxmlformats.org/drawingml/2006/main" xmlns:r="http://schemas.openxmlformats.org/officeDocument/2006/relationships" xmlns:p="http://schemas.openxmlformats.org/presentationml/2006/main">
+  <p:cSld>
+    <p:spTree>
+      <p:nvGrpSpPr>
+        <p:cNvPr id="1" name=""/>
+        <p:cNvGrpSpPr/>
+        <p:nvPr/>
+      </p:nvGrpSpPr>
+      <p:grpSpPr>
+        <a:xfrm>
+          <a:off x="0" y="0"/>
+          <a:ext cx="0" cy="0"/>
+          <a:chOff x="0" y="0"/>
+          <a:chExt cx="0" cy="0"/>
+        </a:xfrm>
+      </p:grpSpPr>
+      <p:sp>
+        <p:nvSpPr>
+          <p:cNvPr id="2" name="Title 1">
+            <a:extLst>
+              <a:ext uri="{FF2B5EF4-FFF2-40B4-BE49-F238E27FC236}">
+                <a16:creationId xmlns:a16="http://schemas.microsoft.com/office/drawing/2014/main" id="{550E5C79-1F4C-F947-AE75-14DA7E46662B}"/>
+              </a:ext>
+            </a:extLst>
+          </p:cNvPr>
+          <p:cNvSpPr>
+            <a:spLocks noGrp="1"/>
+          </p:cNvSpPr>
+          <p:nvPr>
+            <p:ph type="title"/>
+          </p:nvPr>
+        </p:nvSpPr>
+        <p:spPr/>
+        <p:txBody>
+          <a:bodyPr/>
+          <a:lstStyle/>
+          <a:p>
+            <a:r>
+              <a:rPr lang="ja-JP" altLang="en-US" dirty="0"/>
+              <a:t>通信遅延の隠蔽</a:t>
+            </a:r>
+            <a:endParaRPr lang="en-US" dirty="0"/>
+          </a:p>
+        </p:txBody>
+      </p:sp>
+      <p:sp>
+        <p:nvSpPr>
+          <p:cNvPr id="3" name="Content Placeholder 2">
+            <a:extLst>
+              <a:ext uri="{FF2B5EF4-FFF2-40B4-BE49-F238E27FC236}">
+                <a16:creationId xmlns:a16="http://schemas.microsoft.com/office/drawing/2014/main" id="{1C24AD76-6B4C-E146-8B6F-E05A4AE41C0F}"/>
+              </a:ext>
+            </a:extLst>
+          </p:cNvPr>
+          <p:cNvSpPr>
+            <a:spLocks noGrp="1"/>
+          </p:cNvSpPr>
+          <p:nvPr>
+            <p:ph idx="1"/>
+          </p:nvPr>
+        </p:nvSpPr>
+        <p:spPr/>
+        <p:txBody>
+          <a:bodyPr/>
+          <a:lstStyle/>
+          <a:p>
+            <a:r>
+              <a:rPr lang="ja-JP" altLang="en-US" dirty="0"/>
+              <a:t>各モジュールの</a:t>
+            </a:r>
+            <a:endParaRPr lang="en-US" dirty="0"/>
+          </a:p>
+        </p:txBody>
+      </p:sp>
+      <p:sp>
+        <p:nvSpPr>
+          <p:cNvPr id="4" name="Slide Number Placeholder 3">
+            <a:extLst>
+              <a:ext uri="{FF2B5EF4-FFF2-40B4-BE49-F238E27FC236}">
+                <a16:creationId xmlns:a16="http://schemas.microsoft.com/office/drawing/2014/main" id="{6A33F24D-4D08-DA43-AEBE-9CC7E38CB2C1}"/>
+              </a:ext>
+            </a:extLst>
+          </p:cNvPr>
+          <p:cNvSpPr>
+            <a:spLocks noGrp="1"/>
+          </p:cNvSpPr>
+          <p:nvPr>
+            <p:ph type="sldNum" sz="quarter" idx="12"/>
+          </p:nvPr>
+        </p:nvSpPr>
+        <p:spPr/>
+        <p:txBody>
+          <a:bodyPr/>
+          <a:lstStyle/>
+          <a:p>
+            <a:fld id="{AE60790C-7B88-2D40-A70D-E54200C05D47}" type="slidenum">
+              <a:rPr lang="en-US" smtClean="0"/>
+              <a:t>35</a:t>
+            </a:fld>
+            <a:endParaRPr lang="en-US" dirty="0"/>
+          </a:p>
+        </p:txBody>
+      </p:sp>
+    </p:spTree>
+    <p:extLst>
+      <p:ext uri="{BB962C8B-B14F-4D97-AF65-F5344CB8AC3E}">
+        <p14:creationId xmlns:p14="http://schemas.microsoft.com/office/powerpoint/2010/main" val="627599835"/>
+      </p:ext>
+    </p:extLst>
+  </p:cSld>
+  <p:clrMapOvr>
+    <a:masterClrMapping/>
+  </p:clrMapOvr>
+</p:sld>
+</file>
+
+<file path=ppt/slides/slide36.xml><?xml version="1.0" encoding="utf-8"?>
+<p:sld xmlns:a="http://schemas.openxmlformats.org/drawingml/2006/main" xmlns:r="http://schemas.openxmlformats.org/officeDocument/2006/relationships" xmlns:p="http://schemas.openxmlformats.org/presentationml/2006/main" show="0">
+  <p:cSld>
+    <p:spTree>
+      <p:nvGrpSpPr>
+        <p:cNvPr id="1" name=""/>
+        <p:cNvGrpSpPr/>
+        <p:nvPr/>
+      </p:nvGrpSpPr>
+      <p:grpSpPr>
+        <a:xfrm>
+          <a:off x="0" y="0"/>
+          <a:ext cx="0" cy="0"/>
+          <a:chOff x="0" y="0"/>
+          <a:chExt cx="0" cy="0"/>
+        </a:xfrm>
+      </p:grpSpPr>
+      <p:sp>
+        <p:nvSpPr>
+          <p:cNvPr id="2" name="Title 1">
+            <a:extLst>
+              <a:ext uri="{FF2B5EF4-FFF2-40B4-BE49-F238E27FC236}">
+                <a16:creationId xmlns:a16="http://schemas.microsoft.com/office/drawing/2014/main" id="{00659823-9A47-5A4F-BCE5-B32B117DA67E}"/>
+              </a:ext>
+            </a:extLst>
+          </p:cNvPr>
+          <p:cNvSpPr>
+            <a:spLocks noGrp="1"/>
+          </p:cNvSpPr>
+          <p:nvPr>
+            <p:ph type="title"/>
+          </p:nvPr>
+        </p:nvSpPr>
+        <p:spPr/>
+        <p:txBody>
+          <a:bodyPr/>
+          <a:lstStyle/>
+          <a:p>
+            <a:r>
+              <a:rPr lang="ja-JP" altLang="en-US" dirty="0"/>
+              <a:t>本研究のコントリビューション</a:t>
+            </a:r>
+            <a:endParaRPr lang="en-US" dirty="0"/>
+          </a:p>
+        </p:txBody>
+      </p:sp>
+      <p:sp>
+        <p:nvSpPr>
+          <p:cNvPr id="3" name="Content Placeholder 2">
+            <a:extLst>
+              <a:ext uri="{FF2B5EF4-FFF2-40B4-BE49-F238E27FC236}">
+                <a16:creationId xmlns:a16="http://schemas.microsoft.com/office/drawing/2014/main" id="{EAB14B89-0154-464B-A50C-51342609A3B7}"/>
+              </a:ext>
+            </a:extLst>
+          </p:cNvPr>
+          <p:cNvSpPr>
+            <a:spLocks noGrp="1"/>
+          </p:cNvSpPr>
+          <p:nvPr>
+            <p:ph idx="1"/>
+          </p:nvPr>
+        </p:nvSpPr>
+        <p:spPr/>
+        <p:txBody>
+          <a:bodyPr/>
+          <a:lstStyle/>
+          <a:p>
+            <a:r>
+              <a:rPr lang="ja-JP" altLang="en-US" dirty="0"/>
+              <a:t>マルチ</a:t>
+            </a:r>
+            <a:r>
+              <a:rPr lang="en-US" altLang="ja-JP" dirty="0"/>
+              <a:t>FPGA</a:t>
+            </a:r>
+            <a:r>
+              <a:rPr lang="ja-JP" altLang="en-US" dirty="0"/>
+              <a:t>による</a:t>
+            </a:r>
+            <a:r>
+              <a:rPr lang="en-US" altLang="ja-JP" dirty="0"/>
+              <a:t>CNN</a:t>
+            </a:r>
+            <a:r>
+              <a:rPr lang="ja-JP" altLang="en-US" dirty="0"/>
+              <a:t>アクセラレータ</a:t>
+            </a:r>
+            <a:endParaRPr lang="en-US" altLang="ja-JP" dirty="0"/>
+          </a:p>
+          <a:p>
+            <a:endParaRPr lang="en-US" dirty="0"/>
+          </a:p>
+          <a:p>
+            <a:r>
+              <a:rPr lang="en-US" dirty="0"/>
+              <a:t>GoogLeNet</a:t>
+            </a:r>
+            <a:r>
+              <a:rPr lang="ja-JP" altLang="en-US" dirty="0"/>
+              <a:t>の</a:t>
+            </a:r>
+            <a:r>
+              <a:rPr lang="en-US" altLang="ja-JP" dirty="0"/>
+              <a:t>FPGA</a:t>
+            </a:r>
+            <a:r>
+              <a:rPr lang="ja-JP" altLang="en-US" dirty="0"/>
+              <a:t>実装</a:t>
+            </a:r>
+            <a:endParaRPr lang="en-US" altLang="ja-JP" dirty="0"/>
+          </a:p>
+          <a:p>
+            <a:pPr lvl="1"/>
+            <a:r>
+              <a:rPr lang="en-US" altLang="ja-JP" dirty="0"/>
+              <a:t>AlexNet</a:t>
+            </a:r>
+            <a:r>
+              <a:rPr lang="ja-JP" altLang="en-US" dirty="0"/>
+              <a:t>が実装対象となりやすい</a:t>
+            </a:r>
+            <a:endParaRPr lang="en-US" dirty="0"/>
+          </a:p>
+        </p:txBody>
+      </p:sp>
+      <p:sp>
+        <p:nvSpPr>
+          <p:cNvPr id="4" name="Slide Number Placeholder 3">
+            <a:extLst>
+              <a:ext uri="{FF2B5EF4-FFF2-40B4-BE49-F238E27FC236}">
+                <a16:creationId xmlns:a16="http://schemas.microsoft.com/office/drawing/2014/main" id="{B4B3AE10-1FC2-DF49-B89E-D58156F98724}"/>
+              </a:ext>
+            </a:extLst>
+          </p:cNvPr>
+          <p:cNvSpPr>
+            <a:spLocks noGrp="1"/>
+          </p:cNvSpPr>
+          <p:nvPr>
+            <p:ph type="sldNum" sz="quarter" idx="12"/>
+          </p:nvPr>
+        </p:nvSpPr>
+        <p:spPr/>
+        <p:txBody>
+          <a:bodyPr/>
+          <a:lstStyle/>
+          <a:p>
+            <a:fld id="{AE60790C-7B88-2D40-A70D-E54200C05D47}" type="slidenum">
+              <a:rPr lang="en-US" smtClean="0"/>
+              <a:t>36</a:t>
+            </a:fld>
+            <a:endParaRPr lang="en-US" dirty="0"/>
+          </a:p>
+        </p:txBody>
+      </p:sp>
+    </p:spTree>
+    <p:extLst>
+      <p:ext uri="{BB962C8B-B14F-4D97-AF65-F5344CB8AC3E}">
+        <p14:creationId xmlns:p14="http://schemas.microsoft.com/office/powerpoint/2010/main" val="1062787650"/>
       </p:ext>
     </p:extLst>
   </p:cSld>
@@ -11299,7 +12337,7 @@
           <a:p>
             <a:r>
               <a:rPr lang="ja-JP" altLang="en-US" dirty="0"/>
-              <a:t>深層学習専用アクセラレータ</a:t>
+              <a:t>深層学習アクセラレータ</a:t>
             </a:r>
             <a:endParaRPr lang="en-US" altLang="ja-JP" dirty="0"/>
           </a:p>
@@ -11307,11 +12345,7 @@
             <a:pPr lvl="1"/>
             <a:r>
               <a:rPr lang="ja-JP" altLang="en-US" dirty="0"/>
-              <a:t>計算コストの増大</a:t>
-            </a:r>
-            <a:r>
-              <a:rPr lang="ja-JP" altLang="en-US"/>
-              <a:t>による需要</a:t>
+              <a:t>計算コストの増大による需要</a:t>
             </a:r>
             <a:endParaRPr lang="en-US" altLang="ja-JP" dirty="0"/>
           </a:p>
@@ -11689,7 +12723,7 @@
           <p:cNvPr id="2" name="Title 1">
             <a:extLst>
               <a:ext uri="{FF2B5EF4-FFF2-40B4-BE49-F238E27FC236}">
-                <a16:creationId xmlns:a16="http://schemas.microsoft.com/office/drawing/2014/main" id="{39CF3F23-2F48-2645-9777-637A1891861E}"/>
+                <a16:creationId xmlns:a16="http://schemas.microsoft.com/office/drawing/2014/main" id="{55D35CD2-C1AE-6945-8B31-1E78F88BC53B}"/>
               </a:ext>
             </a:extLst>
           </p:cNvPr>
@@ -11707,7 +12741,7 @@
           <a:p>
             <a:r>
               <a:rPr lang="ja-JP" altLang="en-US" dirty="0"/>
-              <a:t>アウトライン</a:t>
+              <a:t>目的</a:t>
             </a:r>
             <a:endParaRPr lang="en-US" dirty="0"/>
           </a:p>
@@ -11718,7 +12752,7 @@
           <p:cNvPr id="3" name="Content Placeholder 2">
             <a:extLst>
               <a:ext uri="{FF2B5EF4-FFF2-40B4-BE49-F238E27FC236}">
-                <a16:creationId xmlns:a16="http://schemas.microsoft.com/office/drawing/2014/main" id="{24779C7E-8343-C346-AF74-51042A369AD4}"/>
+                <a16:creationId xmlns:a16="http://schemas.microsoft.com/office/drawing/2014/main" id="{C1CDE55F-1F31-BD41-8A41-27952E4EED34}"/>
               </a:ext>
             </a:extLst>
           </p:cNvPr>
@@ -11729,75 +12763,62 @@
             <p:ph idx="1"/>
           </p:nvPr>
         </p:nvSpPr>
-        <p:spPr/>
+        <p:spPr>
+          <a:xfrm>
+            <a:off x="628650" y="1578738"/>
+            <a:ext cx="7886700" cy="4572000"/>
+          </a:xfrm>
+        </p:spPr>
         <p:txBody>
           <a:bodyPr>
             <a:normAutofit/>
           </a:bodyPr>
           <a:lstStyle/>
           <a:p>
-            <a:r>
-              <a:rPr lang="ja-JP" altLang="en-US" dirty="0"/>
-              <a:t>背景</a:t>
+            <a:pPr>
+              <a:lnSpc>
+                <a:spcPct val="100000"/>
+              </a:lnSpc>
+            </a:pPr>
+            <a:r>
+              <a:rPr lang="ja-JP" altLang="en-US" dirty="0"/>
+              <a:t>マルチ</a:t>
+            </a:r>
+            <a:r>
+              <a:rPr lang="en-US" altLang="ja-JP" dirty="0"/>
+              <a:t>FPGA</a:t>
+            </a:r>
+            <a:r>
+              <a:rPr lang="ja-JP" altLang="en-US" dirty="0"/>
+              <a:t>システムの検討</a:t>
             </a:r>
             <a:endParaRPr lang="en-US" altLang="ja-JP" dirty="0"/>
           </a:p>
           <a:p>
-            <a:r>
-              <a:rPr lang="en-US" altLang="ja-JP" dirty="0">
-                <a:solidFill>
-                  <a:srgbClr val="FF0000"/>
-                </a:solidFill>
-              </a:rPr>
+            <a:pPr lvl="1">
+              <a:lnSpc>
+                <a:spcPct val="100000"/>
+              </a:lnSpc>
+            </a:pPr>
+            <a:r>
+              <a:rPr lang="ja-JP" altLang="en-US" dirty="0"/>
+              <a:t>深層学習アクセラレータ</a:t>
+            </a:r>
+            <a:endParaRPr lang="en-US" altLang="ja-JP" dirty="0"/>
+          </a:p>
+          <a:p>
+            <a:pPr>
+              <a:lnSpc>
+                <a:spcPct val="100000"/>
+              </a:lnSpc>
+            </a:pPr>
+            <a:r>
+              <a:rPr lang="en-US" dirty="0"/>
               <a:t>GoogLeNet</a:t>
             </a:r>
-          </a:p>
-          <a:p>
-            <a:r>
-              <a:rPr lang="en-US" altLang="ja-JP" dirty="0" err="1"/>
-              <a:t>FiC</a:t>
-            </a:r>
-            <a:r>
-              <a:rPr lang="en-US" altLang="ja-JP" dirty="0"/>
-              <a:t>-SW</a:t>
-            </a:r>
-          </a:p>
-          <a:p>
-            <a:r>
-              <a:rPr lang="ja-JP" altLang="en-US" dirty="0"/>
-              <a:t>関連研究</a:t>
-            </a:r>
-            <a:endParaRPr lang="en-US" altLang="ja-JP" dirty="0"/>
-          </a:p>
-          <a:p>
-            <a:r>
-              <a:rPr lang="en-US" altLang="ja-JP" dirty="0"/>
-              <a:t>GoogLeNet</a:t>
-            </a:r>
-            <a:r>
-              <a:rPr lang="ja-JP" altLang="en-US" dirty="0"/>
-              <a:t>並列化検討</a:t>
-            </a:r>
-            <a:endParaRPr lang="en-US" altLang="ja-JP" dirty="0"/>
-          </a:p>
-          <a:p>
-            <a:r>
-              <a:rPr lang="ja-JP" altLang="en-US" dirty="0"/>
-              <a:t>実装</a:t>
-            </a:r>
-            <a:endParaRPr lang="en-US" altLang="ja-JP" dirty="0"/>
-          </a:p>
-          <a:p>
-            <a:r>
-              <a:rPr lang="ja-JP" altLang="en-US" dirty="0"/>
-              <a:t>評価</a:t>
-            </a:r>
-            <a:endParaRPr lang="en-US" altLang="ja-JP" dirty="0"/>
-          </a:p>
-          <a:p>
-            <a:r>
-              <a:rPr lang="ja-JP" altLang="en-US" dirty="0"/>
-              <a:t>結論</a:t>
+            <a:r>
+              <a:rPr lang="ja-JP" altLang="en-US" dirty="0"/>
+              <a:t>の高速化</a:t>
             </a:r>
             <a:endParaRPr lang="en-US" dirty="0"/>
           </a:p>
@@ -11808,7 +12829,7 @@
           <p:cNvPr id="4" name="Slide Number Placeholder 3">
             <a:extLst>
               <a:ext uri="{FF2B5EF4-FFF2-40B4-BE49-F238E27FC236}">
-                <a16:creationId xmlns:a16="http://schemas.microsoft.com/office/drawing/2014/main" id="{91F23C09-84CF-5D49-924E-1F5C9B17F198}"/>
+                <a16:creationId xmlns:a16="http://schemas.microsoft.com/office/drawing/2014/main" id="{F40370AE-BC3E-6444-A09B-071E2ECC54F2}"/>
               </a:ext>
             </a:extLst>
           </p:cNvPr>
@@ -11832,10 +12853,225 @@
           </a:p>
         </p:txBody>
       </p:sp>
+      <p:sp>
+        <p:nvSpPr>
+          <p:cNvPr id="5" name="TextBox 4">
+            <a:extLst>
+              <a:ext uri="{FF2B5EF4-FFF2-40B4-BE49-F238E27FC236}">
+                <a16:creationId xmlns:a16="http://schemas.microsoft.com/office/drawing/2014/main" id="{2EC9D8E9-9F85-B045-AE21-BFEE55AE8027}"/>
+              </a:ext>
+            </a:extLst>
+          </p:cNvPr>
+          <p:cNvSpPr txBox="1"/>
+          <p:nvPr/>
+        </p:nvSpPr>
+        <p:spPr>
+          <a:xfrm>
+            <a:off x="298383" y="5848518"/>
+            <a:ext cx="5116530" cy="1015663"/>
+          </a:xfrm>
+          <a:prstGeom prst="rect">
+            <a:avLst/>
+          </a:prstGeom>
+          <a:noFill/>
+        </p:spPr>
+        <p:txBody>
+          <a:bodyPr wrap="square" rtlCol="0">
+            <a:spAutoFit/>
+          </a:bodyPr>
+          <a:lstStyle/>
+          <a:p>
+            <a:r>
+              <a:rPr lang="en-US" sz="1200" dirty="0">
+                <a:latin typeface="Hiragino Kaku Gothic Pro W3" panose="020B0300000000000000" pitchFamily="34" charset="-128"/>
+                <a:ea typeface="Hiragino Kaku Gothic Pro W3" panose="020B0300000000000000" pitchFamily="34" charset="-128"/>
+              </a:rPr>
+              <a:t>[1]Christian </a:t>
+            </a:r>
+            <a:r>
+              <a:rPr lang="en-US" sz="1200" dirty="0" err="1">
+                <a:latin typeface="Hiragino Kaku Gothic Pro W3" panose="020B0300000000000000" pitchFamily="34" charset="-128"/>
+                <a:ea typeface="Hiragino Kaku Gothic Pro W3" panose="020B0300000000000000" pitchFamily="34" charset="-128"/>
+              </a:rPr>
+              <a:t>Szegedy</a:t>
+            </a:r>
+            <a:r>
+              <a:rPr lang="en-US" sz="1200" dirty="0">
+                <a:latin typeface="Hiragino Kaku Gothic Pro W3" panose="020B0300000000000000" pitchFamily="34" charset="-128"/>
+                <a:ea typeface="Hiragino Kaku Gothic Pro W3" panose="020B0300000000000000" pitchFamily="34" charset="-128"/>
+              </a:rPr>
+              <a:t>, Wei Liu, </a:t>
+            </a:r>
+            <a:r>
+              <a:rPr lang="en-US" sz="1200" dirty="0" err="1">
+                <a:latin typeface="Hiragino Kaku Gothic Pro W3" panose="020B0300000000000000" pitchFamily="34" charset="-128"/>
+                <a:ea typeface="Hiragino Kaku Gothic Pro W3" panose="020B0300000000000000" pitchFamily="34" charset="-128"/>
+              </a:rPr>
+              <a:t>Yangqing</a:t>
+            </a:r>
+            <a:r>
+              <a:rPr lang="en-US" sz="1200" dirty="0">
+                <a:latin typeface="Hiragino Kaku Gothic Pro W3" panose="020B0300000000000000" pitchFamily="34" charset="-128"/>
+                <a:ea typeface="Hiragino Kaku Gothic Pro W3" panose="020B0300000000000000" pitchFamily="34" charset="-128"/>
+              </a:rPr>
+              <a:t> </a:t>
+            </a:r>
+            <a:r>
+              <a:rPr lang="en-US" sz="1200" dirty="0" err="1">
+                <a:latin typeface="Hiragino Kaku Gothic Pro W3" panose="020B0300000000000000" pitchFamily="34" charset="-128"/>
+                <a:ea typeface="Hiragino Kaku Gothic Pro W3" panose="020B0300000000000000" pitchFamily="34" charset="-128"/>
+              </a:rPr>
+              <a:t>Jia</a:t>
+            </a:r>
+            <a:r>
+              <a:rPr lang="en-US" sz="1200" dirty="0">
+                <a:latin typeface="Hiragino Kaku Gothic Pro W3" panose="020B0300000000000000" pitchFamily="34" charset="-128"/>
+                <a:ea typeface="Hiragino Kaku Gothic Pro W3" panose="020B0300000000000000" pitchFamily="34" charset="-128"/>
+              </a:rPr>
+              <a:t>, Pierre </a:t>
+            </a:r>
+            <a:r>
+              <a:rPr lang="en-US" sz="1200" dirty="0" err="1">
+                <a:latin typeface="Hiragino Kaku Gothic Pro W3" panose="020B0300000000000000" pitchFamily="34" charset="-128"/>
+                <a:ea typeface="Hiragino Kaku Gothic Pro W3" panose="020B0300000000000000" pitchFamily="34" charset="-128"/>
+              </a:rPr>
+              <a:t>Sermanet</a:t>
+            </a:r>
+            <a:r>
+              <a:rPr lang="en-US" sz="1200" dirty="0">
+                <a:latin typeface="Hiragino Kaku Gothic Pro W3" panose="020B0300000000000000" pitchFamily="34" charset="-128"/>
+                <a:ea typeface="Hiragino Kaku Gothic Pro W3" panose="020B0300000000000000" pitchFamily="34" charset="-128"/>
+              </a:rPr>
+              <a:t>, Scott Reed, </a:t>
+            </a:r>
+            <a:r>
+              <a:rPr lang="en-US" sz="1200" dirty="0" err="1">
+                <a:latin typeface="Hiragino Kaku Gothic Pro W3" panose="020B0300000000000000" pitchFamily="34" charset="-128"/>
+                <a:ea typeface="Hiragino Kaku Gothic Pro W3" panose="020B0300000000000000" pitchFamily="34" charset="-128"/>
+              </a:rPr>
+              <a:t>DragomirAnguelov</a:t>
+            </a:r>
+            <a:r>
+              <a:rPr lang="en-US" sz="1200" dirty="0">
+                <a:latin typeface="Hiragino Kaku Gothic Pro W3" panose="020B0300000000000000" pitchFamily="34" charset="-128"/>
+                <a:ea typeface="Hiragino Kaku Gothic Pro W3" panose="020B0300000000000000" pitchFamily="34" charset="-128"/>
+              </a:rPr>
+              <a:t>, </a:t>
+            </a:r>
+            <a:r>
+              <a:rPr lang="en-US" sz="1200" dirty="0" err="1">
+                <a:latin typeface="Hiragino Kaku Gothic Pro W3" panose="020B0300000000000000" pitchFamily="34" charset="-128"/>
+                <a:ea typeface="Hiragino Kaku Gothic Pro W3" panose="020B0300000000000000" pitchFamily="34" charset="-128"/>
+              </a:rPr>
+              <a:t>Dumitru</a:t>
+            </a:r>
+            <a:r>
+              <a:rPr lang="en-US" sz="1200" dirty="0">
+                <a:latin typeface="Hiragino Kaku Gothic Pro W3" panose="020B0300000000000000" pitchFamily="34" charset="-128"/>
+                <a:ea typeface="Hiragino Kaku Gothic Pro W3" panose="020B0300000000000000" pitchFamily="34" charset="-128"/>
+              </a:rPr>
+              <a:t> </a:t>
+            </a:r>
+            <a:r>
+              <a:rPr lang="en-US" sz="1200" dirty="0" err="1">
+                <a:latin typeface="Hiragino Kaku Gothic Pro W3" panose="020B0300000000000000" pitchFamily="34" charset="-128"/>
+                <a:ea typeface="Hiragino Kaku Gothic Pro W3" panose="020B0300000000000000" pitchFamily="34" charset="-128"/>
+              </a:rPr>
+              <a:t>Erhan</a:t>
+            </a:r>
+            <a:r>
+              <a:rPr lang="en-US" sz="1200" dirty="0">
+                <a:latin typeface="Hiragino Kaku Gothic Pro W3" panose="020B0300000000000000" pitchFamily="34" charset="-128"/>
+                <a:ea typeface="Hiragino Kaku Gothic Pro W3" panose="020B0300000000000000" pitchFamily="34" charset="-128"/>
+              </a:rPr>
+              <a:t>, Vincent </a:t>
+            </a:r>
+            <a:r>
+              <a:rPr lang="en-US" sz="1200" dirty="0" err="1">
+                <a:latin typeface="Hiragino Kaku Gothic Pro W3" panose="020B0300000000000000" pitchFamily="34" charset="-128"/>
+                <a:ea typeface="Hiragino Kaku Gothic Pro W3" panose="020B0300000000000000" pitchFamily="34" charset="-128"/>
+              </a:rPr>
+              <a:t>Vanhoucke</a:t>
+            </a:r>
+            <a:r>
+              <a:rPr lang="en-US" sz="1200" dirty="0">
+                <a:latin typeface="Hiragino Kaku Gothic Pro W3" panose="020B0300000000000000" pitchFamily="34" charset="-128"/>
+                <a:ea typeface="Hiragino Kaku Gothic Pro W3" panose="020B0300000000000000" pitchFamily="34" charset="-128"/>
+              </a:rPr>
+              <a:t>, and Andrew </a:t>
+            </a:r>
+            <a:r>
+              <a:rPr lang="en-US" sz="1200" dirty="0" err="1">
+                <a:latin typeface="Hiragino Kaku Gothic Pro W3" panose="020B0300000000000000" pitchFamily="34" charset="-128"/>
+                <a:ea typeface="Hiragino Kaku Gothic Pro W3" panose="020B0300000000000000" pitchFamily="34" charset="-128"/>
+              </a:rPr>
+              <a:t>Rabinovich</a:t>
+            </a:r>
+            <a:r>
+              <a:rPr lang="en-US" sz="1200" dirty="0">
+                <a:latin typeface="Hiragino Kaku Gothic Pro W3" panose="020B0300000000000000" pitchFamily="34" charset="-128"/>
+                <a:ea typeface="Hiragino Kaku Gothic Pro W3" panose="020B0300000000000000" pitchFamily="34" charset="-128"/>
+              </a:rPr>
+              <a:t>. </a:t>
+            </a:r>
+          </a:p>
+          <a:p>
+            <a:r>
+              <a:rPr lang="en-US" sz="1200" dirty="0">
+                <a:latin typeface="Hiragino Kaku Gothic Pro W3" panose="020B0300000000000000" pitchFamily="34" charset="-128"/>
+                <a:ea typeface="Hiragino Kaku Gothic Pro W3" panose="020B0300000000000000" pitchFamily="34" charset="-128"/>
+              </a:rPr>
+              <a:t>Going </a:t>
+            </a:r>
+            <a:r>
+              <a:rPr lang="en-US" sz="1200" dirty="0" err="1">
+                <a:latin typeface="Hiragino Kaku Gothic Pro W3" panose="020B0300000000000000" pitchFamily="34" charset="-128"/>
+                <a:ea typeface="Hiragino Kaku Gothic Pro W3" panose="020B0300000000000000" pitchFamily="34" charset="-128"/>
+              </a:rPr>
+              <a:t>deeperwith</a:t>
+            </a:r>
+            <a:r>
+              <a:rPr lang="en-US" sz="1200" dirty="0">
+                <a:latin typeface="Hiragino Kaku Gothic Pro W3" panose="020B0300000000000000" pitchFamily="34" charset="-128"/>
+                <a:ea typeface="Hiragino Kaku Gothic Pro W3" panose="020B0300000000000000" pitchFamily="34" charset="-128"/>
+              </a:rPr>
+              <a:t> convolutions. </a:t>
+            </a:r>
+            <a:r>
+              <a:rPr lang="en-US" sz="1200" dirty="0" err="1">
+                <a:latin typeface="Hiragino Kaku Gothic Pro W3" panose="020B0300000000000000" pitchFamily="34" charset="-128"/>
+                <a:ea typeface="Hiragino Kaku Gothic Pro W3" panose="020B0300000000000000" pitchFamily="34" charset="-128"/>
+              </a:rPr>
+              <a:t>In</a:t>
+            </a:r>
+            <a:r>
+              <a:rPr lang="en-US" sz="1200" i="1" dirty="0" err="1">
+                <a:latin typeface="Hiragino Kaku Gothic Pro W3" panose="020B0300000000000000" pitchFamily="34" charset="-128"/>
+                <a:ea typeface="Hiragino Kaku Gothic Pro W3" panose="020B0300000000000000" pitchFamily="34" charset="-128"/>
+              </a:rPr>
+              <a:t>The</a:t>
+            </a:r>
+            <a:r>
+              <a:rPr lang="en-US" sz="1200" i="1" dirty="0">
+                <a:latin typeface="Hiragino Kaku Gothic Pro W3" panose="020B0300000000000000" pitchFamily="34" charset="-128"/>
+                <a:ea typeface="Hiragino Kaku Gothic Pro W3" panose="020B0300000000000000" pitchFamily="34" charset="-128"/>
+              </a:rPr>
+              <a:t> IEEE Conference on Computer Vision and Pattern Recognition(CVPR)</a:t>
+            </a:r>
+            <a:r>
+              <a:rPr lang="en-US" sz="1200" dirty="0">
+                <a:latin typeface="Hiragino Kaku Gothic Pro W3" panose="020B0300000000000000" pitchFamily="34" charset="-128"/>
+                <a:ea typeface="Hiragino Kaku Gothic Pro W3" panose="020B0300000000000000" pitchFamily="34" charset="-128"/>
+              </a:rPr>
+              <a:t>, June 2015.</a:t>
+            </a:r>
+          </a:p>
+        </p:txBody>
+      </p:sp>
     </p:spTree>
     <p:extLst>
       <p:ext uri="{BB962C8B-B14F-4D97-AF65-F5344CB8AC3E}">
-        <p14:creationId xmlns:p14="http://schemas.microsoft.com/office/powerpoint/2010/main" val="4127418533"/>
+        <p14:creationId xmlns:p14="http://schemas.microsoft.com/office/powerpoint/2010/main" val="1734623968"/>
       </p:ext>
     </p:extLst>
   </p:cSld>
@@ -11867,7 +13103,7 @@
           <p:cNvPr id="2" name="Title 1">
             <a:extLst>
               <a:ext uri="{FF2B5EF4-FFF2-40B4-BE49-F238E27FC236}">
-                <a16:creationId xmlns:a16="http://schemas.microsoft.com/office/drawing/2014/main" id="{55D35CD2-C1AE-6945-8B31-1E78F88BC53B}"/>
+                <a16:creationId xmlns:a16="http://schemas.microsoft.com/office/drawing/2014/main" id="{39CF3F23-2F48-2645-9777-637A1891861E}"/>
               </a:ext>
             </a:extLst>
           </p:cNvPr>
@@ -11882,117 +13118,111 @@
         <p:txBody>
           <a:bodyPr/>
           <a:lstStyle/>
+          <a:p>
+            <a:r>
+              <a:rPr lang="ja-JP" altLang="en-US" dirty="0"/>
+              <a:t>アウトライン</a:t>
+            </a:r>
+            <a:endParaRPr lang="en-US" dirty="0"/>
+          </a:p>
+        </p:txBody>
+      </p:sp>
+      <p:sp>
+        <p:nvSpPr>
+          <p:cNvPr id="3" name="Content Placeholder 2">
+            <a:extLst>
+              <a:ext uri="{FF2B5EF4-FFF2-40B4-BE49-F238E27FC236}">
+                <a16:creationId xmlns:a16="http://schemas.microsoft.com/office/drawing/2014/main" id="{24779C7E-8343-C346-AF74-51042A369AD4}"/>
+              </a:ext>
+            </a:extLst>
+          </p:cNvPr>
+          <p:cNvSpPr>
+            <a:spLocks noGrp="1"/>
+          </p:cNvSpPr>
+          <p:nvPr>
+            <p:ph idx="1"/>
+          </p:nvPr>
+        </p:nvSpPr>
+        <p:spPr/>
+        <p:txBody>
+          <a:bodyPr>
+            <a:normAutofit/>
+          </a:bodyPr>
+          <a:lstStyle/>
+          <a:p>
+            <a:r>
+              <a:rPr lang="ja-JP" altLang="en-US" dirty="0"/>
+              <a:t>背景</a:t>
+            </a:r>
+            <a:endParaRPr lang="en-US" altLang="ja-JP" dirty="0"/>
+          </a:p>
+          <a:p>
+            <a:r>
+              <a:rPr lang="en-US" altLang="ja-JP" dirty="0">
+                <a:solidFill>
+                  <a:srgbClr val="FF0000"/>
+                </a:solidFill>
+              </a:rPr>
+              <a:t>GoogLeNet</a:t>
+            </a:r>
+          </a:p>
+          <a:p>
+            <a:r>
+              <a:rPr lang="en-US" altLang="ja-JP" dirty="0" err="1"/>
+              <a:t>FiC</a:t>
+            </a:r>
+            <a:r>
+              <a:rPr lang="en-US" altLang="ja-JP" dirty="0"/>
+              <a:t>-SW</a:t>
+            </a:r>
+          </a:p>
+          <a:p>
+            <a:r>
+              <a:rPr lang="ja-JP" altLang="en-US" dirty="0"/>
+              <a:t>関連研究</a:t>
+            </a:r>
+            <a:endParaRPr lang="en-US" altLang="ja-JP" dirty="0"/>
+          </a:p>
           <a:p>
             <a:r>
               <a:rPr lang="en-US" altLang="ja-JP" dirty="0"/>
               <a:t>GoogLeNet</a:t>
             </a:r>
+            <a:r>
+              <a:rPr lang="ja-JP" altLang="en-US" dirty="0"/>
+              <a:t>並列化検討</a:t>
+            </a:r>
+            <a:endParaRPr lang="en-US" altLang="ja-JP" dirty="0"/>
+          </a:p>
+          <a:p>
+            <a:r>
+              <a:rPr lang="ja-JP" altLang="en-US" dirty="0"/>
+              <a:t>実装</a:t>
+            </a:r>
+            <a:endParaRPr lang="en-US" altLang="ja-JP" dirty="0"/>
+          </a:p>
+          <a:p>
+            <a:r>
+              <a:rPr lang="ja-JP" altLang="en-US" dirty="0"/>
+              <a:t>評価</a:t>
+            </a:r>
+            <a:endParaRPr lang="en-US" altLang="ja-JP" dirty="0"/>
+          </a:p>
+          <a:p>
+            <a:r>
+              <a:rPr lang="ja-JP" altLang="en-US" dirty="0"/>
+              <a:t>結論</a:t>
+            </a:r>
             <a:endParaRPr lang="en-US" dirty="0"/>
           </a:p>
         </p:txBody>
       </p:sp>
       <p:sp>
         <p:nvSpPr>
-          <p:cNvPr id="3" name="Content Placeholder 2">
+          <p:cNvPr id="4" name="Slide Number Placeholder 3">
             <a:extLst>
               <a:ext uri="{FF2B5EF4-FFF2-40B4-BE49-F238E27FC236}">
-                <a16:creationId xmlns:a16="http://schemas.microsoft.com/office/drawing/2014/main" id="{C1CDE55F-1F31-BD41-8A41-27952E4EED34}"/>
-              </a:ext>
-            </a:extLst>
-          </p:cNvPr>
-          <p:cNvSpPr>
-            <a:spLocks noGrp="1"/>
-          </p:cNvSpPr>
-          <p:nvPr>
-            <p:ph idx="1"/>
-          </p:nvPr>
-        </p:nvSpPr>
-        <p:spPr/>
-        <p:txBody>
-          <a:bodyPr/>
-          <a:lstStyle/>
-          <a:p>
-            <a:r>
-              <a:rPr lang="ja-JP" altLang="en-US" dirty="0"/>
-              <a:t>畳み込みニューラルネットワーク</a:t>
-            </a:r>
-            <a:r>
-              <a:rPr lang="en-US" altLang="ja-JP" dirty="0"/>
-              <a:t>(CNN)</a:t>
-            </a:r>
-            <a:r>
-              <a:rPr lang="ja-JP" altLang="en-US" dirty="0"/>
-              <a:t>のモデル</a:t>
-            </a:r>
-            <a:endParaRPr lang="en-US" altLang="ja-JP" dirty="0"/>
-          </a:p>
-          <a:p>
-            <a:pPr lvl="1"/>
-            <a:r>
-              <a:rPr lang="en-US" altLang="ja-JP" dirty="0"/>
-              <a:t>2014ILSVRC</a:t>
-            </a:r>
-            <a:r>
-              <a:rPr lang="ja-JP" altLang="en-US" dirty="0"/>
-              <a:t>で最高精度をマーク</a:t>
-            </a:r>
-            <a:endParaRPr lang="en-US" altLang="ja-JP" dirty="0"/>
-          </a:p>
-          <a:p>
-            <a:r>
-              <a:rPr lang="ja-JP" altLang="en-US" dirty="0"/>
-              <a:t>高精度かつパラメータ数削減に成功</a:t>
-            </a:r>
-            <a:endParaRPr lang="en-US" altLang="ja-JP" dirty="0"/>
-          </a:p>
-          <a:p>
-            <a:pPr lvl="1"/>
-            <a:r>
-              <a:rPr lang="en-US" altLang="ja-JP" dirty="0"/>
-              <a:t>AlexNet[2]</a:t>
-            </a:r>
-            <a:r>
-              <a:rPr lang="ja-JP" altLang="en-US" dirty="0"/>
-              <a:t>よりも約</a:t>
-            </a:r>
-            <a:r>
-              <a:rPr lang="en-US" altLang="ja-JP" dirty="0"/>
-              <a:t>8%</a:t>
-            </a:r>
-            <a:r>
-              <a:rPr lang="ja-JP" altLang="en-US" dirty="0"/>
-              <a:t>の精度向上</a:t>
-            </a:r>
-            <a:endParaRPr lang="en-US" altLang="ja-JP" dirty="0"/>
-          </a:p>
-          <a:p>
-            <a:pPr lvl="1"/>
-            <a:r>
-              <a:rPr lang="ja-JP" altLang="en-US" dirty="0"/>
-              <a:t>パラメータ数約</a:t>
-            </a:r>
-            <a:r>
-              <a:rPr lang="en-US" altLang="ja-JP" dirty="0"/>
-              <a:t>89%</a:t>
-            </a:r>
-            <a:r>
-              <a:rPr lang="ja-JP" altLang="en-US" dirty="0"/>
-              <a:t>削減</a:t>
-            </a:r>
-            <a:endParaRPr lang="en-US" altLang="ja-JP" dirty="0"/>
-          </a:p>
-          <a:p>
-            <a:pPr lvl="1"/>
-            <a:endParaRPr lang="en-US" altLang="ja-JP" dirty="0"/>
-          </a:p>
-        </p:txBody>
-      </p:sp>
-      <p:sp>
-        <p:nvSpPr>
-          <p:cNvPr id="4" name="Slide Number Placeholder 3">
-            <a:extLst>
-              <a:ext uri="{FF2B5EF4-FFF2-40B4-BE49-F238E27FC236}">
-                <a16:creationId xmlns:a16="http://schemas.microsoft.com/office/drawing/2014/main" id="{F7667CB9-C3D2-E446-A88A-331751D0A9A1}"/>
+                <a16:creationId xmlns:a16="http://schemas.microsoft.com/office/drawing/2014/main" id="{91F23C09-84CF-5D49-924E-1F5C9B17F198}"/>
               </a:ext>
             </a:extLst>
           </p:cNvPr>
@@ -12011,6 +13241,190 @@
             <a:fld id="{AE60790C-7B88-2D40-A70D-E54200C05D47}" type="slidenum">
               <a:rPr lang="en-US" smtClean="0"/>
               <a:t>6</a:t>
+            </a:fld>
+            <a:endParaRPr lang="en-US"/>
+          </a:p>
+        </p:txBody>
+      </p:sp>
+    </p:spTree>
+    <p:extLst>
+      <p:ext uri="{BB962C8B-B14F-4D97-AF65-F5344CB8AC3E}">
+        <p14:creationId xmlns:p14="http://schemas.microsoft.com/office/powerpoint/2010/main" val="4127418533"/>
+      </p:ext>
+    </p:extLst>
+  </p:cSld>
+  <p:clrMapOvr>
+    <a:masterClrMapping/>
+  </p:clrMapOvr>
+</p:sld>
+</file>
+
+<file path=ppt/slides/slide7.xml><?xml version="1.0" encoding="utf-8"?>
+<p:sld xmlns:a="http://schemas.openxmlformats.org/drawingml/2006/main" xmlns:r="http://schemas.openxmlformats.org/officeDocument/2006/relationships" xmlns:p="http://schemas.openxmlformats.org/presentationml/2006/main">
+  <p:cSld>
+    <p:spTree>
+      <p:nvGrpSpPr>
+        <p:cNvPr id="1" name=""/>
+        <p:cNvGrpSpPr/>
+        <p:nvPr/>
+      </p:nvGrpSpPr>
+      <p:grpSpPr>
+        <a:xfrm>
+          <a:off x="0" y="0"/>
+          <a:ext cx="0" cy="0"/>
+          <a:chOff x="0" y="0"/>
+          <a:chExt cx="0" cy="0"/>
+        </a:xfrm>
+      </p:grpSpPr>
+      <p:sp>
+        <p:nvSpPr>
+          <p:cNvPr id="2" name="Title 1">
+            <a:extLst>
+              <a:ext uri="{FF2B5EF4-FFF2-40B4-BE49-F238E27FC236}">
+                <a16:creationId xmlns:a16="http://schemas.microsoft.com/office/drawing/2014/main" id="{55D35CD2-C1AE-6945-8B31-1E78F88BC53B}"/>
+              </a:ext>
+            </a:extLst>
+          </p:cNvPr>
+          <p:cNvSpPr>
+            <a:spLocks noGrp="1"/>
+          </p:cNvSpPr>
+          <p:nvPr>
+            <p:ph type="title"/>
+          </p:nvPr>
+        </p:nvSpPr>
+        <p:spPr/>
+        <p:txBody>
+          <a:bodyPr/>
+          <a:lstStyle/>
+          <a:p>
+            <a:r>
+              <a:rPr lang="en-US" altLang="ja-JP" dirty="0"/>
+              <a:t>GoogLeNet</a:t>
+            </a:r>
+            <a:endParaRPr lang="en-US" dirty="0"/>
+          </a:p>
+        </p:txBody>
+      </p:sp>
+      <p:sp>
+        <p:nvSpPr>
+          <p:cNvPr id="3" name="Content Placeholder 2">
+            <a:extLst>
+              <a:ext uri="{FF2B5EF4-FFF2-40B4-BE49-F238E27FC236}">
+                <a16:creationId xmlns:a16="http://schemas.microsoft.com/office/drawing/2014/main" id="{C1CDE55F-1F31-BD41-8A41-27952E4EED34}"/>
+              </a:ext>
+            </a:extLst>
+          </p:cNvPr>
+          <p:cNvSpPr>
+            <a:spLocks noGrp="1"/>
+          </p:cNvSpPr>
+          <p:nvPr>
+            <p:ph idx="1"/>
+          </p:nvPr>
+        </p:nvSpPr>
+        <p:spPr/>
+        <p:txBody>
+          <a:bodyPr/>
+          <a:lstStyle/>
+          <a:p>
+            <a:r>
+              <a:rPr lang="ja-JP" altLang="en-US" dirty="0"/>
+              <a:t>畳み込みニューラルネットワーク</a:t>
+            </a:r>
+            <a:r>
+              <a:rPr lang="en-US" altLang="ja-JP" dirty="0"/>
+              <a:t>(CNN)</a:t>
+            </a:r>
+            <a:r>
+              <a:rPr lang="ja-JP" altLang="en-US" dirty="0"/>
+              <a:t>のモデル</a:t>
+            </a:r>
+            <a:endParaRPr lang="en-US" altLang="ja-JP" dirty="0"/>
+          </a:p>
+          <a:p>
+            <a:pPr lvl="1"/>
+            <a:r>
+              <a:rPr lang="en-US" altLang="ja-JP" dirty="0"/>
+              <a:t>2014ILSVRC</a:t>
+            </a:r>
+            <a:r>
+              <a:rPr lang="ja-JP" altLang="en-US" dirty="0"/>
+              <a:t>で最高精度をマーク</a:t>
+            </a:r>
+            <a:endParaRPr lang="en-US" altLang="ja-JP" dirty="0"/>
+          </a:p>
+          <a:p>
+            <a:r>
+              <a:rPr lang="ja-JP" altLang="en-US" dirty="0"/>
+              <a:t>高精度かつパラメータ数削減に成功</a:t>
+            </a:r>
+            <a:endParaRPr lang="en-US" altLang="ja-JP" dirty="0"/>
+          </a:p>
+          <a:p>
+            <a:pPr lvl="1"/>
+            <a:r>
+              <a:rPr lang="en-US" altLang="ja-JP" dirty="0"/>
+              <a:t>AlexNet[2]</a:t>
+            </a:r>
+            <a:r>
+              <a:rPr lang="ja-JP" altLang="en-US" dirty="0"/>
+              <a:t>よりも約</a:t>
+            </a:r>
+            <a:r>
+              <a:rPr lang="en-US" altLang="ja-JP" dirty="0"/>
+              <a:t>8%</a:t>
+            </a:r>
+            <a:r>
+              <a:rPr lang="ja-JP" altLang="en-US" dirty="0"/>
+              <a:t>の精度向上</a:t>
+            </a:r>
+            <a:endParaRPr lang="en-US" altLang="ja-JP" dirty="0"/>
+          </a:p>
+          <a:p>
+            <a:pPr lvl="1"/>
+            <a:r>
+              <a:rPr lang="ja-JP" altLang="en-US" dirty="0"/>
+              <a:t>パラメータ数約</a:t>
+            </a:r>
+            <a:r>
+              <a:rPr lang="en-US" altLang="ja-JP" dirty="0"/>
+              <a:t>89%</a:t>
+            </a:r>
+            <a:r>
+              <a:rPr lang="ja-JP" altLang="en-US" dirty="0"/>
+              <a:t>削減</a:t>
+            </a:r>
+            <a:endParaRPr lang="en-US" altLang="ja-JP" dirty="0"/>
+          </a:p>
+          <a:p>
+            <a:pPr lvl="1"/>
+            <a:endParaRPr lang="en-US" altLang="ja-JP" dirty="0"/>
+          </a:p>
+        </p:txBody>
+      </p:sp>
+      <p:sp>
+        <p:nvSpPr>
+          <p:cNvPr id="4" name="Slide Number Placeholder 3">
+            <a:extLst>
+              <a:ext uri="{FF2B5EF4-FFF2-40B4-BE49-F238E27FC236}">
+                <a16:creationId xmlns:a16="http://schemas.microsoft.com/office/drawing/2014/main" id="{F7667CB9-C3D2-E446-A88A-331751D0A9A1}"/>
+              </a:ext>
+            </a:extLst>
+          </p:cNvPr>
+          <p:cNvSpPr>
+            <a:spLocks noGrp="1"/>
+          </p:cNvSpPr>
+          <p:nvPr>
+            <p:ph type="sldNum" sz="quarter" idx="12"/>
+          </p:nvPr>
+        </p:nvSpPr>
+        <p:spPr/>
+        <p:txBody>
+          <a:bodyPr/>
+          <a:lstStyle/>
+          <a:p>
+            <a:fld id="{AE60790C-7B88-2D40-A70D-E54200C05D47}" type="slidenum">
+              <a:rPr lang="en-US" smtClean="0"/>
+              <a:t>7</a:t>
             </a:fld>
             <a:endParaRPr lang="en-US"/>
           </a:p>
@@ -12184,7 +13598,7 @@
 </p:sld>
 </file>
 
-<file path=ppt/slides/slide7.xml><?xml version="1.0" encoding="utf-8"?>
+<file path=ppt/slides/slide8.xml><?xml version="1.0" encoding="utf-8"?>
 <p:sld xmlns:a="http://schemas.openxmlformats.org/drawingml/2006/main" xmlns:r="http://schemas.openxmlformats.org/officeDocument/2006/relationships" xmlns:p="http://schemas.openxmlformats.org/presentationml/2006/main">
   <p:cSld>
     <p:spTree>
@@ -12396,7 +13810,7 @@
           <a:p>
             <a:fld id="{AE60790C-7B88-2D40-A70D-E54200C05D47}" type="slidenum">
               <a:rPr lang="en-US" smtClean="0"/>
-              <a:t>7</a:t>
+              <a:t>8</a:t>
             </a:fld>
             <a:endParaRPr lang="en-US"/>
           </a:p>
@@ -12416,7 +13830,7 @@
         </p:nvSpPr>
         <p:spPr>
           <a:xfrm>
-            <a:off x="1496602" y="5893346"/>
+            <a:off x="1651590" y="5898093"/>
             <a:ext cx="1479892" cy="369332"/>
           </a:xfrm>
           <a:prstGeom prst="rect">
@@ -12467,8 +13881,8 @@
         </p:nvSpPr>
         <p:spPr>
           <a:xfrm>
-            <a:off x="8045216" y="3310649"/>
-            <a:ext cx="800219" cy="461665"/>
+            <a:off x="7847868" y="3310649"/>
+            <a:ext cx="1079142" cy="461665"/>
           </a:xfrm>
           <a:prstGeom prst="rect">
             <a:avLst/>
@@ -12495,8 +13909,8 @@
           <a:lstStyle/>
           <a:p>
             <a:r>
-              <a:rPr lang="ja-JP" altLang="en-US" sz="2400" dirty="0"/>
-              <a:t>出力</a:t>
+              <a:rPr lang="en-US" altLang="ja-JP" sz="2400" dirty="0"/>
+              <a:t>Output</a:t>
             </a:r>
             <a:endParaRPr lang="en-US" sz="2400" dirty="0"/>
           </a:p>
@@ -12638,7 +14052,7 @@
         </p:blipFill>
         <p:spPr>
           <a:xfrm>
-            <a:off x="376799" y="5418035"/>
+            <a:off x="541187" y="5418035"/>
             <a:ext cx="6794939" cy="334661"/>
           </a:xfrm>
           <a:prstGeom prst="rect">
@@ -12660,8 +14074,8 @@
         </p:nvSpPr>
         <p:spPr>
           <a:xfrm>
-            <a:off x="293994" y="5893346"/>
-            <a:ext cx="1107996" cy="369332"/>
+            <a:off x="25612" y="5898093"/>
+            <a:ext cx="1542410" cy="369332"/>
           </a:xfrm>
           <a:prstGeom prst="rect">
             <a:avLst/>
@@ -12688,11 +14102,11 @@
           <a:lstStyle/>
           <a:p>
             <a:r>
-              <a:rPr lang="ja-JP" altLang="en-US" dirty="0">
+              <a:rPr lang="en-US" altLang="ja-JP" dirty="0">
                 <a:latin typeface="Hiragino Kaku Gothic Pro W3" panose="020B0300000000000000" pitchFamily="34" charset="-128"/>
                 <a:ea typeface="Hiragino Kaku Gothic Pro W3" panose="020B0300000000000000" pitchFamily="34" charset="-128"/>
               </a:rPr>
-              <a:t>畳込み層</a:t>
+              <a:t>Convolution</a:t>
             </a:r>
             <a:endParaRPr lang="en-US" dirty="0">
               <a:latin typeface="Hiragino Kaku Gothic Pro W3" panose="020B0300000000000000" pitchFamily="34" charset="-128"/>
@@ -12715,7 +14129,7 @@
         </p:nvSpPr>
         <p:spPr>
           <a:xfrm>
-            <a:off x="3071106" y="5888932"/>
+            <a:off x="3215051" y="5899933"/>
             <a:ext cx="1205779" cy="369332"/>
           </a:xfrm>
           <a:prstGeom prst="rect">
@@ -12770,8 +14184,8 @@
         </p:nvSpPr>
         <p:spPr>
           <a:xfrm>
-            <a:off x="4371497" y="5896253"/>
-            <a:ext cx="1729961" cy="369332"/>
+            <a:off x="4552749" y="5898820"/>
+            <a:ext cx="1749080" cy="369332"/>
           </a:xfrm>
           <a:prstGeom prst="rect">
             <a:avLst/>
@@ -12792,7 +14206,7 @@
           </a:fontRef>
         </p:style>
         <p:txBody>
-          <a:bodyPr wrap="none" rtlCol="0">
+          <a:bodyPr wrap="square" rtlCol="0">
             <a:spAutoFit/>
           </a:bodyPr>
           <a:lstStyle/>
@@ -12832,7 +14246,7 @@
         </p:nvSpPr>
         <p:spPr>
           <a:xfrm>
-            <a:off x="6196070" y="5888932"/>
+            <a:off x="6374229" y="5888932"/>
             <a:ext cx="1140056" cy="369332"/>
           </a:xfrm>
           <a:prstGeom prst="rect">
@@ -12888,7 +14302,7 @@
         <p:spPr>
           <a:xfrm>
             <a:off x="590328" y="3310649"/>
-            <a:ext cx="800219" cy="461665"/>
+            <a:ext cx="849913" cy="461665"/>
           </a:xfrm>
           <a:prstGeom prst="rect">
             <a:avLst/>
@@ -12915,8 +14329,8 @@
           <a:lstStyle/>
           <a:p>
             <a:r>
-              <a:rPr lang="ja-JP" altLang="en-US" sz="2400" dirty="0"/>
-              <a:t>入力</a:t>
+              <a:rPr lang="en-US" altLang="ja-JP" sz="2400" dirty="0"/>
+              <a:t>Input</a:t>
             </a:r>
             <a:endParaRPr lang="en-US" sz="2400" dirty="0"/>
           </a:p>
@@ -13013,182 +14427,6 @@
 </p:sld>
 </file>
 
-<file path=ppt/slides/slide8.xml><?xml version="1.0" encoding="utf-8"?>
-<p:sld xmlns:a="http://schemas.openxmlformats.org/drawingml/2006/main" xmlns:r="http://schemas.openxmlformats.org/officeDocument/2006/relationships" xmlns:p="http://schemas.openxmlformats.org/presentationml/2006/main">
-  <p:cSld>
-    <p:spTree>
-      <p:nvGrpSpPr>
-        <p:cNvPr id="1" name=""/>
-        <p:cNvGrpSpPr/>
-        <p:nvPr/>
-      </p:nvGrpSpPr>
-      <p:grpSpPr>
-        <a:xfrm>
-          <a:off x="0" y="0"/>
-          <a:ext cx="0" cy="0"/>
-          <a:chOff x="0" y="0"/>
-          <a:chExt cx="0" cy="0"/>
-        </a:xfrm>
-      </p:grpSpPr>
-      <p:sp>
-        <p:nvSpPr>
-          <p:cNvPr id="2" name="Title 1">
-            <a:extLst>
-              <a:ext uri="{FF2B5EF4-FFF2-40B4-BE49-F238E27FC236}">
-                <a16:creationId xmlns:a16="http://schemas.microsoft.com/office/drawing/2014/main" id="{F6154E66-0378-8A4E-9B43-2E2621C05868}"/>
-              </a:ext>
-            </a:extLst>
-          </p:cNvPr>
-          <p:cNvSpPr>
-            <a:spLocks noGrp="1"/>
-          </p:cNvSpPr>
-          <p:nvPr>
-            <p:ph type="title"/>
-          </p:nvPr>
-        </p:nvSpPr>
-        <p:spPr/>
-        <p:txBody>
-          <a:bodyPr/>
-          <a:lstStyle/>
-          <a:p>
-            <a:r>
-              <a:rPr lang="en-US" altLang="ja-JP" dirty="0"/>
-              <a:t>Inception</a:t>
-            </a:r>
-            <a:r>
-              <a:rPr lang="ja-JP" altLang="en-US" dirty="0"/>
-              <a:t>層</a:t>
-            </a:r>
-            <a:endParaRPr lang="en-US" dirty="0"/>
-          </a:p>
-        </p:txBody>
-      </p:sp>
-      <p:sp>
-        <p:nvSpPr>
-          <p:cNvPr id="3" name="Content Placeholder 2">
-            <a:extLst>
-              <a:ext uri="{FF2B5EF4-FFF2-40B4-BE49-F238E27FC236}">
-                <a16:creationId xmlns:a16="http://schemas.microsoft.com/office/drawing/2014/main" id="{13096284-563E-8E40-9309-3EFE5675723B}"/>
-              </a:ext>
-            </a:extLst>
-          </p:cNvPr>
-          <p:cNvSpPr>
-            <a:spLocks noGrp="1"/>
-          </p:cNvSpPr>
-          <p:nvPr>
-            <p:ph idx="1"/>
-          </p:nvPr>
-        </p:nvSpPr>
-        <p:spPr/>
-        <p:txBody>
-          <a:bodyPr/>
-          <a:lstStyle/>
-          <a:p>
-            <a:r>
-              <a:rPr lang="ja-JP" altLang="en-US" dirty="0"/>
-              <a:t>精度向上</a:t>
-            </a:r>
-            <a:endParaRPr lang="en-US" altLang="ja-JP" dirty="0"/>
-          </a:p>
-          <a:p>
-            <a:pPr lvl="1"/>
-            <a:r>
-              <a:rPr lang="ja-JP" altLang="en-US" dirty="0"/>
-              <a:t>サイズの小さなフィルタの適用</a:t>
-            </a:r>
-            <a:endParaRPr lang="en-US" altLang="ja-JP" dirty="0"/>
-          </a:p>
-          <a:p>
-            <a:pPr lvl="1"/>
-            <a:r>
-              <a:rPr lang="ja-JP" altLang="en-US" dirty="0"/>
-              <a:t>ネットワークの深化</a:t>
-            </a:r>
-            <a:endParaRPr lang="en-US" altLang="ja-JP" dirty="0"/>
-          </a:p>
-          <a:p>
-            <a:endParaRPr lang="en-US" dirty="0"/>
-          </a:p>
-        </p:txBody>
-      </p:sp>
-      <p:pic>
-        <p:nvPicPr>
-          <p:cNvPr id="5" name="Picture 4">
-            <a:extLst>
-              <a:ext uri="{FF2B5EF4-FFF2-40B4-BE49-F238E27FC236}">
-                <a16:creationId xmlns:a16="http://schemas.microsoft.com/office/drawing/2014/main" id="{53FE53AE-1B2B-B448-96C9-89C13E42F75D}"/>
-              </a:ext>
-            </a:extLst>
-          </p:cNvPr>
-          <p:cNvPicPr>
-            <a:picLocks noChangeAspect="1"/>
-          </p:cNvPicPr>
-          <p:nvPr/>
-        </p:nvPicPr>
-        <p:blipFill>
-          <a:blip r:embed="rId2">
-            <a:extLst>
-              <a:ext uri="{28A0092B-C50C-407E-A947-70E740481C1C}">
-                <a14:useLocalDpi xmlns:a14="http://schemas.microsoft.com/office/drawing/2010/main" val="0"/>
-              </a:ext>
-            </a:extLst>
-          </a:blip>
-          <a:stretch>
-            <a:fillRect/>
-          </a:stretch>
-        </p:blipFill>
-        <p:spPr>
-          <a:xfrm>
-            <a:off x="2772096" y="2951588"/>
-            <a:ext cx="5743254" cy="3270787"/>
-          </a:xfrm>
-          <a:prstGeom prst="rect">
-            <a:avLst/>
-          </a:prstGeom>
-        </p:spPr>
-      </p:pic>
-      <p:sp>
-        <p:nvSpPr>
-          <p:cNvPr id="4" name="Slide Number Placeholder 3">
-            <a:extLst>
-              <a:ext uri="{FF2B5EF4-FFF2-40B4-BE49-F238E27FC236}">
-                <a16:creationId xmlns:a16="http://schemas.microsoft.com/office/drawing/2014/main" id="{EC5B6BFC-E0DA-BC4C-8AA2-2998BD15FB57}"/>
-              </a:ext>
-            </a:extLst>
-          </p:cNvPr>
-          <p:cNvSpPr>
-            <a:spLocks noGrp="1"/>
-          </p:cNvSpPr>
-          <p:nvPr>
-            <p:ph type="sldNum" sz="quarter" idx="12"/>
-          </p:nvPr>
-        </p:nvSpPr>
-        <p:spPr/>
-        <p:txBody>
-          <a:bodyPr/>
-          <a:lstStyle/>
-          <a:p>
-            <a:fld id="{AE60790C-7B88-2D40-A70D-E54200C05D47}" type="slidenum">
-              <a:rPr lang="en-US" smtClean="0"/>
-              <a:t>8</a:t>
-            </a:fld>
-            <a:endParaRPr lang="en-US"/>
-          </a:p>
-        </p:txBody>
-      </p:sp>
-    </p:spTree>
-    <p:extLst>
-      <p:ext uri="{BB962C8B-B14F-4D97-AF65-F5344CB8AC3E}">
-        <p14:creationId xmlns:p14="http://schemas.microsoft.com/office/powerpoint/2010/main" val="1787055677"/>
-      </p:ext>
-    </p:extLst>
-  </p:cSld>
-  <p:clrMapOvr>
-    <a:masterClrMapping/>
-  </p:clrMapOvr>
-</p:sld>
-</file>
-
 <file path=ppt/slides/slide9.xml><?xml version="1.0" encoding="utf-8"?>
 <p:sld xmlns:a="http://schemas.openxmlformats.org/drawingml/2006/main" xmlns:r="http://schemas.openxmlformats.org/officeDocument/2006/relationships" xmlns:p="http://schemas.openxmlformats.org/presentationml/2006/main">
   <p:cSld>
@@ -13211,7 +14449,7 @@
           <p:cNvPr id="2" name="Title 1">
             <a:extLst>
               <a:ext uri="{FF2B5EF4-FFF2-40B4-BE49-F238E27FC236}">
-                <a16:creationId xmlns:a16="http://schemas.microsoft.com/office/drawing/2014/main" id="{39CF3F23-2F48-2645-9777-637A1891861E}"/>
+                <a16:creationId xmlns:a16="http://schemas.microsoft.com/office/drawing/2014/main" id="{F6154E66-0378-8A4E-9B43-2E2621C05868}"/>
               </a:ext>
             </a:extLst>
           </p:cNvPr>
@@ -13228,8 +14466,12 @@
           <a:lstStyle/>
           <a:p>
             <a:r>
-              <a:rPr lang="ja-JP" altLang="en-US" dirty="0"/>
-              <a:t>アウトライン</a:t>
+              <a:rPr lang="en-US" altLang="ja-JP" dirty="0"/>
+              <a:t>Inception</a:t>
+            </a:r>
+            <a:r>
+              <a:rPr lang="ja-JP" altLang="en-US" dirty="0"/>
+              <a:t>層</a:t>
             </a:r>
             <a:endParaRPr lang="en-US" dirty="0"/>
           </a:p>
@@ -13240,7 +14482,7 @@
           <p:cNvPr id="3" name="Content Placeholder 2">
             <a:extLst>
               <a:ext uri="{FF2B5EF4-FFF2-40B4-BE49-F238E27FC236}">
-                <a16:creationId xmlns:a16="http://schemas.microsoft.com/office/drawing/2014/main" id="{24779C7E-8343-C346-AF74-51042A369AD4}"/>
+                <a16:creationId xmlns:a16="http://schemas.microsoft.com/office/drawing/2014/main" id="{13096284-563E-8E40-9309-3EFE5675723B}"/>
               </a:ext>
             </a:extLst>
           </p:cNvPr>
@@ -13253,88 +14495,78 @@
         </p:nvSpPr>
         <p:spPr/>
         <p:txBody>
-          <a:bodyPr>
-            <a:normAutofit/>
-          </a:bodyPr>
-          <a:lstStyle/>
-          <a:p>
-            <a:r>
-              <a:rPr lang="ja-JP" altLang="en-US" dirty="0"/>
-              <a:t>背景</a:t>
+          <a:bodyPr/>
+          <a:lstStyle/>
+          <a:p>
+            <a:r>
+              <a:rPr lang="ja-JP" altLang="en-US" dirty="0"/>
+              <a:t>精度向上</a:t>
             </a:r>
             <a:endParaRPr lang="en-US" altLang="ja-JP" dirty="0"/>
           </a:p>
           <a:p>
-            <a:r>
-              <a:rPr lang="en-US" altLang="ja-JP" dirty="0"/>
-              <a:t>GoogLeNet</a:t>
-            </a:r>
-          </a:p>
-          <a:p>
-            <a:r>
-              <a:rPr lang="en-US" altLang="ja-JP" dirty="0" err="1">
-                <a:solidFill>
-                  <a:srgbClr val="FF0000"/>
-                </a:solidFill>
-              </a:rPr>
-              <a:t>FiC</a:t>
-            </a:r>
-            <a:r>
-              <a:rPr lang="en-US" altLang="ja-JP" dirty="0">
-                <a:solidFill>
-                  <a:srgbClr val="FF0000"/>
-                </a:solidFill>
-              </a:rPr>
-              <a:t>-SW</a:t>
-            </a:r>
-          </a:p>
-          <a:p>
-            <a:r>
-              <a:rPr lang="ja-JP" altLang="en-US" dirty="0"/>
-              <a:t>関連研究</a:t>
+            <a:pPr lvl="1"/>
+            <a:r>
+              <a:rPr lang="ja-JP" altLang="en-US" dirty="0"/>
+              <a:t>サイズの小さなフィルタの適用</a:t>
             </a:r>
             <a:endParaRPr lang="en-US" altLang="ja-JP" dirty="0"/>
           </a:p>
           <a:p>
-            <a:r>
-              <a:rPr lang="en-US" altLang="ja-JP" dirty="0"/>
-              <a:t>GoogLeNet</a:t>
-            </a:r>
-            <a:r>
-              <a:rPr lang="ja-JP" altLang="en-US" dirty="0"/>
-              <a:t>並列化検討</a:t>
+            <a:pPr lvl="1"/>
+            <a:r>
+              <a:rPr lang="ja-JP" altLang="en-US" dirty="0"/>
+              <a:t>ネットワークの深化</a:t>
             </a:r>
             <a:endParaRPr lang="en-US" altLang="ja-JP" dirty="0"/>
           </a:p>
           <a:p>
-            <a:r>
-              <a:rPr lang="ja-JP" altLang="en-US" dirty="0"/>
-              <a:t>実装</a:t>
-            </a:r>
-            <a:endParaRPr lang="en-US" altLang="ja-JP" dirty="0"/>
-          </a:p>
-          <a:p>
-            <a:r>
-              <a:rPr lang="ja-JP" altLang="en-US" dirty="0"/>
-              <a:t>評価</a:t>
-            </a:r>
-            <a:endParaRPr lang="en-US" altLang="ja-JP" dirty="0"/>
-          </a:p>
-          <a:p>
-            <a:r>
-              <a:rPr lang="ja-JP" altLang="en-US" dirty="0"/>
-              <a:t>結論</a:t>
-            </a:r>
             <a:endParaRPr lang="en-US" dirty="0"/>
           </a:p>
         </p:txBody>
       </p:sp>
+      <p:pic>
+        <p:nvPicPr>
+          <p:cNvPr id="5" name="Picture 4">
+            <a:extLst>
+              <a:ext uri="{FF2B5EF4-FFF2-40B4-BE49-F238E27FC236}">
+                <a16:creationId xmlns:a16="http://schemas.microsoft.com/office/drawing/2014/main" id="{53FE53AE-1B2B-B448-96C9-89C13E42F75D}"/>
+              </a:ext>
+            </a:extLst>
+          </p:cNvPr>
+          <p:cNvPicPr>
+            <a:picLocks noChangeAspect="1"/>
+          </p:cNvPicPr>
+          <p:nvPr/>
+        </p:nvPicPr>
+        <p:blipFill>
+          <a:blip r:embed="rId2">
+            <a:extLst>
+              <a:ext uri="{28A0092B-C50C-407E-A947-70E740481C1C}">
+                <a14:useLocalDpi xmlns:a14="http://schemas.microsoft.com/office/drawing/2010/main" val="0"/>
+              </a:ext>
+            </a:extLst>
+          </a:blip>
+          <a:stretch>
+            <a:fillRect/>
+          </a:stretch>
+        </p:blipFill>
+        <p:spPr>
+          <a:xfrm>
+            <a:off x="2772096" y="2951588"/>
+            <a:ext cx="5743254" cy="3270787"/>
+          </a:xfrm>
+          <a:prstGeom prst="rect">
+            <a:avLst/>
+          </a:prstGeom>
+        </p:spPr>
+      </p:pic>
       <p:sp>
         <p:nvSpPr>
           <p:cNvPr id="4" name="Slide Number Placeholder 3">
             <a:extLst>
               <a:ext uri="{FF2B5EF4-FFF2-40B4-BE49-F238E27FC236}">
-                <a16:creationId xmlns:a16="http://schemas.microsoft.com/office/drawing/2014/main" id="{91F23C09-84CF-5D49-924E-1F5C9B17F198}"/>
+                <a16:creationId xmlns:a16="http://schemas.microsoft.com/office/drawing/2014/main" id="{EC5B6BFC-E0DA-BC4C-8AA2-2998BD15FB57}"/>
               </a:ext>
             </a:extLst>
           </p:cNvPr>
@@ -13361,7 +14593,7 @@
     </p:spTree>
     <p:extLst>
       <p:ext uri="{BB962C8B-B14F-4D97-AF65-F5344CB8AC3E}">
-        <p14:creationId xmlns:p14="http://schemas.microsoft.com/office/powerpoint/2010/main" val="1223441264"/>
+        <p14:creationId xmlns:p14="http://schemas.microsoft.com/office/powerpoint/2010/main" val="1787055677"/>
       </p:ext>
     </p:extLst>
   </p:cSld>

--- a/slide/graduate.pptx
+++ b/slide/graduate.pptx
@@ -5,7 +5,7 @@
     <p:sldMasterId id="2147483660" r:id="rId1"/>
   </p:sldMasterIdLst>
   <p:notesMasterIdLst>
-    <p:notesMasterId r:id="rId38"/>
+    <p:notesMasterId r:id="rId37"/>
   </p:notesMasterIdLst>
   <p:sldIdLst>
     <p:sldId id="266" r:id="rId2"/>
@@ -42,8 +42,7 @@
     <p:sldId id="258" r:id="rId33"/>
     <p:sldId id="261" r:id="rId34"/>
     <p:sldId id="272" r:id="rId35"/>
-    <p:sldId id="295" r:id="rId36"/>
-    <p:sldId id="283" r:id="rId37"/>
+    <p:sldId id="299" r:id="rId36"/>
   </p:sldIdLst>
   <p:sldSz cx="9144000" cy="6858000" type="screen4x3"/>
   <p:notesSz cx="6858000" cy="9144000"/>
@@ -244,7 +243,7 @@
           <a:p>
             <a:fld id="{2E551797-1660-7E44-91A9-4005D4906C9D}" type="datetimeFigureOut">
               <a:rPr lang="en-US" smtClean="0"/>
-              <a:t>1/30/18</a:t>
+              <a:t>1/31/18</a:t>
             </a:fld>
             <a:endParaRPr lang="en-US"/>
           </a:p>
@@ -1024,6 +1023,94 @@
     <p:extLst>
       <p:ext uri="{BB962C8B-B14F-4D97-AF65-F5344CB8AC3E}">
         <p14:creationId xmlns:p14="http://schemas.microsoft.com/office/powerpoint/2010/main" val="3690502651"/>
+      </p:ext>
+    </p:extLst>
+  </p:cSld>
+  <p:clrMapOvr>
+    <a:masterClrMapping/>
+  </p:clrMapOvr>
+</p:notes>
+</file>
+
+<file path=ppt/notesSlides/notesSlide6.xml><?xml version="1.0" encoding="utf-8"?>
+<p:notes xmlns:a="http://schemas.openxmlformats.org/drawingml/2006/main" xmlns:r="http://schemas.openxmlformats.org/officeDocument/2006/relationships" xmlns:p="http://schemas.openxmlformats.org/presentationml/2006/main">
+  <p:cSld>
+    <p:spTree>
+      <p:nvGrpSpPr>
+        <p:cNvPr id="1" name=""/>
+        <p:cNvGrpSpPr/>
+        <p:nvPr/>
+      </p:nvGrpSpPr>
+      <p:grpSpPr>
+        <a:xfrm>
+          <a:off x="0" y="0"/>
+          <a:ext cx="0" cy="0"/>
+          <a:chOff x="0" y="0"/>
+          <a:chExt cx="0" cy="0"/>
+        </a:xfrm>
+      </p:grpSpPr>
+      <p:sp>
+        <p:nvSpPr>
+          <p:cNvPr id="2" name="Slide Image Placeholder 1"/>
+          <p:cNvSpPr>
+            <a:spLocks noGrp="1" noRot="1" noChangeAspect="1"/>
+          </p:cNvSpPr>
+          <p:nvPr>
+            <p:ph type="sldImg"/>
+          </p:nvPr>
+        </p:nvSpPr>
+        <p:spPr/>
+      </p:sp>
+      <p:sp>
+        <p:nvSpPr>
+          <p:cNvPr id="3" name="Notes Placeholder 2"/>
+          <p:cNvSpPr>
+            <a:spLocks noGrp="1"/>
+          </p:cNvSpPr>
+          <p:nvPr>
+            <p:ph type="body" idx="1"/>
+          </p:nvPr>
+        </p:nvSpPr>
+        <p:spPr/>
+        <p:txBody>
+          <a:bodyPr/>
+          <a:lstStyle/>
+          <a:p>
+            <a:r>
+              <a:rPr lang="ja-JP" altLang="en-US" dirty="0"/>
+              <a:t>ここはグラフ</a:t>
+            </a:r>
+            <a:endParaRPr lang="en-US" dirty="0"/>
+          </a:p>
+        </p:txBody>
+      </p:sp>
+      <p:sp>
+        <p:nvSpPr>
+          <p:cNvPr id="4" name="Slide Number Placeholder 3"/>
+          <p:cNvSpPr>
+            <a:spLocks noGrp="1"/>
+          </p:cNvSpPr>
+          <p:nvPr>
+            <p:ph type="sldNum" sz="quarter" idx="10"/>
+          </p:nvPr>
+        </p:nvSpPr>
+        <p:spPr/>
+        <p:txBody>
+          <a:bodyPr/>
+          <a:lstStyle/>
+          <a:p>
+            <a:fld id="{AF8C3CD4-EC76-BD4C-9E4E-77FD717E9643}" type="slidenum">
+              <a:rPr lang="en-US" smtClean="0"/>
+              <a:t>35</a:t>
+            </a:fld>
+            <a:endParaRPr lang="en-US"/>
+          </a:p>
+        </p:txBody>
+      </p:sp>
+    </p:spTree>
+    <p:extLst>
+      <p:ext uri="{BB962C8B-B14F-4D97-AF65-F5344CB8AC3E}">
+        <p14:creationId xmlns:p14="http://schemas.microsoft.com/office/powerpoint/2010/main" val="3458549671"/>
       </p:ext>
     </p:extLst>
   </p:cSld>
@@ -9600,7 +9687,7 @@
           <p:nvPr>
             <p:extLst>
               <p:ext uri="{D42A27DB-BD31-4B8C-83A1-F6EECF244321}">
-                <p14:modId xmlns:p14="http://schemas.microsoft.com/office/powerpoint/2010/main" val="1703929922"/>
+                <p14:modId xmlns:p14="http://schemas.microsoft.com/office/powerpoint/2010/main" val="2524543998"/>
               </p:ext>
             </p:extLst>
           </p:nvPr>
@@ -9616,35 +9703,35 @@
                 <a:tableStyleId>{93296810-A885-4BE3-A3E7-6D5BEEA58F35}</a:tableStyleId>
               </a:tblPr>
               <a:tblGrid>
-                <a:gridCol w="1664400">
+                <a:gridCol w="1380106">
                   <a:extLst>
                     <a:ext uri="{9D8B030D-6E8A-4147-A177-3AD203B41FA5}">
                       <a16:colId xmlns:a16="http://schemas.microsoft.com/office/drawing/2014/main" val="3854036887"/>
                     </a:ext>
                   </a:extLst>
                 </a:gridCol>
-                <a:gridCol w="1719768">
+                <a:gridCol w="1716065">
                   <a:extLst>
                     <a:ext uri="{9D8B030D-6E8A-4147-A177-3AD203B41FA5}">
                       <a16:colId xmlns:a16="http://schemas.microsoft.com/office/drawing/2014/main" val="3824709341"/>
                     </a:ext>
                   </a:extLst>
                 </a:gridCol>
-                <a:gridCol w="1719768">
+                <a:gridCol w="1528176">
                   <a:extLst>
                     <a:ext uri="{9D8B030D-6E8A-4147-A177-3AD203B41FA5}">
                       <a16:colId xmlns:a16="http://schemas.microsoft.com/office/drawing/2014/main" val="3371374645"/>
                     </a:ext>
                   </a:extLst>
                 </a:gridCol>
-                <a:gridCol w="1719768">
+                <a:gridCol w="1866378">
                   <a:extLst>
                     <a:ext uri="{9D8B030D-6E8A-4147-A177-3AD203B41FA5}">
                       <a16:colId xmlns:a16="http://schemas.microsoft.com/office/drawing/2014/main" val="798062011"/>
                     </a:ext>
                   </a:extLst>
                 </a:gridCol>
-                <a:gridCol w="1685029">
+                <a:gridCol w="2018008">
                   <a:extLst>
                     <a:ext uri="{9D8B030D-6E8A-4147-A177-3AD203B41FA5}">
                       <a16:colId xmlns:a16="http://schemas.microsoft.com/office/drawing/2014/main" val="321783498"/>
@@ -9790,10 +9877,13 @@
                     <a:bodyPr/>
                     <a:lstStyle/>
                     <a:p>
-                      <a:endParaRPr lang="en-US" sz="2000" dirty="0">
-                        <a:latin typeface="Hiragino Kaku Gothic Pro W3" panose="020B0300000000000000" pitchFamily="34" charset="-128"/>
-                        <a:ea typeface="Hiragino Kaku Gothic Pro W3" panose="020B0300000000000000" pitchFamily="34" charset="-128"/>
-                      </a:endParaRPr>
+                      <a:r>
+                        <a:rPr lang="en-US" sz="2000" dirty="0">
+                          <a:latin typeface="Hiragino Kaku Gothic Pro W3" panose="020B0300000000000000" pitchFamily="34" charset="-128"/>
+                          <a:ea typeface="Hiragino Kaku Gothic Pro W3" panose="020B0300000000000000" pitchFamily="34" charset="-128"/>
+                        </a:rPr>
+                        <a:t>96[2.8]</a:t>
+                      </a:r>
                     </a:p>
                   </a:txBody>
                   <a:tcPr/>
@@ -9803,10 +9893,13 @@
                     <a:bodyPr/>
                     <a:lstStyle/>
                     <a:p>
-                      <a:endParaRPr lang="en-US" sz="2000" dirty="0">
-                        <a:latin typeface="Hiragino Kaku Gothic Pro W3" panose="020B0300000000000000" pitchFamily="34" charset="-128"/>
-                        <a:ea typeface="Hiragino Kaku Gothic Pro W3" panose="020B0300000000000000" pitchFamily="34" charset="-128"/>
-                      </a:endParaRPr>
+                      <a:r>
+                        <a:rPr lang="en-US" sz="2000" dirty="0">
+                          <a:latin typeface="Hiragino Kaku Gothic Pro W3" panose="020B0300000000000000" pitchFamily="34" charset="-128"/>
+                          <a:ea typeface="Hiragino Kaku Gothic Pro W3" panose="020B0300000000000000" pitchFamily="34" charset="-128"/>
+                        </a:rPr>
+                        <a:t>96[12.5]</a:t>
+                      </a:r>
                     </a:p>
                   </a:txBody>
                   <a:tcPr/>
@@ -9816,10 +9909,13 @@
                     <a:bodyPr/>
                     <a:lstStyle/>
                     <a:p>
-                      <a:endParaRPr lang="en-US" sz="2000" dirty="0">
-                        <a:latin typeface="Hiragino Kaku Gothic Pro W3" panose="020B0300000000000000" pitchFamily="34" charset="-128"/>
-                        <a:ea typeface="Hiragino Kaku Gothic Pro W3" panose="020B0300000000000000" pitchFamily="34" charset="-128"/>
-                      </a:endParaRPr>
+                      <a:r>
+                        <a:rPr lang="en-US" sz="2000" dirty="0">
+                          <a:latin typeface="Hiragino Kaku Gothic Pro W3" panose="020B0300000000000000" pitchFamily="34" charset="-128"/>
+                          <a:ea typeface="Hiragino Kaku Gothic Pro W3" panose="020B0300000000000000" pitchFamily="34" charset="-128"/>
+                        </a:rPr>
+                        <a:t>29120[2.7]</a:t>
+                      </a:r>
                     </a:p>
                   </a:txBody>
                   <a:tcPr/>
@@ -9829,10 +9925,13 @@
                     <a:bodyPr/>
                     <a:lstStyle/>
                     <a:p>
-                      <a:endParaRPr lang="en-US" sz="2000" dirty="0">
-                        <a:latin typeface="Hiragino Kaku Gothic Pro W3" panose="020B0300000000000000" pitchFamily="34" charset="-128"/>
-                        <a:ea typeface="Hiragino Kaku Gothic Pro W3" panose="020B0300000000000000" pitchFamily="34" charset="-128"/>
-                      </a:endParaRPr>
+                      <a:r>
+                        <a:rPr lang="en-US" sz="2000" dirty="0">
+                          <a:latin typeface="Hiragino Kaku Gothic Pro W3" panose="020B0300000000000000" pitchFamily="34" charset="-128"/>
+                          <a:ea typeface="Hiragino Kaku Gothic Pro W3" panose="020B0300000000000000" pitchFamily="34" charset="-128"/>
+                        </a:rPr>
+                        <a:t>125192[24]</a:t>
+                      </a:r>
                     </a:p>
                   </a:txBody>
                   <a:tcPr/>
@@ -9874,7 +9973,7 @@
                           <a:latin typeface="Hiragino Kaku Gothic Pro W3" panose="020B0300000000000000" pitchFamily="34" charset="-128"/>
                           <a:ea typeface="Hiragino Kaku Gothic Pro W3" panose="020B0300000000000000" pitchFamily="34" charset="-128"/>
                         </a:rPr>
-                        <a:t>866[25%]</a:t>
+                        <a:t>962[28.6]</a:t>
                       </a:r>
                     </a:p>
                   </a:txBody>
@@ -9890,7 +9989,7 @@
                           <a:latin typeface="Hiragino Kaku Gothic Pro W3" panose="020B0300000000000000" pitchFamily="34" charset="-128"/>
                           <a:ea typeface="Hiragino Kaku Gothic Pro W3" panose="020B0300000000000000" pitchFamily="34" charset="-128"/>
                         </a:rPr>
-                        <a:t>532[69%]</a:t>
+                        <a:t>628[81.7]</a:t>
                       </a:r>
                     </a:p>
                   </a:txBody>
@@ -9906,7 +10005,7 @@
                           <a:latin typeface="Hiragino Kaku Gothic Pro W3" panose="020B0300000000000000" pitchFamily="34" charset="-128"/>
                           <a:ea typeface="Hiragino Kaku Gothic Pro W3" panose="020B0300000000000000" pitchFamily="34" charset="-128"/>
                         </a:rPr>
-                        <a:t>123683[23%]</a:t>
+                        <a:t>152803[14.2]</a:t>
                       </a:r>
                     </a:p>
                   </a:txBody>
@@ -9922,7 +10021,7 @@
                           <a:latin typeface="Hiragino Kaku Gothic Pro W3" panose="020B0300000000000000" pitchFamily="34" charset="-128"/>
                           <a:ea typeface="Hiragino Kaku Gothic Pro W3" panose="020B0300000000000000" pitchFamily="34" charset="-128"/>
                         </a:rPr>
-                        <a:t>322334[59%]</a:t>
+                        <a:t>451386[84]</a:t>
                       </a:r>
                     </a:p>
                   </a:txBody>
@@ -9960,10 +10059,13 @@
                     <a:bodyPr/>
                     <a:lstStyle/>
                     <a:p>
-                      <a:endParaRPr lang="en-US" sz="2000" dirty="0">
-                        <a:latin typeface="Hiragino Kaku Gothic Pro W3" panose="020B0300000000000000" pitchFamily="34" charset="-128"/>
-                        <a:ea typeface="Hiragino Kaku Gothic Pro W3" panose="020B0300000000000000" pitchFamily="34" charset="-128"/>
-                      </a:endParaRPr>
+                      <a:r>
+                        <a:rPr lang="en-US" sz="2000" dirty="0">
+                          <a:latin typeface="Hiragino Kaku Gothic Pro W3" panose="020B0300000000000000" pitchFamily="34" charset="-128"/>
+                          <a:ea typeface="Hiragino Kaku Gothic Pro W3" panose="020B0300000000000000" pitchFamily="34" charset="-128"/>
+                        </a:rPr>
+                        <a:t>360[10.7]</a:t>
+                      </a:r>
                     </a:p>
                   </a:txBody>
                   <a:tcPr/>
@@ -9973,10 +10075,13 @@
                     <a:bodyPr/>
                     <a:lstStyle/>
                     <a:p>
-                      <a:endParaRPr lang="en-US" sz="2000" dirty="0">
-                        <a:latin typeface="Hiragino Kaku Gothic Pro W3" panose="020B0300000000000000" pitchFamily="34" charset="-128"/>
-                        <a:ea typeface="Hiragino Kaku Gothic Pro W3" panose="020B0300000000000000" pitchFamily="34" charset="-128"/>
-                      </a:endParaRPr>
+                      <a:r>
+                        <a:rPr lang="en-US" sz="2000" dirty="0">
+                          <a:latin typeface="Hiragino Kaku Gothic Pro W3" panose="020B0300000000000000" pitchFamily="34" charset="-128"/>
+                          <a:ea typeface="Hiragino Kaku Gothic Pro W3" panose="020B0300000000000000" pitchFamily="34" charset="-128"/>
+                        </a:rPr>
+                        <a:t>198[25.8]</a:t>
+                      </a:r>
                     </a:p>
                   </a:txBody>
                   <a:tcPr/>
@@ -9986,10 +10091,13 @@
                     <a:bodyPr/>
                     <a:lstStyle/>
                     <a:p>
-                      <a:endParaRPr lang="en-US" sz="2000" dirty="0">
-                        <a:latin typeface="Hiragino Kaku Gothic Pro W3" panose="020B0300000000000000" pitchFamily="34" charset="-128"/>
-                        <a:ea typeface="Hiragino Kaku Gothic Pro W3" panose="020B0300000000000000" pitchFamily="34" charset="-128"/>
-                      </a:endParaRPr>
+                      <a:r>
+                        <a:rPr lang="en-US" sz="2000" dirty="0">
+                          <a:latin typeface="Hiragino Kaku Gothic Pro W3" panose="020B0300000000000000" pitchFamily="34" charset="-128"/>
+                          <a:ea typeface="Hiragino Kaku Gothic Pro W3" panose="020B0300000000000000" pitchFamily="34" charset="-128"/>
+                        </a:rPr>
+                        <a:t>50949[4.7]</a:t>
+                      </a:r>
                     </a:p>
                   </a:txBody>
                   <a:tcPr/>
@@ -9999,10 +10107,13 @@
                     <a:bodyPr/>
                     <a:lstStyle/>
                     <a:p>
-                      <a:endParaRPr lang="en-US" sz="2000" dirty="0">
-                        <a:latin typeface="Hiragino Kaku Gothic Pro W3" panose="020B0300000000000000" pitchFamily="34" charset="-128"/>
-                        <a:ea typeface="Hiragino Kaku Gothic Pro W3" panose="020B0300000000000000" pitchFamily="34" charset="-128"/>
-                      </a:endParaRPr>
+                      <a:r>
+                        <a:rPr lang="en-US" sz="2000" dirty="0">
+                          <a:latin typeface="Hiragino Kaku Gothic Pro W3" panose="020B0300000000000000" pitchFamily="34" charset="-128"/>
+                          <a:ea typeface="Hiragino Kaku Gothic Pro W3" panose="020B0300000000000000" pitchFamily="34" charset="-128"/>
+                        </a:rPr>
+                        <a:t>167263[31]</a:t>
+                      </a:r>
                     </a:p>
                   </a:txBody>
                   <a:tcPr/>
@@ -10039,10 +10150,13 @@
                     <a:bodyPr/>
                     <a:lstStyle/>
                     <a:p>
-                      <a:endParaRPr lang="en-US" sz="2000" dirty="0">
-                        <a:latin typeface="Hiragino Kaku Gothic Pro W3" panose="020B0300000000000000" pitchFamily="34" charset="-128"/>
-                        <a:ea typeface="Hiragino Kaku Gothic Pro W3" panose="020B0300000000000000" pitchFamily="34" charset="-128"/>
-                      </a:endParaRPr>
+                      <a:r>
+                        <a:rPr lang="en-US" sz="2000" dirty="0">
+                          <a:latin typeface="Hiragino Kaku Gothic Pro W3" panose="020B0300000000000000" pitchFamily="34" charset="-128"/>
+                          <a:ea typeface="Hiragino Kaku Gothic Pro W3" panose="020B0300000000000000" pitchFamily="34" charset="-128"/>
+                        </a:rPr>
+                        <a:t>208[6]</a:t>
+                      </a:r>
                     </a:p>
                   </a:txBody>
                   <a:tcPr/>
@@ -10052,10 +10166,13 @@
                     <a:bodyPr/>
                     <a:lstStyle/>
                     <a:p>
-                      <a:endParaRPr lang="en-US" sz="2000" dirty="0">
-                        <a:latin typeface="Hiragino Kaku Gothic Pro W3" panose="020B0300000000000000" pitchFamily="34" charset="-128"/>
-                        <a:ea typeface="Hiragino Kaku Gothic Pro W3" panose="020B0300000000000000" pitchFamily="34" charset="-128"/>
-                      </a:endParaRPr>
+                      <a:r>
+                        <a:rPr lang="en-US" sz="2000" dirty="0">
+                          <a:latin typeface="Hiragino Kaku Gothic Pro W3" panose="020B0300000000000000" pitchFamily="34" charset="-128"/>
+                          <a:ea typeface="Hiragino Kaku Gothic Pro W3" panose="020B0300000000000000" pitchFamily="34" charset="-128"/>
+                        </a:rPr>
+                        <a:t>96[12.5]</a:t>
+                      </a:r>
                     </a:p>
                   </a:txBody>
                   <a:tcPr/>
@@ -10065,10 +10182,13 @@
                     <a:bodyPr/>
                     <a:lstStyle/>
                     <a:p>
-                      <a:endParaRPr lang="en-US" sz="2000" dirty="0">
-                        <a:latin typeface="Hiragino Kaku Gothic Pro W3" panose="020B0300000000000000" pitchFamily="34" charset="-128"/>
-                        <a:ea typeface="Hiragino Kaku Gothic Pro W3" panose="020B0300000000000000" pitchFamily="34" charset="-128"/>
-                      </a:endParaRPr>
+                      <a:r>
+                        <a:rPr lang="en-US" sz="2000" dirty="0">
+                          <a:latin typeface="Hiragino Kaku Gothic Pro W3" panose="020B0300000000000000" pitchFamily="34" charset="-128"/>
+                          <a:ea typeface="Hiragino Kaku Gothic Pro W3" panose="020B0300000000000000" pitchFamily="34" charset="-128"/>
+                        </a:rPr>
+                        <a:t>37452[3.5]</a:t>
+                      </a:r>
                     </a:p>
                   </a:txBody>
                   <a:tcPr/>
@@ -10078,10 +10198,13 @@
                     <a:bodyPr/>
                     <a:lstStyle/>
                     <a:p>
-                      <a:endParaRPr lang="en-US" sz="2000" dirty="0">
-                        <a:latin typeface="Hiragino Kaku Gothic Pro W3" panose="020B0300000000000000" pitchFamily="34" charset="-128"/>
-                        <a:ea typeface="Hiragino Kaku Gothic Pro W3" panose="020B0300000000000000" pitchFamily="34" charset="-128"/>
-                      </a:endParaRPr>
+                      <a:r>
+                        <a:rPr lang="en-US" sz="2000" dirty="0">
+                          <a:latin typeface="Hiragino Kaku Gothic Pro W3" panose="020B0300000000000000" pitchFamily="34" charset="-128"/>
+                          <a:ea typeface="Hiragino Kaku Gothic Pro W3" panose="020B0300000000000000" pitchFamily="34" charset="-128"/>
+                        </a:rPr>
+                        <a:t>154785[28.8]</a:t>
+                      </a:r>
                     </a:p>
                   </a:txBody>
                   <a:tcPr/>
@@ -10227,6 +10350,1277 @@
           </a:p>
         </p:txBody>
       </p:sp>
+      <p:pic>
+        <p:nvPicPr>
+          <p:cNvPr id="9" name="Picture 8">
+            <a:extLst>
+              <a:ext uri="{FF2B5EF4-FFF2-40B4-BE49-F238E27FC236}">
+                <a16:creationId xmlns:a16="http://schemas.microsoft.com/office/drawing/2014/main" id="{54653A1D-08B9-764E-A926-FABFA1D3FE36}"/>
+              </a:ext>
+            </a:extLst>
+          </p:cNvPr>
+          <p:cNvPicPr>
+            <a:picLocks noChangeAspect="1"/>
+          </p:cNvPicPr>
+          <p:nvPr/>
+        </p:nvPicPr>
+        <p:blipFill>
+          <a:blip r:embed="rId3">
+            <a:extLst>
+              <a:ext uri="{28A0092B-C50C-407E-A947-70E740481C1C}">
+                <a14:useLocalDpi xmlns:a14="http://schemas.microsoft.com/office/drawing/2010/main" val="0"/>
+              </a:ext>
+            </a:extLst>
+          </a:blip>
+          <a:stretch>
+            <a:fillRect/>
+          </a:stretch>
+        </p:blipFill>
+        <p:spPr>
+          <a:xfrm>
+            <a:off x="776613" y="2086791"/>
+            <a:ext cx="7442703" cy="4156132"/>
+          </a:xfrm>
+          <a:prstGeom prst="rect">
+            <a:avLst/>
+          </a:prstGeom>
+        </p:spPr>
+      </p:pic>
+    </p:spTree>
+    <p:extLst>
+      <p:ext uri="{BB962C8B-B14F-4D97-AF65-F5344CB8AC3E}">
+        <p14:creationId xmlns:p14="http://schemas.microsoft.com/office/powerpoint/2010/main" val="2462749253"/>
+      </p:ext>
+    </p:extLst>
+  </p:cSld>
+  <p:clrMapOvr>
+    <a:masterClrMapping/>
+  </p:clrMapOvr>
+</p:sld>
+</file>
+
+<file path=ppt/slides/slide3.xml><?xml version="1.0" encoding="utf-8"?>
+<p:sld xmlns:a="http://schemas.openxmlformats.org/drawingml/2006/main" xmlns:r="http://schemas.openxmlformats.org/officeDocument/2006/relationships" xmlns:p="http://schemas.openxmlformats.org/presentationml/2006/main">
+  <p:cSld>
+    <p:spTree>
+      <p:nvGrpSpPr>
+        <p:cNvPr id="1" name=""/>
+        <p:cNvGrpSpPr/>
+        <p:nvPr/>
+      </p:nvGrpSpPr>
+      <p:grpSpPr>
+        <a:xfrm>
+          <a:off x="0" y="0"/>
+          <a:ext cx="0" cy="0"/>
+          <a:chOff x="0" y="0"/>
+          <a:chExt cx="0" cy="0"/>
+        </a:xfrm>
+      </p:grpSpPr>
+      <p:sp>
+        <p:nvSpPr>
+          <p:cNvPr id="2" name="Title 1">
+            <a:extLst>
+              <a:ext uri="{FF2B5EF4-FFF2-40B4-BE49-F238E27FC236}">
+                <a16:creationId xmlns:a16="http://schemas.microsoft.com/office/drawing/2014/main" id="{39CF3F23-2F48-2645-9777-637A1891861E}"/>
+              </a:ext>
+            </a:extLst>
+          </p:cNvPr>
+          <p:cNvSpPr>
+            <a:spLocks noGrp="1"/>
+          </p:cNvSpPr>
+          <p:nvPr>
+            <p:ph type="title"/>
+          </p:nvPr>
+        </p:nvSpPr>
+        <p:spPr/>
+        <p:txBody>
+          <a:bodyPr/>
+          <a:lstStyle/>
+          <a:p>
+            <a:r>
+              <a:rPr lang="ja-JP" altLang="en-US" dirty="0"/>
+              <a:t>アウトライン</a:t>
+            </a:r>
+            <a:endParaRPr lang="en-US" dirty="0"/>
+          </a:p>
+        </p:txBody>
+      </p:sp>
+      <p:sp>
+        <p:nvSpPr>
+          <p:cNvPr id="3" name="Content Placeholder 2">
+            <a:extLst>
+              <a:ext uri="{FF2B5EF4-FFF2-40B4-BE49-F238E27FC236}">
+                <a16:creationId xmlns:a16="http://schemas.microsoft.com/office/drawing/2014/main" id="{24779C7E-8343-C346-AF74-51042A369AD4}"/>
+              </a:ext>
+            </a:extLst>
+          </p:cNvPr>
+          <p:cNvSpPr>
+            <a:spLocks noGrp="1"/>
+          </p:cNvSpPr>
+          <p:nvPr>
+            <p:ph idx="1"/>
+          </p:nvPr>
+        </p:nvSpPr>
+        <p:spPr/>
+        <p:txBody>
+          <a:bodyPr>
+            <a:normAutofit/>
+          </a:bodyPr>
+          <a:lstStyle/>
+          <a:p>
+            <a:r>
+              <a:rPr lang="ja-JP" altLang="en-US" dirty="0">
+                <a:solidFill>
+                  <a:srgbClr val="FF0000"/>
+                </a:solidFill>
+              </a:rPr>
+              <a:t>背景</a:t>
+            </a:r>
+            <a:endParaRPr lang="en-US" altLang="ja-JP" dirty="0">
+              <a:solidFill>
+                <a:srgbClr val="FF0000"/>
+              </a:solidFill>
+            </a:endParaRPr>
+          </a:p>
+          <a:p>
+            <a:r>
+              <a:rPr lang="en-US" altLang="ja-JP" dirty="0"/>
+              <a:t>GoogLeNet</a:t>
+            </a:r>
+          </a:p>
+          <a:p>
+            <a:r>
+              <a:rPr lang="en-US" altLang="ja-JP" dirty="0" err="1"/>
+              <a:t>FiC</a:t>
+            </a:r>
+            <a:r>
+              <a:rPr lang="en-US" altLang="ja-JP" dirty="0"/>
+              <a:t>-SW</a:t>
+            </a:r>
+          </a:p>
+          <a:p>
+            <a:r>
+              <a:rPr lang="ja-JP" altLang="en-US" dirty="0"/>
+              <a:t>関連研究</a:t>
+            </a:r>
+            <a:endParaRPr lang="en-US" altLang="ja-JP" dirty="0"/>
+          </a:p>
+          <a:p>
+            <a:r>
+              <a:rPr lang="en-US" altLang="ja-JP" dirty="0"/>
+              <a:t>GoogLeNet</a:t>
+            </a:r>
+            <a:r>
+              <a:rPr lang="ja-JP" altLang="en-US" dirty="0"/>
+              <a:t>並列化検討</a:t>
+            </a:r>
+            <a:endParaRPr lang="en-US" altLang="ja-JP" dirty="0"/>
+          </a:p>
+          <a:p>
+            <a:r>
+              <a:rPr lang="ja-JP" altLang="en-US" dirty="0"/>
+              <a:t>実装</a:t>
+            </a:r>
+            <a:endParaRPr lang="en-US" altLang="ja-JP" dirty="0"/>
+          </a:p>
+          <a:p>
+            <a:r>
+              <a:rPr lang="ja-JP" altLang="en-US" dirty="0"/>
+              <a:t>評価</a:t>
+            </a:r>
+            <a:endParaRPr lang="en-US" altLang="ja-JP" dirty="0"/>
+          </a:p>
+          <a:p>
+            <a:r>
+              <a:rPr lang="ja-JP" altLang="en-US" dirty="0"/>
+              <a:t>結論</a:t>
+            </a:r>
+            <a:endParaRPr lang="en-US" dirty="0"/>
+          </a:p>
+        </p:txBody>
+      </p:sp>
+      <p:sp>
+        <p:nvSpPr>
+          <p:cNvPr id="4" name="Slide Number Placeholder 3">
+            <a:extLst>
+              <a:ext uri="{FF2B5EF4-FFF2-40B4-BE49-F238E27FC236}">
+                <a16:creationId xmlns:a16="http://schemas.microsoft.com/office/drawing/2014/main" id="{91F23C09-84CF-5D49-924E-1F5C9B17F198}"/>
+              </a:ext>
+            </a:extLst>
+          </p:cNvPr>
+          <p:cNvSpPr>
+            <a:spLocks noGrp="1"/>
+          </p:cNvSpPr>
+          <p:nvPr>
+            <p:ph type="sldNum" sz="quarter" idx="12"/>
+          </p:nvPr>
+        </p:nvSpPr>
+        <p:spPr/>
+        <p:txBody>
+          <a:bodyPr/>
+          <a:lstStyle/>
+          <a:p>
+            <a:fld id="{AE60790C-7B88-2D40-A70D-E54200C05D47}" type="slidenum">
+              <a:rPr lang="en-US" smtClean="0"/>
+              <a:t>3</a:t>
+            </a:fld>
+            <a:endParaRPr lang="en-US"/>
+          </a:p>
+        </p:txBody>
+      </p:sp>
+    </p:spTree>
+    <p:extLst>
+      <p:ext uri="{BB962C8B-B14F-4D97-AF65-F5344CB8AC3E}">
+        <p14:creationId xmlns:p14="http://schemas.microsoft.com/office/powerpoint/2010/main" val="2370045160"/>
+      </p:ext>
+    </p:extLst>
+  </p:cSld>
+  <p:clrMapOvr>
+    <a:masterClrMapping/>
+  </p:clrMapOvr>
+</p:sld>
+</file>
+
+<file path=ppt/slides/slide30.xml><?xml version="1.0" encoding="utf-8"?>
+<p:sld xmlns:a="http://schemas.openxmlformats.org/drawingml/2006/main" xmlns:r="http://schemas.openxmlformats.org/officeDocument/2006/relationships" xmlns:p="http://schemas.openxmlformats.org/presentationml/2006/main">
+  <p:cSld>
+    <p:spTree>
+      <p:nvGrpSpPr>
+        <p:cNvPr id="1" name=""/>
+        <p:cNvGrpSpPr/>
+        <p:nvPr/>
+      </p:nvGrpSpPr>
+      <p:grpSpPr>
+        <a:xfrm>
+          <a:off x="0" y="0"/>
+          <a:ext cx="0" cy="0"/>
+          <a:chOff x="0" y="0"/>
+          <a:chExt cx="0" cy="0"/>
+        </a:xfrm>
+      </p:grpSpPr>
+      <p:sp>
+        <p:nvSpPr>
+          <p:cNvPr id="2" name="Title 1">
+            <a:extLst>
+              <a:ext uri="{FF2B5EF4-FFF2-40B4-BE49-F238E27FC236}">
+                <a16:creationId xmlns:a16="http://schemas.microsoft.com/office/drawing/2014/main" id="{39CF3F23-2F48-2645-9777-637A1891861E}"/>
+              </a:ext>
+            </a:extLst>
+          </p:cNvPr>
+          <p:cNvSpPr>
+            <a:spLocks noGrp="1"/>
+          </p:cNvSpPr>
+          <p:nvPr>
+            <p:ph type="title"/>
+          </p:nvPr>
+        </p:nvSpPr>
+        <p:spPr/>
+        <p:txBody>
+          <a:bodyPr/>
+          <a:lstStyle/>
+          <a:p>
+            <a:r>
+              <a:rPr lang="ja-JP" altLang="en-US" dirty="0"/>
+              <a:t>アウトライン</a:t>
+            </a:r>
+            <a:endParaRPr lang="en-US" dirty="0"/>
+          </a:p>
+        </p:txBody>
+      </p:sp>
+      <p:sp>
+        <p:nvSpPr>
+          <p:cNvPr id="3" name="Content Placeholder 2">
+            <a:extLst>
+              <a:ext uri="{FF2B5EF4-FFF2-40B4-BE49-F238E27FC236}">
+                <a16:creationId xmlns:a16="http://schemas.microsoft.com/office/drawing/2014/main" id="{24779C7E-8343-C346-AF74-51042A369AD4}"/>
+              </a:ext>
+            </a:extLst>
+          </p:cNvPr>
+          <p:cNvSpPr>
+            <a:spLocks noGrp="1"/>
+          </p:cNvSpPr>
+          <p:nvPr>
+            <p:ph idx="1"/>
+          </p:nvPr>
+        </p:nvSpPr>
+        <p:spPr/>
+        <p:txBody>
+          <a:bodyPr>
+            <a:normAutofit/>
+          </a:bodyPr>
+          <a:lstStyle/>
+          <a:p>
+            <a:r>
+              <a:rPr lang="ja-JP" altLang="en-US" dirty="0"/>
+              <a:t>背景</a:t>
+            </a:r>
+            <a:endParaRPr lang="en-US" altLang="ja-JP" dirty="0"/>
+          </a:p>
+          <a:p>
+            <a:r>
+              <a:rPr lang="en-US" altLang="ja-JP" dirty="0"/>
+              <a:t>GoogLeNet</a:t>
+            </a:r>
+          </a:p>
+          <a:p>
+            <a:r>
+              <a:rPr lang="en-US" altLang="ja-JP" dirty="0" err="1"/>
+              <a:t>FiC</a:t>
+            </a:r>
+            <a:r>
+              <a:rPr lang="en-US" altLang="ja-JP" dirty="0"/>
+              <a:t>-SW</a:t>
+            </a:r>
+          </a:p>
+          <a:p>
+            <a:r>
+              <a:rPr lang="ja-JP" altLang="en-US" dirty="0"/>
+              <a:t>関連研究</a:t>
+            </a:r>
+            <a:endParaRPr lang="en-US" altLang="ja-JP" dirty="0"/>
+          </a:p>
+          <a:p>
+            <a:r>
+              <a:rPr lang="en-US" altLang="ja-JP" dirty="0"/>
+              <a:t>GoogLeNet</a:t>
+            </a:r>
+            <a:r>
+              <a:rPr lang="ja-JP" altLang="en-US" dirty="0"/>
+              <a:t>並列化検討</a:t>
+            </a:r>
+            <a:endParaRPr lang="en-US" altLang="ja-JP" dirty="0"/>
+          </a:p>
+          <a:p>
+            <a:r>
+              <a:rPr lang="ja-JP" altLang="en-US" dirty="0"/>
+              <a:t>実装</a:t>
+            </a:r>
+            <a:endParaRPr lang="en-US" altLang="ja-JP" dirty="0"/>
+          </a:p>
+          <a:p>
+            <a:r>
+              <a:rPr lang="ja-JP" altLang="en-US" dirty="0"/>
+              <a:t>評価</a:t>
+            </a:r>
+            <a:endParaRPr lang="en-US" altLang="ja-JP" dirty="0"/>
+          </a:p>
+          <a:p>
+            <a:r>
+              <a:rPr lang="ja-JP" altLang="en-US" dirty="0">
+                <a:solidFill>
+                  <a:srgbClr val="FF0000"/>
+                </a:solidFill>
+              </a:rPr>
+              <a:t>結論</a:t>
+            </a:r>
+            <a:endParaRPr lang="en-US" dirty="0">
+              <a:solidFill>
+                <a:srgbClr val="FF0000"/>
+              </a:solidFill>
+            </a:endParaRPr>
+          </a:p>
+        </p:txBody>
+      </p:sp>
+      <p:sp>
+        <p:nvSpPr>
+          <p:cNvPr id="4" name="Slide Number Placeholder 3">
+            <a:extLst>
+              <a:ext uri="{FF2B5EF4-FFF2-40B4-BE49-F238E27FC236}">
+                <a16:creationId xmlns:a16="http://schemas.microsoft.com/office/drawing/2014/main" id="{91F23C09-84CF-5D49-924E-1F5C9B17F198}"/>
+              </a:ext>
+            </a:extLst>
+          </p:cNvPr>
+          <p:cNvSpPr>
+            <a:spLocks noGrp="1"/>
+          </p:cNvSpPr>
+          <p:nvPr>
+            <p:ph type="sldNum" sz="quarter" idx="12"/>
+          </p:nvPr>
+        </p:nvSpPr>
+        <p:spPr/>
+        <p:txBody>
+          <a:bodyPr/>
+          <a:lstStyle/>
+          <a:p>
+            <a:fld id="{AE60790C-7B88-2D40-A70D-E54200C05D47}" type="slidenum">
+              <a:rPr lang="en-US" smtClean="0"/>
+              <a:t>30</a:t>
+            </a:fld>
+            <a:endParaRPr lang="en-US"/>
+          </a:p>
+        </p:txBody>
+      </p:sp>
+    </p:spTree>
+    <p:extLst>
+      <p:ext uri="{BB962C8B-B14F-4D97-AF65-F5344CB8AC3E}">
+        <p14:creationId xmlns:p14="http://schemas.microsoft.com/office/powerpoint/2010/main" val="3547191232"/>
+      </p:ext>
+    </p:extLst>
+  </p:cSld>
+  <p:clrMapOvr>
+    <a:masterClrMapping/>
+  </p:clrMapOvr>
+</p:sld>
+</file>
+
+<file path=ppt/slides/slide31.xml><?xml version="1.0" encoding="utf-8"?>
+<p:sld xmlns:a="http://schemas.openxmlformats.org/drawingml/2006/main" xmlns:r="http://schemas.openxmlformats.org/officeDocument/2006/relationships" xmlns:p="http://schemas.openxmlformats.org/presentationml/2006/main">
+  <p:cSld>
+    <p:spTree>
+      <p:nvGrpSpPr>
+        <p:cNvPr id="1" name=""/>
+        <p:cNvGrpSpPr/>
+        <p:nvPr/>
+      </p:nvGrpSpPr>
+      <p:grpSpPr>
+        <a:xfrm>
+          <a:off x="0" y="0"/>
+          <a:ext cx="0" cy="0"/>
+          <a:chOff x="0" y="0"/>
+          <a:chExt cx="0" cy="0"/>
+        </a:xfrm>
+      </p:grpSpPr>
+      <p:sp>
+        <p:nvSpPr>
+          <p:cNvPr id="2" name="Title 1">
+            <a:extLst>
+              <a:ext uri="{FF2B5EF4-FFF2-40B4-BE49-F238E27FC236}">
+                <a16:creationId xmlns:a16="http://schemas.microsoft.com/office/drawing/2014/main" id="{55D35CD2-C1AE-6945-8B31-1E78F88BC53B}"/>
+              </a:ext>
+            </a:extLst>
+          </p:cNvPr>
+          <p:cNvSpPr>
+            <a:spLocks noGrp="1"/>
+          </p:cNvSpPr>
+          <p:nvPr>
+            <p:ph type="title"/>
+          </p:nvPr>
+        </p:nvSpPr>
+        <p:spPr/>
+        <p:txBody>
+          <a:bodyPr/>
+          <a:lstStyle/>
+          <a:p>
+            <a:r>
+              <a:rPr lang="ja-JP" altLang="en-US" dirty="0"/>
+              <a:t>結論</a:t>
+            </a:r>
+            <a:endParaRPr lang="en-US" dirty="0"/>
+          </a:p>
+        </p:txBody>
+      </p:sp>
+      <p:sp>
+        <p:nvSpPr>
+          <p:cNvPr id="3" name="Content Placeholder 2">
+            <a:extLst>
+              <a:ext uri="{FF2B5EF4-FFF2-40B4-BE49-F238E27FC236}">
+                <a16:creationId xmlns:a16="http://schemas.microsoft.com/office/drawing/2014/main" id="{C1CDE55F-1F31-BD41-8A41-27952E4EED34}"/>
+              </a:ext>
+            </a:extLst>
+          </p:cNvPr>
+          <p:cNvSpPr>
+            <a:spLocks noGrp="1"/>
+          </p:cNvSpPr>
+          <p:nvPr>
+            <p:ph idx="1"/>
+          </p:nvPr>
+        </p:nvSpPr>
+        <p:spPr/>
+        <p:txBody>
+          <a:bodyPr/>
+          <a:lstStyle/>
+          <a:p>
+            <a:pPr>
+              <a:lnSpc>
+                <a:spcPct val="100000"/>
+              </a:lnSpc>
+            </a:pPr>
+            <a:r>
+              <a:rPr lang="ja-JP" altLang="en-US" dirty="0"/>
+              <a:t>マルチ</a:t>
+            </a:r>
+            <a:r>
+              <a:rPr lang="en-US" altLang="ja-JP" dirty="0"/>
+              <a:t>FPGA</a:t>
+            </a:r>
+            <a:r>
+              <a:rPr lang="ja-JP" altLang="en-US" dirty="0"/>
+              <a:t>上に</a:t>
+            </a:r>
+            <a:r>
+              <a:rPr lang="en-US" altLang="ja-JP" dirty="0"/>
+              <a:t>GoogLeNet</a:t>
+            </a:r>
+            <a:r>
+              <a:rPr lang="ja-JP" altLang="en-US" dirty="0"/>
+              <a:t>実装</a:t>
+            </a:r>
+            <a:endParaRPr lang="en-US" altLang="ja-JP" dirty="0"/>
+          </a:p>
+          <a:p>
+            <a:pPr>
+              <a:lnSpc>
+                <a:spcPct val="100000"/>
+              </a:lnSpc>
+            </a:pPr>
+            <a:r>
+              <a:rPr lang="en-US" altLang="ja-JP" dirty="0"/>
+              <a:t>Inception</a:t>
+            </a:r>
+            <a:r>
+              <a:rPr lang="ja-JP" altLang="en-US" dirty="0"/>
+              <a:t>層の並列処理の検討と実装</a:t>
+            </a:r>
+            <a:endParaRPr lang="en-US" altLang="ja-JP" dirty="0"/>
+          </a:p>
+          <a:p>
+            <a:pPr>
+              <a:lnSpc>
+                <a:spcPct val="100000"/>
+              </a:lnSpc>
+            </a:pPr>
+            <a:r>
+              <a:rPr lang="en-US" altLang="ja-JP" dirty="0"/>
+              <a:t>CPU</a:t>
+            </a:r>
+            <a:r>
+              <a:rPr lang="ja-JP" altLang="en-US" dirty="0"/>
+              <a:t>に対して約</a:t>
+            </a:r>
+            <a:r>
+              <a:rPr lang="en-US" altLang="ja-JP" dirty="0"/>
+              <a:t>9.1</a:t>
+            </a:r>
+            <a:r>
+              <a:rPr lang="ja-JP" altLang="en-US" dirty="0"/>
+              <a:t>倍の高速化</a:t>
+            </a:r>
+            <a:endParaRPr lang="en-US" altLang="ja-JP" dirty="0"/>
+          </a:p>
+          <a:p>
+            <a:pPr>
+              <a:lnSpc>
+                <a:spcPct val="100000"/>
+              </a:lnSpc>
+            </a:pPr>
+            <a:endParaRPr lang="en-US" altLang="ja-JP" dirty="0"/>
+          </a:p>
+          <a:p>
+            <a:pPr>
+              <a:lnSpc>
+                <a:spcPct val="100000"/>
+              </a:lnSpc>
+            </a:pPr>
+            <a:r>
+              <a:rPr lang="ja-JP" altLang="en-US" dirty="0"/>
+              <a:t>展望</a:t>
+            </a:r>
+            <a:endParaRPr lang="en-US" altLang="ja-JP" dirty="0"/>
+          </a:p>
+          <a:p>
+            <a:pPr lvl="1"/>
+            <a:r>
+              <a:rPr lang="ja-JP" altLang="en-US" dirty="0"/>
+              <a:t>ロードバランスを考えたスレッド分割</a:t>
+            </a:r>
+            <a:endParaRPr lang="en-US" altLang="ja-JP" dirty="0"/>
+          </a:p>
+          <a:p>
+            <a:pPr lvl="1"/>
+            <a:r>
+              <a:rPr lang="ja-JP" altLang="en-US" dirty="0"/>
+              <a:t>入出力データサイズの最適化</a:t>
+            </a:r>
+            <a:endParaRPr lang="en-US" altLang="ja-JP" dirty="0"/>
+          </a:p>
+          <a:p>
+            <a:endParaRPr lang="en-US" dirty="0"/>
+          </a:p>
+          <a:p>
+            <a:endParaRPr lang="en-US" dirty="0"/>
+          </a:p>
+        </p:txBody>
+      </p:sp>
+      <p:sp>
+        <p:nvSpPr>
+          <p:cNvPr id="4" name="Slide Number Placeholder 3">
+            <a:extLst>
+              <a:ext uri="{FF2B5EF4-FFF2-40B4-BE49-F238E27FC236}">
+                <a16:creationId xmlns:a16="http://schemas.microsoft.com/office/drawing/2014/main" id="{26EBE647-F8AD-1A44-B817-A3D8B5B4AAB6}"/>
+              </a:ext>
+            </a:extLst>
+          </p:cNvPr>
+          <p:cNvSpPr>
+            <a:spLocks noGrp="1"/>
+          </p:cNvSpPr>
+          <p:nvPr>
+            <p:ph type="sldNum" sz="quarter" idx="12"/>
+          </p:nvPr>
+        </p:nvSpPr>
+        <p:spPr/>
+        <p:txBody>
+          <a:bodyPr/>
+          <a:lstStyle/>
+          <a:p>
+            <a:fld id="{AE60790C-7B88-2D40-A70D-E54200C05D47}" type="slidenum">
+              <a:rPr lang="en-US" smtClean="0"/>
+              <a:t>31</a:t>
+            </a:fld>
+            <a:endParaRPr lang="en-US"/>
+          </a:p>
+        </p:txBody>
+      </p:sp>
+    </p:spTree>
+    <p:extLst>
+      <p:ext uri="{BB962C8B-B14F-4D97-AF65-F5344CB8AC3E}">
+        <p14:creationId xmlns:p14="http://schemas.microsoft.com/office/powerpoint/2010/main" val="643069549"/>
+      </p:ext>
+    </p:extLst>
+  </p:cSld>
+  <p:clrMapOvr>
+    <a:masterClrMapping/>
+  </p:clrMapOvr>
+</p:sld>
+</file>
+
+<file path=ppt/slides/slide32.xml><?xml version="1.0" encoding="utf-8"?>
+<p:sld xmlns:a="http://schemas.openxmlformats.org/drawingml/2006/main" xmlns:r="http://schemas.openxmlformats.org/officeDocument/2006/relationships" xmlns:p="http://schemas.openxmlformats.org/presentationml/2006/main" show="0">
+  <p:cSld>
+    <p:spTree>
+      <p:nvGrpSpPr>
+        <p:cNvPr id="1" name=""/>
+        <p:cNvGrpSpPr/>
+        <p:nvPr/>
+      </p:nvGrpSpPr>
+      <p:grpSpPr>
+        <a:xfrm>
+          <a:off x="0" y="0"/>
+          <a:ext cx="0" cy="0"/>
+          <a:chOff x="0" y="0"/>
+          <a:chExt cx="0" cy="0"/>
+        </a:xfrm>
+      </p:grpSpPr>
+      <p:sp>
+        <p:nvSpPr>
+          <p:cNvPr id="2" name="Title 1">
+            <a:extLst>
+              <a:ext uri="{FF2B5EF4-FFF2-40B4-BE49-F238E27FC236}">
+                <a16:creationId xmlns:a16="http://schemas.microsoft.com/office/drawing/2014/main" id="{55D35CD2-C1AE-6945-8B31-1E78F88BC53B}"/>
+              </a:ext>
+            </a:extLst>
+          </p:cNvPr>
+          <p:cNvSpPr>
+            <a:spLocks noGrp="1"/>
+          </p:cNvSpPr>
+          <p:nvPr>
+            <p:ph type="title"/>
+          </p:nvPr>
+        </p:nvSpPr>
+        <p:spPr/>
+        <p:txBody>
+          <a:bodyPr/>
+          <a:lstStyle/>
+          <a:p>
+            <a:r>
+              <a:rPr lang="ja-JP" altLang="en-US" dirty="0"/>
+              <a:t>前背景</a:t>
+            </a:r>
+            <a:endParaRPr lang="en-US" dirty="0"/>
+          </a:p>
+        </p:txBody>
+      </p:sp>
+      <p:sp>
+        <p:nvSpPr>
+          <p:cNvPr id="3" name="Content Placeholder 2">
+            <a:extLst>
+              <a:ext uri="{FF2B5EF4-FFF2-40B4-BE49-F238E27FC236}">
+                <a16:creationId xmlns:a16="http://schemas.microsoft.com/office/drawing/2014/main" id="{C1CDE55F-1F31-BD41-8A41-27952E4EED34}"/>
+              </a:ext>
+            </a:extLst>
+          </p:cNvPr>
+          <p:cNvSpPr>
+            <a:spLocks noGrp="1"/>
+          </p:cNvSpPr>
+          <p:nvPr>
+            <p:ph idx="1"/>
+          </p:nvPr>
+        </p:nvSpPr>
+        <p:spPr>
+          <a:xfrm>
+            <a:off x="628650" y="1578738"/>
+            <a:ext cx="7886700" cy="4572000"/>
+          </a:xfrm>
+        </p:spPr>
+        <p:txBody>
+          <a:bodyPr>
+            <a:normAutofit lnSpcReduction="10000"/>
+          </a:bodyPr>
+          <a:lstStyle/>
+          <a:p>
+            <a:r>
+              <a:rPr lang="ja-JP" altLang="en-US" dirty="0"/>
+              <a:t>深層学習の需要と発展</a:t>
+            </a:r>
+            <a:endParaRPr lang="en-US" altLang="ja-JP" dirty="0"/>
+          </a:p>
+          <a:p>
+            <a:pPr lvl="1"/>
+            <a:r>
+              <a:rPr lang="ja-JP" altLang="en-US" dirty="0"/>
+              <a:t>自動運転、自動翻訳、スマートスピーカー</a:t>
+            </a:r>
+            <a:endParaRPr lang="en-US" altLang="ja-JP" dirty="0"/>
+          </a:p>
+          <a:p>
+            <a:pPr lvl="1"/>
+            <a:r>
+              <a:rPr lang="ja-JP" altLang="en-US" dirty="0"/>
+              <a:t>認識精度向上の研究、開発</a:t>
+            </a:r>
+            <a:endParaRPr lang="en-US" altLang="ja-JP" dirty="0"/>
+          </a:p>
+          <a:p>
+            <a:pPr marL="457200" lvl="1" indent="0">
+              <a:buNone/>
+            </a:pPr>
+            <a:r>
+              <a:rPr lang="ja-JP" altLang="en-US" dirty="0"/>
+              <a:t>→計算量の増大に伴う計算基盤の需要</a:t>
+            </a:r>
+            <a:endParaRPr lang="en-US" altLang="ja-JP" dirty="0"/>
+          </a:p>
+          <a:p>
+            <a:r>
+              <a:rPr lang="ja-JP" altLang="en-US" dirty="0"/>
+              <a:t>深層学習専用アクセラレータ</a:t>
+            </a:r>
+            <a:endParaRPr lang="en-US" altLang="ja-JP" dirty="0"/>
+          </a:p>
+          <a:p>
+            <a:pPr lvl="1"/>
+            <a:r>
+              <a:rPr lang="ja-JP" altLang="en-US" dirty="0"/>
+              <a:t>汎用</a:t>
+            </a:r>
+            <a:r>
+              <a:rPr lang="en-US" altLang="ja-JP" dirty="0"/>
+              <a:t>CPU</a:t>
+            </a:r>
+            <a:r>
+              <a:rPr lang="ja-JP" altLang="en-US" dirty="0"/>
+              <a:t>では効率的な処理が難しい</a:t>
+            </a:r>
+            <a:endParaRPr lang="en-US" altLang="ja-JP" dirty="0"/>
+          </a:p>
+          <a:p>
+            <a:pPr lvl="1"/>
+            <a:r>
+              <a:rPr lang="en-US" altLang="ja-JP" dirty="0"/>
+              <a:t>GPU</a:t>
+            </a:r>
+            <a:r>
+              <a:rPr lang="ja-JP" altLang="en-US" dirty="0"/>
+              <a:t>や</a:t>
+            </a:r>
+            <a:r>
+              <a:rPr lang="en-US" altLang="ja-JP" dirty="0"/>
+              <a:t>FPGA</a:t>
+            </a:r>
+            <a:r>
+              <a:rPr lang="ja-JP" altLang="en-US" dirty="0"/>
+              <a:t>が注目</a:t>
+            </a:r>
+            <a:endParaRPr lang="en-US" altLang="ja-JP" dirty="0"/>
+          </a:p>
+          <a:p>
+            <a:pPr marL="457200" lvl="1" indent="0">
+              <a:buNone/>
+            </a:pPr>
+            <a:r>
+              <a:rPr lang="ja-JP" altLang="en-US" dirty="0"/>
+              <a:t>→</a:t>
+            </a:r>
+            <a:r>
+              <a:rPr lang="en-US" altLang="ja-JP" dirty="0"/>
+              <a:t>NEDO</a:t>
+            </a:r>
+            <a:r>
+              <a:rPr lang="ja-JP" altLang="en-US" dirty="0"/>
+              <a:t>が主導するクラウド人工知能計算基盤</a:t>
+            </a:r>
+            <a:r>
+              <a:rPr lang="en-US" altLang="ja-JP" dirty="0"/>
+              <a:t>”Flow in Cloud(</a:t>
+            </a:r>
+            <a:r>
+              <a:rPr lang="en-US" altLang="ja-JP" dirty="0" err="1"/>
+              <a:t>FiC</a:t>
+            </a:r>
+            <a:r>
+              <a:rPr lang="en-US" altLang="ja-JP" dirty="0"/>
+              <a:t>)”</a:t>
+            </a:r>
+          </a:p>
+          <a:p>
+            <a:r>
+              <a:rPr lang="en-US" dirty="0"/>
+              <a:t>GoogLeNet</a:t>
+            </a:r>
+          </a:p>
+        </p:txBody>
+      </p:sp>
+      <p:sp>
+        <p:nvSpPr>
+          <p:cNvPr id="6" name="Slide Number Placeholder 5">
+            <a:extLst>
+              <a:ext uri="{FF2B5EF4-FFF2-40B4-BE49-F238E27FC236}">
+                <a16:creationId xmlns:a16="http://schemas.microsoft.com/office/drawing/2014/main" id="{DFE97E8E-2E50-174A-9F75-60D73E625454}"/>
+              </a:ext>
+            </a:extLst>
+          </p:cNvPr>
+          <p:cNvSpPr>
+            <a:spLocks noGrp="1"/>
+          </p:cNvSpPr>
+          <p:nvPr>
+            <p:ph type="sldNum" sz="quarter" idx="12"/>
+          </p:nvPr>
+        </p:nvSpPr>
+        <p:spPr/>
+        <p:txBody>
+          <a:bodyPr/>
+          <a:lstStyle/>
+          <a:p>
+            <a:fld id="{AE60790C-7B88-2D40-A70D-E54200C05D47}" type="slidenum">
+              <a:rPr lang="en-US" smtClean="0"/>
+              <a:t>32</a:t>
+            </a:fld>
+            <a:endParaRPr lang="en-US"/>
+          </a:p>
+        </p:txBody>
+      </p:sp>
+    </p:spTree>
+    <p:extLst>
+      <p:ext uri="{BB962C8B-B14F-4D97-AF65-F5344CB8AC3E}">
+        <p14:creationId xmlns:p14="http://schemas.microsoft.com/office/powerpoint/2010/main" val="2144583353"/>
+      </p:ext>
+    </p:extLst>
+  </p:cSld>
+  <p:clrMapOvr>
+    <a:masterClrMapping/>
+  </p:clrMapOvr>
+</p:sld>
+</file>
+
+<file path=ppt/slides/slide33.xml><?xml version="1.0" encoding="utf-8"?>
+<p:sld xmlns:a="http://schemas.openxmlformats.org/drawingml/2006/main" xmlns:r="http://schemas.openxmlformats.org/officeDocument/2006/relationships" xmlns:p="http://schemas.openxmlformats.org/presentationml/2006/main" show="0">
+  <p:cSld>
+    <p:spTree>
+      <p:nvGrpSpPr>
+        <p:cNvPr id="1" name=""/>
+        <p:cNvGrpSpPr/>
+        <p:nvPr/>
+      </p:nvGrpSpPr>
+      <p:grpSpPr>
+        <a:xfrm>
+          <a:off x="0" y="0"/>
+          <a:ext cx="0" cy="0"/>
+          <a:chOff x="0" y="0"/>
+          <a:chExt cx="0" cy="0"/>
+        </a:xfrm>
+      </p:grpSpPr>
+      <p:sp>
+        <p:nvSpPr>
+          <p:cNvPr id="2" name="Title 1">
+            <a:extLst>
+              <a:ext uri="{FF2B5EF4-FFF2-40B4-BE49-F238E27FC236}">
+                <a16:creationId xmlns:a16="http://schemas.microsoft.com/office/drawing/2014/main" id="{55D35CD2-C1AE-6945-8B31-1E78F88BC53B}"/>
+              </a:ext>
+            </a:extLst>
+          </p:cNvPr>
+          <p:cNvSpPr>
+            <a:spLocks noGrp="1"/>
+          </p:cNvSpPr>
+          <p:nvPr>
+            <p:ph type="title"/>
+          </p:nvPr>
+        </p:nvSpPr>
+        <p:spPr/>
+        <p:txBody>
+          <a:bodyPr/>
+          <a:lstStyle/>
+          <a:p>
+            <a:r>
+              <a:rPr lang="ja-JP" altLang="en-US" dirty="0"/>
+              <a:t>スイッチの通信</a:t>
+            </a:r>
+            <a:endParaRPr lang="en-US" dirty="0"/>
+          </a:p>
+        </p:txBody>
+      </p:sp>
+      <p:sp>
+        <p:nvSpPr>
+          <p:cNvPr id="4" name="Content Placeholder 3">
+            <a:extLst>
+              <a:ext uri="{FF2B5EF4-FFF2-40B4-BE49-F238E27FC236}">
+                <a16:creationId xmlns:a16="http://schemas.microsoft.com/office/drawing/2014/main" id="{51CA4007-B133-0840-9DFB-9935F5D7FEDD}"/>
+              </a:ext>
+            </a:extLst>
+          </p:cNvPr>
+          <p:cNvSpPr>
+            <a:spLocks noGrp="1"/>
+          </p:cNvSpPr>
+          <p:nvPr>
+            <p:ph sz="half" idx="1"/>
+          </p:nvPr>
+        </p:nvSpPr>
+        <p:spPr/>
+        <p:txBody>
+          <a:bodyPr/>
+          <a:lstStyle/>
+          <a:p>
+            <a:r>
+              <a:rPr lang="ja-JP" altLang="en-US" dirty="0"/>
+              <a:t>サーキットスイッチ</a:t>
+            </a:r>
+            <a:endParaRPr lang="en-US" altLang="ja-JP" dirty="0"/>
+          </a:p>
+          <a:p>
+            <a:r>
+              <a:rPr lang="en-US" altLang="ja-JP" dirty="0"/>
+              <a:t>STDM</a:t>
+            </a:r>
+          </a:p>
+          <a:p>
+            <a:r>
+              <a:rPr lang="ja-JP" altLang="en-US" dirty="0"/>
+              <a:t>将来の光通信のための設計</a:t>
+            </a:r>
+            <a:endParaRPr lang="en-US" altLang="ja-JP" dirty="0"/>
+          </a:p>
+          <a:p>
+            <a:endParaRPr lang="en-US" dirty="0"/>
+          </a:p>
+        </p:txBody>
+      </p:sp>
+      <p:pic>
+        <p:nvPicPr>
+          <p:cNvPr id="7" name="Content Placeholder 6">
+            <a:extLst>
+              <a:ext uri="{FF2B5EF4-FFF2-40B4-BE49-F238E27FC236}">
+                <a16:creationId xmlns:a16="http://schemas.microsoft.com/office/drawing/2014/main" id="{31FC9275-4651-8E46-921E-85E6FE73B623}"/>
+              </a:ext>
+            </a:extLst>
+          </p:cNvPr>
+          <p:cNvPicPr>
+            <a:picLocks noGrp="1" noChangeAspect="1"/>
+          </p:cNvPicPr>
+          <p:nvPr>
+            <p:ph sz="half" idx="2"/>
+          </p:nvPr>
+        </p:nvPicPr>
+        <p:blipFill>
+          <a:blip r:embed="rId3">
+            <a:extLst>
+              <a:ext uri="{28A0092B-C50C-407E-A947-70E740481C1C}">
+                <a14:useLocalDpi xmlns:a14="http://schemas.microsoft.com/office/drawing/2010/main" val="0"/>
+              </a:ext>
+            </a:extLst>
+          </a:blip>
+          <a:stretch>
+            <a:fillRect/>
+          </a:stretch>
+        </p:blipFill>
+        <p:spPr>
+          <a:xfrm>
+            <a:off x="4514849" y="1825625"/>
+            <a:ext cx="4004217" cy="4351338"/>
+          </a:xfrm>
+        </p:spPr>
+      </p:pic>
+    </p:spTree>
+    <p:extLst>
+      <p:ext uri="{BB962C8B-B14F-4D97-AF65-F5344CB8AC3E}">
+        <p14:creationId xmlns:p14="http://schemas.microsoft.com/office/powerpoint/2010/main" val="1860272424"/>
+      </p:ext>
+    </p:extLst>
+  </p:cSld>
+  <p:clrMapOvr>
+    <a:masterClrMapping/>
+  </p:clrMapOvr>
+</p:sld>
+</file>
+
+<file path=ppt/slides/slide34.xml><?xml version="1.0" encoding="utf-8"?>
+<p:sld xmlns:a="http://schemas.openxmlformats.org/drawingml/2006/main" xmlns:r="http://schemas.openxmlformats.org/officeDocument/2006/relationships" xmlns:p="http://schemas.openxmlformats.org/presentationml/2006/main" show="0">
+  <p:cSld>
+    <p:spTree>
+      <p:nvGrpSpPr>
+        <p:cNvPr id="1" name=""/>
+        <p:cNvGrpSpPr/>
+        <p:nvPr/>
+      </p:nvGrpSpPr>
+      <p:grpSpPr>
+        <a:xfrm>
+          <a:off x="0" y="0"/>
+          <a:ext cx="0" cy="0"/>
+          <a:chOff x="0" y="0"/>
+          <a:chExt cx="0" cy="0"/>
+        </a:xfrm>
+      </p:grpSpPr>
+      <p:sp>
+        <p:nvSpPr>
+          <p:cNvPr id="2" name="Title 1">
+            <a:extLst>
+              <a:ext uri="{FF2B5EF4-FFF2-40B4-BE49-F238E27FC236}">
+                <a16:creationId xmlns:a16="http://schemas.microsoft.com/office/drawing/2014/main" id="{55D35CD2-C1AE-6945-8B31-1E78F88BC53B}"/>
+              </a:ext>
+            </a:extLst>
+          </p:cNvPr>
+          <p:cNvSpPr>
+            <a:spLocks noGrp="1"/>
+          </p:cNvSpPr>
+          <p:nvPr>
+            <p:ph type="title"/>
+          </p:nvPr>
+        </p:nvSpPr>
+        <p:spPr/>
+        <p:txBody>
+          <a:bodyPr/>
+          <a:lstStyle/>
+          <a:p>
+            <a:r>
+              <a:rPr lang="ja-JP" altLang="en-US" dirty="0"/>
+              <a:t>畳み込み演算の並列化</a:t>
+            </a:r>
+            <a:endParaRPr lang="en-US" dirty="0"/>
+          </a:p>
+        </p:txBody>
+      </p:sp>
+      <p:sp>
+        <p:nvSpPr>
+          <p:cNvPr id="3" name="Content Placeholder 2">
+            <a:extLst>
+              <a:ext uri="{FF2B5EF4-FFF2-40B4-BE49-F238E27FC236}">
+                <a16:creationId xmlns:a16="http://schemas.microsoft.com/office/drawing/2014/main" id="{C1CDE55F-1F31-BD41-8A41-27952E4EED34}"/>
+              </a:ext>
+            </a:extLst>
+          </p:cNvPr>
+          <p:cNvSpPr>
+            <a:spLocks noGrp="1"/>
+          </p:cNvSpPr>
+          <p:nvPr>
+            <p:ph idx="1"/>
+          </p:nvPr>
+        </p:nvSpPr>
+        <p:spPr/>
+        <p:txBody>
+          <a:bodyPr/>
+          <a:lstStyle/>
+          <a:p>
+            <a:r>
+              <a:rPr lang="ja-JP" altLang="en-US" dirty="0"/>
+              <a:t>入力値分割</a:t>
+            </a:r>
+            <a:endParaRPr lang="en-US" altLang="ja-JP" dirty="0"/>
+          </a:p>
+        </p:txBody>
+      </p:sp>
+      <p:sp>
+        <p:nvSpPr>
+          <p:cNvPr id="4" name="Slide Number Placeholder 3">
+            <a:extLst>
+              <a:ext uri="{FF2B5EF4-FFF2-40B4-BE49-F238E27FC236}">
+                <a16:creationId xmlns:a16="http://schemas.microsoft.com/office/drawing/2014/main" id="{815AFDB5-B1D3-8740-9A11-7CD378940FE1}"/>
+              </a:ext>
+            </a:extLst>
+          </p:cNvPr>
+          <p:cNvSpPr>
+            <a:spLocks noGrp="1"/>
+          </p:cNvSpPr>
+          <p:nvPr>
+            <p:ph type="sldNum" sz="quarter" idx="12"/>
+          </p:nvPr>
+        </p:nvSpPr>
+        <p:spPr/>
+        <p:txBody>
+          <a:bodyPr/>
+          <a:lstStyle/>
+          <a:p>
+            <a:fld id="{AE60790C-7B88-2D40-A70D-E54200C05D47}" type="slidenum">
+              <a:rPr lang="en-US" smtClean="0"/>
+              <a:t>34</a:t>
+            </a:fld>
+            <a:endParaRPr lang="en-US"/>
+          </a:p>
+        </p:txBody>
+      </p:sp>
+      <p:pic>
+        <p:nvPicPr>
+          <p:cNvPr id="6" name="Picture 5">
+            <a:extLst>
+              <a:ext uri="{FF2B5EF4-FFF2-40B4-BE49-F238E27FC236}">
+                <a16:creationId xmlns:a16="http://schemas.microsoft.com/office/drawing/2014/main" id="{CD4729CC-B401-C943-8A8B-074323627ED9}"/>
+              </a:ext>
+            </a:extLst>
+          </p:cNvPr>
+          <p:cNvPicPr>
+            <a:picLocks noChangeAspect="1"/>
+          </p:cNvPicPr>
+          <p:nvPr/>
+        </p:nvPicPr>
+        <p:blipFill>
+          <a:blip r:embed="rId2">
+            <a:extLst>
+              <a:ext uri="{28A0092B-C50C-407E-A947-70E740481C1C}">
+                <a14:useLocalDpi xmlns:a14="http://schemas.microsoft.com/office/drawing/2010/main" val="0"/>
+              </a:ext>
+            </a:extLst>
+          </a:blip>
+          <a:stretch>
+            <a:fillRect/>
+          </a:stretch>
+        </p:blipFill>
+        <p:spPr>
+          <a:xfrm>
+            <a:off x="1609419" y="2069127"/>
+            <a:ext cx="5886660" cy="4173796"/>
+          </a:xfrm>
+          <a:prstGeom prst="rect">
+            <a:avLst/>
+          </a:prstGeom>
+        </p:spPr>
+      </p:pic>
+    </p:spTree>
+    <p:extLst>
+      <p:ext uri="{BB962C8B-B14F-4D97-AF65-F5344CB8AC3E}">
+        <p14:creationId xmlns:p14="http://schemas.microsoft.com/office/powerpoint/2010/main" val="3954525887"/>
+      </p:ext>
+    </p:extLst>
+  </p:cSld>
+  <p:clrMapOvr>
+    <a:masterClrMapping/>
+  </p:clrMapOvr>
+</p:sld>
+</file>
+
+<file path=ppt/slides/slide35.xml><?xml version="1.0" encoding="utf-8"?>
+<p:sld xmlns:a="http://schemas.openxmlformats.org/drawingml/2006/main" xmlns:r="http://schemas.openxmlformats.org/officeDocument/2006/relationships" xmlns:p="http://schemas.openxmlformats.org/presentationml/2006/main" show="0">
+  <p:cSld>
+    <p:spTree>
+      <p:nvGrpSpPr>
+        <p:cNvPr id="1" name=""/>
+        <p:cNvGrpSpPr/>
+        <p:nvPr/>
+      </p:nvGrpSpPr>
+      <p:grpSpPr>
+        <a:xfrm>
+          <a:off x="0" y="0"/>
+          <a:ext cx="0" cy="0"/>
+          <a:chOff x="0" y="0"/>
+          <a:chExt cx="0" cy="0"/>
+        </a:xfrm>
+      </p:grpSpPr>
+      <p:sp>
+        <p:nvSpPr>
+          <p:cNvPr id="2" name="Title 1">
+            <a:extLst>
+              <a:ext uri="{FF2B5EF4-FFF2-40B4-BE49-F238E27FC236}">
+                <a16:creationId xmlns:a16="http://schemas.microsoft.com/office/drawing/2014/main" id="{FFBEF715-800A-BF47-9570-C939FC642B67}"/>
+              </a:ext>
+            </a:extLst>
+          </p:cNvPr>
+          <p:cNvSpPr>
+            <a:spLocks noGrp="1"/>
+          </p:cNvSpPr>
+          <p:nvPr>
+            <p:ph type="title"/>
+          </p:nvPr>
+        </p:nvSpPr>
+        <p:spPr/>
+        <p:txBody>
+          <a:bodyPr/>
+          <a:lstStyle/>
+          <a:p>
+            <a:r>
+              <a:rPr lang="ja-JP" altLang="en-US" dirty="0"/>
+              <a:t>性能比較</a:t>
+            </a:r>
+            <a:endParaRPr lang="en-US" dirty="0"/>
+          </a:p>
+        </p:txBody>
+      </p:sp>
+      <p:sp>
+        <p:nvSpPr>
+          <p:cNvPr id="3" name="Content Placeholder 2">
+            <a:extLst>
+              <a:ext uri="{FF2B5EF4-FFF2-40B4-BE49-F238E27FC236}">
+                <a16:creationId xmlns:a16="http://schemas.microsoft.com/office/drawing/2014/main" id="{8A046515-0069-5F48-94B8-4DACBDD69C06}"/>
+              </a:ext>
+            </a:extLst>
+          </p:cNvPr>
+          <p:cNvSpPr>
+            <a:spLocks noGrp="1"/>
+          </p:cNvSpPr>
+          <p:nvPr>
+            <p:ph idx="1"/>
+          </p:nvPr>
+        </p:nvSpPr>
+        <p:spPr/>
+        <p:txBody>
+          <a:bodyPr/>
+          <a:lstStyle/>
+          <a:p>
+            <a:r>
+              <a:rPr lang="ja-JP" altLang="en-US" dirty="0"/>
+              <a:t>各スレッドと層全体の実行時間</a:t>
+            </a:r>
+            <a:r>
+              <a:rPr lang="en-US" altLang="ja-JP" dirty="0"/>
+              <a:t>[</a:t>
+            </a:r>
+            <a:r>
+              <a:rPr lang="en-US" altLang="ja-JP" dirty="0" err="1"/>
+              <a:t>ms</a:t>
+            </a:r>
+            <a:r>
+              <a:rPr lang="en-US" altLang="ja-JP" dirty="0"/>
+              <a:t>]</a:t>
+            </a:r>
+          </a:p>
+          <a:p>
+            <a:endParaRPr lang="en-US" dirty="0"/>
+          </a:p>
+        </p:txBody>
+      </p:sp>
+      <p:sp>
+        <p:nvSpPr>
+          <p:cNvPr id="4" name="Slide Number Placeholder 3">
+            <a:extLst>
+              <a:ext uri="{FF2B5EF4-FFF2-40B4-BE49-F238E27FC236}">
+                <a16:creationId xmlns:a16="http://schemas.microsoft.com/office/drawing/2014/main" id="{95818058-8B6C-B54E-A821-12F7E12CB3A6}"/>
+              </a:ext>
+            </a:extLst>
+          </p:cNvPr>
+          <p:cNvSpPr>
+            <a:spLocks noGrp="1"/>
+          </p:cNvSpPr>
+          <p:nvPr>
+            <p:ph type="sldNum" sz="quarter" idx="12"/>
+          </p:nvPr>
+        </p:nvSpPr>
+        <p:spPr/>
+        <p:txBody>
+          <a:bodyPr/>
+          <a:lstStyle/>
+          <a:p>
+            <a:fld id="{AE60790C-7B88-2D40-A70D-E54200C05D47}" type="slidenum">
+              <a:rPr lang="en-US" smtClean="0"/>
+              <a:t>35</a:t>
+            </a:fld>
+            <a:endParaRPr lang="en-US"/>
+          </a:p>
+        </p:txBody>
+      </p:sp>
       <p:graphicFrame>
         <p:nvGraphicFramePr>
           <p:cNvPr id="5" name="Table 4">
@@ -10242,7 +11636,7 @@
           <p:nvPr>
             <p:extLst>
               <p:ext uri="{D42A27DB-BD31-4B8C-83A1-F6EECF244321}">
-                <p14:modId xmlns:p14="http://schemas.microsoft.com/office/powerpoint/2010/main" val="318825820"/>
+                <p14:modId xmlns:p14="http://schemas.microsoft.com/office/powerpoint/2010/main" val="2709096034"/>
               </p:ext>
             </p:extLst>
           </p:nvPr>
@@ -10377,13 +11771,10 @@
                         <a:tabLst/>
                         <a:defRPr/>
                       </a:pPr>
-                      <a:r>
-                        <a:rPr lang="en-US" sz="1800" dirty="0">
-                          <a:latin typeface="Hiragino Kaku Gothic Pro W3" panose="020B0300000000000000" pitchFamily="34" charset="-128"/>
-                          <a:ea typeface="Hiragino Kaku Gothic Pro W3" panose="020B0300000000000000" pitchFamily="34" charset="-128"/>
-                        </a:rPr>
-                        <a:t>-O3</a:t>
-                      </a:r>
+                      <a:endParaRPr lang="en-US" sz="1800" dirty="0">
+                        <a:latin typeface="Hiragino Kaku Gothic Pro W3" panose="020B0300000000000000" pitchFamily="34" charset="-128"/>
+                        <a:ea typeface="Hiragino Kaku Gothic Pro W3" panose="020B0300000000000000" pitchFamily="34" charset="-128"/>
+                      </a:endParaRPr>
                     </a:p>
                   </a:txBody>
                   <a:tcPr/>
@@ -10444,16 +11835,12 @@
                         <a:defRPr/>
                       </a:pPr>
                       <a:r>
-                        <a:rPr lang="en-US" sz="1800" dirty="0" err="1">
+                        <a:rPr lang="en-US" sz="1800" dirty="0">
                           <a:latin typeface="Hiragino Kaku Gothic Pro W3" panose="020B0300000000000000" pitchFamily="34" charset="-128"/>
                           <a:ea typeface="Hiragino Kaku Gothic Pro W3" panose="020B0300000000000000" pitchFamily="34" charset="-128"/>
                         </a:rPr>
-                        <a:t>OpenMP</a:t>
+                        <a:t>Optimized</a:t>
                       </a:r>
-                      <a:endParaRPr lang="en-US" sz="1800" dirty="0">
-                        <a:latin typeface="Hiragino Kaku Gothic Pro W3" panose="020B0300000000000000" pitchFamily="34" charset="-128"/>
-                        <a:ea typeface="Hiragino Kaku Gothic Pro W3" panose="020B0300000000000000" pitchFamily="34" charset="-128"/>
-                      </a:endParaRPr>
                     </a:p>
                   </a:txBody>
                   <a:tcPr/>
@@ -10491,17 +11878,21 @@
                     <a:bodyPr/>
                     <a:lstStyle/>
                     <a:p>
-                      <a:pPr algn="ctr"/>
+                      <a:pPr algn="ctr" fontAlgn="b"/>
                       <a:r>
-                        <a:rPr lang="en-US" sz="2800" dirty="0">
+                        <a:rPr lang="en-US" sz="2800" b="0" i="0" u="none" strike="noStrike" dirty="0">
+                          <a:solidFill>
+                            <a:srgbClr val="000000"/>
+                          </a:solidFill>
+                          <a:effectLst/>
                           <a:latin typeface="Hiragino Kaku Gothic Pro W3" panose="020B0300000000000000" pitchFamily="34" charset="-128"/>
                           <a:ea typeface="Hiragino Kaku Gothic Pro W3" panose="020B0300000000000000" pitchFamily="34" charset="-128"/>
                         </a:rPr>
-                        <a:t>9.1</a:t>
+                        <a:t>3.1</a:t>
                       </a:r>
                     </a:p>
                   </a:txBody>
-                  <a:tcPr/>
+                  <a:tcPr marL="9525" marR="9525" marT="9525" marB="0" anchor="b"/>
                 </a:tc>
                 <a:tc>
                   <a:txBody>
@@ -10531,7 +11922,7 @@
                           <a:latin typeface="Hiragino Kaku Gothic Pro W3" panose="020B0300000000000000" pitchFamily="34" charset="-128"/>
                           <a:ea typeface="Hiragino Kaku Gothic Pro W3" panose="020B0300000000000000" pitchFamily="34" charset="-128"/>
                         </a:rPr>
-                        <a:t>127</a:t>
+                        <a:t>19</a:t>
                       </a:r>
                       <a:endParaRPr lang="en-US" sz="2800" dirty="0">
                         <a:latin typeface="Hiragino Kaku Gothic Pro W3" panose="020B0300000000000000" pitchFamily="34" charset="-128"/>
@@ -10574,13 +11965,34 @@
                     <a:bodyPr/>
                     <a:lstStyle/>
                     <a:p>
+                      <a:pPr algn="ctr" fontAlgn="b"/>
+                      <a:r>
+                        <a:rPr lang="en-US" sz="2800" b="0" i="0" u="none" strike="noStrike" dirty="0">
+                          <a:solidFill>
+                            <a:srgbClr val="000000"/>
+                          </a:solidFill>
+                          <a:effectLst/>
+                          <a:latin typeface="Hiragino Kaku Gothic Pro W3" panose="020B0300000000000000" pitchFamily="34" charset="-128"/>
+                          <a:ea typeface="Hiragino Kaku Gothic Pro W3" panose="020B0300000000000000" pitchFamily="34" charset="-128"/>
+                        </a:rPr>
+                        <a:t>15.5</a:t>
+                      </a:r>
+                    </a:p>
+                  </a:txBody>
+                  <a:tcPr marL="9525" marR="9525" marT="9525" marB="0" anchor="b"/>
+                </a:tc>
+                <a:tc>
+                  <a:txBody>
+                    <a:bodyPr/>
+                    <a:lstStyle/>
+                    <a:p>
                       <a:pPr algn="ctr"/>
                       <a:r>
                         <a:rPr lang="en-US" sz="2800" dirty="0">
                           <a:latin typeface="Hiragino Kaku Gothic Pro W3" panose="020B0300000000000000" pitchFamily="34" charset="-128"/>
                           <a:ea typeface="Hiragino Kaku Gothic Pro W3" panose="020B0300000000000000" pitchFamily="34" charset="-128"/>
                         </a:rPr>
-                        <a:t>20.2</a:t>
+                        <a:t>1022</a:t>
                       </a:r>
                     </a:p>
                   </a:txBody>
@@ -10597,24 +12009,7 @@
                           <a:latin typeface="Hiragino Kaku Gothic Pro W3" panose="020B0300000000000000" pitchFamily="34" charset="-128"/>
                           <a:ea typeface="Hiragino Kaku Gothic Pro W3" panose="020B0300000000000000" pitchFamily="34" charset="-128"/>
                         </a:rPr>
-                        <a:t>1035</a:t>
-                      </a:r>
-                    </a:p>
-                  </a:txBody>
-                  <a:tcPr/>
-                </a:tc>
-                <a:tc>
-                  <a:txBody>
-                    <a:bodyPr/>
-                    <a:lstStyle/>
-                    <a:p>
-                      <a:pPr algn="ctr"/>
-                      <a:r>
-                        <a:rPr lang="en-US" sz="2800" dirty="0">
-                          <a:latin typeface="Hiragino Kaku Gothic Pro W3" panose="020B0300000000000000" pitchFamily="34" charset="-128"/>
-                          <a:ea typeface="Hiragino Kaku Gothic Pro W3" panose="020B0300000000000000" pitchFamily="34" charset="-128"/>
-                        </a:rPr>
-                        <a:t>1049</a:t>
+                        <a:t>65</a:t>
                       </a:r>
                     </a:p>
                   </a:txBody>
@@ -10653,14 +12048,21 @@
                     <a:bodyPr/>
                     <a:lstStyle/>
                     <a:p>
-                      <a:pPr algn="ctr"/>
-                      <a:endParaRPr lang="en-US" sz="2800" dirty="0">
-                        <a:latin typeface="Hiragino Kaku Gothic Pro W3" panose="020B0300000000000000" pitchFamily="34" charset="-128"/>
-                        <a:ea typeface="Hiragino Kaku Gothic Pro W3" panose="020B0300000000000000" pitchFamily="34" charset="-128"/>
-                      </a:endParaRPr>
+                      <a:pPr algn="ctr" fontAlgn="b"/>
+                      <a:r>
+                        <a:rPr lang="en-US" sz="2800" b="0" i="0" u="none" strike="noStrike" dirty="0">
+                          <a:solidFill>
+                            <a:srgbClr val="000000"/>
+                          </a:solidFill>
+                          <a:effectLst/>
+                          <a:latin typeface="Hiragino Kaku Gothic Pro W3" panose="020B0300000000000000" pitchFamily="34" charset="-128"/>
+                          <a:ea typeface="Hiragino Kaku Gothic Pro W3" panose="020B0300000000000000" pitchFamily="34" charset="-128"/>
+                        </a:rPr>
+                        <a:t>6.77</a:t>
+                      </a:r>
                     </a:p>
                   </a:txBody>
-                  <a:tcPr/>
+                  <a:tcPr marL="9525" marR="9525" marT="9525" marB="0" anchor="b"/>
                 </a:tc>
                 <a:tc>
                   <a:txBody>
@@ -10673,7 +12075,7 @@
                           <a:latin typeface="Hiragino Kaku Gothic Pro W3" panose="020B0300000000000000" pitchFamily="34" charset="-128"/>
                           <a:ea typeface="Hiragino Kaku Gothic Pro W3" panose="020B0300000000000000" pitchFamily="34" charset="-128"/>
                         </a:rPr>
-                        <a:t>125</a:t>
+                        <a:t>132</a:t>
                       </a:r>
                     </a:p>
                   </a:txBody>
@@ -10690,7 +12092,7 @@
                           <a:latin typeface="Hiragino Kaku Gothic Pro W3" panose="020B0300000000000000" pitchFamily="34" charset="-128"/>
                           <a:ea typeface="Hiragino Kaku Gothic Pro W3" panose="020B0300000000000000" pitchFamily="34" charset="-128"/>
                         </a:rPr>
-                        <a:t>136</a:t>
+                        <a:t>19</a:t>
                       </a:r>
                     </a:p>
                   </a:txBody>
@@ -10729,14 +12131,21 @@
                     <a:bodyPr/>
                     <a:lstStyle/>
                     <a:p>
-                      <a:pPr algn="ctr"/>
-                      <a:endParaRPr lang="en-US" sz="2800" dirty="0">
-                        <a:latin typeface="Hiragino Kaku Gothic Pro W3" panose="020B0300000000000000" pitchFamily="34" charset="-128"/>
-                        <a:ea typeface="Hiragino Kaku Gothic Pro W3" panose="020B0300000000000000" pitchFamily="34" charset="-128"/>
-                      </a:endParaRPr>
+                      <a:pPr algn="ctr" fontAlgn="b"/>
+                      <a:r>
+                        <a:rPr lang="en-US" sz="2800" b="0" i="0" u="none" strike="noStrike" dirty="0">
+                          <a:solidFill>
+                            <a:srgbClr val="000000"/>
+                          </a:solidFill>
+                          <a:effectLst/>
+                          <a:latin typeface="Hiragino Kaku Gothic Pro W3" panose="020B0300000000000000" pitchFamily="34" charset="-128"/>
+                          <a:ea typeface="Hiragino Kaku Gothic Pro W3" panose="020B0300000000000000" pitchFamily="34" charset="-128"/>
+                        </a:rPr>
+                        <a:t>12.09</a:t>
+                      </a:r>
                     </a:p>
                   </a:txBody>
-                  <a:tcPr/>
+                  <a:tcPr marL="9525" marR="9525" marT="9525" marB="0" anchor="b"/>
                 </a:tc>
                 <a:tc>
                   <a:txBody>
@@ -10766,7 +12175,7 @@
                           <a:latin typeface="Hiragino Kaku Gothic Pro W3" panose="020B0300000000000000" pitchFamily="34" charset="-128"/>
                           <a:ea typeface="Hiragino Kaku Gothic Pro W3" panose="020B0300000000000000" pitchFamily="34" charset="-128"/>
                         </a:rPr>
-                        <a:t>76</a:t>
+                        <a:t>73</a:t>
                       </a:r>
                     </a:p>
                   </a:txBody>
@@ -10801,16 +12210,34 @@
                     <a:bodyPr/>
                     <a:lstStyle/>
                     <a:p>
+                      <a:pPr algn="ctr" fontAlgn="b"/>
+                      <a:r>
+                        <a:rPr lang="en-US" sz="2800" b="0" i="0" u="none" strike="noStrike" dirty="0">
+                          <a:solidFill>
+                            <a:srgbClr val="FF0000"/>
+                          </a:solidFill>
+                          <a:effectLst/>
+                          <a:latin typeface="Hiragino Kaku Gothic Pro W3" panose="020B0300000000000000" pitchFamily="34" charset="-128"/>
+                          <a:ea typeface="Hiragino Kaku Gothic Pro W3" panose="020B0300000000000000" pitchFamily="34" charset="-128"/>
+                        </a:rPr>
+                        <a:t>15.5</a:t>
+                      </a:r>
+                    </a:p>
+                  </a:txBody>
+                  <a:tcPr marL="9525" marR="9525" marT="9525" marB="0" anchor="b"/>
+                </a:tc>
+                <a:tc>
+                  <a:txBody>
+                    <a:bodyPr/>
+                    <a:lstStyle/>
+                    <a:p>
                       <a:pPr algn="ctr"/>
                       <a:r>
                         <a:rPr lang="en-US" sz="2800" dirty="0">
-                          <a:solidFill>
-                            <a:srgbClr val="FF0000"/>
-                          </a:solidFill>
                           <a:latin typeface="Hiragino Kaku Gothic Pro W3" panose="020B0300000000000000" pitchFamily="34" charset="-128"/>
                           <a:ea typeface="Hiragino Kaku Gothic Pro W3" panose="020B0300000000000000" pitchFamily="34" charset="-128"/>
                         </a:rPr>
-                        <a:t>20.2</a:t>
+                        <a:t>1309</a:t>
                       </a:r>
                     </a:p>
                   </a:txBody>
@@ -10827,24 +12254,7 @@
                           <a:latin typeface="Hiragino Kaku Gothic Pro W3" panose="020B0300000000000000" pitchFamily="34" charset="-128"/>
                           <a:ea typeface="Hiragino Kaku Gothic Pro W3" panose="020B0300000000000000" pitchFamily="34" charset="-128"/>
                         </a:rPr>
-                        <a:t>1326</a:t>
-                      </a:r>
-                    </a:p>
-                  </a:txBody>
-                  <a:tcPr/>
-                </a:tc>
-                <a:tc>
-                  <a:txBody>
-                    <a:bodyPr/>
-                    <a:lstStyle/>
-                    <a:p>
-                      <a:pPr algn="ctr"/>
-                      <a:r>
-                        <a:rPr lang="en-US" sz="2800" dirty="0">
-                          <a:latin typeface="Hiragino Kaku Gothic Pro W3" panose="020B0300000000000000" pitchFamily="34" charset="-128"/>
-                          <a:ea typeface="Hiragino Kaku Gothic Pro W3" panose="020B0300000000000000" pitchFamily="34" charset="-128"/>
-                        </a:rPr>
-                        <a:t>1285</a:t>
+                        <a:t>142</a:t>
                       </a:r>
                     </a:p>
                   </a:txBody>
@@ -10863,1395 +12273,7 @@
     </p:spTree>
     <p:extLst>
       <p:ext uri="{BB962C8B-B14F-4D97-AF65-F5344CB8AC3E}">
-        <p14:creationId xmlns:p14="http://schemas.microsoft.com/office/powerpoint/2010/main" val="2462749253"/>
-      </p:ext>
-    </p:extLst>
-  </p:cSld>
-  <p:clrMapOvr>
-    <a:masterClrMapping/>
-  </p:clrMapOvr>
-</p:sld>
-</file>
-
-<file path=ppt/slides/slide3.xml><?xml version="1.0" encoding="utf-8"?>
-<p:sld xmlns:a="http://schemas.openxmlformats.org/drawingml/2006/main" xmlns:r="http://schemas.openxmlformats.org/officeDocument/2006/relationships" xmlns:p="http://schemas.openxmlformats.org/presentationml/2006/main">
-  <p:cSld>
-    <p:spTree>
-      <p:nvGrpSpPr>
-        <p:cNvPr id="1" name=""/>
-        <p:cNvGrpSpPr/>
-        <p:nvPr/>
-      </p:nvGrpSpPr>
-      <p:grpSpPr>
-        <a:xfrm>
-          <a:off x="0" y="0"/>
-          <a:ext cx="0" cy="0"/>
-          <a:chOff x="0" y="0"/>
-          <a:chExt cx="0" cy="0"/>
-        </a:xfrm>
-      </p:grpSpPr>
-      <p:sp>
-        <p:nvSpPr>
-          <p:cNvPr id="2" name="Title 1">
-            <a:extLst>
-              <a:ext uri="{FF2B5EF4-FFF2-40B4-BE49-F238E27FC236}">
-                <a16:creationId xmlns:a16="http://schemas.microsoft.com/office/drawing/2014/main" id="{39CF3F23-2F48-2645-9777-637A1891861E}"/>
-              </a:ext>
-            </a:extLst>
-          </p:cNvPr>
-          <p:cNvSpPr>
-            <a:spLocks noGrp="1"/>
-          </p:cNvSpPr>
-          <p:nvPr>
-            <p:ph type="title"/>
-          </p:nvPr>
-        </p:nvSpPr>
-        <p:spPr/>
-        <p:txBody>
-          <a:bodyPr/>
-          <a:lstStyle/>
-          <a:p>
-            <a:r>
-              <a:rPr lang="ja-JP" altLang="en-US" dirty="0"/>
-              <a:t>アウトライン</a:t>
-            </a:r>
-            <a:endParaRPr lang="en-US" dirty="0"/>
-          </a:p>
-        </p:txBody>
-      </p:sp>
-      <p:sp>
-        <p:nvSpPr>
-          <p:cNvPr id="3" name="Content Placeholder 2">
-            <a:extLst>
-              <a:ext uri="{FF2B5EF4-FFF2-40B4-BE49-F238E27FC236}">
-                <a16:creationId xmlns:a16="http://schemas.microsoft.com/office/drawing/2014/main" id="{24779C7E-8343-C346-AF74-51042A369AD4}"/>
-              </a:ext>
-            </a:extLst>
-          </p:cNvPr>
-          <p:cNvSpPr>
-            <a:spLocks noGrp="1"/>
-          </p:cNvSpPr>
-          <p:nvPr>
-            <p:ph idx="1"/>
-          </p:nvPr>
-        </p:nvSpPr>
-        <p:spPr/>
-        <p:txBody>
-          <a:bodyPr>
-            <a:normAutofit/>
-          </a:bodyPr>
-          <a:lstStyle/>
-          <a:p>
-            <a:r>
-              <a:rPr lang="ja-JP" altLang="en-US" dirty="0">
-                <a:solidFill>
-                  <a:srgbClr val="FF0000"/>
-                </a:solidFill>
-              </a:rPr>
-              <a:t>背景</a:t>
-            </a:r>
-            <a:endParaRPr lang="en-US" altLang="ja-JP" dirty="0">
-              <a:solidFill>
-                <a:srgbClr val="FF0000"/>
-              </a:solidFill>
-            </a:endParaRPr>
-          </a:p>
-          <a:p>
-            <a:r>
-              <a:rPr lang="en-US" altLang="ja-JP" dirty="0"/>
-              <a:t>GoogLeNet</a:t>
-            </a:r>
-          </a:p>
-          <a:p>
-            <a:r>
-              <a:rPr lang="en-US" altLang="ja-JP" dirty="0" err="1"/>
-              <a:t>FiC</a:t>
-            </a:r>
-            <a:r>
-              <a:rPr lang="en-US" altLang="ja-JP" dirty="0"/>
-              <a:t>-SW</a:t>
-            </a:r>
-          </a:p>
-          <a:p>
-            <a:r>
-              <a:rPr lang="ja-JP" altLang="en-US" dirty="0"/>
-              <a:t>関連研究</a:t>
-            </a:r>
-            <a:endParaRPr lang="en-US" altLang="ja-JP" dirty="0"/>
-          </a:p>
-          <a:p>
-            <a:r>
-              <a:rPr lang="en-US" altLang="ja-JP" dirty="0"/>
-              <a:t>GoogLeNet</a:t>
-            </a:r>
-            <a:r>
-              <a:rPr lang="ja-JP" altLang="en-US" dirty="0"/>
-              <a:t>並列化検討</a:t>
-            </a:r>
-            <a:endParaRPr lang="en-US" altLang="ja-JP" dirty="0"/>
-          </a:p>
-          <a:p>
-            <a:r>
-              <a:rPr lang="ja-JP" altLang="en-US" dirty="0"/>
-              <a:t>実装</a:t>
-            </a:r>
-            <a:endParaRPr lang="en-US" altLang="ja-JP" dirty="0"/>
-          </a:p>
-          <a:p>
-            <a:r>
-              <a:rPr lang="ja-JP" altLang="en-US" dirty="0"/>
-              <a:t>評価</a:t>
-            </a:r>
-            <a:endParaRPr lang="en-US" altLang="ja-JP" dirty="0"/>
-          </a:p>
-          <a:p>
-            <a:r>
-              <a:rPr lang="ja-JP" altLang="en-US" dirty="0"/>
-              <a:t>結論</a:t>
-            </a:r>
-            <a:endParaRPr lang="en-US" dirty="0"/>
-          </a:p>
-        </p:txBody>
-      </p:sp>
-      <p:sp>
-        <p:nvSpPr>
-          <p:cNvPr id="4" name="Slide Number Placeholder 3">
-            <a:extLst>
-              <a:ext uri="{FF2B5EF4-FFF2-40B4-BE49-F238E27FC236}">
-                <a16:creationId xmlns:a16="http://schemas.microsoft.com/office/drawing/2014/main" id="{91F23C09-84CF-5D49-924E-1F5C9B17F198}"/>
-              </a:ext>
-            </a:extLst>
-          </p:cNvPr>
-          <p:cNvSpPr>
-            <a:spLocks noGrp="1"/>
-          </p:cNvSpPr>
-          <p:nvPr>
-            <p:ph type="sldNum" sz="quarter" idx="12"/>
-          </p:nvPr>
-        </p:nvSpPr>
-        <p:spPr/>
-        <p:txBody>
-          <a:bodyPr/>
-          <a:lstStyle/>
-          <a:p>
-            <a:fld id="{AE60790C-7B88-2D40-A70D-E54200C05D47}" type="slidenum">
-              <a:rPr lang="en-US" smtClean="0"/>
-              <a:t>3</a:t>
-            </a:fld>
-            <a:endParaRPr lang="en-US"/>
-          </a:p>
-        </p:txBody>
-      </p:sp>
-    </p:spTree>
-    <p:extLst>
-      <p:ext uri="{BB962C8B-B14F-4D97-AF65-F5344CB8AC3E}">
-        <p14:creationId xmlns:p14="http://schemas.microsoft.com/office/powerpoint/2010/main" val="2370045160"/>
-      </p:ext>
-    </p:extLst>
-  </p:cSld>
-  <p:clrMapOvr>
-    <a:masterClrMapping/>
-  </p:clrMapOvr>
-</p:sld>
-</file>
-
-<file path=ppt/slides/slide30.xml><?xml version="1.0" encoding="utf-8"?>
-<p:sld xmlns:a="http://schemas.openxmlformats.org/drawingml/2006/main" xmlns:r="http://schemas.openxmlformats.org/officeDocument/2006/relationships" xmlns:p="http://schemas.openxmlformats.org/presentationml/2006/main">
-  <p:cSld>
-    <p:spTree>
-      <p:nvGrpSpPr>
-        <p:cNvPr id="1" name=""/>
-        <p:cNvGrpSpPr/>
-        <p:nvPr/>
-      </p:nvGrpSpPr>
-      <p:grpSpPr>
-        <a:xfrm>
-          <a:off x="0" y="0"/>
-          <a:ext cx="0" cy="0"/>
-          <a:chOff x="0" y="0"/>
-          <a:chExt cx="0" cy="0"/>
-        </a:xfrm>
-      </p:grpSpPr>
-      <p:sp>
-        <p:nvSpPr>
-          <p:cNvPr id="2" name="Title 1">
-            <a:extLst>
-              <a:ext uri="{FF2B5EF4-FFF2-40B4-BE49-F238E27FC236}">
-                <a16:creationId xmlns:a16="http://schemas.microsoft.com/office/drawing/2014/main" id="{39CF3F23-2F48-2645-9777-637A1891861E}"/>
-              </a:ext>
-            </a:extLst>
-          </p:cNvPr>
-          <p:cNvSpPr>
-            <a:spLocks noGrp="1"/>
-          </p:cNvSpPr>
-          <p:nvPr>
-            <p:ph type="title"/>
-          </p:nvPr>
-        </p:nvSpPr>
-        <p:spPr/>
-        <p:txBody>
-          <a:bodyPr/>
-          <a:lstStyle/>
-          <a:p>
-            <a:r>
-              <a:rPr lang="ja-JP" altLang="en-US" dirty="0"/>
-              <a:t>アウトライン</a:t>
-            </a:r>
-            <a:endParaRPr lang="en-US" dirty="0"/>
-          </a:p>
-        </p:txBody>
-      </p:sp>
-      <p:sp>
-        <p:nvSpPr>
-          <p:cNvPr id="3" name="Content Placeholder 2">
-            <a:extLst>
-              <a:ext uri="{FF2B5EF4-FFF2-40B4-BE49-F238E27FC236}">
-                <a16:creationId xmlns:a16="http://schemas.microsoft.com/office/drawing/2014/main" id="{24779C7E-8343-C346-AF74-51042A369AD4}"/>
-              </a:ext>
-            </a:extLst>
-          </p:cNvPr>
-          <p:cNvSpPr>
-            <a:spLocks noGrp="1"/>
-          </p:cNvSpPr>
-          <p:nvPr>
-            <p:ph idx="1"/>
-          </p:nvPr>
-        </p:nvSpPr>
-        <p:spPr/>
-        <p:txBody>
-          <a:bodyPr>
-            <a:normAutofit/>
-          </a:bodyPr>
-          <a:lstStyle/>
-          <a:p>
-            <a:r>
-              <a:rPr lang="ja-JP" altLang="en-US" dirty="0"/>
-              <a:t>背景</a:t>
-            </a:r>
-            <a:endParaRPr lang="en-US" altLang="ja-JP" dirty="0"/>
-          </a:p>
-          <a:p>
-            <a:r>
-              <a:rPr lang="en-US" altLang="ja-JP" dirty="0"/>
-              <a:t>GoogLeNet</a:t>
-            </a:r>
-          </a:p>
-          <a:p>
-            <a:r>
-              <a:rPr lang="en-US" altLang="ja-JP" dirty="0" err="1"/>
-              <a:t>FiC</a:t>
-            </a:r>
-            <a:r>
-              <a:rPr lang="en-US" altLang="ja-JP" dirty="0"/>
-              <a:t>-SW</a:t>
-            </a:r>
-          </a:p>
-          <a:p>
-            <a:r>
-              <a:rPr lang="ja-JP" altLang="en-US" dirty="0"/>
-              <a:t>関連研究</a:t>
-            </a:r>
-            <a:endParaRPr lang="en-US" altLang="ja-JP" dirty="0"/>
-          </a:p>
-          <a:p>
-            <a:r>
-              <a:rPr lang="en-US" altLang="ja-JP" dirty="0"/>
-              <a:t>GoogLeNet</a:t>
-            </a:r>
-            <a:r>
-              <a:rPr lang="ja-JP" altLang="en-US" dirty="0"/>
-              <a:t>並列化検討</a:t>
-            </a:r>
-            <a:endParaRPr lang="en-US" altLang="ja-JP" dirty="0"/>
-          </a:p>
-          <a:p>
-            <a:r>
-              <a:rPr lang="ja-JP" altLang="en-US" dirty="0"/>
-              <a:t>実装</a:t>
-            </a:r>
-            <a:endParaRPr lang="en-US" altLang="ja-JP" dirty="0"/>
-          </a:p>
-          <a:p>
-            <a:r>
-              <a:rPr lang="ja-JP" altLang="en-US" dirty="0"/>
-              <a:t>評価</a:t>
-            </a:r>
-            <a:endParaRPr lang="en-US" altLang="ja-JP" dirty="0"/>
-          </a:p>
-          <a:p>
-            <a:r>
-              <a:rPr lang="ja-JP" altLang="en-US" dirty="0">
-                <a:solidFill>
-                  <a:srgbClr val="FF0000"/>
-                </a:solidFill>
-              </a:rPr>
-              <a:t>結論</a:t>
-            </a:r>
-            <a:endParaRPr lang="en-US" dirty="0">
-              <a:solidFill>
-                <a:srgbClr val="FF0000"/>
-              </a:solidFill>
-            </a:endParaRPr>
-          </a:p>
-        </p:txBody>
-      </p:sp>
-      <p:sp>
-        <p:nvSpPr>
-          <p:cNvPr id="4" name="Slide Number Placeholder 3">
-            <a:extLst>
-              <a:ext uri="{FF2B5EF4-FFF2-40B4-BE49-F238E27FC236}">
-                <a16:creationId xmlns:a16="http://schemas.microsoft.com/office/drawing/2014/main" id="{91F23C09-84CF-5D49-924E-1F5C9B17F198}"/>
-              </a:ext>
-            </a:extLst>
-          </p:cNvPr>
-          <p:cNvSpPr>
-            <a:spLocks noGrp="1"/>
-          </p:cNvSpPr>
-          <p:nvPr>
-            <p:ph type="sldNum" sz="quarter" idx="12"/>
-          </p:nvPr>
-        </p:nvSpPr>
-        <p:spPr/>
-        <p:txBody>
-          <a:bodyPr/>
-          <a:lstStyle/>
-          <a:p>
-            <a:fld id="{AE60790C-7B88-2D40-A70D-E54200C05D47}" type="slidenum">
-              <a:rPr lang="en-US" smtClean="0"/>
-              <a:t>30</a:t>
-            </a:fld>
-            <a:endParaRPr lang="en-US"/>
-          </a:p>
-        </p:txBody>
-      </p:sp>
-    </p:spTree>
-    <p:extLst>
-      <p:ext uri="{BB962C8B-B14F-4D97-AF65-F5344CB8AC3E}">
-        <p14:creationId xmlns:p14="http://schemas.microsoft.com/office/powerpoint/2010/main" val="3547191232"/>
-      </p:ext>
-    </p:extLst>
-  </p:cSld>
-  <p:clrMapOvr>
-    <a:masterClrMapping/>
-  </p:clrMapOvr>
-</p:sld>
-</file>
-
-<file path=ppt/slides/slide31.xml><?xml version="1.0" encoding="utf-8"?>
-<p:sld xmlns:a="http://schemas.openxmlformats.org/drawingml/2006/main" xmlns:r="http://schemas.openxmlformats.org/officeDocument/2006/relationships" xmlns:p="http://schemas.openxmlformats.org/presentationml/2006/main">
-  <p:cSld>
-    <p:spTree>
-      <p:nvGrpSpPr>
-        <p:cNvPr id="1" name=""/>
-        <p:cNvGrpSpPr/>
-        <p:nvPr/>
-      </p:nvGrpSpPr>
-      <p:grpSpPr>
-        <a:xfrm>
-          <a:off x="0" y="0"/>
-          <a:ext cx="0" cy="0"/>
-          <a:chOff x="0" y="0"/>
-          <a:chExt cx="0" cy="0"/>
-        </a:xfrm>
-      </p:grpSpPr>
-      <p:sp>
-        <p:nvSpPr>
-          <p:cNvPr id="2" name="Title 1">
-            <a:extLst>
-              <a:ext uri="{FF2B5EF4-FFF2-40B4-BE49-F238E27FC236}">
-                <a16:creationId xmlns:a16="http://schemas.microsoft.com/office/drawing/2014/main" id="{55D35CD2-C1AE-6945-8B31-1E78F88BC53B}"/>
-              </a:ext>
-            </a:extLst>
-          </p:cNvPr>
-          <p:cNvSpPr>
-            <a:spLocks noGrp="1"/>
-          </p:cNvSpPr>
-          <p:nvPr>
-            <p:ph type="title"/>
-          </p:nvPr>
-        </p:nvSpPr>
-        <p:spPr/>
-        <p:txBody>
-          <a:bodyPr/>
-          <a:lstStyle/>
-          <a:p>
-            <a:r>
-              <a:rPr lang="ja-JP" altLang="en-US" dirty="0"/>
-              <a:t>結論</a:t>
-            </a:r>
-            <a:endParaRPr lang="en-US" dirty="0"/>
-          </a:p>
-        </p:txBody>
-      </p:sp>
-      <p:sp>
-        <p:nvSpPr>
-          <p:cNvPr id="3" name="Content Placeholder 2">
-            <a:extLst>
-              <a:ext uri="{FF2B5EF4-FFF2-40B4-BE49-F238E27FC236}">
-                <a16:creationId xmlns:a16="http://schemas.microsoft.com/office/drawing/2014/main" id="{C1CDE55F-1F31-BD41-8A41-27952E4EED34}"/>
-              </a:ext>
-            </a:extLst>
-          </p:cNvPr>
-          <p:cNvSpPr>
-            <a:spLocks noGrp="1"/>
-          </p:cNvSpPr>
-          <p:nvPr>
-            <p:ph idx="1"/>
-          </p:nvPr>
-        </p:nvSpPr>
-        <p:spPr/>
-        <p:txBody>
-          <a:bodyPr/>
-          <a:lstStyle/>
-          <a:p>
-            <a:pPr>
-              <a:lnSpc>
-                <a:spcPct val="100000"/>
-              </a:lnSpc>
-            </a:pPr>
-            <a:r>
-              <a:rPr lang="ja-JP" altLang="en-US" dirty="0"/>
-              <a:t>マルチ</a:t>
-            </a:r>
-            <a:r>
-              <a:rPr lang="en-US" altLang="ja-JP" dirty="0"/>
-              <a:t>FPGA</a:t>
-            </a:r>
-            <a:r>
-              <a:rPr lang="ja-JP" altLang="en-US" dirty="0"/>
-              <a:t>上に</a:t>
-            </a:r>
-            <a:r>
-              <a:rPr lang="en-US" altLang="ja-JP" dirty="0"/>
-              <a:t>GoogLeNet</a:t>
-            </a:r>
-            <a:r>
-              <a:rPr lang="ja-JP" altLang="en-US" dirty="0"/>
-              <a:t>実装</a:t>
-            </a:r>
-            <a:endParaRPr lang="en-US" altLang="ja-JP" dirty="0"/>
-          </a:p>
-          <a:p>
-            <a:pPr>
-              <a:lnSpc>
-                <a:spcPct val="100000"/>
-              </a:lnSpc>
-            </a:pPr>
-            <a:r>
-              <a:rPr lang="en-US" altLang="ja-JP" dirty="0"/>
-              <a:t>Inception</a:t>
-            </a:r>
-            <a:r>
-              <a:rPr lang="ja-JP" altLang="en-US" dirty="0"/>
-              <a:t>層の並列処理の検討と実装</a:t>
-            </a:r>
-            <a:endParaRPr lang="en-US" altLang="ja-JP" dirty="0"/>
-          </a:p>
-          <a:p>
-            <a:pPr>
-              <a:lnSpc>
-                <a:spcPct val="100000"/>
-              </a:lnSpc>
-            </a:pPr>
-            <a:r>
-              <a:rPr lang="en-US" altLang="ja-JP" dirty="0"/>
-              <a:t>CPU</a:t>
-            </a:r>
-            <a:r>
-              <a:rPr lang="ja-JP" altLang="en-US" dirty="0"/>
-              <a:t>に対して約</a:t>
-            </a:r>
-            <a:r>
-              <a:rPr lang="en-US" altLang="ja-JP" dirty="0"/>
-              <a:t>60</a:t>
-            </a:r>
-            <a:r>
-              <a:rPr lang="ja-JP" altLang="en-US" dirty="0"/>
-              <a:t>倍の高速化</a:t>
-            </a:r>
-            <a:endParaRPr lang="en-US" altLang="ja-JP" dirty="0"/>
-          </a:p>
-          <a:p>
-            <a:pPr>
-              <a:lnSpc>
-                <a:spcPct val="100000"/>
-              </a:lnSpc>
-            </a:pPr>
-            <a:endParaRPr lang="en-US" altLang="ja-JP" dirty="0"/>
-          </a:p>
-          <a:p>
-            <a:pPr>
-              <a:lnSpc>
-                <a:spcPct val="100000"/>
-              </a:lnSpc>
-            </a:pPr>
-            <a:r>
-              <a:rPr lang="ja-JP" altLang="en-US" dirty="0"/>
-              <a:t>展望</a:t>
-            </a:r>
-            <a:endParaRPr lang="en-US" altLang="ja-JP" dirty="0"/>
-          </a:p>
-          <a:p>
-            <a:pPr lvl="1"/>
-            <a:r>
-              <a:rPr lang="ja-JP" altLang="en-US" dirty="0"/>
-              <a:t>ロードバランスを考えたスレッド分割</a:t>
-            </a:r>
-            <a:endParaRPr lang="en-US" altLang="ja-JP" dirty="0"/>
-          </a:p>
-          <a:p>
-            <a:pPr lvl="1"/>
-            <a:r>
-              <a:rPr lang="ja-JP" altLang="en-US" dirty="0"/>
-              <a:t>入出力データサイズの最適化</a:t>
-            </a:r>
-            <a:endParaRPr lang="en-US" altLang="ja-JP" dirty="0"/>
-          </a:p>
-          <a:p>
-            <a:endParaRPr lang="en-US" dirty="0"/>
-          </a:p>
-          <a:p>
-            <a:endParaRPr lang="en-US" dirty="0"/>
-          </a:p>
-        </p:txBody>
-      </p:sp>
-      <p:sp>
-        <p:nvSpPr>
-          <p:cNvPr id="4" name="Slide Number Placeholder 3">
-            <a:extLst>
-              <a:ext uri="{FF2B5EF4-FFF2-40B4-BE49-F238E27FC236}">
-                <a16:creationId xmlns:a16="http://schemas.microsoft.com/office/drawing/2014/main" id="{26EBE647-F8AD-1A44-B817-A3D8B5B4AAB6}"/>
-              </a:ext>
-            </a:extLst>
-          </p:cNvPr>
-          <p:cNvSpPr>
-            <a:spLocks noGrp="1"/>
-          </p:cNvSpPr>
-          <p:nvPr>
-            <p:ph type="sldNum" sz="quarter" idx="12"/>
-          </p:nvPr>
-        </p:nvSpPr>
-        <p:spPr/>
-        <p:txBody>
-          <a:bodyPr/>
-          <a:lstStyle/>
-          <a:p>
-            <a:fld id="{AE60790C-7B88-2D40-A70D-E54200C05D47}" type="slidenum">
-              <a:rPr lang="en-US" smtClean="0"/>
-              <a:t>31</a:t>
-            </a:fld>
-            <a:endParaRPr lang="en-US"/>
-          </a:p>
-        </p:txBody>
-      </p:sp>
-    </p:spTree>
-    <p:extLst>
-      <p:ext uri="{BB962C8B-B14F-4D97-AF65-F5344CB8AC3E}">
-        <p14:creationId xmlns:p14="http://schemas.microsoft.com/office/powerpoint/2010/main" val="643069549"/>
-      </p:ext>
-    </p:extLst>
-  </p:cSld>
-  <p:clrMapOvr>
-    <a:masterClrMapping/>
-  </p:clrMapOvr>
-</p:sld>
-</file>
-
-<file path=ppt/slides/slide32.xml><?xml version="1.0" encoding="utf-8"?>
-<p:sld xmlns:a="http://schemas.openxmlformats.org/drawingml/2006/main" xmlns:r="http://schemas.openxmlformats.org/officeDocument/2006/relationships" xmlns:p="http://schemas.openxmlformats.org/presentationml/2006/main" show="0">
-  <p:cSld>
-    <p:spTree>
-      <p:nvGrpSpPr>
-        <p:cNvPr id="1" name=""/>
-        <p:cNvGrpSpPr/>
-        <p:nvPr/>
-      </p:nvGrpSpPr>
-      <p:grpSpPr>
-        <a:xfrm>
-          <a:off x="0" y="0"/>
-          <a:ext cx="0" cy="0"/>
-          <a:chOff x="0" y="0"/>
-          <a:chExt cx="0" cy="0"/>
-        </a:xfrm>
-      </p:grpSpPr>
-      <p:sp>
-        <p:nvSpPr>
-          <p:cNvPr id="2" name="Title 1">
-            <a:extLst>
-              <a:ext uri="{FF2B5EF4-FFF2-40B4-BE49-F238E27FC236}">
-                <a16:creationId xmlns:a16="http://schemas.microsoft.com/office/drawing/2014/main" id="{55D35CD2-C1AE-6945-8B31-1E78F88BC53B}"/>
-              </a:ext>
-            </a:extLst>
-          </p:cNvPr>
-          <p:cNvSpPr>
-            <a:spLocks noGrp="1"/>
-          </p:cNvSpPr>
-          <p:nvPr>
-            <p:ph type="title"/>
-          </p:nvPr>
-        </p:nvSpPr>
-        <p:spPr/>
-        <p:txBody>
-          <a:bodyPr/>
-          <a:lstStyle/>
-          <a:p>
-            <a:r>
-              <a:rPr lang="ja-JP" altLang="en-US" dirty="0"/>
-              <a:t>前背景</a:t>
-            </a:r>
-            <a:endParaRPr lang="en-US" dirty="0"/>
-          </a:p>
-        </p:txBody>
-      </p:sp>
-      <p:sp>
-        <p:nvSpPr>
-          <p:cNvPr id="3" name="Content Placeholder 2">
-            <a:extLst>
-              <a:ext uri="{FF2B5EF4-FFF2-40B4-BE49-F238E27FC236}">
-                <a16:creationId xmlns:a16="http://schemas.microsoft.com/office/drawing/2014/main" id="{C1CDE55F-1F31-BD41-8A41-27952E4EED34}"/>
-              </a:ext>
-            </a:extLst>
-          </p:cNvPr>
-          <p:cNvSpPr>
-            <a:spLocks noGrp="1"/>
-          </p:cNvSpPr>
-          <p:nvPr>
-            <p:ph idx="1"/>
-          </p:nvPr>
-        </p:nvSpPr>
-        <p:spPr>
-          <a:xfrm>
-            <a:off x="628650" y="1578738"/>
-            <a:ext cx="7886700" cy="4572000"/>
-          </a:xfrm>
-        </p:spPr>
-        <p:txBody>
-          <a:bodyPr>
-            <a:normAutofit lnSpcReduction="10000"/>
-          </a:bodyPr>
-          <a:lstStyle/>
-          <a:p>
-            <a:r>
-              <a:rPr lang="ja-JP" altLang="en-US" dirty="0"/>
-              <a:t>深層学習の需要と発展</a:t>
-            </a:r>
-            <a:endParaRPr lang="en-US" altLang="ja-JP" dirty="0"/>
-          </a:p>
-          <a:p>
-            <a:pPr lvl="1"/>
-            <a:r>
-              <a:rPr lang="ja-JP" altLang="en-US" dirty="0"/>
-              <a:t>自動運転、自動翻訳、スマートスピーカー</a:t>
-            </a:r>
-            <a:endParaRPr lang="en-US" altLang="ja-JP" dirty="0"/>
-          </a:p>
-          <a:p>
-            <a:pPr lvl="1"/>
-            <a:r>
-              <a:rPr lang="ja-JP" altLang="en-US" dirty="0"/>
-              <a:t>認識精度向上の研究、開発</a:t>
-            </a:r>
-            <a:endParaRPr lang="en-US" altLang="ja-JP" dirty="0"/>
-          </a:p>
-          <a:p>
-            <a:pPr marL="457200" lvl="1" indent="0">
-              <a:buNone/>
-            </a:pPr>
-            <a:r>
-              <a:rPr lang="ja-JP" altLang="en-US" dirty="0"/>
-              <a:t>→計算量の増大に伴う計算基盤の需要</a:t>
-            </a:r>
-            <a:endParaRPr lang="en-US" altLang="ja-JP" dirty="0"/>
-          </a:p>
-          <a:p>
-            <a:r>
-              <a:rPr lang="ja-JP" altLang="en-US" dirty="0"/>
-              <a:t>深層学習専用アクセラレータ</a:t>
-            </a:r>
-            <a:endParaRPr lang="en-US" altLang="ja-JP" dirty="0"/>
-          </a:p>
-          <a:p>
-            <a:pPr lvl="1"/>
-            <a:r>
-              <a:rPr lang="ja-JP" altLang="en-US" dirty="0"/>
-              <a:t>汎用</a:t>
-            </a:r>
-            <a:r>
-              <a:rPr lang="en-US" altLang="ja-JP" dirty="0"/>
-              <a:t>CPU</a:t>
-            </a:r>
-            <a:r>
-              <a:rPr lang="ja-JP" altLang="en-US" dirty="0"/>
-              <a:t>では効率的な処理が難しい</a:t>
-            </a:r>
-            <a:endParaRPr lang="en-US" altLang="ja-JP" dirty="0"/>
-          </a:p>
-          <a:p>
-            <a:pPr lvl="1"/>
-            <a:r>
-              <a:rPr lang="en-US" altLang="ja-JP" dirty="0"/>
-              <a:t>GPU</a:t>
-            </a:r>
-            <a:r>
-              <a:rPr lang="ja-JP" altLang="en-US" dirty="0"/>
-              <a:t>や</a:t>
-            </a:r>
-            <a:r>
-              <a:rPr lang="en-US" altLang="ja-JP" dirty="0"/>
-              <a:t>FPGA</a:t>
-            </a:r>
-            <a:r>
-              <a:rPr lang="ja-JP" altLang="en-US" dirty="0"/>
-              <a:t>が注目</a:t>
-            </a:r>
-            <a:endParaRPr lang="en-US" altLang="ja-JP" dirty="0"/>
-          </a:p>
-          <a:p>
-            <a:pPr marL="457200" lvl="1" indent="0">
-              <a:buNone/>
-            </a:pPr>
-            <a:r>
-              <a:rPr lang="ja-JP" altLang="en-US" dirty="0"/>
-              <a:t>→</a:t>
-            </a:r>
-            <a:r>
-              <a:rPr lang="en-US" altLang="ja-JP" dirty="0"/>
-              <a:t>NEDO</a:t>
-            </a:r>
-            <a:r>
-              <a:rPr lang="ja-JP" altLang="en-US" dirty="0"/>
-              <a:t>が主導するクラウド人工知能計算基盤</a:t>
-            </a:r>
-            <a:r>
-              <a:rPr lang="en-US" altLang="ja-JP" dirty="0"/>
-              <a:t>”Flow in Cloud(</a:t>
-            </a:r>
-            <a:r>
-              <a:rPr lang="en-US" altLang="ja-JP" dirty="0" err="1"/>
-              <a:t>FiC</a:t>
-            </a:r>
-            <a:r>
-              <a:rPr lang="en-US" altLang="ja-JP" dirty="0"/>
-              <a:t>)”</a:t>
-            </a:r>
-          </a:p>
-          <a:p>
-            <a:r>
-              <a:rPr lang="en-US" dirty="0"/>
-              <a:t>GoogLeNet</a:t>
-            </a:r>
-          </a:p>
-        </p:txBody>
-      </p:sp>
-      <p:sp>
-        <p:nvSpPr>
-          <p:cNvPr id="6" name="Slide Number Placeholder 5">
-            <a:extLst>
-              <a:ext uri="{FF2B5EF4-FFF2-40B4-BE49-F238E27FC236}">
-                <a16:creationId xmlns:a16="http://schemas.microsoft.com/office/drawing/2014/main" id="{DFE97E8E-2E50-174A-9F75-60D73E625454}"/>
-              </a:ext>
-            </a:extLst>
-          </p:cNvPr>
-          <p:cNvSpPr>
-            <a:spLocks noGrp="1"/>
-          </p:cNvSpPr>
-          <p:nvPr>
-            <p:ph type="sldNum" sz="quarter" idx="12"/>
-          </p:nvPr>
-        </p:nvSpPr>
-        <p:spPr/>
-        <p:txBody>
-          <a:bodyPr/>
-          <a:lstStyle/>
-          <a:p>
-            <a:fld id="{AE60790C-7B88-2D40-A70D-E54200C05D47}" type="slidenum">
-              <a:rPr lang="en-US" smtClean="0"/>
-              <a:t>32</a:t>
-            </a:fld>
-            <a:endParaRPr lang="en-US"/>
-          </a:p>
-        </p:txBody>
-      </p:sp>
-    </p:spTree>
-    <p:extLst>
-      <p:ext uri="{BB962C8B-B14F-4D97-AF65-F5344CB8AC3E}">
-        <p14:creationId xmlns:p14="http://schemas.microsoft.com/office/powerpoint/2010/main" val="2144583353"/>
-      </p:ext>
-    </p:extLst>
-  </p:cSld>
-  <p:clrMapOvr>
-    <a:masterClrMapping/>
-  </p:clrMapOvr>
-</p:sld>
-</file>
-
-<file path=ppt/slides/slide33.xml><?xml version="1.0" encoding="utf-8"?>
-<p:sld xmlns:a="http://schemas.openxmlformats.org/drawingml/2006/main" xmlns:r="http://schemas.openxmlformats.org/officeDocument/2006/relationships" xmlns:p="http://schemas.openxmlformats.org/presentationml/2006/main" show="0">
-  <p:cSld>
-    <p:spTree>
-      <p:nvGrpSpPr>
-        <p:cNvPr id="1" name=""/>
-        <p:cNvGrpSpPr/>
-        <p:nvPr/>
-      </p:nvGrpSpPr>
-      <p:grpSpPr>
-        <a:xfrm>
-          <a:off x="0" y="0"/>
-          <a:ext cx="0" cy="0"/>
-          <a:chOff x="0" y="0"/>
-          <a:chExt cx="0" cy="0"/>
-        </a:xfrm>
-      </p:grpSpPr>
-      <p:sp>
-        <p:nvSpPr>
-          <p:cNvPr id="2" name="Title 1">
-            <a:extLst>
-              <a:ext uri="{FF2B5EF4-FFF2-40B4-BE49-F238E27FC236}">
-                <a16:creationId xmlns:a16="http://schemas.microsoft.com/office/drawing/2014/main" id="{55D35CD2-C1AE-6945-8B31-1E78F88BC53B}"/>
-              </a:ext>
-            </a:extLst>
-          </p:cNvPr>
-          <p:cNvSpPr>
-            <a:spLocks noGrp="1"/>
-          </p:cNvSpPr>
-          <p:nvPr>
-            <p:ph type="title"/>
-          </p:nvPr>
-        </p:nvSpPr>
-        <p:spPr/>
-        <p:txBody>
-          <a:bodyPr/>
-          <a:lstStyle/>
-          <a:p>
-            <a:r>
-              <a:rPr lang="ja-JP" altLang="en-US" dirty="0"/>
-              <a:t>スイッチの通信</a:t>
-            </a:r>
-            <a:endParaRPr lang="en-US" dirty="0"/>
-          </a:p>
-        </p:txBody>
-      </p:sp>
-      <p:sp>
-        <p:nvSpPr>
-          <p:cNvPr id="4" name="Content Placeholder 3">
-            <a:extLst>
-              <a:ext uri="{FF2B5EF4-FFF2-40B4-BE49-F238E27FC236}">
-                <a16:creationId xmlns:a16="http://schemas.microsoft.com/office/drawing/2014/main" id="{51CA4007-B133-0840-9DFB-9935F5D7FEDD}"/>
-              </a:ext>
-            </a:extLst>
-          </p:cNvPr>
-          <p:cNvSpPr>
-            <a:spLocks noGrp="1"/>
-          </p:cNvSpPr>
-          <p:nvPr>
-            <p:ph sz="half" idx="1"/>
-          </p:nvPr>
-        </p:nvSpPr>
-        <p:spPr/>
-        <p:txBody>
-          <a:bodyPr/>
-          <a:lstStyle/>
-          <a:p>
-            <a:r>
-              <a:rPr lang="ja-JP" altLang="en-US" dirty="0"/>
-              <a:t>サーキットスイッチ</a:t>
-            </a:r>
-            <a:endParaRPr lang="en-US" altLang="ja-JP" dirty="0"/>
-          </a:p>
-          <a:p>
-            <a:r>
-              <a:rPr lang="en-US" altLang="ja-JP" dirty="0"/>
-              <a:t>STDM</a:t>
-            </a:r>
-          </a:p>
-          <a:p>
-            <a:r>
-              <a:rPr lang="ja-JP" altLang="en-US" dirty="0"/>
-              <a:t>将来の光通信のための設計</a:t>
-            </a:r>
-            <a:endParaRPr lang="en-US" altLang="ja-JP" dirty="0"/>
-          </a:p>
-          <a:p>
-            <a:endParaRPr lang="en-US" dirty="0"/>
-          </a:p>
-        </p:txBody>
-      </p:sp>
-      <p:pic>
-        <p:nvPicPr>
-          <p:cNvPr id="7" name="Content Placeholder 6">
-            <a:extLst>
-              <a:ext uri="{FF2B5EF4-FFF2-40B4-BE49-F238E27FC236}">
-                <a16:creationId xmlns:a16="http://schemas.microsoft.com/office/drawing/2014/main" id="{31FC9275-4651-8E46-921E-85E6FE73B623}"/>
-              </a:ext>
-            </a:extLst>
-          </p:cNvPr>
-          <p:cNvPicPr>
-            <a:picLocks noGrp="1" noChangeAspect="1"/>
-          </p:cNvPicPr>
-          <p:nvPr>
-            <p:ph sz="half" idx="2"/>
-          </p:nvPr>
-        </p:nvPicPr>
-        <p:blipFill>
-          <a:blip r:embed="rId3">
-            <a:extLst>
-              <a:ext uri="{28A0092B-C50C-407E-A947-70E740481C1C}">
-                <a14:useLocalDpi xmlns:a14="http://schemas.microsoft.com/office/drawing/2010/main" val="0"/>
-              </a:ext>
-            </a:extLst>
-          </a:blip>
-          <a:stretch>
-            <a:fillRect/>
-          </a:stretch>
-        </p:blipFill>
-        <p:spPr>
-          <a:xfrm>
-            <a:off x="4514849" y="1825625"/>
-            <a:ext cx="4004217" cy="4351338"/>
-          </a:xfrm>
-        </p:spPr>
-      </p:pic>
-    </p:spTree>
-    <p:extLst>
-      <p:ext uri="{BB962C8B-B14F-4D97-AF65-F5344CB8AC3E}">
-        <p14:creationId xmlns:p14="http://schemas.microsoft.com/office/powerpoint/2010/main" val="1860272424"/>
-      </p:ext>
-    </p:extLst>
-  </p:cSld>
-  <p:clrMapOvr>
-    <a:masterClrMapping/>
-  </p:clrMapOvr>
-</p:sld>
-</file>
-
-<file path=ppt/slides/slide34.xml><?xml version="1.0" encoding="utf-8"?>
-<p:sld xmlns:a="http://schemas.openxmlformats.org/drawingml/2006/main" xmlns:r="http://schemas.openxmlformats.org/officeDocument/2006/relationships" xmlns:p="http://schemas.openxmlformats.org/presentationml/2006/main">
-  <p:cSld>
-    <p:spTree>
-      <p:nvGrpSpPr>
-        <p:cNvPr id="1" name=""/>
-        <p:cNvGrpSpPr/>
-        <p:nvPr/>
-      </p:nvGrpSpPr>
-      <p:grpSpPr>
-        <a:xfrm>
-          <a:off x="0" y="0"/>
-          <a:ext cx="0" cy="0"/>
-          <a:chOff x="0" y="0"/>
-          <a:chExt cx="0" cy="0"/>
-        </a:xfrm>
-      </p:grpSpPr>
-      <p:sp>
-        <p:nvSpPr>
-          <p:cNvPr id="2" name="Title 1">
-            <a:extLst>
-              <a:ext uri="{FF2B5EF4-FFF2-40B4-BE49-F238E27FC236}">
-                <a16:creationId xmlns:a16="http://schemas.microsoft.com/office/drawing/2014/main" id="{55D35CD2-C1AE-6945-8B31-1E78F88BC53B}"/>
-              </a:ext>
-            </a:extLst>
-          </p:cNvPr>
-          <p:cNvSpPr>
-            <a:spLocks noGrp="1"/>
-          </p:cNvSpPr>
-          <p:nvPr>
-            <p:ph type="title"/>
-          </p:nvPr>
-        </p:nvSpPr>
-        <p:spPr/>
-        <p:txBody>
-          <a:bodyPr/>
-          <a:lstStyle/>
-          <a:p>
-            <a:r>
-              <a:rPr lang="ja-JP" altLang="en-US" dirty="0"/>
-              <a:t>畳み込み演算の並列化</a:t>
-            </a:r>
-            <a:endParaRPr lang="en-US" dirty="0"/>
-          </a:p>
-        </p:txBody>
-      </p:sp>
-      <p:sp>
-        <p:nvSpPr>
-          <p:cNvPr id="3" name="Content Placeholder 2">
-            <a:extLst>
-              <a:ext uri="{FF2B5EF4-FFF2-40B4-BE49-F238E27FC236}">
-                <a16:creationId xmlns:a16="http://schemas.microsoft.com/office/drawing/2014/main" id="{C1CDE55F-1F31-BD41-8A41-27952E4EED34}"/>
-              </a:ext>
-            </a:extLst>
-          </p:cNvPr>
-          <p:cNvSpPr>
-            <a:spLocks noGrp="1"/>
-          </p:cNvSpPr>
-          <p:nvPr>
-            <p:ph idx="1"/>
-          </p:nvPr>
-        </p:nvSpPr>
-        <p:spPr/>
-        <p:txBody>
-          <a:bodyPr/>
-          <a:lstStyle/>
-          <a:p>
-            <a:r>
-              <a:rPr lang="ja-JP" altLang="en-US" dirty="0"/>
-              <a:t>入力値分割</a:t>
-            </a:r>
-            <a:endParaRPr lang="en-US" altLang="ja-JP" dirty="0"/>
-          </a:p>
-        </p:txBody>
-      </p:sp>
-      <p:sp>
-        <p:nvSpPr>
-          <p:cNvPr id="4" name="Slide Number Placeholder 3">
-            <a:extLst>
-              <a:ext uri="{FF2B5EF4-FFF2-40B4-BE49-F238E27FC236}">
-                <a16:creationId xmlns:a16="http://schemas.microsoft.com/office/drawing/2014/main" id="{815AFDB5-B1D3-8740-9A11-7CD378940FE1}"/>
-              </a:ext>
-            </a:extLst>
-          </p:cNvPr>
-          <p:cNvSpPr>
-            <a:spLocks noGrp="1"/>
-          </p:cNvSpPr>
-          <p:nvPr>
-            <p:ph type="sldNum" sz="quarter" idx="12"/>
-          </p:nvPr>
-        </p:nvSpPr>
-        <p:spPr/>
-        <p:txBody>
-          <a:bodyPr/>
-          <a:lstStyle/>
-          <a:p>
-            <a:fld id="{AE60790C-7B88-2D40-A70D-E54200C05D47}" type="slidenum">
-              <a:rPr lang="en-US" smtClean="0"/>
-              <a:t>34</a:t>
-            </a:fld>
-            <a:endParaRPr lang="en-US"/>
-          </a:p>
-        </p:txBody>
-      </p:sp>
-      <p:pic>
-        <p:nvPicPr>
-          <p:cNvPr id="6" name="Picture 5">
-            <a:extLst>
-              <a:ext uri="{FF2B5EF4-FFF2-40B4-BE49-F238E27FC236}">
-                <a16:creationId xmlns:a16="http://schemas.microsoft.com/office/drawing/2014/main" id="{CD4729CC-B401-C943-8A8B-074323627ED9}"/>
-              </a:ext>
-            </a:extLst>
-          </p:cNvPr>
-          <p:cNvPicPr>
-            <a:picLocks noChangeAspect="1"/>
-          </p:cNvPicPr>
-          <p:nvPr/>
-        </p:nvPicPr>
-        <p:blipFill>
-          <a:blip r:embed="rId2">
-            <a:extLst>
-              <a:ext uri="{28A0092B-C50C-407E-A947-70E740481C1C}">
-                <a14:useLocalDpi xmlns:a14="http://schemas.microsoft.com/office/drawing/2010/main" val="0"/>
-              </a:ext>
-            </a:extLst>
-          </a:blip>
-          <a:stretch>
-            <a:fillRect/>
-          </a:stretch>
-        </p:blipFill>
-        <p:spPr>
-          <a:xfrm>
-            <a:off x="1609419" y="2069127"/>
-            <a:ext cx="5886660" cy="4173796"/>
-          </a:xfrm>
-          <a:prstGeom prst="rect">
-            <a:avLst/>
-          </a:prstGeom>
-        </p:spPr>
-      </p:pic>
-    </p:spTree>
-    <p:extLst>
-      <p:ext uri="{BB962C8B-B14F-4D97-AF65-F5344CB8AC3E}">
-        <p14:creationId xmlns:p14="http://schemas.microsoft.com/office/powerpoint/2010/main" val="3954525887"/>
-      </p:ext>
-    </p:extLst>
-  </p:cSld>
-  <p:clrMapOvr>
-    <a:masterClrMapping/>
-  </p:clrMapOvr>
-</p:sld>
-</file>
-
-<file path=ppt/slides/slide35.xml><?xml version="1.0" encoding="utf-8"?>
-<p:sld xmlns:a="http://schemas.openxmlformats.org/drawingml/2006/main" xmlns:r="http://schemas.openxmlformats.org/officeDocument/2006/relationships" xmlns:p="http://schemas.openxmlformats.org/presentationml/2006/main">
-  <p:cSld>
-    <p:spTree>
-      <p:nvGrpSpPr>
-        <p:cNvPr id="1" name=""/>
-        <p:cNvGrpSpPr/>
-        <p:nvPr/>
-      </p:nvGrpSpPr>
-      <p:grpSpPr>
-        <a:xfrm>
-          <a:off x="0" y="0"/>
-          <a:ext cx="0" cy="0"/>
-          <a:chOff x="0" y="0"/>
-          <a:chExt cx="0" cy="0"/>
-        </a:xfrm>
-      </p:grpSpPr>
-      <p:sp>
-        <p:nvSpPr>
-          <p:cNvPr id="2" name="Title 1">
-            <a:extLst>
-              <a:ext uri="{FF2B5EF4-FFF2-40B4-BE49-F238E27FC236}">
-                <a16:creationId xmlns:a16="http://schemas.microsoft.com/office/drawing/2014/main" id="{550E5C79-1F4C-F947-AE75-14DA7E46662B}"/>
-              </a:ext>
-            </a:extLst>
-          </p:cNvPr>
-          <p:cNvSpPr>
-            <a:spLocks noGrp="1"/>
-          </p:cNvSpPr>
-          <p:nvPr>
-            <p:ph type="title"/>
-          </p:nvPr>
-        </p:nvSpPr>
-        <p:spPr/>
-        <p:txBody>
-          <a:bodyPr/>
-          <a:lstStyle/>
-          <a:p>
-            <a:r>
-              <a:rPr lang="ja-JP" altLang="en-US" dirty="0"/>
-              <a:t>通信遅延の隠蔽</a:t>
-            </a:r>
-            <a:endParaRPr lang="en-US" dirty="0"/>
-          </a:p>
-        </p:txBody>
-      </p:sp>
-      <p:sp>
-        <p:nvSpPr>
-          <p:cNvPr id="3" name="Content Placeholder 2">
-            <a:extLst>
-              <a:ext uri="{FF2B5EF4-FFF2-40B4-BE49-F238E27FC236}">
-                <a16:creationId xmlns:a16="http://schemas.microsoft.com/office/drawing/2014/main" id="{1C24AD76-6B4C-E146-8B6F-E05A4AE41C0F}"/>
-              </a:ext>
-            </a:extLst>
-          </p:cNvPr>
-          <p:cNvSpPr>
-            <a:spLocks noGrp="1"/>
-          </p:cNvSpPr>
-          <p:nvPr>
-            <p:ph idx="1"/>
-          </p:nvPr>
-        </p:nvSpPr>
-        <p:spPr/>
-        <p:txBody>
-          <a:bodyPr/>
-          <a:lstStyle/>
-          <a:p>
-            <a:r>
-              <a:rPr lang="ja-JP" altLang="en-US" dirty="0"/>
-              <a:t>各モジュールの</a:t>
-            </a:r>
-            <a:endParaRPr lang="en-US" dirty="0"/>
-          </a:p>
-        </p:txBody>
-      </p:sp>
-      <p:sp>
-        <p:nvSpPr>
-          <p:cNvPr id="4" name="Slide Number Placeholder 3">
-            <a:extLst>
-              <a:ext uri="{FF2B5EF4-FFF2-40B4-BE49-F238E27FC236}">
-                <a16:creationId xmlns:a16="http://schemas.microsoft.com/office/drawing/2014/main" id="{6A33F24D-4D08-DA43-AEBE-9CC7E38CB2C1}"/>
-              </a:ext>
-            </a:extLst>
-          </p:cNvPr>
-          <p:cNvSpPr>
-            <a:spLocks noGrp="1"/>
-          </p:cNvSpPr>
-          <p:nvPr>
-            <p:ph type="sldNum" sz="quarter" idx="12"/>
-          </p:nvPr>
-        </p:nvSpPr>
-        <p:spPr/>
-        <p:txBody>
-          <a:bodyPr/>
-          <a:lstStyle/>
-          <a:p>
-            <a:fld id="{AE60790C-7B88-2D40-A70D-E54200C05D47}" type="slidenum">
-              <a:rPr lang="en-US" smtClean="0"/>
-              <a:t>35</a:t>
-            </a:fld>
-            <a:endParaRPr lang="en-US" dirty="0"/>
-          </a:p>
-        </p:txBody>
-      </p:sp>
-    </p:spTree>
-    <p:extLst>
-      <p:ext uri="{BB962C8B-B14F-4D97-AF65-F5344CB8AC3E}">
-        <p14:creationId xmlns:p14="http://schemas.microsoft.com/office/powerpoint/2010/main" val="627599835"/>
-      </p:ext>
-    </p:extLst>
-  </p:cSld>
-  <p:clrMapOvr>
-    <a:masterClrMapping/>
-  </p:clrMapOvr>
-</p:sld>
-</file>
-
-<file path=ppt/slides/slide36.xml><?xml version="1.0" encoding="utf-8"?>
-<p:sld xmlns:a="http://schemas.openxmlformats.org/drawingml/2006/main" xmlns:r="http://schemas.openxmlformats.org/officeDocument/2006/relationships" xmlns:p="http://schemas.openxmlformats.org/presentationml/2006/main" show="0">
-  <p:cSld>
-    <p:spTree>
-      <p:nvGrpSpPr>
-        <p:cNvPr id="1" name=""/>
-        <p:cNvGrpSpPr/>
-        <p:nvPr/>
-      </p:nvGrpSpPr>
-      <p:grpSpPr>
-        <a:xfrm>
-          <a:off x="0" y="0"/>
-          <a:ext cx="0" cy="0"/>
-          <a:chOff x="0" y="0"/>
-          <a:chExt cx="0" cy="0"/>
-        </a:xfrm>
-      </p:grpSpPr>
-      <p:sp>
-        <p:nvSpPr>
-          <p:cNvPr id="2" name="Title 1">
-            <a:extLst>
-              <a:ext uri="{FF2B5EF4-FFF2-40B4-BE49-F238E27FC236}">
-                <a16:creationId xmlns:a16="http://schemas.microsoft.com/office/drawing/2014/main" id="{00659823-9A47-5A4F-BCE5-B32B117DA67E}"/>
-              </a:ext>
-            </a:extLst>
-          </p:cNvPr>
-          <p:cNvSpPr>
-            <a:spLocks noGrp="1"/>
-          </p:cNvSpPr>
-          <p:nvPr>
-            <p:ph type="title"/>
-          </p:nvPr>
-        </p:nvSpPr>
-        <p:spPr/>
-        <p:txBody>
-          <a:bodyPr/>
-          <a:lstStyle/>
-          <a:p>
-            <a:r>
-              <a:rPr lang="ja-JP" altLang="en-US" dirty="0"/>
-              <a:t>本研究のコントリビューション</a:t>
-            </a:r>
-            <a:endParaRPr lang="en-US" dirty="0"/>
-          </a:p>
-        </p:txBody>
-      </p:sp>
-      <p:sp>
-        <p:nvSpPr>
-          <p:cNvPr id="3" name="Content Placeholder 2">
-            <a:extLst>
-              <a:ext uri="{FF2B5EF4-FFF2-40B4-BE49-F238E27FC236}">
-                <a16:creationId xmlns:a16="http://schemas.microsoft.com/office/drawing/2014/main" id="{EAB14B89-0154-464B-A50C-51342609A3B7}"/>
-              </a:ext>
-            </a:extLst>
-          </p:cNvPr>
-          <p:cNvSpPr>
-            <a:spLocks noGrp="1"/>
-          </p:cNvSpPr>
-          <p:nvPr>
-            <p:ph idx="1"/>
-          </p:nvPr>
-        </p:nvSpPr>
-        <p:spPr/>
-        <p:txBody>
-          <a:bodyPr/>
-          <a:lstStyle/>
-          <a:p>
-            <a:r>
-              <a:rPr lang="ja-JP" altLang="en-US" dirty="0"/>
-              <a:t>マルチ</a:t>
-            </a:r>
-            <a:r>
-              <a:rPr lang="en-US" altLang="ja-JP" dirty="0"/>
-              <a:t>FPGA</a:t>
-            </a:r>
-            <a:r>
-              <a:rPr lang="ja-JP" altLang="en-US" dirty="0"/>
-              <a:t>による</a:t>
-            </a:r>
-            <a:r>
-              <a:rPr lang="en-US" altLang="ja-JP" dirty="0"/>
-              <a:t>CNN</a:t>
-            </a:r>
-            <a:r>
-              <a:rPr lang="ja-JP" altLang="en-US" dirty="0"/>
-              <a:t>アクセラレータ</a:t>
-            </a:r>
-            <a:endParaRPr lang="en-US" altLang="ja-JP" dirty="0"/>
-          </a:p>
-          <a:p>
-            <a:endParaRPr lang="en-US" dirty="0"/>
-          </a:p>
-          <a:p>
-            <a:r>
-              <a:rPr lang="en-US" dirty="0"/>
-              <a:t>GoogLeNet</a:t>
-            </a:r>
-            <a:r>
-              <a:rPr lang="ja-JP" altLang="en-US" dirty="0"/>
-              <a:t>の</a:t>
-            </a:r>
-            <a:r>
-              <a:rPr lang="en-US" altLang="ja-JP" dirty="0"/>
-              <a:t>FPGA</a:t>
-            </a:r>
-            <a:r>
-              <a:rPr lang="ja-JP" altLang="en-US" dirty="0"/>
-              <a:t>実装</a:t>
-            </a:r>
-            <a:endParaRPr lang="en-US" altLang="ja-JP" dirty="0"/>
-          </a:p>
-          <a:p>
-            <a:pPr lvl="1"/>
-            <a:r>
-              <a:rPr lang="en-US" altLang="ja-JP" dirty="0"/>
-              <a:t>AlexNet</a:t>
-            </a:r>
-            <a:r>
-              <a:rPr lang="ja-JP" altLang="en-US" dirty="0"/>
-              <a:t>が実装対象となりやすい</a:t>
-            </a:r>
-            <a:endParaRPr lang="en-US" dirty="0"/>
-          </a:p>
-        </p:txBody>
-      </p:sp>
-      <p:sp>
-        <p:nvSpPr>
-          <p:cNvPr id="4" name="Slide Number Placeholder 3">
-            <a:extLst>
-              <a:ext uri="{FF2B5EF4-FFF2-40B4-BE49-F238E27FC236}">
-                <a16:creationId xmlns:a16="http://schemas.microsoft.com/office/drawing/2014/main" id="{B4B3AE10-1FC2-DF49-B89E-D58156F98724}"/>
-              </a:ext>
-            </a:extLst>
-          </p:cNvPr>
-          <p:cNvSpPr>
-            <a:spLocks noGrp="1"/>
-          </p:cNvSpPr>
-          <p:nvPr>
-            <p:ph type="sldNum" sz="quarter" idx="12"/>
-          </p:nvPr>
-        </p:nvSpPr>
-        <p:spPr/>
-        <p:txBody>
-          <a:bodyPr/>
-          <a:lstStyle/>
-          <a:p>
-            <a:fld id="{AE60790C-7B88-2D40-A70D-E54200C05D47}" type="slidenum">
-              <a:rPr lang="en-US" smtClean="0"/>
-              <a:t>36</a:t>
-            </a:fld>
-            <a:endParaRPr lang="en-US" dirty="0"/>
-          </a:p>
-        </p:txBody>
-      </p:sp>
-    </p:spTree>
-    <p:extLst>
-      <p:ext uri="{BB962C8B-B14F-4D97-AF65-F5344CB8AC3E}">
-        <p14:creationId xmlns:p14="http://schemas.microsoft.com/office/powerpoint/2010/main" val="1062787650"/>
+        <p14:creationId xmlns:p14="http://schemas.microsoft.com/office/powerpoint/2010/main" val="2435657876"/>
       </p:ext>
     </p:extLst>
   </p:cSld>
